--- a/Презентация_лабораторная_Интерпретатор_Загрядсков_Максим_Болтенков_Станислав_3823Б1ПМ1_1.pptx
+++ b/Презентация_лабораторная_Интерпретатор_Загрядсков_Максим_Болтенков_Станислав_3823Б1ПМ1_1.pptx
@@ -1152,8 +1152,8 @@
         </p:blipFill>
         <p:spPr>
           <a:xfrm>
-            <a:off x="179512" y="267494"/>
-            <a:ext cx="8496944" cy="4488954"/>
+            <a:off x="3214185" y="195486"/>
+            <a:ext cx="5841383" cy="4837192"/>
           </a:xfrm>
           <a:prstGeom prst="rect">
             <a:avLst/>
@@ -1161,6 +1161,530 @@
           <a:ln/>
         </p:spPr>
       </p:pic>
+      <p:sp>
+        <p:nvSpPr>
+          <p:cNvPr id="7" name="TextBox 6"/>
+          <p:cNvSpPr txBox="1"/>
+          <p:nvPr/>
+        </p:nvSpPr>
+        <p:spPr>
+          <a:xfrm>
+            <a:off x="217964" y="2888053"/>
+            <a:ext cx="3166251" cy="1384995"/>
+          </a:xfrm>
+          <a:prstGeom prst="rect">
+            <a:avLst/>
+          </a:prstGeom>
+          <a:noFill/>
+        </p:spPr>
+        <p:txBody>
+          <a:bodyPr wrap="none" rtlCol="0">
+            <a:spAutoFit/>
+          </a:bodyPr>
+          <a:lstStyle/>
+          <a:p>
+            <a:r>
+              <a:rPr lang="en-US" sz="1400" dirty="0" err="1" smtClean="0">
+                <a:solidFill>
+                  <a:srgbClr val="4EC9B0"/>
+                </a:solidFill>
+                <a:latin typeface="Consolas" panose="020B0609020204030204" pitchFamily="49" charset="0"/>
+              </a:rPr>
+              <a:t>int</a:t>
+            </a:r>
+            <a:r>
+              <a:rPr lang="en-US" sz="1400" dirty="0" smtClean="0">
+                <a:solidFill>
+                  <a:schemeClr val="bg1"/>
+                </a:solidFill>
+                <a:latin typeface="Consolas" panose="020B0609020204030204" pitchFamily="49" charset="0"/>
+              </a:rPr>
+              <a:t> </a:t>
+            </a:r>
+            <a:r>
+              <a:rPr lang="en-US" sz="1400" dirty="0" smtClean="0">
+                <a:solidFill>
+                  <a:srgbClr val="DCDCAA"/>
+                </a:solidFill>
+                <a:latin typeface="Consolas" panose="020B0609020204030204" pitchFamily="49" charset="0"/>
+              </a:rPr>
+              <a:t>main</a:t>
+            </a:r>
+            <a:r>
+              <a:rPr lang="en-US" sz="1400" dirty="0" smtClean="0">
+                <a:solidFill>
+                  <a:schemeClr val="bg1"/>
+                </a:solidFill>
+                <a:latin typeface="Consolas" panose="020B0609020204030204" pitchFamily="49" charset="0"/>
+              </a:rPr>
+              <a:t>() {</a:t>
+            </a:r>
+          </a:p>
+          <a:p>
+            <a:r>
+              <a:rPr lang="en-US" sz="1400" dirty="0" smtClean="0">
+                <a:solidFill>
+                  <a:schemeClr val="bg1"/>
+                </a:solidFill>
+                <a:latin typeface="Consolas" panose="020B0609020204030204" pitchFamily="49" charset="0"/>
+              </a:rPr>
+              <a:t>    </a:t>
+            </a:r>
+            <a:r>
+              <a:rPr lang="en-US" sz="1400" dirty="0" err="1" smtClean="0">
+                <a:solidFill>
+                  <a:srgbClr val="4EC9B0"/>
+                </a:solidFill>
+                <a:latin typeface="Consolas" panose="020B0609020204030204" pitchFamily="49" charset="0"/>
+              </a:rPr>
+              <a:t>int</a:t>
+            </a:r>
+            <a:r>
+              <a:rPr lang="en-US" sz="1400" dirty="0" smtClean="0">
+                <a:solidFill>
+                  <a:schemeClr val="bg1"/>
+                </a:solidFill>
+                <a:latin typeface="Consolas" panose="020B0609020204030204" pitchFamily="49" charset="0"/>
+              </a:rPr>
+              <a:t> n;</a:t>
+            </a:r>
+          </a:p>
+          <a:p>
+            <a:r>
+              <a:rPr lang="en-US" sz="1400" dirty="0">
+                <a:solidFill>
+                  <a:schemeClr val="bg1"/>
+                </a:solidFill>
+                <a:latin typeface="Consolas" panose="020B0609020204030204" pitchFamily="49" charset="0"/>
+              </a:rPr>
+              <a:t> </a:t>
+            </a:r>
+            <a:r>
+              <a:rPr lang="en-US" sz="1400" dirty="0" smtClean="0">
+                <a:solidFill>
+                  <a:schemeClr val="bg1"/>
+                </a:solidFill>
+                <a:latin typeface="Consolas" panose="020B0609020204030204" pitchFamily="49" charset="0"/>
+              </a:rPr>
+              <a:t>   </a:t>
+            </a:r>
+            <a:r>
+              <a:rPr lang="en-US" sz="1400" dirty="0" smtClean="0">
+                <a:solidFill>
+                  <a:srgbClr val="A071A6"/>
+                </a:solidFill>
+                <a:latin typeface="Consolas" panose="020B0609020204030204" pitchFamily="49" charset="0"/>
+              </a:rPr>
+              <a:t>scan</a:t>
+            </a:r>
+            <a:r>
+              <a:rPr lang="en-US" sz="1400" dirty="0" smtClean="0">
+                <a:solidFill>
+                  <a:schemeClr val="bg1"/>
+                </a:solidFill>
+                <a:latin typeface="Consolas" panose="020B0609020204030204" pitchFamily="49" charset="0"/>
+              </a:rPr>
+              <a:t>(n);</a:t>
+            </a:r>
+          </a:p>
+          <a:p>
+            <a:r>
+              <a:rPr lang="en-US" sz="1400" dirty="0" smtClean="0">
+                <a:solidFill>
+                  <a:schemeClr val="bg1"/>
+                </a:solidFill>
+                <a:latin typeface="Consolas" panose="020B0609020204030204" pitchFamily="49" charset="0"/>
+              </a:rPr>
+              <a:t>    </a:t>
+            </a:r>
+            <a:r>
+              <a:rPr lang="en-US" sz="1400" dirty="0" smtClean="0">
+                <a:solidFill>
+                  <a:srgbClr val="A071A6"/>
+                </a:solidFill>
+                <a:latin typeface="Consolas" panose="020B0609020204030204" pitchFamily="49" charset="0"/>
+              </a:rPr>
+              <a:t>print</a:t>
+            </a:r>
+            <a:r>
+              <a:rPr lang="en-US" sz="1400" dirty="0" smtClean="0">
+                <a:solidFill>
+                  <a:schemeClr val="bg1"/>
+                </a:solidFill>
+                <a:latin typeface="Consolas" panose="020B0609020204030204" pitchFamily="49" charset="0"/>
+              </a:rPr>
+              <a:t>(</a:t>
+            </a:r>
+            <a:r>
+              <a:rPr lang="en-US" sz="1400" dirty="0" err="1" smtClean="0">
+                <a:solidFill>
+                  <a:srgbClr val="DCDCAA"/>
+                </a:solidFill>
+                <a:latin typeface="Consolas" panose="020B0609020204030204" pitchFamily="49" charset="0"/>
+              </a:rPr>
+              <a:t>sumDigitsNumber</a:t>
+            </a:r>
+            <a:r>
+              <a:rPr lang="en-US" sz="1400" dirty="0" smtClean="0">
+                <a:solidFill>
+                  <a:schemeClr val="bg1"/>
+                </a:solidFill>
+                <a:latin typeface="Consolas" panose="020B0609020204030204" pitchFamily="49" charset="0"/>
+              </a:rPr>
+              <a:t>(n));</a:t>
+            </a:r>
+          </a:p>
+          <a:p>
+            <a:r>
+              <a:rPr lang="en-US" sz="1400" dirty="0" smtClean="0">
+                <a:solidFill>
+                  <a:schemeClr val="bg1"/>
+                </a:solidFill>
+                <a:latin typeface="Consolas" panose="020B0609020204030204" pitchFamily="49" charset="0"/>
+              </a:rPr>
+              <a:t>    </a:t>
+            </a:r>
+            <a:r>
+              <a:rPr lang="en-US" sz="1400" dirty="0" smtClean="0">
+                <a:solidFill>
+                  <a:srgbClr val="A071A6"/>
+                </a:solidFill>
+                <a:latin typeface="Consolas" panose="020B0609020204030204" pitchFamily="49" charset="0"/>
+              </a:rPr>
+              <a:t>return</a:t>
+            </a:r>
+            <a:r>
+              <a:rPr lang="en-US" sz="1400" dirty="0" smtClean="0">
+                <a:solidFill>
+                  <a:schemeClr val="bg1"/>
+                </a:solidFill>
+                <a:latin typeface="Consolas" panose="020B0609020204030204" pitchFamily="49" charset="0"/>
+              </a:rPr>
+              <a:t> </a:t>
+            </a:r>
+            <a:r>
+              <a:rPr lang="en-US" sz="1400" dirty="0" smtClean="0">
+                <a:solidFill>
+                  <a:srgbClr val="CE9178"/>
+                </a:solidFill>
+                <a:latin typeface="Consolas" panose="020B0609020204030204" pitchFamily="49" charset="0"/>
+              </a:rPr>
+              <a:t>0</a:t>
+            </a:r>
+            <a:r>
+              <a:rPr lang="en-US" sz="1400" dirty="0" smtClean="0">
+                <a:solidFill>
+                  <a:schemeClr val="bg1"/>
+                </a:solidFill>
+                <a:latin typeface="Consolas" panose="020B0609020204030204" pitchFamily="49" charset="0"/>
+              </a:rPr>
+              <a:t>;</a:t>
+            </a:r>
+          </a:p>
+          <a:p>
+            <a:r>
+              <a:rPr lang="en-US" sz="1400" dirty="0">
+                <a:solidFill>
+                  <a:schemeClr val="bg1"/>
+                </a:solidFill>
+                <a:latin typeface="Consolas" panose="020B0609020204030204" pitchFamily="49" charset="0"/>
+              </a:rPr>
+              <a:t>}</a:t>
+            </a:r>
+            <a:endParaRPr lang="en-US" sz="1400" dirty="0" smtClean="0">
+              <a:solidFill>
+                <a:schemeClr val="bg1"/>
+              </a:solidFill>
+              <a:latin typeface="Consolas" panose="020B0609020204030204" pitchFamily="49" charset="0"/>
+            </a:endParaRPr>
+          </a:p>
+        </p:txBody>
+      </p:sp>
+      <p:sp>
+        <p:nvSpPr>
+          <p:cNvPr id="8" name="TextBox 7"/>
+          <p:cNvSpPr txBox="1"/>
+          <p:nvPr/>
+        </p:nvSpPr>
+        <p:spPr>
+          <a:xfrm>
+            <a:off x="217964" y="422920"/>
+            <a:ext cx="2967479" cy="2092881"/>
+          </a:xfrm>
+          <a:prstGeom prst="rect">
+            <a:avLst/>
+          </a:prstGeom>
+          <a:noFill/>
+        </p:spPr>
+        <p:txBody>
+          <a:bodyPr wrap="none" rtlCol="0">
+            <a:spAutoFit/>
+          </a:bodyPr>
+          <a:lstStyle/>
+          <a:p>
+            <a:r>
+              <a:rPr lang="en-US" sz="1400" dirty="0" err="1">
+                <a:solidFill>
+                  <a:srgbClr val="4EC9B0"/>
+                </a:solidFill>
+                <a:latin typeface="Consolas" panose="020B0609020204030204" pitchFamily="49" charset="0"/>
+              </a:rPr>
+              <a:t>int</a:t>
+            </a:r>
+            <a:r>
+              <a:rPr lang="en-US" sz="1400" dirty="0">
+                <a:solidFill>
+                  <a:schemeClr val="bg1"/>
+                </a:solidFill>
+                <a:latin typeface="Consolas" panose="020B0609020204030204" pitchFamily="49" charset="0"/>
+              </a:rPr>
+              <a:t> </a:t>
+            </a:r>
+            <a:r>
+              <a:rPr lang="en-US" sz="1400" dirty="0" err="1">
+                <a:solidFill>
+                  <a:srgbClr val="DCDCAA"/>
+                </a:solidFill>
+                <a:latin typeface="Consolas" panose="020B0609020204030204" pitchFamily="49" charset="0"/>
+              </a:rPr>
+              <a:t>sumDigitsNumber</a:t>
+            </a:r>
+            <a:r>
+              <a:rPr lang="en-US" sz="1400" dirty="0">
+                <a:solidFill>
+                  <a:schemeClr val="bg1"/>
+                </a:solidFill>
+                <a:latin typeface="Consolas" panose="020B0609020204030204" pitchFamily="49" charset="0"/>
+              </a:rPr>
+              <a:t>(</a:t>
+            </a:r>
+            <a:r>
+              <a:rPr lang="en-US" sz="1400" dirty="0" err="1">
+                <a:solidFill>
+                  <a:srgbClr val="4EC9B0"/>
+                </a:solidFill>
+                <a:latin typeface="Consolas" panose="020B0609020204030204" pitchFamily="49" charset="0"/>
+              </a:rPr>
+              <a:t>int</a:t>
+            </a:r>
+            <a:r>
+              <a:rPr lang="en-US" sz="1400" dirty="0">
+                <a:solidFill>
+                  <a:schemeClr val="bg1"/>
+                </a:solidFill>
+                <a:latin typeface="Consolas" panose="020B0609020204030204" pitchFamily="49" charset="0"/>
+              </a:rPr>
+              <a:t> n) {</a:t>
+            </a:r>
+          </a:p>
+          <a:p>
+            <a:r>
+              <a:rPr lang="en-US" sz="1400" dirty="0">
+                <a:solidFill>
+                  <a:schemeClr val="bg1"/>
+                </a:solidFill>
+                <a:latin typeface="Consolas" panose="020B0609020204030204" pitchFamily="49" charset="0"/>
+              </a:rPr>
+              <a:t>    </a:t>
+            </a:r>
+            <a:r>
+              <a:rPr lang="en-US" sz="1400" dirty="0" err="1">
+                <a:solidFill>
+                  <a:srgbClr val="4EC9B0"/>
+                </a:solidFill>
+                <a:latin typeface="Consolas" panose="020B0609020204030204" pitchFamily="49" charset="0"/>
+              </a:rPr>
+              <a:t>int</a:t>
+            </a:r>
+            <a:r>
+              <a:rPr lang="en-US" sz="1400" dirty="0">
+                <a:solidFill>
+                  <a:schemeClr val="bg1"/>
+                </a:solidFill>
+                <a:latin typeface="Consolas" panose="020B0609020204030204" pitchFamily="49" charset="0"/>
+              </a:rPr>
+              <a:t> res = </a:t>
+            </a:r>
+            <a:r>
+              <a:rPr lang="en-US" sz="1400" dirty="0">
+                <a:solidFill>
+                  <a:srgbClr val="CE9178"/>
+                </a:solidFill>
+                <a:latin typeface="Consolas" panose="020B0609020204030204" pitchFamily="49" charset="0"/>
+              </a:rPr>
+              <a:t>0</a:t>
+            </a:r>
+            <a:r>
+              <a:rPr lang="en-US" sz="1400" dirty="0">
+                <a:solidFill>
+                  <a:schemeClr val="bg1"/>
+                </a:solidFill>
+                <a:latin typeface="Consolas" panose="020B0609020204030204" pitchFamily="49" charset="0"/>
+              </a:rPr>
+              <a:t>;</a:t>
+            </a:r>
+          </a:p>
+          <a:p>
+            <a:r>
+              <a:rPr lang="en-US" sz="1400" dirty="0">
+                <a:solidFill>
+                  <a:schemeClr val="bg1"/>
+                </a:solidFill>
+                <a:latin typeface="Consolas" panose="020B0609020204030204" pitchFamily="49" charset="0"/>
+              </a:rPr>
+              <a:t>    </a:t>
+            </a:r>
+            <a:r>
+              <a:rPr lang="en-US" sz="1400" dirty="0">
+                <a:solidFill>
+                  <a:srgbClr val="A071A6"/>
+                </a:solidFill>
+                <a:latin typeface="Consolas" panose="020B0609020204030204" pitchFamily="49" charset="0"/>
+              </a:rPr>
+              <a:t>while</a:t>
+            </a:r>
+            <a:r>
+              <a:rPr lang="en-US" sz="1400" dirty="0">
+                <a:solidFill>
+                  <a:schemeClr val="bg1"/>
+                </a:solidFill>
+                <a:latin typeface="Consolas" panose="020B0609020204030204" pitchFamily="49" charset="0"/>
+              </a:rPr>
+              <a:t> (n &gt; </a:t>
+            </a:r>
+            <a:r>
+              <a:rPr lang="en-US" sz="1400" dirty="0">
+                <a:solidFill>
+                  <a:srgbClr val="CE9178"/>
+                </a:solidFill>
+                <a:latin typeface="Consolas" panose="020B0609020204030204" pitchFamily="49" charset="0"/>
+              </a:rPr>
+              <a:t>0</a:t>
+            </a:r>
+            <a:r>
+              <a:rPr lang="en-US" sz="1400" dirty="0">
+                <a:solidFill>
+                  <a:schemeClr val="bg1"/>
+                </a:solidFill>
+                <a:latin typeface="Consolas" panose="020B0609020204030204" pitchFamily="49" charset="0"/>
+              </a:rPr>
+              <a:t>) {</a:t>
+            </a:r>
+          </a:p>
+          <a:p>
+            <a:r>
+              <a:rPr lang="en-US" sz="1400" dirty="0">
+                <a:solidFill>
+                  <a:schemeClr val="bg1"/>
+                </a:solidFill>
+                <a:latin typeface="Consolas" panose="020B0609020204030204" pitchFamily="49" charset="0"/>
+              </a:rPr>
+              <a:t>	res += n % </a:t>
+            </a:r>
+            <a:r>
+              <a:rPr lang="en-US" sz="1400" dirty="0">
+                <a:solidFill>
+                  <a:srgbClr val="CE9178"/>
+                </a:solidFill>
+                <a:latin typeface="Consolas" panose="020B0609020204030204" pitchFamily="49" charset="0"/>
+              </a:rPr>
+              <a:t>10</a:t>
+            </a:r>
+            <a:r>
+              <a:rPr lang="en-US" sz="1400" dirty="0">
+                <a:solidFill>
+                  <a:schemeClr val="bg1"/>
+                </a:solidFill>
+                <a:latin typeface="Consolas" panose="020B0609020204030204" pitchFamily="49" charset="0"/>
+              </a:rPr>
+              <a:t>;</a:t>
+            </a:r>
+          </a:p>
+          <a:p>
+            <a:r>
+              <a:rPr lang="en-US" sz="1400" dirty="0">
+                <a:solidFill>
+                  <a:schemeClr val="bg1"/>
+                </a:solidFill>
+                <a:latin typeface="Consolas" panose="020B0609020204030204" pitchFamily="49" charset="0"/>
+              </a:rPr>
+              <a:t>	n /= </a:t>
+            </a:r>
+            <a:r>
+              <a:rPr lang="en-US" sz="1400" dirty="0">
+                <a:solidFill>
+                  <a:srgbClr val="CE9178"/>
+                </a:solidFill>
+                <a:latin typeface="Consolas" panose="020B0609020204030204" pitchFamily="49" charset="0"/>
+              </a:rPr>
+              <a:t>10</a:t>
+            </a:r>
+            <a:r>
+              <a:rPr lang="en-US" sz="1400" dirty="0">
+                <a:solidFill>
+                  <a:schemeClr val="bg1"/>
+                </a:solidFill>
+                <a:latin typeface="Consolas" panose="020B0609020204030204" pitchFamily="49" charset="0"/>
+              </a:rPr>
+              <a:t>;</a:t>
+            </a:r>
+          </a:p>
+          <a:p>
+            <a:r>
+              <a:rPr lang="en-US" sz="1400" dirty="0">
+                <a:solidFill>
+                  <a:schemeClr val="bg1"/>
+                </a:solidFill>
+                <a:latin typeface="Consolas" panose="020B0609020204030204" pitchFamily="49" charset="0"/>
+              </a:rPr>
+              <a:t>    }</a:t>
+            </a:r>
+          </a:p>
+          <a:p>
+            <a:r>
+              <a:rPr lang="en-US" sz="1400" dirty="0">
+                <a:solidFill>
+                  <a:schemeClr val="bg1"/>
+                </a:solidFill>
+                <a:latin typeface="Consolas" panose="020B0609020204030204" pitchFamily="49" charset="0"/>
+              </a:rPr>
+              <a:t>    </a:t>
+            </a:r>
+            <a:r>
+              <a:rPr lang="en-US" sz="1400" dirty="0">
+                <a:solidFill>
+                  <a:srgbClr val="A071A6"/>
+                </a:solidFill>
+                <a:latin typeface="Consolas" panose="020B0609020204030204" pitchFamily="49" charset="0"/>
+              </a:rPr>
+              <a:t>return</a:t>
+            </a:r>
+            <a:r>
+              <a:rPr lang="en-US" sz="1400" dirty="0">
+                <a:solidFill>
+                  <a:schemeClr val="bg1"/>
+                </a:solidFill>
+                <a:latin typeface="Consolas" panose="020B0609020204030204" pitchFamily="49" charset="0"/>
+              </a:rPr>
+              <a:t> res;</a:t>
+            </a:r>
+          </a:p>
+          <a:p>
+            <a:r>
+              <a:rPr lang="en-US" sz="1400" dirty="0">
+                <a:solidFill>
+                  <a:schemeClr val="bg1"/>
+                </a:solidFill>
+                <a:latin typeface="Consolas" panose="020B0609020204030204" pitchFamily="49" charset="0"/>
+              </a:rPr>
+              <a:t>}</a:t>
+            </a:r>
+          </a:p>
+          <a:p>
+            <a:endParaRPr lang="ru-RU" dirty="0"/>
+          </a:p>
+        </p:txBody>
+      </p:sp>
     </p:spTree>
     <p:extLst>
       <p:ext uri="{BB962C8B-B14F-4D97-AF65-F5344CB8AC3E}">
@@ -3400,18 +3924,7 @@
                 </a:solidFill>
                 <a:latin typeface="Calibri"/>
               </a:rPr>
-              <a:t>Проектирование программы </a:t>
-            </a:r>
-            <a:r>
-              <a:rPr lang="ru-RU" sz="2000" dirty="0" smtClean="0">
-                <a:solidFill>
-                  <a:srgbClr val="FFFFFF">
-                    <a:alpha val="100000"/>
-                  </a:srgbClr>
-                </a:solidFill>
-                <a:latin typeface="Calibri"/>
-              </a:rPr>
-              <a:t>на</a:t>
+              <a:t>Проектирование программы на</a:t>
             </a:r>
             <a:r>
               <a:rPr lang="en-US" sz="2000" u="none" strike="noStrike" cap="none" spc="0" dirty="0" smtClean="0">

--- a/Презентация_лабораторная_Интерпретатор_Загрядсков_Максим_Болтенков_Станислав_3823Б1ПМ1_1.pptx
+++ b/Презентация_лабораторная_Интерпретатор_Загрядсков_Максим_Болтенков_Станислав_3823Б1ПМ1_1.pptx
@@ -14,7 +14,7 @@
     <p:sldId id="267" r:id="rId8"/>
     <p:sldId id="268" r:id="rId9"/>
     <p:sldId id="269" r:id="rId10"/>
-    <p:sldId id="270" r:id="rId11"/>
+    <p:sldId id="272" r:id="rId11"/>
     <p:sldId id="262" r:id="rId12"/>
     <p:sldId id="263" r:id="rId13"/>
     <p:sldId id="264" r:id="rId14"/>
@@ -778,6 +778,14 @@
 <file path=ppt/slides/slide10.xml><?xml version="1.0" encoding="utf-8"?>
 <p:sld xmlns:a="http://schemas.openxmlformats.org/drawingml/2006/main" xmlns:r="http://schemas.openxmlformats.org/officeDocument/2006/relationships" xmlns:p="http://schemas.openxmlformats.org/presentationml/2006/main">
   <p:cSld>
+    <p:bg>
+      <p:bgPr>
+        <a:solidFill>
+          <a:srgbClr val="001633"/>
+        </a:solidFill>
+        <a:effectLst/>
+      </p:bgPr>
+    </p:bg>
     <p:spTree>
       <p:nvGrpSpPr>
         <p:cNvPr id="1" name=""/>
@@ -801,7 +809,7 @@
           <p:nvPr>
             <p:extLst>
               <p:ext uri="{D42A27DB-BD31-4B8C-83A1-F6EECF244321}">
-                <p14:modId xmlns:p14="http://schemas.microsoft.com/office/powerpoint/2010/main" val="3237297967"/>
+                <p14:modId xmlns:p14="http://schemas.microsoft.com/office/powerpoint/2010/main" val="1938638764"/>
               </p:ext>
             </p:extLst>
           </p:nvPr>
@@ -838,7 +846,11 @@
                     <a:bodyPr/>
                     <a:lstStyle/>
                     <a:p>
-                      <a:endParaRPr lang="ru-RU" dirty="0"/>
+                      <a:endParaRPr lang="ru-RU" dirty="0">
+                        <a:solidFill>
+                          <a:srgbClr val="001633"/>
+                        </a:solidFill>
+                      </a:endParaRPr>
                     </a:p>
                   </a:txBody>
                   <a:tcPr marL="68580" marR="68580" marT="0" marB="0">
@@ -870,7 +882,11 @@
                     <a:bodyPr/>
                     <a:lstStyle/>
                     <a:p>
-                      <a:endParaRPr lang="ru-RU" dirty="0"/>
+                      <a:endParaRPr lang="ru-RU" dirty="0">
+                        <a:solidFill>
+                          <a:srgbClr val="001633"/>
+                        </a:solidFill>
+                      </a:endParaRPr>
                     </a:p>
                   </a:txBody>
                   <a:tcPr marL="68580" marR="68580" marT="0" marB="0">
@@ -1137,30 +1153,6 @@
           </a:graphicData>
         </a:graphic>
       </p:graphicFrame>
-      <p:pic>
-        <p:nvPicPr>
-          <p:cNvPr id="20" name="image3.png"/>
-          <p:cNvPicPr/>
-          <p:nvPr/>
-        </p:nvPicPr>
-        <p:blipFill>
-          <a:blip r:embed="rId2"/>
-          <a:srcRect/>
-          <a:stretch>
-            <a:fillRect/>
-          </a:stretch>
-        </p:blipFill>
-        <p:spPr>
-          <a:xfrm>
-            <a:off x="3214185" y="195486"/>
-            <a:ext cx="5841383" cy="4837192"/>
-          </a:xfrm>
-          <a:prstGeom prst="rect">
-            <a:avLst/>
-          </a:prstGeom>
-          <a:ln/>
-        </p:spPr>
-      </p:pic>
       <p:sp>
         <p:nvSpPr>
           <p:cNvPr id="7" name="TextBox 6"/>
@@ -1685,10 +1677,40 @@
           </a:p>
         </p:txBody>
       </p:sp>
+      <p:pic>
+        <p:nvPicPr>
+          <p:cNvPr id="9" name="Рисунок 8"/>
+          <p:cNvPicPr>
+            <a:picLocks noChangeAspect="1"/>
+          </p:cNvPicPr>
+          <p:nvPr/>
+        </p:nvPicPr>
+        <p:blipFill>
+          <a:blip r:embed="rId2">
+            <a:extLst>
+              <a:ext uri="{28A0092B-C50C-407E-A947-70E740481C1C}">
+                <a14:useLocalDpi xmlns:a14="http://schemas.microsoft.com/office/drawing/2010/main" val="0"/>
+              </a:ext>
+            </a:extLst>
+          </a:blip>
+          <a:stretch>
+            <a:fillRect/>
+          </a:stretch>
+        </p:blipFill>
+        <p:spPr>
+          <a:xfrm>
+            <a:off x="3491880" y="138868"/>
+            <a:ext cx="5328592" cy="4950490"/>
+          </a:xfrm>
+          <a:prstGeom prst="rect">
+            <a:avLst/>
+          </a:prstGeom>
+        </p:spPr>
+      </p:pic>
     </p:spTree>
     <p:extLst>
       <p:ext uri="{BB962C8B-B14F-4D97-AF65-F5344CB8AC3E}">
-        <p14:creationId xmlns:p14="http://schemas.microsoft.com/office/powerpoint/2010/main" val="159435336"/>
+        <p14:creationId xmlns:p14="http://schemas.microsoft.com/office/powerpoint/2010/main" val="3934680506"/>
       </p:ext>
     </p:extLst>
   </p:cSld>

--- a/Презентация_лабораторная_Интерпретатор_Загрядсков_Максим_Болтенков_Станислав_3823Б1ПМ1_1.pptx
+++ b/Презентация_лабораторная_Интерпретатор_Загрядсков_Максим_Болтенков_Станислав_3823Б1ПМ1_1.pptx
@@ -1176,7 +1176,7 @@
           <a:lstStyle/>
           <a:p>
             <a:r>
-              <a:rPr lang="en-US" sz="1400" dirty="0" err="1" smtClean="0">
+              <a:rPr lang="en-US" sz="1400" dirty="0" err="1">
                 <a:solidFill>
                   <a:srgbClr val="4EC9B0"/>
                 </a:solidFill>
@@ -1185,7 +1185,7 @@
               <a:t>int</a:t>
             </a:r>
             <a:r>
-              <a:rPr lang="en-US" sz="1400" dirty="0" smtClean="0">
+              <a:rPr lang="en-US" sz="1400" dirty="0">
                 <a:solidFill>
                   <a:schemeClr val="bg1"/>
                 </a:solidFill>
@@ -1194,7 +1194,7 @@
               <a:t> </a:t>
             </a:r>
             <a:r>
-              <a:rPr lang="en-US" sz="1400" dirty="0" smtClean="0">
+              <a:rPr lang="en-US" sz="1400" dirty="0">
                 <a:solidFill>
                   <a:srgbClr val="DCDCAA"/>
                 </a:solidFill>
@@ -1203,7 +1203,7 @@
               <a:t>main</a:t>
             </a:r>
             <a:r>
-              <a:rPr lang="en-US" sz="1400" dirty="0" smtClean="0">
+              <a:rPr lang="en-US" sz="1400" dirty="0">
                 <a:solidFill>
                   <a:schemeClr val="bg1"/>
                 </a:solidFill>
@@ -1214,7 +1214,7 @@
           </a:p>
           <a:p>
             <a:r>
-              <a:rPr lang="en-US" sz="1400" dirty="0" smtClean="0">
+              <a:rPr lang="en-US" sz="1400" dirty="0">
                 <a:solidFill>
                   <a:schemeClr val="bg1"/>
                 </a:solidFill>
@@ -1223,7 +1223,7 @@
               <a:t>    </a:t>
             </a:r>
             <a:r>
-              <a:rPr lang="en-US" sz="1400" dirty="0" err="1" smtClean="0">
+              <a:rPr lang="en-US" sz="1400" dirty="0" err="1">
                 <a:solidFill>
                   <a:srgbClr val="4EC9B0"/>
                 </a:solidFill>
@@ -1232,7 +1232,7 @@
               <a:t>int</a:t>
             </a:r>
             <a:r>
-              <a:rPr lang="en-US" sz="1400" dirty="0" smtClean="0">
+              <a:rPr lang="en-US" sz="1400" dirty="0">
                 <a:solidFill>
                   <a:schemeClr val="bg1"/>
                 </a:solidFill>
@@ -1249,28 +1249,19 @@
                 </a:solidFill>
                 <a:latin typeface="Consolas" panose="020B0609020204030204" pitchFamily="49" charset="0"/>
               </a:rPr>
-              <a:t> </a:t>
-            </a:r>
-            <a:r>
-              <a:rPr lang="en-US" sz="1400" dirty="0" smtClean="0">
-                <a:solidFill>
-                  <a:schemeClr val="bg1"/>
+              <a:t>    </a:t>
+            </a:r>
+            <a:r>
+              <a:rPr lang="en-US" sz="1400" dirty="0">
+                <a:solidFill>
+                  <a:srgbClr val="A071A6"/>
                 </a:solidFill>
                 <a:latin typeface="Consolas" panose="020B0609020204030204" pitchFamily="49" charset="0"/>
               </a:rPr>
-              <a:t>   </a:t>
-            </a:r>
-            <a:r>
-              <a:rPr lang="en-US" sz="1400" dirty="0" smtClean="0">
-                <a:solidFill>
-                  <a:srgbClr val="A071A6"/>
-                </a:solidFill>
-                <a:latin typeface="Consolas" panose="020B0609020204030204" pitchFamily="49" charset="0"/>
-              </a:rPr>
               <a:t>scan</a:t>
             </a:r>
             <a:r>
-              <a:rPr lang="en-US" sz="1400" dirty="0" smtClean="0">
+              <a:rPr lang="en-US" sz="1400" dirty="0">
                 <a:solidFill>
                   <a:schemeClr val="bg1"/>
                 </a:solidFill>
@@ -1281,7 +1272,7 @@
           </a:p>
           <a:p>
             <a:r>
-              <a:rPr lang="en-US" sz="1400" dirty="0" smtClean="0">
+              <a:rPr lang="en-US" sz="1400" dirty="0">
                 <a:solidFill>
                   <a:schemeClr val="bg1"/>
                 </a:solidFill>
@@ -1290,7 +1281,7 @@
               <a:t>    </a:t>
             </a:r>
             <a:r>
-              <a:rPr lang="en-US" sz="1400" dirty="0" smtClean="0">
+              <a:rPr lang="en-US" sz="1400" dirty="0">
                 <a:solidFill>
                   <a:srgbClr val="A071A6"/>
                 </a:solidFill>
@@ -1299,7 +1290,7 @@
               <a:t>print</a:t>
             </a:r>
             <a:r>
-              <a:rPr lang="en-US" sz="1400" dirty="0" smtClean="0">
+              <a:rPr lang="en-US" sz="1400" dirty="0">
                 <a:solidFill>
                   <a:schemeClr val="bg1"/>
                 </a:solidFill>
@@ -1308,7 +1299,7 @@
               <a:t>(</a:t>
             </a:r>
             <a:r>
-              <a:rPr lang="en-US" sz="1400" dirty="0" err="1" smtClean="0">
+              <a:rPr lang="en-US" sz="1400" dirty="0" err="1">
                 <a:solidFill>
                   <a:srgbClr val="DCDCAA"/>
                 </a:solidFill>
@@ -1317,7 +1308,7 @@
               <a:t>sumDigitsNumber</a:t>
             </a:r>
             <a:r>
-              <a:rPr lang="en-US" sz="1400" dirty="0" smtClean="0">
+              <a:rPr lang="en-US" sz="1400" dirty="0">
                 <a:solidFill>
                   <a:schemeClr val="bg1"/>
                 </a:solidFill>
@@ -1328,7 +1319,7 @@
           </a:p>
           <a:p>
             <a:r>
-              <a:rPr lang="en-US" sz="1400" dirty="0" smtClean="0">
+              <a:rPr lang="en-US" sz="1400" dirty="0">
                 <a:solidFill>
                   <a:schemeClr val="bg1"/>
                 </a:solidFill>
@@ -1337,7 +1328,7 @@
               <a:t>    </a:t>
             </a:r>
             <a:r>
-              <a:rPr lang="en-US" sz="1400" dirty="0" smtClean="0">
+              <a:rPr lang="en-US" sz="1400" dirty="0">
                 <a:solidFill>
                   <a:srgbClr val="A071A6"/>
                 </a:solidFill>
@@ -1346,7 +1337,7 @@
               <a:t>return</a:t>
             </a:r>
             <a:r>
-              <a:rPr lang="en-US" sz="1400" dirty="0" smtClean="0">
+              <a:rPr lang="en-US" sz="1400" dirty="0">
                 <a:solidFill>
                   <a:schemeClr val="bg1"/>
                 </a:solidFill>
@@ -1355,7 +1346,7 @@
               <a:t> </a:t>
             </a:r>
             <a:r>
-              <a:rPr lang="en-US" sz="1400" dirty="0" smtClean="0">
+              <a:rPr lang="en-US" sz="1400" dirty="0">
                 <a:solidFill>
                   <a:srgbClr val="CE9178"/>
                 </a:solidFill>
@@ -1364,7 +1355,7 @@
               <a:t>0</a:t>
             </a:r>
             <a:r>
-              <a:rPr lang="en-US" sz="1400" dirty="0" smtClean="0">
+              <a:rPr lang="en-US" sz="1400" dirty="0">
                 <a:solidFill>
                   <a:schemeClr val="bg1"/>
                 </a:solidFill>
@@ -1383,12 +1374,6 @@
               </a:rPr>
               <a:t>}</a:t>
             </a:r>
-            <a:endParaRPr lang="en-US" sz="1400" dirty="0" smtClean="0">
-              <a:solidFill>
-                <a:schemeClr val="bg1"/>
-              </a:solidFill>
-              <a:latin typeface="Consolas" panose="020B0609020204030204" pitchFamily="49" charset="0"/>
-            </a:endParaRPr>
           </a:p>
         </p:txBody>
       </p:sp>
@@ -1793,7 +1778,7 @@
         <p:spPr>
           <a:xfrm>
             <a:off x="914400" y="1800225"/>
-            <a:ext cx="7315200" cy="1323439"/>
+            <a:ext cx="7315200" cy="1631216"/>
           </a:xfrm>
           <a:prstGeom prst="rect">
             <a:avLst/>
@@ -1906,7 +1891,7 @@
               <a:t> </a:t>
             </a:r>
             <a:r>
-              <a:rPr lang="en-US" sz="2000" u="none" strike="noStrike" cap="none" spc="0" dirty="0" err="1" smtClean="0">
+              <a:rPr lang="en-US" sz="2000" u="none" strike="noStrike" cap="none" spc="0" dirty="0" err="1">
                 <a:solidFill>
                   <a:srgbClr val="FFFFFF">
                     <a:alpha val="100000"/>
@@ -1917,7 +1902,7 @@
               <a:t>кода</a:t>
             </a:r>
             <a:r>
-              <a:rPr lang="ru-RU" sz="2000" dirty="0" smtClean="0">
+              <a:rPr lang="ru-RU" sz="2000" dirty="0">
                 <a:solidFill>
                   <a:srgbClr val="FFFFFF">
                     <a:alpha val="100000"/>
@@ -2037,6 +2022,39 @@
                 <a:latin typeface="Calibri"/>
               </a:rPr>
               <a:t>скобок</a:t>
+            </a:r>
+            <a:r>
+              <a:rPr lang="en-US" sz="2000" dirty="0">
+                <a:solidFill>
+                  <a:srgbClr val="FFFFFF">
+                    <a:alpha val="100000"/>
+                  </a:srgbClr>
+                </a:solidFill>
+                <a:latin typeface="Calibri"/>
+              </a:rPr>
+              <a:t>, </a:t>
+            </a:r>
+            <a:r>
+              <a:rPr lang="ru-RU" sz="2000" dirty="0">
+                <a:solidFill>
+                  <a:srgbClr val="FFFFFF">
+                    <a:alpha val="100000"/>
+                  </a:srgbClr>
+                </a:solidFill>
+                <a:latin typeface="Calibri"/>
+              </a:rPr>
+              <a:t>некорректное объявление переменных и </a:t>
+            </a:r>
+            <a:r>
+              <a:rPr lang="ru-RU" sz="2000" dirty="0" err="1">
+                <a:solidFill>
+                  <a:srgbClr val="FFFFFF">
+                    <a:alpha val="100000"/>
+                  </a:srgbClr>
+                </a:solidFill>
+                <a:latin typeface="Calibri"/>
+              </a:rPr>
+              <a:t>т.д</a:t>
             </a:r>
             <a:r>
               <a:rPr lang="en-US" sz="2000" u="none" strike="noStrike" cap="none" spc="0" dirty="0">
@@ -2200,7 +2218,7 @@
               </a:spcAft>
             </a:pPr>
             <a:r>
-              <a:rPr lang="ru-RU" sz="4000" b="1" u="none" strike="noStrike" cap="none" spc="0" dirty="0" smtClean="0">
+              <a:rPr lang="ru-RU" sz="4000" b="1" u="none" strike="noStrike" cap="none" spc="0" dirty="0">
                 <a:solidFill>
                   <a:srgbClr val="FFAB40">
                     <a:alpha val="100000"/>
@@ -2343,7 +2361,7 @@
               <a:t> </a:t>
             </a:r>
             <a:r>
-              <a:rPr lang="en-US" sz="2800" b="1" u="none" strike="noStrike" cap="none" spc="0" dirty="0" err="1" smtClean="0">
+              <a:rPr lang="en-US" sz="2800" b="1" u="none" strike="noStrike" cap="none" spc="0" dirty="0" err="1">
                 <a:solidFill>
                   <a:srgbClr val="FFFFFF">
                     <a:alpha val="100000"/>
@@ -2354,7 +2372,7 @@
               <a:t>код</a:t>
             </a:r>
             <a:r>
-              <a:rPr lang="ru-RU" sz="2800" b="1" dirty="0" smtClean="0">
+              <a:rPr lang="ru-RU" sz="2800" b="1" dirty="0">
                 <a:solidFill>
                   <a:srgbClr val="FFFFFF">
                     <a:alpha val="100000"/>
@@ -2365,7 +2383,7 @@
               <a:t>, корректно выполняя все из </a:t>
             </a:r>
             <a:r>
-              <a:rPr lang="en-US" sz="2800" b="1" u="none" strike="noStrike" cap="none" spc="0" dirty="0" err="1" smtClean="0">
+              <a:rPr lang="en-US" sz="2800" b="1" u="none" strike="noStrike" cap="none" spc="0" dirty="0" err="1">
                 <a:solidFill>
                   <a:srgbClr val="FFFFFF">
                     <a:alpha val="100000"/>
@@ -2376,7 +2394,7 @@
               <a:t>поддерживаемых</a:t>
             </a:r>
             <a:r>
-              <a:rPr lang="en-US" sz="2800" b="1" u="none" strike="noStrike" cap="none" spc="0" dirty="0" smtClean="0">
+              <a:rPr lang="en-US" sz="2800" b="1" u="none" strike="noStrike" cap="none" spc="0" dirty="0">
                 <a:solidFill>
                   <a:srgbClr val="FFFFFF">
                     <a:alpha val="100000"/>
@@ -2514,7 +2532,7 @@
               </a:spcAft>
             </a:pPr>
             <a:r>
-              <a:rPr lang="ru-RU" sz="2800" b="1" dirty="0" smtClean="0">
+              <a:rPr lang="ru-RU" sz="2800" b="1" dirty="0">
                 <a:solidFill>
                   <a:srgbClr val="FFAB40">
                     <a:alpha val="100000"/>
@@ -2544,7 +2562,7 @@
         <p:spPr>
           <a:xfrm>
             <a:off x="914400" y="1543050"/>
-            <a:ext cx="7315200" cy="609398"/>
+            <a:ext cx="7315200" cy="806375"/>
           </a:xfrm>
           <a:prstGeom prst="rect">
             <a:avLst/>
@@ -2587,7 +2605,7 @@
               <a:t> </a:t>
             </a:r>
             <a:r>
-              <a:rPr lang="en-US" sz="1400" b="1" u="none" strike="noStrike" cap="none" spc="0" dirty="0">
+              <a:rPr lang="en-US" sz="2000" b="1" u="none" strike="noStrike" cap="none" spc="0" dirty="0">
                 <a:solidFill>
                   <a:srgbClr val="FFFFFF">
                     <a:alpha val="100000"/>
@@ -2596,21 +2614,9 @@
                 <a:latin typeface="Calibri"/>
                 <a:hlinkClick r:id="rId2"/>
               </a:rPr>
-              <a:t>https://</a:t>
-            </a:r>
-            <a:r>
-              <a:rPr lang="en-US" sz="1400" b="1" u="none" strike="noStrike" cap="none" spc="0" dirty="0" smtClean="0">
-                <a:solidFill>
-                  <a:srgbClr val="FFFFFF">
-                    <a:alpha val="100000"/>
-                  </a:srgbClr>
-                </a:solidFill>
-                <a:latin typeface="Calibri"/>
-                <a:hlinkClick r:id="rId2"/>
-              </a:rPr>
-              <a:t>github.com/ValentinV95/mp2-2024-lab3-postfix/pull/3</a:t>
-            </a:r>
-            <a:endParaRPr lang="en-US" sz="1400" b="1" u="none" strike="noStrike" cap="none" spc="0" dirty="0">
+              <a:t>https://github.com/ValentinV95/mp2-2024-lab3-postfix/pull/3</a:t>
+            </a:r>
+            <a:endParaRPr lang="en-US" sz="2000" b="1" u="none" strike="noStrike" cap="none" spc="0" dirty="0">
               <a:solidFill>
                 <a:srgbClr val="FFFFFF">
                   <a:alpha val="100000"/>
@@ -2639,7 +2645,7 @@
               <a:buChar char="-"/>
             </a:pPr>
             <a:r>
-              <a:rPr lang="en-US" sz="1400" b="1" u="none" strike="noStrike" cap="none" spc="0" dirty="0">
+              <a:rPr lang="en-US" sz="2000" b="1" u="none" strike="noStrike" cap="none" spc="0" dirty="0">
                 <a:solidFill>
                   <a:srgbClr val="FFFFFF">
                     <a:alpha val="100000"/>
@@ -2650,7 +2656,7 @@
               <a:t> </a:t>
             </a:r>
             <a:r>
-              <a:rPr lang="en-US" sz="1400" b="1" u="none" strike="noStrike" cap="none" spc="0" dirty="0">
+              <a:rPr lang="en-US" sz="2000" b="1" u="none" strike="noStrike" cap="none" spc="0" dirty="0">
                 <a:solidFill>
                   <a:srgbClr val="FFFFFF">
                     <a:alpha val="100000"/>
@@ -2659,22 +2665,10 @@
                 <a:latin typeface="Calibri"/>
                 <a:hlinkClick r:id="rId3"/>
               </a:rPr>
-              <a:t>https://</a:t>
-            </a:r>
-            <a:r>
-              <a:rPr lang="en-US" sz="1400" b="1" u="none" strike="noStrike" cap="none" spc="0" dirty="0" smtClean="0">
-                <a:solidFill>
-                  <a:srgbClr val="FFFFFF">
-                    <a:alpha val="100000"/>
-                  </a:srgbClr>
-                </a:solidFill>
-                <a:latin typeface="Calibri"/>
-                <a:hlinkClick r:id="rId3"/>
-              </a:rPr>
-              <a:t>en.wikipedia.org/wiki/ANSI_C</a:t>
-            </a:r>
-            <a:r>
-              <a:rPr lang="ru-RU" sz="1400" b="1" dirty="0">
+              <a:t>https://en.wikipedia.org/wiki/ANSI_C</a:t>
+            </a:r>
+            <a:r>
+              <a:rPr lang="ru-RU" sz="2000" b="1" dirty="0">
                 <a:solidFill>
                   <a:srgbClr val="FFFFFF">
                     <a:alpha val="100000"/>
@@ -2684,7 +2678,7 @@
               </a:rPr>
               <a:t> </a:t>
             </a:r>
-            <a:endParaRPr lang="en-US" sz="1400" b="1" u="none" strike="noStrike" cap="none" spc="0" dirty="0">
+            <a:endParaRPr lang="en-US" sz="2000" b="1" u="none" strike="noStrike" cap="none" spc="0" dirty="0">
               <a:solidFill>
                 <a:srgbClr val="FFFFFF">
                   <a:alpha val="100000"/>
@@ -2754,7 +2748,7 @@
               </a:spcAft>
             </a:pPr>
             <a:r>
-              <a:rPr lang="ru-RU" sz="6000" b="1" u="none" strike="noStrike" cap="none" spc="0" dirty="0" smtClean="0">
+              <a:rPr lang="ru-RU" sz="6000" b="1" u="none" strike="noStrike" cap="none" spc="0" dirty="0">
                 <a:solidFill>
                   <a:srgbClr val="FFFFFF">
                     <a:alpha val="100000"/>
@@ -2834,7 +2828,7 @@
               </a:spcAft>
             </a:pPr>
             <a:r>
-              <a:rPr lang="ru-RU" sz="4000" b="1" u="none" strike="noStrike" cap="none" spc="0" dirty="0" smtClean="0">
+              <a:rPr lang="ru-RU" sz="4000" b="1" u="none" strike="noStrike" cap="none" spc="0" dirty="0">
                 <a:solidFill>
                   <a:srgbClr val="FFAB40">
                     <a:alpha val="100000"/>
@@ -2889,7 +2883,7 @@
               </a:spcAft>
             </a:pPr>
             <a:r>
-              <a:rPr lang="ru-RU" sz="2800" b="1" u="none" strike="noStrike" cap="none" spc="0" dirty="0" smtClean="0">
+              <a:rPr lang="ru-RU" sz="2800" b="1" u="none" strike="noStrike" cap="none" spc="0" dirty="0">
                 <a:solidFill>
                   <a:srgbClr val="FFFFFF">
                     <a:alpha val="100000"/>
@@ -2900,7 +2894,7 @@
               <a:t>В данной презентации рассмотрена </a:t>
             </a:r>
             <a:r>
-              <a:rPr lang="en-US" sz="2800" b="1" u="none" strike="noStrike" cap="none" spc="0" dirty="0" err="1" smtClean="0">
+              <a:rPr lang="en-US" sz="2800" b="1" u="none" strike="noStrike" cap="none" spc="0" dirty="0" err="1">
                 <a:solidFill>
                   <a:srgbClr val="FFFFFF">
                     <a:alpha val="100000"/>
@@ -2911,7 +2905,7 @@
               <a:t>разработк</a:t>
             </a:r>
             <a:r>
-              <a:rPr lang="ru-RU" sz="2800" b="1" u="none" strike="noStrike" cap="none" spc="0" dirty="0" smtClean="0">
+              <a:rPr lang="ru-RU" sz="2800" b="1" u="none" strike="noStrike" cap="none" spc="0" dirty="0">
                 <a:solidFill>
                   <a:srgbClr val="FFFFFF">
                     <a:alpha val="100000"/>
@@ -2922,7 +2916,7 @@
               <a:t>а</a:t>
             </a:r>
             <a:r>
-              <a:rPr lang="en-US" sz="2800" b="1" u="none" strike="noStrike" cap="none" spc="0" dirty="0" smtClean="0">
+              <a:rPr lang="en-US" sz="2800" b="1" u="none" strike="noStrike" cap="none" spc="0" dirty="0">
                 <a:solidFill>
                   <a:srgbClr val="FFFFFF">
                     <a:alpha val="100000"/>
@@ -2955,7 +2949,7 @@
               <a:t>, </a:t>
             </a:r>
             <a:r>
-              <a:rPr lang="ru-RU" sz="2800" b="1" u="none" strike="noStrike" cap="none" spc="0" dirty="0" smtClean="0">
+              <a:rPr lang="ru-RU" sz="2800" b="1" u="none" strike="noStrike" cap="none" spc="0" dirty="0">
                 <a:solidFill>
                   <a:srgbClr val="FFFFFF">
                     <a:alpha val="100000"/>
@@ -2966,7 +2960,7 @@
               <a:t>интерпретирующей </a:t>
             </a:r>
             <a:r>
-              <a:rPr lang="en-US" sz="2800" b="1" u="none" strike="noStrike" cap="none" spc="0" dirty="0" err="1" smtClean="0">
+              <a:rPr lang="en-US" sz="2800" b="1" u="none" strike="noStrike" cap="none" spc="0" dirty="0" err="1">
                 <a:solidFill>
                   <a:srgbClr val="FFFFFF">
                     <a:alpha val="100000"/>
@@ -2977,7 +2971,7 @@
               <a:t>код</a:t>
             </a:r>
             <a:r>
-              <a:rPr lang="en-US" sz="2800" b="1" u="none" strike="noStrike" cap="none" spc="0" dirty="0" smtClean="0">
+              <a:rPr lang="en-US" sz="2800" b="1" u="none" strike="noStrike" cap="none" spc="0" dirty="0">
                 <a:solidFill>
                   <a:srgbClr val="FFFFFF">
                     <a:alpha val="100000"/>
@@ -3054,7 +3048,7 @@
               <a:t>, </a:t>
             </a:r>
             <a:r>
-              <a:rPr lang="en-US" sz="2800" b="1" u="none" strike="noStrike" cap="none" spc="0" dirty="0" err="1" smtClean="0">
+              <a:rPr lang="en-US" sz="2800" b="1" u="none" strike="noStrike" cap="none" spc="0" dirty="0" err="1">
                 <a:solidFill>
                   <a:srgbClr val="FFFFFF">
                     <a:alpha val="100000"/>
@@ -3065,7 +3059,7 @@
               <a:t>поддерживающе</a:t>
             </a:r>
             <a:r>
-              <a:rPr lang="ru-RU" sz="2800" b="1" u="none" strike="noStrike" cap="none" spc="0" dirty="0" smtClean="0">
+              <a:rPr lang="ru-RU" sz="2800" b="1" u="none" strike="noStrike" cap="none" spc="0" dirty="0">
                 <a:solidFill>
                   <a:srgbClr val="FFFFFF">
                     <a:alpha val="100000"/>
@@ -3076,7 +3070,7 @@
               <a:t>й</a:t>
             </a:r>
             <a:r>
-              <a:rPr lang="en-US" sz="2800" b="1" u="none" strike="noStrike" cap="none" spc="0" dirty="0" smtClean="0">
+              <a:rPr lang="en-US" sz="2800" b="1" u="none" strike="noStrike" cap="none" spc="0" dirty="0">
                 <a:solidFill>
                   <a:srgbClr val="FFFFFF">
                     <a:alpha val="100000"/>
@@ -3194,32 +3188,10 @@
                 </a:solidFill>
                 <a:latin typeface="Calibri"/>
               </a:rPr>
-              <a:t> C89</a:t>
-            </a:r>
-            <a:r>
-              <a:rPr lang="en-US" sz="2800" b="1" u="none" strike="noStrike" cap="none" spc="0" dirty="0" smtClean="0">
-                <a:solidFill>
-                  <a:srgbClr val="FFFFFF">
-                    <a:alpha val="100000"/>
-                  </a:srgbClr>
-                </a:solidFill>
-                <a:latin typeface="Calibri"/>
-              </a:rPr>
-              <a:t>.</a:t>
-            </a:r>
-            <a:r>
-              <a:rPr lang="ru-RU" sz="2800" b="1" u="none" strike="noStrike" cap="none" spc="0" dirty="0" smtClean="0">
-                <a:solidFill>
-                  <a:srgbClr val="FFFFFF">
-                    <a:alpha val="100000"/>
-                  </a:srgbClr>
-                </a:solidFill>
-                <a:latin typeface="Calibri"/>
-              </a:rPr>
-              <a:t/>
+              <a:t> C89.</a:t>
             </a:r>
             <a:br>
-              <a:rPr lang="ru-RU" sz="2800" b="1" u="none" strike="noStrike" cap="none" spc="0" dirty="0" smtClean="0">
+              <a:rPr lang="ru-RU" sz="2800" b="1" u="none" strike="noStrike" cap="none" spc="0" dirty="0">
                 <a:solidFill>
                   <a:srgbClr val="FFFFFF">
                     <a:alpha val="100000"/>
@@ -3228,7 +3200,7 @@
                 <a:latin typeface="Calibri"/>
               </a:rPr>
             </a:br>
-            <a:endParaRPr lang="ru-RU" sz="2800" b="1" u="none" strike="noStrike" cap="none" spc="0" dirty="0" smtClean="0">
+            <a:endParaRPr lang="ru-RU" sz="2800" b="1" u="none" strike="noStrike" cap="none" spc="0" dirty="0">
               <a:solidFill>
                 <a:srgbClr val="FFFFFF">
                   <a:alpha val="100000"/>
@@ -3250,7 +3222,7 @@
               </a:spcAft>
             </a:pPr>
             <a:r>
-              <a:rPr lang="ru-RU" sz="2000" b="1" dirty="0" smtClean="0">
+              <a:rPr lang="ru-RU" sz="2000" b="1" dirty="0">
                 <a:solidFill>
                   <a:srgbClr val="FFFFFF">
                     <a:alpha val="100000"/>
@@ -3532,7 +3504,7 @@
 </a:t>
             </a:r>
             <a:r>
-              <a:rPr lang="ru-RU" sz="2000" u="none" strike="noStrike" cap="none" spc="0" dirty="0" smtClean="0">
+              <a:rPr lang="ru-RU" sz="2000" u="none" strike="noStrike" cap="none" spc="0" dirty="0">
                 <a:solidFill>
                   <a:srgbClr val="FFFFFF">
                     <a:alpha val="100000"/>
@@ -3554,7 +3526,7 @@
               <a:t>п</a:t>
             </a:r>
             <a:r>
-              <a:rPr lang="en-US" sz="2000" u="none" strike="noStrike" cap="none" spc="0" dirty="0" err="1" smtClean="0">
+              <a:rPr lang="en-US" sz="2000" u="none" strike="noStrike" cap="none" spc="0" dirty="0" err="1">
                 <a:solidFill>
                   <a:srgbClr val="FFFFFF">
                     <a:alpha val="100000"/>
@@ -3565,7 +3537,7 @@
               <a:t>оддерж</a:t>
             </a:r>
             <a:r>
-              <a:rPr lang="ru-RU" sz="2000" u="none" strike="noStrike" cap="none" spc="0" dirty="0" smtClean="0">
+              <a:rPr lang="ru-RU" sz="2000" u="none" strike="noStrike" cap="none" spc="0" dirty="0">
                 <a:solidFill>
                   <a:srgbClr val="FFFFFF">
                     <a:alpha val="100000"/>
@@ -3576,7 +3548,7 @@
               <a:t>ку</a:t>
             </a:r>
             <a:r>
-              <a:rPr lang="en-US" sz="2000" u="none" strike="noStrike" cap="none" spc="0" dirty="0" smtClean="0">
+              <a:rPr lang="en-US" sz="2000" u="none" strike="noStrike" cap="none" spc="0" dirty="0">
                 <a:solidFill>
                   <a:srgbClr val="FFFFFF">
                     <a:alpha val="100000"/>
@@ -3587,7 +3559,7 @@
               <a:t> </a:t>
             </a:r>
             <a:r>
-              <a:rPr lang="en-US" sz="2000" u="none" strike="noStrike" cap="none" spc="0" dirty="0" err="1" smtClean="0">
+              <a:rPr lang="en-US" sz="2000" u="none" strike="noStrike" cap="none" spc="0" dirty="0" err="1">
                 <a:solidFill>
                   <a:srgbClr val="FFFFFF">
                     <a:alpha val="100000"/>
@@ -3598,7 +3570,7 @@
               <a:t>максимально</a:t>
             </a:r>
             <a:r>
-              <a:rPr lang="ru-RU" sz="2000" dirty="0" err="1" smtClean="0">
+              <a:rPr lang="ru-RU" sz="2000" dirty="0" err="1">
                 <a:solidFill>
                   <a:srgbClr val="FFFFFF">
                     <a:alpha val="100000"/>
@@ -3609,7 +3581,7 @@
               <a:t>го</a:t>
             </a:r>
             <a:r>
-              <a:rPr lang="en-US" sz="2000" u="none" strike="noStrike" cap="none" spc="0" dirty="0" smtClean="0">
+              <a:rPr lang="en-US" sz="2000" u="none" strike="noStrike" cap="none" spc="0" dirty="0">
                 <a:solidFill>
                   <a:srgbClr val="FFFFFF">
                     <a:alpha val="100000"/>
@@ -3620,7 +3592,7 @@
               <a:t> </a:t>
             </a:r>
             <a:r>
-              <a:rPr lang="en-US" sz="2000" u="none" strike="noStrike" cap="none" spc="0" dirty="0" err="1" smtClean="0">
+              <a:rPr lang="en-US" sz="2000" u="none" strike="noStrike" cap="none" spc="0" dirty="0" err="1">
                 <a:solidFill>
                   <a:srgbClr val="FFFFFF">
                     <a:alpha val="100000"/>
@@ -3631,7 +3603,7 @@
               <a:t>количеств</a:t>
             </a:r>
             <a:r>
-              <a:rPr lang="ru-RU" sz="2000" u="none" strike="noStrike" cap="none" spc="0" dirty="0" smtClean="0">
+              <a:rPr lang="ru-RU" sz="2000" u="none" strike="noStrike" cap="none" spc="0" dirty="0">
                 <a:solidFill>
                   <a:srgbClr val="FFFFFF">
                     <a:alpha val="100000"/>
@@ -3642,7 +3614,7 @@
               <a:t>а</a:t>
             </a:r>
             <a:r>
-              <a:rPr lang="en-US" sz="2000" u="none" strike="noStrike" cap="none" spc="0" dirty="0" smtClean="0">
+              <a:rPr lang="en-US" sz="2000" u="none" strike="noStrike" cap="none" spc="0" dirty="0">
                 <a:solidFill>
                   <a:srgbClr val="FFFFFF">
                     <a:alpha val="100000"/>
@@ -3938,7 +3910,7 @@
               </a:spcAft>
             </a:pPr>
             <a:r>
-              <a:rPr lang="ru-RU" sz="2000" dirty="0" smtClean="0">
+              <a:rPr lang="ru-RU" sz="2000" dirty="0">
                 <a:solidFill>
                   <a:srgbClr val="FFFFFF">
                     <a:alpha val="100000"/>
@@ -3949,7 +3921,29 @@
               <a:t>Проектирование программы на</a:t>
             </a:r>
             <a:r>
-              <a:rPr lang="en-US" sz="2000" u="none" strike="noStrike" cap="none" spc="0" dirty="0" smtClean="0">
+              <a:rPr lang="en-US" sz="2000" u="none" strike="noStrike" cap="none" spc="0" dirty="0">
+                <a:solidFill>
+                  <a:srgbClr val="FFFFFF">
+                    <a:alpha val="100000"/>
+                  </a:srgbClr>
+                </a:solidFill>
+                <a:latin typeface="Calibri"/>
+              </a:rPr>
+              <a:t> C++14 </a:t>
+            </a:r>
+            <a:r>
+              <a:rPr lang="ru-RU" sz="2000" u="none" strike="noStrike" cap="none" spc="0" dirty="0">
+                <a:solidFill>
+                  <a:srgbClr val="FFFFFF">
+                    <a:alpha val="100000"/>
+                  </a:srgbClr>
+                </a:solidFill>
+                <a:latin typeface="Calibri"/>
+              </a:rPr>
+              <a:t>с использованием</a:t>
+            </a:r>
+            <a:r>
+              <a:rPr lang="en-US" sz="2000" u="none" strike="noStrike" cap="none" spc="0" dirty="0">
                 <a:solidFill>
                   <a:srgbClr val="FFFFFF">
                     <a:alpha val="100000"/>
@@ -3960,6 +3954,17 @@
               <a:t> </a:t>
             </a:r>
             <a:r>
+              <a:rPr lang="en-US" sz="2000" u="none" strike="noStrike" cap="none" spc="0" dirty="0" err="1">
+                <a:solidFill>
+                  <a:srgbClr val="FFFFFF">
+                    <a:alpha val="100000"/>
+                  </a:srgbClr>
+                </a:solidFill>
+                <a:latin typeface="Calibri"/>
+              </a:rPr>
+              <a:t>встроенных</a:t>
+            </a:r>
+            <a:r>
               <a:rPr lang="en-US" sz="2000" u="none" strike="noStrike" cap="none" spc="0" dirty="0">
                 <a:solidFill>
                   <a:srgbClr val="FFFFFF">
@@ -3968,28 +3973,6 @@
                 </a:solidFill>
                 <a:latin typeface="Calibri"/>
               </a:rPr>
-              <a:t>C++14 </a:t>
-            </a:r>
-            <a:r>
-              <a:rPr lang="ru-RU" sz="2000" u="none" strike="noStrike" cap="none" spc="0" dirty="0" smtClean="0">
-                <a:solidFill>
-                  <a:srgbClr val="FFFFFF">
-                    <a:alpha val="100000"/>
-                  </a:srgbClr>
-                </a:solidFill>
-                <a:latin typeface="Calibri"/>
-              </a:rPr>
-              <a:t>с использованием</a:t>
-            </a:r>
-            <a:r>
-              <a:rPr lang="en-US" sz="2000" u="none" strike="noStrike" cap="none" spc="0" dirty="0" smtClean="0">
-                <a:solidFill>
-                  <a:srgbClr val="FFFFFF">
-                    <a:alpha val="100000"/>
-                  </a:srgbClr>
-                </a:solidFill>
-                <a:latin typeface="Calibri"/>
-              </a:rPr>
               <a:t> </a:t>
             </a:r>
             <a:r>
@@ -4001,7 +3984,7 @@
                 </a:solidFill>
                 <a:latin typeface="Calibri"/>
               </a:rPr>
-              <a:t>встроенных</a:t>
+              <a:t>библиотек</a:t>
             </a:r>
             <a:r>
               <a:rPr lang="en-US" sz="2000" u="none" strike="noStrike" cap="none" spc="0" dirty="0">
@@ -4012,6 +3995,29 @@
                 </a:solidFill>
                 <a:latin typeface="Calibri"/>
               </a:rPr>
+              <a:t>.
+</a:t>
+            </a:r>
+            <a:r>
+              <a:rPr lang="en-US" sz="2000" u="none" strike="noStrike" cap="none" spc="0" dirty="0" err="1">
+                <a:solidFill>
+                  <a:srgbClr val="FFFFFF">
+                    <a:alpha val="100000"/>
+                  </a:srgbClr>
+                </a:solidFill>
+                <a:latin typeface="Calibri"/>
+              </a:rPr>
+              <a:t>Определение</a:t>
+            </a:r>
+            <a:r>
+              <a:rPr lang="en-US" sz="2000" u="none" strike="noStrike" cap="none" spc="0" dirty="0">
+                <a:solidFill>
+                  <a:srgbClr val="FFFFFF">
+                    <a:alpha val="100000"/>
+                  </a:srgbClr>
+                </a:solidFill>
+                <a:latin typeface="Calibri"/>
+              </a:rPr>
               <a:t> </a:t>
             </a:r>
             <a:r>
@@ -4023,10 +4029,98 @@
                 </a:solidFill>
                 <a:latin typeface="Calibri"/>
               </a:rPr>
-              <a:t>библиотек</a:t>
-            </a:r>
-            <a:r>
-              <a:rPr lang="en-US" sz="2000" u="none" strike="noStrike" cap="none" spc="0" dirty="0" smtClean="0">
+              <a:t>подзадач</a:t>
+            </a:r>
+            <a:r>
+              <a:rPr lang="en-US" sz="2000" u="none" strike="noStrike" cap="none" spc="0" dirty="0">
+                <a:solidFill>
+                  <a:srgbClr val="FFFFFF">
+                    <a:alpha val="100000"/>
+                  </a:srgbClr>
+                </a:solidFill>
+                <a:latin typeface="Calibri"/>
+              </a:rPr>
+              <a:t> и </a:t>
+            </a:r>
+            <a:r>
+              <a:rPr lang="en-US" sz="2000" u="none" strike="noStrike" cap="none" spc="0" dirty="0" err="1">
+                <a:solidFill>
+                  <a:srgbClr val="FFFFFF">
+                    <a:alpha val="100000"/>
+                  </a:srgbClr>
+                </a:solidFill>
+                <a:latin typeface="Calibri"/>
+              </a:rPr>
+              <a:t>распределение</a:t>
+            </a:r>
+            <a:r>
+              <a:rPr lang="en-US" sz="2000" u="none" strike="noStrike" cap="none" spc="0" dirty="0">
+                <a:solidFill>
+                  <a:srgbClr val="FFFFFF">
+                    <a:alpha val="100000"/>
+                  </a:srgbClr>
+                </a:solidFill>
+                <a:latin typeface="Calibri"/>
+              </a:rPr>
+              <a:t> </a:t>
+            </a:r>
+            <a:r>
+              <a:rPr lang="en-US" sz="2000" u="none" strike="noStrike" cap="none" spc="0" dirty="0" err="1">
+                <a:solidFill>
+                  <a:srgbClr val="FFFFFF">
+                    <a:alpha val="100000"/>
+                  </a:srgbClr>
+                </a:solidFill>
+                <a:latin typeface="Calibri"/>
+              </a:rPr>
+              <a:t>их</a:t>
+            </a:r>
+            <a:r>
+              <a:rPr lang="en-US" sz="2000" u="none" strike="noStrike" cap="none" spc="0" dirty="0">
+                <a:solidFill>
+                  <a:srgbClr val="FFFFFF">
+                    <a:alpha val="100000"/>
+                  </a:srgbClr>
+                </a:solidFill>
+                <a:latin typeface="Calibri"/>
+              </a:rPr>
+              <a:t> </a:t>
+            </a:r>
+            <a:r>
+              <a:rPr lang="en-US" sz="2000" u="none" strike="noStrike" cap="none" spc="0" dirty="0" err="1">
+                <a:solidFill>
+                  <a:srgbClr val="FFFFFF">
+                    <a:alpha val="100000"/>
+                  </a:srgbClr>
+                </a:solidFill>
+                <a:latin typeface="Calibri"/>
+              </a:rPr>
+              <a:t>между</a:t>
+            </a:r>
+            <a:r>
+              <a:rPr lang="en-US" sz="2000" u="none" strike="noStrike" cap="none" spc="0" dirty="0">
+                <a:solidFill>
+                  <a:srgbClr val="FFFFFF">
+                    <a:alpha val="100000"/>
+                  </a:srgbClr>
+                </a:solidFill>
+                <a:latin typeface="Calibri"/>
+              </a:rPr>
+              <a:t> </a:t>
+            </a:r>
+            <a:r>
+              <a:rPr lang="en-US" sz="2000" u="none" strike="noStrike" cap="none" spc="0" dirty="0" err="1">
+                <a:solidFill>
+                  <a:srgbClr val="FFFFFF">
+                    <a:alpha val="100000"/>
+                  </a:srgbClr>
+                </a:solidFill>
+                <a:latin typeface="Calibri"/>
+              </a:rPr>
+              <a:t>участниками</a:t>
+            </a:r>
+            <a:r>
+              <a:rPr lang="en-US" sz="2000" u="none" strike="noStrike" cap="none" spc="0" dirty="0">
                 <a:solidFill>
                   <a:srgbClr val="FFFFFF">
                     <a:alpha val="100000"/>
@@ -4036,151 +4130,7 @@
               </a:rPr>
               <a:t>.</a:t>
             </a:r>
-            <a:r>
-              <a:rPr lang="en-US" sz="2000" u="none" strike="noStrike" cap="none" spc="0" dirty="0">
-                <a:solidFill>
-                  <a:srgbClr val="FFFFFF">
-                    <a:alpha val="100000"/>
-                  </a:srgbClr>
-                </a:solidFill>
-                <a:latin typeface="Calibri"/>
-              </a:rPr>
-              <a:t>
-</a:t>
-            </a:r>
-            <a:r>
-              <a:rPr lang="en-US" sz="2000" u="none" strike="noStrike" cap="none" spc="0" dirty="0" err="1">
-                <a:solidFill>
-                  <a:srgbClr val="FFFFFF">
-                    <a:alpha val="100000"/>
-                  </a:srgbClr>
-                </a:solidFill>
-                <a:latin typeface="Calibri"/>
-              </a:rPr>
-              <a:t>Определение</a:t>
-            </a:r>
-            <a:r>
-              <a:rPr lang="en-US" sz="2000" u="none" strike="noStrike" cap="none" spc="0" dirty="0">
-                <a:solidFill>
-                  <a:srgbClr val="FFFFFF">
-                    <a:alpha val="100000"/>
-                  </a:srgbClr>
-                </a:solidFill>
-                <a:latin typeface="Calibri"/>
-              </a:rPr>
-              <a:t> </a:t>
-            </a:r>
-            <a:r>
-              <a:rPr lang="en-US" sz="2000" u="none" strike="noStrike" cap="none" spc="0" dirty="0" err="1">
-                <a:solidFill>
-                  <a:srgbClr val="FFFFFF">
-                    <a:alpha val="100000"/>
-                  </a:srgbClr>
-                </a:solidFill>
-                <a:latin typeface="Calibri"/>
-              </a:rPr>
-              <a:t>подзадач</a:t>
-            </a:r>
-            <a:r>
-              <a:rPr lang="en-US" sz="2000" u="none" strike="noStrike" cap="none" spc="0" dirty="0">
-                <a:solidFill>
-                  <a:srgbClr val="FFFFFF">
-                    <a:alpha val="100000"/>
-                  </a:srgbClr>
-                </a:solidFill>
-                <a:latin typeface="Calibri"/>
-              </a:rPr>
-              <a:t> и </a:t>
-            </a:r>
-            <a:r>
-              <a:rPr lang="en-US" sz="2000" u="none" strike="noStrike" cap="none" spc="0" dirty="0" err="1">
-                <a:solidFill>
-                  <a:srgbClr val="FFFFFF">
-                    <a:alpha val="100000"/>
-                  </a:srgbClr>
-                </a:solidFill>
-                <a:latin typeface="Calibri"/>
-              </a:rPr>
-              <a:t>распределение</a:t>
-            </a:r>
-            <a:r>
-              <a:rPr lang="en-US" sz="2000" u="none" strike="noStrike" cap="none" spc="0" dirty="0">
-                <a:solidFill>
-                  <a:srgbClr val="FFFFFF">
-                    <a:alpha val="100000"/>
-                  </a:srgbClr>
-                </a:solidFill>
-                <a:latin typeface="Calibri"/>
-              </a:rPr>
-              <a:t> </a:t>
-            </a:r>
-            <a:r>
-              <a:rPr lang="en-US" sz="2000" u="none" strike="noStrike" cap="none" spc="0" dirty="0" err="1">
-                <a:solidFill>
-                  <a:srgbClr val="FFFFFF">
-                    <a:alpha val="100000"/>
-                  </a:srgbClr>
-                </a:solidFill>
-                <a:latin typeface="Calibri"/>
-              </a:rPr>
-              <a:t>их</a:t>
-            </a:r>
-            <a:r>
-              <a:rPr lang="en-US" sz="2000" u="none" strike="noStrike" cap="none" spc="0" dirty="0">
-                <a:solidFill>
-                  <a:srgbClr val="FFFFFF">
-                    <a:alpha val="100000"/>
-                  </a:srgbClr>
-                </a:solidFill>
-                <a:latin typeface="Calibri"/>
-              </a:rPr>
-              <a:t> </a:t>
-            </a:r>
-            <a:r>
-              <a:rPr lang="en-US" sz="2000" u="none" strike="noStrike" cap="none" spc="0" dirty="0" err="1">
-                <a:solidFill>
-                  <a:srgbClr val="FFFFFF">
-                    <a:alpha val="100000"/>
-                  </a:srgbClr>
-                </a:solidFill>
-                <a:latin typeface="Calibri"/>
-              </a:rPr>
-              <a:t>между</a:t>
-            </a:r>
-            <a:r>
-              <a:rPr lang="en-US" sz="2000" u="none" strike="noStrike" cap="none" spc="0" dirty="0">
-                <a:solidFill>
-                  <a:srgbClr val="FFFFFF">
-                    <a:alpha val="100000"/>
-                  </a:srgbClr>
-                </a:solidFill>
-                <a:latin typeface="Calibri"/>
-              </a:rPr>
-              <a:t> </a:t>
-            </a:r>
-            <a:r>
-              <a:rPr lang="en-US" sz="2000" u="none" strike="noStrike" cap="none" spc="0" dirty="0" err="1">
-                <a:solidFill>
-                  <a:srgbClr val="FFFFFF">
-                    <a:alpha val="100000"/>
-                  </a:srgbClr>
-                </a:solidFill>
-                <a:latin typeface="Calibri"/>
-              </a:rPr>
-              <a:t>участниками</a:t>
-            </a:r>
-            <a:r>
-              <a:rPr lang="en-US" sz="2000" u="none" strike="noStrike" cap="none" spc="0" dirty="0" smtClean="0">
-                <a:solidFill>
-                  <a:srgbClr val="FFFFFF">
-                    <a:alpha val="100000"/>
-                  </a:srgbClr>
-                </a:solidFill>
-                <a:latin typeface="Calibri"/>
-              </a:rPr>
-              <a:t>.</a:t>
-            </a:r>
-            <a:endParaRPr lang="ru-RU" sz="2000" u="none" strike="noStrike" cap="none" spc="0" dirty="0" smtClean="0">
+            <a:endParaRPr lang="ru-RU" sz="2000" u="none" strike="noStrike" cap="none" spc="0" dirty="0">
               <a:solidFill>
                 <a:srgbClr val="FFFFFF">
                   <a:alpha val="100000"/>
@@ -4202,7 +4152,7 @@
               </a:spcAft>
             </a:pPr>
             <a:r>
-              <a:rPr lang="ru-RU" sz="2000" dirty="0" smtClean="0">
+              <a:rPr lang="ru-RU" sz="2000" dirty="0">
                 <a:solidFill>
                   <a:srgbClr val="FFFFFF">
                     <a:alpha val="100000"/>
@@ -4506,7 +4456,7 @@
               <a:t> </a:t>
             </a:r>
             <a:r>
-              <a:rPr lang="en-US" sz="2000" u="none" strike="noStrike" cap="none" spc="0" dirty="0" err="1" smtClean="0">
+              <a:rPr lang="en-US" sz="2000" u="none" strike="noStrike" cap="none" spc="0" dirty="0" err="1">
                 <a:solidFill>
                   <a:srgbClr val="FFFFFF">
                     <a:alpha val="100000"/>
@@ -4517,7 +4467,7 @@
               <a:t>операции</a:t>
             </a:r>
             <a:r>
-              <a:rPr lang="ru-RU" sz="2000" u="none" strike="noStrike" cap="none" spc="0" dirty="0" smtClean="0">
+              <a:rPr lang="ru-RU" sz="2000" u="none" strike="noStrike" cap="none" spc="0" dirty="0">
                 <a:solidFill>
                   <a:srgbClr val="FFFFFF">
                     <a:alpha val="100000"/>
@@ -4528,7 +4478,7 @@
               <a:t>, функции, условные операторы, различные типы данных и так далее</a:t>
             </a:r>
             <a:r>
-              <a:rPr lang="en-US" sz="2000" u="none" strike="noStrike" cap="none" spc="0" dirty="0" smtClean="0">
+              <a:rPr lang="en-US" sz="2000" u="none" strike="noStrike" cap="none" spc="0" dirty="0">
                 <a:solidFill>
                   <a:srgbClr val="FFFFFF">
                     <a:alpha val="100000"/>
@@ -4538,14 +4488,6 @@
               </a:rPr>
               <a:t>.</a:t>
             </a:r>
-            <a:endParaRPr lang="en-US" sz="2000" u="none" strike="noStrike" cap="none" spc="0" dirty="0">
-              <a:solidFill>
-                <a:srgbClr val="FFFFFF">
-                  <a:alpha val="100000"/>
-                </a:srgbClr>
-              </a:solidFill>
-              <a:latin typeface="Calibri"/>
-            </a:endParaRPr>
           </a:p>
         </p:txBody>
       </p:sp>
@@ -4608,7 +4550,7 @@
               </a:spcAft>
             </a:pPr>
             <a:r>
-              <a:rPr lang="en-US" sz="2800" b="1" u="none" strike="noStrike" cap="none" spc="0">
+              <a:rPr lang="en-US" sz="2800" b="1" u="none" strike="noStrike" cap="none" spc="0" dirty="0" err="1">
                 <a:solidFill>
                   <a:srgbClr val="FFAB40">
                     <a:alpha val="100000"/>
@@ -4616,8 +4558,60 @@
                 </a:solidFill>
                 <a:latin typeface="Calibri"/>
               </a:rPr>
-              <a:t>Описание программной реализации</a:t>
-            </a:r>
+              <a:t>Описание</a:t>
+            </a:r>
+            <a:r>
+              <a:rPr lang="en-US" sz="2800" b="1" u="none" strike="noStrike" cap="none" spc="0" dirty="0">
+                <a:solidFill>
+                  <a:srgbClr val="FFAB40">
+                    <a:alpha val="100000"/>
+                  </a:srgbClr>
+                </a:solidFill>
+                <a:latin typeface="Calibri"/>
+              </a:rPr>
+              <a:t> </a:t>
+            </a:r>
+            <a:r>
+              <a:rPr lang="en-US" sz="2800" b="1" u="none" strike="noStrike" cap="none" spc="0" dirty="0" err="1">
+                <a:solidFill>
+                  <a:srgbClr val="FFAB40">
+                    <a:alpha val="100000"/>
+                  </a:srgbClr>
+                </a:solidFill>
+                <a:latin typeface="Calibri"/>
+              </a:rPr>
+              <a:t>программной</a:t>
+            </a:r>
+            <a:r>
+              <a:rPr lang="en-US" sz="2800" b="1" u="none" strike="noStrike" cap="none" spc="0" dirty="0">
+                <a:solidFill>
+                  <a:srgbClr val="FFAB40">
+                    <a:alpha val="100000"/>
+                  </a:srgbClr>
+                </a:solidFill>
+                <a:latin typeface="Calibri"/>
+              </a:rPr>
+              <a:t> </a:t>
+            </a:r>
+            <a:r>
+              <a:rPr lang="en-US" sz="2800" b="1" u="none" strike="noStrike" cap="none" spc="0" dirty="0" err="1">
+                <a:solidFill>
+                  <a:srgbClr val="FFAB40">
+                    <a:alpha val="100000"/>
+                  </a:srgbClr>
+                </a:solidFill>
+                <a:latin typeface="Calibri"/>
+              </a:rPr>
+              <a:t>реализации</a:t>
+            </a:r>
+            <a:endParaRPr lang="en-US" sz="2800" b="1" u="none" strike="noStrike" cap="none" spc="0" dirty="0">
+              <a:solidFill>
+                <a:srgbClr val="FFAB40">
+                  <a:alpha val="100000"/>
+                </a:srgbClr>
+              </a:solidFill>
+              <a:latin typeface="Calibri"/>
+            </a:endParaRPr>
           </a:p>
         </p:txBody>
       </p:sp>
@@ -7425,7 +7419,7 @@
                     <a:lstStyle/>
                     <a:p>
                       <a:r>
-                        <a:rPr lang="en-US" sz="1200" b="0" dirty="0" smtClean="0">
+                        <a:rPr lang="en-US" sz="1200" b="0" dirty="0">
                           <a:solidFill>
                             <a:srgbClr val="C586C0"/>
                           </a:solidFill>
@@ -7435,7 +7429,7 @@
                         <a:t>for</a:t>
                       </a:r>
                       <a:r>
-                        <a:rPr lang="en-US" sz="1200" b="0" baseline="0" dirty="0" smtClean="0">
+                        <a:rPr lang="en-US" sz="1200" b="0" baseline="0" dirty="0">
                           <a:solidFill>
                             <a:schemeClr val="bg1"/>
                           </a:solidFill>
@@ -7445,7 +7439,7 @@
                         <a:t> </a:t>
                       </a:r>
                       <a:r>
-                        <a:rPr lang="ru-RU" sz="1200" dirty="0" smtClean="0">
+                        <a:rPr lang="ru-RU" sz="1200" dirty="0">
                           <a:solidFill>
                             <a:schemeClr val="bg1"/>
                           </a:solidFill>
@@ -7455,7 +7449,7 @@
                         <a:t>(</a:t>
                       </a:r>
                       <a:r>
-                        <a:rPr lang="ru-RU" sz="1200" dirty="0" smtClean="0">
+                        <a:rPr lang="ru-RU" sz="1200" dirty="0">
                           <a:solidFill>
                             <a:srgbClr val="DCDCAA"/>
                           </a:solidFill>
@@ -7465,7 +7459,7 @@
                         <a:t>expr1</a:t>
                       </a:r>
                       <a:r>
-                        <a:rPr lang="ru-RU" sz="1200" dirty="0" smtClean="0">
+                        <a:rPr lang="ru-RU" sz="1200" dirty="0">
                           <a:solidFill>
                             <a:schemeClr val="bg1"/>
                           </a:solidFill>
@@ -7475,7 +7469,7 @@
                         <a:t>; </a:t>
                       </a:r>
                       <a:r>
-                        <a:rPr lang="ru-RU" sz="1200" dirty="0" smtClean="0">
+                        <a:rPr lang="ru-RU" sz="1200" dirty="0">
                           <a:solidFill>
                             <a:srgbClr val="DCDCAA"/>
                           </a:solidFill>
@@ -7485,7 +7479,7 @@
                         <a:t>expr2</a:t>
                       </a:r>
                       <a:r>
-                        <a:rPr lang="ru-RU" sz="1200" dirty="0" smtClean="0">
+                        <a:rPr lang="ru-RU" sz="1200" dirty="0">
                           <a:solidFill>
                             <a:schemeClr val="bg1"/>
                           </a:solidFill>
@@ -7495,7 +7489,7 @@
                         <a:t>; </a:t>
                       </a:r>
                       <a:r>
-                        <a:rPr lang="ru-RU" sz="1200" dirty="0" smtClean="0">
+                        <a:rPr lang="ru-RU" sz="1200" dirty="0">
                           <a:solidFill>
                             <a:srgbClr val="DCDCAA"/>
                           </a:solidFill>
@@ -7505,7 +7499,7 @@
                         <a:t>expr3</a:t>
                       </a:r>
                       <a:r>
-                        <a:rPr lang="ru-RU" sz="1200" dirty="0" smtClean="0">
+                        <a:rPr lang="ru-RU" sz="1200" dirty="0">
                           <a:solidFill>
                             <a:schemeClr val="bg1"/>
                           </a:solidFill>
@@ -7514,7 +7508,7 @@
                         </a:rPr>
                         <a:t>) { </a:t>
                       </a:r>
-                      <a:endParaRPr lang="ru-RU" sz="1100" dirty="0" smtClean="0">
+                      <a:endParaRPr lang="ru-RU" sz="1100" dirty="0">
                         <a:solidFill>
                           <a:schemeClr val="bg1"/>
                         </a:solidFill>
@@ -7529,7 +7523,7 @@
                         </a:spcAft>
                       </a:pPr>
                       <a:r>
-                        <a:rPr lang="ru-RU" sz="1200" dirty="0" err="1" smtClean="0">
+                        <a:rPr lang="ru-RU" sz="1200" dirty="0" err="1">
                           <a:solidFill>
                             <a:schemeClr val="bg1"/>
                           </a:solidFill>
@@ -7563,7 +7557,7 @@
                         </a:spcAft>
                       </a:pPr>
                       <a:r>
-                        <a:rPr lang="ru-RU" sz="1200" dirty="0" smtClean="0">
+                        <a:rPr lang="ru-RU" sz="1200" dirty="0">
                           <a:solidFill>
                             <a:schemeClr val="bg1"/>
                           </a:solidFill>
@@ -7572,7 +7566,7 @@
                         </a:rPr>
                         <a:t>}</a:t>
                       </a:r>
-                      <a:endParaRPr lang="ru-RU" sz="1100" dirty="0" smtClean="0">
+                      <a:endParaRPr lang="ru-RU" sz="1100" dirty="0">
                         <a:solidFill>
                           <a:schemeClr val="bg1"/>
                         </a:solidFill>
@@ -7797,7 +7791,7 @@
                         </a:spcAft>
                       </a:pPr>
                       <a:r>
-                        <a:rPr lang="ru-RU" sz="1200" dirty="0" smtClean="0">
+                        <a:rPr lang="ru-RU" sz="1200" dirty="0">
                           <a:solidFill>
                             <a:schemeClr val="bg1"/>
                           </a:solidFill>
@@ -7806,7 +7800,7 @@
                         </a:rPr>
                         <a:t>}.</a:t>
                       </a:r>
-                      <a:endParaRPr lang="en-US" sz="1200" dirty="0" smtClean="0">
+                      <a:endParaRPr lang="en-US" sz="1200" dirty="0">
                         <a:solidFill>
                           <a:schemeClr val="bg1"/>
                         </a:solidFill>
@@ -7901,7 +7895,7 @@
                         </a:spcAft>
                       </a:pPr>
                       <a:r>
-                        <a:rPr lang="ru-RU" sz="1200" dirty="0" err="1" smtClean="0">
+                        <a:rPr lang="ru-RU" sz="1200" dirty="0" err="1">
                           <a:solidFill>
                             <a:srgbClr val="A071A6"/>
                           </a:solidFill>
@@ -7911,16 +7905,6 @@
                         <a:t>while</a:t>
                       </a:r>
                       <a:r>
-                        <a:rPr lang="ru-RU" sz="1200" dirty="0" smtClean="0">
-                          <a:solidFill>
-                            <a:schemeClr val="bg1"/>
-                          </a:solidFill>
-                          <a:effectLst/>
-                          <a:latin typeface="Consolas" panose="020B0609020204030204" pitchFamily="49" charset="0"/>
-                        </a:rPr>
-                        <a:t> </a:t>
-                      </a:r>
-                      <a:r>
                         <a:rPr lang="ru-RU" sz="1200" dirty="0">
                           <a:solidFill>
                             <a:schemeClr val="bg1"/>
@@ -7928,7 +7912,7 @@
                           <a:effectLst/>
                           <a:latin typeface="Consolas" panose="020B0609020204030204" pitchFamily="49" charset="0"/>
                         </a:rPr>
-                        <a:t>(</a:t>
+                        <a:t> (</a:t>
                       </a:r>
                       <a:r>
                         <a:rPr lang="ru-RU" sz="1200" dirty="0" err="1">
@@ -7999,7 +7983,7 @@
                         </a:spcAft>
                       </a:pPr>
                       <a:r>
-                        <a:rPr lang="ru-RU" sz="1200" dirty="0" smtClean="0">
+                        <a:rPr lang="ru-RU" sz="1200" dirty="0">
                           <a:solidFill>
                             <a:schemeClr val="bg1"/>
                           </a:solidFill>
@@ -8008,7 +7992,7 @@
                         </a:rPr>
                         <a:t>}</a:t>
                       </a:r>
-                      <a:endParaRPr lang="en-US" sz="1200" dirty="0" smtClean="0">
+                      <a:endParaRPr lang="en-US" sz="1200" dirty="0">
                         <a:solidFill>
                           <a:schemeClr val="bg1"/>
                         </a:solidFill>
@@ -8052,7 +8036,7 @@
                         </a:spcAft>
                       </a:pPr>
                       <a:r>
-                        <a:rPr lang="ru-RU" sz="1200" dirty="0" err="1" smtClean="0">
+                        <a:rPr lang="ru-RU" sz="1200" dirty="0" err="1">
                           <a:solidFill>
                             <a:srgbClr val="A071A6"/>
                           </a:solidFill>
@@ -8062,16 +8046,6 @@
                         <a:t>while</a:t>
                       </a:r>
                       <a:r>
-                        <a:rPr lang="ru-RU" sz="1200" dirty="0" smtClean="0">
-                          <a:solidFill>
-                            <a:schemeClr val="bg1"/>
-                          </a:solidFill>
-                          <a:effectLst/>
-                          <a:latin typeface="Consolas" panose="020B0609020204030204" pitchFamily="49" charset="0"/>
-                        </a:rPr>
-                        <a:t> </a:t>
-                      </a:r>
-                      <a:r>
                         <a:rPr lang="ru-RU" sz="1200" dirty="0">
                           <a:solidFill>
                             <a:schemeClr val="bg1"/>
@@ -8079,7 +8053,7 @@
                           <a:effectLst/>
                           <a:latin typeface="Consolas" panose="020B0609020204030204" pitchFamily="49" charset="0"/>
                         </a:rPr>
-                        <a:t>(</a:t>
+                        <a:t> (</a:t>
                       </a:r>
                       <a:r>
                         <a:rPr lang="ru-RU" sz="1200" dirty="0" err="1">
@@ -10180,17 +10154,7 @@
                     <a:effectLst/>
                     <a:ea typeface="Times New Roman" panose="02020603050405020304" pitchFamily="18" charset="0"/>
                   </a:rPr>
-                  <a:t>Вычисление </a:t>
-                </a:r>
-                <a:r>
-                  <a:rPr lang="ru-RU" sz="1600" dirty="0" smtClean="0">
-                    <a:solidFill>
-                      <a:schemeClr val="bg1"/>
-                    </a:solidFill>
-                    <a:effectLst/>
-                    <a:ea typeface="Times New Roman" panose="02020603050405020304" pitchFamily="18" charset="0"/>
-                  </a:rPr>
-                  <a:t>выражений</a:t>
+                  <a:t>Вычисление выражений</a:t>
                 </a:r>
                 <a:endParaRPr lang="ru-RU" sz="1600" dirty="0">
                   <a:solidFill>

--- a/Презентация_лабораторная_Интерпретатор_Загрядсков_Максим_Болтенков_Станислав_3823Б1ПМ1_1.pptx
+++ b/Презентация_лабораторная_Интерпретатор_Загрядсков_Максим_Болтенков_Станислав_3823Б1ПМ1_1.pptx
@@ -6,19 +6,18 @@
   </p:sldMasterIdLst>
   <p:sldIdLst>
     <p:sldId id="256" r:id="rId2"/>
-    <p:sldId id="257" r:id="rId3"/>
-    <p:sldId id="258" r:id="rId4"/>
-    <p:sldId id="259" r:id="rId5"/>
-    <p:sldId id="260" r:id="rId6"/>
-    <p:sldId id="266" r:id="rId7"/>
-    <p:sldId id="267" r:id="rId8"/>
-    <p:sldId id="268" r:id="rId9"/>
-    <p:sldId id="269" r:id="rId10"/>
-    <p:sldId id="272" r:id="rId11"/>
-    <p:sldId id="262" r:id="rId12"/>
-    <p:sldId id="263" r:id="rId13"/>
-    <p:sldId id="264" r:id="rId14"/>
-    <p:sldId id="265" r:id="rId15"/>
+    <p:sldId id="258" r:id="rId3"/>
+    <p:sldId id="259" r:id="rId4"/>
+    <p:sldId id="260" r:id="rId5"/>
+    <p:sldId id="266" r:id="rId6"/>
+    <p:sldId id="267" r:id="rId7"/>
+    <p:sldId id="268" r:id="rId8"/>
+    <p:sldId id="269" r:id="rId9"/>
+    <p:sldId id="272" r:id="rId10"/>
+    <p:sldId id="262" r:id="rId11"/>
+    <p:sldId id="263" r:id="rId12"/>
+    <p:sldId id="264" r:id="rId13"/>
+    <p:sldId id="265" r:id="rId14"/>
   </p:sldIdLst>
   <p:sldSz cx="9144000" cy="5143500" type="screen16x9"/>
   <p:notesSz cx="6858000" cy="9144000"/>
@@ -767,402 +766,22 @@
           </a:p>
         </p:txBody>
       </p:sp>
-    </p:spTree>
-  </p:cSld>
-  <p:clrMapOvr>
-    <a:masterClrMapping/>
-  </p:clrMapOvr>
-</p:sld>
-</file>
-
-<file path=ppt/slides/slide10.xml><?xml version="1.0" encoding="utf-8"?>
-<p:sld xmlns:a="http://schemas.openxmlformats.org/drawingml/2006/main" xmlns:r="http://schemas.openxmlformats.org/officeDocument/2006/relationships" xmlns:p="http://schemas.openxmlformats.org/presentationml/2006/main">
-  <p:cSld>
-    <p:bg>
-      <p:bgPr>
-        <a:solidFill>
-          <a:srgbClr val="001633"/>
-        </a:solidFill>
-        <a:effectLst/>
-      </p:bgPr>
-    </p:bg>
-    <p:spTree>
-      <p:nvGrpSpPr>
-        <p:cNvPr id="1" name=""/>
-        <p:cNvGrpSpPr/>
-        <p:nvPr/>
-      </p:nvGrpSpPr>
-      <p:grpSpPr>
-        <a:xfrm>
-          <a:off x="914400" y="1028700"/>
-          <a:ext cx="8229600" cy="3629025"/>
-          <a:chOff x="914400" y="1028700"/>
-          <a:chExt cx="8229600" cy="3629025"/>
-        </a:xfrm>
-      </p:grpSpPr>
-      <p:graphicFrame>
-        <p:nvGraphicFramePr>
-          <p:cNvPr id="3" name="Таблица 2"/>
-          <p:cNvGraphicFramePr>
-            <a:graphicFrameLocks noGrp="1"/>
-          </p:cNvGraphicFramePr>
-          <p:nvPr>
-            <p:extLst>
-              <p:ext uri="{D42A27DB-BD31-4B8C-83A1-F6EECF244321}">
-                <p14:modId xmlns:p14="http://schemas.microsoft.com/office/powerpoint/2010/main" val="1938638764"/>
-              </p:ext>
-            </p:extLst>
-          </p:nvPr>
-        </p:nvGraphicFramePr>
-        <p:xfrm>
-          <a:off x="1691680" y="2787774"/>
-          <a:ext cx="5848350" cy="213360"/>
-        </p:xfrm>
-        <a:graphic>
-          <a:graphicData uri="http://schemas.openxmlformats.org/drawingml/2006/table">
-            <a:tbl>
-              <a:tblPr bandRow="1">
-                <a:tableStyleId>{5C22544A-7EE6-4342-B048-85BDC9FD1C3A}</a:tableStyleId>
-              </a:tblPr>
-              <a:tblGrid>
-                <a:gridCol w="2720384">
-                  <a:extLst>
-                    <a:ext uri="{9D8B030D-6E8A-4147-A177-3AD203B41FA5}">
-                      <a16:colId xmlns:a16="http://schemas.microsoft.com/office/drawing/2014/main" val="117337084"/>
-                    </a:ext>
-                  </a:extLst>
-                </a:gridCol>
-                <a:gridCol w="3127966">
-                  <a:extLst>
-                    <a:ext uri="{9D8B030D-6E8A-4147-A177-3AD203B41FA5}">
-                      <a16:colId xmlns:a16="http://schemas.microsoft.com/office/drawing/2014/main" val="2318025807"/>
-                    </a:ext>
-                  </a:extLst>
-                </a:gridCol>
-              </a:tblGrid>
-              <a:tr h="0">
-                <a:tc>
-                  <a:txBody>
-                    <a:bodyPr/>
-                    <a:lstStyle/>
-                    <a:p>
-                      <a:endParaRPr lang="ru-RU" dirty="0">
-                        <a:solidFill>
-                          <a:srgbClr val="001633"/>
-                        </a:solidFill>
-                      </a:endParaRPr>
-                    </a:p>
-                  </a:txBody>
-                  <a:tcPr marL="68580" marR="68580" marT="0" marB="0">
-                    <a:lnL w="12700" cmpd="sng">
-                      <a:noFill/>
-                    </a:lnL>
-                    <a:lnR w="12700" cmpd="sng">
-                      <a:noFill/>
-                    </a:lnR>
-                    <a:lnT w="12700" cmpd="sng">
-                      <a:noFill/>
-                    </a:lnT>
-                    <a:lnB w="12700" cmpd="sng">
-                      <a:noFill/>
-                    </a:lnB>
-                    <a:lnTlToBr w="12700" cmpd="sng">
-                      <a:noFill/>
-                      <a:prstDash val="solid"/>
-                    </a:lnTlToBr>
-                    <a:lnBlToTr w="12700" cmpd="sng">
-                      <a:noFill/>
-                      <a:prstDash val="solid"/>
-                    </a:lnBlToTr>
-                    <a:noFill/>
-                  </a:tcPr>
-                </a:tc>
-                <a:tc>
-                  <a:txBody>
-                    <a:bodyPr/>
-                    <a:lstStyle/>
-                    <a:p>
-                      <a:endParaRPr lang="ru-RU" dirty="0">
-                        <a:solidFill>
-                          <a:srgbClr val="001633"/>
-                        </a:solidFill>
-                      </a:endParaRPr>
-                    </a:p>
-                  </a:txBody>
-                  <a:tcPr marL="68580" marR="68580" marT="0" marB="0">
-                    <a:lnL w="12700" cmpd="sng">
-                      <a:noFill/>
-                    </a:lnL>
-                    <a:lnR w="12700" cmpd="sng">
-                      <a:noFill/>
-                    </a:lnR>
-                    <a:lnT w="12700" cmpd="sng">
-                      <a:noFill/>
-                    </a:lnT>
-                    <a:lnB w="12700" cmpd="sng">
-                      <a:noFill/>
-                    </a:lnB>
-                    <a:lnTlToBr w="12700" cmpd="sng">
-                      <a:noFill/>
-                      <a:prstDash val="solid"/>
-                    </a:lnTlToBr>
-                    <a:lnBlToTr w="12700" cmpd="sng">
-                      <a:noFill/>
-                      <a:prstDash val="solid"/>
-                    </a:lnBlToTr>
-                    <a:noFill/>
-                  </a:tcPr>
-                </a:tc>
-                <a:extLst>
-                  <a:ext uri="{0D108BD9-81ED-4DB2-BD59-A6C34878D82A}">
-                    <a16:rowId xmlns:a16="http://schemas.microsoft.com/office/drawing/2014/main" val="494252670"/>
-                  </a:ext>
-                </a:extLst>
-              </a:tr>
-            </a:tbl>
-          </a:graphicData>
-        </a:graphic>
-      </p:graphicFrame>
-      <p:graphicFrame>
-        <p:nvGraphicFramePr>
-          <p:cNvPr id="4" name="Таблица 3"/>
-          <p:cNvGraphicFramePr>
-            <a:graphicFrameLocks noGrp="1"/>
-          </p:cNvGraphicFramePr>
-          <p:nvPr>
-            <p:extLst>
-              <p:ext uri="{D42A27DB-BD31-4B8C-83A1-F6EECF244321}">
-                <p14:modId xmlns:p14="http://schemas.microsoft.com/office/powerpoint/2010/main" val="1586443587"/>
-              </p:ext>
-            </p:extLst>
-          </p:nvPr>
-        </p:nvGraphicFramePr>
-        <p:xfrm>
-          <a:off x="971600" y="3314700"/>
-          <a:ext cx="5915025" cy="213360"/>
-        </p:xfrm>
-        <a:graphic>
-          <a:graphicData uri="http://schemas.openxmlformats.org/drawingml/2006/table">
-            <a:tbl>
-              <a:tblPr bandRow="1">
-                <a:tableStyleId>{5C22544A-7EE6-4342-B048-85BDC9FD1C3A}</a:tableStyleId>
-              </a:tblPr>
-              <a:tblGrid>
-                <a:gridCol w="2736304">
-                  <a:extLst>
-                    <a:ext uri="{9D8B030D-6E8A-4147-A177-3AD203B41FA5}">
-                      <a16:colId xmlns:a16="http://schemas.microsoft.com/office/drawing/2014/main" val="1900913391"/>
-                    </a:ext>
-                  </a:extLst>
-                </a:gridCol>
-                <a:gridCol w="3178721">
-                  <a:extLst>
-                    <a:ext uri="{9D8B030D-6E8A-4147-A177-3AD203B41FA5}">
-                      <a16:colId xmlns:a16="http://schemas.microsoft.com/office/drawing/2014/main" val="1702421512"/>
-                    </a:ext>
-                  </a:extLst>
-                </a:gridCol>
-              </a:tblGrid>
-              <a:tr h="0">
-                <a:tc>
-                  <a:txBody>
-                    <a:bodyPr/>
-                    <a:lstStyle/>
-                    <a:p>
-                      <a:endParaRPr lang="ru-RU" dirty="0"/>
-                    </a:p>
-                  </a:txBody>
-                  <a:tcPr marL="68580" marR="68580" marT="0" marB="0">
-                    <a:lnL w="12700" cmpd="sng">
-                      <a:noFill/>
-                    </a:lnL>
-                    <a:lnR w="12700" cmpd="sng">
-                      <a:noFill/>
-                    </a:lnR>
-                    <a:lnT w="12700" cmpd="sng">
-                      <a:noFill/>
-                    </a:lnT>
-                    <a:lnB w="12700" cmpd="sng">
-                      <a:noFill/>
-                    </a:lnB>
-                    <a:lnTlToBr w="12700" cmpd="sng">
-                      <a:noFill/>
-                      <a:prstDash val="solid"/>
-                    </a:lnTlToBr>
-                    <a:lnBlToTr w="12700" cmpd="sng">
-                      <a:noFill/>
-                      <a:prstDash val="solid"/>
-                    </a:lnBlToTr>
-                    <a:noFill/>
-                  </a:tcPr>
-                </a:tc>
-                <a:tc>
-                  <a:txBody>
-                    <a:bodyPr/>
-                    <a:lstStyle/>
-                    <a:p>
-                      <a:endParaRPr lang="ru-RU" dirty="0"/>
-                    </a:p>
-                  </a:txBody>
-                  <a:tcPr marL="68580" marR="68580" marT="0" marB="0">
-                    <a:lnL w="12700" cmpd="sng">
-                      <a:noFill/>
-                    </a:lnL>
-                    <a:lnR w="12700" cmpd="sng">
-                      <a:noFill/>
-                    </a:lnR>
-                    <a:lnT w="12700" cmpd="sng">
-                      <a:noFill/>
-                    </a:lnT>
-                    <a:lnB w="12700" cmpd="sng">
-                      <a:noFill/>
-                    </a:lnB>
-                    <a:lnTlToBr w="12700" cmpd="sng">
-                      <a:noFill/>
-                      <a:prstDash val="solid"/>
-                    </a:lnTlToBr>
-                    <a:lnBlToTr w="12700" cmpd="sng">
-                      <a:noFill/>
-                      <a:prstDash val="solid"/>
-                    </a:lnBlToTr>
-                    <a:noFill/>
-                  </a:tcPr>
-                </a:tc>
-                <a:extLst>
-                  <a:ext uri="{0D108BD9-81ED-4DB2-BD59-A6C34878D82A}">
-                    <a16:rowId xmlns:a16="http://schemas.microsoft.com/office/drawing/2014/main" val="2399000423"/>
-                  </a:ext>
-                </a:extLst>
-              </a:tr>
-            </a:tbl>
-          </a:graphicData>
-        </a:graphic>
-      </p:graphicFrame>
-      <p:graphicFrame>
-        <p:nvGraphicFramePr>
-          <p:cNvPr id="6" name="Таблица 5"/>
-          <p:cNvGraphicFramePr>
-            <a:graphicFrameLocks noGrp="1"/>
-          </p:cNvGraphicFramePr>
-          <p:nvPr>
-            <p:extLst>
-              <p:ext uri="{D42A27DB-BD31-4B8C-83A1-F6EECF244321}">
-                <p14:modId xmlns:p14="http://schemas.microsoft.com/office/powerpoint/2010/main" val="4277782797"/>
-              </p:ext>
-            </p:extLst>
-          </p:nvPr>
-        </p:nvGraphicFramePr>
-        <p:xfrm>
-          <a:off x="914400" y="1980249"/>
-          <a:ext cx="5915025" cy="213360"/>
-        </p:xfrm>
-        <a:graphic>
-          <a:graphicData uri="http://schemas.openxmlformats.org/drawingml/2006/table">
-            <a:tbl>
-              <a:tblPr bandRow="1">
-                <a:tableStyleId>{5C22544A-7EE6-4342-B048-85BDC9FD1C3A}</a:tableStyleId>
-              </a:tblPr>
-              <a:tblGrid>
-                <a:gridCol w="3016536">
-                  <a:extLst>
-                    <a:ext uri="{9D8B030D-6E8A-4147-A177-3AD203B41FA5}">
-                      <a16:colId xmlns:a16="http://schemas.microsoft.com/office/drawing/2014/main" val="3878980406"/>
-                    </a:ext>
-                  </a:extLst>
-                </a:gridCol>
-                <a:gridCol w="2898489">
-                  <a:extLst>
-                    <a:ext uri="{9D8B030D-6E8A-4147-A177-3AD203B41FA5}">
-                      <a16:colId xmlns:a16="http://schemas.microsoft.com/office/drawing/2014/main" val="2773234771"/>
-                    </a:ext>
-                  </a:extLst>
-                </a:gridCol>
-              </a:tblGrid>
-              <a:tr h="0">
-                <a:tc>
-                  <a:txBody>
-                    <a:bodyPr/>
-                    <a:lstStyle/>
-                    <a:p>
-                      <a:endParaRPr lang="ru-RU" dirty="0"/>
-                    </a:p>
-                  </a:txBody>
-                  <a:tcPr marL="68580" marR="68580" marT="0" marB="0">
-                    <a:lnL w="12700" cmpd="sng">
-                      <a:noFill/>
-                    </a:lnL>
-                    <a:lnR w="12700" cmpd="sng">
-                      <a:noFill/>
-                    </a:lnR>
-                    <a:lnT w="12700" cmpd="sng">
-                      <a:noFill/>
-                    </a:lnT>
-                    <a:lnB w="12700" cmpd="sng">
-                      <a:noFill/>
-                    </a:lnB>
-                    <a:lnTlToBr w="12700" cmpd="sng">
-                      <a:noFill/>
-                      <a:prstDash val="solid"/>
-                    </a:lnTlToBr>
-                    <a:lnBlToTr w="12700" cmpd="sng">
-                      <a:noFill/>
-                      <a:prstDash val="solid"/>
-                    </a:lnBlToTr>
-                    <a:noFill/>
-                  </a:tcPr>
-                </a:tc>
-                <a:tc>
-                  <a:txBody>
-                    <a:bodyPr/>
-                    <a:lstStyle/>
-                    <a:p>
-                      <a:endParaRPr lang="ru-RU" dirty="0"/>
-                    </a:p>
-                  </a:txBody>
-                  <a:tcPr marL="68580" marR="68580" marT="0" marB="0">
-                    <a:lnL w="12700" cmpd="sng">
-                      <a:noFill/>
-                    </a:lnL>
-                    <a:lnR w="12700" cmpd="sng">
-                      <a:noFill/>
-                    </a:lnR>
-                    <a:lnT w="12700" cmpd="sng">
-                      <a:noFill/>
-                    </a:lnT>
-                    <a:lnB w="12700" cmpd="sng">
-                      <a:noFill/>
-                    </a:lnB>
-                    <a:lnTlToBr w="12700" cmpd="sng">
-                      <a:noFill/>
-                      <a:prstDash val="solid"/>
-                    </a:lnTlToBr>
-                    <a:lnBlToTr w="12700" cmpd="sng">
-                      <a:noFill/>
-                      <a:prstDash val="solid"/>
-                    </a:lnBlToTr>
-                    <a:noFill/>
-                  </a:tcPr>
-                </a:tc>
-                <a:extLst>
-                  <a:ext uri="{0D108BD9-81ED-4DB2-BD59-A6C34878D82A}">
-                    <a16:rowId xmlns:a16="http://schemas.microsoft.com/office/drawing/2014/main" val="1039013977"/>
-                  </a:ext>
-                </a:extLst>
-              </a:tr>
-            </a:tbl>
-          </a:graphicData>
-        </a:graphic>
-      </p:graphicFrame>
       <p:sp>
         <p:nvSpPr>
-          <p:cNvPr id="7" name="TextBox 6"/>
+          <p:cNvPr id="3" name="TextBox 2">
+            <a:extLst>
+              <a:ext uri="{FF2B5EF4-FFF2-40B4-BE49-F238E27FC236}">
+                <a16:creationId xmlns:a16="http://schemas.microsoft.com/office/drawing/2014/main" id="{2615665B-297D-E1FD-8653-6BBB9AC34CB8}"/>
+              </a:ext>
+            </a:extLst>
+          </p:cNvPr>
           <p:cNvSpPr txBox="1"/>
           <p:nvPr/>
         </p:nvSpPr>
         <p:spPr>
           <a:xfrm>
-            <a:off x="217964" y="2888053"/>
-            <a:ext cx="3166251" cy="1384995"/>
+            <a:off x="2771800" y="4227934"/>
+            <a:ext cx="6039667" cy="646331"/>
           </a:xfrm>
           <a:prstGeom prst="rect">
             <a:avLst/>
@@ -1176,528 +795,29 @@
           <a:lstStyle/>
           <a:p>
             <a:r>
-              <a:rPr lang="en-US" sz="1400" dirty="0" err="1">
-                <a:solidFill>
-                  <a:srgbClr val="4EC9B0"/>
-                </a:solidFill>
-                <a:latin typeface="Consolas" panose="020B0609020204030204" pitchFamily="49" charset="0"/>
-              </a:rPr>
-              <a:t>int</a:t>
-            </a:r>
-            <a:r>
-              <a:rPr lang="en-US" sz="1400" dirty="0">
-                <a:solidFill>
-                  <a:schemeClr val="bg1"/>
-                </a:solidFill>
-                <a:latin typeface="Consolas" panose="020B0609020204030204" pitchFamily="49" charset="0"/>
-              </a:rPr>
-              <a:t> </a:t>
-            </a:r>
-            <a:r>
-              <a:rPr lang="en-US" sz="1400" dirty="0">
-                <a:solidFill>
-                  <a:srgbClr val="DCDCAA"/>
-                </a:solidFill>
-                <a:latin typeface="Consolas" panose="020B0609020204030204" pitchFamily="49" charset="0"/>
-              </a:rPr>
-              <a:t>main</a:t>
-            </a:r>
-            <a:r>
-              <a:rPr lang="en-US" sz="1400" dirty="0">
-                <a:solidFill>
-                  <a:schemeClr val="bg1"/>
-                </a:solidFill>
-                <a:latin typeface="Consolas" panose="020B0609020204030204" pitchFamily="49" charset="0"/>
-              </a:rPr>
-              <a:t>() {</a:t>
-            </a:r>
-          </a:p>
-          <a:p>
-            <a:r>
-              <a:rPr lang="en-US" sz="1400" dirty="0">
-                <a:solidFill>
-                  <a:schemeClr val="bg1"/>
-                </a:solidFill>
-                <a:latin typeface="Consolas" panose="020B0609020204030204" pitchFamily="49" charset="0"/>
-              </a:rPr>
-              <a:t>    </a:t>
-            </a:r>
-            <a:r>
-              <a:rPr lang="en-US" sz="1400" dirty="0" err="1">
-                <a:solidFill>
-                  <a:srgbClr val="4EC9B0"/>
-                </a:solidFill>
-                <a:latin typeface="Consolas" panose="020B0609020204030204" pitchFamily="49" charset="0"/>
-              </a:rPr>
-              <a:t>int</a:t>
-            </a:r>
-            <a:r>
-              <a:rPr lang="en-US" sz="1400" dirty="0">
-                <a:solidFill>
-                  <a:schemeClr val="bg1"/>
-                </a:solidFill>
-                <a:latin typeface="Consolas" panose="020B0609020204030204" pitchFamily="49" charset="0"/>
-              </a:rPr>
-              <a:t> n;</a:t>
-            </a:r>
-          </a:p>
-          <a:p>
-            <a:r>
-              <a:rPr lang="en-US" sz="1400" dirty="0">
-                <a:solidFill>
-                  <a:schemeClr val="bg1"/>
-                </a:solidFill>
-                <a:latin typeface="Consolas" panose="020B0609020204030204" pitchFamily="49" charset="0"/>
-              </a:rPr>
-              <a:t>    </a:t>
-            </a:r>
-            <a:r>
-              <a:rPr lang="en-US" sz="1400" dirty="0">
-                <a:solidFill>
-                  <a:srgbClr val="A071A6"/>
-                </a:solidFill>
-                <a:latin typeface="Consolas" panose="020B0609020204030204" pitchFamily="49" charset="0"/>
-              </a:rPr>
-              <a:t>scan</a:t>
-            </a:r>
-            <a:r>
-              <a:rPr lang="en-US" sz="1400" dirty="0">
-                <a:solidFill>
-                  <a:schemeClr val="bg1"/>
-                </a:solidFill>
-                <a:latin typeface="Consolas" panose="020B0609020204030204" pitchFamily="49" charset="0"/>
-              </a:rPr>
-              <a:t>(n);</a:t>
-            </a:r>
-          </a:p>
-          <a:p>
-            <a:r>
-              <a:rPr lang="en-US" sz="1400" dirty="0">
-                <a:solidFill>
-                  <a:schemeClr val="bg1"/>
-                </a:solidFill>
-                <a:latin typeface="Consolas" panose="020B0609020204030204" pitchFamily="49" charset="0"/>
-              </a:rPr>
-              <a:t>    </a:t>
-            </a:r>
-            <a:r>
-              <a:rPr lang="en-US" sz="1400" dirty="0">
-                <a:solidFill>
-                  <a:srgbClr val="A071A6"/>
-                </a:solidFill>
-                <a:latin typeface="Consolas" panose="020B0609020204030204" pitchFamily="49" charset="0"/>
-              </a:rPr>
-              <a:t>print</a:t>
-            </a:r>
-            <a:r>
-              <a:rPr lang="en-US" sz="1400" dirty="0">
-                <a:solidFill>
-                  <a:schemeClr val="bg1"/>
-                </a:solidFill>
-                <a:latin typeface="Consolas" panose="020B0609020204030204" pitchFamily="49" charset="0"/>
-              </a:rPr>
-              <a:t>(</a:t>
-            </a:r>
-            <a:r>
-              <a:rPr lang="en-US" sz="1400" dirty="0" err="1">
-                <a:solidFill>
-                  <a:srgbClr val="DCDCAA"/>
-                </a:solidFill>
-                <a:latin typeface="Consolas" panose="020B0609020204030204" pitchFamily="49" charset="0"/>
-              </a:rPr>
-              <a:t>sumDigitsNumber</a:t>
-            </a:r>
-            <a:r>
-              <a:rPr lang="en-US" sz="1400" dirty="0">
-                <a:solidFill>
-                  <a:schemeClr val="bg1"/>
-                </a:solidFill>
-                <a:latin typeface="Consolas" panose="020B0609020204030204" pitchFamily="49" charset="0"/>
-              </a:rPr>
-              <a:t>(n));</a:t>
-            </a:r>
-          </a:p>
-          <a:p>
-            <a:r>
-              <a:rPr lang="en-US" sz="1400" dirty="0">
-                <a:solidFill>
-                  <a:schemeClr val="bg1"/>
-                </a:solidFill>
-                <a:latin typeface="Consolas" panose="020B0609020204030204" pitchFamily="49" charset="0"/>
-              </a:rPr>
-              <a:t>    </a:t>
-            </a:r>
-            <a:r>
-              <a:rPr lang="en-US" sz="1400" dirty="0">
-                <a:solidFill>
-                  <a:srgbClr val="A071A6"/>
-                </a:solidFill>
-                <a:latin typeface="Consolas" panose="020B0609020204030204" pitchFamily="49" charset="0"/>
-              </a:rPr>
-              <a:t>return</a:t>
-            </a:r>
-            <a:r>
-              <a:rPr lang="en-US" sz="1400" dirty="0">
-                <a:solidFill>
-                  <a:schemeClr val="bg1"/>
-                </a:solidFill>
-                <a:latin typeface="Consolas" panose="020B0609020204030204" pitchFamily="49" charset="0"/>
-              </a:rPr>
-              <a:t> </a:t>
-            </a:r>
-            <a:r>
-              <a:rPr lang="en-US" sz="1400" dirty="0">
-                <a:solidFill>
-                  <a:srgbClr val="CE9178"/>
-                </a:solidFill>
-                <a:latin typeface="Consolas" panose="020B0609020204030204" pitchFamily="49" charset="0"/>
-              </a:rPr>
-              <a:t>0</a:t>
-            </a:r>
-            <a:r>
-              <a:rPr lang="en-US" sz="1400" dirty="0">
-                <a:solidFill>
-                  <a:schemeClr val="bg1"/>
-                </a:solidFill>
-                <a:latin typeface="Consolas" panose="020B0609020204030204" pitchFamily="49" charset="0"/>
-              </a:rPr>
-              <a:t>;</a:t>
-            </a:r>
-          </a:p>
-          <a:p>
-            <a:r>
-              <a:rPr lang="en-US" sz="1400" dirty="0">
-                <a:solidFill>
-                  <a:schemeClr val="bg1"/>
-                </a:solidFill>
-                <a:latin typeface="Consolas" panose="020B0609020204030204" pitchFamily="49" charset="0"/>
-              </a:rPr>
-              <a:t>}</a:t>
-            </a:r>
-          </a:p>
-        </p:txBody>
-      </p:sp>
-      <p:sp>
-        <p:nvSpPr>
-          <p:cNvPr id="8" name="TextBox 7"/>
-          <p:cNvSpPr txBox="1"/>
-          <p:nvPr/>
-        </p:nvSpPr>
-        <p:spPr>
-          <a:xfrm>
-            <a:off x="217964" y="422920"/>
-            <a:ext cx="2967479" cy="2092881"/>
-          </a:xfrm>
-          <a:prstGeom prst="rect">
-            <a:avLst/>
-          </a:prstGeom>
-          <a:noFill/>
-        </p:spPr>
-        <p:txBody>
-          <a:bodyPr wrap="none" rtlCol="0">
-            <a:spAutoFit/>
-          </a:bodyPr>
-          <a:lstStyle/>
-          <a:p>
-            <a:r>
-              <a:rPr lang="en-US" sz="1400" dirty="0" err="1">
-                <a:solidFill>
-                  <a:srgbClr val="4EC9B0"/>
-                </a:solidFill>
-                <a:latin typeface="Consolas" panose="020B0609020204030204" pitchFamily="49" charset="0"/>
-              </a:rPr>
-              <a:t>int</a:t>
-            </a:r>
-            <a:r>
-              <a:rPr lang="en-US" sz="1400" dirty="0">
-                <a:solidFill>
-                  <a:schemeClr val="bg1"/>
-                </a:solidFill>
-                <a:latin typeface="Consolas" panose="020B0609020204030204" pitchFamily="49" charset="0"/>
-              </a:rPr>
-              <a:t> </a:t>
-            </a:r>
-            <a:r>
-              <a:rPr lang="en-US" sz="1400" dirty="0" err="1">
-                <a:solidFill>
-                  <a:srgbClr val="DCDCAA"/>
-                </a:solidFill>
-                <a:latin typeface="Consolas" panose="020B0609020204030204" pitchFamily="49" charset="0"/>
-              </a:rPr>
-              <a:t>sumDigitsNumber</a:t>
-            </a:r>
-            <a:r>
-              <a:rPr lang="en-US" sz="1400" dirty="0">
-                <a:solidFill>
-                  <a:schemeClr val="bg1"/>
-                </a:solidFill>
-                <a:latin typeface="Consolas" panose="020B0609020204030204" pitchFamily="49" charset="0"/>
-              </a:rPr>
-              <a:t>(</a:t>
-            </a:r>
-            <a:r>
-              <a:rPr lang="en-US" sz="1400" dirty="0" err="1">
-                <a:solidFill>
-                  <a:srgbClr val="4EC9B0"/>
-                </a:solidFill>
-                <a:latin typeface="Consolas" panose="020B0609020204030204" pitchFamily="49" charset="0"/>
-              </a:rPr>
-              <a:t>int</a:t>
-            </a:r>
-            <a:r>
-              <a:rPr lang="en-US" sz="1400" dirty="0">
-                <a:solidFill>
-                  <a:schemeClr val="bg1"/>
-                </a:solidFill>
-                <a:latin typeface="Consolas" panose="020B0609020204030204" pitchFamily="49" charset="0"/>
-              </a:rPr>
-              <a:t> n) {</a:t>
-            </a:r>
-          </a:p>
-          <a:p>
-            <a:r>
-              <a:rPr lang="en-US" sz="1400" dirty="0">
-                <a:solidFill>
-                  <a:schemeClr val="bg1"/>
-                </a:solidFill>
-                <a:latin typeface="Consolas" panose="020B0609020204030204" pitchFamily="49" charset="0"/>
-              </a:rPr>
-              <a:t>    </a:t>
-            </a:r>
-            <a:r>
-              <a:rPr lang="en-US" sz="1400" dirty="0" err="1">
-                <a:solidFill>
-                  <a:srgbClr val="4EC9B0"/>
-                </a:solidFill>
-                <a:latin typeface="Consolas" panose="020B0609020204030204" pitchFamily="49" charset="0"/>
-              </a:rPr>
-              <a:t>int</a:t>
-            </a:r>
-            <a:r>
-              <a:rPr lang="en-US" sz="1400" dirty="0">
-                <a:solidFill>
-                  <a:schemeClr val="bg1"/>
-                </a:solidFill>
-                <a:latin typeface="Consolas" panose="020B0609020204030204" pitchFamily="49" charset="0"/>
-              </a:rPr>
-              <a:t> res = </a:t>
-            </a:r>
-            <a:r>
-              <a:rPr lang="en-US" sz="1400" dirty="0">
-                <a:solidFill>
-                  <a:srgbClr val="CE9178"/>
-                </a:solidFill>
-                <a:latin typeface="Consolas" panose="020B0609020204030204" pitchFamily="49" charset="0"/>
-              </a:rPr>
-              <a:t>0</a:t>
-            </a:r>
-            <a:r>
-              <a:rPr lang="en-US" sz="1400" dirty="0">
-                <a:solidFill>
-                  <a:schemeClr val="bg1"/>
-                </a:solidFill>
-                <a:latin typeface="Consolas" panose="020B0609020204030204" pitchFamily="49" charset="0"/>
-              </a:rPr>
-              <a:t>;</a:t>
-            </a:r>
-          </a:p>
-          <a:p>
-            <a:r>
-              <a:rPr lang="en-US" sz="1400" dirty="0">
-                <a:solidFill>
-                  <a:schemeClr val="bg1"/>
-                </a:solidFill>
-                <a:latin typeface="Consolas" panose="020B0609020204030204" pitchFamily="49" charset="0"/>
-              </a:rPr>
-              <a:t>    </a:t>
-            </a:r>
-            <a:r>
-              <a:rPr lang="en-US" sz="1400" dirty="0">
-                <a:solidFill>
-                  <a:srgbClr val="A071A6"/>
-                </a:solidFill>
-                <a:latin typeface="Consolas" panose="020B0609020204030204" pitchFamily="49" charset="0"/>
-              </a:rPr>
-              <a:t>while</a:t>
-            </a:r>
-            <a:r>
-              <a:rPr lang="en-US" sz="1400" dirty="0">
-                <a:solidFill>
-                  <a:schemeClr val="bg1"/>
-                </a:solidFill>
-                <a:latin typeface="Consolas" panose="020B0609020204030204" pitchFamily="49" charset="0"/>
-              </a:rPr>
-              <a:t> (n &gt; </a:t>
-            </a:r>
-            <a:r>
-              <a:rPr lang="en-US" sz="1400" dirty="0">
-                <a:solidFill>
-                  <a:srgbClr val="CE9178"/>
-                </a:solidFill>
-                <a:latin typeface="Consolas" panose="020B0609020204030204" pitchFamily="49" charset="0"/>
-              </a:rPr>
-              <a:t>0</a:t>
-            </a:r>
-            <a:r>
-              <a:rPr lang="en-US" sz="1400" dirty="0">
-                <a:solidFill>
-                  <a:schemeClr val="bg1"/>
-                </a:solidFill>
-                <a:latin typeface="Consolas" panose="020B0609020204030204" pitchFamily="49" charset="0"/>
-              </a:rPr>
-              <a:t>) {</a:t>
-            </a:r>
-          </a:p>
-          <a:p>
-            <a:r>
-              <a:rPr lang="en-US" sz="1400" dirty="0">
-                <a:solidFill>
-                  <a:schemeClr val="bg1"/>
-                </a:solidFill>
-                <a:latin typeface="Consolas" panose="020B0609020204030204" pitchFamily="49" charset="0"/>
-              </a:rPr>
-              <a:t>	res += n % </a:t>
-            </a:r>
-            <a:r>
-              <a:rPr lang="en-US" sz="1400" dirty="0">
-                <a:solidFill>
-                  <a:srgbClr val="CE9178"/>
-                </a:solidFill>
-                <a:latin typeface="Consolas" panose="020B0609020204030204" pitchFamily="49" charset="0"/>
-              </a:rPr>
-              <a:t>10</a:t>
-            </a:r>
-            <a:r>
-              <a:rPr lang="en-US" sz="1400" dirty="0">
-                <a:solidFill>
-                  <a:schemeClr val="bg1"/>
-                </a:solidFill>
-                <a:latin typeface="Consolas" panose="020B0609020204030204" pitchFamily="49" charset="0"/>
-              </a:rPr>
-              <a:t>;</a:t>
-            </a:r>
-          </a:p>
-          <a:p>
-            <a:r>
-              <a:rPr lang="en-US" sz="1400" dirty="0">
-                <a:solidFill>
-                  <a:schemeClr val="bg1"/>
-                </a:solidFill>
-                <a:latin typeface="Consolas" panose="020B0609020204030204" pitchFamily="49" charset="0"/>
-              </a:rPr>
-              <a:t>	n /= </a:t>
-            </a:r>
-            <a:r>
-              <a:rPr lang="en-US" sz="1400" dirty="0">
-                <a:solidFill>
-                  <a:srgbClr val="CE9178"/>
-                </a:solidFill>
-                <a:latin typeface="Consolas" panose="020B0609020204030204" pitchFamily="49" charset="0"/>
-              </a:rPr>
-              <a:t>10</a:t>
-            </a:r>
-            <a:r>
-              <a:rPr lang="en-US" sz="1400" dirty="0">
-                <a:solidFill>
-                  <a:schemeClr val="bg1"/>
-                </a:solidFill>
-                <a:latin typeface="Consolas" panose="020B0609020204030204" pitchFamily="49" charset="0"/>
-              </a:rPr>
-              <a:t>;</a:t>
-            </a:r>
-          </a:p>
-          <a:p>
-            <a:r>
-              <a:rPr lang="en-US" sz="1400" dirty="0">
-                <a:solidFill>
-                  <a:schemeClr val="bg1"/>
-                </a:solidFill>
-                <a:latin typeface="Consolas" panose="020B0609020204030204" pitchFamily="49" charset="0"/>
-              </a:rPr>
-              <a:t>    }</a:t>
-            </a:r>
-          </a:p>
-          <a:p>
-            <a:r>
-              <a:rPr lang="en-US" sz="1400" dirty="0">
-                <a:solidFill>
-                  <a:schemeClr val="bg1"/>
-                </a:solidFill>
-                <a:latin typeface="Consolas" panose="020B0609020204030204" pitchFamily="49" charset="0"/>
-              </a:rPr>
-              <a:t>    </a:t>
-            </a:r>
-            <a:r>
-              <a:rPr lang="en-US" sz="1400" dirty="0">
-                <a:solidFill>
-                  <a:srgbClr val="A071A6"/>
-                </a:solidFill>
-                <a:latin typeface="Consolas" panose="020B0609020204030204" pitchFamily="49" charset="0"/>
-              </a:rPr>
-              <a:t>return</a:t>
-            </a:r>
-            <a:r>
-              <a:rPr lang="en-US" sz="1400" dirty="0">
-                <a:solidFill>
-                  <a:schemeClr val="bg1"/>
-                </a:solidFill>
-                <a:latin typeface="Consolas" panose="020B0609020204030204" pitchFamily="49" charset="0"/>
-              </a:rPr>
-              <a:t> res;</a:t>
-            </a:r>
-          </a:p>
-          <a:p>
-            <a:r>
-              <a:rPr lang="en-US" sz="1400" dirty="0">
-                <a:solidFill>
-                  <a:schemeClr val="bg1"/>
-                </a:solidFill>
-                <a:latin typeface="Consolas" panose="020B0609020204030204" pitchFamily="49" charset="0"/>
-              </a:rPr>
-              <a:t>}</a:t>
-            </a:r>
+              <a:rPr lang="ru-RU" b="1" dirty="0">
+                <a:solidFill>
+                  <a:srgbClr val="FFFFFF">
+                    <a:alpha val="100000"/>
+                  </a:srgbClr>
+                </a:solidFill>
+              </a:rPr>
+              <a:t>Выполнили: Загрядсков М.А, Болтенков С.С, 3823Б1ПМ1-1</a:t>
+            </a:r>
+            <a:endParaRPr lang="en-US" b="1" dirty="0">
+              <a:solidFill>
+                <a:srgbClr val="FFFFFF">
+                  <a:alpha val="100000"/>
+                </a:srgbClr>
+              </a:solidFill>
+            </a:endParaRPr>
           </a:p>
           <a:p>
             <a:endParaRPr lang="ru-RU" dirty="0"/>
           </a:p>
         </p:txBody>
       </p:sp>
-      <p:pic>
-        <p:nvPicPr>
-          <p:cNvPr id="9" name="Рисунок 8"/>
-          <p:cNvPicPr>
-            <a:picLocks noChangeAspect="1"/>
-          </p:cNvPicPr>
-          <p:nvPr/>
-        </p:nvPicPr>
-        <p:blipFill>
-          <a:blip r:embed="rId2">
-            <a:extLst>
-              <a:ext uri="{28A0092B-C50C-407E-A947-70E740481C1C}">
-                <a14:useLocalDpi xmlns:a14="http://schemas.microsoft.com/office/drawing/2010/main" val="0"/>
-              </a:ext>
-            </a:extLst>
-          </a:blip>
-          <a:stretch>
-            <a:fillRect/>
-          </a:stretch>
-        </p:blipFill>
-        <p:spPr>
-          <a:xfrm>
-            <a:off x="3491880" y="138868"/>
-            <a:ext cx="5328592" cy="4950490"/>
-          </a:xfrm>
-          <a:prstGeom prst="rect">
-            <a:avLst/>
-          </a:prstGeom>
-        </p:spPr>
-      </p:pic>
     </p:spTree>
-    <p:extLst>
-      <p:ext uri="{BB962C8B-B14F-4D97-AF65-F5344CB8AC3E}">
-        <p14:creationId xmlns:p14="http://schemas.microsoft.com/office/powerpoint/2010/main" val="3934680506"/>
-      </p:ext>
-    </p:extLst>
   </p:cSld>
   <p:clrMapOvr>
     <a:masterClrMapping/>
@@ -1705,7 +825,7 @@
 </p:sld>
 </file>
 
-<file path=ppt/slides/slide11.xml><?xml version="1.0" encoding="utf-8"?>
+<file path=ppt/slides/slide10.xml><?xml version="1.0" encoding="utf-8"?>
 <p:sld xmlns:a="http://schemas.openxmlformats.org/drawingml/2006/main" xmlns:r="http://schemas.openxmlformats.org/officeDocument/2006/relationships" xmlns:p="http://schemas.openxmlformats.org/presentationml/2006/main">
   <p:cSld>
     <p:spTree>
@@ -1791,7 +911,7 @@
           </a:bodyPr>
           <a:lstStyle/>
           <a:p>
-            <a:pPr marL="0" marR="0" lvl="0" indent="0" algn="l" rtl="0" fontAlgn="base">
+            <a:pPr marL="342900" marR="0" lvl="0" indent="-342900" algn="l" rtl="0" fontAlgn="base">
               <a:lnSpc>
                 <a:spcPct val="100000"/>
               </a:lnSpc>
@@ -1801,6 +921,8 @@
               <a:spcAft>
                 <a:spcPts val="0"/>
               </a:spcAft>
+              <a:buFont typeface="Arial" panose="020B0604020202020204" pitchFamily="34" charset="0"/>
+              <a:buChar char="•"/>
             </a:pPr>
             <a:r>
               <a:rPr lang="en-US" sz="2000" u="none" strike="noStrike" cap="none" spc="0" dirty="0" err="1">
@@ -2167,7 +1289,7 @@
 </p:sld>
 </file>
 
-<file path=ppt/slides/slide12.xml><?xml version="1.0" encoding="utf-8"?>
+<file path=ppt/slides/slide11.xml><?xml version="1.0" encoding="utf-8"?>
 <p:sld xmlns:a="http://schemas.openxmlformats.org/drawingml/2006/main" xmlns:r="http://schemas.openxmlformats.org/officeDocument/2006/relationships" xmlns:p="http://schemas.openxmlformats.org/presentationml/2006/main">
   <p:cSld>
     <p:spTree>
@@ -2192,7 +1314,7 @@
         </p:nvSpPr>
         <p:spPr>
           <a:xfrm>
-            <a:off x="1828800" y="1028700"/>
+            <a:off x="1828800" y="411510"/>
             <a:ext cx="5486400" cy="707886"/>
           </a:xfrm>
           <a:prstGeom prst="rect">
@@ -2247,8 +1369,8 @@
         </p:nvSpPr>
         <p:spPr>
           <a:xfrm>
-            <a:off x="914400" y="1800225"/>
-            <a:ext cx="7315200" cy="2160591"/>
+            <a:off x="914400" y="1322679"/>
+            <a:ext cx="7315200" cy="3416320"/>
           </a:xfrm>
           <a:prstGeom prst="rect">
             <a:avLst/>
@@ -2261,7 +1383,7 @@
           </a:bodyPr>
           <a:lstStyle/>
           <a:p>
-            <a:pPr marL="0" marR="0" lvl="0" indent="0" algn="ctr" rtl="0" fontAlgn="t">
+            <a:pPr marL="342900" marR="0" lvl="0" indent="-342900" rtl="0" fontAlgn="t">
               <a:lnSpc>
                 <a:spcPct val="120000"/>
               </a:lnSpc>
@@ -2271,205 +1393,191 @@
               <a:spcAft>
                 <a:spcPts val="0"/>
               </a:spcAft>
+              <a:buFont typeface="Arial" panose="020B0604020202020204" pitchFamily="34" charset="0"/>
+              <a:buChar char="•"/>
             </a:pPr>
             <a:r>
-              <a:rPr lang="en-US" sz="2800" b="1" u="none" strike="noStrike" cap="none" spc="0" dirty="0" err="1">
-                <a:solidFill>
-                  <a:srgbClr val="FFFFFF">
-                    <a:alpha val="100000"/>
-                  </a:srgbClr>
-                </a:solidFill>
-                <a:latin typeface="Calibri"/>
-              </a:rPr>
-              <a:t>Программа</a:t>
-            </a:r>
-            <a:r>
-              <a:rPr lang="en-US" sz="2800" b="1" u="none" strike="noStrike" cap="none" spc="0" dirty="0">
-                <a:solidFill>
-                  <a:srgbClr val="FFFFFF">
-                    <a:alpha val="100000"/>
-                  </a:srgbClr>
-                </a:solidFill>
-                <a:latin typeface="Calibri"/>
-              </a:rPr>
-              <a:t> </a:t>
-            </a:r>
-            <a:r>
-              <a:rPr lang="en-US" sz="2800" b="1" u="none" strike="noStrike" cap="none" spc="0" dirty="0" err="1">
-                <a:solidFill>
-                  <a:srgbClr val="FFFFFF">
-                    <a:alpha val="100000"/>
-                  </a:srgbClr>
-                </a:solidFill>
-                <a:latin typeface="Calibri"/>
-              </a:rPr>
-              <a:t>успешно</a:t>
-            </a:r>
-            <a:r>
-              <a:rPr lang="en-US" sz="2800" b="1" u="none" strike="noStrike" cap="none" spc="0" dirty="0">
-                <a:solidFill>
-                  <a:srgbClr val="FFFFFF">
-                    <a:alpha val="100000"/>
-                  </a:srgbClr>
-                </a:solidFill>
-                <a:latin typeface="Calibri"/>
-              </a:rPr>
-              <a:t> </a:t>
-            </a:r>
-            <a:r>
-              <a:rPr lang="en-US" sz="2800" b="1" u="none" strike="noStrike" cap="none" spc="0" dirty="0" err="1">
-                <a:solidFill>
-                  <a:srgbClr val="FFFFFF">
-                    <a:alpha val="100000"/>
-                  </a:srgbClr>
-                </a:solidFill>
-                <a:latin typeface="Calibri"/>
-              </a:rPr>
-              <a:t>интерпретирует</a:t>
-            </a:r>
-            <a:r>
-              <a:rPr lang="en-US" sz="2800" b="1" u="none" strike="noStrike" cap="none" spc="0" dirty="0">
-                <a:solidFill>
-                  <a:srgbClr val="FFFFFF">
-                    <a:alpha val="100000"/>
-                  </a:srgbClr>
-                </a:solidFill>
-                <a:latin typeface="Calibri"/>
-              </a:rPr>
-              <a:t> C-</a:t>
-            </a:r>
-            <a:r>
-              <a:rPr lang="en-US" sz="2800" b="1" u="none" strike="noStrike" cap="none" spc="0" dirty="0" err="1">
-                <a:solidFill>
-                  <a:srgbClr val="FFFFFF">
-                    <a:alpha val="100000"/>
-                  </a:srgbClr>
-                </a:solidFill>
-                <a:latin typeface="Calibri"/>
-              </a:rPr>
-              <a:t>подобный</a:t>
-            </a:r>
-            <a:r>
-              <a:rPr lang="en-US" sz="2800" b="1" u="none" strike="noStrike" cap="none" spc="0" dirty="0">
-                <a:solidFill>
-                  <a:srgbClr val="FFFFFF">
-                    <a:alpha val="100000"/>
-                  </a:srgbClr>
-                </a:solidFill>
-                <a:latin typeface="Calibri"/>
-              </a:rPr>
-              <a:t> </a:t>
-            </a:r>
-            <a:r>
-              <a:rPr lang="en-US" sz="2800" b="1" u="none" strike="noStrike" cap="none" spc="0" dirty="0" err="1">
-                <a:solidFill>
-                  <a:srgbClr val="FFFFFF">
-                    <a:alpha val="100000"/>
-                  </a:srgbClr>
-                </a:solidFill>
-                <a:latin typeface="Calibri"/>
-              </a:rPr>
-              <a:t>код</a:t>
-            </a:r>
-            <a:r>
-              <a:rPr lang="ru-RU" sz="2800" b="1" dirty="0">
-                <a:solidFill>
-                  <a:srgbClr val="FFFFFF">
-                    <a:alpha val="100000"/>
-                  </a:srgbClr>
-                </a:solidFill>
-                <a:latin typeface="Calibri"/>
-              </a:rPr>
-              <a:t>, корректно выполняя все из </a:t>
-            </a:r>
-            <a:r>
-              <a:rPr lang="en-US" sz="2800" b="1" u="none" strike="noStrike" cap="none" spc="0" dirty="0" err="1">
-                <a:solidFill>
-                  <a:srgbClr val="FFFFFF">
-                    <a:alpha val="100000"/>
-                  </a:srgbClr>
-                </a:solidFill>
-                <a:latin typeface="Calibri"/>
-              </a:rPr>
-              <a:t>поддерживаемых</a:t>
-            </a:r>
-            <a:r>
-              <a:rPr lang="en-US" sz="2800" b="1" u="none" strike="noStrike" cap="none" spc="0" dirty="0">
-                <a:solidFill>
-                  <a:srgbClr val="FFFFFF">
-                    <a:alpha val="100000"/>
-                  </a:srgbClr>
-                </a:solidFill>
-                <a:latin typeface="Calibri"/>
-              </a:rPr>
-              <a:t> </a:t>
-            </a:r>
-            <a:r>
-              <a:rPr lang="en-US" sz="2800" b="1" u="none" strike="noStrike" cap="none" spc="0" dirty="0" err="1">
-                <a:solidFill>
-                  <a:srgbClr val="FFFFFF">
-                    <a:alpha val="100000"/>
-                  </a:srgbClr>
-                </a:solidFill>
-                <a:latin typeface="Calibri"/>
-              </a:rPr>
-              <a:t>операций</a:t>
-            </a:r>
-            <a:r>
-              <a:rPr lang="en-US" sz="2800" b="1" u="none" strike="noStrike" cap="none" spc="0" dirty="0">
-                <a:solidFill>
-                  <a:srgbClr val="FFFFFF">
-                    <a:alpha val="100000"/>
-                  </a:srgbClr>
-                </a:solidFill>
-                <a:latin typeface="Calibri"/>
-              </a:rPr>
-              <a:t> и </a:t>
-            </a:r>
-            <a:r>
-              <a:rPr lang="en-US" sz="2800" b="1" u="none" strike="noStrike" cap="none" spc="0" dirty="0" err="1">
-                <a:solidFill>
-                  <a:srgbClr val="FFFFFF">
-                    <a:alpha val="100000"/>
-                  </a:srgbClr>
-                </a:solidFill>
-                <a:latin typeface="Calibri"/>
-              </a:rPr>
-              <a:t>ключевых</a:t>
-            </a:r>
-            <a:r>
-              <a:rPr lang="en-US" sz="2800" b="1" u="none" strike="noStrike" cap="none" spc="0" dirty="0">
-                <a:solidFill>
-                  <a:srgbClr val="FFFFFF">
-                    <a:alpha val="100000"/>
-                  </a:srgbClr>
-                </a:solidFill>
-                <a:latin typeface="Calibri"/>
-              </a:rPr>
-              <a:t> </a:t>
-            </a:r>
-            <a:r>
-              <a:rPr lang="en-US" sz="2800" b="1" u="none" strike="noStrike" cap="none" spc="0" dirty="0" err="1">
-                <a:solidFill>
-                  <a:srgbClr val="FFFFFF">
-                    <a:alpha val="100000"/>
-                  </a:srgbClr>
-                </a:solidFill>
-                <a:latin typeface="Calibri"/>
-              </a:rPr>
-              <a:t>слов</a:t>
-            </a:r>
-            <a:r>
-              <a:rPr lang="en-US" sz="2800" b="1" u="none" strike="noStrike" cap="none" spc="0" dirty="0">
-                <a:solidFill>
-                  <a:srgbClr val="FFFFFF">
-                    <a:alpha val="100000"/>
-                  </a:srgbClr>
-                </a:solidFill>
-                <a:latin typeface="Calibri"/>
-              </a:rPr>
-              <a:t>.</a:t>
-            </a:r>
+              <a:rPr lang="ru-RU" sz="2000" dirty="0">
+                <a:solidFill>
+                  <a:srgbClr val="FFFFFF">
+                    <a:alpha val="100000"/>
+                  </a:srgbClr>
+                </a:solidFill>
+              </a:rPr>
+              <a:t>Спроектирована и реализована программа, корректно интерпретирующая С-подобный код, в том числе:</a:t>
+            </a:r>
+          </a:p>
+          <a:p>
+            <a:pPr marL="800100" lvl="1" indent="-342900" fontAlgn="t">
+              <a:lnSpc>
+                <a:spcPct val="120000"/>
+              </a:lnSpc>
+              <a:buFont typeface="Courier New" panose="02070309020205020404" pitchFamily="49" charset="0"/>
+              <a:buChar char="o"/>
+            </a:pPr>
+            <a:r>
+              <a:rPr lang="ru-RU" sz="2000" dirty="0">
+                <a:solidFill>
+                  <a:srgbClr val="FFFFFF">
+                    <a:alpha val="100000"/>
+                  </a:srgbClr>
+                </a:solidFill>
+              </a:rPr>
+              <a:t>Условные операторы </a:t>
+            </a:r>
+            <a:r>
+              <a:rPr lang="en-US" sz="2000" dirty="0">
+                <a:solidFill>
+                  <a:srgbClr val="FFFFFF">
+                    <a:alpha val="100000"/>
+                  </a:srgbClr>
+                </a:solidFill>
+              </a:rPr>
+              <a:t>if, </a:t>
+            </a:r>
+            <a:r>
+              <a:rPr lang="en-US" sz="2000" dirty="0" err="1">
+                <a:solidFill>
+                  <a:srgbClr val="FFFFFF">
+                    <a:alpha val="100000"/>
+                  </a:srgbClr>
+                </a:solidFill>
+              </a:rPr>
+              <a:t>elif</a:t>
+            </a:r>
+            <a:r>
+              <a:rPr lang="en-US" sz="2000" dirty="0">
+                <a:solidFill>
+                  <a:srgbClr val="FFFFFF">
+                    <a:alpha val="100000"/>
+                  </a:srgbClr>
+                </a:solidFill>
+              </a:rPr>
+              <a:t>, else, while, for</a:t>
+            </a:r>
+            <a:endParaRPr lang="ru-RU" sz="2000" dirty="0">
+              <a:solidFill>
+                <a:srgbClr val="FFFFFF">
+                  <a:alpha val="100000"/>
+                </a:srgbClr>
+              </a:solidFill>
+            </a:endParaRPr>
+          </a:p>
+          <a:p>
+            <a:pPr marL="800100" lvl="1" indent="-342900" fontAlgn="t">
+              <a:lnSpc>
+                <a:spcPct val="120000"/>
+              </a:lnSpc>
+              <a:buFont typeface="Courier New" panose="02070309020205020404" pitchFamily="49" charset="0"/>
+              <a:buChar char="o"/>
+            </a:pPr>
+            <a:r>
+              <a:rPr lang="ru-RU" sz="2000" dirty="0">
+                <a:solidFill>
+                  <a:srgbClr val="FFFFFF">
+                    <a:alpha val="100000"/>
+                  </a:srgbClr>
+                </a:solidFill>
+              </a:rPr>
+              <a:t>Стандартные типы данных </a:t>
+            </a:r>
+            <a:r>
+              <a:rPr lang="en-US" sz="2000" dirty="0">
+                <a:solidFill>
+                  <a:srgbClr val="FFFFFF">
+                    <a:alpha val="100000"/>
+                  </a:srgbClr>
+                </a:solidFill>
+              </a:rPr>
+              <a:t>int, double, string</a:t>
+            </a:r>
+          </a:p>
+          <a:p>
+            <a:pPr marL="800100" lvl="1" indent="-342900" fontAlgn="t">
+              <a:lnSpc>
+                <a:spcPct val="120000"/>
+              </a:lnSpc>
+              <a:buFont typeface="Courier New" panose="02070309020205020404" pitchFamily="49" charset="0"/>
+              <a:buChar char="o"/>
+            </a:pPr>
+            <a:r>
+              <a:rPr lang="ru-RU" sz="2000" dirty="0">
+                <a:solidFill>
+                  <a:srgbClr val="FFFFFF">
+                    <a:alpha val="100000"/>
+                  </a:srgbClr>
+                </a:solidFill>
+              </a:rPr>
+              <a:t>Выполнение пользовательских функций</a:t>
+            </a:r>
+            <a:endParaRPr lang="en-US" sz="2000" dirty="0">
+              <a:solidFill>
+                <a:srgbClr val="FFFFFF">
+                  <a:alpha val="100000"/>
+                </a:srgbClr>
+              </a:solidFill>
+            </a:endParaRPr>
+          </a:p>
+          <a:p>
+            <a:pPr marL="800100" lvl="1" indent="-342900" fontAlgn="t">
+              <a:lnSpc>
+                <a:spcPct val="120000"/>
+              </a:lnSpc>
+              <a:buFont typeface="Courier New" panose="02070309020205020404" pitchFamily="49" charset="0"/>
+              <a:buChar char="o"/>
+            </a:pPr>
+            <a:r>
+              <a:rPr lang="ru-RU" sz="2000" dirty="0">
+                <a:solidFill>
+                  <a:srgbClr val="FFFFFF">
+                    <a:alpha val="100000"/>
+                  </a:srgbClr>
+                </a:solidFill>
+              </a:rPr>
+              <a:t>Стандартные арифметические и логические операции</a:t>
+            </a:r>
+          </a:p>
+          <a:p>
+            <a:pPr marL="342900" indent="-342900" fontAlgn="t">
+              <a:lnSpc>
+                <a:spcPct val="120000"/>
+              </a:lnSpc>
+              <a:buFont typeface="Arial" panose="020B0604020202020204" pitchFamily="34" charset="0"/>
+              <a:buChar char="•"/>
+            </a:pPr>
+            <a:r>
+              <a:rPr lang="ru-RU" sz="2000" dirty="0">
+                <a:solidFill>
+                  <a:srgbClr val="FFFFFF">
+                    <a:alpha val="100000"/>
+                  </a:srgbClr>
+                </a:solidFill>
+              </a:rPr>
+              <a:t>Проведено функциональное тестирование, подтверждена корректность выполнения программы</a:t>
+            </a:r>
+          </a:p>
+          <a:p>
+            <a:pPr marL="342900" marR="0" lvl="0" indent="-342900" rtl="0" fontAlgn="t">
+              <a:lnSpc>
+                <a:spcPct val="120000"/>
+              </a:lnSpc>
+              <a:spcBef>
+                <a:spcPts val="0"/>
+              </a:spcBef>
+              <a:spcAft>
+                <a:spcPts val="0"/>
+              </a:spcAft>
+              <a:buFont typeface="Arial" panose="020B0604020202020204" pitchFamily="34" charset="0"/>
+              <a:buChar char="•"/>
+            </a:pPr>
+            <a:endParaRPr lang="ru-RU" sz="2000" b="1" dirty="0">
+              <a:solidFill>
+                <a:srgbClr val="FFFFFF">
+                  <a:alpha val="100000"/>
+                </a:srgbClr>
+              </a:solidFill>
+              <a:latin typeface="Calibri"/>
+            </a:endParaRPr>
           </a:p>
         </p:txBody>
       </p:sp>
@@ -2481,7 +1589,7 @@
 </p:sld>
 </file>
 
-<file path=ppt/slides/slide13.xml><?xml version="1.0" encoding="utf-8"?>
+<file path=ppt/slides/slide12.xml><?xml version="1.0" encoding="utf-8"?>
 <p:sld xmlns:a="http://schemas.openxmlformats.org/drawingml/2006/main" xmlns:r="http://schemas.openxmlformats.org/officeDocument/2006/relationships" xmlns:p="http://schemas.openxmlformats.org/presentationml/2006/main">
   <p:cSld>
     <p:spTree>
@@ -2697,7 +1805,7 @@
 </p:sld>
 </file>
 
-<file path=ppt/slides/slide14.xml><?xml version="1.0" encoding="utf-8"?>
+<file path=ppt/slides/slide13.xml><?xml version="1.0" encoding="utf-8"?>
 <p:sld xmlns:a="http://schemas.openxmlformats.org/drawingml/2006/main" xmlns:r="http://schemas.openxmlformats.org/officeDocument/2006/relationships" xmlns:p="http://schemas.openxmlformats.org/presentationml/2006/main">
   <p:cSld>
     <p:spTree>
@@ -2789,480 +1897,6 @@
       <p:grpSpPr>
         <a:xfrm>
           <a:off x="914400" y="1028700"/>
-          <a:ext cx="8229600" cy="5638800"/>
-          <a:chOff x="914400" y="1028700"/>
-          <a:chExt cx="8229600" cy="5638800"/>
-        </a:xfrm>
-      </p:grpSpPr>
-      <p:sp>
-        <p:nvSpPr>
-          <p:cNvPr id="2" name="TextBox 1"/>
-          <p:cNvSpPr txBox="1"/>
-          <p:nvPr/>
-        </p:nvSpPr>
-        <p:spPr>
-          <a:xfrm>
-            <a:off x="1828800" y="699542"/>
-            <a:ext cx="5486400" cy="707886"/>
-          </a:xfrm>
-          <a:prstGeom prst="rect">
-            <a:avLst/>
-          </a:prstGeom>
-          <a:noFill/>
-        </p:spPr>
-        <p:txBody>
-          <a:bodyPr vert="horz" lIns="91440" tIns="45720" rIns="91440" bIns="45720" rtlCol="0" anchor="t" anchorCtr="0">
-            <a:spAutoFit/>
-          </a:bodyPr>
-          <a:lstStyle/>
-          <a:p>
-            <a:pPr marL="0" marR="0" lvl="0" indent="0" algn="ctr" rtl="0" fontAlgn="t">
-              <a:lnSpc>
-                <a:spcPct val="100000"/>
-              </a:lnSpc>
-              <a:spcBef>
-                <a:spcPts val="0"/>
-              </a:spcBef>
-              <a:spcAft>
-                <a:spcPts val="0"/>
-              </a:spcAft>
-            </a:pPr>
-            <a:r>
-              <a:rPr lang="ru-RU" sz="4000" b="1" u="none" strike="noStrike" cap="none" spc="0" dirty="0">
-                <a:solidFill>
-                  <a:srgbClr val="FFAB40">
-                    <a:alpha val="100000"/>
-                  </a:srgbClr>
-                </a:solidFill>
-                <a:latin typeface="Calibri"/>
-              </a:rPr>
-              <a:t>Вступление</a:t>
-            </a:r>
-            <a:endParaRPr lang="en-US" sz="4000" b="1" u="none" strike="noStrike" cap="none" spc="0" dirty="0">
-              <a:solidFill>
-                <a:srgbClr val="FFAB40">
-                  <a:alpha val="100000"/>
-                </a:srgbClr>
-              </a:solidFill>
-              <a:latin typeface="Calibri"/>
-            </a:endParaRPr>
-          </a:p>
-        </p:txBody>
-      </p:sp>
-      <p:sp>
-        <p:nvSpPr>
-          <p:cNvPr id="3" name="TextBox 2"/>
-          <p:cNvSpPr txBox="1"/>
-          <p:nvPr/>
-        </p:nvSpPr>
-        <p:spPr>
-          <a:xfrm>
-            <a:off x="914400" y="1442330"/>
-            <a:ext cx="7315200" cy="3046988"/>
-          </a:xfrm>
-          <a:prstGeom prst="rect">
-            <a:avLst/>
-          </a:prstGeom>
-          <a:noFill/>
-        </p:spPr>
-        <p:txBody>
-          <a:bodyPr vert="horz" lIns="91440" tIns="45720" rIns="91440" bIns="45720" rtlCol="0" anchor="t" anchorCtr="0">
-            <a:spAutoFit/>
-          </a:bodyPr>
-          <a:lstStyle/>
-          <a:p>
-            <a:pPr marL="0" marR="0" lvl="0" indent="0" algn="ctr" rtl="0" fontAlgn="t">
-              <a:lnSpc>
-                <a:spcPct val="120000"/>
-              </a:lnSpc>
-              <a:spcBef>
-                <a:spcPts val="0"/>
-              </a:spcBef>
-              <a:spcAft>
-                <a:spcPts val="0"/>
-              </a:spcAft>
-            </a:pPr>
-            <a:r>
-              <a:rPr lang="ru-RU" sz="2800" b="1" u="none" strike="noStrike" cap="none" spc="0" dirty="0">
-                <a:solidFill>
-                  <a:srgbClr val="FFFFFF">
-                    <a:alpha val="100000"/>
-                  </a:srgbClr>
-                </a:solidFill>
-                <a:latin typeface="Calibri"/>
-              </a:rPr>
-              <a:t>В данной презентации рассмотрена </a:t>
-            </a:r>
-            <a:r>
-              <a:rPr lang="en-US" sz="2800" b="1" u="none" strike="noStrike" cap="none" spc="0" dirty="0" err="1">
-                <a:solidFill>
-                  <a:srgbClr val="FFFFFF">
-                    <a:alpha val="100000"/>
-                  </a:srgbClr>
-                </a:solidFill>
-                <a:latin typeface="Calibri"/>
-              </a:rPr>
-              <a:t>разработк</a:t>
-            </a:r>
-            <a:r>
-              <a:rPr lang="ru-RU" sz="2800" b="1" u="none" strike="noStrike" cap="none" spc="0" dirty="0">
-                <a:solidFill>
-                  <a:srgbClr val="FFFFFF">
-                    <a:alpha val="100000"/>
-                  </a:srgbClr>
-                </a:solidFill>
-                <a:latin typeface="Calibri"/>
-              </a:rPr>
-              <a:t>а</a:t>
-            </a:r>
-            <a:r>
-              <a:rPr lang="en-US" sz="2800" b="1" u="none" strike="noStrike" cap="none" spc="0" dirty="0">
-                <a:solidFill>
-                  <a:srgbClr val="FFFFFF">
-                    <a:alpha val="100000"/>
-                  </a:srgbClr>
-                </a:solidFill>
-                <a:latin typeface="Calibri"/>
-              </a:rPr>
-              <a:t> </a:t>
-            </a:r>
-            <a:r>
-              <a:rPr lang="en-US" sz="2800" b="1" u="none" strike="noStrike" cap="none" spc="0" dirty="0" err="1">
-                <a:solidFill>
-                  <a:srgbClr val="FFFFFF">
-                    <a:alpha val="100000"/>
-                  </a:srgbClr>
-                </a:solidFill>
-                <a:latin typeface="Calibri"/>
-              </a:rPr>
-              <a:t>программы</a:t>
-            </a:r>
-            <a:r>
-              <a:rPr lang="en-US" sz="2800" b="1" u="none" strike="noStrike" cap="none" spc="0" dirty="0">
-                <a:solidFill>
-                  <a:srgbClr val="FFFFFF">
-                    <a:alpha val="100000"/>
-                  </a:srgbClr>
-                </a:solidFill>
-                <a:latin typeface="Calibri"/>
-              </a:rPr>
-              <a:t>, </a:t>
-            </a:r>
-            <a:r>
-              <a:rPr lang="ru-RU" sz="2800" b="1" u="none" strike="noStrike" cap="none" spc="0" dirty="0">
-                <a:solidFill>
-                  <a:srgbClr val="FFFFFF">
-                    <a:alpha val="100000"/>
-                  </a:srgbClr>
-                </a:solidFill>
-                <a:latin typeface="Calibri"/>
-              </a:rPr>
-              <a:t>интерпретирующей </a:t>
-            </a:r>
-            <a:r>
-              <a:rPr lang="en-US" sz="2800" b="1" u="none" strike="noStrike" cap="none" spc="0" dirty="0" err="1">
-                <a:solidFill>
-                  <a:srgbClr val="FFFFFF">
-                    <a:alpha val="100000"/>
-                  </a:srgbClr>
-                </a:solidFill>
-                <a:latin typeface="Calibri"/>
-              </a:rPr>
-              <a:t>код</a:t>
-            </a:r>
-            <a:r>
-              <a:rPr lang="en-US" sz="2800" b="1" u="none" strike="noStrike" cap="none" spc="0" dirty="0">
-                <a:solidFill>
-                  <a:srgbClr val="FFFFFF">
-                    <a:alpha val="100000"/>
-                  </a:srgbClr>
-                </a:solidFill>
-                <a:latin typeface="Calibri"/>
-              </a:rPr>
-              <a:t> </a:t>
-            </a:r>
-            <a:r>
-              <a:rPr lang="en-US" sz="2800" b="1" u="none" strike="noStrike" cap="none" spc="0" dirty="0" err="1">
-                <a:solidFill>
-                  <a:srgbClr val="FFFFFF">
-                    <a:alpha val="100000"/>
-                  </a:srgbClr>
-                </a:solidFill>
-                <a:latin typeface="Calibri"/>
-              </a:rPr>
-              <a:t>на</a:t>
-            </a:r>
-            <a:r>
-              <a:rPr lang="en-US" sz="2800" b="1" u="none" strike="noStrike" cap="none" spc="0" dirty="0">
-                <a:solidFill>
-                  <a:srgbClr val="FFFFFF">
-                    <a:alpha val="100000"/>
-                  </a:srgbClr>
-                </a:solidFill>
-                <a:latin typeface="Calibri"/>
-              </a:rPr>
-              <a:t> C-</a:t>
-            </a:r>
-            <a:r>
-              <a:rPr lang="en-US" sz="2800" b="1" u="none" strike="noStrike" cap="none" spc="0" dirty="0" err="1">
-                <a:solidFill>
-                  <a:srgbClr val="FFFFFF">
-                    <a:alpha val="100000"/>
-                  </a:srgbClr>
-                </a:solidFill>
-                <a:latin typeface="Calibri"/>
-              </a:rPr>
-              <a:t>подобном</a:t>
-            </a:r>
-            <a:r>
-              <a:rPr lang="en-US" sz="2800" b="1" u="none" strike="noStrike" cap="none" spc="0" dirty="0">
-                <a:solidFill>
-                  <a:srgbClr val="FFFFFF">
-                    <a:alpha val="100000"/>
-                  </a:srgbClr>
-                </a:solidFill>
-                <a:latin typeface="Calibri"/>
-              </a:rPr>
-              <a:t> </a:t>
-            </a:r>
-            <a:r>
-              <a:rPr lang="en-US" sz="2800" b="1" u="none" strike="noStrike" cap="none" spc="0" dirty="0" err="1">
-                <a:solidFill>
-                  <a:srgbClr val="FFFFFF">
-                    <a:alpha val="100000"/>
-                  </a:srgbClr>
-                </a:solidFill>
-                <a:latin typeface="Calibri"/>
-              </a:rPr>
-              <a:t>языке</a:t>
-            </a:r>
-            <a:r>
-              <a:rPr lang="en-US" sz="2800" b="1" u="none" strike="noStrike" cap="none" spc="0" dirty="0">
-                <a:solidFill>
-                  <a:srgbClr val="FFFFFF">
-                    <a:alpha val="100000"/>
-                  </a:srgbClr>
-                </a:solidFill>
-                <a:latin typeface="Calibri"/>
-              </a:rPr>
-              <a:t>, </a:t>
-            </a:r>
-            <a:r>
-              <a:rPr lang="en-US" sz="2800" b="1" u="none" strike="noStrike" cap="none" spc="0" dirty="0" err="1">
-                <a:solidFill>
-                  <a:srgbClr val="FFFFFF">
-                    <a:alpha val="100000"/>
-                  </a:srgbClr>
-                </a:solidFill>
-                <a:latin typeface="Calibri"/>
-              </a:rPr>
-              <a:t>поддерживающе</a:t>
-            </a:r>
-            <a:r>
-              <a:rPr lang="ru-RU" sz="2800" b="1" u="none" strike="noStrike" cap="none" spc="0" dirty="0">
-                <a:solidFill>
-                  <a:srgbClr val="FFFFFF">
-                    <a:alpha val="100000"/>
-                  </a:srgbClr>
-                </a:solidFill>
-                <a:latin typeface="Calibri"/>
-              </a:rPr>
-              <a:t>й</a:t>
-            </a:r>
-            <a:r>
-              <a:rPr lang="en-US" sz="2800" b="1" u="none" strike="noStrike" cap="none" spc="0" dirty="0">
-                <a:solidFill>
-                  <a:srgbClr val="FFFFFF">
-                    <a:alpha val="100000"/>
-                  </a:srgbClr>
-                </a:solidFill>
-                <a:latin typeface="Calibri"/>
-              </a:rPr>
-              <a:t> </a:t>
-            </a:r>
-            <a:r>
-              <a:rPr lang="en-US" sz="2800" b="1" u="none" strike="noStrike" cap="none" spc="0" dirty="0" err="1">
-                <a:solidFill>
-                  <a:srgbClr val="FFFFFF">
-                    <a:alpha val="100000"/>
-                  </a:srgbClr>
-                </a:solidFill>
-                <a:latin typeface="Calibri"/>
-              </a:rPr>
-              <a:t>ключевые</a:t>
-            </a:r>
-            <a:r>
-              <a:rPr lang="en-US" sz="2800" b="1" u="none" strike="noStrike" cap="none" spc="0" dirty="0">
-                <a:solidFill>
-                  <a:srgbClr val="FFFFFF">
-                    <a:alpha val="100000"/>
-                  </a:srgbClr>
-                </a:solidFill>
-                <a:latin typeface="Calibri"/>
-              </a:rPr>
-              <a:t> </a:t>
-            </a:r>
-            <a:r>
-              <a:rPr lang="en-US" sz="2800" b="1" u="none" strike="noStrike" cap="none" spc="0" dirty="0" err="1">
-                <a:solidFill>
-                  <a:srgbClr val="FFFFFF">
-                    <a:alpha val="100000"/>
-                  </a:srgbClr>
-                </a:solidFill>
-                <a:latin typeface="Calibri"/>
-              </a:rPr>
-              <a:t>слова</a:t>
-            </a:r>
-            <a:r>
-              <a:rPr lang="en-US" sz="2800" b="1" u="none" strike="noStrike" cap="none" spc="0" dirty="0">
-                <a:solidFill>
-                  <a:srgbClr val="FFFFFF">
-                    <a:alpha val="100000"/>
-                  </a:srgbClr>
-                </a:solidFill>
-                <a:latin typeface="Calibri"/>
-              </a:rPr>
-              <a:t> и </a:t>
-            </a:r>
-            <a:r>
-              <a:rPr lang="en-US" sz="2800" b="1" u="none" strike="noStrike" cap="none" spc="0" dirty="0" err="1">
-                <a:solidFill>
-                  <a:srgbClr val="FFFFFF">
-                    <a:alpha val="100000"/>
-                  </a:srgbClr>
-                </a:solidFill>
-                <a:latin typeface="Calibri"/>
-              </a:rPr>
-              <a:t>операции</a:t>
-            </a:r>
-            <a:r>
-              <a:rPr lang="en-US" sz="2800" b="1" u="none" strike="noStrike" cap="none" spc="0" dirty="0">
-                <a:solidFill>
-                  <a:srgbClr val="FFFFFF">
-                    <a:alpha val="100000"/>
-                  </a:srgbClr>
-                </a:solidFill>
-                <a:latin typeface="Calibri"/>
-              </a:rPr>
-              <a:t> </a:t>
-            </a:r>
-            <a:r>
-              <a:rPr lang="en-US" sz="2800" b="1" u="none" strike="noStrike" cap="none" spc="0" dirty="0" err="1">
-                <a:solidFill>
-                  <a:srgbClr val="FFFFFF">
-                    <a:alpha val="100000"/>
-                  </a:srgbClr>
-                </a:solidFill>
-                <a:latin typeface="Calibri"/>
-              </a:rPr>
-              <a:t>из</a:t>
-            </a:r>
-            <a:r>
-              <a:rPr lang="en-US" sz="2800" b="1" u="none" strike="noStrike" cap="none" spc="0" dirty="0">
-                <a:solidFill>
-                  <a:srgbClr val="FFFFFF">
-                    <a:alpha val="100000"/>
-                  </a:srgbClr>
-                </a:solidFill>
-                <a:latin typeface="Calibri"/>
-              </a:rPr>
-              <a:t> </a:t>
-            </a:r>
-            <a:r>
-              <a:rPr lang="en-US" sz="2800" b="1" u="none" strike="noStrike" cap="none" spc="0" dirty="0" err="1">
-                <a:solidFill>
-                  <a:srgbClr val="FFFFFF">
-                    <a:alpha val="100000"/>
-                  </a:srgbClr>
-                </a:solidFill>
-                <a:latin typeface="Calibri"/>
-              </a:rPr>
-              <a:t>языка</a:t>
-            </a:r>
-            <a:r>
-              <a:rPr lang="en-US" sz="2800" b="1" u="none" strike="noStrike" cap="none" spc="0" dirty="0">
-                <a:solidFill>
-                  <a:srgbClr val="FFFFFF">
-                    <a:alpha val="100000"/>
-                  </a:srgbClr>
-                </a:solidFill>
-                <a:latin typeface="Calibri"/>
-              </a:rPr>
-              <a:t> C89.</a:t>
-            </a:r>
-            <a:br>
-              <a:rPr lang="ru-RU" sz="2800" b="1" u="none" strike="noStrike" cap="none" spc="0" dirty="0">
-                <a:solidFill>
-                  <a:srgbClr val="FFFFFF">
-                    <a:alpha val="100000"/>
-                  </a:srgbClr>
-                </a:solidFill>
-                <a:latin typeface="Calibri"/>
-              </a:rPr>
-            </a:br>
-            <a:endParaRPr lang="ru-RU" sz="2800" b="1" u="none" strike="noStrike" cap="none" spc="0" dirty="0">
-              <a:solidFill>
-                <a:srgbClr val="FFFFFF">
-                  <a:alpha val="100000"/>
-                </a:srgbClr>
-              </a:solidFill>
-              <a:latin typeface="Calibri"/>
-            </a:endParaRPr>
-          </a:p>
-          <a:p>
-            <a:pPr marL="0" marR="0" lvl="0" indent="0" algn="r" rtl="0" fontAlgn="t">
-              <a:lnSpc>
-                <a:spcPct val="120000"/>
-              </a:lnSpc>
-              <a:spcBef>
-                <a:spcPts val="0"/>
-              </a:spcBef>
-              <a:spcAft>
-                <a:spcPts val="0"/>
-              </a:spcAft>
-            </a:pPr>
-            <a:r>
-              <a:rPr lang="ru-RU" sz="2000" b="1" dirty="0">
-                <a:solidFill>
-                  <a:srgbClr val="FFFFFF">
-                    <a:alpha val="100000"/>
-                  </a:srgbClr>
-                </a:solidFill>
-                <a:latin typeface="Calibri"/>
-              </a:rPr>
-              <a:t>Выполнили: Загрядсков М.А, Болтенков С.С, 3823Б1ПМ1-1</a:t>
-            </a:r>
-            <a:endParaRPr lang="en-US" sz="2000" b="1" u="none" strike="noStrike" cap="none" spc="0" dirty="0">
-              <a:solidFill>
-                <a:srgbClr val="FFFFFF">
-                  <a:alpha val="100000"/>
-                </a:srgbClr>
-              </a:solidFill>
-              <a:latin typeface="Calibri"/>
-            </a:endParaRPr>
-          </a:p>
-        </p:txBody>
-      </p:sp>
-    </p:spTree>
-  </p:cSld>
-  <p:clrMapOvr>
-    <a:masterClrMapping/>
-  </p:clrMapOvr>
-</p:sld>
-</file>
-
-<file path=ppt/slides/slide3.xml><?xml version="1.0" encoding="utf-8"?>
-<p:sld xmlns:a="http://schemas.openxmlformats.org/drawingml/2006/main" xmlns:r="http://schemas.openxmlformats.org/officeDocument/2006/relationships" xmlns:p="http://schemas.openxmlformats.org/presentationml/2006/main">
-  <p:cSld>
-    <p:spTree>
-      <p:nvGrpSpPr>
-        <p:cNvPr id="1" name=""/>
-        <p:cNvGrpSpPr/>
-        <p:nvPr/>
-      </p:nvGrpSpPr>
-      <p:grpSpPr>
-        <a:xfrm>
-          <a:off x="914400" y="1028700"/>
           <a:ext cx="8229600" cy="4238625"/>
           <a:chOff x="914400" y="1028700"/>
           <a:chExt cx="8229600" cy="4238625"/>
@@ -3337,7 +1971,7 @@
           </a:bodyPr>
           <a:lstStyle/>
           <a:p>
-            <a:pPr marL="0" marR="0" lvl="0" indent="0" algn="l" rtl="0" fontAlgn="base">
+            <a:pPr marL="342900" marR="0" lvl="0" indent="-342900" algn="l" rtl="0" fontAlgn="base">
               <a:lnSpc>
                 <a:spcPct val="100000"/>
               </a:lnSpc>
@@ -3347,6 +1981,8 @@
               <a:spcAft>
                 <a:spcPts val="0"/>
               </a:spcAft>
+              <a:buFont typeface="Arial" panose="020B0604020202020204" pitchFamily="34" charset="0"/>
+              <a:buChar char="•"/>
             </a:pPr>
             <a:r>
               <a:rPr lang="en-US" sz="2000" u="none" strike="noStrike" cap="none" spc="0" dirty="0" err="1">
@@ -3812,7 +2448,7 @@
 </p:sld>
 </file>
 
-<file path=ppt/slides/slide4.xml><?xml version="1.0" encoding="utf-8"?>
+<file path=ppt/slides/slide3.xml><?xml version="1.0" encoding="utf-8"?>
 <p:sld xmlns:a="http://schemas.openxmlformats.org/drawingml/2006/main" xmlns:r="http://schemas.openxmlformats.org/officeDocument/2006/relationships" xmlns:p="http://schemas.openxmlformats.org/presentationml/2006/main">
   <p:cSld>
     <p:spTree>
@@ -3885,7 +2521,7 @@
         <p:spPr>
           <a:xfrm>
             <a:off x="914400" y="1800225"/>
-            <a:ext cx="7315200" cy="1323439"/>
+            <a:ext cx="7315200" cy="2862322"/>
           </a:xfrm>
           <a:prstGeom prst="rect">
             <a:avLst/>
@@ -3898,7 +2534,7 @@
           </a:bodyPr>
           <a:lstStyle/>
           <a:p>
-            <a:pPr marL="0" marR="0" lvl="0" indent="0" algn="l" rtl="0" fontAlgn="base">
+            <a:pPr marL="342900" marR="0" lvl="0" indent="-342900" algn="l" rtl="0" fontAlgn="base">
               <a:lnSpc>
                 <a:spcPct val="100000"/>
               </a:lnSpc>
@@ -3908,6 +2544,8 @@
               <a:spcAft>
                 <a:spcPts val="0"/>
               </a:spcAft>
+              <a:buFont typeface="Arial" panose="020B0604020202020204" pitchFamily="34" charset="0"/>
+              <a:buChar char="•"/>
             </a:pPr>
             <a:r>
               <a:rPr lang="ru-RU" sz="2000" dirty="0">
@@ -4040,7 +2678,7 @@
                 </a:solidFill>
                 <a:latin typeface="Calibri"/>
               </a:rPr>
-              <a:t> и </a:t>
+              <a:t> </a:t>
             </a:r>
             <a:r>
               <a:rPr lang="en-US" sz="2000" u="none" strike="noStrike" cap="none" spc="0" dirty="0" err="1">
@@ -4051,6 +2689,28 @@
                 </a:solidFill>
                 <a:latin typeface="Calibri"/>
               </a:rPr>
+              <a:t>и</a:t>
+            </a:r>
+            <a:r>
+              <a:rPr lang="en-US" sz="2000" u="none" strike="noStrike" cap="none" spc="0" dirty="0">
+                <a:solidFill>
+                  <a:srgbClr val="FFFFFF">
+                    <a:alpha val="100000"/>
+                  </a:srgbClr>
+                </a:solidFill>
+                <a:latin typeface="Calibri"/>
+              </a:rPr>
+              <a:t> </a:t>
+            </a:r>
+            <a:r>
+              <a:rPr lang="en-US" sz="2000" u="none" strike="noStrike" cap="none" spc="0" dirty="0" err="1">
+                <a:solidFill>
+                  <a:srgbClr val="FFFFFF">
+                    <a:alpha val="100000"/>
+                  </a:srgbClr>
+                </a:solidFill>
+                <a:latin typeface="Calibri"/>
+              </a:rPr>
               <a:t>распределение</a:t>
             </a:r>
             <a:r>
@@ -4117,30 +2777,78 @@
                 </a:solidFill>
                 <a:latin typeface="Calibri"/>
               </a:rPr>
-              <a:t>участниками</a:t>
-            </a:r>
-            <a:r>
-              <a:rPr lang="en-US" sz="2000" u="none" strike="noStrike" cap="none" spc="0" dirty="0">
-                <a:solidFill>
-                  <a:srgbClr val="FFFFFF">
-                    <a:alpha val="100000"/>
-                  </a:srgbClr>
-                </a:solidFill>
-                <a:latin typeface="Calibri"/>
-              </a:rPr>
-              <a:t>.</a:t>
-            </a:r>
-            <a:endParaRPr lang="ru-RU" sz="2000" u="none" strike="noStrike" cap="none" spc="0" dirty="0">
-              <a:solidFill>
-                <a:srgbClr val="FFFFFF">
-                  <a:alpha val="100000"/>
-                </a:srgbClr>
-              </a:solidFill>
-              <a:latin typeface="Calibri"/>
-            </a:endParaRPr>
+              <a:t>участникам</a:t>
+            </a:r>
+            <a:r>
+              <a:rPr lang="ru-RU" sz="2000" u="none" strike="noStrike" cap="none" spc="0" dirty="0">
+                <a:solidFill>
+                  <a:srgbClr val="FFFFFF">
+                    <a:alpha val="100000"/>
+                  </a:srgbClr>
+                </a:solidFill>
+                <a:latin typeface="Calibri"/>
+              </a:rPr>
+              <a:t>и</a:t>
+            </a:r>
+            <a:r>
+              <a:rPr lang="ru-RU" sz="2000" dirty="0">
+                <a:solidFill>
+                  <a:srgbClr val="FFFFFF">
+                    <a:alpha val="100000"/>
+                  </a:srgbClr>
+                </a:solidFill>
+                <a:latin typeface="Calibri"/>
+              </a:rPr>
+              <a:t>:</a:t>
+            </a:r>
           </a:p>
           <a:p>
-            <a:pPr marL="0" marR="0" lvl="0" indent="0" algn="l" rtl="0" fontAlgn="base">
+            <a:pPr marL="800100" lvl="1" indent="-342900" fontAlgn="base">
+              <a:buFont typeface="Courier New" panose="02070309020205020404" pitchFamily="49" charset="0"/>
+              <a:buChar char="o"/>
+            </a:pPr>
+            <a:r>
+              <a:rPr lang="ru-RU" sz="2000" u="none" strike="noStrike" cap="none" spc="0" dirty="0">
+                <a:solidFill>
+                  <a:srgbClr val="FFFFFF">
+                    <a:alpha val="100000"/>
+                  </a:srgbClr>
+                </a:solidFill>
+                <a:latin typeface="Calibri"/>
+              </a:rPr>
+              <a:t>Проектирование </a:t>
+            </a:r>
+            <a:r>
+              <a:rPr lang="ru-RU" sz="2000" dirty="0">
+                <a:solidFill>
+                  <a:srgbClr val="FFFFFF">
+                    <a:alpha val="100000"/>
+                  </a:srgbClr>
+                </a:solidFill>
+                <a:latin typeface="Calibri"/>
+              </a:rPr>
+              <a:t>структуры. Использование реализованных ранее структур.</a:t>
+            </a:r>
+          </a:p>
+          <a:p>
+            <a:pPr marL="800100" lvl="1" indent="-342900" fontAlgn="base">
+              <a:buFont typeface="Courier New" panose="02070309020205020404" pitchFamily="49" charset="0"/>
+              <a:buChar char="o"/>
+            </a:pPr>
+            <a:r>
+              <a:rPr lang="ru-RU" sz="2000" u="none" strike="noStrike" cap="none" spc="0" dirty="0">
+                <a:solidFill>
+                  <a:srgbClr val="FFFFFF">
+                    <a:alpha val="100000"/>
+                  </a:srgbClr>
+                </a:solidFill>
+                <a:latin typeface="Calibri"/>
+              </a:rPr>
+              <a:t>Реализация исполнения ключевых слов и арифметических выражений</a:t>
+            </a:r>
+          </a:p>
+          <a:p>
+            <a:pPr marL="342900" marR="0" lvl="0" indent="-342900" algn="l" rtl="0" fontAlgn="base">
               <a:lnSpc>
                 <a:spcPct val="100000"/>
               </a:lnSpc>
@@ -4150,6 +2858,8 @@
               <a:spcAft>
                 <a:spcPts val="0"/>
               </a:spcAft>
+              <a:buFont typeface="Arial" panose="020B0604020202020204" pitchFamily="34" charset="0"/>
+              <a:buChar char="•"/>
             </a:pPr>
             <a:r>
               <a:rPr lang="ru-RU" sz="2000" dirty="0">
@@ -4181,7 +2891,7 @@
 </p:sld>
 </file>
 
-<file path=ppt/slides/slide5.xml><?xml version="1.0" encoding="utf-8"?>
+<file path=ppt/slides/slide4.xml><?xml version="1.0" encoding="utf-8"?>
 <p:sld xmlns:a="http://schemas.openxmlformats.org/drawingml/2006/main" xmlns:r="http://schemas.openxmlformats.org/officeDocument/2006/relationships" xmlns:p="http://schemas.openxmlformats.org/presentationml/2006/main">
   <p:cSld>
     <p:spTree>
@@ -4254,7 +2964,7 @@
         <p:spPr>
           <a:xfrm>
             <a:off x="914400" y="1800225"/>
-            <a:ext cx="7315200" cy="1323439"/>
+            <a:ext cx="7315200" cy="1938992"/>
           </a:xfrm>
           <a:prstGeom prst="rect">
             <a:avLst/>
@@ -4267,7 +2977,7 @@
           </a:bodyPr>
           <a:lstStyle/>
           <a:p>
-            <a:pPr marL="0" marR="0" lvl="0" indent="0" algn="l" rtl="0" fontAlgn="base">
+            <a:pPr marL="342900" marR="0" lvl="0" indent="-342900" algn="l" rtl="0" fontAlgn="base">
               <a:lnSpc>
                 <a:spcPct val="100000"/>
               </a:lnSpc>
@@ -4277,6 +2987,8 @@
               <a:spcAft>
                 <a:spcPts val="0"/>
               </a:spcAft>
+              <a:buFont typeface="Arial" panose="020B0604020202020204" pitchFamily="34" charset="0"/>
+              <a:buChar char="•"/>
             </a:pPr>
             <a:r>
               <a:rPr lang="en-US" sz="2000" u="none" strike="noStrike" cap="none" spc="0" dirty="0" err="1">
@@ -4364,7 +3076,7 @@
                 </a:solidFill>
                 <a:latin typeface="Calibri"/>
               </a:rPr>
-              <a:t>.
+              <a:t>
 </a:t>
             </a:r>
             <a:r>
@@ -4411,6 +3123,20 @@
               </a:rPr>
               <a:t>: </a:t>
             </a:r>
+            <a:endParaRPr lang="ru-RU" sz="2000" u="none" strike="noStrike" cap="none" spc="0" dirty="0">
+              <a:solidFill>
+                <a:srgbClr val="FFFFFF">
+                  <a:alpha val="100000"/>
+                </a:srgbClr>
+              </a:solidFill>
+              <a:latin typeface="Calibri"/>
+            </a:endParaRPr>
+          </a:p>
+          <a:p>
+            <a:pPr marL="800100" lvl="1" indent="-342900" fontAlgn="base">
+              <a:buFont typeface="Courier New" panose="02070309020205020404" pitchFamily="49" charset="0"/>
+              <a:buChar char="o"/>
+            </a:pPr>
             <a:r>
               <a:rPr lang="en-US" sz="2000" u="none" strike="noStrike" cap="none" spc="0" dirty="0" err="1">
                 <a:solidFill>
@@ -4466,6 +3192,20 @@
               </a:rPr>
               <a:t>операции</a:t>
             </a:r>
+            <a:endParaRPr lang="ru-RU" sz="2000" u="none" strike="noStrike" cap="none" spc="0" dirty="0">
+              <a:solidFill>
+                <a:srgbClr val="FFFFFF">
+                  <a:alpha val="100000"/>
+                </a:srgbClr>
+              </a:solidFill>
+              <a:latin typeface="Calibri"/>
+            </a:endParaRPr>
+          </a:p>
+          <a:p>
+            <a:pPr marL="800100" lvl="1" indent="-342900" fontAlgn="base">
+              <a:buFont typeface="Courier New" panose="02070309020205020404" pitchFamily="49" charset="0"/>
+              <a:buChar char="o"/>
+            </a:pPr>
             <a:r>
               <a:rPr lang="ru-RU" sz="2000" u="none" strike="noStrike" cap="none" spc="0" dirty="0">
                 <a:solidFill>
@@ -4475,7 +3215,52 @@
                 </a:solidFill>
                 <a:latin typeface="Calibri"/>
               </a:rPr>
-              <a:t>, функции, условные операторы, различные типы данных и так далее</a:t>
+              <a:t>функции </a:t>
+            </a:r>
+          </a:p>
+          <a:p>
+            <a:pPr marL="800100" lvl="1" indent="-342900" fontAlgn="base">
+              <a:buFont typeface="Courier New" panose="02070309020205020404" pitchFamily="49" charset="0"/>
+              <a:buChar char="o"/>
+            </a:pPr>
+            <a:r>
+              <a:rPr lang="ru-RU" sz="2000" u="none" strike="noStrike" cap="none" spc="0" dirty="0">
+                <a:solidFill>
+                  <a:srgbClr val="FFFFFF">
+                    <a:alpha val="100000"/>
+                  </a:srgbClr>
+                </a:solidFill>
+                <a:latin typeface="Calibri"/>
+              </a:rPr>
+              <a:t>условные операторы, </a:t>
+            </a:r>
+          </a:p>
+          <a:p>
+            <a:pPr marL="800100" lvl="1" indent="-342900" fontAlgn="base">
+              <a:buFont typeface="Courier New" panose="02070309020205020404" pitchFamily="49" charset="0"/>
+              <a:buChar char="o"/>
+            </a:pPr>
+            <a:r>
+              <a:rPr lang="ru-RU" sz="2000" u="none" strike="noStrike" cap="none" spc="0" dirty="0">
+                <a:solidFill>
+                  <a:srgbClr val="FFFFFF">
+                    <a:alpha val="100000"/>
+                  </a:srgbClr>
+                </a:solidFill>
+                <a:latin typeface="Calibri"/>
+              </a:rPr>
+              <a:t>различные типы данных и </a:t>
+            </a:r>
+            <a:r>
+              <a:rPr lang="ru-RU" sz="2000" dirty="0" err="1">
+                <a:solidFill>
+                  <a:srgbClr val="FFFFFF">
+                    <a:alpha val="100000"/>
+                  </a:srgbClr>
+                </a:solidFill>
+                <a:latin typeface="Calibri"/>
+              </a:rPr>
+              <a:t>т.д</a:t>
             </a:r>
             <a:r>
               <a:rPr lang="en-US" sz="2000" u="none" strike="noStrike" cap="none" spc="0" dirty="0">
@@ -4499,7 +3284,7 @@
 </p:sld>
 </file>
 
-<file path=ppt/slides/slide6.xml><?xml version="1.0" encoding="utf-8"?>
+<file path=ppt/slides/slide5.xml><?xml version="1.0" encoding="utf-8"?>
 <p:sld xmlns:a="http://schemas.openxmlformats.org/drawingml/2006/main" xmlns:r="http://schemas.openxmlformats.org/officeDocument/2006/relationships" xmlns:p="http://schemas.openxmlformats.org/presentationml/2006/main">
   <p:cSld>
     <p:spTree>
@@ -7284,7 +6069,7 @@
 </p:sld>
 </file>
 
-<file path=ppt/slides/slide7.xml><?xml version="1.0" encoding="utf-8"?>
+<file path=ppt/slides/slide6.xml><?xml version="1.0" encoding="utf-8"?>
 <p:sld xmlns:a="http://schemas.openxmlformats.org/drawingml/2006/main" xmlns:r="http://schemas.openxmlformats.org/officeDocument/2006/relationships" xmlns:p="http://schemas.openxmlformats.org/presentationml/2006/main">
   <p:cSld>
     <p:spTree>
@@ -8264,7 +7049,7 @@
 </p:sld>
 </file>
 
-<file path=ppt/slides/slide8.xml><?xml version="1.0" encoding="utf-8"?>
+<file path=ppt/slides/slide7.xml><?xml version="1.0" encoding="utf-8"?>
 <p:sld xmlns:a="http://schemas.openxmlformats.org/drawingml/2006/main" xmlns:r="http://schemas.openxmlformats.org/officeDocument/2006/relationships" xmlns:p="http://schemas.openxmlformats.org/presentationml/2006/main">
   <p:cSld>
     <p:spTree>
@@ -9418,7 +8203,7 @@
 </p:sld>
 </file>
 
-<file path=ppt/slides/slide9.xml><?xml version="1.0" encoding="utf-8"?>
+<file path=ppt/slides/slide8.xml><?xml version="1.0" encoding="utf-8"?>
 <p:sld xmlns:a="http://schemas.openxmlformats.org/drawingml/2006/main" xmlns:r="http://schemas.openxmlformats.org/officeDocument/2006/relationships" xmlns:p="http://schemas.openxmlformats.org/presentationml/2006/main">
   <p:cSld>
     <p:spTree>
@@ -10379,6 +9164,936 @@
     <p:extLst>
       <p:ext uri="{BB962C8B-B14F-4D97-AF65-F5344CB8AC3E}">
         <p14:creationId xmlns:p14="http://schemas.microsoft.com/office/powerpoint/2010/main" val="1503883195"/>
+      </p:ext>
+    </p:extLst>
+  </p:cSld>
+  <p:clrMapOvr>
+    <a:masterClrMapping/>
+  </p:clrMapOvr>
+</p:sld>
+</file>
+
+<file path=ppt/slides/slide9.xml><?xml version="1.0" encoding="utf-8"?>
+<p:sld xmlns:a="http://schemas.openxmlformats.org/drawingml/2006/main" xmlns:r="http://schemas.openxmlformats.org/officeDocument/2006/relationships" xmlns:p="http://schemas.openxmlformats.org/presentationml/2006/main">
+  <p:cSld>
+    <p:bg>
+      <p:bgPr>
+        <a:solidFill>
+          <a:srgbClr val="001633"/>
+        </a:solidFill>
+        <a:effectLst/>
+      </p:bgPr>
+    </p:bg>
+    <p:spTree>
+      <p:nvGrpSpPr>
+        <p:cNvPr id="1" name=""/>
+        <p:cNvGrpSpPr/>
+        <p:nvPr/>
+      </p:nvGrpSpPr>
+      <p:grpSpPr>
+        <a:xfrm>
+          <a:off x="914400" y="1028700"/>
+          <a:ext cx="8229600" cy="3629025"/>
+          <a:chOff x="914400" y="1028700"/>
+          <a:chExt cx="8229600" cy="3629025"/>
+        </a:xfrm>
+      </p:grpSpPr>
+      <p:graphicFrame>
+        <p:nvGraphicFramePr>
+          <p:cNvPr id="3" name="Таблица 2"/>
+          <p:cNvGraphicFramePr>
+            <a:graphicFrameLocks noGrp="1"/>
+          </p:cNvGraphicFramePr>
+          <p:nvPr>
+            <p:extLst>
+              <p:ext uri="{D42A27DB-BD31-4B8C-83A1-F6EECF244321}">
+                <p14:modId xmlns:p14="http://schemas.microsoft.com/office/powerpoint/2010/main" val="1938638764"/>
+              </p:ext>
+            </p:extLst>
+          </p:nvPr>
+        </p:nvGraphicFramePr>
+        <p:xfrm>
+          <a:off x="1691680" y="2787774"/>
+          <a:ext cx="5848350" cy="213360"/>
+        </p:xfrm>
+        <a:graphic>
+          <a:graphicData uri="http://schemas.openxmlformats.org/drawingml/2006/table">
+            <a:tbl>
+              <a:tblPr bandRow="1">
+                <a:tableStyleId>{5C22544A-7EE6-4342-B048-85BDC9FD1C3A}</a:tableStyleId>
+              </a:tblPr>
+              <a:tblGrid>
+                <a:gridCol w="2720384">
+                  <a:extLst>
+                    <a:ext uri="{9D8B030D-6E8A-4147-A177-3AD203B41FA5}">
+                      <a16:colId xmlns:a16="http://schemas.microsoft.com/office/drawing/2014/main" val="117337084"/>
+                    </a:ext>
+                  </a:extLst>
+                </a:gridCol>
+                <a:gridCol w="3127966">
+                  <a:extLst>
+                    <a:ext uri="{9D8B030D-6E8A-4147-A177-3AD203B41FA5}">
+                      <a16:colId xmlns:a16="http://schemas.microsoft.com/office/drawing/2014/main" val="2318025807"/>
+                    </a:ext>
+                  </a:extLst>
+                </a:gridCol>
+              </a:tblGrid>
+              <a:tr h="0">
+                <a:tc>
+                  <a:txBody>
+                    <a:bodyPr/>
+                    <a:lstStyle/>
+                    <a:p>
+                      <a:endParaRPr lang="ru-RU" dirty="0">
+                        <a:solidFill>
+                          <a:srgbClr val="001633"/>
+                        </a:solidFill>
+                      </a:endParaRPr>
+                    </a:p>
+                  </a:txBody>
+                  <a:tcPr marL="68580" marR="68580" marT="0" marB="0">
+                    <a:lnL w="12700" cmpd="sng">
+                      <a:noFill/>
+                    </a:lnL>
+                    <a:lnR w="12700" cmpd="sng">
+                      <a:noFill/>
+                    </a:lnR>
+                    <a:lnT w="12700" cmpd="sng">
+                      <a:noFill/>
+                    </a:lnT>
+                    <a:lnB w="12700" cmpd="sng">
+                      <a:noFill/>
+                    </a:lnB>
+                    <a:lnTlToBr w="12700" cmpd="sng">
+                      <a:noFill/>
+                      <a:prstDash val="solid"/>
+                    </a:lnTlToBr>
+                    <a:lnBlToTr w="12700" cmpd="sng">
+                      <a:noFill/>
+                      <a:prstDash val="solid"/>
+                    </a:lnBlToTr>
+                    <a:noFill/>
+                  </a:tcPr>
+                </a:tc>
+                <a:tc>
+                  <a:txBody>
+                    <a:bodyPr/>
+                    <a:lstStyle/>
+                    <a:p>
+                      <a:endParaRPr lang="ru-RU" dirty="0">
+                        <a:solidFill>
+                          <a:srgbClr val="001633"/>
+                        </a:solidFill>
+                      </a:endParaRPr>
+                    </a:p>
+                  </a:txBody>
+                  <a:tcPr marL="68580" marR="68580" marT="0" marB="0">
+                    <a:lnL w="12700" cmpd="sng">
+                      <a:noFill/>
+                    </a:lnL>
+                    <a:lnR w="12700" cmpd="sng">
+                      <a:noFill/>
+                    </a:lnR>
+                    <a:lnT w="12700" cmpd="sng">
+                      <a:noFill/>
+                    </a:lnT>
+                    <a:lnB w="12700" cmpd="sng">
+                      <a:noFill/>
+                    </a:lnB>
+                    <a:lnTlToBr w="12700" cmpd="sng">
+                      <a:noFill/>
+                      <a:prstDash val="solid"/>
+                    </a:lnTlToBr>
+                    <a:lnBlToTr w="12700" cmpd="sng">
+                      <a:noFill/>
+                      <a:prstDash val="solid"/>
+                    </a:lnBlToTr>
+                    <a:noFill/>
+                  </a:tcPr>
+                </a:tc>
+                <a:extLst>
+                  <a:ext uri="{0D108BD9-81ED-4DB2-BD59-A6C34878D82A}">
+                    <a16:rowId xmlns:a16="http://schemas.microsoft.com/office/drawing/2014/main" val="494252670"/>
+                  </a:ext>
+                </a:extLst>
+              </a:tr>
+            </a:tbl>
+          </a:graphicData>
+        </a:graphic>
+      </p:graphicFrame>
+      <p:graphicFrame>
+        <p:nvGraphicFramePr>
+          <p:cNvPr id="4" name="Таблица 3"/>
+          <p:cNvGraphicFramePr>
+            <a:graphicFrameLocks noGrp="1"/>
+          </p:cNvGraphicFramePr>
+          <p:nvPr>
+            <p:extLst>
+              <p:ext uri="{D42A27DB-BD31-4B8C-83A1-F6EECF244321}">
+                <p14:modId xmlns:p14="http://schemas.microsoft.com/office/powerpoint/2010/main" val="1586443587"/>
+              </p:ext>
+            </p:extLst>
+          </p:nvPr>
+        </p:nvGraphicFramePr>
+        <p:xfrm>
+          <a:off x="971600" y="3314700"/>
+          <a:ext cx="5915025" cy="213360"/>
+        </p:xfrm>
+        <a:graphic>
+          <a:graphicData uri="http://schemas.openxmlformats.org/drawingml/2006/table">
+            <a:tbl>
+              <a:tblPr bandRow="1">
+                <a:tableStyleId>{5C22544A-7EE6-4342-B048-85BDC9FD1C3A}</a:tableStyleId>
+              </a:tblPr>
+              <a:tblGrid>
+                <a:gridCol w="2736304">
+                  <a:extLst>
+                    <a:ext uri="{9D8B030D-6E8A-4147-A177-3AD203B41FA5}">
+                      <a16:colId xmlns:a16="http://schemas.microsoft.com/office/drawing/2014/main" val="1900913391"/>
+                    </a:ext>
+                  </a:extLst>
+                </a:gridCol>
+                <a:gridCol w="3178721">
+                  <a:extLst>
+                    <a:ext uri="{9D8B030D-6E8A-4147-A177-3AD203B41FA5}">
+                      <a16:colId xmlns:a16="http://schemas.microsoft.com/office/drawing/2014/main" val="1702421512"/>
+                    </a:ext>
+                  </a:extLst>
+                </a:gridCol>
+              </a:tblGrid>
+              <a:tr h="0">
+                <a:tc>
+                  <a:txBody>
+                    <a:bodyPr/>
+                    <a:lstStyle/>
+                    <a:p>
+                      <a:endParaRPr lang="ru-RU" dirty="0"/>
+                    </a:p>
+                  </a:txBody>
+                  <a:tcPr marL="68580" marR="68580" marT="0" marB="0">
+                    <a:lnL w="12700" cmpd="sng">
+                      <a:noFill/>
+                    </a:lnL>
+                    <a:lnR w="12700" cmpd="sng">
+                      <a:noFill/>
+                    </a:lnR>
+                    <a:lnT w="12700" cmpd="sng">
+                      <a:noFill/>
+                    </a:lnT>
+                    <a:lnB w="12700" cmpd="sng">
+                      <a:noFill/>
+                    </a:lnB>
+                    <a:lnTlToBr w="12700" cmpd="sng">
+                      <a:noFill/>
+                      <a:prstDash val="solid"/>
+                    </a:lnTlToBr>
+                    <a:lnBlToTr w="12700" cmpd="sng">
+                      <a:noFill/>
+                      <a:prstDash val="solid"/>
+                    </a:lnBlToTr>
+                    <a:noFill/>
+                  </a:tcPr>
+                </a:tc>
+                <a:tc>
+                  <a:txBody>
+                    <a:bodyPr/>
+                    <a:lstStyle/>
+                    <a:p>
+                      <a:endParaRPr lang="ru-RU" dirty="0"/>
+                    </a:p>
+                  </a:txBody>
+                  <a:tcPr marL="68580" marR="68580" marT="0" marB="0">
+                    <a:lnL w="12700" cmpd="sng">
+                      <a:noFill/>
+                    </a:lnL>
+                    <a:lnR w="12700" cmpd="sng">
+                      <a:noFill/>
+                    </a:lnR>
+                    <a:lnT w="12700" cmpd="sng">
+                      <a:noFill/>
+                    </a:lnT>
+                    <a:lnB w="12700" cmpd="sng">
+                      <a:noFill/>
+                    </a:lnB>
+                    <a:lnTlToBr w="12700" cmpd="sng">
+                      <a:noFill/>
+                      <a:prstDash val="solid"/>
+                    </a:lnTlToBr>
+                    <a:lnBlToTr w="12700" cmpd="sng">
+                      <a:noFill/>
+                      <a:prstDash val="solid"/>
+                    </a:lnBlToTr>
+                    <a:noFill/>
+                  </a:tcPr>
+                </a:tc>
+                <a:extLst>
+                  <a:ext uri="{0D108BD9-81ED-4DB2-BD59-A6C34878D82A}">
+                    <a16:rowId xmlns:a16="http://schemas.microsoft.com/office/drawing/2014/main" val="2399000423"/>
+                  </a:ext>
+                </a:extLst>
+              </a:tr>
+            </a:tbl>
+          </a:graphicData>
+        </a:graphic>
+      </p:graphicFrame>
+      <p:graphicFrame>
+        <p:nvGraphicFramePr>
+          <p:cNvPr id="6" name="Таблица 5"/>
+          <p:cNvGraphicFramePr>
+            <a:graphicFrameLocks noGrp="1"/>
+          </p:cNvGraphicFramePr>
+          <p:nvPr>
+            <p:extLst>
+              <p:ext uri="{D42A27DB-BD31-4B8C-83A1-F6EECF244321}">
+                <p14:modId xmlns:p14="http://schemas.microsoft.com/office/powerpoint/2010/main" val="4277782797"/>
+              </p:ext>
+            </p:extLst>
+          </p:nvPr>
+        </p:nvGraphicFramePr>
+        <p:xfrm>
+          <a:off x="914400" y="1980249"/>
+          <a:ext cx="5915025" cy="213360"/>
+        </p:xfrm>
+        <a:graphic>
+          <a:graphicData uri="http://schemas.openxmlformats.org/drawingml/2006/table">
+            <a:tbl>
+              <a:tblPr bandRow="1">
+                <a:tableStyleId>{5C22544A-7EE6-4342-B048-85BDC9FD1C3A}</a:tableStyleId>
+              </a:tblPr>
+              <a:tblGrid>
+                <a:gridCol w="3016536">
+                  <a:extLst>
+                    <a:ext uri="{9D8B030D-6E8A-4147-A177-3AD203B41FA5}">
+                      <a16:colId xmlns:a16="http://schemas.microsoft.com/office/drawing/2014/main" val="3878980406"/>
+                    </a:ext>
+                  </a:extLst>
+                </a:gridCol>
+                <a:gridCol w="2898489">
+                  <a:extLst>
+                    <a:ext uri="{9D8B030D-6E8A-4147-A177-3AD203B41FA5}">
+                      <a16:colId xmlns:a16="http://schemas.microsoft.com/office/drawing/2014/main" val="2773234771"/>
+                    </a:ext>
+                  </a:extLst>
+                </a:gridCol>
+              </a:tblGrid>
+              <a:tr h="0">
+                <a:tc>
+                  <a:txBody>
+                    <a:bodyPr/>
+                    <a:lstStyle/>
+                    <a:p>
+                      <a:endParaRPr lang="ru-RU" dirty="0"/>
+                    </a:p>
+                  </a:txBody>
+                  <a:tcPr marL="68580" marR="68580" marT="0" marB="0">
+                    <a:lnL w="12700" cmpd="sng">
+                      <a:noFill/>
+                    </a:lnL>
+                    <a:lnR w="12700" cmpd="sng">
+                      <a:noFill/>
+                    </a:lnR>
+                    <a:lnT w="12700" cmpd="sng">
+                      <a:noFill/>
+                    </a:lnT>
+                    <a:lnB w="12700" cmpd="sng">
+                      <a:noFill/>
+                    </a:lnB>
+                    <a:lnTlToBr w="12700" cmpd="sng">
+                      <a:noFill/>
+                      <a:prstDash val="solid"/>
+                    </a:lnTlToBr>
+                    <a:lnBlToTr w="12700" cmpd="sng">
+                      <a:noFill/>
+                      <a:prstDash val="solid"/>
+                    </a:lnBlToTr>
+                    <a:noFill/>
+                  </a:tcPr>
+                </a:tc>
+                <a:tc>
+                  <a:txBody>
+                    <a:bodyPr/>
+                    <a:lstStyle/>
+                    <a:p>
+                      <a:endParaRPr lang="ru-RU" dirty="0"/>
+                    </a:p>
+                  </a:txBody>
+                  <a:tcPr marL="68580" marR="68580" marT="0" marB="0">
+                    <a:lnL w="12700" cmpd="sng">
+                      <a:noFill/>
+                    </a:lnL>
+                    <a:lnR w="12700" cmpd="sng">
+                      <a:noFill/>
+                    </a:lnR>
+                    <a:lnT w="12700" cmpd="sng">
+                      <a:noFill/>
+                    </a:lnT>
+                    <a:lnB w="12700" cmpd="sng">
+                      <a:noFill/>
+                    </a:lnB>
+                    <a:lnTlToBr w="12700" cmpd="sng">
+                      <a:noFill/>
+                      <a:prstDash val="solid"/>
+                    </a:lnTlToBr>
+                    <a:lnBlToTr w="12700" cmpd="sng">
+                      <a:noFill/>
+                      <a:prstDash val="solid"/>
+                    </a:lnBlToTr>
+                    <a:noFill/>
+                  </a:tcPr>
+                </a:tc>
+                <a:extLst>
+                  <a:ext uri="{0D108BD9-81ED-4DB2-BD59-A6C34878D82A}">
+                    <a16:rowId xmlns:a16="http://schemas.microsoft.com/office/drawing/2014/main" val="1039013977"/>
+                  </a:ext>
+                </a:extLst>
+              </a:tr>
+            </a:tbl>
+          </a:graphicData>
+        </a:graphic>
+      </p:graphicFrame>
+      <p:sp>
+        <p:nvSpPr>
+          <p:cNvPr id="7" name="TextBox 6"/>
+          <p:cNvSpPr txBox="1"/>
+          <p:nvPr/>
+        </p:nvSpPr>
+        <p:spPr>
+          <a:xfrm>
+            <a:off x="217964" y="2888053"/>
+            <a:ext cx="3166251" cy="1384995"/>
+          </a:xfrm>
+          <a:prstGeom prst="rect">
+            <a:avLst/>
+          </a:prstGeom>
+          <a:noFill/>
+        </p:spPr>
+        <p:txBody>
+          <a:bodyPr wrap="none" rtlCol="0">
+            <a:spAutoFit/>
+          </a:bodyPr>
+          <a:lstStyle/>
+          <a:p>
+            <a:r>
+              <a:rPr lang="en-US" sz="1400" dirty="0" err="1">
+                <a:solidFill>
+                  <a:srgbClr val="4EC9B0"/>
+                </a:solidFill>
+                <a:latin typeface="Consolas" panose="020B0609020204030204" pitchFamily="49" charset="0"/>
+              </a:rPr>
+              <a:t>int</a:t>
+            </a:r>
+            <a:r>
+              <a:rPr lang="en-US" sz="1400" dirty="0">
+                <a:solidFill>
+                  <a:schemeClr val="bg1"/>
+                </a:solidFill>
+                <a:latin typeface="Consolas" panose="020B0609020204030204" pitchFamily="49" charset="0"/>
+              </a:rPr>
+              <a:t> </a:t>
+            </a:r>
+            <a:r>
+              <a:rPr lang="en-US" sz="1400" dirty="0">
+                <a:solidFill>
+                  <a:srgbClr val="DCDCAA"/>
+                </a:solidFill>
+                <a:latin typeface="Consolas" panose="020B0609020204030204" pitchFamily="49" charset="0"/>
+              </a:rPr>
+              <a:t>main</a:t>
+            </a:r>
+            <a:r>
+              <a:rPr lang="en-US" sz="1400" dirty="0">
+                <a:solidFill>
+                  <a:schemeClr val="bg1"/>
+                </a:solidFill>
+                <a:latin typeface="Consolas" panose="020B0609020204030204" pitchFamily="49" charset="0"/>
+              </a:rPr>
+              <a:t>() {</a:t>
+            </a:r>
+          </a:p>
+          <a:p>
+            <a:r>
+              <a:rPr lang="en-US" sz="1400" dirty="0">
+                <a:solidFill>
+                  <a:schemeClr val="bg1"/>
+                </a:solidFill>
+                <a:latin typeface="Consolas" panose="020B0609020204030204" pitchFamily="49" charset="0"/>
+              </a:rPr>
+              <a:t>    </a:t>
+            </a:r>
+            <a:r>
+              <a:rPr lang="en-US" sz="1400" dirty="0" err="1">
+                <a:solidFill>
+                  <a:srgbClr val="4EC9B0"/>
+                </a:solidFill>
+                <a:latin typeface="Consolas" panose="020B0609020204030204" pitchFamily="49" charset="0"/>
+              </a:rPr>
+              <a:t>int</a:t>
+            </a:r>
+            <a:r>
+              <a:rPr lang="en-US" sz="1400" dirty="0">
+                <a:solidFill>
+                  <a:schemeClr val="bg1"/>
+                </a:solidFill>
+                <a:latin typeface="Consolas" panose="020B0609020204030204" pitchFamily="49" charset="0"/>
+              </a:rPr>
+              <a:t> n;</a:t>
+            </a:r>
+          </a:p>
+          <a:p>
+            <a:r>
+              <a:rPr lang="en-US" sz="1400" dirty="0">
+                <a:solidFill>
+                  <a:schemeClr val="bg1"/>
+                </a:solidFill>
+                <a:latin typeface="Consolas" panose="020B0609020204030204" pitchFamily="49" charset="0"/>
+              </a:rPr>
+              <a:t>    </a:t>
+            </a:r>
+            <a:r>
+              <a:rPr lang="en-US" sz="1400" dirty="0">
+                <a:solidFill>
+                  <a:srgbClr val="A071A6"/>
+                </a:solidFill>
+                <a:latin typeface="Consolas" panose="020B0609020204030204" pitchFamily="49" charset="0"/>
+              </a:rPr>
+              <a:t>scan</a:t>
+            </a:r>
+            <a:r>
+              <a:rPr lang="en-US" sz="1400" dirty="0">
+                <a:solidFill>
+                  <a:schemeClr val="bg1"/>
+                </a:solidFill>
+                <a:latin typeface="Consolas" panose="020B0609020204030204" pitchFamily="49" charset="0"/>
+              </a:rPr>
+              <a:t>(n);</a:t>
+            </a:r>
+          </a:p>
+          <a:p>
+            <a:r>
+              <a:rPr lang="en-US" sz="1400" dirty="0">
+                <a:solidFill>
+                  <a:schemeClr val="bg1"/>
+                </a:solidFill>
+                <a:latin typeface="Consolas" panose="020B0609020204030204" pitchFamily="49" charset="0"/>
+              </a:rPr>
+              <a:t>    </a:t>
+            </a:r>
+            <a:r>
+              <a:rPr lang="en-US" sz="1400" dirty="0">
+                <a:solidFill>
+                  <a:srgbClr val="A071A6"/>
+                </a:solidFill>
+                <a:latin typeface="Consolas" panose="020B0609020204030204" pitchFamily="49" charset="0"/>
+              </a:rPr>
+              <a:t>print</a:t>
+            </a:r>
+            <a:r>
+              <a:rPr lang="en-US" sz="1400" dirty="0">
+                <a:solidFill>
+                  <a:schemeClr val="bg1"/>
+                </a:solidFill>
+                <a:latin typeface="Consolas" panose="020B0609020204030204" pitchFamily="49" charset="0"/>
+              </a:rPr>
+              <a:t>(</a:t>
+            </a:r>
+            <a:r>
+              <a:rPr lang="en-US" sz="1400" dirty="0" err="1">
+                <a:solidFill>
+                  <a:srgbClr val="DCDCAA"/>
+                </a:solidFill>
+                <a:latin typeface="Consolas" panose="020B0609020204030204" pitchFamily="49" charset="0"/>
+              </a:rPr>
+              <a:t>sumDigitsNumber</a:t>
+            </a:r>
+            <a:r>
+              <a:rPr lang="en-US" sz="1400" dirty="0">
+                <a:solidFill>
+                  <a:schemeClr val="bg1"/>
+                </a:solidFill>
+                <a:latin typeface="Consolas" panose="020B0609020204030204" pitchFamily="49" charset="0"/>
+              </a:rPr>
+              <a:t>(n));</a:t>
+            </a:r>
+          </a:p>
+          <a:p>
+            <a:r>
+              <a:rPr lang="en-US" sz="1400" dirty="0">
+                <a:solidFill>
+                  <a:schemeClr val="bg1"/>
+                </a:solidFill>
+                <a:latin typeface="Consolas" panose="020B0609020204030204" pitchFamily="49" charset="0"/>
+              </a:rPr>
+              <a:t>    </a:t>
+            </a:r>
+            <a:r>
+              <a:rPr lang="en-US" sz="1400" dirty="0">
+                <a:solidFill>
+                  <a:srgbClr val="A071A6"/>
+                </a:solidFill>
+                <a:latin typeface="Consolas" panose="020B0609020204030204" pitchFamily="49" charset="0"/>
+              </a:rPr>
+              <a:t>return</a:t>
+            </a:r>
+            <a:r>
+              <a:rPr lang="en-US" sz="1400" dirty="0">
+                <a:solidFill>
+                  <a:schemeClr val="bg1"/>
+                </a:solidFill>
+                <a:latin typeface="Consolas" panose="020B0609020204030204" pitchFamily="49" charset="0"/>
+              </a:rPr>
+              <a:t> </a:t>
+            </a:r>
+            <a:r>
+              <a:rPr lang="en-US" sz="1400" dirty="0">
+                <a:solidFill>
+                  <a:srgbClr val="CE9178"/>
+                </a:solidFill>
+                <a:latin typeface="Consolas" panose="020B0609020204030204" pitchFamily="49" charset="0"/>
+              </a:rPr>
+              <a:t>0</a:t>
+            </a:r>
+            <a:r>
+              <a:rPr lang="en-US" sz="1400" dirty="0">
+                <a:solidFill>
+                  <a:schemeClr val="bg1"/>
+                </a:solidFill>
+                <a:latin typeface="Consolas" panose="020B0609020204030204" pitchFamily="49" charset="0"/>
+              </a:rPr>
+              <a:t>;</a:t>
+            </a:r>
+          </a:p>
+          <a:p>
+            <a:r>
+              <a:rPr lang="en-US" sz="1400" dirty="0">
+                <a:solidFill>
+                  <a:schemeClr val="bg1"/>
+                </a:solidFill>
+                <a:latin typeface="Consolas" panose="020B0609020204030204" pitchFamily="49" charset="0"/>
+              </a:rPr>
+              <a:t>}</a:t>
+            </a:r>
+          </a:p>
+        </p:txBody>
+      </p:sp>
+      <p:sp>
+        <p:nvSpPr>
+          <p:cNvPr id="8" name="TextBox 7"/>
+          <p:cNvSpPr txBox="1"/>
+          <p:nvPr/>
+        </p:nvSpPr>
+        <p:spPr>
+          <a:xfrm>
+            <a:off x="217964" y="422920"/>
+            <a:ext cx="2967479" cy="2092881"/>
+          </a:xfrm>
+          <a:prstGeom prst="rect">
+            <a:avLst/>
+          </a:prstGeom>
+          <a:noFill/>
+        </p:spPr>
+        <p:txBody>
+          <a:bodyPr wrap="none" rtlCol="0">
+            <a:spAutoFit/>
+          </a:bodyPr>
+          <a:lstStyle/>
+          <a:p>
+            <a:r>
+              <a:rPr lang="en-US" sz="1400" dirty="0" err="1">
+                <a:solidFill>
+                  <a:srgbClr val="4EC9B0"/>
+                </a:solidFill>
+                <a:latin typeface="Consolas" panose="020B0609020204030204" pitchFamily="49" charset="0"/>
+              </a:rPr>
+              <a:t>int</a:t>
+            </a:r>
+            <a:r>
+              <a:rPr lang="en-US" sz="1400" dirty="0">
+                <a:solidFill>
+                  <a:schemeClr val="bg1"/>
+                </a:solidFill>
+                <a:latin typeface="Consolas" panose="020B0609020204030204" pitchFamily="49" charset="0"/>
+              </a:rPr>
+              <a:t> </a:t>
+            </a:r>
+            <a:r>
+              <a:rPr lang="en-US" sz="1400" dirty="0" err="1">
+                <a:solidFill>
+                  <a:srgbClr val="DCDCAA"/>
+                </a:solidFill>
+                <a:latin typeface="Consolas" panose="020B0609020204030204" pitchFamily="49" charset="0"/>
+              </a:rPr>
+              <a:t>sumDigitsNumber</a:t>
+            </a:r>
+            <a:r>
+              <a:rPr lang="en-US" sz="1400" dirty="0">
+                <a:solidFill>
+                  <a:schemeClr val="bg1"/>
+                </a:solidFill>
+                <a:latin typeface="Consolas" panose="020B0609020204030204" pitchFamily="49" charset="0"/>
+              </a:rPr>
+              <a:t>(</a:t>
+            </a:r>
+            <a:r>
+              <a:rPr lang="en-US" sz="1400" dirty="0" err="1">
+                <a:solidFill>
+                  <a:srgbClr val="4EC9B0"/>
+                </a:solidFill>
+                <a:latin typeface="Consolas" panose="020B0609020204030204" pitchFamily="49" charset="0"/>
+              </a:rPr>
+              <a:t>int</a:t>
+            </a:r>
+            <a:r>
+              <a:rPr lang="en-US" sz="1400" dirty="0">
+                <a:solidFill>
+                  <a:schemeClr val="bg1"/>
+                </a:solidFill>
+                <a:latin typeface="Consolas" panose="020B0609020204030204" pitchFamily="49" charset="0"/>
+              </a:rPr>
+              <a:t> n) {</a:t>
+            </a:r>
+          </a:p>
+          <a:p>
+            <a:r>
+              <a:rPr lang="en-US" sz="1400" dirty="0">
+                <a:solidFill>
+                  <a:schemeClr val="bg1"/>
+                </a:solidFill>
+                <a:latin typeface="Consolas" panose="020B0609020204030204" pitchFamily="49" charset="0"/>
+              </a:rPr>
+              <a:t>    </a:t>
+            </a:r>
+            <a:r>
+              <a:rPr lang="en-US" sz="1400" dirty="0" err="1">
+                <a:solidFill>
+                  <a:srgbClr val="4EC9B0"/>
+                </a:solidFill>
+                <a:latin typeface="Consolas" panose="020B0609020204030204" pitchFamily="49" charset="0"/>
+              </a:rPr>
+              <a:t>int</a:t>
+            </a:r>
+            <a:r>
+              <a:rPr lang="en-US" sz="1400" dirty="0">
+                <a:solidFill>
+                  <a:schemeClr val="bg1"/>
+                </a:solidFill>
+                <a:latin typeface="Consolas" panose="020B0609020204030204" pitchFamily="49" charset="0"/>
+              </a:rPr>
+              <a:t> res = </a:t>
+            </a:r>
+            <a:r>
+              <a:rPr lang="en-US" sz="1400" dirty="0">
+                <a:solidFill>
+                  <a:srgbClr val="CE9178"/>
+                </a:solidFill>
+                <a:latin typeface="Consolas" panose="020B0609020204030204" pitchFamily="49" charset="0"/>
+              </a:rPr>
+              <a:t>0</a:t>
+            </a:r>
+            <a:r>
+              <a:rPr lang="en-US" sz="1400" dirty="0">
+                <a:solidFill>
+                  <a:schemeClr val="bg1"/>
+                </a:solidFill>
+                <a:latin typeface="Consolas" panose="020B0609020204030204" pitchFamily="49" charset="0"/>
+              </a:rPr>
+              <a:t>;</a:t>
+            </a:r>
+          </a:p>
+          <a:p>
+            <a:r>
+              <a:rPr lang="en-US" sz="1400" dirty="0">
+                <a:solidFill>
+                  <a:schemeClr val="bg1"/>
+                </a:solidFill>
+                <a:latin typeface="Consolas" panose="020B0609020204030204" pitchFamily="49" charset="0"/>
+              </a:rPr>
+              <a:t>    </a:t>
+            </a:r>
+            <a:r>
+              <a:rPr lang="en-US" sz="1400" dirty="0">
+                <a:solidFill>
+                  <a:srgbClr val="A071A6"/>
+                </a:solidFill>
+                <a:latin typeface="Consolas" panose="020B0609020204030204" pitchFamily="49" charset="0"/>
+              </a:rPr>
+              <a:t>while</a:t>
+            </a:r>
+            <a:r>
+              <a:rPr lang="en-US" sz="1400" dirty="0">
+                <a:solidFill>
+                  <a:schemeClr val="bg1"/>
+                </a:solidFill>
+                <a:latin typeface="Consolas" panose="020B0609020204030204" pitchFamily="49" charset="0"/>
+              </a:rPr>
+              <a:t> (n &gt; </a:t>
+            </a:r>
+            <a:r>
+              <a:rPr lang="en-US" sz="1400" dirty="0">
+                <a:solidFill>
+                  <a:srgbClr val="CE9178"/>
+                </a:solidFill>
+                <a:latin typeface="Consolas" panose="020B0609020204030204" pitchFamily="49" charset="0"/>
+              </a:rPr>
+              <a:t>0</a:t>
+            </a:r>
+            <a:r>
+              <a:rPr lang="en-US" sz="1400" dirty="0">
+                <a:solidFill>
+                  <a:schemeClr val="bg1"/>
+                </a:solidFill>
+                <a:latin typeface="Consolas" panose="020B0609020204030204" pitchFamily="49" charset="0"/>
+              </a:rPr>
+              <a:t>) {</a:t>
+            </a:r>
+          </a:p>
+          <a:p>
+            <a:r>
+              <a:rPr lang="en-US" sz="1400" dirty="0">
+                <a:solidFill>
+                  <a:schemeClr val="bg1"/>
+                </a:solidFill>
+                <a:latin typeface="Consolas" panose="020B0609020204030204" pitchFamily="49" charset="0"/>
+              </a:rPr>
+              <a:t>	res += n % </a:t>
+            </a:r>
+            <a:r>
+              <a:rPr lang="en-US" sz="1400" dirty="0">
+                <a:solidFill>
+                  <a:srgbClr val="CE9178"/>
+                </a:solidFill>
+                <a:latin typeface="Consolas" panose="020B0609020204030204" pitchFamily="49" charset="0"/>
+              </a:rPr>
+              <a:t>10</a:t>
+            </a:r>
+            <a:r>
+              <a:rPr lang="en-US" sz="1400" dirty="0">
+                <a:solidFill>
+                  <a:schemeClr val="bg1"/>
+                </a:solidFill>
+                <a:latin typeface="Consolas" panose="020B0609020204030204" pitchFamily="49" charset="0"/>
+              </a:rPr>
+              <a:t>;</a:t>
+            </a:r>
+          </a:p>
+          <a:p>
+            <a:r>
+              <a:rPr lang="en-US" sz="1400" dirty="0">
+                <a:solidFill>
+                  <a:schemeClr val="bg1"/>
+                </a:solidFill>
+                <a:latin typeface="Consolas" panose="020B0609020204030204" pitchFamily="49" charset="0"/>
+              </a:rPr>
+              <a:t>	n /= </a:t>
+            </a:r>
+            <a:r>
+              <a:rPr lang="en-US" sz="1400" dirty="0">
+                <a:solidFill>
+                  <a:srgbClr val="CE9178"/>
+                </a:solidFill>
+                <a:latin typeface="Consolas" panose="020B0609020204030204" pitchFamily="49" charset="0"/>
+              </a:rPr>
+              <a:t>10</a:t>
+            </a:r>
+            <a:r>
+              <a:rPr lang="en-US" sz="1400" dirty="0">
+                <a:solidFill>
+                  <a:schemeClr val="bg1"/>
+                </a:solidFill>
+                <a:latin typeface="Consolas" panose="020B0609020204030204" pitchFamily="49" charset="0"/>
+              </a:rPr>
+              <a:t>;</a:t>
+            </a:r>
+          </a:p>
+          <a:p>
+            <a:r>
+              <a:rPr lang="en-US" sz="1400" dirty="0">
+                <a:solidFill>
+                  <a:schemeClr val="bg1"/>
+                </a:solidFill>
+                <a:latin typeface="Consolas" panose="020B0609020204030204" pitchFamily="49" charset="0"/>
+              </a:rPr>
+              <a:t>    }</a:t>
+            </a:r>
+          </a:p>
+          <a:p>
+            <a:r>
+              <a:rPr lang="en-US" sz="1400" dirty="0">
+                <a:solidFill>
+                  <a:schemeClr val="bg1"/>
+                </a:solidFill>
+                <a:latin typeface="Consolas" panose="020B0609020204030204" pitchFamily="49" charset="0"/>
+              </a:rPr>
+              <a:t>    </a:t>
+            </a:r>
+            <a:r>
+              <a:rPr lang="en-US" sz="1400" dirty="0">
+                <a:solidFill>
+                  <a:srgbClr val="A071A6"/>
+                </a:solidFill>
+                <a:latin typeface="Consolas" panose="020B0609020204030204" pitchFamily="49" charset="0"/>
+              </a:rPr>
+              <a:t>return</a:t>
+            </a:r>
+            <a:r>
+              <a:rPr lang="en-US" sz="1400" dirty="0">
+                <a:solidFill>
+                  <a:schemeClr val="bg1"/>
+                </a:solidFill>
+                <a:latin typeface="Consolas" panose="020B0609020204030204" pitchFamily="49" charset="0"/>
+              </a:rPr>
+              <a:t> res;</a:t>
+            </a:r>
+          </a:p>
+          <a:p>
+            <a:r>
+              <a:rPr lang="en-US" sz="1400" dirty="0">
+                <a:solidFill>
+                  <a:schemeClr val="bg1"/>
+                </a:solidFill>
+                <a:latin typeface="Consolas" panose="020B0609020204030204" pitchFamily="49" charset="0"/>
+              </a:rPr>
+              <a:t>}</a:t>
+            </a:r>
+          </a:p>
+          <a:p>
+            <a:endParaRPr lang="ru-RU" dirty="0"/>
+          </a:p>
+        </p:txBody>
+      </p:sp>
+      <p:pic>
+        <p:nvPicPr>
+          <p:cNvPr id="9" name="Рисунок 8"/>
+          <p:cNvPicPr>
+            <a:picLocks noChangeAspect="1"/>
+          </p:cNvPicPr>
+          <p:nvPr/>
+        </p:nvPicPr>
+        <p:blipFill>
+          <a:blip r:embed="rId2">
+            <a:extLst>
+              <a:ext uri="{28A0092B-C50C-407E-A947-70E740481C1C}">
+                <a14:useLocalDpi xmlns:a14="http://schemas.microsoft.com/office/drawing/2010/main" val="0"/>
+              </a:ext>
+            </a:extLst>
+          </a:blip>
+          <a:stretch>
+            <a:fillRect/>
+          </a:stretch>
+        </p:blipFill>
+        <p:spPr>
+          <a:xfrm>
+            <a:off x="3491880" y="138868"/>
+            <a:ext cx="5328592" cy="4950490"/>
+          </a:xfrm>
+          <a:prstGeom prst="rect">
+            <a:avLst/>
+          </a:prstGeom>
+        </p:spPr>
+      </p:pic>
+    </p:spTree>
+    <p:extLst>
+      <p:ext uri="{BB962C8B-B14F-4D97-AF65-F5344CB8AC3E}">
+        <p14:creationId xmlns:p14="http://schemas.microsoft.com/office/powerpoint/2010/main" val="3934680506"/>
       </p:ext>
     </p:extLst>
   </p:cSld>

--- a/Презентация_лабораторная_Интерпретатор_Загрядсков_Максим_Болтенков_Станислав_3823Б1ПМ1_1.pptx
+++ b/Презентация_лабораторная_Интерпретатор_Загрядсков_Максим_Болтенков_Станислав_3823Б1ПМ1_1.pptx
@@ -15,9 +15,13 @@
     <p:sldId id="269" r:id="rId9"/>
     <p:sldId id="272" r:id="rId10"/>
     <p:sldId id="262" r:id="rId11"/>
-    <p:sldId id="263" r:id="rId12"/>
-    <p:sldId id="264" r:id="rId13"/>
-    <p:sldId id="265" r:id="rId14"/>
+    <p:sldId id="276" r:id="rId12"/>
+    <p:sldId id="273" r:id="rId13"/>
+    <p:sldId id="274" r:id="rId14"/>
+    <p:sldId id="275" r:id="rId15"/>
+    <p:sldId id="263" r:id="rId16"/>
+    <p:sldId id="264" r:id="rId17"/>
+    <p:sldId id="265" r:id="rId18"/>
   </p:sldIdLst>
   <p:sldSz cx="9144000" cy="5143500" type="screen16x9"/>
   <p:notesSz cx="6858000" cy="9144000"/>
@@ -122,6 +126,18 @@
     </p:ext>
   </p:extLst>
 </p:presentation>
+</file>
+
+<file path=ppt/commentAuthors.xml><?xml version="1.0" encoding="utf-8"?>
+<p:cmAuthorLst xmlns:a="http://schemas.openxmlformats.org/drawingml/2006/main" xmlns:r="http://schemas.openxmlformats.org/officeDocument/2006/relationships" xmlns:p="http://schemas.openxmlformats.org/presentationml/2006/main">
+  <p:cmAuthor id="1" name="Макс Загрядсков" initials="МЗ" lastIdx="1" clrIdx="0">
+    <p:extLst>
+      <p:ext uri="{19B8F6BF-5375-455C-9EA6-DF929625EA0E}">
+        <p15:presenceInfo xmlns:p15="http://schemas.microsoft.com/office/powerpoint/2012/main" userId="be25070f3ac1d143" providerId="Windows Live"/>
+      </p:ext>
+    </p:extLst>
+  </p:cmAuthor>
+</p:cmAuthorLst>
 </file>
 
 <file path=ppt/slideLayouts/slideLayout1.xml><?xml version="1.0" encoding="utf-8"?>
@@ -851,6 +867,195 @@
         <p:spPr>
           <a:xfrm>
             <a:off x="914400" y="1028700"/>
+            <a:ext cx="7315200" cy="523220"/>
+          </a:xfrm>
+          <a:prstGeom prst="rect">
+            <a:avLst/>
+          </a:prstGeom>
+          <a:noFill/>
+        </p:spPr>
+        <p:txBody>
+          <a:bodyPr vert="horz" lIns="91440" tIns="45720" rIns="91440" bIns="45720" rtlCol="0" anchor="t" anchorCtr="0">
+            <a:spAutoFit/>
+          </a:bodyPr>
+          <a:lstStyle/>
+          <a:p>
+            <a:pPr marL="0" marR="0" lvl="0" indent="0" algn="l" rtl="0" fontAlgn="t">
+              <a:lnSpc>
+                <a:spcPct val="100000"/>
+              </a:lnSpc>
+              <a:spcBef>
+                <a:spcPts val="0"/>
+              </a:spcBef>
+              <a:spcAft>
+                <a:spcPts val="0"/>
+              </a:spcAft>
+            </a:pPr>
+            <a:r>
+              <a:rPr lang="ru-RU" sz="2800" b="1" u="none" strike="noStrike" cap="none" spc="0" dirty="0" smtClean="0">
+                <a:solidFill>
+                  <a:srgbClr val="FFAB40">
+                    <a:alpha val="100000"/>
+                  </a:srgbClr>
+                </a:solidFill>
+                <a:latin typeface="Calibri"/>
+              </a:rPr>
+              <a:t>Работа с массивами</a:t>
+            </a:r>
+            <a:endParaRPr lang="en-US" sz="2800" b="1" u="none" strike="noStrike" cap="none" spc="0" dirty="0">
+              <a:solidFill>
+                <a:srgbClr val="FFAB40">
+                  <a:alpha val="100000"/>
+                </a:srgbClr>
+              </a:solidFill>
+              <a:latin typeface="Calibri"/>
+            </a:endParaRPr>
+          </a:p>
+        </p:txBody>
+      </p:sp>
+      <p:sp>
+        <p:nvSpPr>
+          <p:cNvPr id="3" name="TextBox 2"/>
+          <p:cNvSpPr txBox="1"/>
+          <p:nvPr/>
+        </p:nvSpPr>
+        <p:spPr>
+          <a:xfrm>
+            <a:off x="914400" y="1800225"/>
+            <a:ext cx="7315200" cy="1015663"/>
+          </a:xfrm>
+          <a:prstGeom prst="rect">
+            <a:avLst/>
+          </a:prstGeom>
+          <a:noFill/>
+        </p:spPr>
+        <p:txBody>
+          <a:bodyPr vert="horz" lIns="91440" tIns="45720" rIns="91440" bIns="45720" rtlCol="0" anchorCtr="0">
+            <a:spAutoFit/>
+          </a:bodyPr>
+          <a:lstStyle/>
+          <a:p>
+            <a:pPr marL="342900" marR="0" lvl="0" indent="-342900" algn="l" rtl="0" fontAlgn="base">
+              <a:lnSpc>
+                <a:spcPct val="100000"/>
+              </a:lnSpc>
+              <a:spcBef>
+                <a:spcPts val="0"/>
+              </a:spcBef>
+              <a:spcAft>
+                <a:spcPts val="0"/>
+              </a:spcAft>
+              <a:buFont typeface="Arial" panose="020B0604020202020204" pitchFamily="34" charset="0"/>
+              <a:buChar char="•"/>
+            </a:pPr>
+            <a:r>
+              <a:rPr lang="ru-RU" sz="2000" dirty="0" smtClean="0">
+                <a:solidFill>
+                  <a:srgbClr val="FFFFFF">
+                    <a:alpha val="100000"/>
+                  </a:srgbClr>
+                </a:solidFill>
+                <a:latin typeface="Calibri"/>
+              </a:rPr>
+              <a:t>Первая работа</a:t>
+            </a:r>
+          </a:p>
+          <a:p>
+            <a:pPr marL="342900" marR="0" lvl="0" indent="-342900" algn="l" rtl="0" fontAlgn="base">
+              <a:lnSpc>
+                <a:spcPct val="100000"/>
+              </a:lnSpc>
+              <a:spcBef>
+                <a:spcPts val="0"/>
+              </a:spcBef>
+              <a:spcAft>
+                <a:spcPts val="0"/>
+              </a:spcAft>
+              <a:buFont typeface="Arial" panose="020B0604020202020204" pitchFamily="34" charset="0"/>
+              <a:buChar char="•"/>
+            </a:pPr>
+            <a:r>
+              <a:rPr lang="ru-RU" sz="2000" u="none" strike="noStrike" cap="none" spc="0" dirty="0" smtClean="0">
+                <a:solidFill>
+                  <a:srgbClr val="FFFFFF">
+                    <a:alpha val="100000"/>
+                  </a:srgbClr>
+                </a:solidFill>
+                <a:latin typeface="Calibri"/>
+              </a:rPr>
+              <a:t>Вторая работа</a:t>
+            </a:r>
+          </a:p>
+          <a:p>
+            <a:pPr marL="342900" marR="0" lvl="0" indent="-342900" algn="l" rtl="0" fontAlgn="base">
+              <a:lnSpc>
+                <a:spcPct val="100000"/>
+              </a:lnSpc>
+              <a:spcBef>
+                <a:spcPts val="0"/>
+              </a:spcBef>
+              <a:spcAft>
+                <a:spcPts val="0"/>
+              </a:spcAft>
+              <a:buFont typeface="Arial" panose="020B0604020202020204" pitchFamily="34" charset="0"/>
+              <a:buChar char="•"/>
+            </a:pPr>
+            <a:r>
+              <a:rPr lang="ru-RU" sz="2000" dirty="0" smtClean="0">
+                <a:solidFill>
+                  <a:srgbClr val="FFFFFF">
+                    <a:alpha val="100000"/>
+                  </a:srgbClr>
+                </a:solidFill>
+                <a:latin typeface="Calibri"/>
+              </a:rPr>
+              <a:t>Третья работа</a:t>
+            </a:r>
+            <a:endParaRPr lang="en-US" sz="2000" u="none" strike="noStrike" cap="none" spc="0" dirty="0">
+              <a:solidFill>
+                <a:srgbClr val="FFFFFF">
+                  <a:alpha val="100000"/>
+                </a:srgbClr>
+              </a:solidFill>
+              <a:latin typeface="Calibri"/>
+            </a:endParaRPr>
+          </a:p>
+        </p:txBody>
+      </p:sp>
+    </p:spTree>
+  </p:cSld>
+  <p:clrMapOvr>
+    <a:masterClrMapping/>
+  </p:clrMapOvr>
+</p:sld>
+</file>
+
+<file path=ppt/slides/slide11.xml><?xml version="1.0" encoding="utf-8"?>
+<p:sld xmlns:a="http://schemas.openxmlformats.org/drawingml/2006/main" xmlns:r="http://schemas.openxmlformats.org/officeDocument/2006/relationships" xmlns:p="http://schemas.openxmlformats.org/presentationml/2006/main">
+  <p:cSld>
+    <p:spTree>
+      <p:nvGrpSpPr>
+        <p:cNvPr id="1" name=""/>
+        <p:cNvGrpSpPr/>
+        <p:nvPr/>
+      </p:nvGrpSpPr>
+      <p:grpSpPr>
+        <a:xfrm>
+          <a:off x="914400" y="1028700"/>
+          <a:ext cx="8229600" cy="3629025"/>
+          <a:chOff x="914400" y="1028700"/>
+          <a:chExt cx="8229600" cy="3629025"/>
+        </a:xfrm>
+      </p:grpSpPr>
+      <p:sp>
+        <p:nvSpPr>
+          <p:cNvPr id="2" name="TextBox 1"/>
+          <p:cNvSpPr txBox="1"/>
+          <p:nvPr/>
+        </p:nvSpPr>
+        <p:spPr>
+          <a:xfrm>
+            <a:off x="914400" y="1028700"/>
             <a:ext cx="7315200" cy="800100"/>
           </a:xfrm>
           <a:prstGeom prst="rect">
@@ -1282,6 +1487,11 @@
         </p:txBody>
       </p:sp>
     </p:spTree>
+    <p:extLst>
+      <p:ext uri="{BB962C8B-B14F-4D97-AF65-F5344CB8AC3E}">
+        <p14:creationId xmlns:p14="http://schemas.microsoft.com/office/powerpoint/2010/main" val="2532042911"/>
+      </p:ext>
+    </p:extLst>
   </p:cSld>
   <p:clrMapOvr>
     <a:masterClrMapping/>
@@ -1289,7 +1499,514 @@
 </p:sld>
 </file>
 
-<file path=ppt/slides/slide11.xml><?xml version="1.0" encoding="utf-8"?>
+<file path=ppt/slides/slide12.xml><?xml version="1.0" encoding="utf-8"?>
+<p:sld xmlns:a="http://schemas.openxmlformats.org/drawingml/2006/main" xmlns:r="http://schemas.openxmlformats.org/officeDocument/2006/relationships" xmlns:p="http://schemas.openxmlformats.org/presentationml/2006/main">
+  <p:cSld>
+    <p:spTree>
+      <p:nvGrpSpPr>
+        <p:cNvPr id="1" name=""/>
+        <p:cNvGrpSpPr/>
+        <p:nvPr/>
+      </p:nvGrpSpPr>
+      <p:grpSpPr>
+        <a:xfrm>
+          <a:off x="914400" y="1028700"/>
+          <a:ext cx="8229600" cy="2038350"/>
+          <a:chOff x="914400" y="1028700"/>
+          <a:chExt cx="8229600" cy="2038350"/>
+        </a:xfrm>
+      </p:grpSpPr>
+      <p:sp>
+        <p:nvSpPr>
+          <p:cNvPr id="2" name="TextBox 1"/>
+          <p:cNvSpPr txBox="1"/>
+          <p:nvPr/>
+        </p:nvSpPr>
+        <p:spPr>
+          <a:xfrm>
+            <a:off x="894692" y="339502"/>
+            <a:ext cx="7315200" cy="523220"/>
+          </a:xfrm>
+          <a:prstGeom prst="rect">
+            <a:avLst/>
+          </a:prstGeom>
+          <a:noFill/>
+        </p:spPr>
+        <p:txBody>
+          <a:bodyPr vert="horz" lIns="91440" tIns="45720" rIns="91440" bIns="45720" rtlCol="0" anchor="t" anchorCtr="0">
+            <a:spAutoFit/>
+          </a:bodyPr>
+          <a:lstStyle/>
+          <a:p>
+            <a:pPr marL="0" marR="0" lvl="0" indent="0" algn="l" rtl="0" fontAlgn="t">
+              <a:lnSpc>
+                <a:spcPct val="100000"/>
+              </a:lnSpc>
+              <a:spcBef>
+                <a:spcPts val="0"/>
+              </a:spcBef>
+              <a:spcAft>
+                <a:spcPts val="0"/>
+              </a:spcAft>
+            </a:pPr>
+            <a:r>
+              <a:rPr lang="ru-RU" sz="2800" b="1" dirty="0" smtClean="0">
+                <a:solidFill>
+                  <a:srgbClr val="FFAB40">
+                    <a:alpha val="100000"/>
+                  </a:srgbClr>
+                </a:solidFill>
+                <a:latin typeface="Calibri"/>
+              </a:rPr>
+              <a:t>Пример. Алгоритм </a:t>
+            </a:r>
+            <a:r>
+              <a:rPr lang="ru-RU" sz="2800" b="1" dirty="0" err="1" smtClean="0">
+                <a:solidFill>
+                  <a:srgbClr val="FFAB40">
+                    <a:alpha val="100000"/>
+                  </a:srgbClr>
+                </a:solidFill>
+                <a:latin typeface="Calibri"/>
+              </a:rPr>
+              <a:t>Дейкстры</a:t>
+            </a:r>
+            <a:endParaRPr lang="en-US" sz="2800" b="1" u="none" strike="noStrike" cap="none" spc="0" dirty="0">
+              <a:solidFill>
+                <a:srgbClr val="FFAB40">
+                  <a:alpha val="100000"/>
+                </a:srgbClr>
+              </a:solidFill>
+              <a:latin typeface="Calibri"/>
+            </a:endParaRPr>
+          </a:p>
+        </p:txBody>
+      </p:sp>
+      <p:sp>
+        <p:nvSpPr>
+          <p:cNvPr id="4" name="TextBox 3"/>
+          <p:cNvSpPr txBox="1"/>
+          <p:nvPr/>
+        </p:nvSpPr>
+        <p:spPr>
+          <a:xfrm>
+            <a:off x="1763688" y="1347614"/>
+            <a:ext cx="184731" cy="369332"/>
+          </a:xfrm>
+          <a:prstGeom prst="rect">
+            <a:avLst/>
+          </a:prstGeom>
+          <a:noFill/>
+        </p:spPr>
+        <p:txBody>
+          <a:bodyPr wrap="none" rtlCol="0">
+            <a:spAutoFit/>
+          </a:bodyPr>
+          <a:lstStyle/>
+          <a:p>
+            <a:endParaRPr lang="ru-RU" dirty="0"/>
+          </a:p>
+        </p:txBody>
+      </p:sp>
+      <p:pic>
+        <p:nvPicPr>
+          <p:cNvPr id="7" name="Рисунок 6"/>
+          <p:cNvPicPr>
+            <a:picLocks noChangeAspect="1"/>
+          </p:cNvPicPr>
+          <p:nvPr/>
+        </p:nvPicPr>
+        <p:blipFill>
+          <a:blip r:embed="rId2">
+            <a:extLst>
+              <a:ext uri="{28A0092B-C50C-407E-A947-70E740481C1C}">
+                <a14:useLocalDpi xmlns:a14="http://schemas.microsoft.com/office/drawing/2010/main" val="0"/>
+              </a:ext>
+            </a:extLst>
+          </a:blip>
+          <a:stretch>
+            <a:fillRect/>
+          </a:stretch>
+        </p:blipFill>
+        <p:spPr>
+          <a:xfrm>
+            <a:off x="179512" y="1226018"/>
+            <a:ext cx="4155199" cy="3342905"/>
+          </a:xfrm>
+          <a:prstGeom prst="rect">
+            <a:avLst/>
+          </a:prstGeom>
+        </p:spPr>
+      </p:pic>
+      <p:pic>
+        <p:nvPicPr>
+          <p:cNvPr id="9" name="Рисунок 8"/>
+          <p:cNvPicPr>
+            <a:picLocks noChangeAspect="1"/>
+          </p:cNvPicPr>
+          <p:nvPr/>
+        </p:nvPicPr>
+        <p:blipFill>
+          <a:blip r:embed="rId3"/>
+          <a:stretch>
+            <a:fillRect/>
+          </a:stretch>
+        </p:blipFill>
+        <p:spPr>
+          <a:xfrm>
+            <a:off x="3923928" y="1226019"/>
+            <a:ext cx="5009728" cy="3342905"/>
+          </a:xfrm>
+          <a:prstGeom prst="rect">
+            <a:avLst/>
+          </a:prstGeom>
+        </p:spPr>
+      </p:pic>
+    </p:spTree>
+    <p:extLst>
+      <p:ext uri="{BB962C8B-B14F-4D97-AF65-F5344CB8AC3E}">
+        <p14:creationId xmlns:p14="http://schemas.microsoft.com/office/powerpoint/2010/main" val="3401598507"/>
+      </p:ext>
+    </p:extLst>
+  </p:cSld>
+  <p:clrMapOvr>
+    <a:masterClrMapping/>
+  </p:clrMapOvr>
+</p:sld>
+</file>
+
+<file path=ppt/slides/slide13.xml><?xml version="1.0" encoding="utf-8"?>
+<p:sld xmlns:a="http://schemas.openxmlformats.org/drawingml/2006/main" xmlns:r="http://schemas.openxmlformats.org/officeDocument/2006/relationships" xmlns:p="http://schemas.openxmlformats.org/presentationml/2006/main">
+  <p:cSld>
+    <p:spTree>
+      <p:nvGrpSpPr>
+        <p:cNvPr id="1" name=""/>
+        <p:cNvGrpSpPr/>
+        <p:nvPr/>
+      </p:nvGrpSpPr>
+      <p:grpSpPr>
+        <a:xfrm>
+          <a:off x="914400" y="1028700"/>
+          <a:ext cx="8229600" cy="2038350"/>
+          <a:chOff x="914400" y="1028700"/>
+          <a:chExt cx="8229600" cy="2038350"/>
+        </a:xfrm>
+      </p:grpSpPr>
+      <p:sp>
+        <p:nvSpPr>
+          <p:cNvPr id="2" name="TextBox 1"/>
+          <p:cNvSpPr txBox="1"/>
+          <p:nvPr/>
+        </p:nvSpPr>
+        <p:spPr>
+          <a:xfrm>
+            <a:off x="894692" y="339502"/>
+            <a:ext cx="7315200" cy="523220"/>
+          </a:xfrm>
+          <a:prstGeom prst="rect">
+            <a:avLst/>
+          </a:prstGeom>
+          <a:noFill/>
+        </p:spPr>
+        <p:txBody>
+          <a:bodyPr vert="horz" lIns="91440" tIns="45720" rIns="91440" bIns="45720" rtlCol="0" anchor="t" anchorCtr="0">
+            <a:spAutoFit/>
+          </a:bodyPr>
+          <a:lstStyle/>
+          <a:p>
+            <a:pPr marL="0" marR="0" lvl="0" indent="0" algn="l" rtl="0" fontAlgn="t">
+              <a:lnSpc>
+                <a:spcPct val="100000"/>
+              </a:lnSpc>
+              <a:spcBef>
+                <a:spcPts val="0"/>
+              </a:spcBef>
+              <a:spcAft>
+                <a:spcPts val="0"/>
+              </a:spcAft>
+            </a:pPr>
+            <a:r>
+              <a:rPr lang="ru-RU" sz="2800" b="1" dirty="0" smtClean="0">
+                <a:solidFill>
+                  <a:srgbClr val="FFAB40">
+                    <a:alpha val="100000"/>
+                  </a:srgbClr>
+                </a:solidFill>
+                <a:latin typeface="Calibri"/>
+              </a:rPr>
+              <a:t>Пример. Алгоритм </a:t>
+            </a:r>
+            <a:r>
+              <a:rPr lang="ru-RU" sz="2800" b="1" dirty="0" err="1" smtClean="0">
+                <a:solidFill>
+                  <a:srgbClr val="FFAB40">
+                    <a:alpha val="100000"/>
+                  </a:srgbClr>
+                </a:solidFill>
+                <a:latin typeface="Calibri"/>
+              </a:rPr>
+              <a:t>Дейкстры</a:t>
+            </a:r>
+            <a:endParaRPr lang="en-US" sz="2800" b="1" u="none" strike="noStrike" cap="none" spc="0" dirty="0">
+              <a:solidFill>
+                <a:srgbClr val="FFAB40">
+                  <a:alpha val="100000"/>
+                </a:srgbClr>
+              </a:solidFill>
+              <a:latin typeface="Calibri"/>
+            </a:endParaRPr>
+          </a:p>
+        </p:txBody>
+      </p:sp>
+      <p:sp>
+        <p:nvSpPr>
+          <p:cNvPr id="4" name="TextBox 3"/>
+          <p:cNvSpPr txBox="1"/>
+          <p:nvPr/>
+        </p:nvSpPr>
+        <p:spPr>
+          <a:xfrm>
+            <a:off x="1763688" y="1347614"/>
+            <a:ext cx="184731" cy="369332"/>
+          </a:xfrm>
+          <a:prstGeom prst="rect">
+            <a:avLst/>
+          </a:prstGeom>
+          <a:noFill/>
+        </p:spPr>
+        <p:txBody>
+          <a:bodyPr wrap="none" rtlCol="0">
+            <a:spAutoFit/>
+          </a:bodyPr>
+          <a:lstStyle/>
+          <a:p>
+            <a:endParaRPr lang="ru-RU" dirty="0"/>
+          </a:p>
+        </p:txBody>
+      </p:sp>
+      <p:pic>
+        <p:nvPicPr>
+          <p:cNvPr id="5" name="Рисунок 4"/>
+          <p:cNvPicPr>
+            <a:picLocks noChangeAspect="1"/>
+          </p:cNvPicPr>
+          <p:nvPr/>
+        </p:nvPicPr>
+        <p:blipFill>
+          <a:blip r:embed="rId2">
+            <a:extLst>
+              <a:ext uri="{28A0092B-C50C-407E-A947-70E740481C1C}">
+                <a14:useLocalDpi xmlns:a14="http://schemas.microsoft.com/office/drawing/2010/main" val="0"/>
+              </a:ext>
+            </a:extLst>
+          </a:blip>
+          <a:stretch>
+            <a:fillRect/>
+          </a:stretch>
+        </p:blipFill>
+        <p:spPr>
+          <a:xfrm>
+            <a:off x="539552" y="979376"/>
+            <a:ext cx="5904656" cy="3284464"/>
+          </a:xfrm>
+          <a:prstGeom prst="rect">
+            <a:avLst/>
+          </a:prstGeom>
+        </p:spPr>
+      </p:pic>
+      <p:sp>
+        <p:nvSpPr>
+          <p:cNvPr id="6" name="TextBox 5"/>
+          <p:cNvSpPr txBox="1"/>
+          <p:nvPr/>
+        </p:nvSpPr>
+        <p:spPr>
+          <a:xfrm>
+            <a:off x="486709" y="4447412"/>
+            <a:ext cx="6540445" cy="369332"/>
+          </a:xfrm>
+          <a:prstGeom prst="rect">
+            <a:avLst/>
+          </a:prstGeom>
+          <a:noFill/>
+        </p:spPr>
+        <p:txBody>
+          <a:bodyPr wrap="none" rtlCol="0">
+            <a:spAutoFit/>
+          </a:bodyPr>
+          <a:lstStyle/>
+          <a:p>
+            <a:r>
+              <a:rPr lang="ru-RU" dirty="0" smtClean="0">
+                <a:solidFill>
+                  <a:schemeClr val="bg1"/>
+                </a:solidFill>
+              </a:rPr>
+              <a:t>*Источник: </a:t>
+            </a:r>
+            <a:r>
+              <a:rPr lang="en-US" dirty="0">
+                <a:solidFill>
+                  <a:schemeClr val="bg1"/>
+                </a:solidFill>
+              </a:rPr>
+              <a:t>https://youtu.be/fA_xvuqzuGs?si=NOuX1xRDrxOSGGxX</a:t>
+            </a:r>
+            <a:endParaRPr lang="ru-RU" dirty="0">
+              <a:solidFill>
+                <a:schemeClr val="bg1"/>
+              </a:solidFill>
+            </a:endParaRPr>
+          </a:p>
+        </p:txBody>
+      </p:sp>
+    </p:spTree>
+    <p:extLst>
+      <p:ext uri="{BB962C8B-B14F-4D97-AF65-F5344CB8AC3E}">
+        <p14:creationId xmlns:p14="http://schemas.microsoft.com/office/powerpoint/2010/main" val="1231329447"/>
+      </p:ext>
+    </p:extLst>
+  </p:cSld>
+  <p:clrMapOvr>
+    <a:masterClrMapping/>
+  </p:clrMapOvr>
+</p:sld>
+</file>
+
+<file path=ppt/slides/slide14.xml><?xml version="1.0" encoding="utf-8"?>
+<p:sld xmlns:a="http://schemas.openxmlformats.org/drawingml/2006/main" xmlns:r="http://schemas.openxmlformats.org/officeDocument/2006/relationships" xmlns:p="http://schemas.openxmlformats.org/presentationml/2006/main">
+  <p:cSld>
+    <p:spTree>
+      <p:nvGrpSpPr>
+        <p:cNvPr id="1" name=""/>
+        <p:cNvGrpSpPr/>
+        <p:nvPr/>
+      </p:nvGrpSpPr>
+      <p:grpSpPr>
+        <a:xfrm>
+          <a:off x="914400" y="1028700"/>
+          <a:ext cx="8229600" cy="2038350"/>
+          <a:chOff x="914400" y="1028700"/>
+          <a:chExt cx="8229600" cy="2038350"/>
+        </a:xfrm>
+      </p:grpSpPr>
+      <p:sp>
+        <p:nvSpPr>
+          <p:cNvPr id="2" name="TextBox 1"/>
+          <p:cNvSpPr txBox="1"/>
+          <p:nvPr/>
+        </p:nvSpPr>
+        <p:spPr>
+          <a:xfrm>
+            <a:off x="894692" y="339502"/>
+            <a:ext cx="7853772" cy="523220"/>
+          </a:xfrm>
+          <a:prstGeom prst="rect">
+            <a:avLst/>
+          </a:prstGeom>
+          <a:noFill/>
+        </p:spPr>
+        <p:txBody>
+          <a:bodyPr vert="horz" wrap="square" lIns="91440" tIns="45720" rIns="91440" bIns="45720" rtlCol="0" anchor="t" anchorCtr="0">
+            <a:spAutoFit/>
+          </a:bodyPr>
+          <a:lstStyle/>
+          <a:p>
+            <a:pPr marL="0" marR="0" lvl="0" indent="0" algn="l" rtl="0" fontAlgn="t">
+              <a:lnSpc>
+                <a:spcPct val="100000"/>
+              </a:lnSpc>
+              <a:spcBef>
+                <a:spcPts val="0"/>
+              </a:spcBef>
+              <a:spcAft>
+                <a:spcPts val="0"/>
+              </a:spcAft>
+            </a:pPr>
+            <a:r>
+              <a:rPr lang="ru-RU" sz="2800" b="1" dirty="0" smtClean="0">
+                <a:solidFill>
+                  <a:srgbClr val="FFAB40">
+                    <a:alpha val="100000"/>
+                  </a:srgbClr>
+                </a:solidFill>
+                <a:latin typeface="Calibri"/>
+              </a:rPr>
+              <a:t>Пример. Алгоритм </a:t>
+            </a:r>
+            <a:r>
+              <a:rPr lang="ru-RU" sz="2800" b="1" dirty="0" err="1" smtClean="0">
+                <a:solidFill>
+                  <a:srgbClr val="FFAB40">
+                    <a:alpha val="100000"/>
+                  </a:srgbClr>
+                </a:solidFill>
+                <a:latin typeface="Calibri"/>
+              </a:rPr>
+              <a:t>Дейкстры</a:t>
+            </a:r>
+            <a:r>
+              <a:rPr lang="ru-RU" sz="2800" b="1" dirty="0" smtClean="0">
+                <a:solidFill>
+                  <a:srgbClr val="FFAB40">
+                    <a:alpha val="100000"/>
+                  </a:srgbClr>
+                </a:solidFill>
+                <a:latin typeface="Calibri"/>
+              </a:rPr>
+              <a:t>. Исполнение кода</a:t>
+            </a:r>
+            <a:endParaRPr lang="en-US" sz="2800" b="1" u="none" strike="noStrike" cap="none" spc="0" dirty="0">
+              <a:solidFill>
+                <a:srgbClr val="FFAB40">
+                  <a:alpha val="100000"/>
+                </a:srgbClr>
+              </a:solidFill>
+              <a:latin typeface="Calibri"/>
+            </a:endParaRPr>
+          </a:p>
+        </p:txBody>
+      </p:sp>
+      <p:sp>
+        <p:nvSpPr>
+          <p:cNvPr id="4" name="TextBox 3"/>
+          <p:cNvSpPr txBox="1"/>
+          <p:nvPr/>
+        </p:nvSpPr>
+        <p:spPr>
+          <a:xfrm>
+            <a:off x="1763688" y="1347614"/>
+            <a:ext cx="184731" cy="369332"/>
+          </a:xfrm>
+          <a:prstGeom prst="rect">
+            <a:avLst/>
+          </a:prstGeom>
+          <a:noFill/>
+        </p:spPr>
+        <p:txBody>
+          <a:bodyPr wrap="none" rtlCol="0">
+            <a:spAutoFit/>
+          </a:bodyPr>
+          <a:lstStyle/>
+          <a:p>
+            <a:endParaRPr lang="ru-RU" dirty="0"/>
+          </a:p>
+        </p:txBody>
+      </p:sp>
+    </p:spTree>
+    <p:extLst>
+      <p:ext uri="{BB962C8B-B14F-4D97-AF65-F5344CB8AC3E}">
+        <p14:creationId xmlns:p14="http://schemas.microsoft.com/office/powerpoint/2010/main" val="1858961518"/>
+      </p:ext>
+    </p:extLst>
+  </p:cSld>
+  <p:clrMapOvr>
+    <a:masterClrMapping/>
+  </p:clrMapOvr>
+</p:sld>
+</file>
+
+<file path=ppt/slides/slide15.xml><?xml version="1.0" encoding="utf-8"?>
 <p:sld xmlns:a="http://schemas.openxmlformats.org/drawingml/2006/main" xmlns:r="http://schemas.openxmlformats.org/officeDocument/2006/relationships" xmlns:p="http://schemas.openxmlformats.org/presentationml/2006/main">
   <p:cSld>
     <p:spTree>
@@ -1370,7 +2087,7 @@
         <p:spPr>
           <a:xfrm>
             <a:off x="914400" y="1322679"/>
-            <a:ext cx="7315200" cy="3416320"/>
+            <a:ext cx="7315200" cy="3785652"/>
           </a:xfrm>
           <a:prstGeom prst="rect">
             <a:avLst/>
@@ -1534,8 +2251,44 @@
                   </a:srgbClr>
                 </a:solidFill>
               </a:rPr>
-              <a:t>Стандартные арифметические и логические операции</a:t>
-            </a:r>
+              <a:t>Стандартные арифметические и логические </a:t>
+            </a:r>
+            <a:r>
+              <a:rPr lang="ru-RU" sz="2000" dirty="0" smtClean="0">
+                <a:solidFill>
+                  <a:srgbClr val="FFFFFF">
+                    <a:alpha val="100000"/>
+                  </a:srgbClr>
+                </a:solidFill>
+              </a:rPr>
+              <a:t>операции</a:t>
+            </a:r>
+          </a:p>
+          <a:p>
+            <a:pPr marL="800100" lvl="1" indent="-342900" fontAlgn="t">
+              <a:lnSpc>
+                <a:spcPct val="120000"/>
+              </a:lnSpc>
+              <a:buFont typeface="Courier New" panose="02070309020205020404" pitchFamily="49" charset="0"/>
+              <a:buChar char="o"/>
+            </a:pPr>
+            <a:r>
+              <a:rPr lang="ru-RU" sz="2000" dirty="0" smtClean="0">
+                <a:solidFill>
+                  <a:srgbClr val="FFFFFF">
+                    <a:alpha val="100000"/>
+                  </a:srgbClr>
+                </a:solidFill>
+              </a:rPr>
+              <a:t>Операции с массивами</a:t>
+            </a:r>
+            <a:endParaRPr lang="ru-RU" sz="2000" dirty="0">
+              <a:solidFill>
+                <a:srgbClr val="FFFFFF">
+                  <a:alpha val="100000"/>
+                </a:srgbClr>
+              </a:solidFill>
+            </a:endParaRPr>
           </a:p>
           <a:p>
             <a:pPr marL="342900" indent="-342900" fontAlgn="t">
@@ -1589,7 +2342,7 @@
 </p:sld>
 </file>
 
-<file path=ppt/slides/slide12.xml><?xml version="1.0" encoding="utf-8"?>
+<file path=ppt/slides/slide16.xml><?xml version="1.0" encoding="utf-8"?>
 <p:sld xmlns:a="http://schemas.openxmlformats.org/drawingml/2006/main" xmlns:r="http://schemas.openxmlformats.org/officeDocument/2006/relationships" xmlns:p="http://schemas.openxmlformats.org/presentationml/2006/main">
   <p:cSld>
     <p:spTree>
@@ -1670,7 +2423,7 @@
         <p:spPr>
           <a:xfrm>
             <a:off x="914400" y="1543050"/>
-            <a:ext cx="7315200" cy="806375"/>
+            <a:ext cx="7315200" cy="1200329"/>
           </a:xfrm>
           <a:prstGeom prst="rect">
             <a:avLst/>
@@ -1683,46 +2436,50 @@
           </a:bodyPr>
           <a:lstStyle/>
           <a:p>
-            <a:pPr marL="0" marR="0" lvl="0" indent="0" algn="l" rtl="0" fontAlgn="base">
+            <a:pPr marL="342900" indent="-342900" fontAlgn="base">
               <a:lnSpc>
                 <a:spcPct val="120000"/>
               </a:lnSpc>
-              <a:spcBef>
-                <a:spcPts val="0"/>
-              </a:spcBef>
-              <a:spcAft>
-                <a:spcPts val="0"/>
-              </a:spcAft>
               <a:buClr>
                 <a:srgbClr val="FFFFFF">
                   <a:alpha val="100000"/>
                 </a:srgbClr>
               </a:buClr>
-              <a:buFont typeface="Calibri"/>
+              <a:buFontTx/>
               <a:buChar char="-"/>
             </a:pPr>
             <a:r>
-              <a:rPr lang="en-US" sz="1400" b="1" u="none" strike="noStrike" cap="none" spc="0" dirty="0">
-                <a:solidFill>
-                  <a:srgbClr val="FFFFFF">
-                    <a:alpha val="100000"/>
-                  </a:srgbClr>
-                </a:solidFill>
-                <a:latin typeface="Calibri"/>
-              </a:rPr>
-              <a:t> </a:t>
-            </a:r>
-            <a:r>
-              <a:rPr lang="en-US" sz="2000" b="1" u="none" strike="noStrike" cap="none" spc="0" dirty="0">
-                <a:solidFill>
-                  <a:srgbClr val="FFFFFF">
-                    <a:alpha val="100000"/>
-                  </a:srgbClr>
-                </a:solidFill>
-                <a:latin typeface="Calibri"/>
+              <a:rPr lang="en-US" sz="2000" b="1" dirty="0" smtClean="0">
+                <a:solidFill>
+                  <a:srgbClr val="FFFFFF">
+                    <a:alpha val="100000"/>
+                  </a:srgbClr>
+                </a:solidFill>
                 <a:hlinkClick r:id="rId2"/>
               </a:rPr>
-              <a:t>https://github.com/ValentinV95/mp2-2024-lab3-postfix/pull/3</a:t>
+              <a:t>https</a:t>
+            </a:r>
+            <a:r>
+              <a:rPr lang="en-US" sz="2000" b="1" dirty="0">
+                <a:solidFill>
+                  <a:srgbClr val="FFFFFF">
+                    <a:alpha val="100000"/>
+                  </a:srgbClr>
+                </a:solidFill>
+                <a:hlinkClick r:id="rId2"/>
+              </a:rPr>
+              <a:t>://</a:t>
+            </a:r>
+            <a:r>
+              <a:rPr lang="en-US" sz="2000" b="1" dirty="0" smtClean="0">
+                <a:solidFill>
+                  <a:srgbClr val="FFFFFF">
+                    <a:alpha val="100000"/>
+                  </a:srgbClr>
+                </a:solidFill>
+                <a:hlinkClick r:id="rId2"/>
+              </a:rPr>
+              <a:t>github.com/ValentinV95/mp2-2024-lab3-postfix/pull/3</a:t>
             </a:r>
             <a:endParaRPr lang="en-US" sz="2000" b="1" u="none" strike="noStrike" cap="none" spc="0" dirty="0">
               <a:solidFill>
@@ -1764,6 +2521,40 @@
               <a:t> </a:t>
             </a:r>
             <a:r>
+              <a:rPr lang="ru-RU" sz="2000" b="1" dirty="0">
+                <a:solidFill>
+                  <a:srgbClr val="FFFFFF">
+                    <a:alpha val="100000"/>
+                  </a:srgbClr>
+                </a:solidFill>
+                <a:latin typeface="Calibri"/>
+              </a:rPr>
+              <a:t> </a:t>
+            </a:r>
+            <a:r>
+              <a:rPr lang="ru-RU" sz="2000" b="1" dirty="0" smtClean="0">
+                <a:solidFill>
+                  <a:srgbClr val="FFFFFF">
+                    <a:alpha val="100000"/>
+                  </a:srgbClr>
+                </a:solidFill>
+                <a:latin typeface="Calibri"/>
+              </a:rPr>
+              <a:t>   </a:t>
+            </a:r>
+            <a:r>
+              <a:rPr lang="en-US" sz="2000" b="1" u="none" strike="noStrike" cap="none" spc="0" dirty="0" smtClean="0">
+                <a:solidFill>
+                  <a:srgbClr val="FFFFFF">
+                    <a:alpha val="100000"/>
+                  </a:srgbClr>
+                </a:solidFill>
+                <a:latin typeface="Calibri"/>
+                <a:hlinkClick r:id="rId3"/>
+              </a:rPr>
+              <a:t>https</a:t>
+            </a:r>
+            <a:r>
               <a:rPr lang="en-US" sz="2000" b="1" u="none" strike="noStrike" cap="none" spc="0" dirty="0">
                 <a:solidFill>
                   <a:srgbClr val="FFFFFF">
@@ -1773,7 +2564,7 @@
                 <a:latin typeface="Calibri"/>
                 <a:hlinkClick r:id="rId3"/>
               </a:rPr>
-              <a:t>https://en.wikipedia.org/wiki/ANSI_C</a:t>
+              <a:t>://en.wikipedia.org/wiki/ANSI_C</a:t>
             </a:r>
             <a:r>
               <a:rPr lang="ru-RU" sz="2000" b="1" dirty="0">
@@ -1783,6 +2574,93 @@
                   </a:srgbClr>
                 </a:solidFill>
                 <a:latin typeface="Calibri"/>
+              </a:rPr>
+              <a:t> </a:t>
+            </a:r>
+            <a:endParaRPr lang="ru-RU" sz="2000" b="1" dirty="0" smtClean="0">
+              <a:solidFill>
+                <a:srgbClr val="FFFFFF">
+                  <a:alpha val="100000"/>
+                </a:srgbClr>
+              </a:solidFill>
+              <a:latin typeface="Calibri"/>
+            </a:endParaRPr>
+          </a:p>
+          <a:p>
+            <a:pPr lvl="0" fontAlgn="base">
+              <a:lnSpc>
+                <a:spcPct val="120000"/>
+              </a:lnSpc>
+              <a:buClr>
+                <a:srgbClr val="FFFFFF">
+                  <a:alpha val="100000"/>
+                </a:srgbClr>
+              </a:buClr>
+              <a:buFont typeface="Calibri"/>
+              <a:buChar char="-"/>
+            </a:pPr>
+            <a:r>
+              <a:rPr lang="ru-RU" sz="2000" b="1" dirty="0">
+                <a:solidFill>
+                  <a:srgbClr val="FFFFFF">
+                    <a:alpha val="100000"/>
+                  </a:srgbClr>
+                </a:solidFill>
+                <a:latin typeface="Calibri"/>
+              </a:rPr>
+              <a:t> </a:t>
+            </a:r>
+            <a:r>
+              <a:rPr lang="ru-RU" sz="2000" b="1" dirty="0" smtClean="0">
+                <a:solidFill>
+                  <a:srgbClr val="FFFFFF">
+                    <a:alpha val="100000"/>
+                  </a:srgbClr>
+                </a:solidFill>
+                <a:latin typeface="Calibri"/>
+              </a:rPr>
+              <a:t>    </a:t>
+            </a:r>
+            <a:r>
+              <a:rPr lang="en-US" sz="2000" b="1" dirty="0" smtClean="0">
+                <a:solidFill>
+                  <a:srgbClr val="FFFFFF">
+                    <a:alpha val="100000"/>
+                  </a:srgbClr>
+                </a:solidFill>
+                <a:hlinkClick r:id="rId4"/>
+              </a:rPr>
+              <a:t>https</a:t>
+            </a:r>
+            <a:r>
+              <a:rPr lang="en-US" sz="2000" b="1" dirty="0">
+                <a:solidFill>
+                  <a:srgbClr val="FFFFFF">
+                    <a:alpha val="100000"/>
+                  </a:srgbClr>
+                </a:solidFill>
+                <a:hlinkClick r:id="rId4"/>
+              </a:rPr>
+              <a:t>://</a:t>
+            </a:r>
+            <a:r>
+              <a:rPr lang="en-US" sz="2000" b="1" dirty="0" smtClean="0">
+                <a:solidFill>
+                  <a:srgbClr val="FFFFFF">
+                    <a:alpha val="100000"/>
+                  </a:srgbClr>
+                </a:solidFill>
+                <a:hlinkClick r:id="rId4"/>
+              </a:rPr>
+              <a:t>youtu.be/fA_xvuqzuGs?si=woZAlEgGNgkNk0FV</a:t>
+            </a:r>
+            <a:r>
+              <a:rPr lang="ru-RU" sz="2000" b="1" dirty="0" smtClean="0">
+                <a:solidFill>
+                  <a:srgbClr val="FFFFFF">
+                    <a:alpha val="100000"/>
+                  </a:srgbClr>
+                </a:solidFill>
               </a:rPr>
               <a:t> </a:t>
             </a:r>
@@ -1805,7 +2683,7 @@
 </p:sld>
 </file>
 
-<file path=ppt/slides/slide13.xml><?xml version="1.0" encoding="utf-8"?>
+<file path=ppt/slides/slide17.xml><?xml version="1.0" encoding="utf-8"?>
 <p:sld xmlns:a="http://schemas.openxmlformats.org/drawingml/2006/main" xmlns:r="http://schemas.openxmlformats.org/officeDocument/2006/relationships" xmlns:p="http://schemas.openxmlformats.org/presentationml/2006/main">
   <p:cSld>
     <p:spTree>
@@ -2964,7 +3842,7 @@
         <p:spPr>
           <a:xfrm>
             <a:off x="914400" y="1800225"/>
-            <a:ext cx="7315200" cy="1938992"/>
+            <a:ext cx="7315200" cy="2246769"/>
           </a:xfrm>
           <a:prstGeom prst="rect">
             <a:avLst/>
@@ -3182,7 +4060,7 @@
               <a:t> </a:t>
             </a:r>
             <a:r>
-              <a:rPr lang="en-US" sz="2000" u="none" strike="noStrike" cap="none" spc="0" dirty="0" err="1">
+              <a:rPr lang="en-US" sz="2000" u="none" strike="noStrike" cap="none" spc="0" dirty="0" err="1" smtClean="0">
                 <a:solidFill>
                   <a:srgbClr val="FFFFFF">
                     <a:alpha val="100000"/>
@@ -3191,6 +4069,42 @@
                 <a:latin typeface="Calibri"/>
               </a:rPr>
               <a:t>операции</a:t>
+            </a:r>
+            <a:endParaRPr lang="ru-RU" sz="2000" u="none" strike="noStrike" cap="none" spc="0" dirty="0" smtClean="0">
+              <a:solidFill>
+                <a:srgbClr val="FFFFFF">
+                  <a:alpha val="100000"/>
+                </a:srgbClr>
+              </a:solidFill>
+              <a:latin typeface="Calibri"/>
+            </a:endParaRPr>
+          </a:p>
+          <a:p>
+            <a:pPr marL="800100" lvl="1" indent="-342900" fontAlgn="base">
+              <a:buFont typeface="Courier New" panose="02070309020205020404" pitchFamily="49" charset="0"/>
+              <a:buChar char="o"/>
+            </a:pPr>
+            <a:r>
+              <a:rPr lang="en-US" sz="2000" dirty="0" smtClean="0">
+                <a:solidFill>
+                  <a:srgbClr val="FFFFFF">
+                    <a:alpha val="100000"/>
+                  </a:srgbClr>
+                </a:solidFill>
+                <a:latin typeface="Calibri"/>
+              </a:rPr>
+              <a:t>n-</a:t>
+            </a:r>
+            <a:r>
+              <a:rPr lang="ru-RU" sz="2000" dirty="0" smtClean="0">
+                <a:solidFill>
+                  <a:srgbClr val="FFFFFF">
+                    <a:alpha val="100000"/>
+                  </a:srgbClr>
+                </a:solidFill>
+                <a:latin typeface="Calibri"/>
+              </a:rPr>
+              <a:t>мерные массивы</a:t>
             </a:r>
             <a:endParaRPr lang="ru-RU" sz="2000" u="none" strike="noStrike" cap="none" spc="0" dirty="0">
               <a:solidFill>

--- a/Презентация_лабораторная_Интерпретатор_Загрядсков_Максим_Болтенков_Станислав_3823Б1ПМ1_1.pptx
+++ b/Презентация_лабораторная_Интерпретатор_Загрядсков_Максим_Болтенков_Станислав_3823Б1ПМ1_1.pptx
@@ -1237,7 +1237,18 @@
                 </a:solidFill>
                 <a:latin typeface="Calibri"/>
               </a:rPr>
-              <a:t>, содержащего все возможные команды.</a:t>
+              <a:t>, содержащего все возможные </a:t>
+            </a:r>
+            <a:r>
+              <a:rPr lang="ru-RU" sz="2000" dirty="0" smtClean="0">
+                <a:solidFill>
+                  <a:srgbClr val="FFFFFF">
+                    <a:alpha val="100000"/>
+                  </a:srgbClr>
+                </a:solidFill>
+                <a:latin typeface="Calibri"/>
+              </a:rPr>
+              <a:t>команды</a:t>
             </a:r>
             <a:r>
               <a:rPr lang="en-US" sz="2000" u="none" strike="noStrike" cap="none" spc="0" dirty="0">
@@ -1462,7 +1473,7 @@
               <a:t> </a:t>
             </a:r>
             <a:r>
-              <a:rPr lang="en-US" sz="2000" u="none" strike="noStrike" cap="none" spc="0" dirty="0" err="1">
+              <a:rPr lang="en-US" sz="2000" u="none" strike="noStrike" cap="none" spc="0" dirty="0" err="1" smtClean="0">
                 <a:solidFill>
                   <a:srgbClr val="FFFFFF">
                     <a:alpha val="100000"/>
@@ -1472,17 +1483,14 @@
               </a:rPr>
               <a:t>тестов</a:t>
             </a:r>
-            <a:r>
-              <a:rPr lang="en-US" sz="2000" u="none" strike="noStrike" cap="none" spc="0" dirty="0">
-                <a:solidFill>
-                  <a:srgbClr val="FFFFFF">
-                    <a:alpha val="100000"/>
-                  </a:srgbClr>
-                </a:solidFill>
-                <a:latin typeface="Calibri"/>
-              </a:rPr>
-              <a:t>.</a:t>
-            </a:r>
+            <a:endParaRPr lang="en-US" sz="2000" u="none" strike="noStrike" cap="none" spc="0" dirty="0">
+              <a:solidFill>
+                <a:srgbClr val="FFFFFF">
+                  <a:alpha val="100000"/>
+                </a:srgbClr>
+              </a:solidFill>
+              <a:latin typeface="Calibri"/>
+            </a:endParaRPr>
           </a:p>
         </p:txBody>
       </p:sp>
@@ -2995,6 +3003,51 @@
               <a:t> </a:t>
             </a:r>
             <a:r>
+              <a:rPr lang="en-US" sz="2000" u="none" strike="noStrike" cap="none" spc="0" dirty="0" err="1" smtClean="0">
+                <a:solidFill>
+                  <a:srgbClr val="FFFFFF">
+                    <a:alpha val="100000"/>
+                  </a:srgbClr>
+                </a:solidFill>
+                <a:latin typeface="Calibri"/>
+              </a:rPr>
+              <a:t>языка</a:t>
+            </a:r>
+            <a:r>
+              <a:rPr lang="en-US" sz="2000" u="none" strike="noStrike" cap="none" spc="0" dirty="0">
+                <a:solidFill>
+                  <a:srgbClr val="FFFFFF">
+                    <a:alpha val="100000"/>
+                  </a:srgbClr>
+                </a:solidFill>
+                <a:latin typeface="Calibri"/>
+              </a:rPr>
+              <a:t>
+</a:t>
+            </a:r>
+            <a:r>
+              <a:rPr lang="ru-RU" sz="2000" u="none" strike="noStrike" cap="none" spc="0" dirty="0">
+                <a:solidFill>
+                  <a:srgbClr val="FFFFFF">
+                    <a:alpha val="100000"/>
+                  </a:srgbClr>
+                </a:solidFill>
+                <a:latin typeface="Calibri"/>
+              </a:rPr>
+              <a:t>Реализовать </a:t>
+            </a:r>
+            <a:r>
+              <a:rPr lang="ru-RU" sz="2000" dirty="0">
+                <a:solidFill>
+                  <a:srgbClr val="FFFFFF">
+                    <a:alpha val="100000"/>
+                  </a:srgbClr>
+                </a:solidFill>
+                <a:latin typeface="Calibri"/>
+              </a:rPr>
+              <a:t>п</a:t>
+            </a:r>
+            <a:r>
               <a:rPr lang="en-US" sz="2000" u="none" strike="noStrike" cap="none" spc="0" dirty="0" err="1">
                 <a:solidFill>
                   <a:srgbClr val="FFFFFF">
@@ -3003,7 +3056,18 @@
                 </a:solidFill>
                 <a:latin typeface="Calibri"/>
               </a:rPr>
-              <a:t>языка</a:t>
+              <a:t>оддерж</a:t>
+            </a:r>
+            <a:r>
+              <a:rPr lang="ru-RU" sz="2000" u="none" strike="noStrike" cap="none" spc="0" dirty="0">
+                <a:solidFill>
+                  <a:srgbClr val="FFFFFF">
+                    <a:alpha val="100000"/>
+                  </a:srgbClr>
+                </a:solidFill>
+                <a:latin typeface="Calibri"/>
+              </a:rPr>
+              <a:t>ку</a:t>
             </a:r>
             <a:r>
               <a:rPr lang="en-US" sz="2000" u="none" strike="noStrike" cap="none" spc="0" dirty="0">
@@ -3014,32 +3078,142 @@
                 </a:solidFill>
                 <a:latin typeface="Calibri"/>
               </a:rPr>
-              <a:t>.
+              <a:t> </a:t>
+            </a:r>
+            <a:r>
+              <a:rPr lang="en-US" sz="2000" u="none" strike="noStrike" cap="none" spc="0" dirty="0" err="1">
+                <a:solidFill>
+                  <a:srgbClr val="FFFFFF">
+                    <a:alpha val="100000"/>
+                  </a:srgbClr>
+                </a:solidFill>
+                <a:latin typeface="Calibri"/>
+              </a:rPr>
+              <a:t>максимально</a:t>
+            </a:r>
+            <a:r>
+              <a:rPr lang="ru-RU" sz="2000" dirty="0" err="1">
+                <a:solidFill>
+                  <a:srgbClr val="FFFFFF">
+                    <a:alpha val="100000"/>
+                  </a:srgbClr>
+                </a:solidFill>
+                <a:latin typeface="Calibri"/>
+              </a:rPr>
+              <a:t>го</a:t>
+            </a:r>
+            <a:r>
+              <a:rPr lang="en-US" sz="2000" u="none" strike="noStrike" cap="none" spc="0" dirty="0">
+                <a:solidFill>
+                  <a:srgbClr val="FFFFFF">
+                    <a:alpha val="100000"/>
+                  </a:srgbClr>
+                </a:solidFill>
+                <a:latin typeface="Calibri"/>
+              </a:rPr>
+              <a:t> </a:t>
+            </a:r>
+            <a:r>
+              <a:rPr lang="en-US" sz="2000" u="none" strike="noStrike" cap="none" spc="0" dirty="0" err="1">
+                <a:solidFill>
+                  <a:srgbClr val="FFFFFF">
+                    <a:alpha val="100000"/>
+                  </a:srgbClr>
+                </a:solidFill>
+                <a:latin typeface="Calibri"/>
+              </a:rPr>
+              <a:t>количеств</a:t>
+            </a:r>
+            <a:r>
+              <a:rPr lang="ru-RU" sz="2000" u="none" strike="noStrike" cap="none" spc="0" dirty="0">
+                <a:solidFill>
+                  <a:srgbClr val="FFFFFF">
+                    <a:alpha val="100000"/>
+                  </a:srgbClr>
+                </a:solidFill>
+                <a:latin typeface="Calibri"/>
+              </a:rPr>
+              <a:t>а</a:t>
+            </a:r>
+            <a:r>
+              <a:rPr lang="en-US" sz="2000" u="none" strike="noStrike" cap="none" spc="0" dirty="0">
+                <a:solidFill>
+                  <a:srgbClr val="FFFFFF">
+                    <a:alpha val="100000"/>
+                  </a:srgbClr>
+                </a:solidFill>
+                <a:latin typeface="Calibri"/>
+              </a:rPr>
+              <a:t> </a:t>
+            </a:r>
+            <a:r>
+              <a:rPr lang="en-US" sz="2000" u="none" strike="noStrike" cap="none" spc="0" dirty="0" err="1">
+                <a:solidFill>
+                  <a:srgbClr val="FFFFFF">
+                    <a:alpha val="100000"/>
+                  </a:srgbClr>
+                </a:solidFill>
+                <a:latin typeface="Calibri"/>
+              </a:rPr>
+              <a:t>ключевых</a:t>
+            </a:r>
+            <a:r>
+              <a:rPr lang="en-US" sz="2000" u="none" strike="noStrike" cap="none" spc="0" dirty="0">
+                <a:solidFill>
+                  <a:srgbClr val="FFFFFF">
+                    <a:alpha val="100000"/>
+                  </a:srgbClr>
+                </a:solidFill>
+                <a:latin typeface="Calibri"/>
+              </a:rPr>
+              <a:t> </a:t>
+            </a:r>
+            <a:r>
+              <a:rPr lang="en-US" sz="2000" u="none" strike="noStrike" cap="none" spc="0" dirty="0" err="1">
+                <a:solidFill>
+                  <a:srgbClr val="FFFFFF">
+                    <a:alpha val="100000"/>
+                  </a:srgbClr>
+                </a:solidFill>
+                <a:latin typeface="Calibri"/>
+              </a:rPr>
+              <a:t>слов</a:t>
+            </a:r>
+            <a:r>
+              <a:rPr lang="en-US" sz="2000" u="none" strike="noStrike" cap="none" spc="0" dirty="0">
+                <a:solidFill>
+                  <a:srgbClr val="FFFFFF">
+                    <a:alpha val="100000"/>
+                  </a:srgbClr>
+                </a:solidFill>
+                <a:latin typeface="Calibri"/>
+              </a:rPr>
+              <a:t> и </a:t>
+            </a:r>
+            <a:r>
+              <a:rPr lang="en-US" sz="2000" u="none" strike="noStrike" cap="none" spc="0" dirty="0" err="1" smtClean="0">
+                <a:solidFill>
+                  <a:srgbClr val="FFFFFF">
+                    <a:alpha val="100000"/>
+                  </a:srgbClr>
+                </a:solidFill>
+                <a:latin typeface="Calibri"/>
+              </a:rPr>
+              <a:t>операций</a:t>
+            </a:r>
+            <a:r>
+              <a:rPr lang="en-US" sz="2000" u="none" strike="noStrike" cap="none" spc="0" dirty="0">
+                <a:solidFill>
+                  <a:srgbClr val="FFFFFF">
+                    <a:alpha val="100000"/>
+                  </a:srgbClr>
+                </a:solidFill>
+                <a:latin typeface="Calibri"/>
+              </a:rPr>
+              <a:t>
 </a:t>
             </a:r>
             <a:r>
-              <a:rPr lang="ru-RU" sz="2000" u="none" strike="noStrike" cap="none" spc="0" dirty="0">
-                <a:solidFill>
-                  <a:srgbClr val="FFFFFF">
-                    <a:alpha val="100000"/>
-                  </a:srgbClr>
-                </a:solidFill>
-                <a:latin typeface="Calibri"/>
-              </a:rPr>
-              <a:t>Реализовать </a:t>
-            </a:r>
-            <a:r>
-              <a:rPr lang="ru-RU" sz="2000" dirty="0">
-                <a:solidFill>
-                  <a:srgbClr val="FFFFFF">
-                    <a:alpha val="100000"/>
-                  </a:srgbClr>
-                </a:solidFill>
-                <a:latin typeface="Calibri"/>
-              </a:rPr>
-              <a:t>п</a:t>
-            </a:r>
-            <a:r>
               <a:rPr lang="en-US" sz="2000" u="none" strike="noStrike" cap="none" spc="0" dirty="0" err="1">
                 <a:solidFill>
                   <a:srgbClr val="FFFFFF">
@@ -3048,18 +3222,7 @@
                 </a:solidFill>
                 <a:latin typeface="Calibri"/>
               </a:rPr>
-              <a:t>оддерж</a:t>
-            </a:r>
-            <a:r>
-              <a:rPr lang="ru-RU" sz="2000" u="none" strike="noStrike" cap="none" spc="0" dirty="0">
-                <a:solidFill>
-                  <a:srgbClr val="FFFFFF">
-                    <a:alpha val="100000"/>
-                  </a:srgbClr>
-                </a:solidFill>
-                <a:latin typeface="Calibri"/>
-              </a:rPr>
-              <a:t>ку</a:t>
+              <a:t>Провести</a:t>
             </a:r>
             <a:r>
               <a:rPr lang="en-US" sz="2000" u="none" strike="noStrike" cap="none" spc="0" dirty="0">
@@ -3081,18 +3244,7 @@
                 </a:solidFill>
                 <a:latin typeface="Calibri"/>
               </a:rPr>
-              <a:t>максимально</a:t>
-            </a:r>
-            <a:r>
-              <a:rPr lang="ru-RU" sz="2000" dirty="0" err="1">
-                <a:solidFill>
-                  <a:srgbClr val="FFFFFF">
-                    <a:alpha val="100000"/>
-                  </a:srgbClr>
-                </a:solidFill>
-                <a:latin typeface="Calibri"/>
-              </a:rPr>
-              <a:t>го</a:t>
+              <a:t>тестирование</a:t>
             </a:r>
             <a:r>
               <a:rPr lang="en-US" sz="2000" u="none" strike="noStrike" cap="none" spc="0" dirty="0">
@@ -3114,18 +3266,7 @@
                 </a:solidFill>
                 <a:latin typeface="Calibri"/>
               </a:rPr>
-              <a:t>количеств</a:t>
-            </a:r>
-            <a:r>
-              <a:rPr lang="ru-RU" sz="2000" u="none" strike="noStrike" cap="none" spc="0" dirty="0">
-                <a:solidFill>
-                  <a:srgbClr val="FFFFFF">
-                    <a:alpha val="100000"/>
-                  </a:srgbClr>
-                </a:solidFill>
-                <a:latin typeface="Calibri"/>
-              </a:rPr>
-              <a:t>а</a:t>
+              <a:t>на</a:t>
             </a:r>
             <a:r>
               <a:rPr lang="en-US" sz="2000" u="none" strike="noStrike" cap="none" spc="0" dirty="0">
@@ -3147,7 +3288,7 @@
                 </a:solidFill>
                 <a:latin typeface="Calibri"/>
               </a:rPr>
-              <a:t>ключевых</a:t>
+              <a:t>различных</a:t>
             </a:r>
             <a:r>
               <a:rPr lang="en-US" sz="2000" u="none" strike="noStrike" cap="none" spc="0" dirty="0">
@@ -3161,140 +3302,7 @@
               <a:t> </a:t>
             </a:r>
             <a:r>
-              <a:rPr lang="en-US" sz="2000" u="none" strike="noStrike" cap="none" spc="0" dirty="0" err="1">
-                <a:solidFill>
-                  <a:srgbClr val="FFFFFF">
-                    <a:alpha val="100000"/>
-                  </a:srgbClr>
-                </a:solidFill>
-                <a:latin typeface="Calibri"/>
-              </a:rPr>
-              <a:t>слов</a:t>
-            </a:r>
-            <a:r>
-              <a:rPr lang="en-US" sz="2000" u="none" strike="noStrike" cap="none" spc="0" dirty="0">
-                <a:solidFill>
-                  <a:srgbClr val="FFFFFF">
-                    <a:alpha val="100000"/>
-                  </a:srgbClr>
-                </a:solidFill>
-                <a:latin typeface="Calibri"/>
-              </a:rPr>
-              <a:t> и </a:t>
-            </a:r>
-            <a:r>
-              <a:rPr lang="en-US" sz="2000" u="none" strike="noStrike" cap="none" spc="0" dirty="0" err="1">
-                <a:solidFill>
-                  <a:srgbClr val="FFFFFF">
-                    <a:alpha val="100000"/>
-                  </a:srgbClr>
-                </a:solidFill>
-                <a:latin typeface="Calibri"/>
-              </a:rPr>
-              <a:t>операций</a:t>
-            </a:r>
-            <a:r>
-              <a:rPr lang="en-US" sz="2000" u="none" strike="noStrike" cap="none" spc="0" dirty="0">
-                <a:solidFill>
-                  <a:srgbClr val="FFFFFF">
-                    <a:alpha val="100000"/>
-                  </a:srgbClr>
-                </a:solidFill>
-                <a:latin typeface="Calibri"/>
-              </a:rPr>
-              <a:t>.
-</a:t>
-            </a:r>
-            <a:r>
-              <a:rPr lang="en-US" sz="2000" u="none" strike="noStrike" cap="none" spc="0" dirty="0" err="1">
-                <a:solidFill>
-                  <a:srgbClr val="FFFFFF">
-                    <a:alpha val="100000"/>
-                  </a:srgbClr>
-                </a:solidFill>
-                <a:latin typeface="Calibri"/>
-              </a:rPr>
-              <a:t>Провести</a:t>
-            </a:r>
-            <a:r>
-              <a:rPr lang="en-US" sz="2000" u="none" strike="noStrike" cap="none" spc="0" dirty="0">
-                <a:solidFill>
-                  <a:srgbClr val="FFFFFF">
-                    <a:alpha val="100000"/>
-                  </a:srgbClr>
-                </a:solidFill>
-                <a:latin typeface="Calibri"/>
-              </a:rPr>
-              <a:t> </a:t>
-            </a:r>
-            <a:r>
-              <a:rPr lang="en-US" sz="2000" u="none" strike="noStrike" cap="none" spc="0" dirty="0" err="1">
-                <a:solidFill>
-                  <a:srgbClr val="FFFFFF">
-                    <a:alpha val="100000"/>
-                  </a:srgbClr>
-                </a:solidFill>
-                <a:latin typeface="Calibri"/>
-              </a:rPr>
-              <a:t>тестирование</a:t>
-            </a:r>
-            <a:r>
-              <a:rPr lang="en-US" sz="2000" u="none" strike="noStrike" cap="none" spc="0" dirty="0">
-                <a:solidFill>
-                  <a:srgbClr val="FFFFFF">
-                    <a:alpha val="100000"/>
-                  </a:srgbClr>
-                </a:solidFill>
-                <a:latin typeface="Calibri"/>
-              </a:rPr>
-              <a:t> </a:t>
-            </a:r>
-            <a:r>
-              <a:rPr lang="en-US" sz="2000" u="none" strike="noStrike" cap="none" spc="0" dirty="0" err="1">
-                <a:solidFill>
-                  <a:srgbClr val="FFFFFF">
-                    <a:alpha val="100000"/>
-                  </a:srgbClr>
-                </a:solidFill>
-                <a:latin typeface="Calibri"/>
-              </a:rPr>
-              <a:t>на</a:t>
-            </a:r>
-            <a:r>
-              <a:rPr lang="en-US" sz="2000" u="none" strike="noStrike" cap="none" spc="0" dirty="0">
-                <a:solidFill>
-                  <a:srgbClr val="FFFFFF">
-                    <a:alpha val="100000"/>
-                  </a:srgbClr>
-                </a:solidFill>
-                <a:latin typeface="Calibri"/>
-              </a:rPr>
-              <a:t> </a:t>
-            </a:r>
-            <a:r>
-              <a:rPr lang="en-US" sz="2000" u="none" strike="noStrike" cap="none" spc="0" dirty="0" err="1">
-                <a:solidFill>
-                  <a:srgbClr val="FFFFFF">
-                    <a:alpha val="100000"/>
-                  </a:srgbClr>
-                </a:solidFill>
-                <a:latin typeface="Calibri"/>
-              </a:rPr>
-              <a:t>различных</a:t>
-            </a:r>
-            <a:r>
-              <a:rPr lang="en-US" sz="2000" u="none" strike="noStrike" cap="none" spc="0" dirty="0">
-                <a:solidFill>
-                  <a:srgbClr val="FFFFFF">
-                    <a:alpha val="100000"/>
-                  </a:srgbClr>
-                </a:solidFill>
-                <a:latin typeface="Calibri"/>
-              </a:rPr>
-              <a:t> </a:t>
-            </a:r>
-            <a:r>
-              <a:rPr lang="en-US" sz="2000" u="none" strike="noStrike" cap="none" spc="0" dirty="0" err="1">
+              <a:rPr lang="en-US" sz="2000" u="none" strike="noStrike" cap="none" spc="0" dirty="0" err="1" smtClean="0">
                 <a:solidFill>
                   <a:srgbClr val="FFFFFF">
                     <a:alpha val="100000"/>
@@ -3304,17 +3312,14 @@
               </a:rPr>
               <a:t>примерах</a:t>
             </a:r>
-            <a:r>
-              <a:rPr lang="en-US" sz="2000" u="none" strike="noStrike" cap="none" spc="0" dirty="0">
-                <a:solidFill>
-                  <a:srgbClr val="FFFFFF">
-                    <a:alpha val="100000"/>
-                  </a:srgbClr>
-                </a:solidFill>
-                <a:latin typeface="Calibri"/>
-              </a:rPr>
-              <a:t>.</a:t>
-            </a:r>
+            <a:endParaRPr lang="en-US" sz="2000" u="none" strike="noStrike" cap="none" spc="0" dirty="0">
+              <a:solidFill>
+                <a:srgbClr val="FFFFFF">
+                  <a:alpha val="100000"/>
+                </a:srgbClr>
+              </a:solidFill>
+              <a:latin typeface="Calibri"/>
+            </a:endParaRPr>
           </a:p>
         </p:txBody>
       </p:sp>
@@ -3492,6 +3497,29 @@
               <a:t> </a:t>
             </a:r>
             <a:r>
+              <a:rPr lang="en-US" sz="2000" u="none" strike="noStrike" cap="none" spc="0" dirty="0" err="1" smtClean="0">
+                <a:solidFill>
+                  <a:srgbClr val="FFFFFF">
+                    <a:alpha val="100000"/>
+                  </a:srgbClr>
+                </a:solidFill>
+                <a:latin typeface="Calibri"/>
+              </a:rPr>
+              <a:t>библиотек</a:t>
+            </a:r>
+            <a:r>
+              <a:rPr lang="en-US" sz="2000" u="none" strike="noStrike" cap="none" spc="0" dirty="0">
+                <a:solidFill>
+                  <a:srgbClr val="FFFFFF">
+                    <a:alpha val="100000"/>
+                  </a:srgbClr>
+                </a:solidFill>
+                <a:latin typeface="Calibri"/>
+              </a:rPr>
+              <a:t>
+</a:t>
+            </a:r>
+            <a:r>
               <a:rPr lang="en-US" sz="2000" u="none" strike="noStrike" cap="none" spc="0" dirty="0" err="1">
                 <a:solidFill>
                   <a:srgbClr val="FFFFFF">
@@ -3500,7 +3528,7 @@
                 </a:solidFill>
                 <a:latin typeface="Calibri"/>
               </a:rPr>
-              <a:t>библиотек</a:t>
+              <a:t>Определение</a:t>
             </a:r>
             <a:r>
               <a:rPr lang="en-US" sz="2000" u="none" strike="noStrike" cap="none" spc="0" dirty="0">
@@ -3511,8 +3539,7 @@
                 </a:solidFill>
                 <a:latin typeface="Calibri"/>
               </a:rPr>
-              <a:t>.
-</a:t>
+              <a:t> </a:t>
             </a:r>
             <a:r>
               <a:rPr lang="en-US" sz="2000" u="none" strike="noStrike" cap="none" spc="0" dirty="0" err="1">
@@ -3523,7 +3550,7 @@
                 </a:solidFill>
                 <a:latin typeface="Calibri"/>
               </a:rPr>
-              <a:t>Определение</a:t>
+              <a:t>подзадач</a:t>
             </a:r>
             <a:r>
               <a:rPr lang="en-US" sz="2000" u="none" strike="noStrike" cap="none" spc="0" dirty="0">
@@ -3534,51 +3561,7 @@
                 </a:solidFill>
                 <a:latin typeface="Calibri"/>
               </a:rPr>
-              <a:t> </a:t>
-            </a:r>
-            <a:r>
-              <a:rPr lang="en-US" sz="2000" u="none" strike="noStrike" cap="none" spc="0" dirty="0" err="1">
-                <a:solidFill>
-                  <a:srgbClr val="FFFFFF">
-                    <a:alpha val="100000"/>
-                  </a:srgbClr>
-                </a:solidFill>
-                <a:latin typeface="Calibri"/>
-              </a:rPr>
-              <a:t>подзадач</a:t>
-            </a:r>
-            <a:r>
-              <a:rPr lang="en-US" sz="2000" u="none" strike="noStrike" cap="none" spc="0" dirty="0">
-                <a:solidFill>
-                  <a:srgbClr val="FFFFFF">
-                    <a:alpha val="100000"/>
-                  </a:srgbClr>
-                </a:solidFill>
-                <a:latin typeface="Calibri"/>
-              </a:rPr>
-              <a:t> </a:t>
-            </a:r>
-            <a:r>
-              <a:rPr lang="en-US" sz="2000" u="none" strike="noStrike" cap="none" spc="0" dirty="0" err="1">
-                <a:solidFill>
-                  <a:srgbClr val="FFFFFF">
-                    <a:alpha val="100000"/>
-                  </a:srgbClr>
-                </a:solidFill>
-                <a:latin typeface="Calibri"/>
-              </a:rPr>
-              <a:t>и</a:t>
-            </a:r>
-            <a:r>
-              <a:rPr lang="en-US" sz="2000" u="none" strike="noStrike" cap="none" spc="0" dirty="0">
-                <a:solidFill>
-                  <a:srgbClr val="FFFFFF">
-                    <a:alpha val="100000"/>
-                  </a:srgbClr>
-                </a:solidFill>
-                <a:latin typeface="Calibri"/>
-              </a:rPr>
-              <a:t> </a:t>
+              <a:t> и </a:t>
             </a:r>
             <a:r>
               <a:rPr lang="en-US" sz="2000" u="none" strike="noStrike" cap="none" spc="0" dirty="0" err="1">
@@ -3705,8 +3688,27 @@
                 </a:solidFill>
                 <a:latin typeface="Calibri"/>
               </a:rPr>
-              <a:t>структуры. Использование реализованных ранее структур.</a:t>
-            </a:r>
+              <a:t>структуры. Использование реализованных ранее </a:t>
+            </a:r>
+            <a:r>
+              <a:rPr lang="ru-RU" sz="2000" dirty="0" smtClean="0">
+                <a:solidFill>
+                  <a:srgbClr val="FFFFFF">
+                    <a:alpha val="100000"/>
+                  </a:srgbClr>
+                </a:solidFill>
+                <a:latin typeface="Calibri"/>
+              </a:rPr>
+              <a:t>структур</a:t>
+            </a:r>
+            <a:endParaRPr lang="ru-RU" sz="2000" dirty="0">
+              <a:solidFill>
+                <a:srgbClr val="FFFFFF">
+                  <a:alpha val="100000"/>
+                </a:srgbClr>
+              </a:solidFill>
+              <a:latin typeface="Calibri"/>
+            </a:endParaRPr>
           </a:p>
           <a:p>
             <a:pPr marL="800100" lvl="1" indent="-342900" fontAlgn="base">
@@ -3748,7 +3750,18 @@
                 </a:solidFill>
                 <a:latin typeface="Calibri"/>
               </a:rPr>
-              <a:t>Функциональное тестирование программы.</a:t>
+              <a:t>Функциональное тестирование </a:t>
+            </a:r>
+            <a:r>
+              <a:rPr lang="ru-RU" sz="2000" dirty="0" smtClean="0">
+                <a:solidFill>
+                  <a:srgbClr val="FFFFFF">
+                    <a:alpha val="100000"/>
+                  </a:srgbClr>
+                </a:solidFill>
+                <a:latin typeface="Calibri"/>
+              </a:rPr>
+              <a:t>программы</a:t>
             </a:r>
             <a:endParaRPr lang="en-US" sz="2000" u="none" strike="noStrike" cap="none" spc="0" dirty="0">
               <a:solidFill>

--- a/Презентация_лабораторная_Интерпретатор_Загрядсков_Максим_Болтенков_Станислав_3823Б1ПМ1_1.pptx
+++ b/Презентация_лабораторная_Интерпретатор_Загрядсков_Максим_Болтенков_Станислав_3823Б1ПМ1_1.pptx
@@ -16,7 +16,7 @@
     <p:sldId id="272" r:id="rId10"/>
     <p:sldId id="262" r:id="rId11"/>
     <p:sldId id="276" r:id="rId12"/>
-    <p:sldId id="273" r:id="rId13"/>
+    <p:sldId id="278" r:id="rId13"/>
     <p:sldId id="274" r:id="rId14"/>
     <p:sldId id="275" r:id="rId15"/>
     <p:sldId id="263" r:id="rId16"/>
@@ -838,6 +838,13 @@
   <p:clrMapOvr>
     <a:masterClrMapping/>
   </p:clrMapOvr>
+  <p:timing>
+    <p:tnLst>
+      <p:par>
+        <p:cTn id="1" dur="indefinite" restart="never" nodeType="tmRoot"/>
+      </p:par>
+    </p:tnLst>
+  </p:timing>
 </p:sld>
 </file>
 
@@ -1027,6 +1034,13 @@
   <p:clrMapOvr>
     <a:masterClrMapping/>
   </p:clrMapOvr>
+  <p:timing>
+    <p:tnLst>
+      <p:par>
+        <p:cTn id="1" dur="indefinite" restart="never" nodeType="tmRoot"/>
+      </p:par>
+    </p:tnLst>
+  </p:timing>
 </p:sld>
 </file>
 
@@ -1504,6 +1518,13 @@
   <p:clrMapOvr>
     <a:masterClrMapping/>
   </p:clrMapOvr>
+  <p:timing>
+    <p:tnLst>
+      <p:par>
+        <p:cTn id="1" dur="indefinite" restart="never" nodeType="tmRoot"/>
+      </p:par>
+    </p:tnLst>
+  </p:timing>
 </p:sld>
 </file>
 
@@ -1519,14 +1540,14 @@
       <p:grpSpPr>
         <a:xfrm>
           <a:off x="914400" y="1028700"/>
-          <a:ext cx="8229600" cy="2038350"/>
+          <a:ext cx="8229600" cy="3629025"/>
           <a:chOff x="914400" y="1028700"/>
-          <a:chExt cx="8229600" cy="2038350"/>
+          <a:chExt cx="8229600" cy="3629025"/>
         </a:xfrm>
       </p:grpSpPr>
       <p:sp>
         <p:nvSpPr>
-          <p:cNvPr id="2" name="TextBox 1"/>
+          <p:cNvPr id="4" name="TextBox 3"/>
           <p:cNvSpPr txBox="1"/>
           <p:nvPr/>
         </p:nvSpPr>
@@ -1592,7 +1613,7 @@
       </p:sp>
       <p:sp>
         <p:nvSpPr>
-          <p:cNvPr id="4" name="TextBox 3"/>
+          <p:cNvPr id="5" name="TextBox 4"/>
           <p:cNvSpPr txBox="1"/>
           <p:nvPr/>
         </p:nvSpPr>
@@ -1616,70 +1637,3988 @@
           </a:p>
         </p:txBody>
       </p:sp>
-      <p:pic>
-        <p:nvPicPr>
-          <p:cNvPr id="7" name="Рисунок 6"/>
-          <p:cNvPicPr>
-            <a:picLocks noChangeAspect="1"/>
-          </p:cNvPicPr>
+      <p:sp>
+        <p:nvSpPr>
+          <p:cNvPr id="6" name="TextBox 5"/>
+          <p:cNvSpPr txBox="1"/>
           <p:nvPr/>
-        </p:nvPicPr>
-        <p:blipFill>
-          <a:blip r:embed="rId2">
-            <a:extLst>
-              <a:ext uri="{28A0092B-C50C-407E-A947-70E740481C1C}">
-                <a14:useLocalDpi xmlns:a14="http://schemas.microsoft.com/office/drawing/2010/main" val="0"/>
-              </a:ext>
-            </a:extLst>
-          </a:blip>
-          <a:stretch>
-            <a:fillRect/>
-          </a:stretch>
-        </p:blipFill>
+        </p:nvSpPr>
         <p:spPr>
           <a:xfrm>
-            <a:off x="179512" y="1226018"/>
-            <a:ext cx="4155199" cy="3342905"/>
+            <a:off x="395536" y="1050072"/>
+            <a:ext cx="3801041" cy="3924151"/>
           </a:xfrm>
           <a:prstGeom prst="rect">
             <a:avLst/>
           </a:prstGeom>
+          <a:noFill/>
         </p:spPr>
-      </p:pic>
-      <p:pic>
-        <p:nvPicPr>
-          <p:cNvPr id="9" name="Рисунок 8"/>
-          <p:cNvPicPr>
-            <a:picLocks noChangeAspect="1"/>
-          </p:cNvPicPr>
+        <p:txBody>
+          <a:bodyPr wrap="none" rtlCol="0">
+            <a:spAutoFit/>
+          </a:bodyPr>
+          <a:lstStyle/>
+          <a:p>
+            <a:r>
+              <a:rPr lang="en-US" sz="1100" dirty="0" smtClean="0">
+                <a:solidFill>
+                  <a:srgbClr val="569CD6"/>
+                </a:solidFill>
+                <a:latin typeface="Consolas" panose="020B0609020204030204" pitchFamily="49" charset="0"/>
+              </a:rPr>
+              <a:t>void</a:t>
+            </a:r>
+            <a:r>
+              <a:rPr lang="en-US" sz="1100" dirty="0" smtClean="0">
+                <a:solidFill>
+                  <a:srgbClr val="CCCCCC"/>
+                </a:solidFill>
+                <a:latin typeface="Consolas" panose="020B0609020204030204" pitchFamily="49" charset="0"/>
+              </a:rPr>
+              <a:t> </a:t>
+            </a:r>
+            <a:r>
+              <a:rPr lang="en-US" sz="1100" dirty="0" err="1">
+                <a:solidFill>
+                  <a:srgbClr val="DCDCAA"/>
+                </a:solidFill>
+                <a:latin typeface="Consolas" panose="020B0609020204030204" pitchFamily="49" charset="0"/>
+              </a:rPr>
+              <a:t>Dijkstra</a:t>
+            </a:r>
+            <a:r>
+              <a:rPr lang="en-US" sz="1100" dirty="0">
+                <a:solidFill>
+                  <a:srgbClr val="CCCCCC"/>
+                </a:solidFill>
+                <a:latin typeface="Consolas" panose="020B0609020204030204" pitchFamily="49" charset="0"/>
+              </a:rPr>
+              <a:t>(</a:t>
+            </a:r>
+            <a:r>
+              <a:rPr lang="en-US" sz="1100" dirty="0" err="1">
+                <a:solidFill>
+                  <a:srgbClr val="569CD6"/>
+                </a:solidFill>
+                <a:latin typeface="Consolas" panose="020B0609020204030204" pitchFamily="49" charset="0"/>
+              </a:rPr>
+              <a:t>int</a:t>
+            </a:r>
+            <a:r>
+              <a:rPr lang="en-US" sz="1100" dirty="0">
+                <a:solidFill>
+                  <a:srgbClr val="CCCCCC"/>
+                </a:solidFill>
+                <a:latin typeface="Consolas" panose="020B0609020204030204" pitchFamily="49" charset="0"/>
+              </a:rPr>
+              <a:t> </a:t>
+            </a:r>
+            <a:r>
+              <a:rPr lang="en-US" sz="1100" dirty="0">
+                <a:solidFill>
+                  <a:srgbClr val="9CDCFE"/>
+                </a:solidFill>
+                <a:latin typeface="Consolas" panose="020B0609020204030204" pitchFamily="49" charset="0"/>
+              </a:rPr>
+              <a:t>n</a:t>
+            </a:r>
+            <a:r>
+              <a:rPr lang="en-US" sz="1100" dirty="0">
+                <a:solidFill>
+                  <a:srgbClr val="CCCCCC"/>
+                </a:solidFill>
+                <a:latin typeface="Consolas" panose="020B0609020204030204" pitchFamily="49" charset="0"/>
+              </a:rPr>
+              <a:t>) </a:t>
+            </a:r>
+            <a:endParaRPr lang="en-US" sz="1100" dirty="0" smtClean="0">
+              <a:solidFill>
+                <a:srgbClr val="CCCCCC"/>
+              </a:solidFill>
+              <a:latin typeface="Consolas" panose="020B0609020204030204" pitchFamily="49" charset="0"/>
+            </a:endParaRPr>
+          </a:p>
+          <a:p>
+            <a:r>
+              <a:rPr lang="en-US" sz="1100" dirty="0" smtClean="0">
+                <a:solidFill>
+                  <a:srgbClr val="CCCCCC"/>
+                </a:solidFill>
+                <a:latin typeface="Consolas" panose="020B0609020204030204" pitchFamily="49" charset="0"/>
+              </a:rPr>
+              <a:t>{</a:t>
+            </a:r>
+            <a:endParaRPr lang="en-US" sz="1100" dirty="0">
+              <a:solidFill>
+                <a:srgbClr val="CCCCCC"/>
+              </a:solidFill>
+              <a:latin typeface="Consolas" panose="020B0609020204030204" pitchFamily="49" charset="0"/>
+            </a:endParaRPr>
+          </a:p>
+          <a:p>
+            <a:r>
+              <a:rPr lang="en-US" sz="1100" dirty="0">
+                <a:solidFill>
+                  <a:srgbClr val="CCCCCC"/>
+                </a:solidFill>
+                <a:latin typeface="Consolas" panose="020B0609020204030204" pitchFamily="49" charset="0"/>
+              </a:rPr>
+              <a:t>  </a:t>
+            </a:r>
+            <a:r>
+              <a:rPr lang="en-US" sz="1100" dirty="0" smtClean="0">
+                <a:solidFill>
+                  <a:srgbClr val="9CDCFE"/>
+                </a:solidFill>
+                <a:latin typeface="Consolas" panose="020B0609020204030204" pitchFamily="49" charset="0"/>
+              </a:rPr>
+              <a:t>Result</a:t>
+            </a:r>
+            <a:r>
+              <a:rPr lang="en-US" sz="1100" dirty="0" smtClean="0">
+                <a:solidFill>
+                  <a:srgbClr val="CCCCCC"/>
+                </a:solidFill>
+                <a:latin typeface="Consolas" panose="020B0609020204030204" pitchFamily="49" charset="0"/>
+              </a:rPr>
+              <a:t>[</a:t>
+            </a:r>
+            <a:r>
+              <a:rPr lang="en-US" sz="1100" dirty="0" smtClean="0">
+                <a:solidFill>
+                  <a:srgbClr val="9CDCFE"/>
+                </a:solidFill>
+                <a:latin typeface="Consolas" panose="020B0609020204030204" pitchFamily="49" charset="0"/>
+              </a:rPr>
+              <a:t>n</a:t>
+            </a:r>
+            <a:r>
+              <a:rPr lang="en-US" sz="1100" dirty="0">
+                <a:solidFill>
+                  <a:srgbClr val="CCCCCC"/>
+                </a:solidFill>
+                <a:latin typeface="Consolas" panose="020B0609020204030204" pitchFamily="49" charset="0"/>
+              </a:rPr>
+              <a:t>] </a:t>
+            </a:r>
+            <a:r>
+              <a:rPr lang="en-US" sz="1100" dirty="0">
+                <a:solidFill>
+                  <a:srgbClr val="D4D4D4"/>
+                </a:solidFill>
+                <a:latin typeface="Consolas" panose="020B0609020204030204" pitchFamily="49" charset="0"/>
+              </a:rPr>
+              <a:t>=</a:t>
+            </a:r>
+            <a:r>
+              <a:rPr lang="en-US" sz="1100" dirty="0">
+                <a:solidFill>
+                  <a:srgbClr val="CCCCCC"/>
+                </a:solidFill>
+                <a:latin typeface="Consolas" panose="020B0609020204030204" pitchFamily="49" charset="0"/>
+              </a:rPr>
+              <a:t> </a:t>
+            </a:r>
+            <a:r>
+              <a:rPr lang="en-US" sz="1100" dirty="0" smtClean="0">
+                <a:solidFill>
+                  <a:srgbClr val="B5CEA8"/>
+                </a:solidFill>
+                <a:latin typeface="Consolas" panose="020B0609020204030204" pitchFamily="49" charset="0"/>
+              </a:rPr>
+              <a:t>0</a:t>
+            </a:r>
+            <a:r>
+              <a:rPr lang="en-US" sz="1100" dirty="0" smtClean="0">
+                <a:solidFill>
+                  <a:srgbClr val="CCCCCC"/>
+                </a:solidFill>
+                <a:latin typeface="Consolas" panose="020B0609020204030204" pitchFamily="49" charset="0"/>
+              </a:rPr>
+              <a:t>; </a:t>
+            </a:r>
+            <a:r>
+              <a:rPr lang="en-US" sz="1100" dirty="0" smtClean="0">
+                <a:solidFill>
+                  <a:srgbClr val="DCDCAA"/>
+                </a:solidFill>
+                <a:latin typeface="Consolas" panose="020B0609020204030204" pitchFamily="49" charset="0"/>
+              </a:rPr>
+              <a:t>Add</a:t>
+            </a:r>
+            <a:r>
+              <a:rPr lang="en-US" sz="1100" dirty="0" smtClean="0">
+                <a:solidFill>
+                  <a:srgbClr val="CCCCCC"/>
+                </a:solidFill>
+                <a:latin typeface="Consolas" panose="020B0609020204030204" pitchFamily="49" charset="0"/>
+              </a:rPr>
+              <a:t>(</a:t>
+            </a:r>
+            <a:r>
+              <a:rPr lang="en-US" sz="1100" dirty="0" smtClean="0">
+                <a:solidFill>
+                  <a:srgbClr val="9CDCFE"/>
+                </a:solidFill>
+                <a:latin typeface="Consolas" panose="020B0609020204030204" pitchFamily="49" charset="0"/>
+              </a:rPr>
+              <a:t>n</a:t>
+            </a:r>
+            <a:r>
+              <a:rPr lang="en-US" sz="1100" dirty="0">
+                <a:solidFill>
+                  <a:srgbClr val="CCCCCC"/>
+                </a:solidFill>
+                <a:latin typeface="Consolas" panose="020B0609020204030204" pitchFamily="49" charset="0"/>
+              </a:rPr>
+              <a:t>, </a:t>
+            </a:r>
+            <a:r>
+              <a:rPr lang="en-US" sz="1100" dirty="0">
+                <a:solidFill>
+                  <a:srgbClr val="B5CEA8"/>
+                </a:solidFill>
+                <a:latin typeface="Consolas" panose="020B0609020204030204" pitchFamily="49" charset="0"/>
+              </a:rPr>
+              <a:t>0</a:t>
+            </a:r>
+            <a:r>
+              <a:rPr lang="en-US" sz="1100" dirty="0">
+                <a:solidFill>
+                  <a:srgbClr val="CCCCCC"/>
+                </a:solidFill>
+                <a:latin typeface="Consolas" panose="020B0609020204030204" pitchFamily="49" charset="0"/>
+              </a:rPr>
+              <a:t>);</a:t>
+            </a:r>
+          </a:p>
+          <a:p>
+            <a:r>
+              <a:rPr lang="en-US" sz="1100" dirty="0">
+                <a:solidFill>
+                  <a:srgbClr val="CCCCCC"/>
+                </a:solidFill>
+                <a:latin typeface="Consolas" panose="020B0609020204030204" pitchFamily="49" charset="0"/>
+              </a:rPr>
+              <a:t>  </a:t>
+            </a:r>
+            <a:r>
+              <a:rPr lang="en-US" sz="1100" dirty="0" err="1" smtClean="0">
+                <a:solidFill>
+                  <a:srgbClr val="569CD6"/>
+                </a:solidFill>
+                <a:latin typeface="Consolas" panose="020B0609020204030204" pitchFamily="49" charset="0"/>
+              </a:rPr>
+              <a:t>int</a:t>
+            </a:r>
+            <a:r>
+              <a:rPr lang="en-US" sz="1100" dirty="0" smtClean="0">
+                <a:solidFill>
+                  <a:srgbClr val="CCCCCC"/>
+                </a:solidFill>
+                <a:latin typeface="Consolas" panose="020B0609020204030204" pitchFamily="49" charset="0"/>
+              </a:rPr>
+              <a:t> </a:t>
+            </a:r>
+            <a:r>
+              <a:rPr lang="en-US" sz="1100" dirty="0" err="1">
+                <a:solidFill>
+                  <a:srgbClr val="9CDCFE"/>
+                </a:solidFill>
+                <a:latin typeface="Consolas" panose="020B0609020204030204" pitchFamily="49" charset="0"/>
+              </a:rPr>
+              <a:t>i</a:t>
+            </a:r>
+            <a:r>
+              <a:rPr lang="en-US" sz="1100" dirty="0">
+                <a:solidFill>
+                  <a:srgbClr val="CCCCCC"/>
+                </a:solidFill>
+                <a:latin typeface="Consolas" panose="020B0609020204030204" pitchFamily="49" charset="0"/>
+              </a:rPr>
+              <a:t>; </a:t>
+            </a:r>
+            <a:r>
+              <a:rPr lang="en-US" sz="1100" dirty="0" err="1">
+                <a:solidFill>
+                  <a:srgbClr val="569CD6"/>
+                </a:solidFill>
+                <a:latin typeface="Consolas" panose="020B0609020204030204" pitchFamily="49" charset="0"/>
+              </a:rPr>
+              <a:t>int</a:t>
+            </a:r>
+            <a:r>
+              <a:rPr lang="en-US" sz="1100" dirty="0">
+                <a:solidFill>
+                  <a:srgbClr val="CCCCCC"/>
+                </a:solidFill>
+                <a:latin typeface="Consolas" panose="020B0609020204030204" pitchFamily="49" charset="0"/>
+              </a:rPr>
+              <a:t> </a:t>
+            </a:r>
+            <a:r>
+              <a:rPr lang="en-US" sz="1100" dirty="0">
+                <a:solidFill>
+                  <a:srgbClr val="9CDCFE"/>
+                </a:solidFill>
+                <a:latin typeface="Consolas" panose="020B0609020204030204" pitchFamily="49" charset="0"/>
+              </a:rPr>
+              <a:t>e1</a:t>
+            </a:r>
+            <a:r>
+              <a:rPr lang="en-US" sz="1100" dirty="0">
+                <a:solidFill>
+                  <a:srgbClr val="CCCCCC"/>
+                </a:solidFill>
+                <a:latin typeface="Consolas" panose="020B0609020204030204" pitchFamily="49" charset="0"/>
+              </a:rPr>
+              <a:t>; </a:t>
+            </a:r>
+            <a:r>
+              <a:rPr lang="en-US" sz="1100" dirty="0" err="1">
+                <a:solidFill>
+                  <a:srgbClr val="569CD6"/>
+                </a:solidFill>
+                <a:latin typeface="Consolas" panose="020B0609020204030204" pitchFamily="49" charset="0"/>
+              </a:rPr>
+              <a:t>int</a:t>
+            </a:r>
+            <a:r>
+              <a:rPr lang="en-US" sz="1100" dirty="0">
+                <a:solidFill>
+                  <a:srgbClr val="CCCCCC"/>
+                </a:solidFill>
+                <a:latin typeface="Consolas" panose="020B0609020204030204" pitchFamily="49" charset="0"/>
+              </a:rPr>
+              <a:t> </a:t>
+            </a:r>
+            <a:r>
+              <a:rPr lang="en-US" sz="1100" dirty="0">
+                <a:solidFill>
+                  <a:srgbClr val="9CDCFE"/>
+                </a:solidFill>
+                <a:latin typeface="Consolas" panose="020B0609020204030204" pitchFamily="49" charset="0"/>
+              </a:rPr>
+              <a:t>e2</a:t>
+            </a:r>
+            <a:r>
+              <a:rPr lang="en-US" sz="1100" dirty="0">
+                <a:solidFill>
+                  <a:srgbClr val="CCCCCC"/>
+                </a:solidFill>
+                <a:latin typeface="Consolas" panose="020B0609020204030204" pitchFamily="49" charset="0"/>
+              </a:rPr>
+              <a:t>; </a:t>
+            </a:r>
+            <a:r>
+              <a:rPr lang="en-US" sz="1100" dirty="0" err="1">
+                <a:solidFill>
+                  <a:srgbClr val="569CD6"/>
+                </a:solidFill>
+                <a:latin typeface="Consolas" panose="020B0609020204030204" pitchFamily="49" charset="0"/>
+              </a:rPr>
+              <a:t>int</a:t>
+            </a:r>
+            <a:r>
+              <a:rPr lang="en-US" sz="1100" dirty="0">
+                <a:solidFill>
+                  <a:srgbClr val="CCCCCC"/>
+                </a:solidFill>
+                <a:latin typeface="Consolas" panose="020B0609020204030204" pitchFamily="49" charset="0"/>
+              </a:rPr>
+              <a:t> </a:t>
+            </a:r>
+            <a:r>
+              <a:rPr lang="en-US" sz="1100" dirty="0">
+                <a:solidFill>
+                  <a:srgbClr val="9CDCFE"/>
+                </a:solidFill>
+                <a:latin typeface="Consolas" panose="020B0609020204030204" pitchFamily="49" charset="0"/>
+              </a:rPr>
+              <a:t>eit1</a:t>
+            </a:r>
+            <a:r>
+              <a:rPr lang="en-US" sz="1100" dirty="0">
+                <a:solidFill>
+                  <a:srgbClr val="CCCCCC"/>
+                </a:solidFill>
+                <a:latin typeface="Consolas" panose="020B0609020204030204" pitchFamily="49" charset="0"/>
+              </a:rPr>
+              <a:t>; </a:t>
+            </a:r>
+            <a:r>
+              <a:rPr lang="en-US" sz="1100" dirty="0" err="1">
+                <a:solidFill>
+                  <a:srgbClr val="569CD6"/>
+                </a:solidFill>
+                <a:latin typeface="Consolas" panose="020B0609020204030204" pitchFamily="49" charset="0"/>
+              </a:rPr>
+              <a:t>int</a:t>
+            </a:r>
+            <a:r>
+              <a:rPr lang="en-US" sz="1100" dirty="0">
+                <a:solidFill>
+                  <a:srgbClr val="CCCCCC"/>
+                </a:solidFill>
+                <a:latin typeface="Consolas" panose="020B0609020204030204" pitchFamily="49" charset="0"/>
+              </a:rPr>
+              <a:t> </a:t>
+            </a:r>
+            <a:r>
+              <a:rPr lang="en-US" sz="1100" dirty="0">
+                <a:solidFill>
+                  <a:srgbClr val="9CDCFE"/>
+                </a:solidFill>
+                <a:latin typeface="Consolas" panose="020B0609020204030204" pitchFamily="49" charset="0"/>
+              </a:rPr>
+              <a:t>eit2</a:t>
+            </a:r>
+            <a:r>
+              <a:rPr lang="en-US" sz="1100" dirty="0">
+                <a:solidFill>
+                  <a:srgbClr val="CCCCCC"/>
+                </a:solidFill>
+                <a:latin typeface="Consolas" panose="020B0609020204030204" pitchFamily="49" charset="0"/>
+              </a:rPr>
+              <a:t>;</a:t>
+            </a:r>
+          </a:p>
+          <a:p>
+            <a:r>
+              <a:rPr lang="en-US" sz="1100" dirty="0">
+                <a:solidFill>
+                  <a:srgbClr val="CCCCCC"/>
+                </a:solidFill>
+                <a:latin typeface="Consolas" panose="020B0609020204030204" pitchFamily="49" charset="0"/>
+              </a:rPr>
+              <a:t>  </a:t>
+            </a:r>
+            <a:r>
+              <a:rPr lang="en-US" sz="1100" dirty="0" smtClean="0">
+                <a:solidFill>
+                  <a:srgbClr val="C586C0"/>
+                </a:solidFill>
+                <a:latin typeface="Consolas" panose="020B0609020204030204" pitchFamily="49" charset="0"/>
+              </a:rPr>
+              <a:t>while</a:t>
+            </a:r>
+            <a:r>
+              <a:rPr lang="en-US" sz="1100" dirty="0" smtClean="0">
+                <a:solidFill>
+                  <a:srgbClr val="CCCCCC"/>
+                </a:solidFill>
+                <a:latin typeface="Consolas" panose="020B0609020204030204" pitchFamily="49" charset="0"/>
+              </a:rPr>
+              <a:t> </a:t>
+            </a:r>
+            <a:r>
+              <a:rPr lang="en-US" sz="1100" dirty="0">
+                <a:solidFill>
+                  <a:srgbClr val="CCCCCC"/>
+                </a:solidFill>
+                <a:latin typeface="Consolas" panose="020B0609020204030204" pitchFamily="49" charset="0"/>
+              </a:rPr>
+              <a:t>(</a:t>
+            </a:r>
+            <a:r>
+              <a:rPr lang="en-US" sz="1100" dirty="0" err="1">
+                <a:solidFill>
+                  <a:srgbClr val="DCDCAA"/>
+                </a:solidFill>
+                <a:latin typeface="Consolas" panose="020B0609020204030204" pitchFamily="49" charset="0"/>
+              </a:rPr>
+              <a:t>IsEmpty</a:t>
+            </a:r>
+            <a:r>
+              <a:rPr lang="en-US" sz="1100" dirty="0">
+                <a:solidFill>
+                  <a:srgbClr val="CCCCCC"/>
+                </a:solidFill>
+                <a:latin typeface="Consolas" panose="020B0609020204030204" pitchFamily="49" charset="0"/>
+              </a:rPr>
+              <a:t>() </a:t>
+            </a:r>
+            <a:r>
+              <a:rPr lang="en-US" sz="1100" dirty="0">
+                <a:solidFill>
+                  <a:srgbClr val="D4D4D4"/>
+                </a:solidFill>
+                <a:latin typeface="Consolas" panose="020B0609020204030204" pitchFamily="49" charset="0"/>
+              </a:rPr>
+              <a:t>==</a:t>
+            </a:r>
+            <a:r>
+              <a:rPr lang="en-US" sz="1100" dirty="0">
+                <a:solidFill>
+                  <a:srgbClr val="CCCCCC"/>
+                </a:solidFill>
+                <a:latin typeface="Consolas" panose="020B0609020204030204" pitchFamily="49" charset="0"/>
+              </a:rPr>
+              <a:t> </a:t>
+            </a:r>
+            <a:r>
+              <a:rPr lang="en-US" sz="1100" dirty="0">
+                <a:solidFill>
+                  <a:srgbClr val="B5CEA8"/>
+                </a:solidFill>
+                <a:latin typeface="Consolas" panose="020B0609020204030204" pitchFamily="49" charset="0"/>
+              </a:rPr>
+              <a:t>0</a:t>
+            </a:r>
+            <a:r>
+              <a:rPr lang="en-US" sz="1100" dirty="0">
+                <a:solidFill>
+                  <a:srgbClr val="CCCCCC"/>
+                </a:solidFill>
+                <a:latin typeface="Consolas" panose="020B0609020204030204" pitchFamily="49" charset="0"/>
+              </a:rPr>
+              <a:t>) {</a:t>
+            </a:r>
+          </a:p>
+          <a:p>
+            <a:r>
+              <a:rPr lang="en-US" sz="1100" dirty="0">
+                <a:solidFill>
+                  <a:srgbClr val="CCCCCC"/>
+                </a:solidFill>
+                <a:latin typeface="Consolas" panose="020B0609020204030204" pitchFamily="49" charset="0"/>
+              </a:rPr>
+              <a:t>    </a:t>
+            </a:r>
+            <a:r>
+              <a:rPr lang="en-US" sz="1100" dirty="0" err="1" smtClean="0">
+                <a:solidFill>
+                  <a:srgbClr val="DCDCAA"/>
+                </a:solidFill>
+                <a:latin typeface="Consolas" panose="020B0609020204030204" pitchFamily="49" charset="0"/>
+              </a:rPr>
+              <a:t>ExtractMin</a:t>
+            </a:r>
+            <a:r>
+              <a:rPr lang="en-US" sz="1100" dirty="0">
+                <a:solidFill>
+                  <a:srgbClr val="CCCCCC"/>
+                </a:solidFill>
+                <a:latin typeface="Consolas" panose="020B0609020204030204" pitchFamily="49" charset="0"/>
+              </a:rPr>
+              <a:t>();</a:t>
+            </a:r>
+          </a:p>
+          <a:p>
+            <a:r>
+              <a:rPr lang="en-US" sz="1100" dirty="0">
+                <a:solidFill>
+                  <a:srgbClr val="CCCCCC"/>
+                </a:solidFill>
+                <a:latin typeface="Consolas" panose="020B0609020204030204" pitchFamily="49" charset="0"/>
+              </a:rPr>
+              <a:t>    </a:t>
+            </a:r>
+            <a:r>
+              <a:rPr lang="en-US" sz="1100" dirty="0" smtClean="0">
+                <a:solidFill>
+                  <a:srgbClr val="9CDCFE"/>
+                </a:solidFill>
+                <a:latin typeface="Consolas" panose="020B0609020204030204" pitchFamily="49" charset="0"/>
+              </a:rPr>
+              <a:t>e1</a:t>
+            </a:r>
+            <a:r>
+              <a:rPr lang="en-US" sz="1100" dirty="0" smtClean="0">
+                <a:solidFill>
+                  <a:srgbClr val="CCCCCC"/>
+                </a:solidFill>
+                <a:latin typeface="Consolas" panose="020B0609020204030204" pitchFamily="49" charset="0"/>
+              </a:rPr>
+              <a:t> </a:t>
+            </a:r>
+            <a:r>
+              <a:rPr lang="en-US" sz="1100" dirty="0">
+                <a:solidFill>
+                  <a:srgbClr val="D4D4D4"/>
+                </a:solidFill>
+                <a:latin typeface="Consolas" panose="020B0609020204030204" pitchFamily="49" charset="0"/>
+              </a:rPr>
+              <a:t>=</a:t>
+            </a:r>
+            <a:r>
+              <a:rPr lang="en-US" sz="1100" dirty="0">
+                <a:solidFill>
+                  <a:srgbClr val="CCCCCC"/>
+                </a:solidFill>
+                <a:latin typeface="Consolas" panose="020B0609020204030204" pitchFamily="49" charset="0"/>
+              </a:rPr>
+              <a:t> </a:t>
+            </a:r>
+            <a:r>
+              <a:rPr lang="en-US" sz="1100" dirty="0" smtClean="0">
+                <a:solidFill>
+                  <a:srgbClr val="9CDCFE"/>
+                </a:solidFill>
+                <a:latin typeface="Consolas" panose="020B0609020204030204" pitchFamily="49" charset="0"/>
+              </a:rPr>
+              <a:t>tmpe1</a:t>
+            </a:r>
+            <a:r>
+              <a:rPr lang="en-US" sz="1100" dirty="0" smtClean="0">
+                <a:solidFill>
+                  <a:srgbClr val="CCCCCC"/>
+                </a:solidFill>
+                <a:latin typeface="Consolas" panose="020B0609020204030204" pitchFamily="49" charset="0"/>
+              </a:rPr>
+              <a:t>; </a:t>
+            </a:r>
+            <a:r>
+              <a:rPr lang="en-US" sz="1100" dirty="0" smtClean="0">
+                <a:solidFill>
+                  <a:srgbClr val="9CDCFE"/>
+                </a:solidFill>
+                <a:latin typeface="Consolas" panose="020B0609020204030204" pitchFamily="49" charset="0"/>
+              </a:rPr>
+              <a:t>e2</a:t>
+            </a:r>
+            <a:r>
+              <a:rPr lang="en-US" sz="1100" dirty="0" smtClean="0">
+                <a:solidFill>
+                  <a:srgbClr val="CCCCCC"/>
+                </a:solidFill>
+                <a:latin typeface="Consolas" panose="020B0609020204030204" pitchFamily="49" charset="0"/>
+              </a:rPr>
+              <a:t> </a:t>
+            </a:r>
+            <a:r>
+              <a:rPr lang="en-US" sz="1100" dirty="0">
+                <a:solidFill>
+                  <a:srgbClr val="D4D4D4"/>
+                </a:solidFill>
+                <a:latin typeface="Consolas" panose="020B0609020204030204" pitchFamily="49" charset="0"/>
+              </a:rPr>
+              <a:t>=</a:t>
+            </a:r>
+            <a:r>
+              <a:rPr lang="en-US" sz="1100" dirty="0">
+                <a:solidFill>
+                  <a:srgbClr val="CCCCCC"/>
+                </a:solidFill>
+                <a:latin typeface="Consolas" panose="020B0609020204030204" pitchFamily="49" charset="0"/>
+              </a:rPr>
+              <a:t> </a:t>
+            </a:r>
+            <a:r>
+              <a:rPr lang="en-US" sz="1100" dirty="0">
+                <a:solidFill>
+                  <a:srgbClr val="9CDCFE"/>
+                </a:solidFill>
+                <a:latin typeface="Consolas" panose="020B0609020204030204" pitchFamily="49" charset="0"/>
+              </a:rPr>
+              <a:t>tmpe2</a:t>
+            </a:r>
+            <a:r>
+              <a:rPr lang="en-US" sz="1100" dirty="0">
+                <a:solidFill>
+                  <a:srgbClr val="CCCCCC"/>
+                </a:solidFill>
+                <a:latin typeface="Consolas" panose="020B0609020204030204" pitchFamily="49" charset="0"/>
+              </a:rPr>
+              <a:t>;</a:t>
+            </a:r>
+          </a:p>
+          <a:p>
+            <a:r>
+              <a:rPr lang="en-US" sz="1100" dirty="0">
+                <a:solidFill>
+                  <a:srgbClr val="CCCCCC"/>
+                </a:solidFill>
+                <a:latin typeface="Consolas" panose="020B0609020204030204" pitchFamily="49" charset="0"/>
+              </a:rPr>
+              <a:t>    </a:t>
+            </a:r>
+            <a:r>
+              <a:rPr lang="en-US" sz="1100" dirty="0" smtClean="0">
+                <a:solidFill>
+                  <a:srgbClr val="C586C0"/>
+                </a:solidFill>
+                <a:latin typeface="Consolas" panose="020B0609020204030204" pitchFamily="49" charset="0"/>
+              </a:rPr>
+              <a:t>if</a:t>
+            </a:r>
+            <a:r>
+              <a:rPr lang="en-US" sz="1100" dirty="0" smtClean="0">
+                <a:solidFill>
+                  <a:srgbClr val="CCCCCC"/>
+                </a:solidFill>
+                <a:latin typeface="Consolas" panose="020B0609020204030204" pitchFamily="49" charset="0"/>
+              </a:rPr>
+              <a:t> </a:t>
+            </a:r>
+            <a:r>
+              <a:rPr lang="en-US" sz="1100" dirty="0">
+                <a:solidFill>
+                  <a:srgbClr val="CCCCCC"/>
+                </a:solidFill>
+                <a:latin typeface="Consolas" panose="020B0609020204030204" pitchFamily="49" charset="0"/>
+              </a:rPr>
+              <a:t>(</a:t>
+            </a:r>
+            <a:r>
+              <a:rPr lang="en-US" sz="1100" dirty="0">
+                <a:solidFill>
+                  <a:srgbClr val="9CDCFE"/>
+                </a:solidFill>
+                <a:latin typeface="Consolas" panose="020B0609020204030204" pitchFamily="49" charset="0"/>
+              </a:rPr>
+              <a:t>e2</a:t>
+            </a:r>
+            <a:r>
+              <a:rPr lang="en-US" sz="1100" dirty="0">
+                <a:solidFill>
+                  <a:srgbClr val="CCCCCC"/>
+                </a:solidFill>
+                <a:latin typeface="Consolas" panose="020B0609020204030204" pitchFamily="49" charset="0"/>
+              </a:rPr>
+              <a:t> </a:t>
+            </a:r>
+            <a:r>
+              <a:rPr lang="en-US" sz="1100" dirty="0">
+                <a:solidFill>
+                  <a:srgbClr val="D4D4D4"/>
+                </a:solidFill>
+                <a:latin typeface="Consolas" panose="020B0609020204030204" pitchFamily="49" charset="0"/>
+              </a:rPr>
+              <a:t>==</a:t>
+            </a:r>
+            <a:r>
+              <a:rPr lang="en-US" sz="1100" dirty="0">
+                <a:solidFill>
+                  <a:srgbClr val="CCCCCC"/>
+                </a:solidFill>
+                <a:latin typeface="Consolas" panose="020B0609020204030204" pitchFamily="49" charset="0"/>
+              </a:rPr>
+              <a:t> </a:t>
+            </a:r>
+            <a:r>
+              <a:rPr lang="en-US" sz="1100" dirty="0">
+                <a:solidFill>
+                  <a:srgbClr val="9CDCFE"/>
+                </a:solidFill>
+                <a:latin typeface="Consolas" panose="020B0609020204030204" pitchFamily="49" charset="0"/>
+              </a:rPr>
+              <a:t>Result</a:t>
+            </a:r>
+            <a:r>
+              <a:rPr lang="en-US" sz="1100" dirty="0">
+                <a:solidFill>
+                  <a:srgbClr val="CCCCCC"/>
+                </a:solidFill>
+                <a:latin typeface="Consolas" panose="020B0609020204030204" pitchFamily="49" charset="0"/>
+              </a:rPr>
+              <a:t>[</a:t>
+            </a:r>
+            <a:r>
+              <a:rPr lang="en-US" sz="1100" dirty="0">
+                <a:solidFill>
+                  <a:srgbClr val="9CDCFE"/>
+                </a:solidFill>
+                <a:latin typeface="Consolas" panose="020B0609020204030204" pitchFamily="49" charset="0"/>
+              </a:rPr>
+              <a:t>e1</a:t>
+            </a:r>
+            <a:r>
+              <a:rPr lang="en-US" sz="1100" dirty="0">
+                <a:solidFill>
+                  <a:srgbClr val="CCCCCC"/>
+                </a:solidFill>
+                <a:latin typeface="Consolas" panose="020B0609020204030204" pitchFamily="49" charset="0"/>
+              </a:rPr>
+              <a:t>]) {</a:t>
+            </a:r>
+          </a:p>
+          <a:p>
+            <a:r>
+              <a:rPr lang="en-US" sz="1100" dirty="0">
+                <a:solidFill>
+                  <a:srgbClr val="CCCCCC"/>
+                </a:solidFill>
+                <a:latin typeface="Consolas" panose="020B0609020204030204" pitchFamily="49" charset="0"/>
+              </a:rPr>
+              <a:t>      </a:t>
+            </a:r>
+            <a:r>
+              <a:rPr lang="en-US" sz="1100" dirty="0" smtClean="0">
+                <a:solidFill>
+                  <a:srgbClr val="C586C0"/>
+                </a:solidFill>
+                <a:latin typeface="Consolas" panose="020B0609020204030204" pitchFamily="49" charset="0"/>
+              </a:rPr>
+              <a:t>for</a:t>
+            </a:r>
+            <a:r>
+              <a:rPr lang="en-US" sz="1100" dirty="0" smtClean="0">
+                <a:solidFill>
+                  <a:srgbClr val="CCCCCC"/>
+                </a:solidFill>
+                <a:latin typeface="Consolas" panose="020B0609020204030204" pitchFamily="49" charset="0"/>
+              </a:rPr>
+              <a:t> </a:t>
+            </a:r>
+            <a:r>
+              <a:rPr lang="en-US" sz="1100" dirty="0">
+                <a:solidFill>
+                  <a:srgbClr val="CCCCCC"/>
+                </a:solidFill>
+                <a:latin typeface="Consolas" panose="020B0609020204030204" pitchFamily="49" charset="0"/>
+              </a:rPr>
+              <a:t>(</a:t>
+            </a:r>
+            <a:r>
+              <a:rPr lang="en-US" sz="1100" dirty="0" err="1">
+                <a:solidFill>
+                  <a:srgbClr val="9CDCFE"/>
+                </a:solidFill>
+                <a:latin typeface="Consolas" panose="020B0609020204030204" pitchFamily="49" charset="0"/>
+              </a:rPr>
+              <a:t>i</a:t>
+            </a:r>
+            <a:r>
+              <a:rPr lang="en-US" sz="1100" dirty="0">
+                <a:solidFill>
+                  <a:srgbClr val="CCCCCC"/>
+                </a:solidFill>
+                <a:latin typeface="Consolas" panose="020B0609020204030204" pitchFamily="49" charset="0"/>
+              </a:rPr>
+              <a:t> </a:t>
+            </a:r>
+            <a:r>
+              <a:rPr lang="en-US" sz="1100" dirty="0">
+                <a:solidFill>
+                  <a:srgbClr val="D4D4D4"/>
+                </a:solidFill>
+                <a:latin typeface="Consolas" panose="020B0609020204030204" pitchFamily="49" charset="0"/>
+              </a:rPr>
+              <a:t>=</a:t>
+            </a:r>
+            <a:r>
+              <a:rPr lang="en-US" sz="1100" dirty="0">
+                <a:solidFill>
+                  <a:srgbClr val="CCCCCC"/>
+                </a:solidFill>
+                <a:latin typeface="Consolas" panose="020B0609020204030204" pitchFamily="49" charset="0"/>
+              </a:rPr>
+              <a:t> </a:t>
+            </a:r>
+            <a:r>
+              <a:rPr lang="en-US" sz="1100" dirty="0">
+                <a:solidFill>
+                  <a:srgbClr val="B5CEA8"/>
+                </a:solidFill>
+                <a:latin typeface="Consolas" panose="020B0609020204030204" pitchFamily="49" charset="0"/>
+              </a:rPr>
+              <a:t>0</a:t>
+            </a:r>
+            <a:r>
+              <a:rPr lang="en-US" sz="1100" dirty="0">
+                <a:solidFill>
+                  <a:srgbClr val="CCCCCC"/>
+                </a:solidFill>
+                <a:latin typeface="Consolas" panose="020B0609020204030204" pitchFamily="49" charset="0"/>
+              </a:rPr>
+              <a:t>; </a:t>
+            </a:r>
+            <a:r>
+              <a:rPr lang="en-US" sz="1100" dirty="0" err="1">
+                <a:solidFill>
+                  <a:srgbClr val="9CDCFE"/>
+                </a:solidFill>
+                <a:latin typeface="Consolas" panose="020B0609020204030204" pitchFamily="49" charset="0"/>
+              </a:rPr>
+              <a:t>i</a:t>
+            </a:r>
+            <a:r>
+              <a:rPr lang="en-US" sz="1100" dirty="0">
+                <a:solidFill>
+                  <a:srgbClr val="CCCCCC"/>
+                </a:solidFill>
+                <a:latin typeface="Consolas" panose="020B0609020204030204" pitchFamily="49" charset="0"/>
+              </a:rPr>
+              <a:t> </a:t>
+            </a:r>
+            <a:r>
+              <a:rPr lang="en-US" sz="1100" dirty="0">
+                <a:solidFill>
+                  <a:srgbClr val="D4D4D4"/>
+                </a:solidFill>
+                <a:latin typeface="Consolas" panose="020B0609020204030204" pitchFamily="49" charset="0"/>
+              </a:rPr>
+              <a:t>&lt;</a:t>
+            </a:r>
+            <a:r>
+              <a:rPr lang="en-US" sz="1100" dirty="0">
+                <a:solidFill>
+                  <a:srgbClr val="CCCCCC"/>
+                </a:solidFill>
+                <a:latin typeface="Consolas" panose="020B0609020204030204" pitchFamily="49" charset="0"/>
+              </a:rPr>
+              <a:t> </a:t>
+            </a:r>
+            <a:r>
+              <a:rPr lang="en-US" sz="1100" dirty="0">
+                <a:solidFill>
+                  <a:srgbClr val="9CDCFE"/>
+                </a:solidFill>
+                <a:latin typeface="Consolas" panose="020B0609020204030204" pitchFamily="49" charset="0"/>
+              </a:rPr>
+              <a:t>Adjacency</a:t>
+            </a:r>
+            <a:r>
+              <a:rPr lang="en-US" sz="1100" dirty="0">
+                <a:solidFill>
+                  <a:srgbClr val="CCCCCC"/>
+                </a:solidFill>
+                <a:latin typeface="Consolas" panose="020B0609020204030204" pitchFamily="49" charset="0"/>
+              </a:rPr>
+              <a:t>[</a:t>
+            </a:r>
+            <a:r>
+              <a:rPr lang="en-US" sz="1100" dirty="0">
+                <a:solidFill>
+                  <a:srgbClr val="9CDCFE"/>
+                </a:solidFill>
+                <a:latin typeface="Consolas" panose="020B0609020204030204" pitchFamily="49" charset="0"/>
+              </a:rPr>
+              <a:t>e1</a:t>
+            </a:r>
+            <a:r>
+              <a:rPr lang="en-US" sz="1100" dirty="0">
+                <a:solidFill>
+                  <a:srgbClr val="CCCCCC"/>
+                </a:solidFill>
+                <a:latin typeface="Consolas" panose="020B0609020204030204" pitchFamily="49" charset="0"/>
+              </a:rPr>
+              <a:t>]; </a:t>
+            </a:r>
+            <a:r>
+              <a:rPr lang="en-US" sz="1100" dirty="0" err="1">
+                <a:solidFill>
+                  <a:srgbClr val="9CDCFE"/>
+                </a:solidFill>
+                <a:latin typeface="Consolas" panose="020B0609020204030204" pitchFamily="49" charset="0"/>
+              </a:rPr>
+              <a:t>i</a:t>
+            </a:r>
+            <a:r>
+              <a:rPr lang="en-US" sz="1100" dirty="0">
+                <a:solidFill>
+                  <a:srgbClr val="CCCCCC"/>
+                </a:solidFill>
+                <a:latin typeface="Consolas" panose="020B0609020204030204" pitchFamily="49" charset="0"/>
+              </a:rPr>
+              <a:t> </a:t>
+            </a:r>
+            <a:r>
+              <a:rPr lang="en-US" sz="1100" dirty="0">
+                <a:solidFill>
+                  <a:srgbClr val="D4D4D4"/>
+                </a:solidFill>
+                <a:latin typeface="Consolas" panose="020B0609020204030204" pitchFamily="49" charset="0"/>
+              </a:rPr>
+              <a:t>+=</a:t>
+            </a:r>
+            <a:r>
+              <a:rPr lang="en-US" sz="1100" dirty="0">
+                <a:solidFill>
+                  <a:srgbClr val="CCCCCC"/>
+                </a:solidFill>
+                <a:latin typeface="Consolas" panose="020B0609020204030204" pitchFamily="49" charset="0"/>
+              </a:rPr>
+              <a:t> </a:t>
+            </a:r>
+            <a:r>
+              <a:rPr lang="en-US" sz="1100" dirty="0">
+                <a:solidFill>
+                  <a:srgbClr val="B5CEA8"/>
+                </a:solidFill>
+                <a:latin typeface="Consolas" panose="020B0609020204030204" pitchFamily="49" charset="0"/>
+              </a:rPr>
+              <a:t>1</a:t>
+            </a:r>
+            <a:r>
+              <a:rPr lang="en-US" sz="1100" dirty="0">
+                <a:solidFill>
+                  <a:srgbClr val="CCCCCC"/>
+                </a:solidFill>
+                <a:latin typeface="Consolas" panose="020B0609020204030204" pitchFamily="49" charset="0"/>
+              </a:rPr>
+              <a:t>) {</a:t>
+            </a:r>
+          </a:p>
+          <a:p>
+            <a:r>
+              <a:rPr lang="en-US" sz="1100" dirty="0">
+                <a:solidFill>
+                  <a:srgbClr val="CCCCCC"/>
+                </a:solidFill>
+                <a:latin typeface="Consolas" panose="020B0609020204030204" pitchFamily="49" charset="0"/>
+              </a:rPr>
+              <a:t>        </a:t>
+            </a:r>
+            <a:r>
+              <a:rPr lang="en-US" sz="1100" dirty="0" smtClean="0">
+                <a:solidFill>
+                  <a:srgbClr val="9CDCFE"/>
+                </a:solidFill>
+                <a:latin typeface="Consolas" panose="020B0609020204030204" pitchFamily="49" charset="0"/>
+              </a:rPr>
+              <a:t>eit1</a:t>
+            </a:r>
+            <a:r>
+              <a:rPr lang="en-US" sz="1100" dirty="0" smtClean="0">
+                <a:solidFill>
+                  <a:srgbClr val="CCCCCC"/>
+                </a:solidFill>
+                <a:latin typeface="Consolas" panose="020B0609020204030204" pitchFamily="49" charset="0"/>
+              </a:rPr>
+              <a:t> </a:t>
+            </a:r>
+            <a:r>
+              <a:rPr lang="en-US" sz="1100" dirty="0">
+                <a:solidFill>
+                  <a:srgbClr val="D4D4D4"/>
+                </a:solidFill>
+                <a:latin typeface="Consolas" panose="020B0609020204030204" pitchFamily="49" charset="0"/>
+              </a:rPr>
+              <a:t>=</a:t>
+            </a:r>
+            <a:r>
+              <a:rPr lang="en-US" sz="1100" dirty="0">
+                <a:solidFill>
+                  <a:srgbClr val="CCCCCC"/>
+                </a:solidFill>
+                <a:latin typeface="Consolas" panose="020B0609020204030204" pitchFamily="49" charset="0"/>
+              </a:rPr>
+              <a:t> </a:t>
+            </a:r>
+            <a:r>
+              <a:rPr lang="en-US" sz="1100" dirty="0">
+                <a:solidFill>
+                  <a:srgbClr val="9CDCFE"/>
+                </a:solidFill>
+                <a:latin typeface="Consolas" panose="020B0609020204030204" pitchFamily="49" charset="0"/>
+              </a:rPr>
+              <a:t>Graph</a:t>
+            </a:r>
+            <a:r>
+              <a:rPr lang="en-US" sz="1100" dirty="0">
+                <a:solidFill>
+                  <a:srgbClr val="CCCCCC"/>
+                </a:solidFill>
+                <a:latin typeface="Consolas" panose="020B0609020204030204" pitchFamily="49" charset="0"/>
+              </a:rPr>
+              <a:t>[</a:t>
+            </a:r>
+            <a:r>
+              <a:rPr lang="en-US" sz="1100" dirty="0">
+                <a:solidFill>
+                  <a:srgbClr val="9CDCFE"/>
+                </a:solidFill>
+                <a:latin typeface="Consolas" panose="020B0609020204030204" pitchFamily="49" charset="0"/>
+              </a:rPr>
+              <a:t>e1</a:t>
+            </a:r>
+            <a:r>
+              <a:rPr lang="en-US" sz="1100" dirty="0">
+                <a:solidFill>
+                  <a:srgbClr val="CCCCCC"/>
+                </a:solidFill>
+                <a:latin typeface="Consolas" panose="020B0609020204030204" pitchFamily="49" charset="0"/>
+              </a:rPr>
+              <a:t>][</a:t>
+            </a:r>
+            <a:r>
+              <a:rPr lang="en-US" sz="1100" dirty="0" err="1">
+                <a:solidFill>
+                  <a:srgbClr val="9CDCFE"/>
+                </a:solidFill>
+                <a:latin typeface="Consolas" panose="020B0609020204030204" pitchFamily="49" charset="0"/>
+              </a:rPr>
+              <a:t>i</a:t>
+            </a:r>
+            <a:r>
+              <a:rPr lang="en-US" sz="1100" dirty="0">
+                <a:solidFill>
+                  <a:srgbClr val="CCCCCC"/>
+                </a:solidFill>
+                <a:latin typeface="Consolas" panose="020B0609020204030204" pitchFamily="49" charset="0"/>
+              </a:rPr>
+              <a:t>][</a:t>
+            </a:r>
+            <a:r>
+              <a:rPr lang="en-US" sz="1100" dirty="0">
+                <a:solidFill>
+                  <a:srgbClr val="B5CEA8"/>
+                </a:solidFill>
+                <a:latin typeface="Consolas" panose="020B0609020204030204" pitchFamily="49" charset="0"/>
+              </a:rPr>
+              <a:t>0</a:t>
+            </a:r>
+            <a:r>
+              <a:rPr lang="en-US" sz="1100" dirty="0" smtClean="0">
+                <a:solidFill>
+                  <a:srgbClr val="CCCCCC"/>
+                </a:solidFill>
+                <a:latin typeface="Consolas" panose="020B0609020204030204" pitchFamily="49" charset="0"/>
+              </a:rPr>
+              <a:t>];</a:t>
+            </a:r>
+          </a:p>
+          <a:p>
+            <a:r>
+              <a:rPr lang="en-US" sz="1100" dirty="0" smtClean="0">
+                <a:solidFill>
+                  <a:srgbClr val="CCCCCC"/>
+                </a:solidFill>
+                <a:latin typeface="Consolas" panose="020B0609020204030204" pitchFamily="49" charset="0"/>
+              </a:rPr>
+              <a:t>        </a:t>
+            </a:r>
+            <a:r>
+              <a:rPr lang="en-US" sz="1100" dirty="0" smtClean="0">
+                <a:solidFill>
+                  <a:srgbClr val="9CDCFE"/>
+                </a:solidFill>
+                <a:latin typeface="Consolas" panose="020B0609020204030204" pitchFamily="49" charset="0"/>
+              </a:rPr>
+              <a:t>eit2</a:t>
+            </a:r>
+            <a:r>
+              <a:rPr lang="en-US" sz="1100" dirty="0" smtClean="0">
+                <a:solidFill>
+                  <a:srgbClr val="CCCCCC"/>
+                </a:solidFill>
+                <a:latin typeface="Consolas" panose="020B0609020204030204" pitchFamily="49" charset="0"/>
+              </a:rPr>
+              <a:t> </a:t>
+            </a:r>
+            <a:r>
+              <a:rPr lang="en-US" sz="1100" dirty="0" smtClean="0">
+                <a:solidFill>
+                  <a:srgbClr val="D4D4D4"/>
+                </a:solidFill>
+                <a:latin typeface="Consolas" panose="020B0609020204030204" pitchFamily="49" charset="0"/>
+              </a:rPr>
+              <a:t>=</a:t>
+            </a:r>
+            <a:r>
+              <a:rPr lang="en-US" sz="1100" dirty="0" smtClean="0">
+                <a:solidFill>
+                  <a:srgbClr val="CCCCCC"/>
+                </a:solidFill>
+                <a:latin typeface="Consolas" panose="020B0609020204030204" pitchFamily="49" charset="0"/>
+              </a:rPr>
+              <a:t> </a:t>
+            </a:r>
+            <a:r>
+              <a:rPr lang="en-US" sz="1100" dirty="0" smtClean="0">
+                <a:solidFill>
+                  <a:srgbClr val="9CDCFE"/>
+                </a:solidFill>
+                <a:latin typeface="Consolas" panose="020B0609020204030204" pitchFamily="49" charset="0"/>
+              </a:rPr>
+              <a:t>Graph</a:t>
+            </a:r>
+            <a:r>
+              <a:rPr lang="en-US" sz="1100" dirty="0" smtClean="0">
+                <a:solidFill>
+                  <a:srgbClr val="CCCCCC"/>
+                </a:solidFill>
+                <a:latin typeface="Consolas" panose="020B0609020204030204" pitchFamily="49" charset="0"/>
+              </a:rPr>
+              <a:t>[</a:t>
+            </a:r>
+            <a:r>
+              <a:rPr lang="en-US" sz="1100" dirty="0" smtClean="0">
+                <a:solidFill>
+                  <a:srgbClr val="9CDCFE"/>
+                </a:solidFill>
+                <a:latin typeface="Consolas" panose="020B0609020204030204" pitchFamily="49" charset="0"/>
+              </a:rPr>
+              <a:t>e1</a:t>
+            </a:r>
+            <a:r>
+              <a:rPr lang="en-US" sz="1100" dirty="0" smtClean="0">
+                <a:solidFill>
+                  <a:srgbClr val="CCCCCC"/>
+                </a:solidFill>
+                <a:latin typeface="Consolas" panose="020B0609020204030204" pitchFamily="49" charset="0"/>
+              </a:rPr>
+              <a:t>][</a:t>
+            </a:r>
+            <a:r>
+              <a:rPr lang="en-US" sz="1100" dirty="0" err="1" smtClean="0">
+                <a:solidFill>
+                  <a:srgbClr val="9CDCFE"/>
+                </a:solidFill>
+                <a:latin typeface="Consolas" panose="020B0609020204030204" pitchFamily="49" charset="0"/>
+              </a:rPr>
+              <a:t>i</a:t>
+            </a:r>
+            <a:r>
+              <a:rPr lang="en-US" sz="1100" dirty="0" smtClean="0">
+                <a:solidFill>
+                  <a:srgbClr val="CCCCCC"/>
+                </a:solidFill>
+                <a:latin typeface="Consolas" panose="020B0609020204030204" pitchFamily="49" charset="0"/>
+              </a:rPr>
+              <a:t>][</a:t>
+            </a:r>
+            <a:r>
+              <a:rPr lang="en-US" sz="1100" dirty="0" smtClean="0">
+                <a:solidFill>
+                  <a:srgbClr val="B5CEA8"/>
+                </a:solidFill>
+                <a:latin typeface="Consolas" panose="020B0609020204030204" pitchFamily="49" charset="0"/>
+              </a:rPr>
+              <a:t>1</a:t>
+            </a:r>
+            <a:r>
+              <a:rPr lang="en-US" sz="1100" dirty="0" smtClean="0">
+                <a:solidFill>
+                  <a:srgbClr val="CCCCCC"/>
+                </a:solidFill>
+                <a:latin typeface="Consolas" panose="020B0609020204030204" pitchFamily="49" charset="0"/>
+              </a:rPr>
+              <a:t>];</a:t>
+            </a:r>
+          </a:p>
+          <a:p>
+            <a:r>
+              <a:rPr lang="en-US" sz="1100" dirty="0">
+                <a:solidFill>
+                  <a:srgbClr val="CCCCCC"/>
+                </a:solidFill>
+                <a:latin typeface="Consolas" panose="020B0609020204030204" pitchFamily="49" charset="0"/>
+              </a:rPr>
+              <a:t>        </a:t>
+            </a:r>
+            <a:r>
+              <a:rPr lang="en-US" sz="1100" dirty="0" smtClean="0">
+                <a:solidFill>
+                  <a:srgbClr val="C586C0"/>
+                </a:solidFill>
+                <a:latin typeface="Consolas" panose="020B0609020204030204" pitchFamily="49" charset="0"/>
+              </a:rPr>
+              <a:t>if</a:t>
+            </a:r>
+            <a:r>
+              <a:rPr lang="en-US" sz="1100" dirty="0" smtClean="0">
+                <a:solidFill>
+                  <a:srgbClr val="CCCCCC"/>
+                </a:solidFill>
+                <a:latin typeface="Consolas" panose="020B0609020204030204" pitchFamily="49" charset="0"/>
+              </a:rPr>
+              <a:t> </a:t>
+            </a:r>
+            <a:r>
+              <a:rPr lang="en-US" sz="1100" dirty="0">
+                <a:solidFill>
+                  <a:srgbClr val="CCCCCC"/>
+                </a:solidFill>
+                <a:latin typeface="Consolas" panose="020B0609020204030204" pitchFamily="49" charset="0"/>
+              </a:rPr>
+              <a:t>(</a:t>
+            </a:r>
+            <a:r>
+              <a:rPr lang="en-US" sz="1100" dirty="0">
+                <a:solidFill>
+                  <a:srgbClr val="9CDCFE"/>
+                </a:solidFill>
+                <a:latin typeface="Consolas" panose="020B0609020204030204" pitchFamily="49" charset="0"/>
+              </a:rPr>
+              <a:t>Result</a:t>
+            </a:r>
+            <a:r>
+              <a:rPr lang="en-US" sz="1100" dirty="0">
+                <a:solidFill>
+                  <a:srgbClr val="CCCCCC"/>
+                </a:solidFill>
+                <a:latin typeface="Consolas" panose="020B0609020204030204" pitchFamily="49" charset="0"/>
+              </a:rPr>
+              <a:t>[</a:t>
+            </a:r>
+            <a:r>
+              <a:rPr lang="en-US" sz="1100" dirty="0">
+                <a:solidFill>
+                  <a:srgbClr val="9CDCFE"/>
+                </a:solidFill>
+                <a:latin typeface="Consolas" panose="020B0609020204030204" pitchFamily="49" charset="0"/>
+              </a:rPr>
+              <a:t>eit1</a:t>
+            </a:r>
+            <a:r>
+              <a:rPr lang="en-US" sz="1100" dirty="0">
+                <a:solidFill>
+                  <a:srgbClr val="CCCCCC"/>
+                </a:solidFill>
+                <a:latin typeface="Consolas" panose="020B0609020204030204" pitchFamily="49" charset="0"/>
+              </a:rPr>
+              <a:t>] </a:t>
+            </a:r>
+            <a:r>
+              <a:rPr lang="en-US" sz="1100" dirty="0">
+                <a:solidFill>
+                  <a:srgbClr val="D4D4D4"/>
+                </a:solidFill>
+                <a:latin typeface="Consolas" panose="020B0609020204030204" pitchFamily="49" charset="0"/>
+              </a:rPr>
+              <a:t>&gt;</a:t>
+            </a:r>
+            <a:r>
+              <a:rPr lang="en-US" sz="1100" dirty="0">
+                <a:solidFill>
+                  <a:srgbClr val="CCCCCC"/>
+                </a:solidFill>
+                <a:latin typeface="Consolas" panose="020B0609020204030204" pitchFamily="49" charset="0"/>
+              </a:rPr>
+              <a:t> </a:t>
+            </a:r>
+            <a:r>
+              <a:rPr lang="en-US" sz="1100" dirty="0">
+                <a:solidFill>
+                  <a:srgbClr val="9CDCFE"/>
+                </a:solidFill>
+                <a:latin typeface="Consolas" panose="020B0609020204030204" pitchFamily="49" charset="0"/>
+              </a:rPr>
+              <a:t>Result</a:t>
+            </a:r>
+            <a:r>
+              <a:rPr lang="en-US" sz="1100" dirty="0">
+                <a:solidFill>
+                  <a:srgbClr val="CCCCCC"/>
+                </a:solidFill>
+                <a:latin typeface="Consolas" panose="020B0609020204030204" pitchFamily="49" charset="0"/>
+              </a:rPr>
+              <a:t>[</a:t>
+            </a:r>
+            <a:r>
+              <a:rPr lang="en-US" sz="1100" dirty="0">
+                <a:solidFill>
+                  <a:srgbClr val="9CDCFE"/>
+                </a:solidFill>
+                <a:latin typeface="Consolas" panose="020B0609020204030204" pitchFamily="49" charset="0"/>
+              </a:rPr>
+              <a:t>e1</a:t>
+            </a:r>
+            <a:r>
+              <a:rPr lang="en-US" sz="1100" dirty="0">
+                <a:solidFill>
+                  <a:srgbClr val="CCCCCC"/>
+                </a:solidFill>
+                <a:latin typeface="Consolas" panose="020B0609020204030204" pitchFamily="49" charset="0"/>
+              </a:rPr>
+              <a:t>] </a:t>
+            </a:r>
+            <a:r>
+              <a:rPr lang="en-US" sz="1100" dirty="0">
+                <a:solidFill>
+                  <a:srgbClr val="D4D4D4"/>
+                </a:solidFill>
+                <a:latin typeface="Consolas" panose="020B0609020204030204" pitchFamily="49" charset="0"/>
+              </a:rPr>
+              <a:t>+</a:t>
+            </a:r>
+            <a:r>
+              <a:rPr lang="en-US" sz="1100" dirty="0">
+                <a:solidFill>
+                  <a:srgbClr val="CCCCCC"/>
+                </a:solidFill>
+                <a:latin typeface="Consolas" panose="020B0609020204030204" pitchFamily="49" charset="0"/>
+              </a:rPr>
+              <a:t> </a:t>
+            </a:r>
+            <a:r>
+              <a:rPr lang="en-US" sz="1100" dirty="0">
+                <a:solidFill>
+                  <a:srgbClr val="9CDCFE"/>
+                </a:solidFill>
+                <a:latin typeface="Consolas" panose="020B0609020204030204" pitchFamily="49" charset="0"/>
+              </a:rPr>
+              <a:t>eit2</a:t>
+            </a:r>
+            <a:r>
+              <a:rPr lang="en-US" sz="1100" dirty="0">
+                <a:solidFill>
+                  <a:srgbClr val="CCCCCC"/>
+                </a:solidFill>
+                <a:latin typeface="Consolas" panose="020B0609020204030204" pitchFamily="49" charset="0"/>
+              </a:rPr>
+              <a:t>) {</a:t>
+            </a:r>
+          </a:p>
+          <a:p>
+            <a:r>
+              <a:rPr lang="en-US" sz="1100" dirty="0">
+                <a:solidFill>
+                  <a:srgbClr val="CCCCCC"/>
+                </a:solidFill>
+                <a:latin typeface="Consolas" panose="020B0609020204030204" pitchFamily="49" charset="0"/>
+              </a:rPr>
+              <a:t>          </a:t>
+            </a:r>
+            <a:r>
+              <a:rPr lang="en-US" sz="1100" dirty="0" smtClean="0">
+                <a:solidFill>
+                  <a:srgbClr val="9CDCFE"/>
+                </a:solidFill>
+                <a:latin typeface="Consolas" panose="020B0609020204030204" pitchFamily="49" charset="0"/>
+              </a:rPr>
+              <a:t>Result</a:t>
+            </a:r>
+            <a:r>
+              <a:rPr lang="en-US" sz="1100" dirty="0" smtClean="0">
+                <a:solidFill>
+                  <a:srgbClr val="CCCCCC"/>
+                </a:solidFill>
+                <a:latin typeface="Consolas" panose="020B0609020204030204" pitchFamily="49" charset="0"/>
+              </a:rPr>
+              <a:t>[</a:t>
+            </a:r>
+            <a:r>
+              <a:rPr lang="en-US" sz="1100" dirty="0" smtClean="0">
+                <a:solidFill>
+                  <a:srgbClr val="9CDCFE"/>
+                </a:solidFill>
+                <a:latin typeface="Consolas" panose="020B0609020204030204" pitchFamily="49" charset="0"/>
+              </a:rPr>
+              <a:t>eit1</a:t>
+            </a:r>
+            <a:r>
+              <a:rPr lang="en-US" sz="1100" dirty="0">
+                <a:solidFill>
+                  <a:srgbClr val="CCCCCC"/>
+                </a:solidFill>
+                <a:latin typeface="Consolas" panose="020B0609020204030204" pitchFamily="49" charset="0"/>
+              </a:rPr>
+              <a:t>] </a:t>
+            </a:r>
+            <a:r>
+              <a:rPr lang="en-US" sz="1100" dirty="0">
+                <a:solidFill>
+                  <a:srgbClr val="D4D4D4"/>
+                </a:solidFill>
+                <a:latin typeface="Consolas" panose="020B0609020204030204" pitchFamily="49" charset="0"/>
+              </a:rPr>
+              <a:t>=</a:t>
+            </a:r>
+            <a:r>
+              <a:rPr lang="en-US" sz="1100" dirty="0">
+                <a:solidFill>
+                  <a:srgbClr val="CCCCCC"/>
+                </a:solidFill>
+                <a:latin typeface="Consolas" panose="020B0609020204030204" pitchFamily="49" charset="0"/>
+              </a:rPr>
+              <a:t> </a:t>
+            </a:r>
+            <a:r>
+              <a:rPr lang="en-US" sz="1100" dirty="0">
+                <a:solidFill>
+                  <a:srgbClr val="9CDCFE"/>
+                </a:solidFill>
+                <a:latin typeface="Consolas" panose="020B0609020204030204" pitchFamily="49" charset="0"/>
+              </a:rPr>
+              <a:t>Result</a:t>
+            </a:r>
+            <a:r>
+              <a:rPr lang="en-US" sz="1100" dirty="0">
+                <a:solidFill>
+                  <a:srgbClr val="CCCCCC"/>
+                </a:solidFill>
+                <a:latin typeface="Consolas" panose="020B0609020204030204" pitchFamily="49" charset="0"/>
+              </a:rPr>
+              <a:t>[</a:t>
+            </a:r>
+            <a:r>
+              <a:rPr lang="en-US" sz="1100" dirty="0">
+                <a:solidFill>
+                  <a:srgbClr val="9CDCFE"/>
+                </a:solidFill>
+                <a:latin typeface="Consolas" panose="020B0609020204030204" pitchFamily="49" charset="0"/>
+              </a:rPr>
+              <a:t>e1</a:t>
+            </a:r>
+            <a:r>
+              <a:rPr lang="en-US" sz="1100" dirty="0">
+                <a:solidFill>
+                  <a:srgbClr val="CCCCCC"/>
+                </a:solidFill>
+                <a:latin typeface="Consolas" panose="020B0609020204030204" pitchFamily="49" charset="0"/>
+              </a:rPr>
+              <a:t>] </a:t>
+            </a:r>
+            <a:r>
+              <a:rPr lang="en-US" sz="1100" dirty="0">
+                <a:solidFill>
+                  <a:srgbClr val="D4D4D4"/>
+                </a:solidFill>
+                <a:latin typeface="Consolas" panose="020B0609020204030204" pitchFamily="49" charset="0"/>
+              </a:rPr>
+              <a:t>+</a:t>
+            </a:r>
+            <a:r>
+              <a:rPr lang="en-US" sz="1100" dirty="0">
+                <a:solidFill>
+                  <a:srgbClr val="CCCCCC"/>
+                </a:solidFill>
+                <a:latin typeface="Consolas" panose="020B0609020204030204" pitchFamily="49" charset="0"/>
+              </a:rPr>
+              <a:t> </a:t>
+            </a:r>
+            <a:r>
+              <a:rPr lang="en-US" sz="1100" dirty="0">
+                <a:solidFill>
+                  <a:srgbClr val="9CDCFE"/>
+                </a:solidFill>
+                <a:latin typeface="Consolas" panose="020B0609020204030204" pitchFamily="49" charset="0"/>
+              </a:rPr>
+              <a:t>eit2</a:t>
+            </a:r>
+            <a:r>
+              <a:rPr lang="en-US" sz="1100" dirty="0">
+                <a:solidFill>
+                  <a:srgbClr val="CCCCCC"/>
+                </a:solidFill>
+                <a:latin typeface="Consolas" panose="020B0609020204030204" pitchFamily="49" charset="0"/>
+              </a:rPr>
+              <a:t>;</a:t>
+            </a:r>
+          </a:p>
+          <a:p>
+            <a:r>
+              <a:rPr lang="en-US" sz="1100" dirty="0">
+                <a:solidFill>
+                  <a:srgbClr val="CCCCCC"/>
+                </a:solidFill>
+                <a:latin typeface="Consolas" panose="020B0609020204030204" pitchFamily="49" charset="0"/>
+              </a:rPr>
+              <a:t>          </a:t>
+            </a:r>
+            <a:r>
+              <a:rPr lang="en-US" sz="1100" dirty="0" smtClean="0">
+                <a:solidFill>
+                  <a:srgbClr val="DCDCAA"/>
+                </a:solidFill>
+                <a:latin typeface="Consolas" panose="020B0609020204030204" pitchFamily="49" charset="0"/>
+              </a:rPr>
+              <a:t>Add</a:t>
+            </a:r>
+            <a:r>
+              <a:rPr lang="en-US" sz="1100" dirty="0" smtClean="0">
+                <a:solidFill>
+                  <a:srgbClr val="CCCCCC"/>
+                </a:solidFill>
+                <a:latin typeface="Consolas" panose="020B0609020204030204" pitchFamily="49" charset="0"/>
+              </a:rPr>
+              <a:t>(</a:t>
+            </a:r>
+            <a:r>
+              <a:rPr lang="en-US" sz="1100" dirty="0" smtClean="0">
+                <a:solidFill>
+                  <a:srgbClr val="9CDCFE"/>
+                </a:solidFill>
+                <a:latin typeface="Consolas" panose="020B0609020204030204" pitchFamily="49" charset="0"/>
+              </a:rPr>
+              <a:t>eit1</a:t>
+            </a:r>
+            <a:r>
+              <a:rPr lang="en-US" sz="1100" dirty="0">
+                <a:solidFill>
+                  <a:srgbClr val="CCCCCC"/>
+                </a:solidFill>
+                <a:latin typeface="Consolas" panose="020B0609020204030204" pitchFamily="49" charset="0"/>
+              </a:rPr>
+              <a:t>, </a:t>
+            </a:r>
+            <a:r>
+              <a:rPr lang="en-US" sz="1100" dirty="0">
+                <a:solidFill>
+                  <a:srgbClr val="9CDCFE"/>
+                </a:solidFill>
+                <a:latin typeface="Consolas" panose="020B0609020204030204" pitchFamily="49" charset="0"/>
+              </a:rPr>
+              <a:t>Result</a:t>
+            </a:r>
+            <a:r>
+              <a:rPr lang="en-US" sz="1100" dirty="0">
+                <a:solidFill>
+                  <a:srgbClr val="CCCCCC"/>
+                </a:solidFill>
+                <a:latin typeface="Consolas" panose="020B0609020204030204" pitchFamily="49" charset="0"/>
+              </a:rPr>
+              <a:t>[</a:t>
+            </a:r>
+            <a:r>
+              <a:rPr lang="en-US" sz="1100" dirty="0">
+                <a:solidFill>
+                  <a:srgbClr val="9CDCFE"/>
+                </a:solidFill>
+                <a:latin typeface="Consolas" panose="020B0609020204030204" pitchFamily="49" charset="0"/>
+              </a:rPr>
+              <a:t>eit1</a:t>
+            </a:r>
+            <a:r>
+              <a:rPr lang="en-US" sz="1100" dirty="0">
+                <a:solidFill>
+                  <a:srgbClr val="CCCCCC"/>
+                </a:solidFill>
+                <a:latin typeface="Consolas" panose="020B0609020204030204" pitchFamily="49" charset="0"/>
+              </a:rPr>
+              <a:t>]);</a:t>
+            </a:r>
+          </a:p>
+          <a:p>
+            <a:r>
+              <a:rPr lang="en-US" sz="1100" dirty="0">
+                <a:solidFill>
+                  <a:srgbClr val="CCCCCC"/>
+                </a:solidFill>
+                <a:latin typeface="Consolas" panose="020B0609020204030204" pitchFamily="49" charset="0"/>
+              </a:rPr>
+              <a:t>          </a:t>
+            </a:r>
+            <a:r>
+              <a:rPr lang="en-US" sz="1100" dirty="0" smtClean="0">
+                <a:solidFill>
+                  <a:srgbClr val="9CDCFE"/>
+                </a:solidFill>
+                <a:latin typeface="Consolas" panose="020B0609020204030204" pitchFamily="49" charset="0"/>
+              </a:rPr>
+              <a:t>Path</a:t>
+            </a:r>
+            <a:r>
+              <a:rPr lang="en-US" sz="1100" dirty="0" smtClean="0">
+                <a:solidFill>
+                  <a:srgbClr val="CCCCCC"/>
+                </a:solidFill>
+                <a:latin typeface="Consolas" panose="020B0609020204030204" pitchFamily="49" charset="0"/>
+              </a:rPr>
+              <a:t>[</a:t>
+            </a:r>
+            <a:r>
+              <a:rPr lang="en-US" sz="1100" dirty="0" smtClean="0">
+                <a:solidFill>
+                  <a:srgbClr val="9CDCFE"/>
+                </a:solidFill>
+                <a:latin typeface="Consolas" panose="020B0609020204030204" pitchFamily="49" charset="0"/>
+              </a:rPr>
+              <a:t>eit1</a:t>
+            </a:r>
+            <a:r>
+              <a:rPr lang="en-US" sz="1100" dirty="0">
+                <a:solidFill>
+                  <a:srgbClr val="CCCCCC"/>
+                </a:solidFill>
+                <a:latin typeface="Consolas" panose="020B0609020204030204" pitchFamily="49" charset="0"/>
+              </a:rPr>
+              <a:t>] </a:t>
+            </a:r>
+            <a:r>
+              <a:rPr lang="en-US" sz="1100" dirty="0">
+                <a:solidFill>
+                  <a:srgbClr val="D4D4D4"/>
+                </a:solidFill>
+                <a:latin typeface="Consolas" panose="020B0609020204030204" pitchFamily="49" charset="0"/>
+              </a:rPr>
+              <a:t>=</a:t>
+            </a:r>
+            <a:r>
+              <a:rPr lang="en-US" sz="1100" dirty="0">
+                <a:solidFill>
+                  <a:srgbClr val="CCCCCC"/>
+                </a:solidFill>
+                <a:latin typeface="Consolas" panose="020B0609020204030204" pitchFamily="49" charset="0"/>
+              </a:rPr>
+              <a:t> </a:t>
+            </a:r>
+            <a:r>
+              <a:rPr lang="en-US" sz="1100" dirty="0">
+                <a:solidFill>
+                  <a:srgbClr val="9CDCFE"/>
+                </a:solidFill>
+                <a:latin typeface="Consolas" panose="020B0609020204030204" pitchFamily="49" charset="0"/>
+              </a:rPr>
+              <a:t>e1</a:t>
+            </a:r>
+            <a:r>
+              <a:rPr lang="en-US" sz="1100" dirty="0">
+                <a:solidFill>
+                  <a:srgbClr val="CCCCCC"/>
+                </a:solidFill>
+                <a:latin typeface="Consolas" panose="020B0609020204030204" pitchFamily="49" charset="0"/>
+              </a:rPr>
+              <a:t>;</a:t>
+            </a:r>
+          </a:p>
+          <a:p>
+            <a:r>
+              <a:rPr lang="en-US" sz="1100" dirty="0">
+                <a:solidFill>
+                  <a:srgbClr val="CCCCCC"/>
+                </a:solidFill>
+                <a:latin typeface="Consolas" panose="020B0609020204030204" pitchFamily="49" charset="0"/>
+              </a:rPr>
+              <a:t>        </a:t>
+            </a:r>
+            <a:r>
+              <a:rPr lang="en-US" sz="1100" dirty="0" smtClean="0">
+                <a:solidFill>
+                  <a:srgbClr val="CCCCCC"/>
+                </a:solidFill>
+                <a:latin typeface="Consolas" panose="020B0609020204030204" pitchFamily="49" charset="0"/>
+              </a:rPr>
+              <a:t>}</a:t>
+            </a:r>
+            <a:endParaRPr lang="en-US" sz="1100" dirty="0">
+              <a:solidFill>
+                <a:srgbClr val="CCCCCC"/>
+              </a:solidFill>
+              <a:latin typeface="Consolas" panose="020B0609020204030204" pitchFamily="49" charset="0"/>
+            </a:endParaRPr>
+          </a:p>
+          <a:p>
+            <a:r>
+              <a:rPr lang="en-US" sz="1100" dirty="0">
+                <a:solidFill>
+                  <a:srgbClr val="CCCCCC"/>
+                </a:solidFill>
+                <a:latin typeface="Consolas" panose="020B0609020204030204" pitchFamily="49" charset="0"/>
+              </a:rPr>
+              <a:t>      </a:t>
+            </a:r>
+            <a:r>
+              <a:rPr lang="en-US" sz="1100" dirty="0" smtClean="0">
+                <a:solidFill>
+                  <a:srgbClr val="CCCCCC"/>
+                </a:solidFill>
+                <a:latin typeface="Consolas" panose="020B0609020204030204" pitchFamily="49" charset="0"/>
+              </a:rPr>
+              <a:t>}</a:t>
+            </a:r>
+            <a:endParaRPr lang="en-US" sz="1100" dirty="0">
+              <a:solidFill>
+                <a:srgbClr val="CCCCCC"/>
+              </a:solidFill>
+              <a:latin typeface="Consolas" panose="020B0609020204030204" pitchFamily="49" charset="0"/>
+            </a:endParaRPr>
+          </a:p>
+          <a:p>
+            <a:r>
+              <a:rPr lang="en-US" sz="1100" dirty="0">
+                <a:solidFill>
+                  <a:srgbClr val="CCCCCC"/>
+                </a:solidFill>
+                <a:latin typeface="Consolas" panose="020B0609020204030204" pitchFamily="49" charset="0"/>
+              </a:rPr>
+              <a:t>    </a:t>
+            </a:r>
+            <a:r>
+              <a:rPr lang="en-US" sz="1100" dirty="0" smtClean="0">
+                <a:solidFill>
+                  <a:srgbClr val="CCCCCC"/>
+                </a:solidFill>
+                <a:latin typeface="Consolas" panose="020B0609020204030204" pitchFamily="49" charset="0"/>
+              </a:rPr>
+              <a:t>}</a:t>
+            </a:r>
+            <a:endParaRPr lang="en-US" sz="1100" dirty="0">
+              <a:solidFill>
+                <a:srgbClr val="CCCCCC"/>
+              </a:solidFill>
+              <a:latin typeface="Consolas" panose="020B0609020204030204" pitchFamily="49" charset="0"/>
+            </a:endParaRPr>
+          </a:p>
+          <a:p>
+            <a:r>
+              <a:rPr lang="en-US" sz="1100" dirty="0">
+                <a:solidFill>
+                  <a:srgbClr val="CCCCCC"/>
+                </a:solidFill>
+                <a:latin typeface="Consolas" panose="020B0609020204030204" pitchFamily="49" charset="0"/>
+              </a:rPr>
+              <a:t>  </a:t>
+            </a:r>
+            <a:r>
+              <a:rPr lang="en-US" sz="1100" dirty="0" smtClean="0">
+                <a:solidFill>
+                  <a:srgbClr val="CCCCCC"/>
+                </a:solidFill>
+                <a:latin typeface="Consolas" panose="020B0609020204030204" pitchFamily="49" charset="0"/>
+              </a:rPr>
+              <a:t>}</a:t>
+            </a:r>
+            <a:endParaRPr lang="en-US" sz="1100" dirty="0">
+              <a:solidFill>
+                <a:srgbClr val="CCCCCC"/>
+              </a:solidFill>
+              <a:latin typeface="Consolas" panose="020B0609020204030204" pitchFamily="49" charset="0"/>
+            </a:endParaRPr>
+          </a:p>
+          <a:p>
+            <a:r>
+              <a:rPr lang="en-US" sz="1100" dirty="0">
+                <a:solidFill>
+                  <a:srgbClr val="CCCCCC"/>
+                </a:solidFill>
+                <a:latin typeface="Consolas" panose="020B0609020204030204" pitchFamily="49" charset="0"/>
+              </a:rPr>
+              <a:t>  </a:t>
+            </a:r>
+            <a:r>
+              <a:rPr lang="en-US" sz="1100" dirty="0" smtClean="0">
+                <a:solidFill>
+                  <a:srgbClr val="C586C0"/>
+                </a:solidFill>
+                <a:latin typeface="Consolas" panose="020B0609020204030204" pitchFamily="49" charset="0"/>
+              </a:rPr>
+              <a:t>return</a:t>
+            </a:r>
+            <a:r>
+              <a:rPr lang="en-US" sz="1100" dirty="0">
+                <a:solidFill>
+                  <a:srgbClr val="CCCCCC"/>
+                </a:solidFill>
+                <a:latin typeface="Consolas" panose="020B0609020204030204" pitchFamily="49" charset="0"/>
+              </a:rPr>
+              <a:t>;</a:t>
+            </a:r>
+          </a:p>
+          <a:p>
+            <a:r>
+              <a:rPr lang="en-US" sz="1100" dirty="0">
+                <a:solidFill>
+                  <a:srgbClr val="CCCCCC"/>
+                </a:solidFill>
+                <a:latin typeface="Consolas" panose="020B0609020204030204" pitchFamily="49" charset="0"/>
+              </a:rPr>
+              <a:t>}</a:t>
+            </a:r>
+          </a:p>
+          <a:p>
+            <a:endParaRPr lang="ru-RU" dirty="0">
+              <a:solidFill>
+                <a:schemeClr val="bg1"/>
+              </a:solidFill>
+            </a:endParaRPr>
+          </a:p>
+        </p:txBody>
+      </p:sp>
+      <p:sp>
+        <p:nvSpPr>
+          <p:cNvPr id="7" name="TextBox 6"/>
+          <p:cNvSpPr txBox="1"/>
           <p:nvPr/>
-        </p:nvPicPr>
-        <p:blipFill>
-          <a:blip r:embed="rId3"/>
-          <a:stretch>
-            <a:fillRect/>
-          </a:stretch>
-        </p:blipFill>
+        </p:nvSpPr>
         <p:spPr>
           <a:xfrm>
-            <a:off x="3923928" y="1226019"/>
-            <a:ext cx="5009728" cy="3342905"/>
+            <a:off x="4196577" y="1050072"/>
+            <a:ext cx="4647426" cy="3647152"/>
           </a:xfrm>
           <a:prstGeom prst="rect">
             <a:avLst/>
           </a:prstGeom>
+          <a:noFill/>
         </p:spPr>
-      </p:pic>
+        <p:txBody>
+          <a:bodyPr wrap="none" rtlCol="0">
+            <a:spAutoFit/>
+          </a:bodyPr>
+          <a:lstStyle/>
+          <a:p>
+            <a:r>
+              <a:rPr lang="en-US" sz="1100" dirty="0">
+                <a:solidFill>
+                  <a:srgbClr val="569CD6"/>
+                </a:solidFill>
+                <a:latin typeface="Consolas" panose="020B0609020204030204" pitchFamily="49" charset="0"/>
+              </a:rPr>
+              <a:t>void</a:t>
+            </a:r>
+            <a:r>
+              <a:rPr lang="en-US" sz="1100" dirty="0">
+                <a:solidFill>
+                  <a:srgbClr val="CCCCCC"/>
+                </a:solidFill>
+                <a:latin typeface="Consolas" panose="020B0609020204030204" pitchFamily="49" charset="0"/>
+              </a:rPr>
+              <a:t> </a:t>
+            </a:r>
+            <a:r>
+              <a:rPr lang="en-US" sz="1100" dirty="0" err="1">
+                <a:solidFill>
+                  <a:srgbClr val="DCDCAA"/>
+                </a:solidFill>
+                <a:latin typeface="Consolas" panose="020B0609020204030204" pitchFamily="49" charset="0"/>
+              </a:rPr>
+              <a:t>Dijkstra</a:t>
+            </a:r>
+            <a:r>
+              <a:rPr lang="en-US" sz="1100" dirty="0">
+                <a:solidFill>
+                  <a:srgbClr val="CCCCCC"/>
+                </a:solidFill>
+                <a:latin typeface="Consolas" panose="020B0609020204030204" pitchFamily="49" charset="0"/>
+              </a:rPr>
+              <a:t>(</a:t>
+            </a:r>
+            <a:r>
+              <a:rPr lang="en-US" sz="1100" dirty="0" err="1">
+                <a:solidFill>
+                  <a:srgbClr val="4EC9B0"/>
+                </a:solidFill>
+                <a:latin typeface="Consolas" panose="020B0609020204030204" pitchFamily="49" charset="0"/>
+              </a:rPr>
+              <a:t>size_t</a:t>
+            </a:r>
+            <a:r>
+              <a:rPr lang="en-US" sz="1100" dirty="0">
+                <a:solidFill>
+                  <a:srgbClr val="CCCCCC"/>
+                </a:solidFill>
+                <a:latin typeface="Consolas" panose="020B0609020204030204" pitchFamily="49" charset="0"/>
+              </a:rPr>
+              <a:t> </a:t>
+            </a:r>
+            <a:r>
+              <a:rPr lang="en-US" sz="1100" dirty="0">
+                <a:solidFill>
+                  <a:srgbClr val="9CDCFE"/>
+                </a:solidFill>
+                <a:latin typeface="Consolas" panose="020B0609020204030204" pitchFamily="49" charset="0"/>
+              </a:rPr>
+              <a:t>v</a:t>
+            </a:r>
+            <a:r>
+              <a:rPr lang="en-US" sz="1100" dirty="0">
+                <a:solidFill>
+                  <a:srgbClr val="CCCCCC"/>
+                </a:solidFill>
+                <a:latin typeface="Consolas" panose="020B0609020204030204" pitchFamily="49" charset="0"/>
+              </a:rPr>
+              <a:t>) </a:t>
+            </a:r>
+            <a:endParaRPr lang="en-US" sz="1100" dirty="0" smtClean="0">
+              <a:solidFill>
+                <a:srgbClr val="CCCCCC"/>
+              </a:solidFill>
+              <a:latin typeface="Consolas" panose="020B0609020204030204" pitchFamily="49" charset="0"/>
+            </a:endParaRPr>
+          </a:p>
+          <a:p>
+            <a:r>
+              <a:rPr lang="en-US" sz="1100" dirty="0" smtClean="0">
+                <a:solidFill>
+                  <a:srgbClr val="CCCCCC"/>
+                </a:solidFill>
+                <a:latin typeface="Consolas" panose="020B0609020204030204" pitchFamily="49" charset="0"/>
+              </a:rPr>
+              <a:t>{</a:t>
+            </a:r>
+            <a:endParaRPr lang="en-US" sz="1100" dirty="0">
+              <a:solidFill>
+                <a:srgbClr val="CCCCCC"/>
+              </a:solidFill>
+              <a:latin typeface="Consolas" panose="020B0609020204030204" pitchFamily="49" charset="0"/>
+            </a:endParaRPr>
+          </a:p>
+          <a:p>
+            <a:r>
+              <a:rPr lang="en-US" sz="1100" dirty="0">
+                <a:solidFill>
+                  <a:srgbClr val="CCCCCC"/>
+                </a:solidFill>
+                <a:latin typeface="Consolas" panose="020B0609020204030204" pitchFamily="49" charset="0"/>
+              </a:rPr>
+              <a:t>  </a:t>
+            </a:r>
+            <a:r>
+              <a:rPr lang="en-US" sz="1100" dirty="0" smtClean="0">
+                <a:solidFill>
+                  <a:srgbClr val="CCCCCC"/>
+                </a:solidFill>
+                <a:latin typeface="Consolas" panose="020B0609020204030204" pitchFamily="49" charset="0"/>
+              </a:rPr>
+              <a:t>Q</a:t>
+            </a:r>
+            <a:r>
+              <a:rPr lang="en-US" sz="1100" dirty="0" smtClean="0">
+                <a:solidFill>
+                  <a:srgbClr val="D4D4D4"/>
+                </a:solidFill>
+                <a:latin typeface="Consolas" panose="020B0609020204030204" pitchFamily="49" charset="0"/>
+              </a:rPr>
+              <a:t>&lt;</a:t>
+            </a:r>
+            <a:r>
+              <a:rPr lang="en-US" sz="1100" dirty="0" err="1" smtClean="0">
+                <a:solidFill>
+                  <a:srgbClr val="4EC9B0"/>
+                </a:solidFill>
+                <a:latin typeface="Consolas" panose="020B0609020204030204" pitchFamily="49" charset="0"/>
+              </a:rPr>
+              <a:t>std</a:t>
+            </a:r>
+            <a:r>
+              <a:rPr lang="en-US" sz="1100" dirty="0">
+                <a:solidFill>
+                  <a:srgbClr val="CCCCCC"/>
+                </a:solidFill>
+                <a:latin typeface="Consolas" panose="020B0609020204030204" pitchFamily="49" charset="0"/>
+              </a:rPr>
+              <a:t>::pair</a:t>
+            </a:r>
+            <a:r>
+              <a:rPr lang="en-US" sz="1100" dirty="0">
+                <a:solidFill>
+                  <a:srgbClr val="D4D4D4"/>
+                </a:solidFill>
+                <a:latin typeface="Consolas" panose="020B0609020204030204" pitchFamily="49" charset="0"/>
+              </a:rPr>
+              <a:t>&lt;</a:t>
+            </a:r>
+            <a:r>
+              <a:rPr lang="en-US" sz="1100" dirty="0" err="1">
+                <a:solidFill>
+                  <a:srgbClr val="4EC9B0"/>
+                </a:solidFill>
+                <a:latin typeface="Consolas" panose="020B0609020204030204" pitchFamily="49" charset="0"/>
+              </a:rPr>
+              <a:t>size_t</a:t>
+            </a:r>
+            <a:r>
+              <a:rPr lang="en-US" sz="1100" dirty="0">
+                <a:solidFill>
+                  <a:srgbClr val="CCCCCC"/>
+                </a:solidFill>
+                <a:latin typeface="Consolas" panose="020B0609020204030204" pitchFamily="49" charset="0"/>
+              </a:rPr>
+              <a:t>, T</a:t>
+            </a:r>
+            <a:r>
+              <a:rPr lang="en-US" sz="1100" dirty="0">
+                <a:solidFill>
+                  <a:srgbClr val="D4D4D4"/>
+                </a:solidFill>
+                <a:latin typeface="Consolas" panose="020B0609020204030204" pitchFamily="49" charset="0"/>
+              </a:rPr>
+              <a:t>&gt;&gt;</a:t>
+            </a:r>
+            <a:r>
+              <a:rPr lang="en-US" sz="1100" dirty="0">
+                <a:solidFill>
+                  <a:srgbClr val="CCCCCC"/>
+                </a:solidFill>
+                <a:latin typeface="Consolas" panose="020B0609020204030204" pitchFamily="49" charset="0"/>
+              </a:rPr>
+              <a:t> q;</a:t>
+            </a:r>
+          </a:p>
+          <a:p>
+            <a:r>
+              <a:rPr lang="en-US" sz="1100" dirty="0">
+                <a:solidFill>
+                  <a:srgbClr val="CCCCCC"/>
+                </a:solidFill>
+                <a:latin typeface="Consolas" panose="020B0609020204030204" pitchFamily="49" charset="0"/>
+              </a:rPr>
+              <a:t>  </a:t>
+            </a:r>
+            <a:r>
+              <a:rPr lang="en-US" sz="1100" dirty="0" err="1" smtClean="0">
+                <a:solidFill>
+                  <a:srgbClr val="9CDCFE"/>
+                </a:solidFill>
+                <a:latin typeface="Consolas" panose="020B0609020204030204" pitchFamily="49" charset="0"/>
+              </a:rPr>
+              <a:t>dist</a:t>
+            </a:r>
+            <a:r>
+              <a:rPr lang="en-US" sz="1100" dirty="0" smtClean="0">
+                <a:solidFill>
+                  <a:srgbClr val="CCCCCC"/>
+                </a:solidFill>
+                <a:latin typeface="Consolas" panose="020B0609020204030204" pitchFamily="49" charset="0"/>
+              </a:rPr>
+              <a:t>[</a:t>
+            </a:r>
+            <a:r>
+              <a:rPr lang="en-US" sz="1100" dirty="0" smtClean="0">
+                <a:solidFill>
+                  <a:srgbClr val="9CDCFE"/>
+                </a:solidFill>
+                <a:latin typeface="Consolas" panose="020B0609020204030204" pitchFamily="49" charset="0"/>
+              </a:rPr>
+              <a:t>v</a:t>
+            </a:r>
+            <a:r>
+              <a:rPr lang="en-US" sz="1100" dirty="0">
+                <a:solidFill>
+                  <a:srgbClr val="CCCCCC"/>
+                </a:solidFill>
+                <a:latin typeface="Consolas" panose="020B0609020204030204" pitchFamily="49" charset="0"/>
+              </a:rPr>
+              <a:t>] </a:t>
+            </a:r>
+            <a:r>
+              <a:rPr lang="en-US" sz="1100" dirty="0">
+                <a:solidFill>
+                  <a:srgbClr val="D4D4D4"/>
+                </a:solidFill>
+                <a:latin typeface="Consolas" panose="020B0609020204030204" pitchFamily="49" charset="0"/>
+              </a:rPr>
+              <a:t>=</a:t>
+            </a:r>
+            <a:r>
+              <a:rPr lang="en-US" sz="1100" dirty="0">
+                <a:solidFill>
+                  <a:srgbClr val="CCCCCC"/>
+                </a:solidFill>
+                <a:latin typeface="Consolas" panose="020B0609020204030204" pitchFamily="49" charset="0"/>
+              </a:rPr>
+              <a:t> </a:t>
+            </a:r>
+            <a:r>
+              <a:rPr lang="en-US" sz="1100" dirty="0">
+                <a:solidFill>
+                  <a:srgbClr val="B5CEA8"/>
+                </a:solidFill>
+                <a:latin typeface="Consolas" panose="020B0609020204030204" pitchFamily="49" charset="0"/>
+              </a:rPr>
+              <a:t>0</a:t>
+            </a:r>
+            <a:r>
+              <a:rPr lang="en-US" sz="1100" dirty="0">
+                <a:solidFill>
+                  <a:srgbClr val="CCCCCC"/>
+                </a:solidFill>
+                <a:latin typeface="Consolas" panose="020B0609020204030204" pitchFamily="49" charset="0"/>
+              </a:rPr>
+              <a:t>;</a:t>
+            </a:r>
+          </a:p>
+          <a:p>
+            <a:r>
+              <a:rPr lang="en-US" sz="1100" dirty="0">
+                <a:solidFill>
+                  <a:srgbClr val="CCCCCC"/>
+                </a:solidFill>
+                <a:latin typeface="Consolas" panose="020B0609020204030204" pitchFamily="49" charset="0"/>
+              </a:rPr>
+              <a:t>  </a:t>
+            </a:r>
+            <a:r>
+              <a:rPr lang="en-US" sz="1100" dirty="0" err="1" smtClean="0">
+                <a:solidFill>
+                  <a:srgbClr val="9CDCFE"/>
+                </a:solidFill>
+                <a:latin typeface="Consolas" panose="020B0609020204030204" pitchFamily="49" charset="0"/>
+              </a:rPr>
+              <a:t>q</a:t>
+            </a:r>
+            <a:r>
+              <a:rPr lang="en-US" sz="1100" dirty="0" err="1" smtClean="0">
+                <a:solidFill>
+                  <a:srgbClr val="CCCCCC"/>
+                </a:solidFill>
+                <a:latin typeface="Consolas" panose="020B0609020204030204" pitchFamily="49" charset="0"/>
+              </a:rPr>
+              <a:t>.</a:t>
+            </a:r>
+            <a:r>
+              <a:rPr lang="en-US" sz="1100" dirty="0" err="1" smtClean="0">
+                <a:solidFill>
+                  <a:srgbClr val="DCDCAA"/>
+                </a:solidFill>
+                <a:latin typeface="Consolas" panose="020B0609020204030204" pitchFamily="49" charset="0"/>
+              </a:rPr>
+              <a:t>add</a:t>
+            </a:r>
+            <a:r>
+              <a:rPr lang="en-US" sz="1100" dirty="0" smtClean="0">
+                <a:solidFill>
+                  <a:srgbClr val="CCCCCC"/>
+                </a:solidFill>
+                <a:latin typeface="Consolas" panose="020B0609020204030204" pitchFamily="49" charset="0"/>
+              </a:rPr>
+              <a:t>(</a:t>
+            </a:r>
+            <a:r>
+              <a:rPr lang="en-US" sz="1100" dirty="0" err="1" smtClean="0">
+                <a:solidFill>
+                  <a:srgbClr val="4EC9B0"/>
+                </a:solidFill>
+                <a:latin typeface="Consolas" panose="020B0609020204030204" pitchFamily="49" charset="0"/>
+              </a:rPr>
+              <a:t>std</a:t>
+            </a:r>
+            <a:r>
+              <a:rPr lang="en-US" sz="1100" dirty="0">
+                <a:solidFill>
+                  <a:srgbClr val="CCCCCC"/>
+                </a:solidFill>
+                <a:latin typeface="Consolas" panose="020B0609020204030204" pitchFamily="49" charset="0"/>
+              </a:rPr>
+              <a:t>::</a:t>
+            </a:r>
+            <a:r>
+              <a:rPr lang="en-US" sz="1100" dirty="0" err="1">
+                <a:solidFill>
+                  <a:srgbClr val="DCDCAA"/>
+                </a:solidFill>
+                <a:latin typeface="Consolas" panose="020B0609020204030204" pitchFamily="49" charset="0"/>
+              </a:rPr>
+              <a:t>make_pair</a:t>
+            </a:r>
+            <a:r>
+              <a:rPr lang="en-US" sz="1100" dirty="0">
+                <a:solidFill>
+                  <a:srgbClr val="CCCCCC"/>
+                </a:solidFill>
+                <a:latin typeface="Consolas" panose="020B0609020204030204" pitchFamily="49" charset="0"/>
+              </a:rPr>
+              <a:t>(</a:t>
+            </a:r>
+            <a:r>
+              <a:rPr lang="en-US" sz="1100" dirty="0">
+                <a:solidFill>
+                  <a:srgbClr val="9CDCFE"/>
+                </a:solidFill>
+                <a:latin typeface="Consolas" panose="020B0609020204030204" pitchFamily="49" charset="0"/>
+              </a:rPr>
+              <a:t>v</a:t>
+            </a:r>
+            <a:r>
+              <a:rPr lang="en-US" sz="1100" dirty="0">
+                <a:solidFill>
+                  <a:srgbClr val="CCCCCC"/>
+                </a:solidFill>
+                <a:latin typeface="Consolas" panose="020B0609020204030204" pitchFamily="49" charset="0"/>
+              </a:rPr>
+              <a:t>, </a:t>
+            </a:r>
+            <a:r>
+              <a:rPr lang="en-US" sz="1100" dirty="0" err="1">
+                <a:solidFill>
+                  <a:srgbClr val="9CDCFE"/>
+                </a:solidFill>
+                <a:latin typeface="Consolas" panose="020B0609020204030204" pitchFamily="49" charset="0"/>
+              </a:rPr>
+              <a:t>dist</a:t>
+            </a:r>
+            <a:r>
+              <a:rPr lang="en-US" sz="1100" dirty="0">
+                <a:solidFill>
+                  <a:srgbClr val="CCCCCC"/>
+                </a:solidFill>
+                <a:latin typeface="Consolas" panose="020B0609020204030204" pitchFamily="49" charset="0"/>
+              </a:rPr>
+              <a:t>[</a:t>
+            </a:r>
+            <a:r>
+              <a:rPr lang="en-US" sz="1100" dirty="0">
+                <a:solidFill>
+                  <a:srgbClr val="9CDCFE"/>
+                </a:solidFill>
+                <a:latin typeface="Consolas" panose="020B0609020204030204" pitchFamily="49" charset="0"/>
+              </a:rPr>
+              <a:t>v</a:t>
+            </a:r>
+            <a:r>
+              <a:rPr lang="en-US" sz="1100" dirty="0">
+                <a:solidFill>
+                  <a:srgbClr val="CCCCCC"/>
+                </a:solidFill>
+                <a:latin typeface="Consolas" panose="020B0609020204030204" pitchFamily="49" charset="0"/>
+              </a:rPr>
+              <a:t>]));</a:t>
+            </a:r>
+          </a:p>
+          <a:p>
+            <a:r>
+              <a:rPr lang="en-US" sz="1100" dirty="0">
+                <a:solidFill>
+                  <a:srgbClr val="CCCCCC"/>
+                </a:solidFill>
+                <a:latin typeface="Consolas" panose="020B0609020204030204" pitchFamily="49" charset="0"/>
+              </a:rPr>
+              <a:t>  </a:t>
+            </a:r>
+            <a:r>
+              <a:rPr lang="en-US" sz="1100" dirty="0" err="1" smtClean="0">
+                <a:solidFill>
+                  <a:srgbClr val="4EC9B0"/>
+                </a:solidFill>
+                <a:latin typeface="Consolas" panose="020B0609020204030204" pitchFamily="49" charset="0"/>
+              </a:rPr>
+              <a:t>std</a:t>
+            </a:r>
+            <a:r>
+              <a:rPr lang="en-US" sz="1100" dirty="0">
+                <a:solidFill>
+                  <a:srgbClr val="CCCCCC"/>
+                </a:solidFill>
+                <a:latin typeface="Consolas" panose="020B0609020204030204" pitchFamily="49" charset="0"/>
+              </a:rPr>
+              <a:t>::pair</a:t>
+            </a:r>
+            <a:r>
+              <a:rPr lang="en-US" sz="1100" dirty="0">
+                <a:solidFill>
+                  <a:srgbClr val="D4D4D4"/>
+                </a:solidFill>
+                <a:latin typeface="Consolas" panose="020B0609020204030204" pitchFamily="49" charset="0"/>
+              </a:rPr>
+              <a:t>&lt;</a:t>
+            </a:r>
+            <a:r>
+              <a:rPr lang="en-US" sz="1100" dirty="0" err="1">
+                <a:solidFill>
+                  <a:srgbClr val="4EC9B0"/>
+                </a:solidFill>
+                <a:latin typeface="Consolas" panose="020B0609020204030204" pitchFamily="49" charset="0"/>
+              </a:rPr>
+              <a:t>size_t</a:t>
+            </a:r>
+            <a:r>
+              <a:rPr lang="en-US" sz="1100" dirty="0">
+                <a:solidFill>
+                  <a:srgbClr val="CCCCCC"/>
+                </a:solidFill>
+                <a:latin typeface="Consolas" panose="020B0609020204030204" pitchFamily="49" charset="0"/>
+              </a:rPr>
+              <a:t>, T</a:t>
+            </a:r>
+            <a:r>
+              <a:rPr lang="en-US" sz="1100" dirty="0">
+                <a:solidFill>
+                  <a:srgbClr val="D4D4D4"/>
+                </a:solidFill>
+                <a:latin typeface="Consolas" panose="020B0609020204030204" pitchFamily="49" charset="0"/>
+              </a:rPr>
+              <a:t>&gt;</a:t>
+            </a:r>
+            <a:r>
+              <a:rPr lang="en-US" sz="1100" dirty="0">
+                <a:solidFill>
+                  <a:srgbClr val="CCCCCC"/>
+                </a:solidFill>
+                <a:latin typeface="Consolas" panose="020B0609020204030204" pitchFamily="49" charset="0"/>
+              </a:rPr>
+              <a:t> e, </a:t>
+            </a:r>
+            <a:r>
+              <a:rPr lang="en-US" sz="1100" dirty="0" err="1">
+                <a:solidFill>
+                  <a:srgbClr val="CCCCCC"/>
+                </a:solidFill>
+                <a:latin typeface="Consolas" panose="020B0609020204030204" pitchFamily="49" charset="0"/>
+              </a:rPr>
+              <a:t>eit</a:t>
+            </a:r>
+            <a:r>
+              <a:rPr lang="en-US" sz="1100" dirty="0">
+                <a:solidFill>
+                  <a:srgbClr val="CCCCCC"/>
+                </a:solidFill>
+                <a:latin typeface="Consolas" panose="020B0609020204030204" pitchFamily="49" charset="0"/>
+              </a:rPr>
+              <a:t>;</a:t>
+            </a:r>
+          </a:p>
+          <a:p>
+            <a:r>
+              <a:rPr lang="en-US" sz="1100" dirty="0">
+                <a:solidFill>
+                  <a:srgbClr val="CCCCCC"/>
+                </a:solidFill>
+                <a:latin typeface="Consolas" panose="020B0609020204030204" pitchFamily="49" charset="0"/>
+              </a:rPr>
+              <a:t>  </a:t>
+            </a:r>
+            <a:r>
+              <a:rPr lang="en-US" sz="1100" dirty="0" err="1" smtClean="0">
+                <a:solidFill>
+                  <a:srgbClr val="4EC9B0"/>
+                </a:solidFill>
+                <a:latin typeface="Consolas" panose="020B0609020204030204" pitchFamily="49" charset="0"/>
+              </a:rPr>
+              <a:t>size_t</a:t>
+            </a:r>
+            <a:r>
+              <a:rPr lang="en-US" sz="1100" dirty="0" smtClean="0">
+                <a:solidFill>
+                  <a:srgbClr val="CCCCCC"/>
+                </a:solidFill>
+                <a:latin typeface="Consolas" panose="020B0609020204030204" pitchFamily="49" charset="0"/>
+              </a:rPr>
+              <a:t> </a:t>
+            </a:r>
+            <a:r>
+              <a:rPr lang="en-US" sz="1100" dirty="0" err="1">
+                <a:solidFill>
+                  <a:srgbClr val="9CDCFE"/>
+                </a:solidFill>
+                <a:latin typeface="Consolas" panose="020B0609020204030204" pitchFamily="49" charset="0"/>
+              </a:rPr>
+              <a:t>i</a:t>
+            </a:r>
+            <a:r>
+              <a:rPr lang="en-US" sz="1100" dirty="0">
+                <a:solidFill>
+                  <a:srgbClr val="CCCCCC"/>
+                </a:solidFill>
+                <a:latin typeface="Consolas" panose="020B0609020204030204" pitchFamily="49" charset="0"/>
+              </a:rPr>
+              <a:t>;</a:t>
+            </a:r>
+          </a:p>
+          <a:p>
+            <a:r>
+              <a:rPr lang="en-US" sz="1100" dirty="0">
+                <a:solidFill>
+                  <a:srgbClr val="CCCCCC"/>
+                </a:solidFill>
+                <a:latin typeface="Consolas" panose="020B0609020204030204" pitchFamily="49" charset="0"/>
+              </a:rPr>
+              <a:t/>
+            </a:r>
+            <a:br>
+              <a:rPr lang="en-US" sz="1100" dirty="0">
+                <a:solidFill>
+                  <a:srgbClr val="CCCCCC"/>
+                </a:solidFill>
+                <a:latin typeface="Consolas" panose="020B0609020204030204" pitchFamily="49" charset="0"/>
+              </a:rPr>
+            </a:br>
+            <a:r>
+              <a:rPr lang="en-US" sz="1100" dirty="0">
+                <a:solidFill>
+                  <a:srgbClr val="CCCCCC"/>
+                </a:solidFill>
+                <a:latin typeface="Consolas" panose="020B0609020204030204" pitchFamily="49" charset="0"/>
+              </a:rPr>
+              <a:t>  </a:t>
+            </a:r>
+            <a:r>
+              <a:rPr lang="en-US" sz="1100" dirty="0" smtClean="0">
+                <a:solidFill>
+                  <a:srgbClr val="C586C0"/>
+                </a:solidFill>
+                <a:latin typeface="Consolas" panose="020B0609020204030204" pitchFamily="49" charset="0"/>
+              </a:rPr>
+              <a:t>while</a:t>
+            </a:r>
+            <a:r>
+              <a:rPr lang="en-US" sz="1100" dirty="0" smtClean="0">
+                <a:solidFill>
+                  <a:srgbClr val="CCCCCC"/>
+                </a:solidFill>
+                <a:latin typeface="Consolas" panose="020B0609020204030204" pitchFamily="49" charset="0"/>
+              </a:rPr>
+              <a:t> </a:t>
+            </a:r>
+            <a:r>
+              <a:rPr lang="en-US" sz="1100" dirty="0">
+                <a:solidFill>
+                  <a:srgbClr val="CCCCCC"/>
+                </a:solidFill>
+                <a:latin typeface="Consolas" panose="020B0609020204030204" pitchFamily="49" charset="0"/>
+              </a:rPr>
+              <a:t>(</a:t>
+            </a:r>
+            <a:r>
+              <a:rPr lang="en-US" sz="1100" dirty="0">
+                <a:solidFill>
+                  <a:srgbClr val="D4D4D4"/>
+                </a:solidFill>
+                <a:latin typeface="Consolas" panose="020B0609020204030204" pitchFamily="49" charset="0"/>
+              </a:rPr>
+              <a:t>!</a:t>
+            </a:r>
+            <a:r>
+              <a:rPr lang="en-US" sz="1100" dirty="0" err="1">
+                <a:solidFill>
+                  <a:srgbClr val="9CDCFE"/>
+                </a:solidFill>
+                <a:latin typeface="Consolas" panose="020B0609020204030204" pitchFamily="49" charset="0"/>
+              </a:rPr>
+              <a:t>q</a:t>
+            </a:r>
+            <a:r>
+              <a:rPr lang="en-US" sz="1100" dirty="0" err="1">
+                <a:solidFill>
+                  <a:srgbClr val="CCCCCC"/>
+                </a:solidFill>
+                <a:latin typeface="Consolas" panose="020B0609020204030204" pitchFamily="49" charset="0"/>
+              </a:rPr>
+              <a:t>.</a:t>
+            </a:r>
+            <a:r>
+              <a:rPr lang="en-US" sz="1100" dirty="0" err="1">
+                <a:solidFill>
+                  <a:srgbClr val="DCDCAA"/>
+                </a:solidFill>
+                <a:latin typeface="Consolas" panose="020B0609020204030204" pitchFamily="49" charset="0"/>
+              </a:rPr>
+              <a:t>isEmpty</a:t>
+            </a:r>
+            <a:r>
+              <a:rPr lang="en-US" sz="1100" dirty="0">
+                <a:solidFill>
+                  <a:srgbClr val="CCCCCC"/>
+                </a:solidFill>
+                <a:latin typeface="Consolas" panose="020B0609020204030204" pitchFamily="49" charset="0"/>
+              </a:rPr>
+              <a:t>()) {</a:t>
+            </a:r>
+          </a:p>
+          <a:p>
+            <a:r>
+              <a:rPr lang="en-US" sz="1100" dirty="0">
+                <a:solidFill>
+                  <a:srgbClr val="CCCCCC"/>
+                </a:solidFill>
+                <a:latin typeface="Consolas" panose="020B0609020204030204" pitchFamily="49" charset="0"/>
+              </a:rPr>
+              <a:t>    </a:t>
+            </a:r>
+            <a:r>
+              <a:rPr lang="en-US" sz="1100" dirty="0" smtClean="0">
+                <a:solidFill>
+                  <a:srgbClr val="CCCCCC"/>
+                </a:solidFill>
+                <a:latin typeface="Consolas" panose="020B0609020204030204" pitchFamily="49" charset="0"/>
+              </a:rPr>
+              <a:t>e </a:t>
+            </a:r>
+            <a:r>
+              <a:rPr lang="en-US" sz="1100" dirty="0">
+                <a:solidFill>
+                  <a:srgbClr val="D4D4D4"/>
+                </a:solidFill>
+                <a:latin typeface="Consolas" panose="020B0609020204030204" pitchFamily="49" charset="0"/>
+              </a:rPr>
+              <a:t>=</a:t>
+            </a:r>
+            <a:r>
+              <a:rPr lang="en-US" sz="1100" dirty="0">
+                <a:solidFill>
+                  <a:srgbClr val="CCCCCC"/>
+                </a:solidFill>
+                <a:latin typeface="Consolas" panose="020B0609020204030204" pitchFamily="49" charset="0"/>
+              </a:rPr>
+              <a:t> </a:t>
+            </a:r>
+            <a:r>
+              <a:rPr lang="en-US" sz="1100" dirty="0" err="1">
+                <a:solidFill>
+                  <a:srgbClr val="9CDCFE"/>
+                </a:solidFill>
+                <a:latin typeface="Consolas" panose="020B0609020204030204" pitchFamily="49" charset="0"/>
+              </a:rPr>
+              <a:t>q</a:t>
+            </a:r>
+            <a:r>
+              <a:rPr lang="en-US" sz="1100" dirty="0" err="1">
+                <a:solidFill>
+                  <a:srgbClr val="CCCCCC"/>
+                </a:solidFill>
+                <a:latin typeface="Consolas" panose="020B0609020204030204" pitchFamily="49" charset="0"/>
+              </a:rPr>
+              <a:t>.</a:t>
+            </a:r>
+            <a:r>
+              <a:rPr lang="en-US" sz="1100" dirty="0" err="1">
+                <a:solidFill>
+                  <a:srgbClr val="DCDCAA"/>
+                </a:solidFill>
+                <a:latin typeface="Consolas" panose="020B0609020204030204" pitchFamily="49" charset="0"/>
+              </a:rPr>
+              <a:t>extractMin</a:t>
+            </a:r>
+            <a:r>
+              <a:rPr lang="en-US" sz="1100" dirty="0">
+                <a:solidFill>
+                  <a:srgbClr val="CCCCCC"/>
+                </a:solidFill>
+                <a:latin typeface="Consolas" panose="020B0609020204030204" pitchFamily="49" charset="0"/>
+              </a:rPr>
+              <a:t>();</a:t>
+            </a:r>
+          </a:p>
+          <a:p>
+            <a:r>
+              <a:rPr lang="en-US" sz="1100" dirty="0">
+                <a:solidFill>
+                  <a:srgbClr val="CCCCCC"/>
+                </a:solidFill>
+                <a:latin typeface="Consolas" panose="020B0609020204030204" pitchFamily="49" charset="0"/>
+              </a:rPr>
+              <a:t>    </a:t>
+            </a:r>
+            <a:r>
+              <a:rPr lang="en-US" sz="1100" dirty="0" smtClean="0">
+                <a:solidFill>
+                  <a:srgbClr val="C586C0"/>
+                </a:solidFill>
+                <a:latin typeface="Consolas" panose="020B0609020204030204" pitchFamily="49" charset="0"/>
+              </a:rPr>
+              <a:t>if</a:t>
+            </a:r>
+            <a:r>
+              <a:rPr lang="en-US" sz="1100" dirty="0" smtClean="0">
+                <a:solidFill>
+                  <a:srgbClr val="CCCCCC"/>
+                </a:solidFill>
+                <a:latin typeface="Consolas" panose="020B0609020204030204" pitchFamily="49" charset="0"/>
+              </a:rPr>
+              <a:t> </a:t>
+            </a:r>
+            <a:r>
+              <a:rPr lang="en-US" sz="1100" dirty="0">
+                <a:solidFill>
+                  <a:srgbClr val="CCCCCC"/>
+                </a:solidFill>
+                <a:latin typeface="Consolas" panose="020B0609020204030204" pitchFamily="49" charset="0"/>
+              </a:rPr>
+              <a:t>(</a:t>
+            </a:r>
+            <a:r>
+              <a:rPr lang="en-US" sz="1100" dirty="0" err="1">
+                <a:solidFill>
+                  <a:srgbClr val="9CDCFE"/>
+                </a:solidFill>
+                <a:latin typeface="Consolas" panose="020B0609020204030204" pitchFamily="49" charset="0"/>
+              </a:rPr>
+              <a:t>e</a:t>
+            </a:r>
+            <a:r>
+              <a:rPr lang="en-US" sz="1100" dirty="0" err="1">
+                <a:solidFill>
+                  <a:srgbClr val="CCCCCC"/>
+                </a:solidFill>
+                <a:latin typeface="Consolas" panose="020B0609020204030204" pitchFamily="49" charset="0"/>
+              </a:rPr>
+              <a:t>.</a:t>
+            </a:r>
+            <a:r>
+              <a:rPr lang="en-US" sz="1100" dirty="0" err="1">
+                <a:solidFill>
+                  <a:srgbClr val="9CDCFE"/>
+                </a:solidFill>
+                <a:latin typeface="Consolas" panose="020B0609020204030204" pitchFamily="49" charset="0"/>
+              </a:rPr>
+              <a:t>second</a:t>
+            </a:r>
+            <a:r>
+              <a:rPr lang="en-US" sz="1100" dirty="0">
+                <a:solidFill>
+                  <a:srgbClr val="CCCCCC"/>
+                </a:solidFill>
+                <a:latin typeface="Consolas" panose="020B0609020204030204" pitchFamily="49" charset="0"/>
+              </a:rPr>
+              <a:t> </a:t>
+            </a:r>
+            <a:r>
+              <a:rPr lang="en-US" sz="1100" dirty="0">
+                <a:solidFill>
+                  <a:srgbClr val="D4D4D4"/>
+                </a:solidFill>
+                <a:latin typeface="Consolas" panose="020B0609020204030204" pitchFamily="49" charset="0"/>
+              </a:rPr>
+              <a:t>!=</a:t>
+            </a:r>
+            <a:r>
+              <a:rPr lang="en-US" sz="1100" dirty="0">
+                <a:solidFill>
+                  <a:srgbClr val="CCCCCC"/>
+                </a:solidFill>
+                <a:latin typeface="Consolas" panose="020B0609020204030204" pitchFamily="49" charset="0"/>
+              </a:rPr>
+              <a:t> </a:t>
+            </a:r>
+            <a:r>
+              <a:rPr lang="en-US" sz="1100" dirty="0" err="1">
+                <a:solidFill>
+                  <a:srgbClr val="9CDCFE"/>
+                </a:solidFill>
+                <a:latin typeface="Consolas" panose="020B0609020204030204" pitchFamily="49" charset="0"/>
+              </a:rPr>
+              <a:t>dist</a:t>
+            </a:r>
+            <a:r>
+              <a:rPr lang="en-US" sz="1100" dirty="0">
+                <a:solidFill>
+                  <a:srgbClr val="CCCCCC"/>
+                </a:solidFill>
+                <a:latin typeface="Consolas" panose="020B0609020204030204" pitchFamily="49" charset="0"/>
+              </a:rPr>
+              <a:t>[</a:t>
+            </a:r>
+            <a:r>
+              <a:rPr lang="en-US" sz="1100" dirty="0" err="1">
+                <a:solidFill>
+                  <a:srgbClr val="9CDCFE"/>
+                </a:solidFill>
+                <a:latin typeface="Consolas" panose="020B0609020204030204" pitchFamily="49" charset="0"/>
+              </a:rPr>
+              <a:t>e</a:t>
+            </a:r>
+            <a:r>
+              <a:rPr lang="en-US" sz="1100" dirty="0" err="1">
+                <a:solidFill>
+                  <a:srgbClr val="CCCCCC"/>
+                </a:solidFill>
+                <a:latin typeface="Consolas" panose="020B0609020204030204" pitchFamily="49" charset="0"/>
+              </a:rPr>
+              <a:t>.</a:t>
+            </a:r>
+            <a:r>
+              <a:rPr lang="en-US" sz="1100" dirty="0" err="1">
+                <a:solidFill>
+                  <a:srgbClr val="9CDCFE"/>
+                </a:solidFill>
+                <a:latin typeface="Consolas" panose="020B0609020204030204" pitchFamily="49" charset="0"/>
+              </a:rPr>
+              <a:t>first</a:t>
+            </a:r>
+            <a:r>
+              <a:rPr lang="en-US" sz="1100" dirty="0">
+                <a:solidFill>
+                  <a:srgbClr val="CCCCCC"/>
+                </a:solidFill>
+                <a:latin typeface="Consolas" panose="020B0609020204030204" pitchFamily="49" charset="0"/>
+              </a:rPr>
+              <a:t>]) </a:t>
+            </a:r>
+            <a:r>
+              <a:rPr lang="en-US" sz="1100" dirty="0">
+                <a:solidFill>
+                  <a:srgbClr val="C586C0"/>
+                </a:solidFill>
+                <a:latin typeface="Consolas" panose="020B0609020204030204" pitchFamily="49" charset="0"/>
+              </a:rPr>
+              <a:t>continue</a:t>
+            </a:r>
+            <a:r>
+              <a:rPr lang="en-US" sz="1100" dirty="0" smtClean="0">
+                <a:solidFill>
+                  <a:srgbClr val="CCCCCC"/>
+                </a:solidFill>
+                <a:latin typeface="Consolas" panose="020B0609020204030204" pitchFamily="49" charset="0"/>
+              </a:rPr>
+              <a:t>;</a:t>
+            </a:r>
+            <a:endParaRPr lang="en-US" sz="1100" dirty="0">
+              <a:solidFill>
+                <a:srgbClr val="CCCCCC"/>
+              </a:solidFill>
+              <a:latin typeface="Consolas" panose="020B0609020204030204" pitchFamily="49" charset="0"/>
+            </a:endParaRPr>
+          </a:p>
+          <a:p>
+            <a:r>
+              <a:rPr lang="en-US" sz="1100" dirty="0">
+                <a:solidFill>
+                  <a:srgbClr val="CCCCCC"/>
+                </a:solidFill>
+                <a:latin typeface="Consolas" panose="020B0609020204030204" pitchFamily="49" charset="0"/>
+              </a:rPr>
+              <a:t>    </a:t>
+            </a:r>
+            <a:r>
+              <a:rPr lang="en-US" sz="1100" dirty="0" smtClean="0">
+                <a:solidFill>
+                  <a:srgbClr val="C586C0"/>
+                </a:solidFill>
+                <a:latin typeface="Consolas" panose="020B0609020204030204" pitchFamily="49" charset="0"/>
+              </a:rPr>
+              <a:t>for</a:t>
+            </a:r>
+            <a:r>
+              <a:rPr lang="en-US" sz="1100" dirty="0" smtClean="0">
+                <a:solidFill>
+                  <a:srgbClr val="CCCCCC"/>
+                </a:solidFill>
+                <a:latin typeface="Consolas" panose="020B0609020204030204" pitchFamily="49" charset="0"/>
+              </a:rPr>
+              <a:t> </a:t>
+            </a:r>
+            <a:r>
+              <a:rPr lang="en-US" sz="1100" dirty="0">
+                <a:solidFill>
+                  <a:srgbClr val="CCCCCC"/>
+                </a:solidFill>
+                <a:latin typeface="Consolas" panose="020B0609020204030204" pitchFamily="49" charset="0"/>
+              </a:rPr>
+              <a:t>(</a:t>
+            </a:r>
+            <a:r>
+              <a:rPr lang="en-US" sz="1100" dirty="0" err="1">
+                <a:solidFill>
+                  <a:srgbClr val="9CDCFE"/>
+                </a:solidFill>
+                <a:latin typeface="Consolas" panose="020B0609020204030204" pitchFamily="49" charset="0"/>
+              </a:rPr>
+              <a:t>i</a:t>
+            </a:r>
+            <a:r>
+              <a:rPr lang="en-US" sz="1100" dirty="0">
+                <a:solidFill>
+                  <a:srgbClr val="CCCCCC"/>
+                </a:solidFill>
+                <a:latin typeface="Consolas" panose="020B0609020204030204" pitchFamily="49" charset="0"/>
+              </a:rPr>
+              <a:t> </a:t>
+            </a:r>
+            <a:r>
+              <a:rPr lang="en-US" sz="1100" dirty="0">
+                <a:solidFill>
+                  <a:srgbClr val="D4D4D4"/>
+                </a:solidFill>
+                <a:latin typeface="Consolas" panose="020B0609020204030204" pitchFamily="49" charset="0"/>
+              </a:rPr>
+              <a:t>=</a:t>
+            </a:r>
+            <a:r>
+              <a:rPr lang="en-US" sz="1100" dirty="0">
+                <a:solidFill>
+                  <a:srgbClr val="CCCCCC"/>
+                </a:solidFill>
+                <a:latin typeface="Consolas" panose="020B0609020204030204" pitchFamily="49" charset="0"/>
+              </a:rPr>
+              <a:t> </a:t>
+            </a:r>
+            <a:r>
+              <a:rPr lang="en-US" sz="1100" dirty="0">
+                <a:solidFill>
+                  <a:srgbClr val="B5CEA8"/>
+                </a:solidFill>
+                <a:latin typeface="Consolas" panose="020B0609020204030204" pitchFamily="49" charset="0"/>
+              </a:rPr>
+              <a:t>0</a:t>
+            </a:r>
+            <a:r>
+              <a:rPr lang="en-US" sz="1100" dirty="0">
+                <a:solidFill>
+                  <a:srgbClr val="CCCCCC"/>
+                </a:solidFill>
+                <a:latin typeface="Consolas" panose="020B0609020204030204" pitchFamily="49" charset="0"/>
+              </a:rPr>
+              <a:t>; </a:t>
+            </a:r>
+            <a:r>
+              <a:rPr lang="en-US" sz="1100" dirty="0" err="1">
+                <a:solidFill>
+                  <a:srgbClr val="9CDCFE"/>
+                </a:solidFill>
+                <a:latin typeface="Consolas" panose="020B0609020204030204" pitchFamily="49" charset="0"/>
+              </a:rPr>
+              <a:t>i</a:t>
+            </a:r>
+            <a:r>
+              <a:rPr lang="en-US" sz="1100" dirty="0">
+                <a:solidFill>
+                  <a:srgbClr val="CCCCCC"/>
+                </a:solidFill>
+                <a:latin typeface="Consolas" panose="020B0609020204030204" pitchFamily="49" charset="0"/>
+              </a:rPr>
+              <a:t> </a:t>
+            </a:r>
+            <a:r>
+              <a:rPr lang="en-US" sz="1100" dirty="0">
+                <a:solidFill>
+                  <a:srgbClr val="D4D4D4"/>
+                </a:solidFill>
+                <a:latin typeface="Consolas" panose="020B0609020204030204" pitchFamily="49" charset="0"/>
+              </a:rPr>
+              <a:t>&lt;</a:t>
+            </a:r>
+            <a:r>
+              <a:rPr lang="en-US" sz="1100" dirty="0">
+                <a:solidFill>
+                  <a:srgbClr val="CCCCCC"/>
+                </a:solidFill>
+                <a:latin typeface="Consolas" panose="020B0609020204030204" pitchFamily="49" charset="0"/>
+              </a:rPr>
+              <a:t> </a:t>
+            </a:r>
+            <a:r>
+              <a:rPr lang="en-US" sz="1100" dirty="0" err="1">
+                <a:solidFill>
+                  <a:srgbClr val="9CDCFE"/>
+                </a:solidFill>
+                <a:latin typeface="Consolas" panose="020B0609020204030204" pitchFamily="49" charset="0"/>
+              </a:rPr>
+              <a:t>G</a:t>
+            </a:r>
+            <a:r>
+              <a:rPr lang="en-US" sz="1100" dirty="0" err="1">
+                <a:solidFill>
+                  <a:srgbClr val="CCCCCC"/>
+                </a:solidFill>
+                <a:latin typeface="Consolas" panose="020B0609020204030204" pitchFamily="49" charset="0"/>
+              </a:rPr>
+              <a:t>.</a:t>
+            </a:r>
+            <a:r>
+              <a:rPr lang="en-US" sz="1100" dirty="0" err="1">
+                <a:solidFill>
+                  <a:srgbClr val="9CDCFE"/>
+                </a:solidFill>
+                <a:latin typeface="Consolas" panose="020B0609020204030204" pitchFamily="49" charset="0"/>
+              </a:rPr>
+              <a:t>data</a:t>
+            </a:r>
+            <a:r>
+              <a:rPr lang="en-US" sz="1100" dirty="0">
+                <a:solidFill>
+                  <a:srgbClr val="CCCCCC"/>
+                </a:solidFill>
+                <a:latin typeface="Consolas" panose="020B0609020204030204" pitchFamily="49" charset="0"/>
+              </a:rPr>
+              <a:t>[</a:t>
+            </a:r>
+            <a:r>
+              <a:rPr lang="en-US" sz="1100" dirty="0" err="1">
+                <a:solidFill>
+                  <a:srgbClr val="9CDCFE"/>
+                </a:solidFill>
+                <a:latin typeface="Consolas" panose="020B0609020204030204" pitchFamily="49" charset="0"/>
+              </a:rPr>
+              <a:t>e</a:t>
+            </a:r>
+            <a:r>
+              <a:rPr lang="en-US" sz="1100" dirty="0" err="1">
+                <a:solidFill>
+                  <a:srgbClr val="CCCCCC"/>
+                </a:solidFill>
+                <a:latin typeface="Consolas" panose="020B0609020204030204" pitchFamily="49" charset="0"/>
+              </a:rPr>
+              <a:t>.</a:t>
+            </a:r>
+            <a:r>
+              <a:rPr lang="en-US" sz="1100" dirty="0" err="1">
+                <a:solidFill>
+                  <a:srgbClr val="9CDCFE"/>
+                </a:solidFill>
+                <a:latin typeface="Consolas" panose="020B0609020204030204" pitchFamily="49" charset="0"/>
+              </a:rPr>
+              <a:t>first</a:t>
+            </a:r>
+            <a:r>
+              <a:rPr lang="en-US" sz="1100" dirty="0">
+                <a:solidFill>
+                  <a:srgbClr val="CCCCCC"/>
+                </a:solidFill>
+                <a:latin typeface="Consolas" panose="020B0609020204030204" pitchFamily="49" charset="0"/>
+              </a:rPr>
+              <a:t>].</a:t>
+            </a:r>
+            <a:r>
+              <a:rPr lang="en-US" sz="1100" dirty="0">
+                <a:solidFill>
+                  <a:srgbClr val="DCDCAA"/>
+                </a:solidFill>
+                <a:latin typeface="Consolas" panose="020B0609020204030204" pitchFamily="49" charset="0"/>
+              </a:rPr>
+              <a:t>size</a:t>
+            </a:r>
+            <a:r>
+              <a:rPr lang="en-US" sz="1100" dirty="0">
+                <a:solidFill>
+                  <a:srgbClr val="CCCCCC"/>
+                </a:solidFill>
+                <a:latin typeface="Consolas" panose="020B0609020204030204" pitchFamily="49" charset="0"/>
+              </a:rPr>
+              <a:t>(); </a:t>
+            </a:r>
+            <a:r>
+              <a:rPr lang="en-US" sz="1100" dirty="0">
+                <a:solidFill>
+                  <a:srgbClr val="D4D4D4"/>
+                </a:solidFill>
+                <a:latin typeface="Consolas" panose="020B0609020204030204" pitchFamily="49" charset="0"/>
+              </a:rPr>
+              <a:t>++</a:t>
+            </a:r>
+            <a:r>
+              <a:rPr lang="en-US" sz="1100" dirty="0" err="1">
+                <a:solidFill>
+                  <a:srgbClr val="9CDCFE"/>
+                </a:solidFill>
+                <a:latin typeface="Consolas" panose="020B0609020204030204" pitchFamily="49" charset="0"/>
+              </a:rPr>
+              <a:t>i</a:t>
+            </a:r>
+            <a:r>
+              <a:rPr lang="en-US" sz="1100" dirty="0">
+                <a:solidFill>
+                  <a:srgbClr val="CCCCCC"/>
+                </a:solidFill>
+                <a:latin typeface="Consolas" panose="020B0609020204030204" pitchFamily="49" charset="0"/>
+              </a:rPr>
+              <a:t>) {</a:t>
+            </a:r>
+          </a:p>
+          <a:p>
+            <a:r>
+              <a:rPr lang="en-US" sz="1100" dirty="0">
+                <a:solidFill>
+                  <a:srgbClr val="CCCCCC"/>
+                </a:solidFill>
+                <a:latin typeface="Consolas" panose="020B0609020204030204" pitchFamily="49" charset="0"/>
+              </a:rPr>
+              <a:t>      </a:t>
+            </a:r>
+            <a:r>
+              <a:rPr lang="en-US" sz="1100" dirty="0" err="1" smtClean="0">
+                <a:solidFill>
+                  <a:srgbClr val="CCCCCC"/>
+                </a:solidFill>
+                <a:latin typeface="Consolas" panose="020B0609020204030204" pitchFamily="49" charset="0"/>
+              </a:rPr>
+              <a:t>eit</a:t>
+            </a:r>
+            <a:r>
+              <a:rPr lang="en-US" sz="1100" dirty="0" smtClean="0">
+                <a:solidFill>
+                  <a:srgbClr val="CCCCCC"/>
+                </a:solidFill>
+                <a:latin typeface="Consolas" panose="020B0609020204030204" pitchFamily="49" charset="0"/>
+              </a:rPr>
+              <a:t> </a:t>
+            </a:r>
+            <a:r>
+              <a:rPr lang="en-US" sz="1100" dirty="0">
+                <a:solidFill>
+                  <a:srgbClr val="D4D4D4"/>
+                </a:solidFill>
+                <a:latin typeface="Consolas" panose="020B0609020204030204" pitchFamily="49" charset="0"/>
+              </a:rPr>
+              <a:t>=</a:t>
+            </a:r>
+            <a:r>
+              <a:rPr lang="en-US" sz="1100" dirty="0">
+                <a:solidFill>
+                  <a:srgbClr val="CCCCCC"/>
+                </a:solidFill>
+                <a:latin typeface="Consolas" panose="020B0609020204030204" pitchFamily="49" charset="0"/>
+              </a:rPr>
+              <a:t> </a:t>
+            </a:r>
+            <a:r>
+              <a:rPr lang="en-US" sz="1100" dirty="0" err="1">
+                <a:solidFill>
+                  <a:srgbClr val="9CDCFE"/>
+                </a:solidFill>
+                <a:latin typeface="Consolas" panose="020B0609020204030204" pitchFamily="49" charset="0"/>
+              </a:rPr>
+              <a:t>G</a:t>
+            </a:r>
+            <a:r>
+              <a:rPr lang="en-US" sz="1100" dirty="0" err="1">
+                <a:solidFill>
+                  <a:srgbClr val="CCCCCC"/>
+                </a:solidFill>
+                <a:latin typeface="Consolas" panose="020B0609020204030204" pitchFamily="49" charset="0"/>
+              </a:rPr>
+              <a:t>.</a:t>
+            </a:r>
+            <a:r>
+              <a:rPr lang="en-US" sz="1100" dirty="0" err="1">
+                <a:solidFill>
+                  <a:srgbClr val="9CDCFE"/>
+                </a:solidFill>
+                <a:latin typeface="Consolas" panose="020B0609020204030204" pitchFamily="49" charset="0"/>
+              </a:rPr>
+              <a:t>data</a:t>
+            </a:r>
+            <a:r>
+              <a:rPr lang="en-US" sz="1100" dirty="0">
+                <a:solidFill>
+                  <a:srgbClr val="CCCCCC"/>
+                </a:solidFill>
+                <a:latin typeface="Consolas" panose="020B0609020204030204" pitchFamily="49" charset="0"/>
+              </a:rPr>
+              <a:t>[</a:t>
+            </a:r>
+            <a:r>
+              <a:rPr lang="en-US" sz="1100" dirty="0" err="1">
+                <a:solidFill>
+                  <a:srgbClr val="9CDCFE"/>
+                </a:solidFill>
+                <a:latin typeface="Consolas" panose="020B0609020204030204" pitchFamily="49" charset="0"/>
+              </a:rPr>
+              <a:t>e</a:t>
+            </a:r>
+            <a:r>
+              <a:rPr lang="en-US" sz="1100" dirty="0" err="1">
+                <a:solidFill>
+                  <a:srgbClr val="CCCCCC"/>
+                </a:solidFill>
+                <a:latin typeface="Consolas" panose="020B0609020204030204" pitchFamily="49" charset="0"/>
+              </a:rPr>
+              <a:t>.</a:t>
+            </a:r>
+            <a:r>
+              <a:rPr lang="en-US" sz="1100" dirty="0" err="1">
+                <a:solidFill>
+                  <a:srgbClr val="9CDCFE"/>
+                </a:solidFill>
+                <a:latin typeface="Consolas" panose="020B0609020204030204" pitchFamily="49" charset="0"/>
+              </a:rPr>
+              <a:t>first</a:t>
+            </a:r>
+            <a:r>
+              <a:rPr lang="en-US" sz="1100" dirty="0">
+                <a:solidFill>
+                  <a:srgbClr val="CCCCCC"/>
+                </a:solidFill>
+                <a:latin typeface="Consolas" panose="020B0609020204030204" pitchFamily="49" charset="0"/>
+              </a:rPr>
+              <a:t>][</a:t>
+            </a:r>
+            <a:r>
+              <a:rPr lang="en-US" sz="1100" dirty="0" err="1">
+                <a:solidFill>
+                  <a:srgbClr val="9CDCFE"/>
+                </a:solidFill>
+                <a:latin typeface="Consolas" panose="020B0609020204030204" pitchFamily="49" charset="0"/>
+              </a:rPr>
+              <a:t>i</a:t>
+            </a:r>
+            <a:r>
+              <a:rPr lang="en-US" sz="1100" dirty="0">
+                <a:solidFill>
+                  <a:srgbClr val="CCCCCC"/>
+                </a:solidFill>
+                <a:latin typeface="Consolas" panose="020B0609020204030204" pitchFamily="49" charset="0"/>
+              </a:rPr>
+              <a:t>];</a:t>
+            </a:r>
+          </a:p>
+          <a:p>
+            <a:r>
+              <a:rPr lang="en-US" sz="1100" dirty="0">
+                <a:solidFill>
+                  <a:srgbClr val="CCCCCC"/>
+                </a:solidFill>
+                <a:latin typeface="Consolas" panose="020B0609020204030204" pitchFamily="49" charset="0"/>
+              </a:rPr>
+              <a:t>      </a:t>
+            </a:r>
+            <a:r>
+              <a:rPr lang="en-US" sz="1100" dirty="0" smtClean="0">
+                <a:solidFill>
+                  <a:srgbClr val="C586C0"/>
+                </a:solidFill>
+                <a:latin typeface="Consolas" panose="020B0609020204030204" pitchFamily="49" charset="0"/>
+              </a:rPr>
+              <a:t>if</a:t>
+            </a:r>
+            <a:r>
+              <a:rPr lang="en-US" sz="1100" dirty="0" smtClean="0">
+                <a:solidFill>
+                  <a:srgbClr val="CCCCCC"/>
+                </a:solidFill>
+                <a:latin typeface="Consolas" panose="020B0609020204030204" pitchFamily="49" charset="0"/>
+              </a:rPr>
+              <a:t> </a:t>
+            </a:r>
+            <a:r>
+              <a:rPr lang="en-US" sz="1100" dirty="0">
+                <a:solidFill>
+                  <a:srgbClr val="CCCCCC"/>
+                </a:solidFill>
+                <a:latin typeface="Consolas" panose="020B0609020204030204" pitchFamily="49" charset="0"/>
+              </a:rPr>
+              <a:t>(</a:t>
+            </a:r>
+            <a:r>
+              <a:rPr lang="en-US" sz="1100" dirty="0" err="1">
+                <a:solidFill>
+                  <a:srgbClr val="9CDCFE"/>
+                </a:solidFill>
+                <a:latin typeface="Consolas" panose="020B0609020204030204" pitchFamily="49" charset="0"/>
+              </a:rPr>
+              <a:t>dist</a:t>
+            </a:r>
+            <a:r>
+              <a:rPr lang="en-US" sz="1100" dirty="0">
+                <a:solidFill>
+                  <a:srgbClr val="CCCCCC"/>
+                </a:solidFill>
+                <a:latin typeface="Consolas" panose="020B0609020204030204" pitchFamily="49" charset="0"/>
+              </a:rPr>
+              <a:t>[</a:t>
+            </a:r>
+            <a:r>
+              <a:rPr lang="en-US" sz="1100" dirty="0" err="1">
+                <a:solidFill>
+                  <a:srgbClr val="9CDCFE"/>
+                </a:solidFill>
+                <a:latin typeface="Consolas" panose="020B0609020204030204" pitchFamily="49" charset="0"/>
+              </a:rPr>
+              <a:t>eit</a:t>
+            </a:r>
+            <a:r>
+              <a:rPr lang="en-US" sz="1100" dirty="0" err="1">
+                <a:solidFill>
+                  <a:srgbClr val="CCCCCC"/>
+                </a:solidFill>
+                <a:latin typeface="Consolas" panose="020B0609020204030204" pitchFamily="49" charset="0"/>
+              </a:rPr>
+              <a:t>.</a:t>
+            </a:r>
+            <a:r>
+              <a:rPr lang="en-US" sz="1100" dirty="0" err="1">
+                <a:solidFill>
+                  <a:srgbClr val="9CDCFE"/>
+                </a:solidFill>
+                <a:latin typeface="Consolas" panose="020B0609020204030204" pitchFamily="49" charset="0"/>
+              </a:rPr>
+              <a:t>first</a:t>
+            </a:r>
+            <a:r>
+              <a:rPr lang="en-US" sz="1100" dirty="0">
+                <a:solidFill>
+                  <a:srgbClr val="CCCCCC"/>
+                </a:solidFill>
+                <a:latin typeface="Consolas" panose="020B0609020204030204" pitchFamily="49" charset="0"/>
+              </a:rPr>
+              <a:t>] </a:t>
+            </a:r>
+            <a:r>
+              <a:rPr lang="en-US" sz="1100" dirty="0">
+                <a:solidFill>
+                  <a:srgbClr val="D4D4D4"/>
+                </a:solidFill>
+                <a:latin typeface="Consolas" panose="020B0609020204030204" pitchFamily="49" charset="0"/>
+              </a:rPr>
+              <a:t>&gt;</a:t>
+            </a:r>
+            <a:r>
+              <a:rPr lang="en-US" sz="1100" dirty="0">
+                <a:solidFill>
+                  <a:srgbClr val="CCCCCC"/>
+                </a:solidFill>
+                <a:latin typeface="Consolas" panose="020B0609020204030204" pitchFamily="49" charset="0"/>
+              </a:rPr>
+              <a:t> </a:t>
+            </a:r>
+            <a:r>
+              <a:rPr lang="en-US" sz="1100" dirty="0" err="1">
+                <a:solidFill>
+                  <a:srgbClr val="9CDCFE"/>
+                </a:solidFill>
+                <a:latin typeface="Consolas" panose="020B0609020204030204" pitchFamily="49" charset="0"/>
+              </a:rPr>
+              <a:t>dist</a:t>
+            </a:r>
+            <a:r>
+              <a:rPr lang="en-US" sz="1100" dirty="0">
+                <a:solidFill>
+                  <a:srgbClr val="CCCCCC"/>
+                </a:solidFill>
+                <a:latin typeface="Consolas" panose="020B0609020204030204" pitchFamily="49" charset="0"/>
+              </a:rPr>
+              <a:t>[</a:t>
+            </a:r>
+            <a:r>
+              <a:rPr lang="en-US" sz="1100" dirty="0" err="1">
+                <a:solidFill>
+                  <a:srgbClr val="9CDCFE"/>
+                </a:solidFill>
+                <a:latin typeface="Consolas" panose="020B0609020204030204" pitchFamily="49" charset="0"/>
+              </a:rPr>
+              <a:t>e</a:t>
+            </a:r>
+            <a:r>
+              <a:rPr lang="en-US" sz="1100" dirty="0" err="1">
+                <a:solidFill>
+                  <a:srgbClr val="CCCCCC"/>
+                </a:solidFill>
+                <a:latin typeface="Consolas" panose="020B0609020204030204" pitchFamily="49" charset="0"/>
+              </a:rPr>
+              <a:t>.</a:t>
+            </a:r>
+            <a:r>
+              <a:rPr lang="en-US" sz="1100" dirty="0" err="1">
+                <a:solidFill>
+                  <a:srgbClr val="9CDCFE"/>
+                </a:solidFill>
+                <a:latin typeface="Consolas" panose="020B0609020204030204" pitchFamily="49" charset="0"/>
+              </a:rPr>
+              <a:t>first</a:t>
+            </a:r>
+            <a:r>
+              <a:rPr lang="en-US" sz="1100" dirty="0">
+                <a:solidFill>
+                  <a:srgbClr val="CCCCCC"/>
+                </a:solidFill>
+                <a:latin typeface="Consolas" panose="020B0609020204030204" pitchFamily="49" charset="0"/>
+              </a:rPr>
+              <a:t>] </a:t>
+            </a:r>
+            <a:r>
+              <a:rPr lang="en-US" sz="1100" dirty="0">
+                <a:solidFill>
+                  <a:srgbClr val="D4D4D4"/>
+                </a:solidFill>
+                <a:latin typeface="Consolas" panose="020B0609020204030204" pitchFamily="49" charset="0"/>
+              </a:rPr>
+              <a:t>+</a:t>
+            </a:r>
+            <a:r>
+              <a:rPr lang="en-US" sz="1100" dirty="0">
+                <a:solidFill>
+                  <a:srgbClr val="CCCCCC"/>
+                </a:solidFill>
+                <a:latin typeface="Consolas" panose="020B0609020204030204" pitchFamily="49" charset="0"/>
+              </a:rPr>
+              <a:t> </a:t>
+            </a:r>
+            <a:r>
+              <a:rPr lang="en-US" sz="1100" dirty="0" err="1">
+                <a:solidFill>
+                  <a:srgbClr val="9CDCFE"/>
+                </a:solidFill>
+                <a:latin typeface="Consolas" panose="020B0609020204030204" pitchFamily="49" charset="0"/>
+              </a:rPr>
+              <a:t>eit</a:t>
+            </a:r>
+            <a:r>
+              <a:rPr lang="en-US" sz="1100" dirty="0" err="1">
+                <a:solidFill>
+                  <a:srgbClr val="CCCCCC"/>
+                </a:solidFill>
+                <a:latin typeface="Consolas" panose="020B0609020204030204" pitchFamily="49" charset="0"/>
+              </a:rPr>
+              <a:t>.</a:t>
+            </a:r>
+            <a:r>
+              <a:rPr lang="en-US" sz="1100" dirty="0" err="1">
+                <a:solidFill>
+                  <a:srgbClr val="9CDCFE"/>
+                </a:solidFill>
+                <a:latin typeface="Consolas" panose="020B0609020204030204" pitchFamily="49" charset="0"/>
+              </a:rPr>
+              <a:t>second</a:t>
+            </a:r>
+            <a:r>
+              <a:rPr lang="en-US" sz="1100" dirty="0">
+                <a:solidFill>
+                  <a:srgbClr val="CCCCCC"/>
+                </a:solidFill>
+                <a:latin typeface="Consolas" panose="020B0609020204030204" pitchFamily="49" charset="0"/>
+              </a:rPr>
+              <a:t>) {</a:t>
+            </a:r>
+          </a:p>
+          <a:p>
+            <a:r>
+              <a:rPr lang="en-US" sz="1100" dirty="0">
+                <a:solidFill>
+                  <a:srgbClr val="CCCCCC"/>
+                </a:solidFill>
+                <a:latin typeface="Consolas" panose="020B0609020204030204" pitchFamily="49" charset="0"/>
+              </a:rPr>
+              <a:t>        </a:t>
+            </a:r>
+            <a:r>
+              <a:rPr lang="en-US" sz="1100" dirty="0" err="1" smtClean="0">
+                <a:solidFill>
+                  <a:srgbClr val="9CDCFE"/>
+                </a:solidFill>
+                <a:latin typeface="Consolas" panose="020B0609020204030204" pitchFamily="49" charset="0"/>
+              </a:rPr>
+              <a:t>dist</a:t>
+            </a:r>
+            <a:r>
+              <a:rPr lang="en-US" sz="1100" dirty="0" smtClean="0">
+                <a:solidFill>
+                  <a:srgbClr val="CCCCCC"/>
+                </a:solidFill>
+                <a:latin typeface="Consolas" panose="020B0609020204030204" pitchFamily="49" charset="0"/>
+              </a:rPr>
+              <a:t>[</a:t>
+            </a:r>
+            <a:r>
+              <a:rPr lang="en-US" sz="1100" dirty="0" err="1" smtClean="0">
+                <a:solidFill>
+                  <a:srgbClr val="9CDCFE"/>
+                </a:solidFill>
+                <a:latin typeface="Consolas" panose="020B0609020204030204" pitchFamily="49" charset="0"/>
+              </a:rPr>
+              <a:t>eit</a:t>
+            </a:r>
+            <a:r>
+              <a:rPr lang="en-US" sz="1100" dirty="0" err="1" smtClean="0">
+                <a:solidFill>
+                  <a:srgbClr val="CCCCCC"/>
+                </a:solidFill>
+                <a:latin typeface="Consolas" panose="020B0609020204030204" pitchFamily="49" charset="0"/>
+              </a:rPr>
+              <a:t>.</a:t>
+            </a:r>
+            <a:r>
+              <a:rPr lang="en-US" sz="1100" dirty="0" err="1" smtClean="0">
+                <a:solidFill>
+                  <a:srgbClr val="9CDCFE"/>
+                </a:solidFill>
+                <a:latin typeface="Consolas" panose="020B0609020204030204" pitchFamily="49" charset="0"/>
+              </a:rPr>
+              <a:t>first</a:t>
+            </a:r>
+            <a:r>
+              <a:rPr lang="en-US" sz="1100" dirty="0">
+                <a:solidFill>
+                  <a:srgbClr val="CCCCCC"/>
+                </a:solidFill>
+                <a:latin typeface="Consolas" panose="020B0609020204030204" pitchFamily="49" charset="0"/>
+              </a:rPr>
+              <a:t>] </a:t>
+            </a:r>
+            <a:r>
+              <a:rPr lang="en-US" sz="1100" dirty="0">
+                <a:solidFill>
+                  <a:srgbClr val="D4D4D4"/>
+                </a:solidFill>
+                <a:latin typeface="Consolas" panose="020B0609020204030204" pitchFamily="49" charset="0"/>
+              </a:rPr>
+              <a:t>=</a:t>
+            </a:r>
+            <a:r>
+              <a:rPr lang="en-US" sz="1100" dirty="0">
+                <a:solidFill>
+                  <a:srgbClr val="CCCCCC"/>
+                </a:solidFill>
+                <a:latin typeface="Consolas" panose="020B0609020204030204" pitchFamily="49" charset="0"/>
+              </a:rPr>
+              <a:t> </a:t>
+            </a:r>
+            <a:r>
+              <a:rPr lang="en-US" sz="1100" dirty="0" err="1">
+                <a:solidFill>
+                  <a:srgbClr val="9CDCFE"/>
+                </a:solidFill>
+                <a:latin typeface="Consolas" panose="020B0609020204030204" pitchFamily="49" charset="0"/>
+              </a:rPr>
+              <a:t>dist</a:t>
+            </a:r>
+            <a:r>
+              <a:rPr lang="en-US" sz="1100" dirty="0">
+                <a:solidFill>
+                  <a:srgbClr val="CCCCCC"/>
+                </a:solidFill>
+                <a:latin typeface="Consolas" panose="020B0609020204030204" pitchFamily="49" charset="0"/>
+              </a:rPr>
+              <a:t>[</a:t>
+            </a:r>
+            <a:r>
+              <a:rPr lang="en-US" sz="1100" dirty="0" err="1">
+                <a:solidFill>
+                  <a:srgbClr val="9CDCFE"/>
+                </a:solidFill>
+                <a:latin typeface="Consolas" panose="020B0609020204030204" pitchFamily="49" charset="0"/>
+              </a:rPr>
+              <a:t>e</a:t>
+            </a:r>
+            <a:r>
+              <a:rPr lang="en-US" sz="1100" dirty="0" err="1">
+                <a:solidFill>
+                  <a:srgbClr val="CCCCCC"/>
+                </a:solidFill>
+                <a:latin typeface="Consolas" panose="020B0609020204030204" pitchFamily="49" charset="0"/>
+              </a:rPr>
+              <a:t>.</a:t>
+            </a:r>
+            <a:r>
+              <a:rPr lang="en-US" sz="1100" dirty="0" err="1">
+                <a:solidFill>
+                  <a:srgbClr val="9CDCFE"/>
+                </a:solidFill>
+                <a:latin typeface="Consolas" panose="020B0609020204030204" pitchFamily="49" charset="0"/>
+              </a:rPr>
+              <a:t>first</a:t>
+            </a:r>
+            <a:r>
+              <a:rPr lang="en-US" sz="1100" dirty="0">
+                <a:solidFill>
+                  <a:srgbClr val="CCCCCC"/>
+                </a:solidFill>
+                <a:latin typeface="Consolas" panose="020B0609020204030204" pitchFamily="49" charset="0"/>
+              </a:rPr>
+              <a:t>] </a:t>
+            </a:r>
+            <a:r>
+              <a:rPr lang="en-US" sz="1100" dirty="0">
+                <a:solidFill>
+                  <a:srgbClr val="D4D4D4"/>
+                </a:solidFill>
+                <a:latin typeface="Consolas" panose="020B0609020204030204" pitchFamily="49" charset="0"/>
+              </a:rPr>
+              <a:t>+</a:t>
+            </a:r>
+            <a:r>
+              <a:rPr lang="en-US" sz="1100" dirty="0">
+                <a:solidFill>
+                  <a:srgbClr val="CCCCCC"/>
+                </a:solidFill>
+                <a:latin typeface="Consolas" panose="020B0609020204030204" pitchFamily="49" charset="0"/>
+              </a:rPr>
+              <a:t> </a:t>
+            </a:r>
+            <a:r>
+              <a:rPr lang="en-US" sz="1100" dirty="0" err="1">
+                <a:solidFill>
+                  <a:srgbClr val="9CDCFE"/>
+                </a:solidFill>
+                <a:latin typeface="Consolas" panose="020B0609020204030204" pitchFamily="49" charset="0"/>
+              </a:rPr>
+              <a:t>eit</a:t>
+            </a:r>
+            <a:r>
+              <a:rPr lang="en-US" sz="1100" dirty="0" err="1">
+                <a:solidFill>
+                  <a:srgbClr val="CCCCCC"/>
+                </a:solidFill>
+                <a:latin typeface="Consolas" panose="020B0609020204030204" pitchFamily="49" charset="0"/>
+              </a:rPr>
+              <a:t>.</a:t>
+            </a:r>
+            <a:r>
+              <a:rPr lang="en-US" sz="1100" dirty="0" err="1">
+                <a:solidFill>
+                  <a:srgbClr val="9CDCFE"/>
+                </a:solidFill>
+                <a:latin typeface="Consolas" panose="020B0609020204030204" pitchFamily="49" charset="0"/>
+              </a:rPr>
+              <a:t>second</a:t>
+            </a:r>
+            <a:r>
+              <a:rPr lang="en-US" sz="1100" dirty="0">
+                <a:solidFill>
+                  <a:srgbClr val="CCCCCC"/>
+                </a:solidFill>
+                <a:latin typeface="Consolas" panose="020B0609020204030204" pitchFamily="49" charset="0"/>
+              </a:rPr>
+              <a:t>;</a:t>
+            </a:r>
+          </a:p>
+          <a:p>
+            <a:r>
+              <a:rPr lang="en-US" sz="1100" dirty="0">
+                <a:solidFill>
+                  <a:srgbClr val="CCCCCC"/>
+                </a:solidFill>
+                <a:latin typeface="Consolas" panose="020B0609020204030204" pitchFamily="49" charset="0"/>
+              </a:rPr>
+              <a:t>        </a:t>
+            </a:r>
+            <a:r>
+              <a:rPr lang="en-US" sz="1100" dirty="0" err="1" smtClean="0">
+                <a:solidFill>
+                  <a:srgbClr val="9CDCFE"/>
+                </a:solidFill>
+                <a:latin typeface="Consolas" panose="020B0609020204030204" pitchFamily="49" charset="0"/>
+              </a:rPr>
+              <a:t>q</a:t>
+            </a:r>
+            <a:r>
+              <a:rPr lang="en-US" sz="1100" dirty="0" err="1" smtClean="0">
+                <a:solidFill>
+                  <a:srgbClr val="CCCCCC"/>
+                </a:solidFill>
+                <a:latin typeface="Consolas" panose="020B0609020204030204" pitchFamily="49" charset="0"/>
+              </a:rPr>
+              <a:t>.</a:t>
+            </a:r>
+            <a:r>
+              <a:rPr lang="en-US" sz="1100" dirty="0" err="1" smtClean="0">
+                <a:solidFill>
+                  <a:srgbClr val="DCDCAA"/>
+                </a:solidFill>
+                <a:latin typeface="Consolas" panose="020B0609020204030204" pitchFamily="49" charset="0"/>
+              </a:rPr>
+              <a:t>add</a:t>
+            </a:r>
+            <a:r>
+              <a:rPr lang="en-US" sz="1100" dirty="0" smtClean="0">
+                <a:solidFill>
+                  <a:srgbClr val="CCCCCC"/>
+                </a:solidFill>
+                <a:latin typeface="Consolas" panose="020B0609020204030204" pitchFamily="49" charset="0"/>
+              </a:rPr>
+              <a:t>(</a:t>
+            </a:r>
+            <a:r>
+              <a:rPr lang="en-US" sz="1100" dirty="0" err="1" smtClean="0">
+                <a:solidFill>
+                  <a:srgbClr val="4EC9B0"/>
+                </a:solidFill>
+                <a:latin typeface="Consolas" panose="020B0609020204030204" pitchFamily="49" charset="0"/>
+              </a:rPr>
+              <a:t>std</a:t>
+            </a:r>
+            <a:r>
+              <a:rPr lang="en-US" sz="1100" dirty="0">
+                <a:solidFill>
+                  <a:srgbClr val="CCCCCC"/>
+                </a:solidFill>
+                <a:latin typeface="Consolas" panose="020B0609020204030204" pitchFamily="49" charset="0"/>
+              </a:rPr>
+              <a:t>::</a:t>
+            </a:r>
+            <a:r>
+              <a:rPr lang="en-US" sz="1100" dirty="0" err="1">
+                <a:solidFill>
+                  <a:srgbClr val="DCDCAA"/>
+                </a:solidFill>
+                <a:latin typeface="Consolas" panose="020B0609020204030204" pitchFamily="49" charset="0"/>
+              </a:rPr>
+              <a:t>make_pair</a:t>
+            </a:r>
+            <a:r>
+              <a:rPr lang="en-US" sz="1100" dirty="0">
+                <a:solidFill>
+                  <a:srgbClr val="CCCCCC"/>
+                </a:solidFill>
+                <a:latin typeface="Consolas" panose="020B0609020204030204" pitchFamily="49" charset="0"/>
+              </a:rPr>
+              <a:t>(</a:t>
+            </a:r>
+            <a:r>
+              <a:rPr lang="en-US" sz="1100" dirty="0" err="1">
+                <a:solidFill>
+                  <a:srgbClr val="9CDCFE"/>
+                </a:solidFill>
+                <a:latin typeface="Consolas" panose="020B0609020204030204" pitchFamily="49" charset="0"/>
+              </a:rPr>
+              <a:t>eit</a:t>
+            </a:r>
+            <a:r>
+              <a:rPr lang="en-US" sz="1100" dirty="0" err="1">
+                <a:solidFill>
+                  <a:srgbClr val="CCCCCC"/>
+                </a:solidFill>
+                <a:latin typeface="Consolas" panose="020B0609020204030204" pitchFamily="49" charset="0"/>
+              </a:rPr>
+              <a:t>.</a:t>
+            </a:r>
+            <a:r>
+              <a:rPr lang="en-US" sz="1100" dirty="0" err="1">
+                <a:solidFill>
+                  <a:srgbClr val="9CDCFE"/>
+                </a:solidFill>
+                <a:latin typeface="Consolas" panose="020B0609020204030204" pitchFamily="49" charset="0"/>
+              </a:rPr>
+              <a:t>first</a:t>
+            </a:r>
+            <a:r>
+              <a:rPr lang="en-US" sz="1100" dirty="0">
+                <a:solidFill>
+                  <a:srgbClr val="CCCCCC"/>
+                </a:solidFill>
+                <a:latin typeface="Consolas" panose="020B0609020204030204" pitchFamily="49" charset="0"/>
+              </a:rPr>
+              <a:t>, </a:t>
+            </a:r>
+            <a:r>
+              <a:rPr lang="en-US" sz="1100" dirty="0" err="1">
+                <a:solidFill>
+                  <a:srgbClr val="9CDCFE"/>
+                </a:solidFill>
+                <a:latin typeface="Consolas" panose="020B0609020204030204" pitchFamily="49" charset="0"/>
+              </a:rPr>
+              <a:t>dist</a:t>
+            </a:r>
+            <a:r>
+              <a:rPr lang="en-US" sz="1100" dirty="0">
+                <a:solidFill>
+                  <a:srgbClr val="CCCCCC"/>
+                </a:solidFill>
+                <a:latin typeface="Consolas" panose="020B0609020204030204" pitchFamily="49" charset="0"/>
+              </a:rPr>
+              <a:t>[</a:t>
+            </a:r>
+            <a:r>
+              <a:rPr lang="en-US" sz="1100" dirty="0" err="1">
+                <a:solidFill>
+                  <a:srgbClr val="9CDCFE"/>
+                </a:solidFill>
+                <a:latin typeface="Consolas" panose="020B0609020204030204" pitchFamily="49" charset="0"/>
+              </a:rPr>
+              <a:t>eit</a:t>
+            </a:r>
+            <a:r>
+              <a:rPr lang="en-US" sz="1100" dirty="0" err="1">
+                <a:solidFill>
+                  <a:srgbClr val="CCCCCC"/>
+                </a:solidFill>
+                <a:latin typeface="Consolas" panose="020B0609020204030204" pitchFamily="49" charset="0"/>
+              </a:rPr>
+              <a:t>.</a:t>
+            </a:r>
+            <a:r>
+              <a:rPr lang="en-US" sz="1100" dirty="0" err="1">
+                <a:solidFill>
+                  <a:srgbClr val="9CDCFE"/>
+                </a:solidFill>
+                <a:latin typeface="Consolas" panose="020B0609020204030204" pitchFamily="49" charset="0"/>
+              </a:rPr>
+              <a:t>first</a:t>
+            </a:r>
+            <a:r>
+              <a:rPr lang="en-US" sz="1100" dirty="0">
+                <a:solidFill>
+                  <a:srgbClr val="CCCCCC"/>
+                </a:solidFill>
+                <a:latin typeface="Consolas" panose="020B0609020204030204" pitchFamily="49" charset="0"/>
+              </a:rPr>
+              <a:t>]));</a:t>
+            </a:r>
+          </a:p>
+          <a:p>
+            <a:r>
+              <a:rPr lang="en-US" sz="1100" dirty="0">
+                <a:solidFill>
+                  <a:srgbClr val="CCCCCC"/>
+                </a:solidFill>
+                <a:latin typeface="Consolas" panose="020B0609020204030204" pitchFamily="49" charset="0"/>
+              </a:rPr>
+              <a:t>        </a:t>
+            </a:r>
+            <a:r>
+              <a:rPr lang="en-US" sz="1100" dirty="0" err="1" smtClean="0">
+                <a:solidFill>
+                  <a:srgbClr val="9CDCFE"/>
+                </a:solidFill>
+                <a:latin typeface="Consolas" panose="020B0609020204030204" pitchFamily="49" charset="0"/>
+              </a:rPr>
+              <a:t>pathes</a:t>
+            </a:r>
+            <a:r>
+              <a:rPr lang="en-US" sz="1100" dirty="0" smtClean="0">
+                <a:solidFill>
+                  <a:srgbClr val="CCCCCC"/>
+                </a:solidFill>
+                <a:latin typeface="Consolas" panose="020B0609020204030204" pitchFamily="49" charset="0"/>
+              </a:rPr>
+              <a:t>[</a:t>
+            </a:r>
+            <a:r>
+              <a:rPr lang="en-US" sz="1100" dirty="0" err="1" smtClean="0">
+                <a:solidFill>
+                  <a:srgbClr val="9CDCFE"/>
+                </a:solidFill>
+                <a:latin typeface="Consolas" panose="020B0609020204030204" pitchFamily="49" charset="0"/>
+              </a:rPr>
+              <a:t>eit</a:t>
+            </a:r>
+            <a:r>
+              <a:rPr lang="en-US" sz="1100" dirty="0" err="1" smtClean="0">
+                <a:solidFill>
+                  <a:srgbClr val="CCCCCC"/>
+                </a:solidFill>
+                <a:latin typeface="Consolas" panose="020B0609020204030204" pitchFamily="49" charset="0"/>
+              </a:rPr>
+              <a:t>.</a:t>
+            </a:r>
+            <a:r>
+              <a:rPr lang="en-US" sz="1100" dirty="0" err="1" smtClean="0">
+                <a:solidFill>
+                  <a:srgbClr val="9CDCFE"/>
+                </a:solidFill>
+                <a:latin typeface="Consolas" panose="020B0609020204030204" pitchFamily="49" charset="0"/>
+              </a:rPr>
+              <a:t>first</a:t>
+            </a:r>
+            <a:r>
+              <a:rPr lang="en-US" sz="1100" dirty="0">
+                <a:solidFill>
+                  <a:srgbClr val="CCCCCC"/>
+                </a:solidFill>
+                <a:latin typeface="Consolas" panose="020B0609020204030204" pitchFamily="49" charset="0"/>
+              </a:rPr>
+              <a:t>] </a:t>
+            </a:r>
+            <a:r>
+              <a:rPr lang="en-US" sz="1100" dirty="0">
+                <a:solidFill>
+                  <a:srgbClr val="D4D4D4"/>
+                </a:solidFill>
+                <a:latin typeface="Consolas" panose="020B0609020204030204" pitchFamily="49" charset="0"/>
+              </a:rPr>
+              <a:t>=</a:t>
+            </a:r>
+            <a:r>
+              <a:rPr lang="en-US" sz="1100" dirty="0">
+                <a:solidFill>
+                  <a:srgbClr val="CCCCCC"/>
+                </a:solidFill>
+                <a:latin typeface="Consolas" panose="020B0609020204030204" pitchFamily="49" charset="0"/>
+              </a:rPr>
+              <a:t> </a:t>
+            </a:r>
+            <a:r>
+              <a:rPr lang="en-US" sz="1100" dirty="0" err="1">
+                <a:solidFill>
+                  <a:srgbClr val="9CDCFE"/>
+                </a:solidFill>
+                <a:latin typeface="Consolas" panose="020B0609020204030204" pitchFamily="49" charset="0"/>
+              </a:rPr>
+              <a:t>e</a:t>
+            </a:r>
+            <a:r>
+              <a:rPr lang="en-US" sz="1100" dirty="0" err="1">
+                <a:solidFill>
+                  <a:srgbClr val="CCCCCC"/>
+                </a:solidFill>
+                <a:latin typeface="Consolas" panose="020B0609020204030204" pitchFamily="49" charset="0"/>
+              </a:rPr>
+              <a:t>.</a:t>
+            </a:r>
+            <a:r>
+              <a:rPr lang="en-US" sz="1100" dirty="0" err="1">
+                <a:solidFill>
+                  <a:srgbClr val="9CDCFE"/>
+                </a:solidFill>
+                <a:latin typeface="Consolas" panose="020B0609020204030204" pitchFamily="49" charset="0"/>
+              </a:rPr>
+              <a:t>first</a:t>
+            </a:r>
+            <a:r>
+              <a:rPr lang="en-US" sz="1100" dirty="0">
+                <a:solidFill>
+                  <a:srgbClr val="CCCCCC"/>
+                </a:solidFill>
+                <a:latin typeface="Consolas" panose="020B0609020204030204" pitchFamily="49" charset="0"/>
+              </a:rPr>
+              <a:t>;</a:t>
+            </a:r>
+          </a:p>
+          <a:p>
+            <a:r>
+              <a:rPr lang="en-US" sz="1100" dirty="0">
+                <a:solidFill>
+                  <a:srgbClr val="CCCCCC"/>
+                </a:solidFill>
+                <a:latin typeface="Consolas" panose="020B0609020204030204" pitchFamily="49" charset="0"/>
+              </a:rPr>
+              <a:t>      </a:t>
+            </a:r>
+            <a:r>
+              <a:rPr lang="en-US" sz="1100" dirty="0" smtClean="0">
+                <a:solidFill>
+                  <a:srgbClr val="CCCCCC"/>
+                </a:solidFill>
+                <a:latin typeface="Consolas" panose="020B0609020204030204" pitchFamily="49" charset="0"/>
+              </a:rPr>
+              <a:t>}</a:t>
+            </a:r>
+            <a:endParaRPr lang="en-US" sz="1100" dirty="0">
+              <a:solidFill>
+                <a:srgbClr val="CCCCCC"/>
+              </a:solidFill>
+              <a:latin typeface="Consolas" panose="020B0609020204030204" pitchFamily="49" charset="0"/>
+            </a:endParaRPr>
+          </a:p>
+          <a:p>
+            <a:r>
+              <a:rPr lang="en-US" sz="1100" dirty="0">
+                <a:solidFill>
+                  <a:srgbClr val="CCCCCC"/>
+                </a:solidFill>
+                <a:latin typeface="Consolas" panose="020B0609020204030204" pitchFamily="49" charset="0"/>
+              </a:rPr>
+              <a:t>    </a:t>
+            </a:r>
+            <a:r>
+              <a:rPr lang="en-US" sz="1100" dirty="0" smtClean="0">
+                <a:solidFill>
+                  <a:srgbClr val="CCCCCC"/>
+                </a:solidFill>
+                <a:latin typeface="Consolas" panose="020B0609020204030204" pitchFamily="49" charset="0"/>
+              </a:rPr>
+              <a:t>}</a:t>
+            </a:r>
+            <a:endParaRPr lang="en-US" sz="1100" dirty="0">
+              <a:solidFill>
+                <a:srgbClr val="CCCCCC"/>
+              </a:solidFill>
+              <a:latin typeface="Consolas" panose="020B0609020204030204" pitchFamily="49" charset="0"/>
+            </a:endParaRPr>
+          </a:p>
+          <a:p>
+            <a:r>
+              <a:rPr lang="en-US" sz="1100" dirty="0">
+                <a:solidFill>
+                  <a:srgbClr val="CCCCCC"/>
+                </a:solidFill>
+                <a:latin typeface="Consolas" panose="020B0609020204030204" pitchFamily="49" charset="0"/>
+              </a:rPr>
+              <a:t>  </a:t>
+            </a:r>
+            <a:r>
+              <a:rPr lang="en-US" sz="1100" dirty="0" smtClean="0">
+                <a:solidFill>
+                  <a:srgbClr val="CCCCCC"/>
+                </a:solidFill>
+                <a:latin typeface="Consolas" panose="020B0609020204030204" pitchFamily="49" charset="0"/>
+              </a:rPr>
+              <a:t>}</a:t>
+            </a:r>
+            <a:endParaRPr lang="en-US" sz="1100" dirty="0">
+              <a:solidFill>
+                <a:srgbClr val="CCCCCC"/>
+              </a:solidFill>
+              <a:latin typeface="Consolas" panose="020B0609020204030204" pitchFamily="49" charset="0"/>
+            </a:endParaRPr>
+          </a:p>
+          <a:p>
+            <a:r>
+              <a:rPr lang="en-US" sz="1100" dirty="0" smtClean="0">
+                <a:solidFill>
+                  <a:srgbClr val="CCCCCC"/>
+                </a:solidFill>
+                <a:latin typeface="Consolas" panose="020B0609020204030204" pitchFamily="49" charset="0"/>
+              </a:rPr>
+              <a:t>}</a:t>
+            </a:r>
+            <a:endParaRPr lang="en-US" sz="1100" dirty="0">
+              <a:solidFill>
+                <a:srgbClr val="CCCCCC"/>
+              </a:solidFill>
+              <a:latin typeface="Consolas" panose="020B0609020204030204" pitchFamily="49" charset="0"/>
+            </a:endParaRPr>
+          </a:p>
+        </p:txBody>
+      </p:sp>
     </p:spTree>
     <p:extLst>
       <p:ext uri="{BB962C8B-B14F-4D97-AF65-F5344CB8AC3E}">
-        <p14:creationId xmlns:p14="http://schemas.microsoft.com/office/powerpoint/2010/main" val="3401598507"/>
+        <p14:creationId xmlns:p14="http://schemas.microsoft.com/office/powerpoint/2010/main" val="1613906663"/>
       </p:ext>
     </p:extLst>
   </p:cSld>
   <p:clrMapOvr>
     <a:masterClrMapping/>
   </p:clrMapOvr>
+  <p:timing>
+    <p:tnLst>
+      <p:par>
+        <p:cTn id="1" dur="indefinite" restart="never" nodeType="tmRoot"/>
+      </p:par>
+    </p:tnLst>
+  </p:timing>
 </p:sld>
 </file>
 
@@ -1878,6 +5817,13 @@
   <p:clrMapOvr>
     <a:masterClrMapping/>
   </p:clrMapOvr>
+  <p:timing>
+    <p:tnLst>
+      <p:par>
+        <p:cTn id="1" dur="indefinite" restart="never" nodeType="tmRoot"/>
+      </p:par>
+    </p:tnLst>
+  </p:timing>
 </p:sld>
 </file>
 
@@ -2011,6 +5957,13 @@
   <p:clrMapOvr>
     <a:masterClrMapping/>
   </p:clrMapOvr>
+  <p:timing>
+    <p:tnLst>
+      <p:par>
+        <p:cTn id="1" dur="indefinite" restart="never" nodeType="tmRoot"/>
+      </p:par>
+    </p:tnLst>
+  </p:timing>
 </p:sld>
 </file>
 
@@ -2347,6 +6300,13 @@
   <p:clrMapOvr>
     <a:masterClrMapping/>
   </p:clrMapOvr>
+  <p:timing>
+    <p:tnLst>
+      <p:par>
+        <p:cTn id="1" dur="indefinite" restart="never" nodeType="tmRoot"/>
+      </p:par>
+    </p:tnLst>
+  </p:timing>
 </p:sld>
 </file>
 
@@ -2688,6 +6648,13 @@
   <p:clrMapOvr>
     <a:masterClrMapping/>
   </p:clrMapOvr>
+  <p:timing>
+    <p:tnLst>
+      <p:par>
+        <p:cTn id="1" dur="indefinite" restart="never" nodeType="tmRoot"/>
+      </p:par>
+    </p:tnLst>
+  </p:timing>
 </p:sld>
 </file>
 
@@ -2768,6 +6735,13 @@
   <p:clrMapOvr>
     <a:masterClrMapping/>
   </p:clrMapOvr>
+  <p:timing>
+    <p:tnLst>
+      <p:par>
+        <p:cTn id="1" dur="indefinite" restart="never" nodeType="tmRoot"/>
+      </p:par>
+    </p:tnLst>
+  </p:timing>
 </p:sld>
 </file>
 
@@ -3328,6 +7302,13 @@
   <p:clrMapOvr>
     <a:masterClrMapping/>
   </p:clrMapOvr>
+  <p:timing>
+    <p:tnLst>
+      <p:par>
+        <p:cTn id="1" dur="indefinite" restart="never" nodeType="tmRoot"/>
+      </p:par>
+    </p:tnLst>
+  </p:timing>
 </p:sld>
 </file>
 
@@ -3779,6 +7760,13 @@
   <p:clrMapOvr>
     <a:masterClrMapping/>
   </p:clrMapOvr>
+  <p:timing>
+    <p:tnLst>
+      <p:par>
+        <p:cTn id="1" dur="indefinite" restart="never" nodeType="tmRoot"/>
+      </p:par>
+    </p:tnLst>
+  </p:timing>
 </p:sld>
 </file>
 
@@ -4208,6 +8196,13 @@
   <p:clrMapOvr>
     <a:masterClrMapping/>
   </p:clrMapOvr>
+  <p:timing>
+    <p:tnLst>
+      <p:par>
+        <p:cTn id="1" dur="indefinite" restart="never" nodeType="tmRoot"/>
+      </p:par>
+    </p:tnLst>
+  </p:timing>
 </p:sld>
 </file>
 
@@ -6993,6 +10988,13 @@
   <p:clrMapOvr>
     <a:masterClrMapping/>
   </p:clrMapOvr>
+  <p:timing>
+    <p:tnLst>
+      <p:par>
+        <p:cTn id="1" dur="indefinite" restart="never" nodeType="tmRoot"/>
+      </p:par>
+    </p:tnLst>
+  </p:timing>
 </p:sld>
 </file>
 
@@ -7093,14 +11095,14 @@
           <p:nvPr>
             <p:extLst>
               <p:ext uri="{D42A27DB-BD31-4B8C-83A1-F6EECF244321}">
-                <p14:modId xmlns:p14="http://schemas.microsoft.com/office/powerpoint/2010/main" val="48035922"/>
+                <p14:modId xmlns:p14="http://schemas.microsoft.com/office/powerpoint/2010/main" val="4225271001"/>
               </p:ext>
             </p:extLst>
           </p:nvPr>
         </p:nvGraphicFramePr>
         <p:xfrm>
           <a:off x="971600" y="1766889"/>
-          <a:ext cx="5848350" cy="1219200"/>
+          <a:ext cx="5400601" cy="1371600"/>
         </p:xfrm>
         <a:graphic>
           <a:graphicData uri="http://schemas.openxmlformats.org/drawingml/2006/table">
@@ -7109,14 +11111,14 @@
                 <a:tableStyleId>{5C22544A-7EE6-4342-B048-85BDC9FD1C3A}</a:tableStyleId>
               </a:tblPr>
               <a:tblGrid>
-                <a:gridCol w="2720384">
+                <a:gridCol w="2512112">
                   <a:extLst>
                     <a:ext uri="{9D8B030D-6E8A-4147-A177-3AD203B41FA5}">
                       <a16:colId xmlns:a16="http://schemas.microsoft.com/office/drawing/2014/main" val="117337084"/>
                     </a:ext>
                   </a:extLst>
                 </a:gridCol>
-                <a:gridCol w="3127966">
+                <a:gridCol w="2888489">
                   <a:extLst>
                     <a:ext uri="{9D8B030D-6E8A-4147-A177-3AD203B41FA5}">
                       <a16:colId xmlns:a16="http://schemas.microsoft.com/office/drawing/2014/main" val="2318025807"/>
@@ -7131,7 +11133,7 @@
                     <a:lstStyle/>
                     <a:p>
                       <a:r>
-                        <a:rPr lang="en-US" sz="1200" b="0" dirty="0">
+                        <a:rPr lang="en-US" sz="1400" b="0" dirty="0">
                           <a:solidFill>
                             <a:srgbClr val="C586C0"/>
                           </a:solidFill>
@@ -7141,7 +11143,7 @@
                         <a:t>for</a:t>
                       </a:r>
                       <a:r>
-                        <a:rPr lang="en-US" sz="1200" b="0" baseline="0" dirty="0">
+                        <a:rPr lang="en-US" sz="1400" b="0" baseline="0" dirty="0">
                           <a:solidFill>
                             <a:schemeClr val="bg1"/>
                           </a:solidFill>
@@ -7151,7 +11153,7 @@
                         <a:t> </a:t>
                       </a:r>
                       <a:r>
-                        <a:rPr lang="ru-RU" sz="1200" dirty="0">
+                        <a:rPr lang="ru-RU" sz="1400" dirty="0">
                           <a:solidFill>
                             <a:schemeClr val="bg1"/>
                           </a:solidFill>
@@ -7161,7 +11163,7 @@
                         <a:t>(</a:t>
                       </a:r>
                       <a:r>
-                        <a:rPr lang="ru-RU" sz="1200" dirty="0">
+                        <a:rPr lang="ru-RU" sz="1400" dirty="0">
                           <a:solidFill>
                             <a:srgbClr val="DCDCAA"/>
                           </a:solidFill>
@@ -7171,7 +11173,7 @@
                         <a:t>expr1</a:t>
                       </a:r>
                       <a:r>
-                        <a:rPr lang="ru-RU" sz="1200" dirty="0">
+                        <a:rPr lang="ru-RU" sz="1400" dirty="0">
                           <a:solidFill>
                             <a:schemeClr val="bg1"/>
                           </a:solidFill>
@@ -7181,7 +11183,7 @@
                         <a:t>; </a:t>
                       </a:r>
                       <a:r>
-                        <a:rPr lang="ru-RU" sz="1200" dirty="0">
+                        <a:rPr lang="ru-RU" sz="1400" dirty="0">
                           <a:solidFill>
                             <a:srgbClr val="DCDCAA"/>
                           </a:solidFill>
@@ -7191,7 +11193,7 @@
                         <a:t>expr2</a:t>
                       </a:r>
                       <a:r>
-                        <a:rPr lang="ru-RU" sz="1200" dirty="0">
+                        <a:rPr lang="ru-RU" sz="1400" dirty="0">
                           <a:solidFill>
                             <a:schemeClr val="bg1"/>
                           </a:solidFill>
@@ -7201,7 +11203,7 @@
                         <a:t>; </a:t>
                       </a:r>
                       <a:r>
-                        <a:rPr lang="ru-RU" sz="1200" dirty="0">
+                        <a:rPr lang="ru-RU" sz="1400" dirty="0">
                           <a:solidFill>
                             <a:srgbClr val="DCDCAA"/>
                           </a:solidFill>
@@ -7211,7 +11213,7 @@
                         <a:t>expr3</a:t>
                       </a:r>
                       <a:r>
-                        <a:rPr lang="ru-RU" sz="1200" dirty="0">
+                        <a:rPr lang="ru-RU" sz="1400" dirty="0">
                           <a:solidFill>
                             <a:schemeClr val="bg1"/>
                           </a:solidFill>
@@ -7220,13 +11222,6 @@
                         </a:rPr>
                         <a:t>) { </a:t>
                       </a:r>
-                      <a:endParaRPr lang="ru-RU" sz="1100" dirty="0">
-                        <a:solidFill>
-                          <a:schemeClr val="bg1"/>
-                        </a:solidFill>
-                        <a:effectLst/>
-                        <a:latin typeface="Consolas" panose="020B0609020204030204" pitchFamily="49" charset="0"/>
-                      </a:endParaRPr>
                     </a:p>
                     <a:p>
                       <a:pPr algn="just">
@@ -7235,7 +11230,7 @@
                         </a:spcAft>
                       </a:pPr>
                       <a:r>
-                        <a:rPr lang="ru-RU" sz="1200" dirty="0" err="1">
+                        <a:rPr lang="ru-RU" sz="1400" u="none" dirty="0" err="1">
                           <a:solidFill>
                             <a:schemeClr val="bg1"/>
                           </a:solidFill>
@@ -7245,7 +11240,7 @@
                         <a:t>doSomething</a:t>
                       </a:r>
                       <a:r>
-                        <a:rPr lang="ru-RU" sz="1200" dirty="0">
+                        <a:rPr lang="ru-RU" sz="1400" dirty="0">
                           <a:solidFill>
                             <a:schemeClr val="bg1"/>
                           </a:solidFill>
@@ -7254,13 +11249,6 @@
                         </a:rPr>
                         <a:t>();</a:t>
                       </a:r>
-                      <a:endParaRPr lang="ru-RU" sz="1100" dirty="0">
-                        <a:solidFill>
-                          <a:schemeClr val="bg1"/>
-                        </a:solidFill>
-                        <a:effectLst/>
-                        <a:latin typeface="Consolas" panose="020B0609020204030204" pitchFamily="49" charset="0"/>
-                      </a:endParaRPr>
                     </a:p>
                     <a:p>
                       <a:pPr algn="just">
@@ -7269,7 +11257,7 @@
                         </a:spcAft>
                       </a:pPr>
                       <a:r>
-                        <a:rPr lang="ru-RU" sz="1200" dirty="0">
+                        <a:rPr lang="ru-RU" sz="1400" dirty="0">
                           <a:solidFill>
                             <a:schemeClr val="bg1"/>
                           </a:solidFill>
@@ -7278,13 +11266,6 @@
                         </a:rPr>
                         <a:t>}</a:t>
                       </a:r>
-                      <a:endParaRPr lang="ru-RU" sz="1100" dirty="0">
-                        <a:solidFill>
-                          <a:schemeClr val="bg1"/>
-                        </a:solidFill>
-                        <a:effectLst/>
-                        <a:latin typeface="Consolas" panose="020B0609020204030204" pitchFamily="49" charset="0"/>
-                      </a:endParaRPr>
                     </a:p>
                     <a:p>
                       <a:pPr algn="just">
@@ -7293,7 +11274,7 @@
                         </a:spcAft>
                       </a:pPr>
                       <a:r>
-                        <a:rPr lang="ru-RU" sz="1200" dirty="0">
+                        <a:rPr lang="ru-RU" sz="1400" dirty="0">
                           <a:solidFill>
                             <a:schemeClr val="bg1"/>
                           </a:solidFill>
@@ -7302,7 +11283,7 @@
                         </a:rPr>
                         <a:t> </a:t>
                       </a:r>
-                      <a:endParaRPr lang="ru-RU" sz="1100" dirty="0">
+                      <a:endParaRPr lang="ru-RU" sz="1400" dirty="0">
                         <a:solidFill>
                           <a:schemeClr val="bg1"/>
                         </a:solidFill>
@@ -7347,7 +11328,7 @@
                         </a:spcAft>
                       </a:pPr>
                       <a:r>
-                        <a:rPr lang="ru-RU" sz="1200" dirty="0">
+                        <a:rPr lang="ru-RU" sz="1400" dirty="0">
                           <a:solidFill>
                             <a:srgbClr val="DCDCAA"/>
                           </a:solidFill>
@@ -7357,7 +11338,7 @@
                         <a:t>expr1</a:t>
                       </a:r>
                       <a:r>
-                        <a:rPr lang="ru-RU" sz="1200" dirty="0">
+                        <a:rPr lang="ru-RU" sz="1400" dirty="0">
                           <a:solidFill>
                             <a:schemeClr val="bg1"/>
                           </a:solidFill>
@@ -7366,13 +11347,6 @@
                         </a:rPr>
                         <a:t>;</a:t>
                       </a:r>
-                      <a:endParaRPr lang="ru-RU" sz="1100" dirty="0">
-                        <a:solidFill>
-                          <a:schemeClr val="bg1"/>
-                        </a:solidFill>
-                        <a:effectLst/>
-                        <a:latin typeface="Consolas" panose="020B0609020204030204" pitchFamily="49" charset="0"/>
-                      </a:endParaRPr>
                     </a:p>
                     <a:p>
                       <a:pPr algn="just">
@@ -7381,7 +11355,7 @@
                         </a:spcAft>
                       </a:pPr>
                       <a:r>
-                        <a:rPr lang="ru-RU" sz="1200" dirty="0" err="1">
+                        <a:rPr lang="ru-RU" sz="1400" dirty="0" err="1">
                           <a:solidFill>
                             <a:srgbClr val="A071A6"/>
                           </a:solidFill>
@@ -7391,7 +11365,7 @@
                         <a:t>while</a:t>
                       </a:r>
                       <a:r>
-                        <a:rPr lang="ru-RU" sz="1200" dirty="0">
+                        <a:rPr lang="ru-RU" sz="1400" dirty="0">
                           <a:solidFill>
                             <a:schemeClr val="bg1"/>
                           </a:solidFill>
@@ -7401,7 +11375,7 @@
                         <a:t> (</a:t>
                       </a:r>
                       <a:r>
-                        <a:rPr lang="ru-RU" sz="1200" dirty="0">
+                        <a:rPr lang="ru-RU" sz="1400" dirty="0">
                           <a:solidFill>
                             <a:srgbClr val="DCDCAA"/>
                           </a:solidFill>
@@ -7411,7 +11385,7 @@
                         <a:t>expr2</a:t>
                       </a:r>
                       <a:r>
-                        <a:rPr lang="ru-RU" sz="1200" dirty="0">
+                        <a:rPr lang="ru-RU" sz="1400" dirty="0">
                           <a:solidFill>
                             <a:schemeClr val="bg1"/>
                           </a:solidFill>
@@ -7420,13 +11394,6 @@
                         </a:rPr>
                         <a:t>;) {</a:t>
                       </a:r>
-                      <a:endParaRPr lang="ru-RU" sz="1100" dirty="0">
-                        <a:solidFill>
-                          <a:schemeClr val="bg1"/>
-                        </a:solidFill>
-                        <a:effectLst/>
-                        <a:latin typeface="Consolas" panose="020B0609020204030204" pitchFamily="49" charset="0"/>
-                      </a:endParaRPr>
                     </a:p>
                     <a:p>
                       <a:pPr algn="just">
@@ -7435,7 +11402,7 @@
                         </a:spcAft>
                       </a:pPr>
                       <a:r>
-                        <a:rPr lang="ru-RU" sz="1200" dirty="0" err="1">
+                        <a:rPr lang="ru-RU" sz="1400" dirty="0" err="1">
                           <a:solidFill>
                             <a:schemeClr val="bg1"/>
                           </a:solidFill>
@@ -7445,7 +11412,7 @@
                         <a:t>doSomething</a:t>
                       </a:r>
                       <a:r>
-                        <a:rPr lang="ru-RU" sz="1200" dirty="0">
+                        <a:rPr lang="ru-RU" sz="1400" dirty="0">
                           <a:solidFill>
                             <a:schemeClr val="bg1"/>
                           </a:solidFill>
@@ -7454,13 +11421,6 @@
                         </a:rPr>
                         <a:t>();</a:t>
                       </a:r>
-                      <a:endParaRPr lang="ru-RU" sz="1100" dirty="0">
-                        <a:solidFill>
-                          <a:schemeClr val="bg1"/>
-                        </a:solidFill>
-                        <a:effectLst/>
-                        <a:latin typeface="Consolas" panose="020B0609020204030204" pitchFamily="49" charset="0"/>
-                      </a:endParaRPr>
                     </a:p>
                     <a:p>
                       <a:pPr algn="just">
@@ -7469,7 +11429,7 @@
                         </a:spcAft>
                       </a:pPr>
                       <a:r>
-                        <a:rPr lang="ru-RU" sz="1200" dirty="0">
+                        <a:rPr lang="ru-RU" sz="1400" dirty="0">
                           <a:solidFill>
                             <a:srgbClr val="DCDCAA"/>
                           </a:solidFill>
@@ -7479,7 +11439,7 @@
                         <a:t>expr3</a:t>
                       </a:r>
                       <a:r>
-                        <a:rPr lang="ru-RU" sz="1200" dirty="0">
+                        <a:rPr lang="ru-RU" sz="1400" dirty="0">
                           <a:solidFill>
                             <a:schemeClr val="bg1"/>
                           </a:solidFill>
@@ -7488,13 +11448,6 @@
                         </a:rPr>
                         <a:t>;</a:t>
                       </a:r>
-                      <a:endParaRPr lang="ru-RU" sz="1100" dirty="0">
-                        <a:solidFill>
-                          <a:schemeClr val="bg1"/>
-                        </a:solidFill>
-                        <a:effectLst/>
-                        <a:latin typeface="Consolas" panose="020B0609020204030204" pitchFamily="49" charset="0"/>
-                      </a:endParaRPr>
                     </a:p>
                     <a:p>
                       <a:pPr algn="just">
@@ -7503,7 +11456,7 @@
                         </a:spcAft>
                       </a:pPr>
                       <a:r>
-                        <a:rPr lang="ru-RU" sz="1200" dirty="0">
+                        <a:rPr lang="ru-RU" sz="1400" dirty="0">
                           <a:solidFill>
                             <a:schemeClr val="bg1"/>
                           </a:solidFill>
@@ -7512,7 +11465,7 @@
                         </a:rPr>
                         <a:t>}.</a:t>
                       </a:r>
-                      <a:endParaRPr lang="en-US" sz="1200" dirty="0">
+                      <a:endParaRPr lang="en-US" sz="1400" dirty="0">
                         <a:solidFill>
                           <a:schemeClr val="bg1"/>
                         </a:solidFill>
@@ -7564,14 +11517,14 @@
           <p:nvPr>
             <p:extLst>
               <p:ext uri="{D42A27DB-BD31-4B8C-83A1-F6EECF244321}">
-                <p14:modId xmlns:p14="http://schemas.microsoft.com/office/powerpoint/2010/main" val="2481328884"/>
+                <p14:modId xmlns:p14="http://schemas.microsoft.com/office/powerpoint/2010/main" val="3302952984"/>
               </p:ext>
             </p:extLst>
           </p:nvPr>
         </p:nvGraphicFramePr>
         <p:xfrm>
-          <a:off x="971600" y="3314700"/>
-          <a:ext cx="5915025" cy="960120"/>
+          <a:off x="971601" y="3228978"/>
+          <a:ext cx="5400600" cy="1295400"/>
         </p:xfrm>
         <a:graphic>
           <a:graphicData uri="http://schemas.openxmlformats.org/drawingml/2006/table">
@@ -7580,14 +11533,14 @@
                 <a:tableStyleId>{5C22544A-7EE6-4342-B048-85BDC9FD1C3A}</a:tableStyleId>
               </a:tblPr>
               <a:tblGrid>
-                <a:gridCol w="2736304">
+                <a:gridCol w="2498330">
                   <a:extLst>
                     <a:ext uri="{9D8B030D-6E8A-4147-A177-3AD203B41FA5}">
                       <a16:colId xmlns:a16="http://schemas.microsoft.com/office/drawing/2014/main" val="1900913391"/>
                     </a:ext>
                   </a:extLst>
                 </a:gridCol>
-                <a:gridCol w="3178721">
+                <a:gridCol w="2902270">
                   <a:extLst>
                     <a:ext uri="{9D8B030D-6E8A-4147-A177-3AD203B41FA5}">
                       <a16:colId xmlns:a16="http://schemas.microsoft.com/office/drawing/2014/main" val="1702421512"/>
@@ -7607,7 +11560,7 @@
                         </a:spcAft>
                       </a:pPr>
                       <a:r>
-                        <a:rPr lang="ru-RU" sz="1200" dirty="0" err="1">
+                        <a:rPr lang="ru-RU" sz="1400" dirty="0" err="1">
                           <a:solidFill>
                             <a:srgbClr val="A071A6"/>
                           </a:solidFill>
@@ -7617,7 +11570,7 @@
                         <a:t>while</a:t>
                       </a:r>
                       <a:r>
-                        <a:rPr lang="ru-RU" sz="1200" dirty="0">
+                        <a:rPr lang="ru-RU" sz="1400" dirty="0">
                           <a:solidFill>
                             <a:schemeClr val="bg1"/>
                           </a:solidFill>
@@ -7627,7 +11580,7 @@
                         <a:t> (</a:t>
                       </a:r>
                       <a:r>
-                        <a:rPr lang="ru-RU" sz="1200" dirty="0" err="1">
+                        <a:rPr lang="ru-RU" sz="1400" dirty="0" err="1">
                           <a:solidFill>
                             <a:srgbClr val="DCDCAA"/>
                           </a:solidFill>
@@ -7637,7 +11590,7 @@
                         <a:t>expr</a:t>
                       </a:r>
                       <a:r>
-                        <a:rPr lang="ru-RU" sz="1200" dirty="0">
+                        <a:rPr lang="ru-RU" sz="1400" dirty="0">
                           <a:solidFill>
                             <a:schemeClr val="bg1"/>
                           </a:solidFill>
@@ -7646,13 +11599,6 @@
                         </a:rPr>
                         <a:t>) {</a:t>
                       </a:r>
-                      <a:endParaRPr lang="ru-RU" sz="1100" dirty="0">
-                        <a:solidFill>
-                          <a:schemeClr val="bg1"/>
-                        </a:solidFill>
-                        <a:effectLst/>
-                        <a:latin typeface="Consolas" panose="020B0609020204030204" pitchFamily="49" charset="0"/>
-                      </a:endParaRPr>
                     </a:p>
                     <a:p>
                       <a:pPr algn="just">
@@ -7661,7 +11607,7 @@
                         </a:spcAft>
                       </a:pPr>
                       <a:r>
-                        <a:rPr lang="ru-RU" sz="1200" dirty="0" err="1">
+                        <a:rPr lang="ru-RU" sz="1400" dirty="0" err="1">
                           <a:solidFill>
                             <a:schemeClr val="bg1"/>
                           </a:solidFill>
@@ -7671,7 +11617,7 @@
                         <a:t>doSomething</a:t>
                       </a:r>
                       <a:r>
-                        <a:rPr lang="ru-RU" sz="1200" dirty="0">
+                        <a:rPr lang="ru-RU" sz="1400" dirty="0">
                           <a:solidFill>
                             <a:schemeClr val="bg1"/>
                           </a:solidFill>
@@ -7680,13 +11626,6 @@
                         </a:rPr>
                         <a:t>();</a:t>
                       </a:r>
-                      <a:endParaRPr lang="ru-RU" sz="1100" dirty="0">
-                        <a:solidFill>
-                          <a:schemeClr val="bg1"/>
-                        </a:solidFill>
-                        <a:effectLst/>
-                        <a:latin typeface="Consolas" panose="020B0609020204030204" pitchFamily="49" charset="0"/>
-                      </a:endParaRPr>
                     </a:p>
                     <a:p>
                       <a:pPr algn="just">
@@ -7695,7 +11634,7 @@
                         </a:spcAft>
                       </a:pPr>
                       <a:r>
-                        <a:rPr lang="ru-RU" sz="1200" dirty="0">
+                        <a:rPr lang="ru-RU" sz="1400" dirty="0">
                           <a:solidFill>
                             <a:schemeClr val="bg1"/>
                           </a:solidFill>
@@ -7704,7 +11643,7 @@
                         </a:rPr>
                         <a:t>}</a:t>
                       </a:r>
-                      <a:endParaRPr lang="en-US" sz="1200" dirty="0">
+                      <a:endParaRPr lang="en-US" sz="1400" dirty="0">
                         <a:solidFill>
                           <a:schemeClr val="bg1"/>
                         </a:solidFill>
@@ -7748,7 +11687,7 @@
                         </a:spcAft>
                       </a:pPr>
                       <a:r>
-                        <a:rPr lang="ru-RU" sz="1200" dirty="0" err="1">
+                        <a:rPr lang="ru-RU" sz="1400" dirty="0" err="1">
                           <a:solidFill>
                             <a:srgbClr val="A071A6"/>
                           </a:solidFill>
@@ -7758,7 +11697,7 @@
                         <a:t>while</a:t>
                       </a:r>
                       <a:r>
-                        <a:rPr lang="ru-RU" sz="1200" dirty="0">
+                        <a:rPr lang="ru-RU" sz="1400" dirty="0">
                           <a:solidFill>
                             <a:schemeClr val="bg1"/>
                           </a:solidFill>
@@ -7768,7 +11707,7 @@
                         <a:t> (</a:t>
                       </a:r>
                       <a:r>
-                        <a:rPr lang="ru-RU" sz="1200" dirty="0" err="1">
+                        <a:rPr lang="ru-RU" sz="1400" dirty="0" err="1">
                           <a:solidFill>
                             <a:srgbClr val="DCDCAA"/>
                           </a:solidFill>
@@ -7778,7 +11717,7 @@
                         <a:t>expr</a:t>
                       </a:r>
                       <a:r>
-                        <a:rPr lang="ru-RU" sz="1200" dirty="0">
+                        <a:rPr lang="ru-RU" sz="1400" dirty="0">
                           <a:solidFill>
                             <a:schemeClr val="bg1"/>
                           </a:solidFill>
@@ -7788,7 +11727,7 @@
                         <a:t>) </a:t>
                       </a:r>
                       <a:r>
-                        <a:rPr lang="ru-RU" sz="1200" dirty="0">
+                        <a:rPr lang="ru-RU" sz="1400" dirty="0">
                           <a:solidFill>
                             <a:srgbClr val="A071A6"/>
                           </a:solidFill>
@@ -7798,7 +11737,7 @@
                         <a:t>JMPIF</a:t>
                       </a:r>
                       <a:r>
-                        <a:rPr lang="ru-RU" sz="1200" dirty="0">
+                        <a:rPr lang="ru-RU" sz="1400" dirty="0">
                           <a:solidFill>
                             <a:schemeClr val="bg1"/>
                           </a:solidFill>
@@ -7808,7 +11747,7 @@
                         <a:t> </a:t>
                       </a:r>
                       <a:r>
-                        <a:rPr lang="ru-RU" sz="1200" dirty="0" err="1">
+                        <a:rPr lang="ru-RU" sz="1400" dirty="0" err="1">
                           <a:solidFill>
                             <a:srgbClr val="CE9178"/>
                           </a:solidFill>
@@ -7817,7 +11756,7 @@
                         </a:rPr>
                         <a:t>EndOfBlockIndex</a:t>
                       </a:r>
-                      <a:endParaRPr lang="ru-RU" sz="1100" dirty="0">
+                      <a:endParaRPr lang="ru-RU" sz="1400" dirty="0">
                         <a:solidFill>
                           <a:srgbClr val="CE9178"/>
                         </a:solidFill>
@@ -7832,7 +11771,7 @@
                         </a:spcAft>
                       </a:pPr>
                       <a:r>
-                        <a:rPr lang="ru-RU" sz="1200" dirty="0" err="1">
+                        <a:rPr lang="ru-RU" sz="1400" dirty="0" err="1">
                           <a:solidFill>
                             <a:schemeClr val="bg1"/>
                           </a:solidFill>
@@ -7842,7 +11781,7 @@
                         <a:t>doSomething</a:t>
                       </a:r>
                       <a:r>
-                        <a:rPr lang="ru-RU" sz="1200" dirty="0">
+                        <a:rPr lang="ru-RU" sz="1400" dirty="0">
                           <a:solidFill>
                             <a:schemeClr val="bg1"/>
                           </a:solidFill>
@@ -7851,13 +11790,6 @@
                         </a:rPr>
                         <a:t>();</a:t>
                       </a:r>
-                      <a:endParaRPr lang="ru-RU" sz="1100" dirty="0">
-                        <a:solidFill>
-                          <a:schemeClr val="bg1"/>
-                        </a:solidFill>
-                        <a:effectLst/>
-                        <a:latin typeface="Consolas" panose="020B0609020204030204" pitchFamily="49" charset="0"/>
-                      </a:endParaRPr>
                     </a:p>
                     <a:p>
                       <a:pPr algn="just">
@@ -7866,7 +11798,7 @@
                         </a:spcAft>
                       </a:pPr>
                       <a:r>
-                        <a:rPr lang="ru-RU" sz="1200" dirty="0">
+                        <a:rPr lang="ru-RU" sz="1400" dirty="0">
                           <a:solidFill>
                             <a:srgbClr val="A071A6"/>
                           </a:solidFill>
@@ -7876,7 +11808,7 @@
                         <a:t>JMP</a:t>
                       </a:r>
                       <a:r>
-                        <a:rPr lang="ru-RU" sz="1200" dirty="0">
+                        <a:rPr lang="ru-RU" sz="1400" dirty="0">
                           <a:solidFill>
                             <a:schemeClr val="bg1"/>
                           </a:solidFill>
@@ -7886,7 +11818,7 @@
                         <a:t> </a:t>
                       </a:r>
                       <a:r>
-                        <a:rPr lang="ru-RU" sz="1200" dirty="0" err="1">
+                        <a:rPr lang="ru-RU" sz="1400" dirty="0" err="1">
                           <a:solidFill>
                             <a:srgbClr val="CE9178"/>
                           </a:solidFill>
@@ -7895,7 +11827,7 @@
                         </a:rPr>
                         <a:t>whileIndex</a:t>
                       </a:r>
-                      <a:endParaRPr lang="ru-RU" sz="1100" dirty="0">
+                      <a:endParaRPr lang="ru-RU" sz="1400" dirty="0">
                         <a:solidFill>
                           <a:srgbClr val="CE9178"/>
                         </a:solidFill>
@@ -7910,7 +11842,7 @@
                         </a:spcAft>
                       </a:pPr>
                       <a:r>
-                        <a:rPr lang="ru-RU" sz="1200" dirty="0" err="1">
+                        <a:rPr lang="ru-RU" sz="1400" dirty="0" err="1">
                           <a:solidFill>
                             <a:srgbClr val="CE9178"/>
                           </a:solidFill>
@@ -7919,7 +11851,7 @@
                         </a:rPr>
                         <a:t>EndOfBlock</a:t>
                       </a:r>
-                      <a:endParaRPr lang="ru-RU" sz="1100" dirty="0">
+                      <a:endParaRPr lang="ru-RU" sz="1400" dirty="0">
                         <a:solidFill>
                           <a:srgbClr val="CE9178"/>
                         </a:solidFill>
@@ -7973,6 +11905,13 @@
   <p:clrMapOvr>
     <a:masterClrMapping/>
   </p:clrMapOvr>
+  <p:timing>
+    <p:tnLst>
+      <p:par>
+        <p:cTn id="1" dur="indefinite" restart="never" nodeType="tmRoot"/>
+      </p:par>
+    </p:tnLst>
+  </p:timing>
 </p:sld>
 </file>
 
@@ -8303,14 +12242,14 @@
           <p:nvPr>
             <p:extLst>
               <p:ext uri="{D42A27DB-BD31-4B8C-83A1-F6EECF244321}">
-                <p14:modId xmlns:p14="http://schemas.microsoft.com/office/powerpoint/2010/main" val="1937765705"/>
+                <p14:modId xmlns:p14="http://schemas.microsoft.com/office/powerpoint/2010/main" val="2598558045"/>
               </p:ext>
             </p:extLst>
           </p:nvPr>
         </p:nvGraphicFramePr>
         <p:xfrm>
           <a:off x="914400" y="1980249"/>
-          <a:ext cx="5915025" cy="2255520"/>
+          <a:ext cx="5915025" cy="2607726"/>
         </p:xfrm>
         <a:graphic>
           <a:graphicData uri="http://schemas.openxmlformats.org/drawingml/2006/table">
@@ -8334,7 +12273,7 @@
                   </a:extLst>
                 </a:gridCol>
               </a:tblGrid>
-              <a:tr h="0">
+              <a:tr h="2607726">
                 <a:tc>
                   <a:txBody>
                     <a:bodyPr/>
@@ -8346,7 +12285,7 @@
                         </a:spcAft>
                       </a:pPr>
                       <a:r>
-                        <a:rPr lang="ru-RU" sz="1200" dirty="0" err="1">
+                        <a:rPr lang="ru-RU" sz="1400" dirty="0" err="1">
                           <a:solidFill>
                             <a:srgbClr val="A071A6"/>
                           </a:solidFill>
@@ -8356,7 +12295,7 @@
                         <a:t>if</a:t>
                       </a:r>
                       <a:r>
-                        <a:rPr lang="ru-RU" sz="1200" dirty="0">
+                        <a:rPr lang="ru-RU" sz="1400" dirty="0">
                           <a:solidFill>
                             <a:schemeClr val="bg1"/>
                           </a:solidFill>
@@ -8366,7 +12305,7 @@
                         <a:t> (</a:t>
                       </a:r>
                       <a:r>
-                        <a:rPr lang="ru-RU" sz="1200" dirty="0">
+                        <a:rPr lang="ru-RU" sz="1400" dirty="0">
                           <a:solidFill>
                             <a:srgbClr val="DCDCAA"/>
                           </a:solidFill>
@@ -8376,7 +12315,7 @@
                         <a:t>expr1</a:t>
                       </a:r>
                       <a:r>
-                        <a:rPr lang="ru-RU" sz="1200" dirty="0">
+                        <a:rPr lang="ru-RU" sz="1400" dirty="0">
                           <a:solidFill>
                             <a:schemeClr val="bg1"/>
                           </a:solidFill>
@@ -8385,13 +12324,6 @@
                         </a:rPr>
                         <a:t>) { </a:t>
                       </a:r>
-                      <a:endParaRPr lang="ru-RU" sz="1100" dirty="0">
-                        <a:solidFill>
-                          <a:schemeClr val="bg1"/>
-                        </a:solidFill>
-                        <a:effectLst/>
-                        <a:latin typeface="Consolas" panose="020B0609020204030204" pitchFamily="49" charset="0"/>
-                      </a:endParaRPr>
                     </a:p>
                     <a:p>
                       <a:pPr algn="just">
@@ -8400,7 +12332,7 @@
                         </a:spcAft>
                       </a:pPr>
                       <a:r>
-                        <a:rPr lang="ru-RU" sz="1200" dirty="0">
+                        <a:rPr lang="ru-RU" sz="1400" dirty="0">
                           <a:solidFill>
                             <a:schemeClr val="bg1"/>
                           </a:solidFill>
@@ -8409,13 +12341,6 @@
                         </a:rPr>
                         <a:t>do1(); </a:t>
                       </a:r>
-                      <a:endParaRPr lang="ru-RU" sz="1100" dirty="0">
-                        <a:solidFill>
-                          <a:schemeClr val="bg1"/>
-                        </a:solidFill>
-                        <a:effectLst/>
-                        <a:latin typeface="Consolas" panose="020B0609020204030204" pitchFamily="49" charset="0"/>
-                      </a:endParaRPr>
                     </a:p>
                     <a:p>
                       <a:pPr algn="just">
@@ -8424,7 +12349,7 @@
                         </a:spcAft>
                       </a:pPr>
                       <a:r>
-                        <a:rPr lang="ru-RU" sz="1200" dirty="0">
+                        <a:rPr lang="ru-RU" sz="1400" dirty="0">
                           <a:solidFill>
                             <a:schemeClr val="bg1"/>
                           </a:solidFill>
@@ -8433,13 +12358,6 @@
                         </a:rPr>
                         <a:t>} </a:t>
                       </a:r>
-                      <a:endParaRPr lang="ru-RU" sz="1100" dirty="0">
-                        <a:solidFill>
-                          <a:schemeClr val="bg1"/>
-                        </a:solidFill>
-                        <a:effectLst/>
-                        <a:latin typeface="Consolas" panose="020B0609020204030204" pitchFamily="49" charset="0"/>
-                      </a:endParaRPr>
                     </a:p>
                     <a:p>
                       <a:pPr algn="just">
@@ -8448,7 +12366,7 @@
                         </a:spcAft>
                       </a:pPr>
                       <a:r>
-                        <a:rPr lang="ru-RU" sz="1200" dirty="0" err="1">
+                        <a:rPr lang="ru-RU" sz="1400" dirty="0" err="1">
                           <a:solidFill>
                             <a:srgbClr val="A071A6"/>
                           </a:solidFill>
@@ -8458,7 +12376,7 @@
                         <a:t>elif</a:t>
                       </a:r>
                       <a:r>
-                        <a:rPr lang="ru-RU" sz="1200" dirty="0">
+                        <a:rPr lang="ru-RU" sz="1400" dirty="0">
                           <a:solidFill>
                             <a:schemeClr val="bg1"/>
                           </a:solidFill>
@@ -8468,7 +12386,7 @@
                         <a:t> (</a:t>
                       </a:r>
                       <a:r>
-                        <a:rPr lang="ru-RU" sz="1200" dirty="0">
+                        <a:rPr lang="ru-RU" sz="1400" dirty="0">
                           <a:solidFill>
                             <a:srgbClr val="DCDCAA"/>
                           </a:solidFill>
@@ -8478,7 +12396,7 @@
                         <a:t>expr2</a:t>
                       </a:r>
                       <a:r>
-                        <a:rPr lang="ru-RU" sz="1200" dirty="0">
+                        <a:rPr lang="ru-RU" sz="1400" dirty="0">
                           <a:solidFill>
                             <a:schemeClr val="bg1"/>
                           </a:solidFill>
@@ -8487,13 +12405,6 @@
                         </a:rPr>
                         <a:t>) {</a:t>
                       </a:r>
-                      <a:endParaRPr lang="ru-RU" sz="1100" dirty="0">
-                        <a:solidFill>
-                          <a:schemeClr val="bg1"/>
-                        </a:solidFill>
-                        <a:effectLst/>
-                        <a:latin typeface="Consolas" panose="020B0609020204030204" pitchFamily="49" charset="0"/>
-                      </a:endParaRPr>
                     </a:p>
                     <a:p>
                       <a:pPr algn="just">
@@ -8502,7 +12413,7 @@
                         </a:spcAft>
                       </a:pPr>
                       <a:r>
-                        <a:rPr lang="ru-RU" sz="1200" dirty="0">
+                        <a:rPr lang="ru-RU" sz="1400" dirty="0">
                           <a:solidFill>
                             <a:schemeClr val="bg1"/>
                           </a:solidFill>
@@ -8511,13 +12422,6 @@
                         </a:rPr>
                         <a:t>do2();</a:t>
                       </a:r>
-                      <a:endParaRPr lang="ru-RU" sz="1100" dirty="0">
-                        <a:solidFill>
-                          <a:schemeClr val="bg1"/>
-                        </a:solidFill>
-                        <a:effectLst/>
-                        <a:latin typeface="Consolas" panose="020B0609020204030204" pitchFamily="49" charset="0"/>
-                      </a:endParaRPr>
                     </a:p>
                     <a:p>
                       <a:pPr algn="just">
@@ -8526,7 +12430,7 @@
                         </a:spcAft>
                       </a:pPr>
                       <a:r>
-                        <a:rPr lang="ru-RU" sz="1200" dirty="0">
+                        <a:rPr lang="ru-RU" sz="1400" dirty="0">
                           <a:solidFill>
                             <a:schemeClr val="bg1"/>
                           </a:solidFill>
@@ -8535,13 +12439,6 @@
                         </a:rPr>
                         <a:t>} </a:t>
                       </a:r>
-                      <a:endParaRPr lang="ru-RU" sz="1100" dirty="0">
-                        <a:solidFill>
-                          <a:schemeClr val="bg1"/>
-                        </a:solidFill>
-                        <a:effectLst/>
-                        <a:latin typeface="Consolas" panose="020B0609020204030204" pitchFamily="49" charset="0"/>
-                      </a:endParaRPr>
                     </a:p>
                     <a:p>
                       <a:pPr algn="just">
@@ -8550,7 +12447,7 @@
                         </a:spcAft>
                       </a:pPr>
                       <a:r>
-                        <a:rPr lang="ru-RU" sz="1200" dirty="0" err="1">
+                        <a:rPr lang="ru-RU" sz="1400" dirty="0" err="1">
                           <a:solidFill>
                             <a:srgbClr val="A071A6"/>
                           </a:solidFill>
@@ -8560,7 +12457,7 @@
                         <a:t>else</a:t>
                       </a:r>
                       <a:r>
-                        <a:rPr lang="ru-RU" sz="1200" dirty="0">
+                        <a:rPr lang="ru-RU" sz="1400" dirty="0">
                           <a:solidFill>
                             <a:schemeClr val="bg1"/>
                           </a:solidFill>
@@ -8569,13 +12466,6 @@
                         </a:rPr>
                         <a:t> {</a:t>
                       </a:r>
-                      <a:endParaRPr lang="ru-RU" sz="1100" dirty="0">
-                        <a:solidFill>
-                          <a:schemeClr val="bg1"/>
-                        </a:solidFill>
-                        <a:effectLst/>
-                        <a:latin typeface="Consolas" panose="020B0609020204030204" pitchFamily="49" charset="0"/>
-                      </a:endParaRPr>
                     </a:p>
                     <a:p>
                       <a:pPr algn="just">
@@ -8584,7 +12474,7 @@
                         </a:spcAft>
                       </a:pPr>
                       <a:r>
-                        <a:rPr lang="ru-RU" sz="1200" dirty="0">
+                        <a:rPr lang="ru-RU" sz="1400" dirty="0">
                           <a:solidFill>
                             <a:schemeClr val="bg1"/>
                           </a:solidFill>
@@ -8593,13 +12483,6 @@
                         </a:rPr>
                         <a:t>do3()</a:t>
                       </a:r>
-                      <a:endParaRPr lang="ru-RU" sz="1100" dirty="0">
-                        <a:solidFill>
-                          <a:schemeClr val="bg1"/>
-                        </a:solidFill>
-                        <a:effectLst/>
-                        <a:latin typeface="Consolas" panose="020B0609020204030204" pitchFamily="49" charset="0"/>
-                      </a:endParaRPr>
                     </a:p>
                     <a:p>
                       <a:pPr algn="just">
@@ -8608,7 +12491,7 @@
                         </a:spcAft>
                       </a:pPr>
                       <a:r>
-                        <a:rPr lang="ru-RU" sz="1200" dirty="0">
+                        <a:rPr lang="ru-RU" sz="1400" dirty="0">
                           <a:solidFill>
                             <a:schemeClr val="bg1"/>
                           </a:solidFill>
@@ -8617,7 +12500,7 @@
                         </a:rPr>
                         <a:t>};</a:t>
                       </a:r>
-                      <a:endParaRPr lang="ru-RU" sz="1100" dirty="0">
+                      <a:endParaRPr lang="ru-RU" sz="1400" dirty="0">
                         <a:solidFill>
                           <a:schemeClr val="bg1"/>
                         </a:solidFill>
@@ -8662,7 +12545,7 @@
                         </a:spcAft>
                       </a:pPr>
                       <a:r>
-                        <a:rPr lang="ru-RU" sz="1200" dirty="0" err="1">
+                        <a:rPr lang="ru-RU" sz="1400" dirty="0" err="1">
                           <a:solidFill>
                             <a:srgbClr val="A071A6"/>
                           </a:solidFill>
@@ -8672,7 +12555,7 @@
                         <a:t>if</a:t>
                       </a:r>
                       <a:r>
-                        <a:rPr lang="ru-RU" sz="1200" dirty="0">
+                        <a:rPr lang="ru-RU" sz="1400" dirty="0">
                           <a:solidFill>
                             <a:schemeClr val="bg1"/>
                           </a:solidFill>
@@ -8682,7 +12565,7 @@
                         <a:t> (</a:t>
                       </a:r>
                       <a:r>
-                        <a:rPr lang="ru-RU" sz="1200" dirty="0">
+                        <a:rPr lang="ru-RU" sz="1400" dirty="0">
                           <a:solidFill>
                             <a:srgbClr val="DCDCAA"/>
                           </a:solidFill>
@@ -8692,7 +12575,7 @@
                         <a:t>expr1</a:t>
                       </a:r>
                       <a:r>
-                        <a:rPr lang="ru-RU" sz="1200" dirty="0">
+                        <a:rPr lang="ru-RU" sz="1400" dirty="0">
                           <a:solidFill>
                             <a:schemeClr val="bg1"/>
                           </a:solidFill>
@@ -8702,7 +12585,7 @@
                         <a:t>) </a:t>
                       </a:r>
                       <a:r>
-                        <a:rPr lang="ru-RU" sz="1200" dirty="0">
+                        <a:rPr lang="ru-RU" sz="1400" dirty="0">
                           <a:solidFill>
                             <a:srgbClr val="A071A6"/>
                           </a:solidFill>
@@ -8712,7 +12595,7 @@
                         <a:t>JMPIF</a:t>
                       </a:r>
                       <a:r>
-                        <a:rPr lang="ru-RU" sz="1200" dirty="0">
+                        <a:rPr lang="ru-RU" sz="1400" dirty="0">
                           <a:solidFill>
                             <a:schemeClr val="bg1"/>
                           </a:solidFill>
@@ -8722,7 +12605,7 @@
                         <a:t> </a:t>
                       </a:r>
                       <a:r>
-                        <a:rPr lang="ru-RU" sz="1200" dirty="0" err="1">
+                        <a:rPr lang="ru-RU" sz="1400" dirty="0" err="1">
                           <a:solidFill>
                             <a:srgbClr val="CE9178"/>
                           </a:solidFill>
@@ -8732,7 +12615,7 @@
                         <a:t>elifIndex</a:t>
                       </a:r>
                       <a:r>
-                        <a:rPr lang="ru-RU" sz="1200" dirty="0">
+                        <a:rPr lang="ru-RU" sz="1400" dirty="0">
                           <a:solidFill>
                             <a:schemeClr val="bg1"/>
                           </a:solidFill>
@@ -8741,13 +12624,6 @@
                         </a:rPr>
                         <a:t> </a:t>
                       </a:r>
-                      <a:endParaRPr lang="ru-RU" sz="1100" dirty="0">
-                        <a:solidFill>
-                          <a:schemeClr val="bg1"/>
-                        </a:solidFill>
-                        <a:effectLst/>
-                        <a:latin typeface="Consolas" panose="020B0609020204030204" pitchFamily="49" charset="0"/>
-                      </a:endParaRPr>
                     </a:p>
                     <a:p>
                       <a:pPr algn="just">
@@ -8756,7 +12632,7 @@
                         </a:spcAft>
                       </a:pPr>
                       <a:r>
-                        <a:rPr lang="ru-RU" sz="1200" dirty="0">
+                        <a:rPr lang="ru-RU" sz="1400" dirty="0">
                           <a:solidFill>
                             <a:schemeClr val="bg1"/>
                           </a:solidFill>
@@ -8765,13 +12641,6 @@
                         </a:rPr>
                         <a:t>do1(); </a:t>
                       </a:r>
-                      <a:endParaRPr lang="ru-RU" sz="1100" dirty="0">
-                        <a:solidFill>
-                          <a:schemeClr val="bg1"/>
-                        </a:solidFill>
-                        <a:effectLst/>
-                        <a:latin typeface="Consolas" panose="020B0609020204030204" pitchFamily="49" charset="0"/>
-                      </a:endParaRPr>
                     </a:p>
                     <a:p>
                       <a:pPr algn="just">
@@ -8780,7 +12649,7 @@
                         </a:spcAft>
                       </a:pPr>
                       <a:r>
-                        <a:rPr lang="ru-RU" sz="1200" dirty="0">
+                        <a:rPr lang="ru-RU" sz="1400" dirty="0">
                           <a:solidFill>
                             <a:srgbClr val="A071A6"/>
                           </a:solidFill>
@@ -8790,7 +12659,7 @@
                         <a:t>JMP</a:t>
                       </a:r>
                       <a:r>
-                        <a:rPr lang="ru-RU" sz="1200" dirty="0">
+                        <a:rPr lang="ru-RU" sz="1400" dirty="0">
                           <a:solidFill>
                             <a:schemeClr val="bg1"/>
                           </a:solidFill>
@@ -8800,7 +12669,7 @@
                         <a:t> </a:t>
                       </a:r>
                       <a:r>
-                        <a:rPr lang="ru-RU" sz="1200" dirty="0" err="1">
+                        <a:rPr lang="ru-RU" sz="1400" dirty="0" err="1">
                           <a:solidFill>
                             <a:srgbClr val="CE9178"/>
                           </a:solidFill>
@@ -8809,7 +12678,7 @@
                         </a:rPr>
                         <a:t>endOfBlockIndex</a:t>
                       </a:r>
-                      <a:endParaRPr lang="ru-RU" sz="1100" dirty="0">
+                      <a:endParaRPr lang="ru-RU" sz="1400" dirty="0">
                         <a:solidFill>
                           <a:srgbClr val="CE9178"/>
                         </a:solidFill>
@@ -8824,7 +12693,7 @@
                         </a:spcAft>
                       </a:pPr>
                       <a:r>
-                        <a:rPr lang="ru-RU" sz="1200" dirty="0" err="1">
+                        <a:rPr lang="ru-RU" sz="1400" dirty="0" err="1">
                           <a:solidFill>
                             <a:srgbClr val="A071A6"/>
                           </a:solidFill>
@@ -8834,7 +12703,7 @@
                         <a:t>elif</a:t>
                       </a:r>
                       <a:r>
-                        <a:rPr lang="ru-RU" sz="1200" dirty="0">
+                        <a:rPr lang="ru-RU" sz="1400" dirty="0">
                           <a:solidFill>
                             <a:schemeClr val="bg1"/>
                           </a:solidFill>
@@ -8844,7 +12713,7 @@
                         <a:t> (</a:t>
                       </a:r>
                       <a:r>
-                        <a:rPr lang="ru-RU" sz="1200" dirty="0">
+                        <a:rPr lang="ru-RU" sz="1400" dirty="0">
                           <a:solidFill>
                             <a:srgbClr val="DCDCAA"/>
                           </a:solidFill>
@@ -8854,7 +12723,7 @@
                         <a:t>expr2</a:t>
                       </a:r>
                       <a:r>
-                        <a:rPr lang="ru-RU" sz="1200" dirty="0">
+                        <a:rPr lang="ru-RU" sz="1400" dirty="0">
                           <a:solidFill>
                             <a:schemeClr val="bg1"/>
                           </a:solidFill>
@@ -8864,7 +12733,7 @@
                         <a:t>) </a:t>
                       </a:r>
                       <a:r>
-                        <a:rPr lang="ru-RU" sz="1200" dirty="0">
+                        <a:rPr lang="ru-RU" sz="1400" dirty="0">
                           <a:solidFill>
                             <a:srgbClr val="A071A6"/>
                           </a:solidFill>
@@ -8874,7 +12743,7 @@
                         <a:t>JMPIF</a:t>
                       </a:r>
                       <a:r>
-                        <a:rPr lang="ru-RU" sz="1200" dirty="0">
+                        <a:rPr lang="ru-RU" sz="1400" dirty="0">
                           <a:solidFill>
                             <a:schemeClr val="bg1"/>
                           </a:solidFill>
@@ -8884,7 +12753,7 @@
                         <a:t> </a:t>
                       </a:r>
                       <a:r>
-                        <a:rPr lang="ru-RU" sz="1200" dirty="0" err="1">
+                        <a:rPr lang="ru-RU" sz="1400" dirty="0" err="1">
                           <a:solidFill>
                             <a:srgbClr val="CE9178"/>
                           </a:solidFill>
@@ -8894,7 +12763,7 @@
                         <a:t>elseIndex</a:t>
                       </a:r>
                       <a:r>
-                        <a:rPr lang="ru-RU" sz="1200" dirty="0">
+                        <a:rPr lang="ru-RU" sz="1400" dirty="0">
                           <a:solidFill>
                             <a:schemeClr val="bg1"/>
                           </a:solidFill>
@@ -8903,13 +12772,6 @@
                         </a:rPr>
                         <a:t> </a:t>
                       </a:r>
-                      <a:endParaRPr lang="ru-RU" sz="1100" dirty="0">
-                        <a:solidFill>
-                          <a:schemeClr val="bg1"/>
-                        </a:solidFill>
-                        <a:effectLst/>
-                        <a:latin typeface="Consolas" panose="020B0609020204030204" pitchFamily="49" charset="0"/>
-                      </a:endParaRPr>
                     </a:p>
                     <a:p>
                       <a:pPr algn="just">
@@ -8918,7 +12780,7 @@
                         </a:spcAft>
                       </a:pPr>
                       <a:r>
-                        <a:rPr lang="ru-RU" sz="1200" dirty="0">
+                        <a:rPr lang="ru-RU" sz="1400" dirty="0">
                           <a:solidFill>
                             <a:schemeClr val="bg1"/>
                           </a:solidFill>
@@ -8928,7 +12790,7 @@
                         <a:t>do2(); </a:t>
                       </a:r>
                       <a:r>
-                        <a:rPr lang="ru-RU" sz="1200" dirty="0">
+                        <a:rPr lang="ru-RU" sz="1400" dirty="0">
                           <a:solidFill>
                             <a:srgbClr val="A071A6"/>
                           </a:solidFill>
@@ -8938,7 +12800,7 @@
                         <a:t>JMP</a:t>
                       </a:r>
                       <a:r>
-                        <a:rPr lang="ru-RU" sz="1200" dirty="0">
+                        <a:rPr lang="ru-RU" sz="1400" dirty="0">
                           <a:solidFill>
                             <a:schemeClr val="bg1"/>
                           </a:solidFill>
@@ -8948,7 +12810,7 @@
                         <a:t> </a:t>
                       </a:r>
                       <a:r>
-                        <a:rPr lang="ru-RU" sz="1200" dirty="0" err="1">
+                        <a:rPr lang="ru-RU" sz="1400" dirty="0" err="1">
                           <a:solidFill>
                             <a:srgbClr val="CE9178"/>
                           </a:solidFill>
@@ -8958,7 +12820,7 @@
                         <a:t>endOfBlock</a:t>
                       </a:r>
                       <a:r>
-                        <a:rPr lang="ru-RU" sz="1200" dirty="0">
+                        <a:rPr lang="ru-RU" sz="1400" dirty="0">
                           <a:solidFill>
                             <a:schemeClr val="bg1"/>
                           </a:solidFill>
@@ -8967,13 +12829,6 @@
                         </a:rPr>
                         <a:t> </a:t>
                       </a:r>
-                      <a:endParaRPr lang="ru-RU" sz="1100" dirty="0">
-                        <a:solidFill>
-                          <a:schemeClr val="bg1"/>
-                        </a:solidFill>
-                        <a:effectLst/>
-                        <a:latin typeface="Consolas" panose="020B0609020204030204" pitchFamily="49" charset="0"/>
-                      </a:endParaRPr>
                     </a:p>
                     <a:p>
                       <a:pPr algn="just">
@@ -8982,7 +12837,7 @@
                         </a:spcAft>
                       </a:pPr>
                       <a:r>
-                        <a:rPr lang="ru-RU" sz="1200" dirty="0" err="1">
+                        <a:rPr lang="ru-RU" sz="1400" dirty="0" err="1">
                           <a:solidFill>
                             <a:srgbClr val="A071A6"/>
                           </a:solidFill>
@@ -8992,7 +12847,7 @@
                         <a:t>else</a:t>
                       </a:r>
                       <a:r>
-                        <a:rPr lang="ru-RU" sz="1200" dirty="0">
+                        <a:rPr lang="ru-RU" sz="1400" dirty="0">
                           <a:solidFill>
                             <a:schemeClr val="bg1"/>
                           </a:solidFill>
@@ -9001,13 +12856,6 @@
                         </a:rPr>
                         <a:t> { </a:t>
                       </a:r>
-                      <a:endParaRPr lang="ru-RU" sz="1100" dirty="0">
-                        <a:solidFill>
-                          <a:schemeClr val="bg1"/>
-                        </a:solidFill>
-                        <a:effectLst/>
-                        <a:latin typeface="Consolas" panose="020B0609020204030204" pitchFamily="49" charset="0"/>
-                      </a:endParaRPr>
                     </a:p>
                     <a:p>
                       <a:pPr algn="just">
@@ -9016,7 +12864,7 @@
                         </a:spcAft>
                       </a:pPr>
                       <a:r>
-                        <a:rPr lang="ru-RU" sz="1200" dirty="0">
+                        <a:rPr lang="ru-RU" sz="1400" dirty="0">
                           <a:solidFill>
                             <a:schemeClr val="bg1"/>
                           </a:solidFill>
@@ -9025,13 +12873,6 @@
                         </a:rPr>
                         <a:t>do3(); </a:t>
                       </a:r>
-                      <a:endParaRPr lang="ru-RU" sz="1100" dirty="0">
-                        <a:solidFill>
-                          <a:schemeClr val="bg1"/>
-                        </a:solidFill>
-                        <a:effectLst/>
-                        <a:latin typeface="Consolas" panose="020B0609020204030204" pitchFamily="49" charset="0"/>
-                      </a:endParaRPr>
                     </a:p>
                     <a:p>
                       <a:pPr algn="just">
@@ -9040,7 +12881,7 @@
                         </a:spcAft>
                       </a:pPr>
                       <a:r>
-                        <a:rPr lang="ru-RU" sz="1200" dirty="0">
+                        <a:rPr lang="ru-RU" sz="1400" dirty="0">
                           <a:solidFill>
                             <a:schemeClr val="bg1"/>
                           </a:solidFill>
@@ -9049,13 +12890,6 @@
                         </a:rPr>
                         <a:t>}</a:t>
                       </a:r>
-                      <a:endParaRPr lang="ru-RU" sz="1100" dirty="0">
-                        <a:solidFill>
-                          <a:schemeClr val="bg1"/>
-                        </a:solidFill>
-                        <a:effectLst/>
-                        <a:latin typeface="Consolas" panose="020B0609020204030204" pitchFamily="49" charset="0"/>
-                      </a:endParaRPr>
                     </a:p>
                     <a:p>
                       <a:pPr algn="just">
@@ -9064,7 +12898,7 @@
                         </a:spcAft>
                       </a:pPr>
                       <a:r>
-                        <a:rPr lang="ru-RU" sz="1200" dirty="0" err="1">
+                        <a:rPr lang="ru-RU" sz="1400" dirty="0" err="1">
                           <a:solidFill>
                             <a:srgbClr val="CE9178"/>
                           </a:solidFill>
@@ -9073,7 +12907,7 @@
                         </a:rPr>
                         <a:t>EndOfBlockIndex</a:t>
                       </a:r>
-                      <a:endParaRPr lang="ru-RU" sz="1100" dirty="0">
+                      <a:endParaRPr lang="ru-RU" sz="1400" dirty="0">
                         <a:solidFill>
                           <a:srgbClr val="CE9178"/>
                         </a:solidFill>
@@ -9127,6 +12961,13 @@
   <p:clrMapOvr>
     <a:masterClrMapping/>
   </p:clrMapOvr>
+  <p:timing>
+    <p:tnLst>
+      <p:par>
+        <p:cTn id="1" dur="indefinite" restart="never" nodeType="tmRoot"/>
+      </p:par>
+    </p:tnLst>
+  </p:timing>
 </p:sld>
 </file>
 
@@ -10097,6 +13938,13 @@
   <p:clrMapOvr>
     <a:masterClrMapping/>
   </p:clrMapOvr>
+  <p:timing>
+    <p:tnLst>
+      <p:par>
+        <p:cTn id="1" dur="indefinite" restart="never" nodeType="tmRoot"/>
+      </p:par>
+    </p:tnLst>
+  </p:timing>
 </p:sld>
 </file>
 
@@ -11027,6 +14875,13 @@
   <p:clrMapOvr>
     <a:masterClrMapping/>
   </p:clrMapOvr>
+  <p:timing>
+    <p:tnLst>
+      <p:par>
+        <p:cTn id="1" dur="indefinite" restart="never" nodeType="tmRoot"/>
+      </p:par>
+    </p:tnLst>
+  </p:timing>
 </p:sld>
 </file>
 

--- a/Презентация_лабораторная_Интерпретатор_Загрядсков_Максим_Болтенков_Станислав_3823Б1ПМ1_1.pptx
+++ b/Презентация_лабораторная_Интерпретатор_Загрядсков_Максим_Болтенков_Станислав_3823Б1ПМ1_1.pptx
@@ -17,7 +17,7 @@
     <p:sldId id="262" r:id="rId11"/>
     <p:sldId id="276" r:id="rId12"/>
     <p:sldId id="278" r:id="rId13"/>
-    <p:sldId id="274" r:id="rId14"/>
+    <p:sldId id="279" r:id="rId14"/>
     <p:sldId id="275" r:id="rId15"/>
     <p:sldId id="263" r:id="rId16"/>
     <p:sldId id="264" r:id="rId17"/>
@@ -138,6 +138,7704 @@
     </p:extLst>
   </p:cmAuthor>
 </p:cmAuthorLst>
+</file>
+
+<file path=ppt/diagrams/colors1.xml><?xml version="1.0" encoding="utf-8"?>
+<dgm:colorsDef xmlns:dgm="http://schemas.openxmlformats.org/drawingml/2006/diagram" xmlns:a="http://schemas.openxmlformats.org/drawingml/2006/main" uniqueId="urn:microsoft.com/office/officeart/2005/8/colors/accent0_1">
+  <dgm:title val=""/>
+  <dgm:desc val=""/>
+  <dgm:catLst>
+    <dgm:cat type="mainScheme" pri="10100"/>
+  </dgm:catLst>
+  <dgm:styleLbl name="node0">
+    <dgm:fillClrLst meth="repeat">
+      <a:schemeClr val="lt1"/>
+    </dgm:fillClrLst>
+    <dgm:linClrLst meth="repeat">
+      <a:schemeClr val="dk1">
+        <a:shade val="80000"/>
+      </a:schemeClr>
+    </dgm:linClrLst>
+    <dgm:effectClrLst/>
+    <dgm:txLinClrLst/>
+    <dgm:txFillClrLst meth="repeat">
+      <a:schemeClr val="dk1"/>
+    </dgm:txFillClrLst>
+    <dgm:txEffectClrLst/>
+  </dgm:styleLbl>
+  <dgm:styleLbl name="node1">
+    <dgm:fillClrLst meth="repeat">
+      <a:schemeClr val="lt1"/>
+    </dgm:fillClrLst>
+    <dgm:linClrLst meth="repeat">
+      <a:schemeClr val="dk1">
+        <a:shade val="80000"/>
+      </a:schemeClr>
+    </dgm:linClrLst>
+    <dgm:effectClrLst/>
+    <dgm:txLinClrLst/>
+    <dgm:txFillClrLst meth="repeat">
+      <a:schemeClr val="dk1"/>
+    </dgm:txFillClrLst>
+    <dgm:txEffectClrLst/>
+  </dgm:styleLbl>
+  <dgm:styleLbl name="alignNode1">
+    <dgm:fillClrLst meth="repeat">
+      <a:schemeClr val="lt1"/>
+    </dgm:fillClrLst>
+    <dgm:linClrLst meth="repeat">
+      <a:schemeClr val="dk1">
+        <a:shade val="80000"/>
+      </a:schemeClr>
+    </dgm:linClrLst>
+    <dgm:effectClrLst/>
+    <dgm:txLinClrLst/>
+    <dgm:txFillClrLst meth="repeat">
+      <a:schemeClr val="dk1"/>
+    </dgm:txFillClrLst>
+    <dgm:txEffectClrLst/>
+  </dgm:styleLbl>
+  <dgm:styleLbl name="lnNode1">
+    <dgm:fillClrLst meth="repeat">
+      <a:schemeClr val="lt1"/>
+    </dgm:fillClrLst>
+    <dgm:linClrLst meth="repeat">
+      <a:schemeClr val="dk1">
+        <a:shade val="80000"/>
+      </a:schemeClr>
+    </dgm:linClrLst>
+    <dgm:effectClrLst/>
+    <dgm:txLinClrLst/>
+    <dgm:txFillClrLst meth="repeat">
+      <a:schemeClr val="dk1"/>
+    </dgm:txFillClrLst>
+    <dgm:txEffectClrLst/>
+  </dgm:styleLbl>
+  <dgm:styleLbl name="vennNode1">
+    <dgm:fillClrLst meth="repeat">
+      <a:schemeClr val="lt1">
+        <a:alpha val="50000"/>
+      </a:schemeClr>
+    </dgm:fillClrLst>
+    <dgm:linClrLst meth="repeat">
+      <a:schemeClr val="dk1">
+        <a:shade val="80000"/>
+      </a:schemeClr>
+    </dgm:linClrLst>
+    <dgm:effectClrLst/>
+    <dgm:txLinClrLst/>
+    <dgm:txFillClrLst/>
+    <dgm:txEffectClrLst/>
+  </dgm:styleLbl>
+  <dgm:styleLbl name="node2">
+    <dgm:fillClrLst meth="repeat">
+      <a:schemeClr val="lt1"/>
+    </dgm:fillClrLst>
+    <dgm:linClrLst meth="repeat">
+      <a:schemeClr val="dk1">
+        <a:shade val="80000"/>
+      </a:schemeClr>
+    </dgm:linClrLst>
+    <dgm:effectClrLst/>
+    <dgm:txLinClrLst/>
+    <dgm:txFillClrLst meth="repeat">
+      <a:schemeClr val="dk1"/>
+    </dgm:txFillClrLst>
+    <dgm:txEffectClrLst/>
+  </dgm:styleLbl>
+  <dgm:styleLbl name="node3">
+    <dgm:fillClrLst meth="repeat">
+      <a:schemeClr val="lt1"/>
+    </dgm:fillClrLst>
+    <dgm:linClrLst meth="repeat">
+      <a:schemeClr val="dk1">
+        <a:shade val="80000"/>
+      </a:schemeClr>
+    </dgm:linClrLst>
+    <dgm:effectClrLst/>
+    <dgm:txLinClrLst/>
+    <dgm:txFillClrLst meth="repeat">
+      <a:schemeClr val="dk1"/>
+    </dgm:txFillClrLst>
+    <dgm:txEffectClrLst/>
+  </dgm:styleLbl>
+  <dgm:styleLbl name="node4">
+    <dgm:fillClrLst meth="repeat">
+      <a:schemeClr val="lt1"/>
+    </dgm:fillClrLst>
+    <dgm:linClrLst meth="repeat">
+      <a:schemeClr val="dk1">
+        <a:shade val="80000"/>
+      </a:schemeClr>
+    </dgm:linClrLst>
+    <dgm:effectClrLst/>
+    <dgm:txLinClrLst/>
+    <dgm:txFillClrLst meth="repeat">
+      <a:schemeClr val="dk1"/>
+    </dgm:txFillClrLst>
+    <dgm:txEffectClrLst/>
+  </dgm:styleLbl>
+  <dgm:styleLbl name="fgImgPlace1">
+    <dgm:fillClrLst meth="repeat">
+      <a:schemeClr val="dk1">
+        <a:tint val="40000"/>
+      </a:schemeClr>
+    </dgm:fillClrLst>
+    <dgm:linClrLst meth="repeat">
+      <a:schemeClr val="dk1">
+        <a:shade val="80000"/>
+      </a:schemeClr>
+    </dgm:linClrLst>
+    <dgm:effectClrLst/>
+    <dgm:txLinClrLst/>
+    <dgm:txFillClrLst meth="repeat">
+      <a:schemeClr val="lt1"/>
+    </dgm:txFillClrLst>
+    <dgm:txEffectClrLst/>
+  </dgm:styleLbl>
+  <dgm:styleLbl name="alignImgPlace1">
+    <dgm:fillClrLst meth="repeat">
+      <a:schemeClr val="dk1">
+        <a:tint val="40000"/>
+      </a:schemeClr>
+    </dgm:fillClrLst>
+    <dgm:linClrLst meth="repeat">
+      <a:schemeClr val="dk1">
+        <a:shade val="80000"/>
+      </a:schemeClr>
+    </dgm:linClrLst>
+    <dgm:effectClrLst/>
+    <dgm:txLinClrLst/>
+    <dgm:txFillClrLst meth="repeat">
+      <a:schemeClr val="lt1"/>
+    </dgm:txFillClrLst>
+    <dgm:txEffectClrLst/>
+  </dgm:styleLbl>
+  <dgm:styleLbl name="bgImgPlace1">
+    <dgm:fillClrLst meth="repeat">
+      <a:schemeClr val="dk1">
+        <a:tint val="40000"/>
+      </a:schemeClr>
+    </dgm:fillClrLst>
+    <dgm:linClrLst meth="repeat">
+      <a:schemeClr val="dk1">
+        <a:shade val="80000"/>
+      </a:schemeClr>
+    </dgm:linClrLst>
+    <dgm:effectClrLst/>
+    <dgm:txLinClrLst/>
+    <dgm:txFillClrLst meth="repeat">
+      <a:schemeClr val="lt1"/>
+    </dgm:txFillClrLst>
+    <dgm:txEffectClrLst/>
+  </dgm:styleLbl>
+  <dgm:styleLbl name="sibTrans2D1">
+    <dgm:fillClrLst meth="repeat">
+      <a:schemeClr val="dk1">
+        <a:tint val="60000"/>
+      </a:schemeClr>
+    </dgm:fillClrLst>
+    <dgm:linClrLst meth="repeat">
+      <a:schemeClr val="dk1">
+        <a:tint val="60000"/>
+      </a:schemeClr>
+    </dgm:linClrLst>
+    <dgm:effectClrLst/>
+    <dgm:txLinClrLst/>
+    <dgm:txFillClrLst meth="repeat">
+      <a:schemeClr val="dk1"/>
+    </dgm:txFillClrLst>
+    <dgm:txEffectClrLst/>
+  </dgm:styleLbl>
+  <dgm:styleLbl name="fgSibTrans2D1">
+    <dgm:fillClrLst meth="repeat">
+      <a:schemeClr val="dk1">
+        <a:tint val="60000"/>
+      </a:schemeClr>
+    </dgm:fillClrLst>
+    <dgm:linClrLst meth="repeat">
+      <a:schemeClr val="dk1">
+        <a:tint val="60000"/>
+      </a:schemeClr>
+    </dgm:linClrLst>
+    <dgm:effectClrLst/>
+    <dgm:txLinClrLst/>
+    <dgm:txFillClrLst meth="repeat">
+      <a:schemeClr val="dk1"/>
+    </dgm:txFillClrLst>
+    <dgm:txEffectClrLst/>
+  </dgm:styleLbl>
+  <dgm:styleLbl name="bgSibTrans2D1">
+    <dgm:fillClrLst meth="repeat">
+      <a:schemeClr val="dk1">
+        <a:tint val="60000"/>
+      </a:schemeClr>
+    </dgm:fillClrLst>
+    <dgm:linClrLst meth="repeat">
+      <a:schemeClr val="dk1">
+        <a:tint val="60000"/>
+      </a:schemeClr>
+    </dgm:linClrLst>
+    <dgm:effectClrLst/>
+    <dgm:txLinClrLst/>
+    <dgm:txFillClrLst meth="repeat">
+      <a:schemeClr val="dk1"/>
+    </dgm:txFillClrLst>
+    <dgm:txEffectClrLst/>
+  </dgm:styleLbl>
+  <dgm:styleLbl name="sibTrans1D1">
+    <dgm:fillClrLst meth="repeat">
+      <a:schemeClr val="dk1"/>
+    </dgm:fillClrLst>
+    <dgm:linClrLst meth="repeat">
+      <a:schemeClr val="dk1"/>
+    </dgm:linClrLst>
+    <dgm:effectClrLst/>
+    <dgm:txLinClrLst/>
+    <dgm:txFillClrLst meth="repeat">
+      <a:schemeClr val="tx1"/>
+    </dgm:txFillClrLst>
+    <dgm:txEffectClrLst/>
+  </dgm:styleLbl>
+  <dgm:styleLbl name="callout">
+    <dgm:fillClrLst meth="repeat">
+      <a:schemeClr val="dk1"/>
+    </dgm:fillClrLst>
+    <dgm:linClrLst meth="repeat">
+      <a:schemeClr val="dk1"/>
+    </dgm:linClrLst>
+    <dgm:effectClrLst/>
+    <dgm:txLinClrLst/>
+    <dgm:txFillClrLst meth="repeat">
+      <a:schemeClr val="tx1"/>
+    </dgm:txFillClrLst>
+    <dgm:txEffectClrLst/>
+  </dgm:styleLbl>
+  <dgm:styleLbl name="asst0">
+    <dgm:fillClrLst meth="repeat">
+      <a:schemeClr val="lt1"/>
+    </dgm:fillClrLst>
+    <dgm:linClrLst meth="repeat">
+      <a:schemeClr val="dk1">
+        <a:shade val="80000"/>
+      </a:schemeClr>
+    </dgm:linClrLst>
+    <dgm:effectClrLst/>
+    <dgm:txLinClrLst/>
+    <dgm:txFillClrLst meth="repeat">
+      <a:schemeClr val="dk1"/>
+    </dgm:txFillClrLst>
+    <dgm:txEffectClrLst/>
+  </dgm:styleLbl>
+  <dgm:styleLbl name="asst1">
+    <dgm:fillClrLst meth="repeat">
+      <a:schemeClr val="lt1"/>
+    </dgm:fillClrLst>
+    <dgm:linClrLst meth="repeat">
+      <a:schemeClr val="dk1">
+        <a:shade val="80000"/>
+      </a:schemeClr>
+    </dgm:linClrLst>
+    <dgm:effectClrLst/>
+    <dgm:txLinClrLst/>
+    <dgm:txFillClrLst meth="repeat">
+      <a:schemeClr val="dk1"/>
+    </dgm:txFillClrLst>
+    <dgm:txEffectClrLst/>
+  </dgm:styleLbl>
+  <dgm:styleLbl name="asst2">
+    <dgm:fillClrLst meth="repeat">
+      <a:schemeClr val="lt1"/>
+    </dgm:fillClrLst>
+    <dgm:linClrLst meth="repeat">
+      <a:schemeClr val="dk1">
+        <a:shade val="80000"/>
+      </a:schemeClr>
+    </dgm:linClrLst>
+    <dgm:effectClrLst/>
+    <dgm:txLinClrLst/>
+    <dgm:txFillClrLst meth="repeat">
+      <a:schemeClr val="dk1"/>
+    </dgm:txFillClrLst>
+    <dgm:txEffectClrLst/>
+  </dgm:styleLbl>
+  <dgm:styleLbl name="asst3">
+    <dgm:fillClrLst meth="repeat">
+      <a:schemeClr val="lt1"/>
+    </dgm:fillClrLst>
+    <dgm:linClrLst meth="repeat">
+      <a:schemeClr val="dk1">
+        <a:shade val="80000"/>
+      </a:schemeClr>
+    </dgm:linClrLst>
+    <dgm:effectClrLst/>
+    <dgm:txLinClrLst/>
+    <dgm:txFillClrLst meth="repeat">
+      <a:schemeClr val="dk1"/>
+    </dgm:txFillClrLst>
+    <dgm:txEffectClrLst/>
+  </dgm:styleLbl>
+  <dgm:styleLbl name="asst4">
+    <dgm:fillClrLst meth="repeat">
+      <a:schemeClr val="lt1"/>
+    </dgm:fillClrLst>
+    <dgm:linClrLst meth="repeat">
+      <a:schemeClr val="dk1">
+        <a:shade val="80000"/>
+      </a:schemeClr>
+    </dgm:linClrLst>
+    <dgm:effectClrLst/>
+    <dgm:txLinClrLst/>
+    <dgm:txFillClrLst meth="repeat">
+      <a:schemeClr val="dk1"/>
+    </dgm:txFillClrLst>
+    <dgm:txEffectClrLst/>
+  </dgm:styleLbl>
+  <dgm:styleLbl name="parChTrans2D1">
+    <dgm:fillClrLst meth="repeat">
+      <a:schemeClr val="dk1">
+        <a:tint val="60000"/>
+      </a:schemeClr>
+    </dgm:fillClrLst>
+    <dgm:linClrLst meth="repeat">
+      <a:schemeClr val="dk1">
+        <a:tint val="60000"/>
+      </a:schemeClr>
+    </dgm:linClrLst>
+    <dgm:effectClrLst/>
+    <dgm:txLinClrLst/>
+    <dgm:txFillClrLst/>
+    <dgm:txEffectClrLst/>
+  </dgm:styleLbl>
+  <dgm:styleLbl name="parChTrans2D2">
+    <dgm:fillClrLst meth="repeat">
+      <a:schemeClr val="dk1"/>
+    </dgm:fillClrLst>
+    <dgm:linClrLst meth="repeat">
+      <a:schemeClr val="dk1"/>
+    </dgm:linClrLst>
+    <dgm:effectClrLst/>
+    <dgm:txLinClrLst/>
+    <dgm:txFillClrLst/>
+    <dgm:txEffectClrLst/>
+  </dgm:styleLbl>
+  <dgm:styleLbl name="parChTrans2D3">
+    <dgm:fillClrLst meth="repeat">
+      <a:schemeClr val="dk1"/>
+    </dgm:fillClrLst>
+    <dgm:linClrLst meth="repeat">
+      <a:schemeClr val="dk1"/>
+    </dgm:linClrLst>
+    <dgm:effectClrLst/>
+    <dgm:txLinClrLst/>
+    <dgm:txFillClrLst/>
+    <dgm:txEffectClrLst/>
+  </dgm:styleLbl>
+  <dgm:styleLbl name="parChTrans2D4">
+    <dgm:fillClrLst meth="repeat">
+      <a:schemeClr val="dk1"/>
+    </dgm:fillClrLst>
+    <dgm:linClrLst meth="repeat">
+      <a:schemeClr val="dk1"/>
+    </dgm:linClrLst>
+    <dgm:effectClrLst/>
+    <dgm:txLinClrLst/>
+    <dgm:txFillClrLst meth="repeat">
+      <a:schemeClr val="lt1"/>
+    </dgm:txFillClrLst>
+    <dgm:txEffectClrLst/>
+  </dgm:styleLbl>
+  <dgm:styleLbl name="parChTrans1D1">
+    <dgm:fillClrLst meth="repeat">
+      <a:schemeClr val="dk1"/>
+    </dgm:fillClrLst>
+    <dgm:linClrLst meth="repeat">
+      <a:schemeClr val="dk1">
+        <a:shade val="60000"/>
+      </a:schemeClr>
+    </dgm:linClrLst>
+    <dgm:effectClrLst/>
+    <dgm:txLinClrLst/>
+    <dgm:txFillClrLst meth="repeat">
+      <a:schemeClr val="tx1"/>
+    </dgm:txFillClrLst>
+    <dgm:txEffectClrLst/>
+  </dgm:styleLbl>
+  <dgm:styleLbl name="parChTrans1D2">
+    <dgm:fillClrLst meth="repeat">
+      <a:schemeClr val="dk1"/>
+    </dgm:fillClrLst>
+    <dgm:linClrLst meth="repeat">
+      <a:schemeClr val="dk1">
+        <a:shade val="60000"/>
+      </a:schemeClr>
+    </dgm:linClrLst>
+    <dgm:effectClrLst/>
+    <dgm:txLinClrLst/>
+    <dgm:txFillClrLst meth="repeat">
+      <a:schemeClr val="tx1"/>
+    </dgm:txFillClrLst>
+    <dgm:txEffectClrLst/>
+  </dgm:styleLbl>
+  <dgm:styleLbl name="parChTrans1D3">
+    <dgm:fillClrLst meth="repeat">
+      <a:schemeClr val="dk1"/>
+    </dgm:fillClrLst>
+    <dgm:linClrLst meth="repeat">
+      <a:schemeClr val="dk1">
+        <a:shade val="80000"/>
+      </a:schemeClr>
+    </dgm:linClrLst>
+    <dgm:effectClrLst/>
+    <dgm:txLinClrLst/>
+    <dgm:txFillClrLst meth="repeat">
+      <a:schemeClr val="tx1"/>
+    </dgm:txFillClrLst>
+    <dgm:txEffectClrLst/>
+  </dgm:styleLbl>
+  <dgm:styleLbl name="parChTrans1D4">
+    <dgm:fillClrLst meth="repeat">
+      <a:schemeClr val="dk1"/>
+    </dgm:fillClrLst>
+    <dgm:linClrLst meth="repeat">
+      <a:schemeClr val="dk1">
+        <a:shade val="80000"/>
+      </a:schemeClr>
+    </dgm:linClrLst>
+    <dgm:effectClrLst/>
+    <dgm:txLinClrLst/>
+    <dgm:txFillClrLst meth="repeat">
+      <a:schemeClr val="tx1"/>
+    </dgm:txFillClrLst>
+    <dgm:txEffectClrLst/>
+  </dgm:styleLbl>
+  <dgm:styleLbl name="fgAcc1">
+    <dgm:fillClrLst meth="repeat">
+      <a:schemeClr val="dk1">
+        <a:alpha val="90000"/>
+        <a:tint val="40000"/>
+      </a:schemeClr>
+    </dgm:fillClrLst>
+    <dgm:linClrLst meth="repeat">
+      <a:schemeClr val="dk1"/>
+    </dgm:linClrLst>
+    <dgm:effectClrLst/>
+    <dgm:txLinClrLst/>
+    <dgm:txFillClrLst meth="repeat">
+      <a:schemeClr val="dk1"/>
+    </dgm:txFillClrLst>
+    <dgm:txEffectClrLst/>
+  </dgm:styleLbl>
+  <dgm:styleLbl name="conFgAcc1">
+    <dgm:fillClrLst meth="repeat">
+      <a:schemeClr val="dk1">
+        <a:alpha val="90000"/>
+        <a:tint val="40000"/>
+      </a:schemeClr>
+    </dgm:fillClrLst>
+    <dgm:linClrLst meth="repeat">
+      <a:schemeClr val="dk1"/>
+    </dgm:linClrLst>
+    <dgm:effectClrLst/>
+    <dgm:txLinClrLst/>
+    <dgm:txFillClrLst meth="repeat">
+      <a:schemeClr val="dk1"/>
+    </dgm:txFillClrLst>
+    <dgm:txEffectClrLst/>
+  </dgm:styleLbl>
+  <dgm:styleLbl name="alignAcc1">
+    <dgm:fillClrLst meth="repeat">
+      <a:schemeClr val="dk1">
+        <a:alpha val="90000"/>
+        <a:tint val="40000"/>
+      </a:schemeClr>
+    </dgm:fillClrLst>
+    <dgm:linClrLst meth="repeat">
+      <a:schemeClr val="dk1"/>
+    </dgm:linClrLst>
+    <dgm:effectClrLst/>
+    <dgm:txLinClrLst/>
+    <dgm:txFillClrLst meth="repeat">
+      <a:schemeClr val="dk1"/>
+    </dgm:txFillClrLst>
+    <dgm:txEffectClrLst/>
+  </dgm:styleLbl>
+  <dgm:styleLbl name="trAlignAcc1">
+    <dgm:fillClrLst meth="repeat">
+      <a:schemeClr val="dk1">
+        <a:alpha val="40000"/>
+        <a:tint val="40000"/>
+      </a:schemeClr>
+    </dgm:fillClrLst>
+    <dgm:linClrLst meth="repeat">
+      <a:schemeClr val="dk1"/>
+    </dgm:linClrLst>
+    <dgm:effectClrLst/>
+    <dgm:txLinClrLst/>
+    <dgm:txFillClrLst meth="repeat">
+      <a:schemeClr val="dk1"/>
+    </dgm:txFillClrLst>
+    <dgm:txEffectClrLst/>
+  </dgm:styleLbl>
+  <dgm:styleLbl name="bgAcc1">
+    <dgm:fillClrLst meth="repeat">
+      <a:schemeClr val="dk1">
+        <a:alpha val="90000"/>
+        <a:tint val="40000"/>
+      </a:schemeClr>
+    </dgm:fillClrLst>
+    <dgm:linClrLst meth="repeat">
+      <a:schemeClr val="dk1"/>
+    </dgm:linClrLst>
+    <dgm:effectClrLst/>
+    <dgm:txLinClrLst/>
+    <dgm:txFillClrLst meth="repeat">
+      <a:schemeClr val="dk1"/>
+    </dgm:txFillClrLst>
+    <dgm:txEffectClrLst/>
+  </dgm:styleLbl>
+  <dgm:styleLbl name="solidFgAcc1">
+    <dgm:fillClrLst meth="repeat">
+      <a:schemeClr val="lt1"/>
+    </dgm:fillClrLst>
+    <dgm:linClrLst meth="repeat">
+      <a:schemeClr val="dk1"/>
+    </dgm:linClrLst>
+    <dgm:effectClrLst/>
+    <dgm:txLinClrLst/>
+    <dgm:txFillClrLst meth="repeat">
+      <a:schemeClr val="dk1"/>
+    </dgm:txFillClrLst>
+    <dgm:txEffectClrLst/>
+  </dgm:styleLbl>
+  <dgm:styleLbl name="solidAlignAcc1">
+    <dgm:fillClrLst meth="repeat">
+      <a:schemeClr val="lt1"/>
+    </dgm:fillClrLst>
+    <dgm:linClrLst meth="repeat">
+      <a:schemeClr val="dk1"/>
+    </dgm:linClrLst>
+    <dgm:effectClrLst/>
+    <dgm:txLinClrLst/>
+    <dgm:txFillClrLst meth="repeat">
+      <a:schemeClr val="dk1"/>
+    </dgm:txFillClrLst>
+    <dgm:txEffectClrLst/>
+  </dgm:styleLbl>
+  <dgm:styleLbl name="solidBgAcc1">
+    <dgm:fillClrLst meth="repeat">
+      <a:schemeClr val="lt1"/>
+    </dgm:fillClrLst>
+    <dgm:linClrLst meth="repeat">
+      <a:schemeClr val="dk1"/>
+    </dgm:linClrLst>
+    <dgm:effectClrLst/>
+    <dgm:txLinClrLst/>
+    <dgm:txFillClrLst meth="repeat">
+      <a:schemeClr val="dk1"/>
+    </dgm:txFillClrLst>
+    <dgm:txEffectClrLst/>
+  </dgm:styleLbl>
+  <dgm:styleLbl name="fgAccFollowNode1">
+    <dgm:fillClrLst meth="repeat">
+      <a:schemeClr val="lt1">
+        <a:alpha val="90000"/>
+        <a:tint val="40000"/>
+      </a:schemeClr>
+    </dgm:fillClrLst>
+    <dgm:linClrLst meth="repeat">
+      <a:schemeClr val="dk1">
+        <a:alpha val="90000"/>
+      </a:schemeClr>
+    </dgm:linClrLst>
+    <dgm:effectClrLst/>
+    <dgm:txLinClrLst/>
+    <dgm:txFillClrLst meth="repeat">
+      <a:schemeClr val="dk1"/>
+    </dgm:txFillClrLst>
+    <dgm:txEffectClrLst/>
+  </dgm:styleLbl>
+  <dgm:styleLbl name="alignAccFollowNode1">
+    <dgm:fillClrLst meth="repeat">
+      <a:schemeClr val="lt1">
+        <a:alpha val="90000"/>
+        <a:tint val="40000"/>
+      </a:schemeClr>
+    </dgm:fillClrLst>
+    <dgm:linClrLst meth="repeat">
+      <a:schemeClr val="dk1">
+        <a:alpha val="90000"/>
+      </a:schemeClr>
+    </dgm:linClrLst>
+    <dgm:effectClrLst/>
+    <dgm:txLinClrLst/>
+    <dgm:txFillClrLst meth="repeat">
+      <a:schemeClr val="dk1"/>
+    </dgm:txFillClrLst>
+    <dgm:txEffectClrLst/>
+  </dgm:styleLbl>
+  <dgm:styleLbl name="bgAccFollowNode1">
+    <dgm:fillClrLst meth="repeat">
+      <a:schemeClr val="lt1">
+        <a:alpha val="90000"/>
+        <a:tint val="40000"/>
+      </a:schemeClr>
+    </dgm:fillClrLst>
+    <dgm:linClrLst meth="repeat">
+      <a:schemeClr val="dk1">
+        <a:alpha val="90000"/>
+      </a:schemeClr>
+    </dgm:linClrLst>
+    <dgm:effectClrLst/>
+    <dgm:txLinClrLst/>
+    <dgm:txFillClrLst meth="repeat">
+      <a:schemeClr val="dk1"/>
+    </dgm:txFillClrLst>
+    <dgm:txEffectClrLst/>
+  </dgm:styleLbl>
+  <dgm:styleLbl name="fgAcc0">
+    <dgm:fillClrLst meth="repeat">
+      <a:schemeClr val="dk1">
+        <a:alpha val="90000"/>
+        <a:tint val="40000"/>
+      </a:schemeClr>
+    </dgm:fillClrLst>
+    <dgm:linClrLst meth="repeat">
+      <a:schemeClr val="dk1"/>
+    </dgm:linClrLst>
+    <dgm:effectClrLst/>
+    <dgm:txLinClrLst/>
+    <dgm:txFillClrLst meth="repeat">
+      <a:schemeClr val="dk1"/>
+    </dgm:txFillClrLst>
+    <dgm:txEffectClrLst/>
+  </dgm:styleLbl>
+  <dgm:styleLbl name="fgAcc2">
+    <dgm:fillClrLst meth="repeat">
+      <a:schemeClr val="dk1">
+        <a:alpha val="90000"/>
+        <a:tint val="40000"/>
+      </a:schemeClr>
+    </dgm:fillClrLst>
+    <dgm:linClrLst meth="repeat">
+      <a:schemeClr val="dk1"/>
+    </dgm:linClrLst>
+    <dgm:effectClrLst/>
+    <dgm:txLinClrLst/>
+    <dgm:txFillClrLst meth="repeat">
+      <a:schemeClr val="dk1"/>
+    </dgm:txFillClrLst>
+    <dgm:txEffectClrLst/>
+  </dgm:styleLbl>
+  <dgm:styleLbl name="fgAcc3">
+    <dgm:fillClrLst meth="repeat">
+      <a:schemeClr val="dk1">
+        <a:alpha val="90000"/>
+        <a:tint val="40000"/>
+      </a:schemeClr>
+    </dgm:fillClrLst>
+    <dgm:linClrLst meth="repeat">
+      <a:schemeClr val="dk1"/>
+    </dgm:linClrLst>
+    <dgm:effectClrLst/>
+    <dgm:txLinClrLst/>
+    <dgm:txFillClrLst meth="repeat">
+      <a:schemeClr val="dk1"/>
+    </dgm:txFillClrLst>
+    <dgm:txEffectClrLst/>
+  </dgm:styleLbl>
+  <dgm:styleLbl name="fgAcc4">
+    <dgm:fillClrLst meth="repeat">
+      <a:schemeClr val="dk1">
+        <a:alpha val="90000"/>
+        <a:tint val="40000"/>
+      </a:schemeClr>
+    </dgm:fillClrLst>
+    <dgm:linClrLst meth="repeat">
+      <a:schemeClr val="dk1"/>
+    </dgm:linClrLst>
+    <dgm:effectClrLst/>
+    <dgm:txLinClrLst/>
+    <dgm:txFillClrLst meth="repeat">
+      <a:schemeClr val="dk1"/>
+    </dgm:txFillClrLst>
+    <dgm:txEffectClrLst/>
+  </dgm:styleLbl>
+  <dgm:styleLbl name="bgShp">
+    <dgm:fillClrLst meth="repeat">
+      <a:schemeClr val="dk1">
+        <a:tint val="40000"/>
+      </a:schemeClr>
+    </dgm:fillClrLst>
+    <dgm:linClrLst meth="repeat">
+      <a:schemeClr val="dk1"/>
+    </dgm:linClrLst>
+    <dgm:effectClrLst/>
+    <dgm:txLinClrLst/>
+    <dgm:txFillClrLst meth="repeat">
+      <a:schemeClr val="dk1"/>
+    </dgm:txFillClrLst>
+    <dgm:txEffectClrLst/>
+  </dgm:styleLbl>
+  <dgm:styleLbl name="dkBgShp">
+    <dgm:fillClrLst meth="repeat">
+      <a:schemeClr val="dk1">
+        <a:shade val="80000"/>
+      </a:schemeClr>
+    </dgm:fillClrLst>
+    <dgm:linClrLst meth="repeat">
+      <a:schemeClr val="dk1"/>
+    </dgm:linClrLst>
+    <dgm:effectClrLst/>
+    <dgm:txLinClrLst/>
+    <dgm:txFillClrLst meth="repeat">
+      <a:schemeClr val="lt1"/>
+    </dgm:txFillClrLst>
+    <dgm:txEffectClrLst/>
+  </dgm:styleLbl>
+  <dgm:styleLbl name="trBgShp">
+    <dgm:fillClrLst meth="repeat">
+      <a:schemeClr val="dk1">
+        <a:tint val="50000"/>
+        <a:alpha val="40000"/>
+      </a:schemeClr>
+    </dgm:fillClrLst>
+    <dgm:linClrLst meth="repeat">
+      <a:schemeClr val="dk1"/>
+    </dgm:linClrLst>
+    <dgm:effectClrLst/>
+    <dgm:txLinClrLst/>
+    <dgm:txFillClrLst meth="repeat">
+      <a:schemeClr val="lt1"/>
+    </dgm:txFillClrLst>
+    <dgm:txEffectClrLst/>
+  </dgm:styleLbl>
+  <dgm:styleLbl name="fgShp">
+    <dgm:fillClrLst meth="repeat">
+      <a:schemeClr val="dk1">
+        <a:tint val="60000"/>
+      </a:schemeClr>
+    </dgm:fillClrLst>
+    <dgm:linClrLst meth="repeat">
+      <a:schemeClr val="lt1"/>
+    </dgm:linClrLst>
+    <dgm:effectClrLst/>
+    <dgm:txLinClrLst/>
+    <dgm:txFillClrLst meth="repeat">
+      <a:schemeClr val="dk1"/>
+    </dgm:txFillClrLst>
+    <dgm:txEffectClrLst/>
+  </dgm:styleLbl>
+  <dgm:styleLbl name="revTx">
+    <dgm:fillClrLst meth="repeat">
+      <a:schemeClr val="lt1">
+        <a:alpha val="0"/>
+      </a:schemeClr>
+    </dgm:fillClrLst>
+    <dgm:linClrLst meth="repeat">
+      <a:schemeClr val="dk1">
+        <a:alpha val="0"/>
+      </a:schemeClr>
+    </dgm:linClrLst>
+    <dgm:effectClrLst/>
+    <dgm:txLinClrLst/>
+    <dgm:txFillClrLst meth="repeat">
+      <a:schemeClr val="tx1"/>
+    </dgm:txFillClrLst>
+    <dgm:txEffectClrLst/>
+  </dgm:styleLbl>
+</dgm:colorsDef>
+</file>
+
+<file path=ppt/diagrams/data1.xml><?xml version="1.0" encoding="utf-8"?>
+<dgm:dataModel xmlns:dgm="http://schemas.openxmlformats.org/drawingml/2006/diagram" xmlns:a="http://schemas.openxmlformats.org/drawingml/2006/main">
+  <dgm:ptLst>
+    <dgm:pt modelId="{F859983B-39FB-47E7-8C57-9DD8F40D1D9A}" type="doc">
+      <dgm:prSet loTypeId="urn:microsoft.com/office/officeart/2008/layout/RadialCluster" loCatId="cycle" qsTypeId="urn:microsoft.com/office/officeart/2005/8/quickstyle/simple1" qsCatId="simple" csTypeId="urn:microsoft.com/office/officeart/2005/8/colors/accent0_1" csCatId="mainScheme" phldr="1"/>
+      <dgm:spPr/>
+      <dgm:t>
+        <a:bodyPr/>
+        <a:lstStyle/>
+        <a:p>
+          <a:endParaRPr lang="ru-RU"/>
+        </a:p>
+      </dgm:t>
+    </dgm:pt>
+    <dgm:pt modelId="{F0375D81-EA31-407D-9450-A8FE664209E9}">
+      <dgm:prSet phldrT="[Текст]" custT="1"/>
+      <dgm:spPr>
+        <a:ln>
+          <a:noFill/>
+        </a:ln>
+      </dgm:spPr>
+      <dgm:t>
+        <a:bodyPr/>
+        <a:lstStyle/>
+        <a:p>
+          <a:r>
+            <a:rPr lang="en-US" sz="1300" b="1" dirty="0" smtClean="0"/>
+            <a:t>7</a:t>
+          </a:r>
+          <a:endParaRPr lang="ru-RU" sz="1300" b="1" dirty="0"/>
+        </a:p>
+      </dgm:t>
+    </dgm:pt>
+    <dgm:pt modelId="{1B8994B9-1FA2-4BCC-B59E-DD923832FA9D}" type="parTrans" cxnId="{19A40656-4809-4667-AB31-70F262832267}">
+      <dgm:prSet/>
+      <dgm:spPr/>
+      <dgm:t>
+        <a:bodyPr/>
+        <a:lstStyle/>
+        <a:p>
+          <a:endParaRPr lang="ru-RU" sz="1300" b="1"/>
+        </a:p>
+      </dgm:t>
+    </dgm:pt>
+    <dgm:pt modelId="{F8D3018F-5870-4E34-88B8-AEF8BD26787A}" type="sibTrans" cxnId="{19A40656-4809-4667-AB31-70F262832267}">
+      <dgm:prSet/>
+      <dgm:spPr/>
+      <dgm:t>
+        <a:bodyPr/>
+        <a:lstStyle/>
+        <a:p>
+          <a:endParaRPr lang="ru-RU" sz="1300" b="1"/>
+        </a:p>
+      </dgm:t>
+    </dgm:pt>
+    <dgm:pt modelId="{A899F7D4-A4FB-438D-8EE9-50E475B215B7}">
+      <dgm:prSet phldrT="[Текст]" custT="1"/>
+      <dgm:spPr>
+        <a:ln>
+          <a:noFill/>
+        </a:ln>
+      </dgm:spPr>
+      <dgm:t>
+        <a:bodyPr/>
+        <a:lstStyle/>
+        <a:p>
+          <a:r>
+            <a:rPr lang="en-US" sz="1300" b="1" dirty="0" smtClean="0"/>
+            <a:t>2</a:t>
+          </a:r>
+          <a:endParaRPr lang="ru-RU" sz="1300" b="1" dirty="0"/>
+        </a:p>
+      </dgm:t>
+    </dgm:pt>
+    <dgm:pt modelId="{511F46B2-9729-40F5-A774-4D9C08F18E83}" type="parTrans" cxnId="{6C82ACCC-4F75-4318-9654-105491425942}">
+      <dgm:prSet/>
+      <dgm:spPr>
+        <a:ln>
+          <a:solidFill>
+            <a:schemeClr val="bg1"/>
+          </a:solidFill>
+        </a:ln>
+      </dgm:spPr>
+      <dgm:t>
+        <a:bodyPr/>
+        <a:lstStyle/>
+        <a:p>
+          <a:endParaRPr lang="ru-RU" sz="1300" b="1"/>
+        </a:p>
+      </dgm:t>
+    </dgm:pt>
+    <dgm:pt modelId="{FB54FE33-EE5B-404B-9C7C-A4B629952FAC}" type="sibTrans" cxnId="{6C82ACCC-4F75-4318-9654-105491425942}">
+      <dgm:prSet/>
+      <dgm:spPr/>
+      <dgm:t>
+        <a:bodyPr/>
+        <a:lstStyle/>
+        <a:p>
+          <a:endParaRPr lang="ru-RU" sz="1300" b="1"/>
+        </a:p>
+      </dgm:t>
+    </dgm:pt>
+    <dgm:pt modelId="{B4383D45-2EB5-431F-9E3B-61E0E61EA173}">
+      <dgm:prSet phldrT="[Текст]" custT="1"/>
+      <dgm:spPr>
+        <a:ln w="12700">
+          <a:noFill/>
+        </a:ln>
+      </dgm:spPr>
+      <dgm:t>
+        <a:bodyPr/>
+        <a:lstStyle/>
+        <a:p>
+          <a:r>
+            <a:rPr lang="en-US" sz="1300" b="1" dirty="0" smtClean="0"/>
+            <a:t>8</a:t>
+          </a:r>
+          <a:endParaRPr lang="ru-RU" sz="1300" b="1" dirty="0"/>
+        </a:p>
+      </dgm:t>
+    </dgm:pt>
+    <dgm:pt modelId="{806EBB18-A966-4973-8080-268AF4E6D478}" type="parTrans" cxnId="{4FBAF1D3-BBC6-4C17-B0B3-61B392007395}">
+      <dgm:prSet/>
+      <dgm:spPr>
+        <a:ln>
+          <a:solidFill>
+            <a:schemeClr val="bg1"/>
+          </a:solidFill>
+        </a:ln>
+      </dgm:spPr>
+      <dgm:t>
+        <a:bodyPr/>
+        <a:lstStyle/>
+        <a:p>
+          <a:endParaRPr lang="ru-RU" sz="1300" b="1"/>
+        </a:p>
+      </dgm:t>
+    </dgm:pt>
+    <dgm:pt modelId="{3868CC5F-FB5D-4E2B-9183-84D4EF55EAB2}" type="sibTrans" cxnId="{4FBAF1D3-BBC6-4C17-B0B3-61B392007395}">
+      <dgm:prSet/>
+      <dgm:spPr/>
+      <dgm:t>
+        <a:bodyPr/>
+        <a:lstStyle/>
+        <a:p>
+          <a:endParaRPr lang="ru-RU" sz="1300" b="1"/>
+        </a:p>
+      </dgm:t>
+    </dgm:pt>
+    <dgm:pt modelId="{BBCF9853-183B-4BF0-86E7-F45030B3E232}">
+      <dgm:prSet phldrT="[Текст]" custT="1"/>
+      <dgm:spPr>
+        <a:ln>
+          <a:noFill/>
+        </a:ln>
+      </dgm:spPr>
+      <dgm:t>
+        <a:bodyPr/>
+        <a:lstStyle/>
+        <a:p>
+          <a:r>
+            <a:rPr lang="en-US" sz="1300" b="1" dirty="0" smtClean="0"/>
+            <a:t>12</a:t>
+          </a:r>
+          <a:endParaRPr lang="ru-RU" sz="1300" b="1" dirty="0"/>
+        </a:p>
+      </dgm:t>
+    </dgm:pt>
+    <dgm:pt modelId="{0E9B778E-2EA7-4990-AB0C-12820DF4FB7A}" type="parTrans" cxnId="{CE2C0CEA-871F-407F-83C7-8DDC9EC3B74B}">
+      <dgm:prSet/>
+      <dgm:spPr>
+        <a:ln>
+          <a:solidFill>
+            <a:schemeClr val="bg1"/>
+          </a:solidFill>
+        </a:ln>
+      </dgm:spPr>
+      <dgm:t>
+        <a:bodyPr/>
+        <a:lstStyle/>
+        <a:p>
+          <a:endParaRPr lang="ru-RU" sz="1300" b="1"/>
+        </a:p>
+      </dgm:t>
+    </dgm:pt>
+    <dgm:pt modelId="{AB733780-A582-43D3-99EF-035D4FB6A336}" type="sibTrans" cxnId="{CE2C0CEA-871F-407F-83C7-8DDC9EC3B74B}">
+      <dgm:prSet/>
+      <dgm:spPr/>
+      <dgm:t>
+        <a:bodyPr/>
+        <a:lstStyle/>
+        <a:p>
+          <a:endParaRPr lang="ru-RU" sz="1300" b="1"/>
+        </a:p>
+      </dgm:t>
+    </dgm:pt>
+    <dgm:pt modelId="{A0DD1813-EB36-4B44-90D1-8D815D596B10}">
+      <dgm:prSet phldrT="[Текст]" custT="1"/>
+      <dgm:spPr>
+        <a:ln w="12700">
+          <a:noFill/>
+        </a:ln>
+      </dgm:spPr>
+      <dgm:t>
+        <a:bodyPr/>
+        <a:lstStyle/>
+        <a:p>
+          <a:r>
+            <a:rPr lang="en-US" sz="1300" b="1" dirty="0" smtClean="0"/>
+            <a:t>6</a:t>
+          </a:r>
+          <a:endParaRPr lang="ru-RU" sz="1300" b="1" dirty="0"/>
+        </a:p>
+      </dgm:t>
+    </dgm:pt>
+    <dgm:pt modelId="{E67B6AC2-E4BC-425A-90E5-90C0896AC2CC}" type="parTrans" cxnId="{1BE17BED-1E68-4B40-859A-85090FBE9549}">
+      <dgm:prSet/>
+      <dgm:spPr>
+        <a:ln>
+          <a:solidFill>
+            <a:schemeClr val="bg1"/>
+          </a:solidFill>
+        </a:ln>
+      </dgm:spPr>
+      <dgm:t>
+        <a:bodyPr/>
+        <a:lstStyle/>
+        <a:p>
+          <a:endParaRPr lang="ru-RU" sz="1300" b="1"/>
+        </a:p>
+      </dgm:t>
+    </dgm:pt>
+    <dgm:pt modelId="{4448D2A1-ABB7-4D3E-984F-DC9ED42CD75D}" type="sibTrans" cxnId="{1BE17BED-1E68-4B40-859A-85090FBE9549}">
+      <dgm:prSet/>
+      <dgm:spPr/>
+      <dgm:t>
+        <a:bodyPr/>
+        <a:lstStyle/>
+        <a:p>
+          <a:endParaRPr lang="ru-RU" sz="1300" b="1"/>
+        </a:p>
+      </dgm:t>
+    </dgm:pt>
+    <dgm:pt modelId="{9C91AE0B-CDBD-4C19-8B02-531F0A655388}">
+      <dgm:prSet phldrT="[Текст]" custT="1"/>
+      <dgm:spPr>
+        <a:ln w="12700">
+          <a:noFill/>
+        </a:ln>
+      </dgm:spPr>
+      <dgm:t>
+        <a:bodyPr/>
+        <a:lstStyle/>
+        <a:p>
+          <a:r>
+            <a:rPr lang="en-US" sz="1300" b="1" dirty="0" smtClean="0"/>
+            <a:t>1</a:t>
+          </a:r>
+          <a:endParaRPr lang="ru-RU" sz="1300" b="1" dirty="0"/>
+        </a:p>
+      </dgm:t>
+    </dgm:pt>
+    <dgm:pt modelId="{1C2F9CC8-896B-41B3-AF0F-84093C1E8121}" type="parTrans" cxnId="{37CA5FA0-D83A-4F45-9093-7C70C2D6D688}">
+      <dgm:prSet/>
+      <dgm:spPr>
+        <a:ln>
+          <a:solidFill>
+            <a:schemeClr val="bg1"/>
+          </a:solidFill>
+        </a:ln>
+      </dgm:spPr>
+      <dgm:t>
+        <a:bodyPr/>
+        <a:lstStyle/>
+        <a:p>
+          <a:endParaRPr lang="ru-RU" sz="1300" b="1"/>
+        </a:p>
+      </dgm:t>
+    </dgm:pt>
+    <dgm:pt modelId="{0605D182-E01E-4763-ABDC-9D1D920D3E73}" type="sibTrans" cxnId="{37CA5FA0-D83A-4F45-9093-7C70C2D6D688}">
+      <dgm:prSet/>
+      <dgm:spPr/>
+      <dgm:t>
+        <a:bodyPr/>
+        <a:lstStyle/>
+        <a:p>
+          <a:endParaRPr lang="ru-RU" sz="1300" b="1"/>
+        </a:p>
+      </dgm:t>
+    </dgm:pt>
+    <dgm:pt modelId="{BA0CE55D-B380-4A3F-92DC-95FBD2463EE0}">
+      <dgm:prSet phldrT="[Текст]" custT="1"/>
+      <dgm:spPr>
+        <a:ln w="12700">
+          <a:noFill/>
+        </a:ln>
+      </dgm:spPr>
+      <dgm:t>
+        <a:bodyPr/>
+        <a:lstStyle/>
+        <a:p>
+          <a:r>
+            <a:rPr lang="en-US" sz="1300" b="1" dirty="0" smtClean="0"/>
+            <a:t>10</a:t>
+          </a:r>
+          <a:endParaRPr lang="ru-RU" sz="1300" b="1" dirty="0"/>
+        </a:p>
+      </dgm:t>
+    </dgm:pt>
+    <dgm:pt modelId="{D9B202E9-AE8C-40D2-A015-6D1E4380B06B}" type="parTrans" cxnId="{525B8F5E-46DA-4031-B65A-A1EF231C5AD8}">
+      <dgm:prSet/>
+      <dgm:spPr>
+        <a:ln>
+          <a:noFill/>
+        </a:ln>
+      </dgm:spPr>
+      <dgm:t>
+        <a:bodyPr/>
+        <a:lstStyle/>
+        <a:p>
+          <a:endParaRPr lang="ru-RU" sz="1300" b="1"/>
+        </a:p>
+      </dgm:t>
+    </dgm:pt>
+    <dgm:pt modelId="{8F29A3BF-A66B-48F2-B746-1E30CC1AC380}" type="sibTrans" cxnId="{525B8F5E-46DA-4031-B65A-A1EF231C5AD8}">
+      <dgm:prSet/>
+      <dgm:spPr/>
+      <dgm:t>
+        <a:bodyPr/>
+        <a:lstStyle/>
+        <a:p>
+          <a:endParaRPr lang="ru-RU" sz="1300" b="1"/>
+        </a:p>
+      </dgm:t>
+    </dgm:pt>
+    <dgm:pt modelId="{35747D65-C0E3-45F4-B29B-77F49AB95CCE}">
+      <dgm:prSet phldrT="[Текст]" custT="1"/>
+      <dgm:spPr>
+        <a:ln>
+          <a:noFill/>
+        </a:ln>
+      </dgm:spPr>
+      <dgm:t>
+        <a:bodyPr/>
+        <a:lstStyle/>
+        <a:p>
+          <a:r>
+            <a:rPr lang="en-US" sz="1300" b="1" dirty="0" smtClean="0"/>
+            <a:t>13</a:t>
+          </a:r>
+          <a:endParaRPr lang="ru-RU" sz="1300" b="1" dirty="0"/>
+        </a:p>
+      </dgm:t>
+    </dgm:pt>
+    <dgm:pt modelId="{3E9E04D1-1302-4E1A-AE3A-AABDBDF394A8}" type="parTrans" cxnId="{A707AF79-CE53-4D5F-AE33-9A5AE80C7715}">
+      <dgm:prSet/>
+      <dgm:spPr>
+        <a:ln>
+          <a:solidFill>
+            <a:schemeClr val="bg1"/>
+          </a:solidFill>
+        </a:ln>
+      </dgm:spPr>
+      <dgm:t>
+        <a:bodyPr/>
+        <a:lstStyle/>
+        <a:p>
+          <a:endParaRPr lang="ru-RU" sz="1300" b="1"/>
+        </a:p>
+      </dgm:t>
+    </dgm:pt>
+    <dgm:pt modelId="{19E76A38-155F-479C-8067-7B393F0FA758}" type="sibTrans" cxnId="{A707AF79-CE53-4D5F-AE33-9A5AE80C7715}">
+      <dgm:prSet/>
+      <dgm:spPr/>
+      <dgm:t>
+        <a:bodyPr/>
+        <a:lstStyle/>
+        <a:p>
+          <a:endParaRPr lang="ru-RU" sz="1300" b="1"/>
+        </a:p>
+      </dgm:t>
+    </dgm:pt>
+    <dgm:pt modelId="{71417C9C-41D5-467E-9678-7E5EF1DEAA64}">
+      <dgm:prSet phldrT="[Текст]" custT="1"/>
+      <dgm:spPr>
+        <a:ln>
+          <a:noFill/>
+        </a:ln>
+      </dgm:spPr>
+      <dgm:t>
+        <a:bodyPr/>
+        <a:lstStyle/>
+        <a:p>
+          <a:r>
+            <a:rPr lang="en-US" sz="1300" b="1" dirty="0" smtClean="0"/>
+            <a:t>3</a:t>
+          </a:r>
+          <a:endParaRPr lang="ru-RU" sz="1300" b="1" dirty="0"/>
+        </a:p>
+      </dgm:t>
+    </dgm:pt>
+    <dgm:pt modelId="{9479EB3C-A16E-462A-828B-D51E498566EE}" type="parTrans" cxnId="{923EE879-5E5C-4AC5-AF48-B703EE09B99B}">
+      <dgm:prSet/>
+      <dgm:spPr>
+        <a:ln>
+          <a:solidFill>
+            <a:schemeClr val="bg1"/>
+          </a:solidFill>
+        </a:ln>
+      </dgm:spPr>
+      <dgm:t>
+        <a:bodyPr/>
+        <a:lstStyle/>
+        <a:p>
+          <a:endParaRPr lang="ru-RU" sz="1300" b="1"/>
+        </a:p>
+      </dgm:t>
+    </dgm:pt>
+    <dgm:pt modelId="{CC466F42-389B-45F4-9AE2-3F446F36D922}" type="sibTrans" cxnId="{923EE879-5E5C-4AC5-AF48-B703EE09B99B}">
+      <dgm:prSet/>
+      <dgm:spPr/>
+      <dgm:t>
+        <a:bodyPr/>
+        <a:lstStyle/>
+        <a:p>
+          <a:endParaRPr lang="ru-RU" sz="1300" b="1"/>
+        </a:p>
+      </dgm:t>
+    </dgm:pt>
+    <dgm:pt modelId="{1735A180-4B3C-4FB2-95EB-B5F12D12B418}">
+      <dgm:prSet phldrT="[Текст]" custT="1"/>
+      <dgm:spPr>
+        <a:ln w="12700">
+          <a:noFill/>
+        </a:ln>
+      </dgm:spPr>
+      <dgm:t>
+        <a:bodyPr/>
+        <a:lstStyle/>
+        <a:p>
+          <a:r>
+            <a:rPr lang="en-US" sz="1300" b="1" dirty="0" smtClean="0"/>
+            <a:t>5</a:t>
+          </a:r>
+          <a:endParaRPr lang="ru-RU" sz="1300" b="1" dirty="0"/>
+        </a:p>
+      </dgm:t>
+    </dgm:pt>
+    <dgm:pt modelId="{14C2A219-D87C-4A41-8355-454819345B24}" type="parTrans" cxnId="{8B9A5703-6E58-4332-9110-0C050385FBB6}">
+      <dgm:prSet/>
+      <dgm:spPr>
+        <a:ln>
+          <a:noFill/>
+        </a:ln>
+      </dgm:spPr>
+      <dgm:t>
+        <a:bodyPr/>
+        <a:lstStyle/>
+        <a:p>
+          <a:endParaRPr lang="ru-RU" sz="1300" b="1"/>
+        </a:p>
+      </dgm:t>
+    </dgm:pt>
+    <dgm:pt modelId="{FAD1D1C0-A72C-4FD6-9D14-4CB9F8F9E9AC}" type="sibTrans" cxnId="{8B9A5703-6E58-4332-9110-0C050385FBB6}">
+      <dgm:prSet/>
+      <dgm:spPr/>
+      <dgm:t>
+        <a:bodyPr/>
+        <a:lstStyle/>
+        <a:p>
+          <a:endParaRPr lang="ru-RU" sz="1300" b="1"/>
+        </a:p>
+      </dgm:t>
+    </dgm:pt>
+    <dgm:pt modelId="{DD5A8A72-D66B-4F22-BC00-3BEC12B711C3}">
+      <dgm:prSet phldrT="[Текст]" custT="1"/>
+      <dgm:spPr>
+        <a:ln w="12700">
+          <a:noFill/>
+        </a:ln>
+      </dgm:spPr>
+      <dgm:t>
+        <a:bodyPr/>
+        <a:lstStyle/>
+        <a:p>
+          <a:r>
+            <a:rPr lang="en-US" sz="1300" b="1" dirty="0" smtClean="0"/>
+            <a:t>0</a:t>
+          </a:r>
+          <a:endParaRPr lang="ru-RU" sz="1300" b="1" dirty="0"/>
+        </a:p>
+      </dgm:t>
+    </dgm:pt>
+    <dgm:pt modelId="{0249E7AD-330C-42C9-9CF1-85C044344138}" type="parTrans" cxnId="{BDF3C253-909D-447A-AFF0-FB66AF70313E}">
+      <dgm:prSet/>
+      <dgm:spPr>
+        <a:ln>
+          <a:noFill/>
+        </a:ln>
+      </dgm:spPr>
+      <dgm:t>
+        <a:bodyPr/>
+        <a:lstStyle/>
+        <a:p>
+          <a:endParaRPr lang="ru-RU" sz="1300" b="1"/>
+        </a:p>
+      </dgm:t>
+    </dgm:pt>
+    <dgm:pt modelId="{2ADC5E6A-35B0-4E8C-8EE9-7F0314B6476D}" type="sibTrans" cxnId="{BDF3C253-909D-447A-AFF0-FB66AF70313E}">
+      <dgm:prSet/>
+      <dgm:spPr/>
+      <dgm:t>
+        <a:bodyPr/>
+        <a:lstStyle/>
+        <a:p>
+          <a:endParaRPr lang="ru-RU" sz="1300" b="1"/>
+        </a:p>
+      </dgm:t>
+    </dgm:pt>
+    <dgm:pt modelId="{328C0A48-268C-4B41-ABB7-6DDF12D715AC}">
+      <dgm:prSet phldrT="[Текст]" custT="1"/>
+      <dgm:spPr>
+        <a:ln>
+          <a:noFill/>
+        </a:ln>
+      </dgm:spPr>
+      <dgm:t>
+        <a:bodyPr/>
+        <a:lstStyle/>
+        <a:p>
+          <a:r>
+            <a:rPr lang="en-US" sz="1300" b="1" dirty="0" smtClean="0"/>
+            <a:t>11</a:t>
+          </a:r>
+          <a:endParaRPr lang="ru-RU" sz="1300" b="1" dirty="0"/>
+        </a:p>
+      </dgm:t>
+    </dgm:pt>
+    <dgm:pt modelId="{762F0E84-B23A-4091-8901-A78F7AE85B75}" type="parTrans" cxnId="{F2CF1DE7-0B47-420F-9398-2992DC3DFB6B}">
+      <dgm:prSet/>
+      <dgm:spPr>
+        <a:ln>
+          <a:solidFill>
+            <a:schemeClr val="bg1"/>
+          </a:solidFill>
+        </a:ln>
+      </dgm:spPr>
+      <dgm:t>
+        <a:bodyPr/>
+        <a:lstStyle/>
+        <a:p>
+          <a:endParaRPr lang="ru-RU" sz="1300" b="1"/>
+        </a:p>
+      </dgm:t>
+    </dgm:pt>
+    <dgm:pt modelId="{5CE6F0E9-D2D4-4DBF-A420-B59D5889D7C4}" type="sibTrans" cxnId="{F2CF1DE7-0B47-420F-9398-2992DC3DFB6B}">
+      <dgm:prSet/>
+      <dgm:spPr/>
+      <dgm:t>
+        <a:bodyPr/>
+        <a:lstStyle/>
+        <a:p>
+          <a:endParaRPr lang="ru-RU" sz="1300" b="1"/>
+        </a:p>
+      </dgm:t>
+    </dgm:pt>
+    <dgm:pt modelId="{76CD3A94-BB58-4E79-AE04-950749E90406}">
+      <dgm:prSet phldrT="[Текст]" custT="1"/>
+      <dgm:spPr>
+        <a:ln w="12700">
+          <a:noFill/>
+        </a:ln>
+      </dgm:spPr>
+      <dgm:t>
+        <a:bodyPr/>
+        <a:lstStyle/>
+        <a:p>
+          <a:r>
+            <a:rPr lang="en-US" sz="1300" b="1" dirty="0" smtClean="0"/>
+            <a:t>9</a:t>
+          </a:r>
+          <a:endParaRPr lang="ru-RU" sz="1300" b="1" dirty="0"/>
+        </a:p>
+      </dgm:t>
+    </dgm:pt>
+    <dgm:pt modelId="{E7D2329F-9681-4125-A514-37240D313997}" type="parTrans" cxnId="{E65196B1-7248-4E81-9AE9-E06B4A11E01D}">
+      <dgm:prSet/>
+      <dgm:spPr>
+        <a:ln>
+          <a:noFill/>
+        </a:ln>
+      </dgm:spPr>
+      <dgm:t>
+        <a:bodyPr/>
+        <a:lstStyle/>
+        <a:p>
+          <a:endParaRPr lang="ru-RU" sz="1300" b="1"/>
+        </a:p>
+      </dgm:t>
+    </dgm:pt>
+    <dgm:pt modelId="{49F38F2D-846A-4AC9-A999-45F52BEB83E6}" type="sibTrans" cxnId="{E65196B1-7248-4E81-9AE9-E06B4A11E01D}">
+      <dgm:prSet/>
+      <dgm:spPr/>
+      <dgm:t>
+        <a:bodyPr/>
+        <a:lstStyle/>
+        <a:p>
+          <a:endParaRPr lang="ru-RU" sz="1300" b="1"/>
+        </a:p>
+      </dgm:t>
+    </dgm:pt>
+    <dgm:pt modelId="{F3387FD0-03C2-49E7-BC48-23BCF1C821D1}">
+      <dgm:prSet phldrT="[Текст]" custT="1"/>
+      <dgm:spPr>
+        <a:ln w="12700">
+          <a:noFill/>
+        </a:ln>
+      </dgm:spPr>
+      <dgm:t>
+        <a:bodyPr/>
+        <a:lstStyle/>
+        <a:p>
+          <a:r>
+            <a:rPr lang="en-US" sz="1300" b="1" dirty="0" smtClean="0"/>
+            <a:t>4</a:t>
+          </a:r>
+          <a:endParaRPr lang="ru-RU" sz="1300" b="1" dirty="0"/>
+        </a:p>
+      </dgm:t>
+    </dgm:pt>
+    <dgm:pt modelId="{032E0D3E-E48E-4E6A-BD8A-5430FC59272E}" type="parTrans" cxnId="{9D7A167B-95AA-4E1E-B3D9-F736BBA066E2}">
+      <dgm:prSet/>
+      <dgm:spPr>
+        <a:ln>
+          <a:noFill/>
+        </a:ln>
+      </dgm:spPr>
+      <dgm:t>
+        <a:bodyPr/>
+        <a:lstStyle/>
+        <a:p>
+          <a:endParaRPr lang="ru-RU" sz="1300" b="1"/>
+        </a:p>
+      </dgm:t>
+    </dgm:pt>
+    <dgm:pt modelId="{5CFBA39C-DAD5-47F7-A30E-1AB44EB4E519}" type="sibTrans" cxnId="{9D7A167B-95AA-4E1E-B3D9-F736BBA066E2}">
+      <dgm:prSet/>
+      <dgm:spPr/>
+      <dgm:t>
+        <a:bodyPr/>
+        <a:lstStyle/>
+        <a:p>
+          <a:endParaRPr lang="ru-RU" sz="1300" b="1"/>
+        </a:p>
+      </dgm:t>
+    </dgm:pt>
+    <dgm:pt modelId="{256FEE81-9056-4F41-86E9-A87A2826DE9D}">
+      <dgm:prSet phldrT="[Текст]" custT="1"/>
+      <dgm:spPr>
+        <a:ln w="12700">
+          <a:noFill/>
+        </a:ln>
+      </dgm:spPr>
+      <dgm:t>
+        <a:bodyPr/>
+        <a:lstStyle/>
+        <a:p>
+          <a:r>
+            <a:rPr lang="en-US" sz="1300" b="1" dirty="0" smtClean="0"/>
+            <a:t>14</a:t>
+          </a:r>
+          <a:endParaRPr lang="ru-RU" sz="1300" b="1" dirty="0"/>
+        </a:p>
+      </dgm:t>
+    </dgm:pt>
+    <dgm:pt modelId="{E57571B8-76B3-4DBD-AB12-62351466A144}" type="parTrans" cxnId="{D7197B27-5FA6-4310-93F9-C9344A9094D0}">
+      <dgm:prSet/>
+      <dgm:spPr>
+        <a:ln>
+          <a:noFill/>
+        </a:ln>
+      </dgm:spPr>
+      <dgm:t>
+        <a:bodyPr/>
+        <a:lstStyle/>
+        <a:p>
+          <a:endParaRPr lang="ru-RU" sz="1300" b="1"/>
+        </a:p>
+      </dgm:t>
+    </dgm:pt>
+    <dgm:pt modelId="{41CA1FCF-EA3E-4AB0-8629-2F7162A98042}" type="sibTrans" cxnId="{D7197B27-5FA6-4310-93F9-C9344A9094D0}">
+      <dgm:prSet/>
+      <dgm:spPr/>
+      <dgm:t>
+        <a:bodyPr/>
+        <a:lstStyle/>
+        <a:p>
+          <a:endParaRPr lang="ru-RU" sz="1300" b="1"/>
+        </a:p>
+      </dgm:t>
+    </dgm:pt>
+    <dgm:pt modelId="{A87BA1DD-20A4-4DE3-A085-B1D0326AB74E}" type="pres">
+      <dgm:prSet presAssocID="{F859983B-39FB-47E7-8C57-9DD8F40D1D9A}" presName="Name0" presStyleCnt="0">
+        <dgm:presLayoutVars>
+          <dgm:chMax val="1"/>
+          <dgm:chPref val="1"/>
+          <dgm:dir/>
+          <dgm:animOne val="branch"/>
+          <dgm:animLvl val="lvl"/>
+        </dgm:presLayoutVars>
+      </dgm:prSet>
+      <dgm:spPr/>
+    </dgm:pt>
+    <dgm:pt modelId="{2C61CDB8-1126-4D10-8A0C-A887CB36E88D}" type="pres">
+      <dgm:prSet presAssocID="{F0375D81-EA31-407D-9450-A8FE664209E9}" presName="textCenter" presStyleLbl="node1" presStyleIdx="0" presStyleCnt="15" custScaleX="42874" custScaleY="42874" custLinFactNeighborX="6678" custLinFactNeighborY="4202"/>
+      <dgm:spPr>
+        <a:prstGeom prst="ellipse">
+          <a:avLst/>
+        </a:prstGeom>
+      </dgm:spPr>
+    </dgm:pt>
+    <dgm:pt modelId="{99162502-7E36-4BA7-BFCB-D56C5DFB7F09}" type="pres">
+      <dgm:prSet presAssocID="{F0375D81-EA31-407D-9450-A8FE664209E9}" presName="cycle_1" presStyleCnt="0"/>
+      <dgm:spPr/>
+    </dgm:pt>
+    <dgm:pt modelId="{26DAB9AD-417E-4638-A432-60D1AD968EEE}" type="pres">
+      <dgm:prSet presAssocID="{A899F7D4-A4FB-438D-8EE9-50E475B215B7}" presName="childCenter1" presStyleLbl="node1" presStyleIdx="1" presStyleCnt="15" custScaleX="63991" custScaleY="63991" custLinFactNeighborX="3677" custLinFactNeighborY="-5979"/>
+      <dgm:spPr>
+        <a:prstGeom prst="ellipse">
+          <a:avLst/>
+        </a:prstGeom>
+      </dgm:spPr>
+    </dgm:pt>
+    <dgm:pt modelId="{14F8E73C-F36A-45CB-BFCE-4B2564C5D8DB}" type="pres">
+      <dgm:prSet presAssocID="{9479EB3C-A16E-462A-828B-D51E498566EE}" presName="Name141" presStyleLbl="parChTrans1D3" presStyleIdx="0" presStyleCnt="10"/>
+      <dgm:spPr/>
+    </dgm:pt>
+    <dgm:pt modelId="{131FDBC9-C4E8-4D45-8ABB-A1AFD43B00EC}" type="pres">
+      <dgm:prSet presAssocID="{71417C9C-41D5-467E-9678-7E5EF1DEAA64}" presName="text1" presStyleLbl="node1" presStyleIdx="2" presStyleCnt="15" custScaleX="63991" custScaleY="63991" custRadScaleRad="177803" custRadScaleInc="47732">
+        <dgm:presLayoutVars>
+          <dgm:bulletEnabled val="1"/>
+        </dgm:presLayoutVars>
+      </dgm:prSet>
+      <dgm:spPr>
+        <a:prstGeom prst="ellipse">
+          <a:avLst/>
+        </a:prstGeom>
+      </dgm:spPr>
+    </dgm:pt>
+    <dgm:pt modelId="{D798D8B1-4DD5-4F76-A915-4D9BC4A9F7BC}" type="pres">
+      <dgm:prSet presAssocID="{511F46B2-9729-40F5-A774-4D9C08F18E83}" presName="Name144" presStyleLbl="parChTrans1D2" presStyleIdx="0" presStyleCnt="4"/>
+      <dgm:spPr/>
+    </dgm:pt>
+    <dgm:pt modelId="{78DF4324-BEBD-4C20-8662-1460A63AEC61}" type="pres">
+      <dgm:prSet presAssocID="{F0375D81-EA31-407D-9450-A8FE664209E9}" presName="cycle_2" presStyleCnt="0"/>
+      <dgm:spPr/>
+    </dgm:pt>
+    <dgm:pt modelId="{162F5FFA-826E-4752-85DB-80F67E99A00F}" type="pres">
+      <dgm:prSet presAssocID="{B4383D45-2EB5-431F-9E3B-61E0E61EA173}" presName="childCenter2" presStyleLbl="node1" presStyleIdx="3" presStyleCnt="15" custScaleX="63991" custScaleY="63991" custLinFactNeighborX="27923" custLinFactNeighborY="2920"/>
+      <dgm:spPr>
+        <a:prstGeom prst="ellipse">
+          <a:avLst/>
+        </a:prstGeom>
+      </dgm:spPr>
+    </dgm:pt>
+    <dgm:pt modelId="{13C6C64B-B032-4BA4-83DB-6A35EE2DAC82}" type="pres">
+      <dgm:prSet presAssocID="{E7D2329F-9681-4125-A514-37240D313997}" presName="Name218" presStyleLbl="parChTrans1D3" presStyleIdx="1" presStyleCnt="10"/>
+      <dgm:spPr/>
+    </dgm:pt>
+    <dgm:pt modelId="{60645163-21D0-4CD5-9FB8-587A220A1664}" type="pres">
+      <dgm:prSet presAssocID="{76CD3A94-BB58-4E79-AE04-950749E90406}" presName="text2" presStyleLbl="node1" presStyleIdx="4" presStyleCnt="15" custScaleX="63991" custScaleY="63991" custRadScaleRad="200428" custRadScaleInc="115496">
+        <dgm:presLayoutVars>
+          <dgm:bulletEnabled val="1"/>
+        </dgm:presLayoutVars>
+      </dgm:prSet>
+      <dgm:spPr>
+        <a:prstGeom prst="ellipse">
+          <a:avLst/>
+        </a:prstGeom>
+      </dgm:spPr>
+    </dgm:pt>
+    <dgm:pt modelId="{F1052044-0FDD-422D-B472-4653C35157C6}" type="pres">
+      <dgm:prSet presAssocID="{032E0D3E-E48E-4E6A-BD8A-5430FC59272E}" presName="Name218" presStyleLbl="parChTrans1D3" presStyleIdx="2" presStyleCnt="10"/>
+      <dgm:spPr/>
+    </dgm:pt>
+    <dgm:pt modelId="{87EB7461-B202-41C3-B18F-A0F3E6601857}" type="pres">
+      <dgm:prSet presAssocID="{F3387FD0-03C2-49E7-BC48-23BCF1C821D1}" presName="text2" presStyleLbl="node1" presStyleIdx="5" presStyleCnt="15" custScaleX="63991" custScaleY="63991" custRadScaleRad="237589" custRadScaleInc="-55823">
+        <dgm:presLayoutVars>
+          <dgm:bulletEnabled val="1"/>
+        </dgm:presLayoutVars>
+      </dgm:prSet>
+      <dgm:spPr>
+        <a:prstGeom prst="ellipse">
+          <a:avLst/>
+        </a:prstGeom>
+      </dgm:spPr>
+    </dgm:pt>
+    <dgm:pt modelId="{2CB8979D-EB12-4FD7-823E-E18C29F26A6C}" type="pres">
+      <dgm:prSet presAssocID="{E57571B8-76B3-4DBD-AB12-62351466A144}" presName="Name218" presStyleLbl="parChTrans1D3" presStyleIdx="3" presStyleCnt="10"/>
+      <dgm:spPr/>
+    </dgm:pt>
+    <dgm:pt modelId="{E2CE3FDF-1297-4411-9D78-44A8932D4D01}" type="pres">
+      <dgm:prSet presAssocID="{256FEE81-9056-4F41-86E9-A87A2826DE9D}" presName="text2" presStyleLbl="node1" presStyleIdx="6" presStyleCnt="15" custScaleX="63991" custScaleY="63991" custRadScaleRad="236509" custRadScaleInc="-58019">
+        <dgm:presLayoutVars>
+          <dgm:bulletEnabled val="1"/>
+        </dgm:presLayoutVars>
+      </dgm:prSet>
+      <dgm:spPr>
+        <a:prstGeom prst="ellipse">
+          <a:avLst/>
+        </a:prstGeom>
+      </dgm:spPr>
+    </dgm:pt>
+    <dgm:pt modelId="{45DBFF19-4A76-4533-998B-AE2989807EE3}" type="pres">
+      <dgm:prSet presAssocID="{806EBB18-A966-4973-8080-268AF4E6D478}" presName="Name221" presStyleLbl="parChTrans1D2" presStyleIdx="1" presStyleCnt="4"/>
+      <dgm:spPr/>
+    </dgm:pt>
+    <dgm:pt modelId="{8E41373E-6E8B-4736-80B3-0F53DD1D4DC9}" type="pres">
+      <dgm:prSet presAssocID="{F0375D81-EA31-407D-9450-A8FE664209E9}" presName="cycle_3" presStyleCnt="0"/>
+      <dgm:spPr/>
+    </dgm:pt>
+    <dgm:pt modelId="{D67A4FBC-EAA1-4D29-BD12-2A72C4D31151}" type="pres">
+      <dgm:prSet presAssocID="{BBCF9853-183B-4BF0-86E7-F45030B3E232}" presName="childCenter3" presStyleLbl="node1" presStyleIdx="7" presStyleCnt="15" custScaleX="63991" custScaleY="63991" custLinFactNeighborX="2583" custLinFactNeighborY="1625"/>
+      <dgm:spPr>
+        <a:prstGeom prst="ellipse">
+          <a:avLst/>
+        </a:prstGeom>
+      </dgm:spPr>
+    </dgm:pt>
+    <dgm:pt modelId="{C78F9FD8-1B2A-4A2C-98A7-59E90813D8F9}" type="pres">
+      <dgm:prSet presAssocID="{762F0E84-B23A-4091-8901-A78F7AE85B75}" presName="Name285" presStyleLbl="parChTrans1D3" presStyleIdx="4" presStyleCnt="10"/>
+      <dgm:spPr/>
+    </dgm:pt>
+    <dgm:pt modelId="{3CB765B0-9F03-4E47-81C1-10013D386D00}" type="pres">
+      <dgm:prSet presAssocID="{328C0A48-268C-4B41-ABB7-6DDF12D715AC}" presName="text3" presStyleLbl="node1" presStyleIdx="8" presStyleCnt="15" custScaleX="63991" custScaleY="63991" custRadScaleRad="119613" custRadScaleInc="148155">
+        <dgm:presLayoutVars>
+          <dgm:bulletEnabled val="1"/>
+        </dgm:presLayoutVars>
+      </dgm:prSet>
+      <dgm:spPr>
+        <a:prstGeom prst="ellipse">
+          <a:avLst/>
+        </a:prstGeom>
+      </dgm:spPr>
+    </dgm:pt>
+    <dgm:pt modelId="{7C261A88-DCC1-402A-8F6D-218D973FCEBC}" type="pres">
+      <dgm:prSet presAssocID="{3E9E04D1-1302-4E1A-AE3A-AABDBDF394A8}" presName="Name285" presStyleLbl="parChTrans1D3" presStyleIdx="5" presStyleCnt="10"/>
+      <dgm:spPr/>
+    </dgm:pt>
+    <dgm:pt modelId="{785EF704-5E01-4C5D-9B6C-C1A4F4F2BC65}" type="pres">
+      <dgm:prSet presAssocID="{35747D65-C0E3-45F4-B29B-77F49AB95CCE}" presName="text3" presStyleLbl="node1" presStyleIdx="9" presStyleCnt="15" custScaleX="63991" custScaleY="63991" custRadScaleRad="134030" custRadScaleInc="-148353">
+        <dgm:presLayoutVars>
+          <dgm:bulletEnabled val="1"/>
+        </dgm:presLayoutVars>
+      </dgm:prSet>
+      <dgm:spPr>
+        <a:prstGeom prst="ellipse">
+          <a:avLst/>
+        </a:prstGeom>
+      </dgm:spPr>
+    </dgm:pt>
+    <dgm:pt modelId="{F9EF837E-131A-4176-A68D-F9B069662957}" type="pres">
+      <dgm:prSet presAssocID="{0E9B778E-2EA7-4990-AB0C-12820DF4FB7A}" presName="Name288" presStyleLbl="parChTrans1D2" presStyleIdx="2" presStyleCnt="4"/>
+      <dgm:spPr/>
+    </dgm:pt>
+    <dgm:pt modelId="{F4E22CC6-2A33-4EDD-BC5E-E663A602C63E}" type="pres">
+      <dgm:prSet presAssocID="{F0375D81-EA31-407D-9450-A8FE664209E9}" presName="cycle_4" presStyleCnt="0"/>
+      <dgm:spPr/>
+    </dgm:pt>
+    <dgm:pt modelId="{11A06565-916D-439F-9911-EA567A860001}" type="pres">
+      <dgm:prSet presAssocID="{A0DD1813-EB36-4B44-90D1-8D815D596B10}" presName="childCenter4" presStyleLbl="node1" presStyleIdx="10" presStyleCnt="15" custScaleX="85994" custScaleY="85994" custLinFactNeighborX="-17127" custLinFactNeighborY="2640"/>
+      <dgm:spPr>
+        <a:prstGeom prst="ellipse">
+          <a:avLst/>
+        </a:prstGeom>
+      </dgm:spPr>
+    </dgm:pt>
+    <dgm:pt modelId="{FDFA6494-C20A-4DF1-9EB1-15EC7E3D468F}" type="pres">
+      <dgm:prSet presAssocID="{1C2F9CC8-896B-41B3-AF0F-84093C1E8121}" presName="Name342" presStyleLbl="parChTrans1D3" presStyleIdx="6" presStyleCnt="10"/>
+      <dgm:spPr/>
+    </dgm:pt>
+    <dgm:pt modelId="{36B922F0-8DD1-4CE5-9219-E2A03E341421}" type="pres">
+      <dgm:prSet presAssocID="{9C91AE0B-CDBD-4C19-8B02-531F0A655388}" presName="text4" presStyleLbl="node1" presStyleIdx="11" presStyleCnt="15" custScaleX="85994" custScaleY="85994" custRadScaleRad="125783" custRadScaleInc="314883">
+        <dgm:presLayoutVars>
+          <dgm:bulletEnabled val="1"/>
+        </dgm:presLayoutVars>
+      </dgm:prSet>
+      <dgm:spPr>
+        <a:prstGeom prst="ellipse">
+          <a:avLst/>
+        </a:prstGeom>
+      </dgm:spPr>
+    </dgm:pt>
+    <dgm:pt modelId="{5CE3542D-079C-435F-B81F-B7EB2B4F5618}" type="pres">
+      <dgm:prSet presAssocID="{0249E7AD-330C-42C9-9CF1-85C044344138}" presName="Name342" presStyleLbl="parChTrans1D3" presStyleIdx="7" presStyleCnt="10"/>
+      <dgm:spPr/>
+    </dgm:pt>
+    <dgm:pt modelId="{ECFDD823-6703-43A5-8158-FD4B0022F6F7}" type="pres">
+      <dgm:prSet presAssocID="{DD5A8A72-D66B-4F22-BC00-3BEC12B711C3}" presName="text4" presStyleLbl="node1" presStyleIdx="12" presStyleCnt="15" custScaleX="85994" custScaleY="85994" custRadScaleRad="204775" custRadScaleInc="130512">
+        <dgm:presLayoutVars>
+          <dgm:bulletEnabled val="1"/>
+        </dgm:presLayoutVars>
+      </dgm:prSet>
+      <dgm:spPr>
+        <a:prstGeom prst="ellipse">
+          <a:avLst/>
+        </a:prstGeom>
+      </dgm:spPr>
+    </dgm:pt>
+    <dgm:pt modelId="{7791B2A8-52F3-432F-A09A-9EDE85E8DB98}" type="pres">
+      <dgm:prSet presAssocID="{14C2A219-D87C-4A41-8355-454819345B24}" presName="Name342" presStyleLbl="parChTrans1D3" presStyleIdx="8" presStyleCnt="10"/>
+      <dgm:spPr/>
+    </dgm:pt>
+    <dgm:pt modelId="{BD0E00A4-B95A-437C-BF76-EB23C61FE4BE}" type="pres">
+      <dgm:prSet presAssocID="{1735A180-4B3C-4FB2-95EB-B5F12D12B418}" presName="text4" presStyleLbl="node1" presStyleIdx="13" presStyleCnt="15" custScaleX="85994" custScaleY="85994" custRadScaleRad="165231" custRadScaleInc="-53070">
+        <dgm:presLayoutVars>
+          <dgm:bulletEnabled val="1"/>
+        </dgm:presLayoutVars>
+      </dgm:prSet>
+      <dgm:spPr>
+        <a:prstGeom prst="ellipse">
+          <a:avLst/>
+        </a:prstGeom>
+      </dgm:spPr>
+    </dgm:pt>
+    <dgm:pt modelId="{7B2776D1-F237-415E-A8BD-98ECE5B561A2}" type="pres">
+      <dgm:prSet presAssocID="{D9B202E9-AE8C-40D2-A015-6D1E4380B06B}" presName="Name342" presStyleLbl="parChTrans1D3" presStyleIdx="9" presStyleCnt="10"/>
+      <dgm:spPr/>
+    </dgm:pt>
+    <dgm:pt modelId="{F7BC56CE-CBA1-4658-99B9-7FF4E78AF3A8}" type="pres">
+      <dgm:prSet presAssocID="{BA0CE55D-B380-4A3F-92DC-95FBD2463EE0}" presName="text4" presStyleLbl="node1" presStyleIdx="14" presStyleCnt="15" custScaleX="85994" custScaleY="85994" custRadScaleRad="201657" custRadScaleInc="-227782">
+        <dgm:presLayoutVars>
+          <dgm:bulletEnabled val="1"/>
+        </dgm:presLayoutVars>
+      </dgm:prSet>
+      <dgm:spPr>
+        <a:prstGeom prst="ellipse">
+          <a:avLst/>
+        </a:prstGeom>
+      </dgm:spPr>
+      <dgm:t>
+        <a:bodyPr/>
+        <a:lstStyle/>
+        <a:p>
+          <a:endParaRPr lang="ru-RU"/>
+        </a:p>
+      </dgm:t>
+    </dgm:pt>
+    <dgm:pt modelId="{D1A3650F-8811-4F02-9044-88FB21A4BFCD}" type="pres">
+      <dgm:prSet presAssocID="{E67B6AC2-E4BC-425A-90E5-90C0896AC2CC}" presName="Name345" presStyleLbl="parChTrans1D2" presStyleIdx="3" presStyleCnt="4"/>
+      <dgm:spPr/>
+    </dgm:pt>
+  </dgm:ptLst>
+  <dgm:cxnLst>
+    <dgm:cxn modelId="{D26FB8A9-A4E5-4A14-927D-6BE296AD34D8}" type="presOf" srcId="{71417C9C-41D5-467E-9678-7E5EF1DEAA64}" destId="{131FDBC9-C4E8-4D45-8ABB-A1AFD43B00EC}" srcOrd="0" destOrd="0" presId="urn:microsoft.com/office/officeart/2008/layout/RadialCluster"/>
+    <dgm:cxn modelId="{3DF00570-0EC5-437F-A53F-9BBD60A94D24}" type="presOf" srcId="{0E9B778E-2EA7-4990-AB0C-12820DF4FB7A}" destId="{F9EF837E-131A-4176-A68D-F9B069662957}" srcOrd="0" destOrd="0" presId="urn:microsoft.com/office/officeart/2008/layout/RadialCluster"/>
+    <dgm:cxn modelId="{3C409CBE-62E3-4F8D-A262-ABEA0AB53359}" type="presOf" srcId="{DD5A8A72-D66B-4F22-BC00-3BEC12B711C3}" destId="{ECFDD823-6703-43A5-8158-FD4B0022F6F7}" srcOrd="0" destOrd="0" presId="urn:microsoft.com/office/officeart/2008/layout/RadialCluster"/>
+    <dgm:cxn modelId="{37CA5FA0-D83A-4F45-9093-7C70C2D6D688}" srcId="{A0DD1813-EB36-4B44-90D1-8D815D596B10}" destId="{9C91AE0B-CDBD-4C19-8B02-531F0A655388}" srcOrd="0" destOrd="0" parTransId="{1C2F9CC8-896B-41B3-AF0F-84093C1E8121}" sibTransId="{0605D182-E01E-4763-ABDC-9D1D920D3E73}"/>
+    <dgm:cxn modelId="{5609F472-8643-42B0-967A-5B44CD237455}" type="presOf" srcId="{A899F7D4-A4FB-438D-8EE9-50E475B215B7}" destId="{26DAB9AD-417E-4638-A432-60D1AD968EEE}" srcOrd="0" destOrd="0" presId="urn:microsoft.com/office/officeart/2008/layout/RadialCluster"/>
+    <dgm:cxn modelId="{F85F1A8F-3B09-45AC-9E9B-439C92015CFF}" type="presOf" srcId="{BBCF9853-183B-4BF0-86E7-F45030B3E232}" destId="{D67A4FBC-EAA1-4D29-BD12-2A72C4D31151}" srcOrd="0" destOrd="0" presId="urn:microsoft.com/office/officeart/2008/layout/RadialCluster"/>
+    <dgm:cxn modelId="{9D196EFC-914A-4B9C-8335-EA474951B02D}" type="presOf" srcId="{F0375D81-EA31-407D-9450-A8FE664209E9}" destId="{2C61CDB8-1126-4D10-8A0C-A887CB36E88D}" srcOrd="0" destOrd="0" presId="urn:microsoft.com/office/officeart/2008/layout/RadialCluster"/>
+    <dgm:cxn modelId="{9D7A167B-95AA-4E1E-B3D9-F736BBA066E2}" srcId="{B4383D45-2EB5-431F-9E3B-61E0E61EA173}" destId="{F3387FD0-03C2-49E7-BC48-23BCF1C821D1}" srcOrd="1" destOrd="0" parTransId="{032E0D3E-E48E-4E6A-BD8A-5430FC59272E}" sibTransId="{5CFBA39C-DAD5-47F7-A30E-1AB44EB4E519}"/>
+    <dgm:cxn modelId="{88C0B63A-1A7B-4639-A910-F3D271A6B105}" type="presOf" srcId="{1C2F9CC8-896B-41B3-AF0F-84093C1E8121}" destId="{FDFA6494-C20A-4DF1-9EB1-15EC7E3D468F}" srcOrd="0" destOrd="0" presId="urn:microsoft.com/office/officeart/2008/layout/RadialCluster"/>
+    <dgm:cxn modelId="{9F1C99D9-6977-4CBF-933F-2F3617748478}" type="presOf" srcId="{9479EB3C-A16E-462A-828B-D51E498566EE}" destId="{14F8E73C-F36A-45CB-BFCE-4B2564C5D8DB}" srcOrd="0" destOrd="0" presId="urn:microsoft.com/office/officeart/2008/layout/RadialCluster"/>
+    <dgm:cxn modelId="{E65196B1-7248-4E81-9AE9-E06B4A11E01D}" srcId="{B4383D45-2EB5-431F-9E3B-61E0E61EA173}" destId="{76CD3A94-BB58-4E79-AE04-950749E90406}" srcOrd="0" destOrd="0" parTransId="{E7D2329F-9681-4125-A514-37240D313997}" sibTransId="{49F38F2D-846A-4AC9-A999-45F52BEB83E6}"/>
+    <dgm:cxn modelId="{BDF3C253-909D-447A-AFF0-FB66AF70313E}" srcId="{A0DD1813-EB36-4B44-90D1-8D815D596B10}" destId="{DD5A8A72-D66B-4F22-BC00-3BEC12B711C3}" srcOrd="1" destOrd="0" parTransId="{0249E7AD-330C-42C9-9CF1-85C044344138}" sibTransId="{2ADC5E6A-35B0-4E8C-8EE9-7F0314B6476D}"/>
+    <dgm:cxn modelId="{40EB6C09-672D-488A-8E51-3BEDF368D54F}" type="presOf" srcId="{14C2A219-D87C-4A41-8355-454819345B24}" destId="{7791B2A8-52F3-432F-A09A-9EDE85E8DB98}" srcOrd="0" destOrd="0" presId="urn:microsoft.com/office/officeart/2008/layout/RadialCluster"/>
+    <dgm:cxn modelId="{631D0338-F35F-4ECB-805F-F1B15002CCE4}" type="presOf" srcId="{E57571B8-76B3-4DBD-AB12-62351466A144}" destId="{2CB8979D-EB12-4FD7-823E-E18C29F26A6C}" srcOrd="0" destOrd="0" presId="urn:microsoft.com/office/officeart/2008/layout/RadialCluster"/>
+    <dgm:cxn modelId="{3C65D324-0474-4D66-B1CD-2DA867734247}" type="presOf" srcId="{F3387FD0-03C2-49E7-BC48-23BCF1C821D1}" destId="{87EB7461-B202-41C3-B18F-A0F3E6601857}" srcOrd="0" destOrd="0" presId="urn:microsoft.com/office/officeart/2008/layout/RadialCluster"/>
+    <dgm:cxn modelId="{1BE17BED-1E68-4B40-859A-85090FBE9549}" srcId="{F0375D81-EA31-407D-9450-A8FE664209E9}" destId="{A0DD1813-EB36-4B44-90D1-8D815D596B10}" srcOrd="3" destOrd="0" parTransId="{E67B6AC2-E4BC-425A-90E5-90C0896AC2CC}" sibTransId="{4448D2A1-ABB7-4D3E-984F-DC9ED42CD75D}"/>
+    <dgm:cxn modelId="{123B033F-E9A5-4B8F-8778-AEA0E5662BE5}" type="presOf" srcId="{D9B202E9-AE8C-40D2-A015-6D1E4380B06B}" destId="{7B2776D1-F237-415E-A8BD-98ECE5B561A2}" srcOrd="0" destOrd="0" presId="urn:microsoft.com/office/officeart/2008/layout/RadialCluster"/>
+    <dgm:cxn modelId="{A707AF79-CE53-4D5F-AE33-9A5AE80C7715}" srcId="{BBCF9853-183B-4BF0-86E7-F45030B3E232}" destId="{35747D65-C0E3-45F4-B29B-77F49AB95CCE}" srcOrd="1" destOrd="0" parTransId="{3E9E04D1-1302-4E1A-AE3A-AABDBDF394A8}" sibTransId="{19E76A38-155F-479C-8067-7B393F0FA758}"/>
+    <dgm:cxn modelId="{FCACEE32-0BED-4068-8D80-DE87A7CE447C}" type="presOf" srcId="{F859983B-39FB-47E7-8C57-9DD8F40D1D9A}" destId="{A87BA1DD-20A4-4DE3-A085-B1D0326AB74E}" srcOrd="0" destOrd="0" presId="urn:microsoft.com/office/officeart/2008/layout/RadialCluster"/>
+    <dgm:cxn modelId="{44E8498D-CDEC-4CE8-A64C-DCBB2A8ED9A8}" type="presOf" srcId="{1735A180-4B3C-4FB2-95EB-B5F12D12B418}" destId="{BD0E00A4-B95A-437C-BF76-EB23C61FE4BE}" srcOrd="0" destOrd="0" presId="urn:microsoft.com/office/officeart/2008/layout/RadialCluster"/>
+    <dgm:cxn modelId="{525B8F5E-46DA-4031-B65A-A1EF231C5AD8}" srcId="{A0DD1813-EB36-4B44-90D1-8D815D596B10}" destId="{BA0CE55D-B380-4A3F-92DC-95FBD2463EE0}" srcOrd="3" destOrd="0" parTransId="{D9B202E9-AE8C-40D2-A015-6D1E4380B06B}" sibTransId="{8F29A3BF-A66B-48F2-B746-1E30CC1AC380}"/>
+    <dgm:cxn modelId="{7974CFA4-BCEA-4C33-8DDA-8CC8769B16FB}" type="presOf" srcId="{76CD3A94-BB58-4E79-AE04-950749E90406}" destId="{60645163-21D0-4CD5-9FB8-587A220A1664}" srcOrd="0" destOrd="0" presId="urn:microsoft.com/office/officeart/2008/layout/RadialCluster"/>
+    <dgm:cxn modelId="{19A40656-4809-4667-AB31-70F262832267}" srcId="{F859983B-39FB-47E7-8C57-9DD8F40D1D9A}" destId="{F0375D81-EA31-407D-9450-A8FE664209E9}" srcOrd="0" destOrd="0" parTransId="{1B8994B9-1FA2-4BCC-B59E-DD923832FA9D}" sibTransId="{F8D3018F-5870-4E34-88B8-AEF8BD26787A}"/>
+    <dgm:cxn modelId="{3685C7FA-D926-4024-A5A0-80EA69274F5B}" type="presOf" srcId="{256FEE81-9056-4F41-86E9-A87A2826DE9D}" destId="{E2CE3FDF-1297-4411-9D78-44A8932D4D01}" srcOrd="0" destOrd="0" presId="urn:microsoft.com/office/officeart/2008/layout/RadialCluster"/>
+    <dgm:cxn modelId="{1634DAE7-9E4C-49C7-8DBA-276DF62C49B4}" type="presOf" srcId="{806EBB18-A966-4973-8080-268AF4E6D478}" destId="{45DBFF19-4A76-4533-998B-AE2989807EE3}" srcOrd="0" destOrd="0" presId="urn:microsoft.com/office/officeart/2008/layout/RadialCluster"/>
+    <dgm:cxn modelId="{ACC8D427-E1A7-4D16-8591-7273ECD7DBFB}" type="presOf" srcId="{E7D2329F-9681-4125-A514-37240D313997}" destId="{13C6C64B-B032-4BA4-83DB-6A35EE2DAC82}" srcOrd="0" destOrd="0" presId="urn:microsoft.com/office/officeart/2008/layout/RadialCluster"/>
+    <dgm:cxn modelId="{0A78E7F3-1F2D-4CA9-B7D8-0DEE3CD1AACA}" type="presOf" srcId="{BA0CE55D-B380-4A3F-92DC-95FBD2463EE0}" destId="{F7BC56CE-CBA1-4658-99B9-7FF4E78AF3A8}" srcOrd="0" destOrd="0" presId="urn:microsoft.com/office/officeart/2008/layout/RadialCluster"/>
+    <dgm:cxn modelId="{03831E35-B48F-4325-A26E-32E38D819493}" type="presOf" srcId="{3E9E04D1-1302-4E1A-AE3A-AABDBDF394A8}" destId="{7C261A88-DCC1-402A-8F6D-218D973FCEBC}" srcOrd="0" destOrd="0" presId="urn:microsoft.com/office/officeart/2008/layout/RadialCluster"/>
+    <dgm:cxn modelId="{28D4AAB1-5EF4-4632-B865-B65528AC58B9}" type="presOf" srcId="{328C0A48-268C-4B41-ABB7-6DDF12D715AC}" destId="{3CB765B0-9F03-4E47-81C1-10013D386D00}" srcOrd="0" destOrd="0" presId="urn:microsoft.com/office/officeart/2008/layout/RadialCluster"/>
+    <dgm:cxn modelId="{6E0BF7DF-3B64-49DB-89DA-4F8E0A433A24}" type="presOf" srcId="{A0DD1813-EB36-4B44-90D1-8D815D596B10}" destId="{11A06565-916D-439F-9911-EA567A860001}" srcOrd="0" destOrd="0" presId="urn:microsoft.com/office/officeart/2008/layout/RadialCluster"/>
+    <dgm:cxn modelId="{F2CF1DE7-0B47-420F-9398-2992DC3DFB6B}" srcId="{BBCF9853-183B-4BF0-86E7-F45030B3E232}" destId="{328C0A48-268C-4B41-ABB7-6DDF12D715AC}" srcOrd="0" destOrd="0" parTransId="{762F0E84-B23A-4091-8901-A78F7AE85B75}" sibTransId="{5CE6F0E9-D2D4-4DBF-A420-B59D5889D7C4}"/>
+    <dgm:cxn modelId="{8B9A5703-6E58-4332-9110-0C050385FBB6}" srcId="{A0DD1813-EB36-4B44-90D1-8D815D596B10}" destId="{1735A180-4B3C-4FB2-95EB-B5F12D12B418}" srcOrd="2" destOrd="0" parTransId="{14C2A219-D87C-4A41-8355-454819345B24}" sibTransId="{FAD1D1C0-A72C-4FD6-9D14-4CB9F8F9E9AC}"/>
+    <dgm:cxn modelId="{BBB42A01-97D0-426E-8FB9-47FC2C033C25}" type="presOf" srcId="{35747D65-C0E3-45F4-B29B-77F49AB95CCE}" destId="{785EF704-5E01-4C5D-9B6C-C1A4F4F2BC65}" srcOrd="0" destOrd="0" presId="urn:microsoft.com/office/officeart/2008/layout/RadialCluster"/>
+    <dgm:cxn modelId="{159B14ED-7B30-4C98-A8B5-91FDA393F52C}" type="presOf" srcId="{E67B6AC2-E4BC-425A-90E5-90C0896AC2CC}" destId="{D1A3650F-8811-4F02-9044-88FB21A4BFCD}" srcOrd="0" destOrd="0" presId="urn:microsoft.com/office/officeart/2008/layout/RadialCluster"/>
+    <dgm:cxn modelId="{26F35AD4-0A62-452B-B715-398133FB7A73}" type="presOf" srcId="{B4383D45-2EB5-431F-9E3B-61E0E61EA173}" destId="{162F5FFA-826E-4752-85DB-80F67E99A00F}" srcOrd="0" destOrd="0" presId="urn:microsoft.com/office/officeart/2008/layout/RadialCluster"/>
+    <dgm:cxn modelId="{4FBAF1D3-BBC6-4C17-B0B3-61B392007395}" srcId="{F0375D81-EA31-407D-9450-A8FE664209E9}" destId="{B4383D45-2EB5-431F-9E3B-61E0E61EA173}" srcOrd="1" destOrd="0" parTransId="{806EBB18-A966-4973-8080-268AF4E6D478}" sibTransId="{3868CC5F-FB5D-4E2B-9183-84D4EF55EAB2}"/>
+    <dgm:cxn modelId="{47577129-0AEF-42E7-B58E-D3BCAA107C9A}" type="presOf" srcId="{511F46B2-9729-40F5-A774-4D9C08F18E83}" destId="{D798D8B1-4DD5-4F76-A915-4D9BC4A9F7BC}" srcOrd="0" destOrd="0" presId="urn:microsoft.com/office/officeart/2008/layout/RadialCluster"/>
+    <dgm:cxn modelId="{282DDE30-BF8C-474A-9509-1C7DF5018B8C}" type="presOf" srcId="{0249E7AD-330C-42C9-9CF1-85C044344138}" destId="{5CE3542D-079C-435F-B81F-B7EB2B4F5618}" srcOrd="0" destOrd="0" presId="urn:microsoft.com/office/officeart/2008/layout/RadialCluster"/>
+    <dgm:cxn modelId="{D3A9AB68-7564-493B-8836-765DDD3E7691}" type="presOf" srcId="{762F0E84-B23A-4091-8901-A78F7AE85B75}" destId="{C78F9FD8-1B2A-4A2C-98A7-59E90813D8F9}" srcOrd="0" destOrd="0" presId="urn:microsoft.com/office/officeart/2008/layout/RadialCluster"/>
+    <dgm:cxn modelId="{D7197B27-5FA6-4310-93F9-C9344A9094D0}" srcId="{B4383D45-2EB5-431F-9E3B-61E0E61EA173}" destId="{256FEE81-9056-4F41-86E9-A87A2826DE9D}" srcOrd="2" destOrd="0" parTransId="{E57571B8-76B3-4DBD-AB12-62351466A144}" sibTransId="{41CA1FCF-EA3E-4AB0-8629-2F7162A98042}"/>
+    <dgm:cxn modelId="{6C82ACCC-4F75-4318-9654-105491425942}" srcId="{F0375D81-EA31-407D-9450-A8FE664209E9}" destId="{A899F7D4-A4FB-438D-8EE9-50E475B215B7}" srcOrd="0" destOrd="0" parTransId="{511F46B2-9729-40F5-A774-4D9C08F18E83}" sibTransId="{FB54FE33-EE5B-404B-9C7C-A4B629952FAC}"/>
+    <dgm:cxn modelId="{1AC44F4B-F912-4002-81FF-5C4B7E96BE01}" type="presOf" srcId="{032E0D3E-E48E-4E6A-BD8A-5430FC59272E}" destId="{F1052044-0FDD-422D-B472-4653C35157C6}" srcOrd="0" destOrd="0" presId="urn:microsoft.com/office/officeart/2008/layout/RadialCluster"/>
+    <dgm:cxn modelId="{CE2C0CEA-871F-407F-83C7-8DDC9EC3B74B}" srcId="{F0375D81-EA31-407D-9450-A8FE664209E9}" destId="{BBCF9853-183B-4BF0-86E7-F45030B3E232}" srcOrd="2" destOrd="0" parTransId="{0E9B778E-2EA7-4990-AB0C-12820DF4FB7A}" sibTransId="{AB733780-A582-43D3-99EF-035D4FB6A336}"/>
+    <dgm:cxn modelId="{923EE879-5E5C-4AC5-AF48-B703EE09B99B}" srcId="{A899F7D4-A4FB-438D-8EE9-50E475B215B7}" destId="{71417C9C-41D5-467E-9678-7E5EF1DEAA64}" srcOrd="0" destOrd="0" parTransId="{9479EB3C-A16E-462A-828B-D51E498566EE}" sibTransId="{CC466F42-389B-45F4-9AE2-3F446F36D922}"/>
+    <dgm:cxn modelId="{2D5D53CD-9B7B-4AE0-87BD-7156F79CDC5B}" type="presOf" srcId="{9C91AE0B-CDBD-4C19-8B02-531F0A655388}" destId="{36B922F0-8DD1-4CE5-9219-E2A03E341421}" srcOrd="0" destOrd="0" presId="urn:microsoft.com/office/officeart/2008/layout/RadialCluster"/>
+    <dgm:cxn modelId="{D181D664-068E-4C97-A6A3-5D2E9E877A06}" type="presParOf" srcId="{A87BA1DD-20A4-4DE3-A085-B1D0326AB74E}" destId="{2C61CDB8-1126-4D10-8A0C-A887CB36E88D}" srcOrd="0" destOrd="0" presId="urn:microsoft.com/office/officeart/2008/layout/RadialCluster"/>
+    <dgm:cxn modelId="{6ADA04E5-AB01-46DC-B45D-DCBA80C68392}" type="presParOf" srcId="{A87BA1DD-20A4-4DE3-A085-B1D0326AB74E}" destId="{99162502-7E36-4BA7-BFCB-D56C5DFB7F09}" srcOrd="1" destOrd="0" presId="urn:microsoft.com/office/officeart/2008/layout/RadialCluster"/>
+    <dgm:cxn modelId="{C19AA12E-1535-418A-9CFE-18FCF22DE2F0}" type="presParOf" srcId="{99162502-7E36-4BA7-BFCB-D56C5DFB7F09}" destId="{26DAB9AD-417E-4638-A432-60D1AD968EEE}" srcOrd="0" destOrd="0" presId="urn:microsoft.com/office/officeart/2008/layout/RadialCluster"/>
+    <dgm:cxn modelId="{F9E083D8-AF44-4676-ADF3-8FB915651CDC}" type="presParOf" srcId="{99162502-7E36-4BA7-BFCB-D56C5DFB7F09}" destId="{14F8E73C-F36A-45CB-BFCE-4B2564C5D8DB}" srcOrd="1" destOrd="0" presId="urn:microsoft.com/office/officeart/2008/layout/RadialCluster"/>
+    <dgm:cxn modelId="{1754FF62-EDAE-4DA9-8860-0EF3B63C4164}" type="presParOf" srcId="{99162502-7E36-4BA7-BFCB-D56C5DFB7F09}" destId="{131FDBC9-C4E8-4D45-8ABB-A1AFD43B00EC}" srcOrd="2" destOrd="0" presId="urn:microsoft.com/office/officeart/2008/layout/RadialCluster"/>
+    <dgm:cxn modelId="{591E91B5-A720-41BC-A524-AE484AE6301F}" type="presParOf" srcId="{A87BA1DD-20A4-4DE3-A085-B1D0326AB74E}" destId="{D798D8B1-4DD5-4F76-A915-4D9BC4A9F7BC}" srcOrd="2" destOrd="0" presId="urn:microsoft.com/office/officeart/2008/layout/RadialCluster"/>
+    <dgm:cxn modelId="{7658F03D-48EE-46E2-A0CB-CF8524033548}" type="presParOf" srcId="{A87BA1DD-20A4-4DE3-A085-B1D0326AB74E}" destId="{78DF4324-BEBD-4C20-8662-1460A63AEC61}" srcOrd="3" destOrd="0" presId="urn:microsoft.com/office/officeart/2008/layout/RadialCluster"/>
+    <dgm:cxn modelId="{6136B37B-F8F8-46A1-9D40-C686B53AAF88}" type="presParOf" srcId="{78DF4324-BEBD-4C20-8662-1460A63AEC61}" destId="{162F5FFA-826E-4752-85DB-80F67E99A00F}" srcOrd="0" destOrd="0" presId="urn:microsoft.com/office/officeart/2008/layout/RadialCluster"/>
+    <dgm:cxn modelId="{FECC8639-7CDF-409B-BC90-6B1243F5223B}" type="presParOf" srcId="{78DF4324-BEBD-4C20-8662-1460A63AEC61}" destId="{13C6C64B-B032-4BA4-83DB-6A35EE2DAC82}" srcOrd="1" destOrd="0" presId="urn:microsoft.com/office/officeart/2008/layout/RadialCluster"/>
+    <dgm:cxn modelId="{22CD879E-D1E1-4EF3-AF5E-041ABC62A6CD}" type="presParOf" srcId="{78DF4324-BEBD-4C20-8662-1460A63AEC61}" destId="{60645163-21D0-4CD5-9FB8-587A220A1664}" srcOrd="2" destOrd="0" presId="urn:microsoft.com/office/officeart/2008/layout/RadialCluster"/>
+    <dgm:cxn modelId="{0F3CE204-24BA-4D49-AF71-94C07E349C38}" type="presParOf" srcId="{78DF4324-BEBD-4C20-8662-1460A63AEC61}" destId="{F1052044-0FDD-422D-B472-4653C35157C6}" srcOrd="3" destOrd="0" presId="urn:microsoft.com/office/officeart/2008/layout/RadialCluster"/>
+    <dgm:cxn modelId="{B112BB47-8E63-46FF-A3F1-65C29A035DF0}" type="presParOf" srcId="{78DF4324-BEBD-4C20-8662-1460A63AEC61}" destId="{87EB7461-B202-41C3-B18F-A0F3E6601857}" srcOrd="4" destOrd="0" presId="urn:microsoft.com/office/officeart/2008/layout/RadialCluster"/>
+    <dgm:cxn modelId="{9BB43DC6-8BCD-403D-A026-24814BE2C0DF}" type="presParOf" srcId="{78DF4324-BEBD-4C20-8662-1460A63AEC61}" destId="{2CB8979D-EB12-4FD7-823E-E18C29F26A6C}" srcOrd="5" destOrd="0" presId="urn:microsoft.com/office/officeart/2008/layout/RadialCluster"/>
+    <dgm:cxn modelId="{FA72EF32-E0E8-48C0-9551-C4EAE0534156}" type="presParOf" srcId="{78DF4324-BEBD-4C20-8662-1460A63AEC61}" destId="{E2CE3FDF-1297-4411-9D78-44A8932D4D01}" srcOrd="6" destOrd="0" presId="urn:microsoft.com/office/officeart/2008/layout/RadialCluster"/>
+    <dgm:cxn modelId="{354BF328-5770-4781-8A75-1AEBEE28B24F}" type="presParOf" srcId="{A87BA1DD-20A4-4DE3-A085-B1D0326AB74E}" destId="{45DBFF19-4A76-4533-998B-AE2989807EE3}" srcOrd="4" destOrd="0" presId="urn:microsoft.com/office/officeart/2008/layout/RadialCluster"/>
+    <dgm:cxn modelId="{E4B4CF30-7A37-42EC-AF52-80BC3037C838}" type="presParOf" srcId="{A87BA1DD-20A4-4DE3-A085-B1D0326AB74E}" destId="{8E41373E-6E8B-4736-80B3-0F53DD1D4DC9}" srcOrd="5" destOrd="0" presId="urn:microsoft.com/office/officeart/2008/layout/RadialCluster"/>
+    <dgm:cxn modelId="{8B44BF1C-8B9F-46B2-87DA-08FA47AA1382}" type="presParOf" srcId="{8E41373E-6E8B-4736-80B3-0F53DD1D4DC9}" destId="{D67A4FBC-EAA1-4D29-BD12-2A72C4D31151}" srcOrd="0" destOrd="0" presId="urn:microsoft.com/office/officeart/2008/layout/RadialCluster"/>
+    <dgm:cxn modelId="{F8230162-40ED-4E9F-B983-53D4739634A9}" type="presParOf" srcId="{8E41373E-6E8B-4736-80B3-0F53DD1D4DC9}" destId="{C78F9FD8-1B2A-4A2C-98A7-59E90813D8F9}" srcOrd="1" destOrd="0" presId="urn:microsoft.com/office/officeart/2008/layout/RadialCluster"/>
+    <dgm:cxn modelId="{BEB98171-23C5-4FFB-BDCD-E07B29537CBB}" type="presParOf" srcId="{8E41373E-6E8B-4736-80B3-0F53DD1D4DC9}" destId="{3CB765B0-9F03-4E47-81C1-10013D386D00}" srcOrd="2" destOrd="0" presId="urn:microsoft.com/office/officeart/2008/layout/RadialCluster"/>
+    <dgm:cxn modelId="{12CB73AE-9043-4F61-8C53-CC4ED9896A31}" type="presParOf" srcId="{8E41373E-6E8B-4736-80B3-0F53DD1D4DC9}" destId="{7C261A88-DCC1-402A-8F6D-218D973FCEBC}" srcOrd="3" destOrd="0" presId="urn:microsoft.com/office/officeart/2008/layout/RadialCluster"/>
+    <dgm:cxn modelId="{2A4F3539-17F9-4A71-B363-AA2892E280BD}" type="presParOf" srcId="{8E41373E-6E8B-4736-80B3-0F53DD1D4DC9}" destId="{785EF704-5E01-4C5D-9B6C-C1A4F4F2BC65}" srcOrd="4" destOrd="0" presId="urn:microsoft.com/office/officeart/2008/layout/RadialCluster"/>
+    <dgm:cxn modelId="{DD9D53DC-CA1B-4006-969D-0BC6A814CC7C}" type="presParOf" srcId="{A87BA1DD-20A4-4DE3-A085-B1D0326AB74E}" destId="{F9EF837E-131A-4176-A68D-F9B069662957}" srcOrd="6" destOrd="0" presId="urn:microsoft.com/office/officeart/2008/layout/RadialCluster"/>
+    <dgm:cxn modelId="{83252774-0E46-4C32-ADB9-82A8666CCD8B}" type="presParOf" srcId="{A87BA1DD-20A4-4DE3-A085-B1D0326AB74E}" destId="{F4E22CC6-2A33-4EDD-BC5E-E663A602C63E}" srcOrd="7" destOrd="0" presId="urn:microsoft.com/office/officeart/2008/layout/RadialCluster"/>
+    <dgm:cxn modelId="{F18DFD23-0FDD-46E8-9064-D33E76EA547A}" type="presParOf" srcId="{F4E22CC6-2A33-4EDD-BC5E-E663A602C63E}" destId="{11A06565-916D-439F-9911-EA567A860001}" srcOrd="0" destOrd="0" presId="urn:microsoft.com/office/officeart/2008/layout/RadialCluster"/>
+    <dgm:cxn modelId="{E38072AA-85E9-476E-BA44-5C91DE28F30E}" type="presParOf" srcId="{F4E22CC6-2A33-4EDD-BC5E-E663A602C63E}" destId="{FDFA6494-C20A-4DF1-9EB1-15EC7E3D468F}" srcOrd="1" destOrd="0" presId="urn:microsoft.com/office/officeart/2008/layout/RadialCluster"/>
+    <dgm:cxn modelId="{0734FD36-4831-4993-A95F-B829AE1AC075}" type="presParOf" srcId="{F4E22CC6-2A33-4EDD-BC5E-E663A602C63E}" destId="{36B922F0-8DD1-4CE5-9219-E2A03E341421}" srcOrd="2" destOrd="0" presId="urn:microsoft.com/office/officeart/2008/layout/RadialCluster"/>
+    <dgm:cxn modelId="{4425D286-AC46-4D79-B525-9C7250F7909B}" type="presParOf" srcId="{F4E22CC6-2A33-4EDD-BC5E-E663A602C63E}" destId="{5CE3542D-079C-435F-B81F-B7EB2B4F5618}" srcOrd="3" destOrd="0" presId="urn:microsoft.com/office/officeart/2008/layout/RadialCluster"/>
+    <dgm:cxn modelId="{4941481B-5781-4D20-A36D-5E3766B4EB9B}" type="presParOf" srcId="{F4E22CC6-2A33-4EDD-BC5E-E663A602C63E}" destId="{ECFDD823-6703-43A5-8158-FD4B0022F6F7}" srcOrd="4" destOrd="0" presId="urn:microsoft.com/office/officeart/2008/layout/RadialCluster"/>
+    <dgm:cxn modelId="{AF57A338-0C1C-436D-ABF7-372F5BA0BF07}" type="presParOf" srcId="{F4E22CC6-2A33-4EDD-BC5E-E663A602C63E}" destId="{7791B2A8-52F3-432F-A09A-9EDE85E8DB98}" srcOrd="5" destOrd="0" presId="urn:microsoft.com/office/officeart/2008/layout/RadialCluster"/>
+    <dgm:cxn modelId="{31A93A10-C185-45BD-9174-92C2AF2C8C40}" type="presParOf" srcId="{F4E22CC6-2A33-4EDD-BC5E-E663A602C63E}" destId="{BD0E00A4-B95A-437C-BF76-EB23C61FE4BE}" srcOrd="6" destOrd="0" presId="urn:microsoft.com/office/officeart/2008/layout/RadialCluster"/>
+    <dgm:cxn modelId="{6EF50AA2-6337-47CE-BAA5-ECC642FEABA3}" type="presParOf" srcId="{F4E22CC6-2A33-4EDD-BC5E-E663A602C63E}" destId="{7B2776D1-F237-415E-A8BD-98ECE5B561A2}" srcOrd="7" destOrd="0" presId="urn:microsoft.com/office/officeart/2008/layout/RadialCluster"/>
+    <dgm:cxn modelId="{482A7771-DC8F-449F-BB59-E201CCC3EA42}" type="presParOf" srcId="{F4E22CC6-2A33-4EDD-BC5E-E663A602C63E}" destId="{F7BC56CE-CBA1-4658-99B9-7FF4E78AF3A8}" srcOrd="8" destOrd="0" presId="urn:microsoft.com/office/officeart/2008/layout/RadialCluster"/>
+    <dgm:cxn modelId="{74F86A74-2910-4E6B-AD1D-FD7A2139BB8E}" type="presParOf" srcId="{A87BA1DD-20A4-4DE3-A085-B1D0326AB74E}" destId="{D1A3650F-8811-4F02-9044-88FB21A4BFCD}" srcOrd="8" destOrd="0" presId="urn:microsoft.com/office/officeart/2008/layout/RadialCluster"/>
+  </dgm:cxnLst>
+  <dgm:bg/>
+  <dgm:whole/>
+  <dgm:extLst>
+    <a:ext uri="http://schemas.microsoft.com/office/drawing/2008/diagram">
+      <dsp:dataModelExt xmlns:dsp="http://schemas.microsoft.com/office/drawing/2008/diagram" relId="rId6" minVer="http://schemas.openxmlformats.org/drawingml/2006/diagram"/>
+    </a:ext>
+  </dgm:extLst>
+</dgm:dataModel>
+</file>
+
+<file path=ppt/diagrams/drawing1.xml><?xml version="1.0" encoding="utf-8"?>
+<dsp:drawing xmlns:dgm="http://schemas.openxmlformats.org/drawingml/2006/diagram" xmlns:dsp="http://schemas.microsoft.com/office/drawing/2008/diagram" xmlns:a="http://schemas.openxmlformats.org/drawingml/2006/main">
+  <dsp:spTree>
+    <dsp:nvGrpSpPr>
+      <dsp:cNvPr id="0" name=""/>
+      <dsp:cNvGrpSpPr/>
+    </dsp:nvGrpSpPr>
+    <dsp:grpSpPr/>
+    <dsp:sp modelId="{D1A3650F-8811-4F02-9044-88FB21A4BFCD}">
+      <dsp:nvSpPr>
+        <dsp:cNvPr id="0" name=""/>
+        <dsp:cNvSpPr/>
+      </dsp:nvSpPr>
+      <dsp:spPr>
+        <a:xfrm rot="10767718">
+          <a:off x="2499072" y="2172533"/>
+          <a:ext cx="979261" cy="0"/>
+        </a:xfrm>
+        <a:custGeom>
+          <a:avLst/>
+          <a:gdLst/>
+          <a:ahLst/>
+          <a:cxnLst/>
+          <a:rect l="0" t="0" r="0" b="0"/>
+          <a:pathLst>
+            <a:path>
+              <a:moveTo>
+                <a:pt x="0" y="0"/>
+              </a:moveTo>
+              <a:lnTo>
+                <a:pt x="979261" y="0"/>
+              </a:lnTo>
+            </a:path>
+          </a:pathLst>
+        </a:custGeom>
+        <a:noFill/>
+        <a:ln w="25400" cap="flat" cmpd="sng" algn="ctr">
+          <a:solidFill>
+            <a:schemeClr val="bg1"/>
+          </a:solidFill>
+          <a:prstDash val="solid"/>
+        </a:ln>
+        <a:effectLst/>
+      </dsp:spPr>
+      <dsp:style>
+        <a:lnRef idx="2">
+          <a:scrgbClr r="0" g="0" b="0"/>
+        </a:lnRef>
+        <a:fillRef idx="0">
+          <a:scrgbClr r="0" g="0" b="0"/>
+        </a:fillRef>
+        <a:effectRef idx="0">
+          <a:scrgbClr r="0" g="0" b="0"/>
+        </a:effectRef>
+        <a:fontRef idx="minor"/>
+      </dsp:style>
+    </dsp:sp>
+    <dsp:sp modelId="{F9EF837E-131A-4176-A68D-F9B069662957}">
+      <dsp:nvSpPr>
+        <dsp:cNvPr id="0" name=""/>
+        <dsp:cNvSpPr/>
+      </dsp:nvSpPr>
+      <dsp:spPr>
+        <a:xfrm rot="5399980">
+          <a:off x="3329240" y="2670001"/>
+          <a:ext cx="652806" cy="0"/>
+        </a:xfrm>
+        <a:custGeom>
+          <a:avLst/>
+          <a:gdLst/>
+          <a:ahLst/>
+          <a:cxnLst/>
+          <a:rect l="0" t="0" r="0" b="0"/>
+          <a:pathLst>
+            <a:path>
+              <a:moveTo>
+                <a:pt x="0" y="0"/>
+              </a:moveTo>
+              <a:lnTo>
+                <a:pt x="652806" y="0"/>
+              </a:lnTo>
+            </a:path>
+          </a:pathLst>
+        </a:custGeom>
+        <a:noFill/>
+        <a:ln w="25400" cap="flat" cmpd="sng" algn="ctr">
+          <a:solidFill>
+            <a:schemeClr val="bg1"/>
+          </a:solidFill>
+          <a:prstDash val="solid"/>
+        </a:ln>
+        <a:effectLst/>
+      </dsp:spPr>
+      <dsp:style>
+        <a:lnRef idx="2">
+          <a:scrgbClr r="0" g="0" b="0"/>
+        </a:lnRef>
+        <a:fillRef idx="0">
+          <a:scrgbClr r="0" g="0" b="0"/>
+        </a:fillRef>
+        <a:effectRef idx="0">
+          <a:scrgbClr r="0" g="0" b="0"/>
+        </a:effectRef>
+        <a:fontRef idx="minor"/>
+      </dsp:style>
+    </dsp:sp>
+    <dsp:sp modelId="{45DBFF19-4A76-4533-998B-AE2989807EE3}">
+      <dsp:nvSpPr>
+        <dsp:cNvPr id="0" name=""/>
+        <dsp:cNvSpPr/>
+      </dsp:nvSpPr>
+      <dsp:spPr>
+        <a:xfrm rot="31247">
+          <a:off x="3832946" y="2172531"/>
+          <a:ext cx="1023040" cy="0"/>
+        </a:xfrm>
+        <a:custGeom>
+          <a:avLst/>
+          <a:gdLst/>
+          <a:ahLst/>
+          <a:cxnLst/>
+          <a:rect l="0" t="0" r="0" b="0"/>
+          <a:pathLst>
+            <a:path>
+              <a:moveTo>
+                <a:pt x="0" y="0"/>
+              </a:moveTo>
+              <a:lnTo>
+                <a:pt x="1023040" y="0"/>
+              </a:lnTo>
+            </a:path>
+          </a:pathLst>
+        </a:custGeom>
+        <a:noFill/>
+        <a:ln w="25400" cap="flat" cmpd="sng" algn="ctr">
+          <a:solidFill>
+            <a:schemeClr val="bg1"/>
+          </a:solidFill>
+          <a:prstDash val="solid"/>
+        </a:ln>
+        <a:effectLst/>
+      </dsp:spPr>
+      <dsp:style>
+        <a:lnRef idx="2">
+          <a:scrgbClr r="0" g="0" b="0"/>
+        </a:lnRef>
+        <a:fillRef idx="0">
+          <a:scrgbClr r="0" g="0" b="0"/>
+        </a:fillRef>
+        <a:effectRef idx="0">
+          <a:scrgbClr r="0" g="0" b="0"/>
+        </a:effectRef>
+        <a:fontRef idx="minor"/>
+      </dsp:style>
+    </dsp:sp>
+    <dsp:sp modelId="{D798D8B1-4DD5-4F76-A915-4D9BC4A9F7BC}">
+      <dsp:nvSpPr>
+        <dsp:cNvPr id="0" name=""/>
+        <dsp:cNvSpPr/>
+      </dsp:nvSpPr>
+      <dsp:spPr>
+        <a:xfrm rot="16212896">
+          <a:off x="3278569" y="1609787"/>
+          <a:ext cx="758318" cy="0"/>
+        </a:xfrm>
+        <a:custGeom>
+          <a:avLst/>
+          <a:gdLst/>
+          <a:ahLst/>
+          <a:cxnLst/>
+          <a:rect l="0" t="0" r="0" b="0"/>
+          <a:pathLst>
+            <a:path>
+              <a:moveTo>
+                <a:pt x="0" y="0"/>
+              </a:moveTo>
+              <a:lnTo>
+                <a:pt x="758318" y="0"/>
+              </a:lnTo>
+            </a:path>
+          </a:pathLst>
+        </a:custGeom>
+        <a:noFill/>
+        <a:ln w="25400" cap="flat" cmpd="sng" algn="ctr">
+          <a:solidFill>
+            <a:schemeClr val="bg1"/>
+          </a:solidFill>
+          <a:prstDash val="solid"/>
+        </a:ln>
+        <a:effectLst/>
+      </dsp:spPr>
+      <dsp:style>
+        <a:lnRef idx="2">
+          <a:scrgbClr r="0" g="0" b="0"/>
+        </a:lnRef>
+        <a:fillRef idx="0">
+          <a:scrgbClr r="0" g="0" b="0"/>
+        </a:fillRef>
+        <a:effectRef idx="0">
+          <a:scrgbClr r="0" g="0" b="0"/>
+        </a:effectRef>
+        <a:fontRef idx="minor"/>
+      </dsp:style>
+    </dsp:sp>
+    <dsp:sp modelId="{2C61CDB8-1126-4D10-8A0C-A887CB36E88D}">
+      <dsp:nvSpPr>
+        <dsp:cNvPr id="0" name=""/>
+        <dsp:cNvSpPr/>
+      </dsp:nvSpPr>
+      <dsp:spPr>
+        <a:xfrm>
+          <a:off x="3478313" y="1988943"/>
+          <a:ext cx="354654" cy="354654"/>
+        </a:xfrm>
+        <a:prstGeom prst="ellipse">
+          <a:avLst/>
+        </a:prstGeom>
+        <a:solidFill>
+          <a:schemeClr val="lt1">
+            <a:hueOff val="0"/>
+            <a:satOff val="0"/>
+            <a:lumOff val="0"/>
+            <a:alphaOff val="0"/>
+          </a:schemeClr>
+        </a:solidFill>
+        <a:ln w="25400" cap="flat" cmpd="sng" algn="ctr">
+          <a:noFill/>
+          <a:prstDash val="solid"/>
+        </a:ln>
+        <a:effectLst/>
+      </dsp:spPr>
+      <dsp:style>
+        <a:lnRef idx="2">
+          <a:scrgbClr r="0" g="0" b="0"/>
+        </a:lnRef>
+        <a:fillRef idx="1">
+          <a:scrgbClr r="0" g="0" b="0"/>
+        </a:fillRef>
+        <a:effectRef idx="0">
+          <a:scrgbClr r="0" g="0" b="0"/>
+        </a:effectRef>
+        <a:fontRef idx="minor">
+          <a:schemeClr val="lt1"/>
+        </a:fontRef>
+      </dsp:style>
+      <dsp:txBody>
+        <a:bodyPr spcFirstLastPara="0" vert="horz" wrap="square" lIns="33020" tIns="33020" rIns="33020" bIns="33020" numCol="1" spcCol="1270" anchor="ctr" anchorCtr="0">
+          <a:noAutofit/>
+        </a:bodyPr>
+        <a:lstStyle/>
+        <a:p>
+          <a:pPr lvl="0" algn="ctr" defTabSz="577850">
+            <a:lnSpc>
+              <a:spcPct val="90000"/>
+            </a:lnSpc>
+            <a:spcBef>
+              <a:spcPct val="0"/>
+            </a:spcBef>
+            <a:spcAft>
+              <a:spcPct val="35000"/>
+            </a:spcAft>
+          </a:pPr>
+          <a:r>
+            <a:rPr lang="en-US" sz="1300" b="1" kern="1200" dirty="0" smtClean="0"/>
+            <a:t>7</a:t>
+          </a:r>
+          <a:endParaRPr lang="ru-RU" sz="1300" b="1" kern="1200" dirty="0"/>
+        </a:p>
+      </dsp:txBody>
+      <dsp:txXfrm>
+        <a:off x="3530251" y="2040881"/>
+        <a:ext cx="250778" cy="250778"/>
+      </dsp:txXfrm>
+    </dsp:sp>
+    <dsp:sp modelId="{26DAB9AD-417E-4638-A432-60D1AD968EEE}">
+      <dsp:nvSpPr>
+        <dsp:cNvPr id="0" name=""/>
+        <dsp:cNvSpPr/>
+      </dsp:nvSpPr>
+      <dsp:spPr>
+        <a:xfrm>
+          <a:off x="3482488" y="875976"/>
+          <a:ext cx="354654" cy="354654"/>
+        </a:xfrm>
+        <a:prstGeom prst="ellipse">
+          <a:avLst/>
+        </a:prstGeom>
+        <a:solidFill>
+          <a:schemeClr val="lt1">
+            <a:hueOff val="0"/>
+            <a:satOff val="0"/>
+            <a:lumOff val="0"/>
+            <a:alphaOff val="0"/>
+          </a:schemeClr>
+        </a:solidFill>
+        <a:ln w="25400" cap="flat" cmpd="sng" algn="ctr">
+          <a:noFill/>
+          <a:prstDash val="solid"/>
+        </a:ln>
+        <a:effectLst/>
+      </dsp:spPr>
+      <dsp:style>
+        <a:lnRef idx="2">
+          <a:scrgbClr r="0" g="0" b="0"/>
+        </a:lnRef>
+        <a:fillRef idx="1">
+          <a:scrgbClr r="0" g="0" b="0"/>
+        </a:fillRef>
+        <a:effectRef idx="0">
+          <a:scrgbClr r="0" g="0" b="0"/>
+        </a:effectRef>
+        <a:fontRef idx="minor">
+          <a:schemeClr val="lt1"/>
+        </a:fontRef>
+      </dsp:style>
+      <dsp:txBody>
+        <a:bodyPr spcFirstLastPara="0" vert="horz" wrap="square" lIns="33020" tIns="33020" rIns="33020" bIns="33020" numCol="1" spcCol="1270" anchor="ctr" anchorCtr="0">
+          <a:noAutofit/>
+        </a:bodyPr>
+        <a:lstStyle/>
+        <a:p>
+          <a:pPr lvl="0" algn="ctr" defTabSz="577850">
+            <a:lnSpc>
+              <a:spcPct val="90000"/>
+            </a:lnSpc>
+            <a:spcBef>
+              <a:spcPct val="0"/>
+            </a:spcBef>
+            <a:spcAft>
+              <a:spcPct val="35000"/>
+            </a:spcAft>
+          </a:pPr>
+          <a:r>
+            <a:rPr lang="en-US" sz="1300" b="1" kern="1200" dirty="0" smtClean="0"/>
+            <a:t>2</a:t>
+          </a:r>
+          <a:endParaRPr lang="ru-RU" sz="1300" b="1" kern="1200" dirty="0"/>
+        </a:p>
+      </dsp:txBody>
+      <dsp:txXfrm>
+        <a:off x="3534426" y="927914"/>
+        <a:ext cx="250778" cy="250778"/>
+      </dsp:txXfrm>
+    </dsp:sp>
+    <dsp:sp modelId="{14F8E73C-F36A-45CB-BFCE-4B2564C5D8DB}">
+      <dsp:nvSpPr>
+        <dsp:cNvPr id="0" name=""/>
+        <dsp:cNvSpPr/>
+      </dsp:nvSpPr>
+      <dsp:spPr>
+        <a:xfrm rot="21585845">
+          <a:off x="3837138" y="1050476"/>
+          <a:ext cx="1018827" cy="0"/>
+        </a:xfrm>
+        <a:custGeom>
+          <a:avLst/>
+          <a:gdLst/>
+          <a:ahLst/>
+          <a:cxnLst/>
+          <a:rect l="0" t="0" r="0" b="0"/>
+          <a:pathLst>
+            <a:path>
+              <a:moveTo>
+                <a:pt x="0" y="0"/>
+              </a:moveTo>
+              <a:lnTo>
+                <a:pt x="1018827" y="0"/>
+              </a:lnTo>
+            </a:path>
+          </a:pathLst>
+        </a:custGeom>
+        <a:noFill/>
+        <a:ln w="25400" cap="flat" cmpd="sng" algn="ctr">
+          <a:solidFill>
+            <a:schemeClr val="bg1"/>
+          </a:solidFill>
+          <a:prstDash val="solid"/>
+        </a:ln>
+        <a:effectLst/>
+      </dsp:spPr>
+      <dsp:style>
+        <a:lnRef idx="2">
+          <a:scrgbClr r="0" g="0" b="0"/>
+        </a:lnRef>
+        <a:fillRef idx="0">
+          <a:scrgbClr r="0" g="0" b="0"/>
+        </a:fillRef>
+        <a:effectRef idx="0">
+          <a:scrgbClr r="0" g="0" b="0"/>
+        </a:effectRef>
+        <a:fontRef idx="minor"/>
+      </dsp:style>
+    </dsp:sp>
+    <dsp:sp modelId="{131FDBC9-C4E8-4D45-8ABB-A1AFD43B00EC}">
+      <dsp:nvSpPr>
+        <dsp:cNvPr id="0" name=""/>
+        <dsp:cNvSpPr/>
+      </dsp:nvSpPr>
+      <dsp:spPr>
+        <a:xfrm>
+          <a:off x="4855961" y="870321"/>
+          <a:ext cx="354654" cy="354654"/>
+        </a:xfrm>
+        <a:prstGeom prst="ellipse">
+          <a:avLst/>
+        </a:prstGeom>
+        <a:solidFill>
+          <a:schemeClr val="lt1">
+            <a:hueOff val="0"/>
+            <a:satOff val="0"/>
+            <a:lumOff val="0"/>
+            <a:alphaOff val="0"/>
+          </a:schemeClr>
+        </a:solidFill>
+        <a:ln w="25400" cap="flat" cmpd="sng" algn="ctr">
+          <a:noFill/>
+          <a:prstDash val="solid"/>
+        </a:ln>
+        <a:effectLst/>
+      </dsp:spPr>
+      <dsp:style>
+        <a:lnRef idx="2">
+          <a:scrgbClr r="0" g="0" b="0"/>
+        </a:lnRef>
+        <a:fillRef idx="1">
+          <a:scrgbClr r="0" g="0" b="0"/>
+        </a:fillRef>
+        <a:effectRef idx="0">
+          <a:scrgbClr r="0" g="0" b="0"/>
+        </a:effectRef>
+        <a:fontRef idx="minor">
+          <a:schemeClr val="lt1"/>
+        </a:fontRef>
+      </dsp:style>
+      <dsp:txBody>
+        <a:bodyPr spcFirstLastPara="0" vert="horz" wrap="square" lIns="33020" tIns="33020" rIns="33020" bIns="33020" numCol="1" spcCol="1270" anchor="ctr" anchorCtr="0">
+          <a:noAutofit/>
+        </a:bodyPr>
+        <a:lstStyle/>
+        <a:p>
+          <a:pPr lvl="0" algn="ctr" defTabSz="577850">
+            <a:lnSpc>
+              <a:spcPct val="90000"/>
+            </a:lnSpc>
+            <a:spcBef>
+              <a:spcPct val="0"/>
+            </a:spcBef>
+            <a:spcAft>
+              <a:spcPct val="35000"/>
+            </a:spcAft>
+          </a:pPr>
+          <a:r>
+            <a:rPr lang="en-US" sz="1300" b="1" kern="1200" dirty="0" smtClean="0"/>
+            <a:t>3</a:t>
+          </a:r>
+          <a:endParaRPr lang="ru-RU" sz="1300" b="1" kern="1200" dirty="0"/>
+        </a:p>
+      </dsp:txBody>
+      <dsp:txXfrm>
+        <a:off x="4907899" y="922259"/>
+        <a:ext cx="250778" cy="250778"/>
+      </dsp:txXfrm>
+    </dsp:sp>
+    <dsp:sp modelId="{162F5FFA-826E-4752-85DB-80F67E99A00F}">
+      <dsp:nvSpPr>
+        <dsp:cNvPr id="0" name=""/>
+        <dsp:cNvSpPr/>
+      </dsp:nvSpPr>
+      <dsp:spPr>
+        <a:xfrm>
+          <a:off x="4855965" y="2001465"/>
+          <a:ext cx="354654" cy="354654"/>
+        </a:xfrm>
+        <a:prstGeom prst="ellipse">
+          <a:avLst/>
+        </a:prstGeom>
+        <a:solidFill>
+          <a:schemeClr val="lt1">
+            <a:hueOff val="0"/>
+            <a:satOff val="0"/>
+            <a:lumOff val="0"/>
+            <a:alphaOff val="0"/>
+          </a:schemeClr>
+        </a:solidFill>
+        <a:ln w="12700" cap="flat" cmpd="sng" algn="ctr">
+          <a:noFill/>
+          <a:prstDash val="solid"/>
+        </a:ln>
+        <a:effectLst/>
+      </dsp:spPr>
+      <dsp:style>
+        <a:lnRef idx="2">
+          <a:scrgbClr r="0" g="0" b="0"/>
+        </a:lnRef>
+        <a:fillRef idx="1">
+          <a:scrgbClr r="0" g="0" b="0"/>
+        </a:fillRef>
+        <a:effectRef idx="0">
+          <a:scrgbClr r="0" g="0" b="0"/>
+        </a:effectRef>
+        <a:fontRef idx="minor">
+          <a:schemeClr val="lt1"/>
+        </a:fontRef>
+      </dsp:style>
+      <dsp:txBody>
+        <a:bodyPr spcFirstLastPara="0" vert="horz" wrap="square" lIns="33020" tIns="33020" rIns="33020" bIns="33020" numCol="1" spcCol="1270" anchor="ctr" anchorCtr="0">
+          <a:noAutofit/>
+        </a:bodyPr>
+        <a:lstStyle/>
+        <a:p>
+          <a:pPr lvl="0" algn="ctr" defTabSz="577850">
+            <a:lnSpc>
+              <a:spcPct val="90000"/>
+            </a:lnSpc>
+            <a:spcBef>
+              <a:spcPct val="0"/>
+            </a:spcBef>
+            <a:spcAft>
+              <a:spcPct val="35000"/>
+            </a:spcAft>
+          </a:pPr>
+          <a:r>
+            <a:rPr lang="en-US" sz="1300" b="1" kern="1200" dirty="0" smtClean="0"/>
+            <a:t>8</a:t>
+          </a:r>
+          <a:endParaRPr lang="ru-RU" sz="1300" b="1" kern="1200" dirty="0"/>
+        </a:p>
+      </dsp:txBody>
+      <dsp:txXfrm>
+        <a:off x="4907903" y="2053403"/>
+        <a:ext cx="250778" cy="250778"/>
+      </dsp:txXfrm>
+    </dsp:sp>
+    <dsp:sp modelId="{13C6C64B-B032-4BA4-83DB-6A35EE2DAC82}">
+      <dsp:nvSpPr>
+        <dsp:cNvPr id="0" name=""/>
+        <dsp:cNvSpPr/>
+      </dsp:nvSpPr>
+      <dsp:spPr>
+        <a:xfrm rot="10640">
+          <a:off x="5210617" y="2180603"/>
+          <a:ext cx="815103" cy="0"/>
+        </a:xfrm>
+        <a:custGeom>
+          <a:avLst/>
+          <a:gdLst/>
+          <a:ahLst/>
+          <a:cxnLst/>
+          <a:rect l="0" t="0" r="0" b="0"/>
+          <a:pathLst>
+            <a:path>
+              <a:moveTo>
+                <a:pt x="0" y="0"/>
+              </a:moveTo>
+              <a:lnTo>
+                <a:pt x="815103" y="0"/>
+              </a:lnTo>
+            </a:path>
+          </a:pathLst>
+        </a:custGeom>
+        <a:noFill/>
+        <a:ln w="25400" cap="flat" cmpd="sng" algn="ctr">
+          <a:noFill/>
+          <a:prstDash val="solid"/>
+        </a:ln>
+        <a:effectLst/>
+      </dsp:spPr>
+      <dsp:style>
+        <a:lnRef idx="2">
+          <a:scrgbClr r="0" g="0" b="0"/>
+        </a:lnRef>
+        <a:fillRef idx="0">
+          <a:scrgbClr r="0" g="0" b="0"/>
+        </a:fillRef>
+        <a:effectRef idx="0">
+          <a:scrgbClr r="0" g="0" b="0"/>
+        </a:effectRef>
+        <a:fontRef idx="minor"/>
+      </dsp:style>
+    </dsp:sp>
+    <dsp:sp modelId="{60645163-21D0-4CD5-9FB8-587A220A1664}">
+      <dsp:nvSpPr>
+        <dsp:cNvPr id="0" name=""/>
+        <dsp:cNvSpPr/>
+      </dsp:nvSpPr>
+      <dsp:spPr>
+        <a:xfrm>
+          <a:off x="6025719" y="2005086"/>
+          <a:ext cx="354654" cy="354654"/>
+        </a:xfrm>
+        <a:prstGeom prst="ellipse">
+          <a:avLst/>
+        </a:prstGeom>
+        <a:solidFill>
+          <a:schemeClr val="lt1">
+            <a:hueOff val="0"/>
+            <a:satOff val="0"/>
+            <a:lumOff val="0"/>
+            <a:alphaOff val="0"/>
+          </a:schemeClr>
+        </a:solidFill>
+        <a:ln w="12700" cap="flat" cmpd="sng" algn="ctr">
+          <a:noFill/>
+          <a:prstDash val="solid"/>
+        </a:ln>
+        <a:effectLst/>
+      </dsp:spPr>
+      <dsp:style>
+        <a:lnRef idx="2">
+          <a:scrgbClr r="0" g="0" b="0"/>
+        </a:lnRef>
+        <a:fillRef idx="1">
+          <a:scrgbClr r="0" g="0" b="0"/>
+        </a:fillRef>
+        <a:effectRef idx="0">
+          <a:scrgbClr r="0" g="0" b="0"/>
+        </a:effectRef>
+        <a:fontRef idx="minor">
+          <a:schemeClr val="lt1"/>
+        </a:fontRef>
+      </dsp:style>
+      <dsp:txBody>
+        <a:bodyPr spcFirstLastPara="0" vert="horz" wrap="square" lIns="33020" tIns="33020" rIns="33020" bIns="33020" numCol="1" spcCol="1270" anchor="ctr" anchorCtr="0">
+          <a:noAutofit/>
+        </a:bodyPr>
+        <a:lstStyle/>
+        <a:p>
+          <a:pPr lvl="0" algn="ctr" defTabSz="577850">
+            <a:lnSpc>
+              <a:spcPct val="90000"/>
+            </a:lnSpc>
+            <a:spcBef>
+              <a:spcPct val="0"/>
+            </a:spcBef>
+            <a:spcAft>
+              <a:spcPct val="35000"/>
+            </a:spcAft>
+          </a:pPr>
+          <a:r>
+            <a:rPr lang="en-US" sz="1300" b="1" kern="1200" dirty="0" smtClean="0"/>
+            <a:t>9</a:t>
+          </a:r>
+          <a:endParaRPr lang="ru-RU" sz="1300" b="1" kern="1200" dirty="0"/>
+        </a:p>
+      </dsp:txBody>
+      <dsp:txXfrm>
+        <a:off x="6077657" y="2057024"/>
+        <a:ext cx="250778" cy="250778"/>
+      </dsp:txXfrm>
+    </dsp:sp>
+    <dsp:sp modelId="{F1052044-0FDD-422D-B472-4653C35157C6}">
+      <dsp:nvSpPr>
+        <dsp:cNvPr id="0" name=""/>
+        <dsp:cNvSpPr/>
+      </dsp:nvSpPr>
+      <dsp:spPr>
+        <a:xfrm rot="18965703">
+          <a:off x="5055957" y="1624400"/>
+          <a:ext cx="1106667" cy="0"/>
+        </a:xfrm>
+        <a:custGeom>
+          <a:avLst/>
+          <a:gdLst/>
+          <a:ahLst/>
+          <a:cxnLst/>
+          <a:rect l="0" t="0" r="0" b="0"/>
+          <a:pathLst>
+            <a:path>
+              <a:moveTo>
+                <a:pt x="0" y="0"/>
+              </a:moveTo>
+              <a:lnTo>
+                <a:pt x="1106667" y="0"/>
+              </a:lnTo>
+            </a:path>
+          </a:pathLst>
+        </a:custGeom>
+        <a:noFill/>
+        <a:ln w="25400" cap="flat" cmpd="sng" algn="ctr">
+          <a:noFill/>
+          <a:prstDash val="solid"/>
+        </a:ln>
+        <a:effectLst/>
+      </dsp:spPr>
+      <dsp:style>
+        <a:lnRef idx="2">
+          <a:scrgbClr r="0" g="0" b="0"/>
+        </a:lnRef>
+        <a:fillRef idx="0">
+          <a:scrgbClr r="0" g="0" b="0"/>
+        </a:fillRef>
+        <a:effectRef idx="0">
+          <a:scrgbClr r="0" g="0" b="0"/>
+        </a:effectRef>
+        <a:fontRef idx="minor"/>
+      </dsp:style>
+    </dsp:sp>
+    <dsp:sp modelId="{87EB7461-B202-41C3-B18F-A0F3E6601857}">
+      <dsp:nvSpPr>
+        <dsp:cNvPr id="0" name=""/>
+        <dsp:cNvSpPr/>
+      </dsp:nvSpPr>
+      <dsp:spPr>
+        <a:xfrm>
+          <a:off x="6007963" y="892681"/>
+          <a:ext cx="354654" cy="354654"/>
+        </a:xfrm>
+        <a:prstGeom prst="ellipse">
+          <a:avLst/>
+        </a:prstGeom>
+        <a:solidFill>
+          <a:schemeClr val="lt1">
+            <a:hueOff val="0"/>
+            <a:satOff val="0"/>
+            <a:lumOff val="0"/>
+            <a:alphaOff val="0"/>
+          </a:schemeClr>
+        </a:solidFill>
+        <a:ln w="12700" cap="flat" cmpd="sng" algn="ctr">
+          <a:noFill/>
+          <a:prstDash val="solid"/>
+        </a:ln>
+        <a:effectLst/>
+      </dsp:spPr>
+      <dsp:style>
+        <a:lnRef idx="2">
+          <a:scrgbClr r="0" g="0" b="0"/>
+        </a:lnRef>
+        <a:fillRef idx="1">
+          <a:scrgbClr r="0" g="0" b="0"/>
+        </a:fillRef>
+        <a:effectRef idx="0">
+          <a:scrgbClr r="0" g="0" b="0"/>
+        </a:effectRef>
+        <a:fontRef idx="minor">
+          <a:schemeClr val="lt1"/>
+        </a:fontRef>
+      </dsp:style>
+      <dsp:txBody>
+        <a:bodyPr spcFirstLastPara="0" vert="horz" wrap="square" lIns="33020" tIns="33020" rIns="33020" bIns="33020" numCol="1" spcCol="1270" anchor="ctr" anchorCtr="0">
+          <a:noAutofit/>
+        </a:bodyPr>
+        <a:lstStyle/>
+        <a:p>
+          <a:pPr lvl="0" algn="ctr" defTabSz="577850">
+            <a:lnSpc>
+              <a:spcPct val="90000"/>
+            </a:lnSpc>
+            <a:spcBef>
+              <a:spcPct val="0"/>
+            </a:spcBef>
+            <a:spcAft>
+              <a:spcPct val="35000"/>
+            </a:spcAft>
+          </a:pPr>
+          <a:r>
+            <a:rPr lang="en-US" sz="1300" b="1" kern="1200" dirty="0" smtClean="0"/>
+            <a:t>4</a:t>
+          </a:r>
+          <a:endParaRPr lang="ru-RU" sz="1300" b="1" kern="1200" dirty="0"/>
+        </a:p>
+      </dsp:txBody>
+      <dsp:txXfrm>
+        <a:off x="6059901" y="944619"/>
+        <a:ext cx="250778" cy="250778"/>
+      </dsp:txXfrm>
+    </dsp:sp>
+    <dsp:sp modelId="{2CB8979D-EB12-4FD7-823E-E18C29F26A6C}">
+      <dsp:nvSpPr>
+        <dsp:cNvPr id="0" name=""/>
+        <dsp:cNvSpPr/>
+      </dsp:nvSpPr>
+      <dsp:spPr>
+        <a:xfrm rot="2424218">
+          <a:off x="5084595" y="2672219"/>
+          <a:ext cx="1056792" cy="0"/>
+        </a:xfrm>
+        <a:custGeom>
+          <a:avLst/>
+          <a:gdLst/>
+          <a:ahLst/>
+          <a:cxnLst/>
+          <a:rect l="0" t="0" r="0" b="0"/>
+          <a:pathLst>
+            <a:path>
+              <a:moveTo>
+                <a:pt x="0" y="0"/>
+              </a:moveTo>
+              <a:lnTo>
+                <a:pt x="1056792" y="0"/>
+              </a:lnTo>
+            </a:path>
+          </a:pathLst>
+        </a:custGeom>
+        <a:noFill/>
+        <a:ln w="25400" cap="flat" cmpd="sng" algn="ctr">
+          <a:noFill/>
+          <a:prstDash val="solid"/>
+        </a:ln>
+        <a:effectLst/>
+      </dsp:spPr>
+      <dsp:style>
+        <a:lnRef idx="2">
+          <a:scrgbClr r="0" g="0" b="0"/>
+        </a:lnRef>
+        <a:fillRef idx="0">
+          <a:scrgbClr r="0" g="0" b="0"/>
+        </a:fillRef>
+        <a:effectRef idx="0">
+          <a:scrgbClr r="0" g="0" b="0"/>
+        </a:effectRef>
+        <a:fontRef idx="minor"/>
+      </dsp:style>
+    </dsp:sp>
+    <dsp:sp modelId="{E2CE3FDF-1297-4411-9D78-44A8932D4D01}">
+      <dsp:nvSpPr>
+        <dsp:cNvPr id="0" name=""/>
+        <dsp:cNvSpPr/>
+      </dsp:nvSpPr>
+      <dsp:spPr>
+        <a:xfrm>
+          <a:off x="6015363" y="2988318"/>
+          <a:ext cx="354654" cy="354654"/>
+        </a:xfrm>
+        <a:prstGeom prst="ellipse">
+          <a:avLst/>
+        </a:prstGeom>
+        <a:solidFill>
+          <a:schemeClr val="lt1">
+            <a:hueOff val="0"/>
+            <a:satOff val="0"/>
+            <a:lumOff val="0"/>
+            <a:alphaOff val="0"/>
+          </a:schemeClr>
+        </a:solidFill>
+        <a:ln w="12700" cap="flat" cmpd="sng" algn="ctr">
+          <a:noFill/>
+          <a:prstDash val="solid"/>
+        </a:ln>
+        <a:effectLst/>
+      </dsp:spPr>
+      <dsp:style>
+        <a:lnRef idx="2">
+          <a:scrgbClr r="0" g="0" b="0"/>
+        </a:lnRef>
+        <a:fillRef idx="1">
+          <a:scrgbClr r="0" g="0" b="0"/>
+        </a:fillRef>
+        <a:effectRef idx="0">
+          <a:scrgbClr r="0" g="0" b="0"/>
+        </a:effectRef>
+        <a:fontRef idx="minor">
+          <a:schemeClr val="lt1"/>
+        </a:fontRef>
+      </dsp:style>
+      <dsp:txBody>
+        <a:bodyPr spcFirstLastPara="0" vert="horz" wrap="square" lIns="33020" tIns="33020" rIns="33020" bIns="33020" numCol="1" spcCol="1270" anchor="ctr" anchorCtr="0">
+          <a:noAutofit/>
+        </a:bodyPr>
+        <a:lstStyle/>
+        <a:p>
+          <a:pPr lvl="0" algn="ctr" defTabSz="577850">
+            <a:lnSpc>
+              <a:spcPct val="90000"/>
+            </a:lnSpc>
+            <a:spcBef>
+              <a:spcPct val="0"/>
+            </a:spcBef>
+            <a:spcAft>
+              <a:spcPct val="35000"/>
+            </a:spcAft>
+          </a:pPr>
+          <a:r>
+            <a:rPr lang="en-US" sz="1300" b="1" kern="1200" dirty="0" smtClean="0"/>
+            <a:t>14</a:t>
+          </a:r>
+          <a:endParaRPr lang="ru-RU" sz="1300" b="1" kern="1200" dirty="0"/>
+        </a:p>
+      </dsp:txBody>
+      <dsp:txXfrm>
+        <a:off x="6067301" y="3040256"/>
+        <a:ext cx="250778" cy="250778"/>
+      </dsp:txXfrm>
+    </dsp:sp>
+    <dsp:sp modelId="{D67A4FBC-EAA1-4D29-BD12-2A72C4D31151}">
+      <dsp:nvSpPr>
+        <dsp:cNvPr id="0" name=""/>
+        <dsp:cNvSpPr/>
+      </dsp:nvSpPr>
+      <dsp:spPr>
+        <a:xfrm>
+          <a:off x="3478319" y="2996404"/>
+          <a:ext cx="354654" cy="354654"/>
+        </a:xfrm>
+        <a:prstGeom prst="ellipse">
+          <a:avLst/>
+        </a:prstGeom>
+        <a:solidFill>
+          <a:schemeClr val="lt1">
+            <a:hueOff val="0"/>
+            <a:satOff val="0"/>
+            <a:lumOff val="0"/>
+            <a:alphaOff val="0"/>
+          </a:schemeClr>
+        </a:solidFill>
+        <a:ln w="25400" cap="flat" cmpd="sng" algn="ctr">
+          <a:noFill/>
+          <a:prstDash val="solid"/>
+        </a:ln>
+        <a:effectLst/>
+      </dsp:spPr>
+      <dsp:style>
+        <a:lnRef idx="2">
+          <a:scrgbClr r="0" g="0" b="0"/>
+        </a:lnRef>
+        <a:fillRef idx="1">
+          <a:scrgbClr r="0" g="0" b="0"/>
+        </a:fillRef>
+        <a:effectRef idx="0">
+          <a:scrgbClr r="0" g="0" b="0"/>
+        </a:effectRef>
+        <a:fontRef idx="minor">
+          <a:schemeClr val="lt1"/>
+        </a:fontRef>
+      </dsp:style>
+      <dsp:txBody>
+        <a:bodyPr spcFirstLastPara="0" vert="horz" wrap="square" lIns="33020" tIns="33020" rIns="33020" bIns="33020" numCol="1" spcCol="1270" anchor="ctr" anchorCtr="0">
+          <a:noAutofit/>
+        </a:bodyPr>
+        <a:lstStyle/>
+        <a:p>
+          <a:pPr lvl="0" algn="ctr" defTabSz="577850">
+            <a:lnSpc>
+              <a:spcPct val="90000"/>
+            </a:lnSpc>
+            <a:spcBef>
+              <a:spcPct val="0"/>
+            </a:spcBef>
+            <a:spcAft>
+              <a:spcPct val="35000"/>
+            </a:spcAft>
+          </a:pPr>
+          <a:r>
+            <a:rPr lang="en-US" sz="1300" b="1" kern="1200" dirty="0" smtClean="0"/>
+            <a:t>12</a:t>
+          </a:r>
+          <a:endParaRPr lang="ru-RU" sz="1300" b="1" kern="1200" dirty="0"/>
+        </a:p>
+      </dsp:txBody>
+      <dsp:txXfrm>
+        <a:off x="3530257" y="3048342"/>
+        <a:ext cx="250778" cy="250778"/>
+      </dsp:txXfrm>
+    </dsp:sp>
+    <dsp:sp modelId="{C78F9FD8-1B2A-4A2C-98A7-59E90813D8F9}">
+      <dsp:nvSpPr>
+        <dsp:cNvPr id="0" name=""/>
+        <dsp:cNvSpPr/>
+      </dsp:nvSpPr>
+      <dsp:spPr>
+        <a:xfrm rot="10794046">
+          <a:off x="2499092" y="3174887"/>
+          <a:ext cx="979227" cy="0"/>
+        </a:xfrm>
+        <a:custGeom>
+          <a:avLst/>
+          <a:gdLst/>
+          <a:ahLst/>
+          <a:cxnLst/>
+          <a:rect l="0" t="0" r="0" b="0"/>
+          <a:pathLst>
+            <a:path>
+              <a:moveTo>
+                <a:pt x="0" y="0"/>
+              </a:moveTo>
+              <a:lnTo>
+                <a:pt x="979227" y="0"/>
+              </a:lnTo>
+            </a:path>
+          </a:pathLst>
+        </a:custGeom>
+        <a:noFill/>
+        <a:ln w="25400" cap="flat" cmpd="sng" algn="ctr">
+          <a:solidFill>
+            <a:schemeClr val="bg1"/>
+          </a:solidFill>
+          <a:prstDash val="solid"/>
+        </a:ln>
+        <a:effectLst/>
+      </dsp:spPr>
+      <dsp:style>
+        <a:lnRef idx="2">
+          <a:scrgbClr r="0" g="0" b="0"/>
+        </a:lnRef>
+        <a:fillRef idx="0">
+          <a:scrgbClr r="0" g="0" b="0"/>
+        </a:fillRef>
+        <a:effectRef idx="0">
+          <a:scrgbClr r="0" g="0" b="0"/>
+        </a:effectRef>
+        <a:fontRef idx="minor"/>
+      </dsp:style>
+    </dsp:sp>
+    <dsp:sp modelId="{3CB765B0-9F03-4E47-81C1-10013D386D00}">
+      <dsp:nvSpPr>
+        <dsp:cNvPr id="0" name=""/>
+        <dsp:cNvSpPr/>
+      </dsp:nvSpPr>
+      <dsp:spPr>
+        <a:xfrm>
+          <a:off x="2144439" y="2998715"/>
+          <a:ext cx="354654" cy="354654"/>
+        </a:xfrm>
+        <a:prstGeom prst="ellipse">
+          <a:avLst/>
+        </a:prstGeom>
+        <a:solidFill>
+          <a:schemeClr val="lt1">
+            <a:hueOff val="0"/>
+            <a:satOff val="0"/>
+            <a:lumOff val="0"/>
+            <a:alphaOff val="0"/>
+          </a:schemeClr>
+        </a:solidFill>
+        <a:ln w="25400" cap="flat" cmpd="sng" algn="ctr">
+          <a:noFill/>
+          <a:prstDash val="solid"/>
+        </a:ln>
+        <a:effectLst/>
+      </dsp:spPr>
+      <dsp:style>
+        <a:lnRef idx="2">
+          <a:scrgbClr r="0" g="0" b="0"/>
+        </a:lnRef>
+        <a:fillRef idx="1">
+          <a:scrgbClr r="0" g="0" b="0"/>
+        </a:fillRef>
+        <a:effectRef idx="0">
+          <a:scrgbClr r="0" g="0" b="0"/>
+        </a:effectRef>
+        <a:fontRef idx="minor">
+          <a:schemeClr val="lt1"/>
+        </a:fontRef>
+      </dsp:style>
+      <dsp:txBody>
+        <a:bodyPr spcFirstLastPara="0" vert="horz" wrap="square" lIns="33020" tIns="33020" rIns="33020" bIns="33020" numCol="1" spcCol="1270" anchor="ctr" anchorCtr="0">
+          <a:noAutofit/>
+        </a:bodyPr>
+        <a:lstStyle/>
+        <a:p>
+          <a:pPr lvl="0" algn="ctr" defTabSz="577850">
+            <a:lnSpc>
+              <a:spcPct val="90000"/>
+            </a:lnSpc>
+            <a:spcBef>
+              <a:spcPct val="0"/>
+            </a:spcBef>
+            <a:spcAft>
+              <a:spcPct val="35000"/>
+            </a:spcAft>
+          </a:pPr>
+          <a:r>
+            <a:rPr lang="en-US" sz="1300" b="1" kern="1200" dirty="0" smtClean="0"/>
+            <a:t>11</a:t>
+          </a:r>
+          <a:endParaRPr lang="ru-RU" sz="1300" b="1" kern="1200" dirty="0"/>
+        </a:p>
+      </dsp:txBody>
+      <dsp:txXfrm>
+        <a:off x="2196377" y="3050653"/>
+        <a:ext cx="250778" cy="250778"/>
+      </dsp:txXfrm>
+    </dsp:sp>
+    <dsp:sp modelId="{7C261A88-DCC1-402A-8F6D-218D973FCEBC}">
+      <dsp:nvSpPr>
+        <dsp:cNvPr id="0" name=""/>
+        <dsp:cNvSpPr/>
+      </dsp:nvSpPr>
+      <dsp:spPr>
+        <a:xfrm rot="5794">
+          <a:off x="3832972" y="3174892"/>
+          <a:ext cx="1022971" cy="0"/>
+        </a:xfrm>
+        <a:custGeom>
+          <a:avLst/>
+          <a:gdLst/>
+          <a:ahLst/>
+          <a:cxnLst/>
+          <a:rect l="0" t="0" r="0" b="0"/>
+          <a:pathLst>
+            <a:path>
+              <a:moveTo>
+                <a:pt x="0" y="0"/>
+              </a:moveTo>
+              <a:lnTo>
+                <a:pt x="1022971" y="0"/>
+              </a:lnTo>
+            </a:path>
+          </a:pathLst>
+        </a:custGeom>
+        <a:noFill/>
+        <a:ln w="25400" cap="flat" cmpd="sng" algn="ctr">
+          <a:solidFill>
+            <a:schemeClr val="bg1"/>
+          </a:solidFill>
+          <a:prstDash val="solid"/>
+        </a:ln>
+        <a:effectLst/>
+      </dsp:spPr>
+      <dsp:style>
+        <a:lnRef idx="2">
+          <a:scrgbClr r="0" g="0" b="0"/>
+        </a:lnRef>
+        <a:fillRef idx="0">
+          <a:scrgbClr r="0" g="0" b="0"/>
+        </a:fillRef>
+        <a:effectRef idx="0">
+          <a:scrgbClr r="0" g="0" b="0"/>
+        </a:effectRef>
+        <a:fontRef idx="minor"/>
+      </dsp:style>
+    </dsp:sp>
+    <dsp:sp modelId="{785EF704-5E01-4C5D-9B6C-C1A4F4F2BC65}">
+      <dsp:nvSpPr>
+        <dsp:cNvPr id="0" name=""/>
+        <dsp:cNvSpPr/>
+      </dsp:nvSpPr>
+      <dsp:spPr>
+        <a:xfrm>
+          <a:off x="4855943" y="2998726"/>
+          <a:ext cx="354654" cy="354654"/>
+        </a:xfrm>
+        <a:prstGeom prst="ellipse">
+          <a:avLst/>
+        </a:prstGeom>
+        <a:solidFill>
+          <a:schemeClr val="lt1">
+            <a:hueOff val="0"/>
+            <a:satOff val="0"/>
+            <a:lumOff val="0"/>
+            <a:alphaOff val="0"/>
+          </a:schemeClr>
+        </a:solidFill>
+        <a:ln w="25400" cap="flat" cmpd="sng" algn="ctr">
+          <a:noFill/>
+          <a:prstDash val="solid"/>
+        </a:ln>
+        <a:effectLst/>
+      </dsp:spPr>
+      <dsp:style>
+        <a:lnRef idx="2">
+          <a:scrgbClr r="0" g="0" b="0"/>
+        </a:lnRef>
+        <a:fillRef idx="1">
+          <a:scrgbClr r="0" g="0" b="0"/>
+        </a:fillRef>
+        <a:effectRef idx="0">
+          <a:scrgbClr r="0" g="0" b="0"/>
+        </a:effectRef>
+        <a:fontRef idx="minor">
+          <a:schemeClr val="lt1"/>
+        </a:fontRef>
+      </dsp:style>
+      <dsp:txBody>
+        <a:bodyPr spcFirstLastPara="0" vert="horz" wrap="square" lIns="33020" tIns="33020" rIns="33020" bIns="33020" numCol="1" spcCol="1270" anchor="ctr" anchorCtr="0">
+          <a:noAutofit/>
+        </a:bodyPr>
+        <a:lstStyle/>
+        <a:p>
+          <a:pPr lvl="0" algn="ctr" defTabSz="577850">
+            <a:lnSpc>
+              <a:spcPct val="90000"/>
+            </a:lnSpc>
+            <a:spcBef>
+              <a:spcPct val="0"/>
+            </a:spcBef>
+            <a:spcAft>
+              <a:spcPct val="35000"/>
+            </a:spcAft>
+          </a:pPr>
+          <a:r>
+            <a:rPr lang="en-US" sz="1300" b="1" kern="1200" dirty="0" smtClean="0"/>
+            <a:t>13</a:t>
+          </a:r>
+          <a:endParaRPr lang="ru-RU" sz="1300" b="1" kern="1200" dirty="0"/>
+        </a:p>
+      </dsp:txBody>
+      <dsp:txXfrm>
+        <a:off x="4907881" y="3050664"/>
+        <a:ext cx="250778" cy="250778"/>
+      </dsp:txXfrm>
+    </dsp:sp>
+    <dsp:sp modelId="{11A06565-916D-439F-9911-EA567A860001}">
+      <dsp:nvSpPr>
+        <dsp:cNvPr id="0" name=""/>
+        <dsp:cNvSpPr/>
+      </dsp:nvSpPr>
+      <dsp:spPr>
+        <a:xfrm>
+          <a:off x="2144436" y="2001467"/>
+          <a:ext cx="354657" cy="354657"/>
+        </a:xfrm>
+        <a:prstGeom prst="ellipse">
+          <a:avLst/>
+        </a:prstGeom>
+        <a:solidFill>
+          <a:schemeClr val="lt1">
+            <a:hueOff val="0"/>
+            <a:satOff val="0"/>
+            <a:lumOff val="0"/>
+            <a:alphaOff val="0"/>
+          </a:schemeClr>
+        </a:solidFill>
+        <a:ln w="12700" cap="flat" cmpd="sng" algn="ctr">
+          <a:noFill/>
+          <a:prstDash val="solid"/>
+        </a:ln>
+        <a:effectLst/>
+      </dsp:spPr>
+      <dsp:style>
+        <a:lnRef idx="2">
+          <a:scrgbClr r="0" g="0" b="0"/>
+        </a:lnRef>
+        <a:fillRef idx="1">
+          <a:scrgbClr r="0" g="0" b="0"/>
+        </a:fillRef>
+        <a:effectRef idx="0">
+          <a:scrgbClr r="0" g="0" b="0"/>
+        </a:effectRef>
+        <a:fontRef idx="minor">
+          <a:schemeClr val="lt1"/>
+        </a:fontRef>
+      </dsp:style>
+      <dsp:txBody>
+        <a:bodyPr spcFirstLastPara="0" vert="horz" wrap="square" lIns="33020" tIns="33020" rIns="33020" bIns="33020" numCol="1" spcCol="1270" anchor="ctr" anchorCtr="0">
+          <a:noAutofit/>
+        </a:bodyPr>
+        <a:lstStyle/>
+        <a:p>
+          <a:pPr lvl="0" algn="ctr" defTabSz="577850">
+            <a:lnSpc>
+              <a:spcPct val="90000"/>
+            </a:lnSpc>
+            <a:spcBef>
+              <a:spcPct val="0"/>
+            </a:spcBef>
+            <a:spcAft>
+              <a:spcPct val="35000"/>
+            </a:spcAft>
+          </a:pPr>
+          <a:r>
+            <a:rPr lang="en-US" sz="1300" b="1" kern="1200" dirty="0" smtClean="0"/>
+            <a:t>6</a:t>
+          </a:r>
+          <a:endParaRPr lang="ru-RU" sz="1300" b="1" kern="1200" dirty="0"/>
+        </a:p>
+      </dsp:txBody>
+      <dsp:txXfrm>
+        <a:off x="2196374" y="2053405"/>
+        <a:ext cx="250781" cy="250781"/>
+      </dsp:txXfrm>
+    </dsp:sp>
+    <dsp:sp modelId="{FDFA6494-C20A-4DF1-9EB1-15EC7E3D468F}">
+      <dsp:nvSpPr>
+        <dsp:cNvPr id="0" name=""/>
+        <dsp:cNvSpPr/>
+      </dsp:nvSpPr>
+      <dsp:spPr>
+        <a:xfrm rot="16200005">
+          <a:off x="1933515" y="1613216"/>
+          <a:ext cx="776502" cy="0"/>
+        </a:xfrm>
+        <a:custGeom>
+          <a:avLst/>
+          <a:gdLst/>
+          <a:ahLst/>
+          <a:cxnLst/>
+          <a:rect l="0" t="0" r="0" b="0"/>
+          <a:pathLst>
+            <a:path>
+              <a:moveTo>
+                <a:pt x="0" y="0"/>
+              </a:moveTo>
+              <a:lnTo>
+                <a:pt x="776502" y="0"/>
+              </a:lnTo>
+            </a:path>
+          </a:pathLst>
+        </a:custGeom>
+        <a:noFill/>
+        <a:ln w="25400" cap="flat" cmpd="sng" algn="ctr">
+          <a:solidFill>
+            <a:schemeClr val="bg1"/>
+          </a:solidFill>
+          <a:prstDash val="solid"/>
+        </a:ln>
+        <a:effectLst/>
+      </dsp:spPr>
+      <dsp:style>
+        <a:lnRef idx="2">
+          <a:scrgbClr r="0" g="0" b="0"/>
+        </a:lnRef>
+        <a:fillRef idx="0">
+          <a:scrgbClr r="0" g="0" b="0"/>
+        </a:fillRef>
+        <a:effectRef idx="0">
+          <a:scrgbClr r="0" g="0" b="0"/>
+        </a:effectRef>
+        <a:fontRef idx="minor"/>
+      </dsp:style>
+    </dsp:sp>
+    <dsp:sp modelId="{36B922F0-8DD1-4CE5-9219-E2A03E341421}">
+      <dsp:nvSpPr>
+        <dsp:cNvPr id="0" name=""/>
+        <dsp:cNvSpPr/>
+      </dsp:nvSpPr>
+      <dsp:spPr>
+        <a:xfrm>
+          <a:off x="2144438" y="870307"/>
+          <a:ext cx="354657" cy="354657"/>
+        </a:xfrm>
+        <a:prstGeom prst="ellipse">
+          <a:avLst/>
+        </a:prstGeom>
+        <a:solidFill>
+          <a:schemeClr val="lt1">
+            <a:hueOff val="0"/>
+            <a:satOff val="0"/>
+            <a:lumOff val="0"/>
+            <a:alphaOff val="0"/>
+          </a:schemeClr>
+        </a:solidFill>
+        <a:ln w="12700" cap="flat" cmpd="sng" algn="ctr">
+          <a:noFill/>
+          <a:prstDash val="solid"/>
+        </a:ln>
+        <a:effectLst/>
+      </dsp:spPr>
+      <dsp:style>
+        <a:lnRef idx="2">
+          <a:scrgbClr r="0" g="0" b="0"/>
+        </a:lnRef>
+        <a:fillRef idx="1">
+          <a:scrgbClr r="0" g="0" b="0"/>
+        </a:fillRef>
+        <a:effectRef idx="0">
+          <a:scrgbClr r="0" g="0" b="0"/>
+        </a:effectRef>
+        <a:fontRef idx="minor">
+          <a:schemeClr val="lt1"/>
+        </a:fontRef>
+      </dsp:style>
+      <dsp:txBody>
+        <a:bodyPr spcFirstLastPara="0" vert="horz" wrap="square" lIns="33020" tIns="33020" rIns="33020" bIns="33020" numCol="1" spcCol="1270" anchor="ctr" anchorCtr="0">
+          <a:noAutofit/>
+        </a:bodyPr>
+        <a:lstStyle/>
+        <a:p>
+          <a:pPr lvl="0" algn="ctr" defTabSz="577850">
+            <a:lnSpc>
+              <a:spcPct val="90000"/>
+            </a:lnSpc>
+            <a:spcBef>
+              <a:spcPct val="0"/>
+            </a:spcBef>
+            <a:spcAft>
+              <a:spcPct val="35000"/>
+            </a:spcAft>
+          </a:pPr>
+          <a:r>
+            <a:rPr lang="en-US" sz="1300" b="1" kern="1200" dirty="0" smtClean="0"/>
+            <a:t>1</a:t>
+          </a:r>
+          <a:endParaRPr lang="ru-RU" sz="1300" b="1" kern="1200" dirty="0"/>
+        </a:p>
+      </dsp:txBody>
+      <dsp:txXfrm>
+        <a:off x="2196376" y="922245"/>
+        <a:ext cx="250781" cy="250781"/>
+      </dsp:txXfrm>
+    </dsp:sp>
+    <dsp:sp modelId="{5CE3542D-079C-435F-B81F-B7EB2B4F5618}">
+      <dsp:nvSpPr>
+        <dsp:cNvPr id="0" name=""/>
+        <dsp:cNvSpPr/>
+      </dsp:nvSpPr>
+      <dsp:spPr>
+        <a:xfrm rot="13438289">
+          <a:off x="1167301" y="1613217"/>
+          <a:ext cx="1136411" cy="0"/>
+        </a:xfrm>
+        <a:custGeom>
+          <a:avLst/>
+          <a:gdLst/>
+          <a:ahLst/>
+          <a:cxnLst/>
+          <a:rect l="0" t="0" r="0" b="0"/>
+          <a:pathLst>
+            <a:path>
+              <a:moveTo>
+                <a:pt x="0" y="0"/>
+              </a:moveTo>
+              <a:lnTo>
+                <a:pt x="1136411" y="0"/>
+              </a:lnTo>
+            </a:path>
+          </a:pathLst>
+        </a:custGeom>
+        <a:noFill/>
+        <a:ln w="25400" cap="flat" cmpd="sng" algn="ctr">
+          <a:noFill/>
+          <a:prstDash val="solid"/>
+        </a:ln>
+        <a:effectLst/>
+      </dsp:spPr>
+      <dsp:style>
+        <a:lnRef idx="2">
+          <a:scrgbClr r="0" g="0" b="0"/>
+        </a:lnRef>
+        <a:fillRef idx="0">
+          <a:scrgbClr r="0" g="0" b="0"/>
+        </a:fillRef>
+        <a:effectRef idx="0">
+          <a:scrgbClr r="0" g="0" b="0"/>
+        </a:effectRef>
+        <a:fontRef idx="minor"/>
+      </dsp:style>
+    </dsp:sp>
+    <dsp:sp modelId="{ECFDD823-6703-43A5-8158-FD4B0022F6F7}">
+      <dsp:nvSpPr>
+        <dsp:cNvPr id="0" name=""/>
+        <dsp:cNvSpPr/>
+      </dsp:nvSpPr>
+      <dsp:spPr>
+        <a:xfrm>
+          <a:off x="971920" y="870309"/>
+          <a:ext cx="354657" cy="354657"/>
+        </a:xfrm>
+        <a:prstGeom prst="ellipse">
+          <a:avLst/>
+        </a:prstGeom>
+        <a:solidFill>
+          <a:schemeClr val="lt1">
+            <a:hueOff val="0"/>
+            <a:satOff val="0"/>
+            <a:lumOff val="0"/>
+            <a:alphaOff val="0"/>
+          </a:schemeClr>
+        </a:solidFill>
+        <a:ln w="12700" cap="flat" cmpd="sng" algn="ctr">
+          <a:noFill/>
+          <a:prstDash val="solid"/>
+        </a:ln>
+        <a:effectLst/>
+      </dsp:spPr>
+      <dsp:style>
+        <a:lnRef idx="2">
+          <a:scrgbClr r="0" g="0" b="0"/>
+        </a:lnRef>
+        <a:fillRef idx="1">
+          <a:scrgbClr r="0" g="0" b="0"/>
+        </a:fillRef>
+        <a:effectRef idx="0">
+          <a:scrgbClr r="0" g="0" b="0"/>
+        </a:effectRef>
+        <a:fontRef idx="minor">
+          <a:schemeClr val="lt1"/>
+        </a:fontRef>
+      </dsp:style>
+      <dsp:txBody>
+        <a:bodyPr spcFirstLastPara="0" vert="horz" wrap="square" lIns="33020" tIns="33020" rIns="33020" bIns="33020" numCol="1" spcCol="1270" anchor="ctr" anchorCtr="0">
+          <a:noAutofit/>
+        </a:bodyPr>
+        <a:lstStyle/>
+        <a:p>
+          <a:pPr lvl="0" algn="ctr" defTabSz="577850">
+            <a:lnSpc>
+              <a:spcPct val="90000"/>
+            </a:lnSpc>
+            <a:spcBef>
+              <a:spcPct val="0"/>
+            </a:spcBef>
+            <a:spcAft>
+              <a:spcPct val="35000"/>
+            </a:spcAft>
+          </a:pPr>
+          <a:r>
+            <a:rPr lang="en-US" sz="1300" b="1" kern="1200" dirty="0" smtClean="0"/>
+            <a:t>0</a:t>
+          </a:r>
+          <a:endParaRPr lang="ru-RU" sz="1300" b="1" kern="1200" dirty="0"/>
+        </a:p>
+      </dsp:txBody>
+      <dsp:txXfrm>
+        <a:off x="1023858" y="922247"/>
+        <a:ext cx="250781" cy="250781"/>
+      </dsp:txXfrm>
+    </dsp:sp>
+    <dsp:sp modelId="{7791B2A8-52F3-432F-A09A-9EDE85E8DB98}">
+      <dsp:nvSpPr>
+        <dsp:cNvPr id="0" name=""/>
+        <dsp:cNvSpPr/>
+      </dsp:nvSpPr>
+      <dsp:spPr>
+        <a:xfrm rot="10834037">
+          <a:off x="1326541" y="2172991"/>
+          <a:ext cx="817915" cy="0"/>
+        </a:xfrm>
+        <a:custGeom>
+          <a:avLst/>
+          <a:gdLst/>
+          <a:ahLst/>
+          <a:cxnLst/>
+          <a:rect l="0" t="0" r="0" b="0"/>
+          <a:pathLst>
+            <a:path>
+              <a:moveTo>
+                <a:pt x="0" y="0"/>
+              </a:moveTo>
+              <a:lnTo>
+                <a:pt x="817915" y="0"/>
+              </a:lnTo>
+            </a:path>
+          </a:pathLst>
+        </a:custGeom>
+        <a:noFill/>
+        <a:ln w="25400" cap="flat" cmpd="sng" algn="ctr">
+          <a:noFill/>
+          <a:prstDash val="solid"/>
+        </a:ln>
+        <a:effectLst/>
+      </dsp:spPr>
+      <dsp:style>
+        <a:lnRef idx="2">
+          <a:scrgbClr r="0" g="0" b="0"/>
+        </a:lnRef>
+        <a:fillRef idx="0">
+          <a:scrgbClr r="0" g="0" b="0"/>
+        </a:fillRef>
+        <a:effectRef idx="0">
+          <a:scrgbClr r="0" g="0" b="0"/>
+        </a:effectRef>
+        <a:fontRef idx="minor"/>
+      </dsp:style>
+    </dsp:sp>
+    <dsp:sp modelId="{BD0E00A4-B95A-437C-BF76-EB23C61FE4BE}">
+      <dsp:nvSpPr>
+        <dsp:cNvPr id="0" name=""/>
+        <dsp:cNvSpPr/>
+      </dsp:nvSpPr>
+      <dsp:spPr>
+        <a:xfrm>
+          <a:off x="971903" y="1989858"/>
+          <a:ext cx="354657" cy="354657"/>
+        </a:xfrm>
+        <a:prstGeom prst="ellipse">
+          <a:avLst/>
+        </a:prstGeom>
+        <a:solidFill>
+          <a:schemeClr val="lt1">
+            <a:hueOff val="0"/>
+            <a:satOff val="0"/>
+            <a:lumOff val="0"/>
+            <a:alphaOff val="0"/>
+          </a:schemeClr>
+        </a:solidFill>
+        <a:ln w="12700" cap="flat" cmpd="sng" algn="ctr">
+          <a:noFill/>
+          <a:prstDash val="solid"/>
+        </a:ln>
+        <a:effectLst/>
+      </dsp:spPr>
+      <dsp:style>
+        <a:lnRef idx="2">
+          <a:scrgbClr r="0" g="0" b="0"/>
+        </a:lnRef>
+        <a:fillRef idx="1">
+          <a:scrgbClr r="0" g="0" b="0"/>
+        </a:fillRef>
+        <a:effectRef idx="0">
+          <a:scrgbClr r="0" g="0" b="0"/>
+        </a:effectRef>
+        <a:fontRef idx="minor">
+          <a:schemeClr val="lt1"/>
+        </a:fontRef>
+      </dsp:style>
+      <dsp:txBody>
+        <a:bodyPr spcFirstLastPara="0" vert="horz" wrap="square" lIns="33020" tIns="33020" rIns="33020" bIns="33020" numCol="1" spcCol="1270" anchor="ctr" anchorCtr="0">
+          <a:noAutofit/>
+        </a:bodyPr>
+        <a:lstStyle/>
+        <a:p>
+          <a:pPr lvl="0" algn="ctr" defTabSz="577850">
+            <a:lnSpc>
+              <a:spcPct val="90000"/>
+            </a:lnSpc>
+            <a:spcBef>
+              <a:spcPct val="0"/>
+            </a:spcBef>
+            <a:spcAft>
+              <a:spcPct val="35000"/>
+            </a:spcAft>
+          </a:pPr>
+          <a:r>
+            <a:rPr lang="en-US" sz="1300" b="1" kern="1200" dirty="0" smtClean="0"/>
+            <a:t>5</a:t>
+          </a:r>
+          <a:endParaRPr lang="ru-RU" sz="1300" b="1" kern="1200" dirty="0"/>
+        </a:p>
+      </dsp:txBody>
+      <dsp:txXfrm>
+        <a:off x="1023841" y="2041796"/>
+        <a:ext cx="250781" cy="250781"/>
+      </dsp:txXfrm>
+    </dsp:sp>
+    <dsp:sp modelId="{7B2776D1-F237-415E-A8BD-98ECE5B561A2}">
+      <dsp:nvSpPr>
+        <dsp:cNvPr id="0" name=""/>
+        <dsp:cNvSpPr/>
+      </dsp:nvSpPr>
+      <dsp:spPr>
+        <a:xfrm rot="8391882">
+          <a:off x="1200597" y="2673100"/>
+          <a:ext cx="1069794" cy="0"/>
+        </a:xfrm>
+        <a:custGeom>
+          <a:avLst/>
+          <a:gdLst/>
+          <a:ahLst/>
+          <a:cxnLst/>
+          <a:rect l="0" t="0" r="0" b="0"/>
+          <a:pathLst>
+            <a:path>
+              <a:moveTo>
+                <a:pt x="0" y="0"/>
+              </a:moveTo>
+              <a:lnTo>
+                <a:pt x="1069794" y="0"/>
+              </a:lnTo>
+            </a:path>
+          </a:pathLst>
+        </a:custGeom>
+        <a:noFill/>
+        <a:ln w="25400" cap="flat" cmpd="sng" algn="ctr">
+          <a:noFill/>
+          <a:prstDash val="solid"/>
+        </a:ln>
+        <a:effectLst/>
+      </dsp:spPr>
+      <dsp:style>
+        <a:lnRef idx="2">
+          <a:scrgbClr r="0" g="0" b="0"/>
+        </a:lnRef>
+        <a:fillRef idx="0">
+          <a:scrgbClr r="0" g="0" b="0"/>
+        </a:fillRef>
+        <a:effectRef idx="0">
+          <a:scrgbClr r="0" g="0" b="0"/>
+        </a:effectRef>
+        <a:fontRef idx="minor"/>
+      </dsp:style>
+    </dsp:sp>
+    <dsp:sp modelId="{F7BC56CE-CBA1-4658-99B9-7FF4E78AF3A8}">
+      <dsp:nvSpPr>
+        <dsp:cNvPr id="0" name=""/>
+        <dsp:cNvSpPr/>
+      </dsp:nvSpPr>
+      <dsp:spPr>
+        <a:xfrm>
+          <a:off x="971895" y="2990075"/>
+          <a:ext cx="354657" cy="354657"/>
+        </a:xfrm>
+        <a:prstGeom prst="ellipse">
+          <a:avLst/>
+        </a:prstGeom>
+        <a:solidFill>
+          <a:schemeClr val="lt1">
+            <a:hueOff val="0"/>
+            <a:satOff val="0"/>
+            <a:lumOff val="0"/>
+            <a:alphaOff val="0"/>
+          </a:schemeClr>
+        </a:solidFill>
+        <a:ln w="12700" cap="flat" cmpd="sng" algn="ctr">
+          <a:noFill/>
+          <a:prstDash val="solid"/>
+        </a:ln>
+        <a:effectLst/>
+      </dsp:spPr>
+      <dsp:style>
+        <a:lnRef idx="2">
+          <a:scrgbClr r="0" g="0" b="0"/>
+        </a:lnRef>
+        <a:fillRef idx="1">
+          <a:scrgbClr r="0" g="0" b="0"/>
+        </a:fillRef>
+        <a:effectRef idx="0">
+          <a:scrgbClr r="0" g="0" b="0"/>
+        </a:effectRef>
+        <a:fontRef idx="minor">
+          <a:schemeClr val="lt1"/>
+        </a:fontRef>
+      </dsp:style>
+      <dsp:txBody>
+        <a:bodyPr spcFirstLastPara="0" vert="horz" wrap="square" lIns="33020" tIns="33020" rIns="33020" bIns="33020" numCol="1" spcCol="1270" anchor="ctr" anchorCtr="0">
+          <a:noAutofit/>
+        </a:bodyPr>
+        <a:lstStyle/>
+        <a:p>
+          <a:pPr lvl="0" algn="ctr" defTabSz="577850">
+            <a:lnSpc>
+              <a:spcPct val="90000"/>
+            </a:lnSpc>
+            <a:spcBef>
+              <a:spcPct val="0"/>
+            </a:spcBef>
+            <a:spcAft>
+              <a:spcPct val="35000"/>
+            </a:spcAft>
+          </a:pPr>
+          <a:r>
+            <a:rPr lang="en-US" sz="1300" b="1" kern="1200" dirty="0" smtClean="0"/>
+            <a:t>10</a:t>
+          </a:r>
+          <a:endParaRPr lang="ru-RU" sz="1300" b="1" kern="1200" dirty="0"/>
+        </a:p>
+      </dsp:txBody>
+      <dsp:txXfrm>
+        <a:off x="1023833" y="3042013"/>
+        <a:ext cx="250781" cy="250781"/>
+      </dsp:txXfrm>
+    </dsp:sp>
+  </dsp:spTree>
+</dsp:drawing>
+</file>
+
+<file path=ppt/diagrams/layout1.xml><?xml version="1.0" encoding="utf-8"?>
+<dgm:layoutDef xmlns:dgm="http://schemas.openxmlformats.org/drawingml/2006/diagram" xmlns:a="http://schemas.openxmlformats.org/drawingml/2006/main" uniqueId="urn:microsoft.com/office/officeart/2008/layout/RadialCluster">
+  <dgm:title val=""/>
+  <dgm:desc val=""/>
+  <dgm:catLst>
+    <dgm:cat type="relationship" pri="19500"/>
+    <dgm:cat type="cycle" pri="15000"/>
+  </dgm:catLst>
+  <dgm:sampData>
+    <dgm:dataModel>
+      <dgm:ptLst>
+        <dgm:pt modelId="0" type="doc"/>
+        <dgm:pt modelId="1">
+          <dgm:prSet phldr="1"/>
+        </dgm:pt>
+        <dgm:pt modelId="11">
+          <dgm:prSet phldr="1"/>
+        </dgm:pt>
+        <dgm:pt modelId="12">
+          <dgm:prSet phldr="1"/>
+        </dgm:pt>
+        <dgm:pt modelId="13">
+          <dgm:prSet phldr="1"/>
+        </dgm:pt>
+      </dgm:ptLst>
+      <dgm:cxnLst>
+        <dgm:cxn modelId="2" srcId="0" destId="1" srcOrd="0" destOrd="0"/>
+        <dgm:cxn modelId="3" srcId="1" destId="11" srcOrd="0" destOrd="0"/>
+        <dgm:cxn modelId="4" srcId="1" destId="12" srcOrd="1" destOrd="0"/>
+        <dgm:cxn modelId="5" srcId="1" destId="13" srcOrd="2" destOrd="0"/>
+      </dgm:cxnLst>
+      <dgm:bg/>
+      <dgm:whole/>
+    </dgm:dataModel>
+  </dgm:sampData>
+  <dgm:styleData useDef="1">
+    <dgm:dataModel>
+      <dgm:ptLst/>
+      <dgm:bg/>
+      <dgm:whole/>
+    </dgm:dataModel>
+  </dgm:styleData>
+  <dgm:clrData useDef="1">
+    <dgm:dataModel>
+      <dgm:ptLst/>
+      <dgm:bg/>
+      <dgm:whole/>
+    </dgm:dataModel>
+  </dgm:clrData>
+  <dgm:layoutNode name="Name0">
+    <dgm:varLst>
+      <dgm:chMax val="1"/>
+      <dgm:chPref val="1"/>
+      <dgm:dir/>
+      <dgm:animOne val="branch"/>
+      <dgm:animLvl val="lvl"/>
+    </dgm:varLst>
+    <dgm:alg type="composite">
+      <dgm:param type="ar" val="1.00"/>
+    </dgm:alg>
+    <dgm:shape xmlns:r="http://schemas.openxmlformats.org/officeDocument/2006/relationships" r:blip="">
+      <dgm:adjLst/>
+    </dgm:shape>
+    <dgm:choose name="Name1">
+      <dgm:if name="Name2" func="var" arg="dir" op="equ" val="norm">
+        <dgm:choose name="Name3">
+          <dgm:if name="Name4" axis="ch ch" ptType="node node" cnt="1 0" func="cnt" op="equ" val="1">
+            <dgm:constrLst>
+              <dgm:constr type="l" for="ch" forName="textCenter"/>
+              <dgm:constr type="ctrY" for="ch" forName="textCenter" refType="h" fact="0.5"/>
+              <dgm:constr type="w" for="ch" forName="textCenter" refType="w" fact="0.32"/>
+              <dgm:constr type="h" for="ch" forName="textCenter" refType="w" refFor="ch" refForName="textCenter"/>
+              <dgm:constr type="r" for="ch" forName="cycle_1" refType="w"/>
+              <dgm:constr type="ctrY" for="ch" forName="cycle_1" refType="h" fact="0.5"/>
+              <dgm:constr type="w" for="ch" forName="cycle_1" refType="w" fact="0.56"/>
+              <dgm:constr type="h" for="ch" forName="cycle_1" refType="h"/>
+              <dgm:constr type="primFontSz" for="ch" forName="textCenter" val="65"/>
+              <dgm:constr type="primFontSz" for="des" forName="childCenter1" val="65"/>
+              <dgm:constr type="primFontSz" for="des" forName="text1" op="equ" val="65"/>
+              <dgm:constr type="userS" for="des" ptType="node" refType="w" refFor="ch" refForName="textCenter" fact="0.67"/>
+            </dgm:constrLst>
+          </dgm:if>
+          <dgm:if name="Name5" axis="ch ch" ptType="node node" cnt="1 0" func="cnt" op="equ" val="2">
+            <dgm:constrLst>
+              <dgm:constr type="ctrX" for="ch" forName="textCenter" refType="w" fact="0.5"/>
+              <dgm:constr type="ctrY" for="ch" forName="textCenter" refType="h" fact="0.5"/>
+              <dgm:constr type="w" for="ch" forName="textCenter" refType="w" fact="0.25"/>
+              <dgm:constr type="h" for="ch" forName="textCenter" refType="w" refFor="ch" refForName="textCenter"/>
+              <dgm:constr type="ctrX" for="ch" forName="cycle_1" refType="w" fact="0.5"/>
+              <dgm:constr type="t" for="ch" forName="cycle_1"/>
+              <dgm:constr type="w" for="ch" forName="cycle_1" refType="w"/>
+              <dgm:constr type="h" for="ch" forName="cycle_1" refType="h" fact="0.34"/>
+              <dgm:constr type="ctrX" for="ch" forName="cycle_2" refType="w" fact="0.5"/>
+              <dgm:constr type="b" for="ch" forName="cycle_2" refType="h"/>
+              <dgm:constr type="w" for="ch" forName="cycle_2" refType="w"/>
+              <dgm:constr type="h" for="ch" forName="cycle_2" refType="h" fact="0.34"/>
+              <dgm:constr type="primFontSz" for="ch" forName="textCenter" val="65"/>
+              <dgm:constr type="primFontSz" for="des" forName="childCenter1" val="65"/>
+              <dgm:constr type="primFontSz" for="des" forName="text1" op="equ" val="65"/>
+              <dgm:constr type="primFontSz" for="des" forName="childCenter2" refType="primFontSz" refFor="des" refForName="childCenter1" op="equ"/>
+              <dgm:constr type="primFontSz" for="des" forName="text2" refType="primFontSz" refFor="des" refForName="text1" op="equ"/>
+              <dgm:constr type="userS" for="des" ptType="node" refType="w" refFor="ch" refForName="textCenter" fact="0.67"/>
+            </dgm:constrLst>
+          </dgm:if>
+          <dgm:if name="Name6" axis="ch ch" ptType="node node" cnt="1 0" func="cnt" op="equ" val="3">
+            <dgm:choose name="Name7">
+              <dgm:if name="Name8" axis="ch ch ch" ptType="node node node" st="1 2 0" cnt="1 1 0" func="cnt" op="equ" val="1">
+                <dgm:choose name="Name9">
+                  <dgm:if name="Name10" axis="ch ch ch" ptType="node node node" st="1 3 0" cnt="1 1 0" func="cnt" op="equ" val="1">
+                    <dgm:constrLst>
+                      <dgm:constr type="ctrX" for="ch" forName="textCenter" refType="w" fact="0.5"/>
+                      <dgm:constr type="t" for="ch" forName="textCenter" refType="h" fact="0.436"/>
+                      <dgm:constr type="w" for="ch" forName="textCenter" refType="w" fact="0.21"/>
+                      <dgm:constr type="h" for="ch" forName="textCenter" refType="w" refFor="ch" refForName="textCenter"/>
+                      <dgm:constr type="ctrX" for="ch" forName="cycle_1" refType="w" fact="0.5"/>
+                      <dgm:constr type="t" for="ch" forName="cycle_1"/>
+                      <dgm:constr type="w" for="ch" forName="cycle_1" refType="w" fact="0.61"/>
+                      <dgm:constr type="h" for="ch" forName="cycle_1" refType="h" fact="0.36"/>
+                      <dgm:constr type="diam" for="ch" forName="cycle_1" refType="w" fact="0.5"/>
+                      <dgm:constr type="r" for="ch" forName="cycle_2" refType="w"/>
+                      <dgm:constr type="b" for="ch" forName="cycle_2" refType="h" fact="0.85"/>
+                      <dgm:constr type="w" for="ch" forName="cycle_2" refType="w" fact="0.46"/>
+                      <dgm:constr type="h" for="ch" forName="cycle_2" refType="h" fact="0.54"/>
+                      <dgm:constr type="diam" for="ch" forName="cycle_2" refType="w" fact="0.5"/>
+                      <dgm:constr type="l" for="ch" forName="cycle_3"/>
+                      <dgm:constr type="b" for="ch" forName="cycle_3" refType="h" fact="0.85"/>
+                      <dgm:constr type="w" for="ch" forName="cycle_3" refType="w" fact="0.46"/>
+                      <dgm:constr type="h" for="ch" forName="cycle_3" refType="h" fact="0.54"/>
+                      <dgm:constr type="diam" for="ch" forName="cycle_3" refType="w" fact="0.5"/>
+                      <dgm:constr type="primFontSz" for="ch" forName="textCenter" val="65"/>
+                      <dgm:constr type="primFontSz" for="des" forName="childCenter1" val="65"/>
+                      <dgm:constr type="primFontSz" for="des" forName="text1" op="equ" val="65"/>
+                      <dgm:constr type="primFontSz" for="des" forName="childCenter2" refType="primFontSz" refFor="des" refForName="childCenter1" op="equ"/>
+                      <dgm:constr type="primFontSz" for="des" forName="text2" refType="primFontSz" refFor="des" refForName="text1" op="equ"/>
+                      <dgm:constr type="primFontSz" for="des" forName="childCenter3" refType="primFontSz" refFor="des" refForName="childCenter1" op="equ"/>
+                      <dgm:constr type="primFontSz" for="des" forName="text3" refType="primFontSz" refFor="des" refForName="text1" op="equ"/>
+                      <dgm:constr type="userS" for="des" ptType="node" refType="w" refFor="ch" refForName="textCenter" fact="0.67"/>
+                    </dgm:constrLst>
+                  </dgm:if>
+                  <dgm:else name="Name11">
+                    <dgm:constrLst>
+                      <dgm:constr type="ctrX" for="ch" forName="textCenter" refType="w" fact="0.5"/>
+                      <dgm:constr type="t" for="ch" forName="textCenter" refType="h" fact="0.436"/>
+                      <dgm:constr type="w" for="ch" forName="textCenter" refType="w" fact="0.21"/>
+                      <dgm:constr type="h" for="ch" forName="textCenter" refType="w" refFor="ch" refForName="textCenter"/>
+                      <dgm:constr type="ctrX" for="ch" forName="cycle_1" refType="w" fact="0.5"/>
+                      <dgm:constr type="t" for="ch" forName="cycle_1"/>
+                      <dgm:constr type="w" for="ch" forName="cycle_1" refType="w" fact="0.61"/>
+                      <dgm:constr type="h" for="ch" forName="cycle_1" refType="h" fact="0.36"/>
+                      <dgm:constr type="diam" for="ch" forName="cycle_1" refType="w" fact="0.5"/>
+                      <dgm:constr type="r" for="ch" forName="cycle_2" refType="w"/>
+                      <dgm:constr type="b" for="ch" forName="cycle_2" refType="h" fact="0.85"/>
+                      <dgm:constr type="w" for="ch" forName="cycle_2" refType="w" fact="0.46"/>
+                      <dgm:constr type="h" for="ch" forName="cycle_2" refType="h" fact="0.54"/>
+                      <dgm:constr type="diam" for="ch" forName="cycle_2" refType="w" fact="0.5"/>
+                      <dgm:constr type="l" for="ch" forName="cycle_3"/>
+                      <dgm:constr type="b" for="ch" forName="cycle_3" refType="h"/>
+                      <dgm:constr type="w" for="ch" forName="cycle_3" refType="w" fact="0.46"/>
+                      <dgm:constr type="h" for="ch" forName="cycle_3" refType="h" fact="0.54"/>
+                      <dgm:constr type="diam" for="ch" forName="cycle_3" refType="w" fact="0.5"/>
+                      <dgm:constr type="primFontSz" for="ch" forName="textCenter" val="65"/>
+                      <dgm:constr type="primFontSz" for="des" forName="childCenter1" val="65"/>
+                      <dgm:constr type="primFontSz" for="des" forName="text1" op="equ" val="65"/>
+                      <dgm:constr type="primFontSz" for="des" forName="childCenter2" refType="primFontSz" refFor="des" refForName="childCenter1" op="equ"/>
+                      <dgm:constr type="primFontSz" for="des" forName="text2" refType="primFontSz" refFor="des" refForName="text1" op="equ"/>
+                      <dgm:constr type="primFontSz" for="des" forName="childCenter3" refType="primFontSz" refFor="des" refForName="childCenter1" op="equ"/>
+                      <dgm:constr type="primFontSz" for="des" forName="text3" refType="primFontSz" refFor="des" refForName="text1" op="equ"/>
+                      <dgm:constr type="userS" for="des" ptType="node" refType="w" refFor="ch" refForName="textCenter" fact="0.67"/>
+                    </dgm:constrLst>
+                  </dgm:else>
+                </dgm:choose>
+              </dgm:if>
+              <dgm:else name="Name12">
+                <dgm:choose name="Name13">
+                  <dgm:if name="Name14" axis="ch ch ch" ptType="node node node" st="1 3 0" cnt="1 1 0" func="cnt" op="equ" val="1">
+                    <dgm:constrLst>
+                      <dgm:constr type="ctrX" for="ch" forName="textCenter" refType="w" fact="0.5"/>
+                      <dgm:constr type="t" for="ch" forName="textCenter" refType="h" fact="0.436"/>
+                      <dgm:constr type="w" for="ch" forName="textCenter" refType="w" fact="0.21"/>
+                      <dgm:constr type="h" for="ch" forName="textCenter" refType="w" refFor="ch" refForName="textCenter"/>
+                      <dgm:constr type="ctrX" for="ch" forName="cycle_1" refType="w" fact="0.5"/>
+                      <dgm:constr type="t" for="ch" forName="cycle_1"/>
+                      <dgm:constr type="w" for="ch" forName="cycle_1" refType="w" fact="0.61"/>
+                      <dgm:constr type="h" for="ch" forName="cycle_1" refType="h" fact="0.36"/>
+                      <dgm:constr type="diam" for="ch" forName="cycle_1" refType="w" fact="0.5"/>
+                      <dgm:constr type="r" for="ch" forName="cycle_2" refType="w"/>
+                      <dgm:constr type="b" for="ch" forName="cycle_2" refType="h"/>
+                      <dgm:constr type="w" for="ch" forName="cycle_2" refType="w" fact="0.46"/>
+                      <dgm:constr type="h" for="ch" forName="cycle_2" refType="h" fact="0.54"/>
+                      <dgm:constr type="diam" for="ch" forName="cycle_2" refType="w" fact="0.5"/>
+                      <dgm:constr type="l" for="ch" forName="cycle_3"/>
+                      <dgm:constr type="b" for="ch" forName="cycle_3" refType="h" fact="0.85"/>
+                      <dgm:constr type="w" for="ch" forName="cycle_3" refType="w" fact="0.46"/>
+                      <dgm:constr type="h" for="ch" forName="cycle_3" refType="h" fact="0.54"/>
+                      <dgm:constr type="diam" for="ch" forName="cycle_3" refType="w" fact="0.5"/>
+                      <dgm:constr type="primFontSz" for="ch" forName="textCenter" val="65"/>
+                      <dgm:constr type="primFontSz" for="des" forName="childCenter1" val="65"/>
+                      <dgm:constr type="primFontSz" for="des" forName="text1" op="equ" val="65"/>
+                      <dgm:constr type="primFontSz" for="des" forName="childCenter2" refType="primFontSz" refFor="des" refForName="childCenter1" op="equ"/>
+                      <dgm:constr type="primFontSz" for="des" forName="text2" refType="primFontSz" refFor="des" refForName="text1" op="equ"/>
+                      <dgm:constr type="primFontSz" for="des" forName="childCenter3" refType="primFontSz" refFor="des" refForName="childCenter1" op="equ"/>
+                      <dgm:constr type="primFontSz" for="des" forName="text3" refType="primFontSz" refFor="des" refForName="text1" op="equ"/>
+                      <dgm:constr type="userS" for="des" ptType="node" refType="w" refFor="ch" refForName="textCenter" fact="0.67"/>
+                    </dgm:constrLst>
+                  </dgm:if>
+                  <dgm:else name="Name15">
+                    <dgm:constrLst>
+                      <dgm:constr type="ctrX" for="ch" forName="textCenter" refType="w" fact="0.5"/>
+                      <dgm:constr type="t" for="ch" forName="textCenter" refType="h" fact="0.436"/>
+                      <dgm:constr type="w" for="ch" forName="textCenter" refType="w" fact="0.21"/>
+                      <dgm:constr type="h" for="ch" forName="textCenter" refType="w" refFor="ch" refForName="textCenter"/>
+                      <dgm:constr type="ctrX" for="ch" forName="cycle_1" refType="w" fact="0.5"/>
+                      <dgm:constr type="t" for="ch" forName="cycle_1"/>
+                      <dgm:constr type="w" for="ch" forName="cycle_1" refType="w" fact="0.61"/>
+                      <dgm:constr type="h" for="ch" forName="cycle_1" refType="h" fact="0.36"/>
+                      <dgm:constr type="diam" for="ch" forName="cycle_1" refType="w" fact="0.5"/>
+                      <dgm:constr type="r" for="ch" forName="cycle_2" refType="w"/>
+                      <dgm:constr type="b" for="ch" forName="cycle_2" refType="h"/>
+                      <dgm:constr type="w" for="ch" forName="cycle_2" refType="w" fact="0.46"/>
+                      <dgm:constr type="h" for="ch" forName="cycle_2" refType="h" fact="0.54"/>
+                      <dgm:constr type="diam" for="ch" forName="cycle_2" refType="w" fact="0.5"/>
+                      <dgm:constr type="l" for="ch" forName="cycle_3"/>
+                      <dgm:constr type="b" for="ch" forName="cycle_3" refType="h"/>
+                      <dgm:constr type="w" for="ch" forName="cycle_3" refType="w" fact="0.46"/>
+                      <dgm:constr type="h" for="ch" forName="cycle_3" refType="h" fact="0.54"/>
+                      <dgm:constr type="diam" for="ch" forName="cycle_3" refType="w" fact="0.5"/>
+                      <dgm:constr type="primFontSz" for="ch" forName="textCenter" val="65"/>
+                      <dgm:constr type="primFontSz" for="des" forName="childCenter1" val="65"/>
+                      <dgm:constr type="primFontSz" for="des" forName="text1" op="equ" val="65"/>
+                      <dgm:constr type="primFontSz" for="des" forName="childCenter2" refType="primFontSz" refFor="des" refForName="childCenter1" op="equ"/>
+                      <dgm:constr type="primFontSz" for="des" forName="text2" refType="primFontSz" refFor="des" refForName="text1" op="equ"/>
+                      <dgm:constr type="primFontSz" for="des" forName="childCenter3" refType="primFontSz" refFor="des" refForName="childCenter1" op="equ"/>
+                      <dgm:constr type="primFontSz" for="des" forName="text3" refType="primFontSz" refFor="des" refForName="text1" op="equ"/>
+                      <dgm:constr type="userS" for="des" ptType="node" refType="w" refFor="ch" refForName="textCenter" fact="0.67"/>
+                    </dgm:constrLst>
+                  </dgm:else>
+                </dgm:choose>
+              </dgm:else>
+            </dgm:choose>
+          </dgm:if>
+          <dgm:if name="Name16" axis="ch ch" ptType="node node" cnt="1 0" func="cnt" op="equ" val="4">
+            <dgm:constrLst>
+              <dgm:constr type="ctrX" for="ch" forName="textCenter" refType="w" fact="0.5"/>
+              <dgm:constr type="ctrY" for="ch" forName="textCenter" refType="h" fact="0.5"/>
+              <dgm:constr type="w" for="ch" forName="textCenter" refType="w" fact="0.2"/>
+              <dgm:constr type="h" for="ch" forName="textCenter" refType="w" refFor="ch" refForName="textCenter"/>
+              <dgm:constr type="ctrX" for="ch" forName="cycle_1" refType="w" fact="0.5"/>
+              <dgm:constr type="t" for="ch" forName="cycle_1"/>
+              <dgm:constr type="w" for="ch" forName="cycle_1" refType="w" fact="0.5"/>
+              <dgm:constr type="h" for="ch" forName="cycle_1" refType="h" fact="0.33"/>
+              <dgm:constr type="r" for="ch" forName="cycle_2" refType="w"/>
+              <dgm:constr type="ctrY" for="ch" forName="cycle_2" refType="h" fact="0.5"/>
+              <dgm:constr type="w" for="ch" forName="cycle_2" refType="w" fact="0.33"/>
+              <dgm:constr type="h" for="ch" forName="cycle_2" refType="h" fact="0.5"/>
+              <dgm:constr type="ctrX" for="ch" forName="cycle_3" refType="w" fact="0.5"/>
+              <dgm:constr type="b" for="ch" forName="cycle_3" refType="h"/>
+              <dgm:constr type="w" for="ch" forName="cycle_3" refType="w" fact="0.5"/>
+              <dgm:constr type="h" for="ch" forName="cycle_3" refType="h" fact="0.33"/>
+              <dgm:constr type="l" for="ch" forName="cycle_4"/>
+              <dgm:constr type="ctrY" for="ch" forName="cycle_4" refType="h" fact="0.5"/>
+              <dgm:constr type="w" for="ch" forName="cycle_4" refType="w" fact="0.33"/>
+              <dgm:constr type="h" for="ch" forName="cycle_4" refType="h" fact="0.5"/>
+              <dgm:constr type="primFontSz" for="ch" forName="textCenter" val="65"/>
+              <dgm:constr type="primFontSz" for="des" forName="childCenter1" val="65"/>
+              <dgm:constr type="primFontSz" for="des" forName="text1" op="equ" val="65"/>
+              <dgm:constr type="primFontSz" for="des" forName="childCenter2" refType="primFontSz" refFor="des" refForName="childCenter1" op="equ"/>
+              <dgm:constr type="primFontSz" for="des" forName="text2" refType="primFontSz" refFor="des" refForName="text1" op="equ"/>
+              <dgm:constr type="primFontSz" for="des" forName="childCenter3" refType="primFontSz" refFor="des" refForName="childCenter1" op="equ"/>
+              <dgm:constr type="primFontSz" for="des" forName="text3" refType="primFontSz" refFor="des" refForName="text1" op="equ"/>
+              <dgm:constr type="primFontSz" for="des" forName="childCenter4" refType="primFontSz" refFor="des" refForName="childCenter1" op="equ"/>
+              <dgm:constr type="primFontSz" for="des" forName="text4" refType="primFontSz" refFor="des" refForName="text1" op="equ"/>
+              <dgm:constr type="userS" for="des" ptType="node" refType="w" refFor="ch" refForName="textCenter" fact="0.67"/>
+            </dgm:constrLst>
+          </dgm:if>
+          <dgm:if name="Name17" axis="ch ch" ptType="node node" cnt="1 0" func="cnt" op="equ" val="5">
+            <dgm:constrLst>
+              <dgm:constr type="ctrX" for="ch" forName="textCenter" refType="w" fact="0.5"/>
+              <dgm:constr type="t" for="ch" forName="textCenter" refType="h" fact="0.42"/>
+              <dgm:constr type="w" for="ch" forName="textCenter" refType="w" fact="0.2"/>
+              <dgm:constr type="h" for="ch" forName="textCenter" refType="w" refFor="ch" refForName="textCenter"/>
+              <dgm:constr type="ctrX" for="ch" forName="cycle_1" refType="w" fact="0.5"/>
+              <dgm:constr type="t" for="ch" forName="cycle_1"/>
+              <dgm:constr type="w" for="ch" forName="cycle_1" refType="w" fact="0.33"/>
+              <dgm:constr type="h" for="ch" forName="cycle_1" refType="w" refFor="ch" refForName="cycle_1"/>
+              <dgm:constr type="r" for="ch" forName="cycle_2" refType="w"/>
+              <dgm:constr type="t" for="ch" forName="cycle_2" refType="h" fact="0.24"/>
+              <dgm:constr type="w" for="ch" forName="cycle_2" refType="w" fact="0.33"/>
+              <dgm:constr type="h" for="ch" forName="cycle_2" refType="w" refFor="ch" refForName="cycle_2"/>
+              <dgm:constr type="r" for="ch" forName="cycle_3" refType="w" fact="0.89"/>
+              <dgm:constr type="b" for="ch" forName="cycle_3" refType="h"/>
+              <dgm:constr type="w" for="ch" forName="cycle_3" refType="w" fact="0.33"/>
+              <dgm:constr type="h" for="ch" forName="cycle_3" refType="w" refFor="ch" refForName="cycle_3"/>
+              <dgm:constr type="l" for="ch" forName="cycle_4" refType="w" fact="0.11"/>
+              <dgm:constr type="b" for="ch" forName="cycle_4" refType="h"/>
+              <dgm:constr type="w" for="ch" forName="cycle_4" refType="w" fact="0.33"/>
+              <dgm:constr type="h" for="ch" forName="cycle_4" refType="w" refFor="ch" refForName="cycle_4"/>
+              <dgm:constr type="l" for="ch" forName="cycle_5"/>
+              <dgm:constr type="t" for="ch" forName="cycle_5" refType="h" fact="0.24"/>
+              <dgm:constr type="w" for="ch" forName="cycle_5" refType="w" fact="0.33"/>
+              <dgm:constr type="h" for="ch" forName="cycle_5" refType="w" refFor="ch" refForName="cycle_5"/>
+              <dgm:constr type="primFontSz" for="ch" forName="textCenter" val="65"/>
+              <dgm:constr type="primFontSz" for="des" forName="childCenter1" val="65"/>
+              <dgm:constr type="primFontSz" for="des" forName="text1" op="equ" val="65"/>
+              <dgm:constr type="primFontSz" for="des" forName="childCenter2" refType="primFontSz" refFor="des" refForName="childCenter1" op="equ"/>
+              <dgm:constr type="primFontSz" for="des" forName="text2" refType="primFontSz" refFor="des" refForName="text1" op="equ"/>
+              <dgm:constr type="primFontSz" for="des" forName="childCenter3" refType="primFontSz" refFor="des" refForName="childCenter1" op="equ"/>
+              <dgm:constr type="primFontSz" for="des" forName="text3" refType="primFontSz" refFor="des" refForName="text1" op="equ"/>
+              <dgm:constr type="primFontSz" for="des" forName="childCenter4" refType="primFontSz" refFor="des" refForName="childCenter1" op="equ"/>
+              <dgm:constr type="primFontSz" for="des" forName="text4" refType="primFontSz" refFor="des" refForName="text1" op="equ"/>
+              <dgm:constr type="primFontSz" for="des" forName="childCenter5" refType="primFontSz" refFor="des" refForName="childCenter1" op="equ"/>
+              <dgm:constr type="primFontSz" for="des" forName="text5" refType="primFontSz" refFor="des" refForName="text1" op="equ"/>
+              <dgm:constr type="userS" for="des" ptType="node" refType="w" refFor="ch" refForName="textCenter" fact="0.67"/>
+            </dgm:constrLst>
+          </dgm:if>
+          <dgm:if name="Name18" axis="ch ch" ptType="node node" cnt="1 0" func="cnt" op="equ" val="6">
+            <dgm:constrLst>
+              <dgm:constr type="ctrX" for="ch" forName="textCenter" refType="w" fact="0.5"/>
+              <dgm:constr type="ctrY" for="ch" forName="textCenter" refType="h" fact="0.5"/>
+              <dgm:constr type="w" for="ch" forName="textCenter" refType="w" fact="0.2"/>
+              <dgm:constr type="h" for="ch" forName="textCenter" refType="w" refFor="ch" refForName="textCenter"/>
+              <dgm:constr type="ctrX" for="ch" forName="cycle_1" refType="w" fact="0.5"/>
+              <dgm:constr type="t" for="ch" forName="cycle_1"/>
+              <dgm:constr type="w" for="ch" forName="cycle_1" refType="w" fact="0.33"/>
+              <dgm:constr type="h" for="ch" forName="cycle_1" refType="w" refFor="ch" refForName="cycle_1"/>
+              <dgm:constr type="r" for="ch" forName="cycle_2" refType="w"/>
+              <dgm:constr type="t" for="ch" forName="cycle_2" refType="h" fact="0.17"/>
+              <dgm:constr type="w" for="ch" forName="cycle_2" refType="w" fact="0.33"/>
+              <dgm:constr type="h" for="ch" forName="cycle_2" refType="w" refFor="ch" refForName="cycle_2"/>
+              <dgm:constr type="r" for="ch" forName="cycle_3" refType="w"/>
+              <dgm:constr type="b" for="ch" forName="cycle_3" refType="h" fact="0.83"/>
+              <dgm:constr type="w" for="ch" forName="cycle_3" refType="w" fact="0.33"/>
+              <dgm:constr type="h" for="ch" forName="cycle_3" refType="w" refFor="ch" refForName="cycle_3"/>
+              <dgm:constr type="ctrX" for="ch" forName="cycle_4" refType="w" fact="0.5"/>
+              <dgm:constr type="b" for="ch" forName="cycle_4" refType="h"/>
+              <dgm:constr type="w" for="ch" forName="cycle_4" refType="w" fact="0.33"/>
+              <dgm:constr type="h" for="ch" forName="cycle_4" refType="w" refFor="ch" refForName="cycle_4"/>
+              <dgm:constr type="l" for="ch" forName="cycle_5"/>
+              <dgm:constr type="b" for="ch" forName="cycle_5" refType="h" fact="0.83"/>
+              <dgm:constr type="w" for="ch" forName="cycle_5" refType="w" fact="0.33"/>
+              <dgm:constr type="h" for="ch" forName="cycle_5" refType="w" refFor="ch" refForName="cycle_5"/>
+              <dgm:constr type="l" for="ch" forName="cycle_6"/>
+              <dgm:constr type="t" for="ch" forName="cycle_6" refType="h" fact="0.17"/>
+              <dgm:constr type="w" for="ch" forName="cycle_6" refType="w" fact="0.33"/>
+              <dgm:constr type="h" for="ch" forName="cycle_6" refType="w" refFor="ch" refForName="cycle_6"/>
+              <dgm:constr type="primFontSz" for="ch" forName="textCenter" val="65"/>
+              <dgm:constr type="primFontSz" for="des" forName="childCenter1" val="65"/>
+              <dgm:constr type="primFontSz" for="des" forName="text1" op="equ" val="65"/>
+              <dgm:constr type="primFontSz" for="des" forName="childCenter2" refType="primFontSz" refFor="des" refForName="childCenter1" op="equ"/>
+              <dgm:constr type="primFontSz" for="des" forName="text2" refType="primFontSz" refFor="des" refForName="text1" op="equ"/>
+              <dgm:constr type="primFontSz" for="des" forName="childCenter3" refType="primFontSz" refFor="des" refForName="childCenter1" op="equ"/>
+              <dgm:constr type="primFontSz" for="des" forName="text3" refType="primFontSz" refFor="des" refForName="text1" op="equ"/>
+              <dgm:constr type="primFontSz" for="des" forName="childCenter4" refType="primFontSz" refFor="des" refForName="childCenter1" op="equ"/>
+              <dgm:constr type="primFontSz" for="des" forName="text4" refType="primFontSz" refFor="des" refForName="text1" op="equ"/>
+              <dgm:constr type="primFontSz" for="des" forName="childCenter5" refType="primFontSz" refFor="des" refForName="childCenter1" op="equ"/>
+              <dgm:constr type="primFontSz" for="des" forName="text5" refType="primFontSz" refFor="des" refForName="text1" op="equ"/>
+              <dgm:constr type="primFontSz" for="des" forName="childCenter6" refType="primFontSz" refFor="des" refForName="childCenter1" op="equ"/>
+              <dgm:constr type="primFontSz" for="des" forName="text6" refType="primFontSz" refFor="des" refForName="text1" op="equ"/>
+              <dgm:constr type="userS" for="des" ptType="node" refType="w" refFor="ch" refForName="textCenter" fact="0.67"/>
+            </dgm:constrLst>
+          </dgm:if>
+          <dgm:else name="Name19">
+            <dgm:constrLst>
+              <dgm:constr type="ctrX" for="ch" forName="textCenter" refType="w" fact="0.5"/>
+              <dgm:constr type="t" for="ch" forName="textCenter" refType="h" fact="0.444"/>
+              <dgm:constr type="w" for="ch" forName="textCenter" refType="w" fact="0.167"/>
+              <dgm:constr type="h" for="ch" forName="textCenter" refType="w" refFor="ch" refForName="textCenter"/>
+              <dgm:constr type="ctrX" for="ch" forName="cycle_1" refType="w" fact="0.5"/>
+              <dgm:constr type="t" for="ch" forName="cycle_1"/>
+              <dgm:constr type="w" for="ch" forName="cycle_1" refType="w" fact="0.263"/>
+              <dgm:constr type="h" for="ch" forName="cycle_1" refType="w" refFor="ch" refForName="cycle_1"/>
+              <dgm:constr type="r" for="ch" forName="cycle_2" refType="w" fact="0.938"/>
+              <dgm:constr type="t" for="ch" forName="cycle_2" refType="h" fact="0.141"/>
+              <dgm:constr type="w" for="ch" forName="cycle_2" refType="w" fact="0.263"/>
+              <dgm:constr type="h" for="ch" forName="cycle_2" refType="w" refFor="ch" refForName="cycle_2"/>
+              <dgm:constr type="r" for="ch" forName="cycle_3" refType="w"/>
+              <dgm:constr type="b" for="ch" forName="cycle_3" refType="h" fact="0.74"/>
+              <dgm:constr type="w" for="ch" forName="cycle_3" refType="w" fact="0.263"/>
+              <dgm:constr type="h" for="ch" forName="cycle_3" refType="w" refFor="ch" refForName="cycle_3"/>
+              <dgm:constr type="r" for="ch" forName="cycle_4" refType="w" fact="0.8"/>
+              <dgm:constr type="b" for="ch" forName="cycle_4" refType="h"/>
+              <dgm:constr type="w" for="ch" forName="cycle_4" refType="w" fact="0.263"/>
+              <dgm:constr type="h" for="ch" forName="cycle_4" refType="w" refFor="ch" refForName="cycle_4"/>
+              <dgm:constr type="l" for="ch" forName="cycle_5" refType="w" fact="0.2"/>
+              <dgm:constr type="b" for="ch" forName="cycle_5" refType="h"/>
+              <dgm:constr type="w" for="ch" forName="cycle_5" refType="w" fact="0.263"/>
+              <dgm:constr type="h" for="ch" forName="cycle_5" refType="w" refFor="ch" refForName="cycle_5"/>
+              <dgm:constr type="l" for="ch" forName="cycle_6"/>
+              <dgm:constr type="b" for="ch" forName="cycle_6" refType="h" fact="0.74"/>
+              <dgm:constr type="w" for="ch" forName="cycle_6" refType="w" fact="0.263"/>
+              <dgm:constr type="h" for="ch" forName="cycle_6" refType="w" refFor="ch" refForName="cycle_6"/>
+              <dgm:constr type="l" for="ch" forName="cycle_7" refType="w" fact="0.062"/>
+              <dgm:constr type="t" for="ch" forName="cycle_7" refType="h" fact="0.141"/>
+              <dgm:constr type="w" for="ch" forName="cycle_7" refType="w" fact="0.263"/>
+              <dgm:constr type="h" for="ch" forName="cycle_7" refType="w" refFor="ch" refForName="cycle_7"/>
+              <dgm:constr type="primFontSz" for="ch" forName="textCenter" val="65"/>
+              <dgm:constr type="primFontSz" for="des" forName="childCenter1" val="65"/>
+              <dgm:constr type="primFontSz" for="des" forName="text1" op="equ" val="65"/>
+              <dgm:constr type="primFontSz" for="des" forName="childCenter2" refType="primFontSz" refFor="des" refForName="childCenter1" op="equ"/>
+              <dgm:constr type="primFontSz" for="des" forName="text2" refType="primFontSz" refFor="des" refForName="text1" op="equ"/>
+              <dgm:constr type="primFontSz" for="des" forName="childCenter3" refType="primFontSz" refFor="des" refForName="childCenter1" op="equ"/>
+              <dgm:constr type="primFontSz" for="des" forName="text3" refType="primFontSz" refFor="des" refForName="text1" op="equ"/>
+              <dgm:constr type="primFontSz" for="des" forName="childCenter4" refType="primFontSz" refFor="des" refForName="childCenter1" op="equ"/>
+              <dgm:constr type="primFontSz" for="des" forName="text4" refType="primFontSz" refFor="des" refForName="text1" op="equ"/>
+              <dgm:constr type="primFontSz" for="des" forName="childCenter5" refType="primFontSz" refFor="des" refForName="childCenter1" op="equ"/>
+              <dgm:constr type="primFontSz" for="des" forName="text5" refType="primFontSz" refFor="des" refForName="text1" op="equ"/>
+              <dgm:constr type="primFontSz" for="des" forName="childCenter6" refType="primFontSz" refFor="des" refForName="childCenter1" op="equ"/>
+              <dgm:constr type="primFontSz" for="des" forName="text6" refType="primFontSz" refFor="des" refForName="text1" op="equ"/>
+              <dgm:constr type="primFontSz" for="des" forName="childCenter7" refType="primFontSz" refFor="des" refForName="childCenter1" op="equ"/>
+              <dgm:constr type="primFontSz" for="des" forName="text7" refType="primFontSz" refFor="des" refForName="text1" op="equ"/>
+              <dgm:constr type="userS" for="des" ptType="node" refType="w" refFor="ch" refForName="textCenter" fact="0.67"/>
+            </dgm:constrLst>
+          </dgm:else>
+        </dgm:choose>
+      </dgm:if>
+      <dgm:else name="Name20">
+        <dgm:choose name="Name21">
+          <dgm:if name="Name22" axis="ch ch" ptType="node node" func="cnt" op="equ" val="1">
+            <dgm:constrLst>
+              <dgm:constr type="r" for="ch" forName="textCenter" refType="w"/>
+              <dgm:constr type="ctrY" for="ch" forName="textCenter" refType="h" fact="0.5"/>
+              <dgm:constr type="w" for="ch" forName="textCenter" refType="w" fact="0.32"/>
+              <dgm:constr type="h" for="ch" forName="textCenter" refType="w" refFor="ch" refForName="textCenter"/>
+              <dgm:constr type="l" for="ch" forName="cycle_1"/>
+              <dgm:constr type="ctrY" for="ch" forName="cycle_1" refType="h" fact="0.5"/>
+              <dgm:constr type="w" for="ch" forName="cycle_1" refType="w" fact="0.56"/>
+              <dgm:constr type="h" for="ch" forName="cycle_1" refType="h"/>
+              <dgm:constr type="primFontSz" for="ch" forName="textCenter" val="65"/>
+              <dgm:constr type="primFontSz" for="des" forName="childCenter1" val="65"/>
+              <dgm:constr type="primFontSz" for="des" forName="text1" op="equ" val="65"/>
+              <dgm:constr type="userS" for="des" ptType="node" refType="w" refFor="ch" refForName="textCenter" fact="0.67"/>
+            </dgm:constrLst>
+          </dgm:if>
+          <dgm:if name="Name23" axis="ch ch" ptType="node node" func="cnt" op="equ" val="2">
+            <dgm:constrLst>
+              <dgm:constr type="ctrX" for="ch" forName="textCenter" refType="w" fact="0.5"/>
+              <dgm:constr type="ctrY" for="ch" forName="textCenter" refType="h" fact="0.5"/>
+              <dgm:constr type="w" for="ch" forName="textCenter" refType="w" fact="0.25"/>
+              <dgm:constr type="h" for="ch" forName="textCenter" refType="w" refFor="ch" refForName="textCenter"/>
+              <dgm:constr type="ctrX" for="ch" forName="cycle_1" refType="w" fact="0.5"/>
+              <dgm:constr type="t" for="ch" forName="cycle_1"/>
+              <dgm:constr type="w" for="ch" forName="cycle_1" refType="w"/>
+              <dgm:constr type="h" for="ch" forName="cycle_1" refType="h" fact="0.34"/>
+              <dgm:constr type="ctrX" for="ch" forName="cycle_2" refType="w" fact="0.5"/>
+              <dgm:constr type="b" for="ch" forName="cycle_2" refType="h"/>
+              <dgm:constr type="w" for="ch" forName="cycle_2" refType="w"/>
+              <dgm:constr type="h" for="ch" forName="cycle_2" refType="h" fact="0.34"/>
+              <dgm:constr type="primFontSz" for="ch" forName="textCenter" val="65"/>
+              <dgm:constr type="primFontSz" for="des" forName="childCenter1" val="65"/>
+              <dgm:constr type="primFontSz" for="des" forName="text1" op="equ" val="65"/>
+              <dgm:constr type="primFontSz" for="des" forName="childCenter2" refType="primFontSz" refFor="des" refForName="childCenter1" op="equ"/>
+              <dgm:constr type="primFontSz" for="des" forName="text2" refType="primFontSz" refFor="des" refForName="text1" op="equ"/>
+              <dgm:constr type="userS" for="des" ptType="node" refType="w" refFor="ch" refForName="textCenter" fact="0.67"/>
+            </dgm:constrLst>
+          </dgm:if>
+          <dgm:if name="Name24" axis="ch ch" ptType="node node" func="cnt" op="equ" val="3">
+            <dgm:choose name="Name25">
+              <dgm:if name="Name26" axis="ch ch ch" ptType="node node node" st="1 2 0" cnt="1 1 0" func="cnt" op="equ" val="1">
+                <dgm:choose name="Name27">
+                  <dgm:if name="Name28" axis="ch ch ch" ptType="node node node" st="1 3 0" cnt="1 1 0" func="cnt" op="equ" val="1">
+                    <dgm:constrLst>
+                      <dgm:constr type="ctrX" for="ch" forName="textCenter" refType="w" fact="0.5"/>
+                      <dgm:constr type="t" for="ch" forName="textCenter" refType="h" fact="0.436"/>
+                      <dgm:constr type="w" for="ch" forName="textCenter" refType="w" fact="0.21"/>
+                      <dgm:constr type="h" for="ch" forName="textCenter" refType="w" refFor="ch" refForName="textCenter"/>
+                      <dgm:constr type="ctrX" for="ch" forName="cycle_1" refType="w" fact="0.5"/>
+                      <dgm:constr type="t" for="ch" forName="cycle_1"/>
+                      <dgm:constr type="w" for="ch" forName="cycle_1" refType="w" fact="0.61"/>
+                      <dgm:constr type="h" for="ch" forName="cycle_1" refType="h" fact="0.36"/>
+                      <dgm:constr type="diam" for="ch" forName="cycle_1" refType="w" fact="0.5"/>
+                      <dgm:constr type="l" for="ch" forName="cycle_2"/>
+                      <dgm:constr type="b" for="ch" forName="cycle_2" refType="h" fact="0.85"/>
+                      <dgm:constr type="w" for="ch" forName="cycle_2" refType="w" fact="0.46"/>
+                      <dgm:constr type="h" for="ch" forName="cycle_2" refType="h" fact="0.54"/>
+                      <dgm:constr type="diam" for="ch" forName="cycle_2" refType="w" fact="0.5"/>
+                      <dgm:constr type="r" for="ch" forName="cycle_3" refType="w"/>
+                      <dgm:constr type="b" for="ch" forName="cycle_3" refType="h" fact="0.85"/>
+                      <dgm:constr type="w" for="ch" forName="cycle_3" refType="w" fact="0.46"/>
+                      <dgm:constr type="h" for="ch" forName="cycle_3" refType="h" fact="0.54"/>
+                      <dgm:constr type="diam" for="ch" forName="cycle_3" refType="w" fact="0.5"/>
+                      <dgm:constr type="primFontSz" for="ch" forName="textCenter" val="65"/>
+                      <dgm:constr type="primFontSz" for="des" forName="childCenter1" val="65"/>
+                      <dgm:constr type="primFontSz" for="des" forName="text1" op="equ" val="65"/>
+                      <dgm:constr type="primFontSz" for="des" forName="childCenter2" refType="primFontSz" refFor="des" refForName="childCenter1" op="equ"/>
+                      <dgm:constr type="primFontSz" for="des" forName="text2" refType="primFontSz" refFor="des" refForName="text1" op="equ"/>
+                      <dgm:constr type="primFontSz" for="des" forName="childCenter3" refType="primFontSz" refFor="des" refForName="childCenter1" op="equ"/>
+                      <dgm:constr type="primFontSz" for="des" forName="text3" refType="primFontSz" refFor="des" refForName="text1" op="equ"/>
+                      <dgm:constr type="userS" for="des" ptType="node" refType="w" refFor="ch" refForName="textCenter" fact="0.67"/>
+                    </dgm:constrLst>
+                  </dgm:if>
+                  <dgm:else name="Name29">
+                    <dgm:constrLst>
+                      <dgm:constr type="ctrX" for="ch" forName="textCenter" refType="w" fact="0.5"/>
+                      <dgm:constr type="t" for="ch" forName="textCenter" refType="h" fact="0.436"/>
+                      <dgm:constr type="w" for="ch" forName="textCenter" refType="w" fact="0.21"/>
+                      <dgm:constr type="h" for="ch" forName="textCenter" refType="w" refFor="ch" refForName="textCenter"/>
+                      <dgm:constr type="ctrX" for="ch" forName="cycle_1" refType="w" fact="0.5"/>
+                      <dgm:constr type="t" for="ch" forName="cycle_1"/>
+                      <dgm:constr type="w" for="ch" forName="cycle_1" refType="w" fact="0.61"/>
+                      <dgm:constr type="h" for="ch" forName="cycle_1" refType="h" fact="0.36"/>
+                      <dgm:constr type="diam" for="ch" forName="cycle_1" refType="w" fact="0.5"/>
+                      <dgm:constr type="l" for="ch" forName="cycle_2"/>
+                      <dgm:constr type="b" for="ch" forName="cycle_2" refType="h" fact="0.85"/>
+                      <dgm:constr type="w" for="ch" forName="cycle_2" refType="w" fact="0.46"/>
+                      <dgm:constr type="h" for="ch" forName="cycle_2" refType="h" fact="0.54"/>
+                      <dgm:constr type="diam" for="ch" forName="cycle_2" refType="w" fact="0.5"/>
+                      <dgm:constr type="r" for="ch" forName="cycle_3" refType="w"/>
+                      <dgm:constr type="b" for="ch" forName="cycle_3" refType="h"/>
+                      <dgm:constr type="w" for="ch" forName="cycle_3" refType="w" fact="0.46"/>
+                      <dgm:constr type="h" for="ch" forName="cycle_3" refType="h" fact="0.54"/>
+                      <dgm:constr type="diam" for="ch" forName="cycle_3" refType="w" fact="0.5"/>
+                      <dgm:constr type="primFontSz" for="ch" forName="textCenter" val="65"/>
+                      <dgm:constr type="primFontSz" for="des" forName="childCenter1" val="65"/>
+                      <dgm:constr type="primFontSz" for="des" forName="text1" op="equ" val="65"/>
+                      <dgm:constr type="primFontSz" for="des" forName="childCenter2" refType="primFontSz" refFor="des" refForName="childCenter1" op="equ"/>
+                      <dgm:constr type="primFontSz" for="des" forName="text2" refType="primFontSz" refFor="des" refForName="text1" op="equ"/>
+                      <dgm:constr type="primFontSz" for="des" forName="childCenter3" refType="primFontSz" refFor="des" refForName="childCenter1" op="equ"/>
+                      <dgm:constr type="primFontSz" for="des" forName="text3" refType="primFontSz" refFor="des" refForName="text1" op="equ"/>
+                      <dgm:constr type="userS" for="des" ptType="node" refType="w" refFor="ch" refForName="textCenter" fact="0.67"/>
+                    </dgm:constrLst>
+                  </dgm:else>
+                </dgm:choose>
+              </dgm:if>
+              <dgm:else name="Name30">
+                <dgm:choose name="Name31">
+                  <dgm:if name="Name32" axis="ch ch ch" ptType="node node node" st="1 3 0" cnt="1 1 0" func="cnt" op="equ" val="1">
+                    <dgm:constrLst>
+                      <dgm:constr type="ctrX" for="ch" forName="textCenter" refType="w" fact="0.5"/>
+                      <dgm:constr type="t" for="ch" forName="textCenter" refType="h" fact="0.436"/>
+                      <dgm:constr type="w" for="ch" forName="textCenter" refType="w" fact="0.21"/>
+                      <dgm:constr type="h" for="ch" forName="textCenter" refType="w" refFor="ch" refForName="textCenter"/>
+                      <dgm:constr type="ctrX" for="ch" forName="cycle_1" refType="w" fact="0.5"/>
+                      <dgm:constr type="t" for="ch" forName="cycle_1"/>
+                      <dgm:constr type="w" for="ch" forName="cycle_1" refType="w" fact="0.61"/>
+                      <dgm:constr type="h" for="ch" forName="cycle_1" refType="h" fact="0.36"/>
+                      <dgm:constr type="diam" for="ch" forName="cycle_1" refType="w" fact="0.5"/>
+                      <dgm:constr type="l" for="ch" forName="cycle_2"/>
+                      <dgm:constr type="b" for="ch" forName="cycle_2" refType="h"/>
+                      <dgm:constr type="w" for="ch" forName="cycle_2" refType="w" fact="0.46"/>
+                      <dgm:constr type="h" for="ch" forName="cycle_2" refType="h" fact="0.54"/>
+                      <dgm:constr type="diam" for="ch" forName="cycle_2" refType="w" fact="0.5"/>
+                      <dgm:constr type="r" for="ch" forName="cycle_3" refType="w"/>
+                      <dgm:constr type="b" for="ch" forName="cycle_3" refType="h" fact="0.85"/>
+                      <dgm:constr type="w" for="ch" forName="cycle_3" refType="w" fact="0.46"/>
+                      <dgm:constr type="h" for="ch" forName="cycle_3" refType="h" fact="0.54"/>
+                      <dgm:constr type="diam" for="ch" forName="cycle_3" refType="w" fact="0.5"/>
+                      <dgm:constr type="primFontSz" for="ch" forName="textCenter" val="65"/>
+                      <dgm:constr type="primFontSz" for="des" forName="childCenter1" val="65"/>
+                      <dgm:constr type="primFontSz" for="des" forName="text1" op="equ" val="65"/>
+                      <dgm:constr type="primFontSz" for="des" forName="childCenter2" refType="primFontSz" refFor="des" refForName="childCenter1" op="equ"/>
+                      <dgm:constr type="primFontSz" for="des" forName="text2" refType="primFontSz" refFor="des" refForName="text1" op="equ"/>
+                      <dgm:constr type="primFontSz" for="des" forName="childCenter3" refType="primFontSz" refFor="des" refForName="childCenter1" op="equ"/>
+                      <dgm:constr type="primFontSz" for="des" forName="text3" refType="primFontSz" refFor="des" refForName="text1" op="equ"/>
+                      <dgm:constr type="userS" for="des" ptType="node" refType="w" refFor="ch" refForName="textCenter" fact="0.67"/>
+                    </dgm:constrLst>
+                  </dgm:if>
+                  <dgm:else name="Name33">
+                    <dgm:constrLst>
+                      <dgm:constr type="ctrX" for="ch" forName="textCenter" refType="w" fact="0.5"/>
+                      <dgm:constr type="t" for="ch" forName="textCenter" refType="h" fact="0.436"/>
+                      <dgm:constr type="w" for="ch" forName="textCenter" refType="w" fact="0.21"/>
+                      <dgm:constr type="h" for="ch" forName="textCenter" refType="w" refFor="ch" refForName="textCenter"/>
+                      <dgm:constr type="ctrX" for="ch" forName="cycle_1" refType="w" fact="0.5"/>
+                      <dgm:constr type="t" for="ch" forName="cycle_1"/>
+                      <dgm:constr type="w" for="ch" forName="cycle_1" refType="w" fact="0.61"/>
+                      <dgm:constr type="h" for="ch" forName="cycle_1" refType="h" fact="0.36"/>
+                      <dgm:constr type="diam" for="ch" forName="cycle_1" refType="w" fact="0.5"/>
+                      <dgm:constr type="l" for="ch" forName="cycle_2"/>
+                      <dgm:constr type="b" for="ch" forName="cycle_2" refType="h"/>
+                      <dgm:constr type="w" for="ch" forName="cycle_2" refType="w" fact="0.46"/>
+                      <dgm:constr type="h" for="ch" forName="cycle_2" refType="h" fact="0.54"/>
+                      <dgm:constr type="diam" for="ch" forName="cycle_2" refType="w" fact="0.5"/>
+                      <dgm:constr type="r" for="ch" forName="cycle_3" refType="w"/>
+                      <dgm:constr type="b" for="ch" forName="cycle_3" refType="h"/>
+                      <dgm:constr type="w" for="ch" forName="cycle_3" refType="w" fact="0.46"/>
+                      <dgm:constr type="h" for="ch" forName="cycle_3" refType="h" fact="0.54"/>
+                      <dgm:constr type="diam" for="ch" forName="cycle_3" refType="w" fact="0.5"/>
+                      <dgm:constr type="primFontSz" for="ch" forName="textCenter" val="65"/>
+                      <dgm:constr type="primFontSz" for="des" forName="childCenter1" val="65"/>
+                      <dgm:constr type="primFontSz" for="des" forName="text1" op="equ" val="65"/>
+                      <dgm:constr type="primFontSz" for="des" forName="childCenter2" refType="primFontSz" refFor="des" refForName="childCenter1" op="equ"/>
+                      <dgm:constr type="primFontSz" for="des" forName="text2" refType="primFontSz" refFor="des" refForName="text1" op="equ"/>
+                      <dgm:constr type="primFontSz" for="des" forName="childCenter3" refType="primFontSz" refFor="des" refForName="childCenter1" op="equ"/>
+                      <dgm:constr type="primFontSz" for="des" forName="text3" refType="primFontSz" refFor="des" refForName="text1" op="equ"/>
+                      <dgm:constr type="userS" for="des" ptType="node" refType="w" refFor="ch" refForName="textCenter" fact="0.67"/>
+                    </dgm:constrLst>
+                  </dgm:else>
+                </dgm:choose>
+              </dgm:else>
+            </dgm:choose>
+          </dgm:if>
+          <dgm:if name="Name34" axis="ch ch" ptType="node node" func="cnt" op="equ" val="4">
+            <dgm:constrLst>
+              <dgm:constr type="ctrX" for="ch" forName="textCenter" refType="w" fact="0.5"/>
+              <dgm:constr type="ctrY" for="ch" forName="textCenter" refType="h" fact="0.5"/>
+              <dgm:constr type="w" for="ch" forName="textCenter" refType="w" fact="0.2"/>
+              <dgm:constr type="h" for="ch" forName="textCenter" refType="w" refFor="ch" refForName="textCenter"/>
+              <dgm:constr type="ctrX" for="ch" forName="cycle_1" refType="w" fact="0.5"/>
+              <dgm:constr type="t" for="ch" forName="cycle_1"/>
+              <dgm:constr type="w" for="ch" forName="cycle_1" refType="w" fact="0.5"/>
+              <dgm:constr type="h" for="ch" forName="cycle_1" refType="h" fact="0.33"/>
+              <dgm:constr type="l" for="ch" forName="cycle_2"/>
+              <dgm:constr type="ctrY" for="ch" forName="cycle_2" refType="h" fact="0.5"/>
+              <dgm:constr type="w" for="ch" forName="cycle_2" refType="w" fact="0.33"/>
+              <dgm:constr type="h" for="ch" forName="cycle_2" refType="h" fact="0.5"/>
+              <dgm:constr type="ctrX" for="ch" forName="cycle_3" refType="w" fact="0.5"/>
+              <dgm:constr type="b" for="ch" forName="cycle_3" refType="h"/>
+              <dgm:constr type="w" for="ch" forName="cycle_3" refType="w" fact="0.5"/>
+              <dgm:constr type="h" for="ch" forName="cycle_3" refType="h" fact="0.33"/>
+              <dgm:constr type="r" for="ch" forName="cycle_4" refType="w"/>
+              <dgm:constr type="ctrY" for="ch" forName="cycle_4" refType="h" fact="0.5"/>
+              <dgm:constr type="w" for="ch" forName="cycle_4" refType="w" fact="0.33"/>
+              <dgm:constr type="h" for="ch" forName="cycle_4" refType="h" fact="0.5"/>
+              <dgm:constr type="primFontSz" for="ch" forName="textCenter" val="65"/>
+              <dgm:constr type="primFontSz" for="des" forName="childCenter1" val="65"/>
+              <dgm:constr type="primFontSz" for="des" forName="text1" op="equ" val="65"/>
+              <dgm:constr type="primFontSz" for="des" forName="childCenter2" refType="primFontSz" refFor="des" refForName="childCenter1" op="equ"/>
+              <dgm:constr type="primFontSz" for="des" forName="text2" refType="primFontSz" refFor="des" refForName="text1" op="equ"/>
+              <dgm:constr type="primFontSz" for="des" forName="childCenter3" refType="primFontSz" refFor="des" refForName="childCenter1" op="equ"/>
+              <dgm:constr type="primFontSz" for="des" forName="text3" refType="primFontSz" refFor="des" refForName="text1" op="equ"/>
+              <dgm:constr type="primFontSz" for="des" forName="childCenter4" refType="primFontSz" refFor="des" refForName="childCenter1" op="equ"/>
+              <dgm:constr type="primFontSz" for="des" forName="text4" refType="primFontSz" refFor="des" refForName="text1" op="equ"/>
+              <dgm:constr type="userS" for="des" ptType="node" refType="w" refFor="ch" refForName="textCenter" fact="0.67"/>
+            </dgm:constrLst>
+          </dgm:if>
+          <dgm:if name="Name35" axis="ch ch" ptType="node node" func="cnt" op="equ" val="5">
+            <dgm:constrLst>
+              <dgm:constr type="ctrX" for="ch" forName="textCenter" refType="w" fact="0.5"/>
+              <dgm:constr type="t" for="ch" forName="textCenter" refType="h" fact="0.42"/>
+              <dgm:constr type="w" for="ch" forName="textCenter" refType="w" fact="0.2"/>
+              <dgm:constr type="h" for="ch" forName="textCenter" refType="w" refFor="ch" refForName="textCenter"/>
+              <dgm:constr type="ctrX" for="ch" forName="cycle_1" refType="w" fact="0.5"/>
+              <dgm:constr type="t" for="ch" forName="cycle_1"/>
+              <dgm:constr type="w" for="ch" forName="cycle_1" refType="w" fact="0.33"/>
+              <dgm:constr type="h" for="ch" forName="cycle_1" refType="w" refFor="ch" refForName="cycle_1"/>
+              <dgm:constr type="l" for="ch" forName="cycle_2"/>
+              <dgm:constr type="t" for="ch" forName="cycle_2" refType="h" fact="0.24"/>
+              <dgm:constr type="w" for="ch" forName="cycle_2" refType="w" fact="0.33"/>
+              <dgm:constr type="h" for="ch" forName="cycle_2" refType="w" refFor="ch" refForName="cycle_2"/>
+              <dgm:constr type="l" for="ch" forName="cycle_3" refType="w" fact="0.11"/>
+              <dgm:constr type="b" for="ch" forName="cycle_3" refType="h"/>
+              <dgm:constr type="w" for="ch" forName="cycle_3" refType="w" fact="0.33"/>
+              <dgm:constr type="h" for="ch" forName="cycle_3" refType="w" refFor="ch" refForName="cycle_3"/>
+              <dgm:constr type="r" for="ch" forName="cycle_4" refType="w" fact="0.89"/>
+              <dgm:constr type="b" for="ch" forName="cycle_4" refType="h"/>
+              <dgm:constr type="w" for="ch" forName="cycle_4" refType="w" fact="0.33"/>
+              <dgm:constr type="h" for="ch" forName="cycle_4" refType="w" refFor="ch" refForName="cycle_4"/>
+              <dgm:constr type="r" for="ch" forName="cycle_5" refType="w"/>
+              <dgm:constr type="t" for="ch" forName="cycle_5" refType="h" fact="0.24"/>
+              <dgm:constr type="w" for="ch" forName="cycle_5" refType="w" fact="0.33"/>
+              <dgm:constr type="h" for="ch" forName="cycle_5" refType="w" refFor="ch" refForName="cycle_5"/>
+              <dgm:constr type="primFontSz" for="ch" forName="textCenter" val="65"/>
+              <dgm:constr type="primFontSz" for="des" forName="childCenter1" val="65"/>
+              <dgm:constr type="primFontSz" for="des" forName="text1" op="equ" val="65"/>
+              <dgm:constr type="primFontSz" for="des" forName="childCenter2" refType="primFontSz" refFor="des" refForName="childCenter1" op="equ"/>
+              <dgm:constr type="primFontSz" for="des" forName="text2" refType="primFontSz" refFor="des" refForName="text1" op="equ"/>
+              <dgm:constr type="primFontSz" for="des" forName="childCenter3" refType="primFontSz" refFor="des" refForName="childCenter1" op="equ"/>
+              <dgm:constr type="primFontSz" for="des" forName="text3" refType="primFontSz" refFor="des" refForName="text1" op="equ"/>
+              <dgm:constr type="primFontSz" for="des" forName="childCenter4" refType="primFontSz" refFor="des" refForName="childCenter1" op="equ"/>
+              <dgm:constr type="primFontSz" for="des" forName="text4" refType="primFontSz" refFor="des" refForName="text1" op="equ"/>
+              <dgm:constr type="primFontSz" for="des" forName="childCenter5" refType="primFontSz" refFor="des" refForName="childCenter1" op="equ"/>
+              <dgm:constr type="primFontSz" for="des" forName="text5" refType="primFontSz" refFor="des" refForName="text1" op="equ"/>
+              <dgm:constr type="userS" for="des" ptType="node" refType="w" refFor="ch" refForName="textCenter" fact="0.67"/>
+            </dgm:constrLst>
+          </dgm:if>
+          <dgm:if name="Name36" axis="ch ch" ptType="node node" func="cnt" op="equ" val="6">
+            <dgm:constrLst>
+              <dgm:constr type="ctrX" for="ch" forName="textCenter" refType="w" fact="0.5"/>
+              <dgm:constr type="ctrY" for="ch" forName="textCenter" refType="h" fact="0.5"/>
+              <dgm:constr type="w" for="ch" forName="textCenter" refType="w" fact="0.2"/>
+              <dgm:constr type="h" for="ch" forName="textCenter" refType="w" refFor="ch" refForName="textCenter"/>
+              <dgm:constr type="ctrX" for="ch" forName="cycle_1" refType="w" fact="0.5"/>
+              <dgm:constr type="t" for="ch" forName="cycle_1"/>
+              <dgm:constr type="w" for="ch" forName="cycle_1" refType="w" fact="0.33"/>
+              <dgm:constr type="h" for="ch" forName="cycle_1" refType="w" refFor="ch" refForName="cycle_1"/>
+              <dgm:constr type="l" for="ch" forName="cycle_2"/>
+              <dgm:constr type="t" for="ch" forName="cycle_2" refType="h" fact="0.17"/>
+              <dgm:constr type="w" for="ch" forName="cycle_2" refType="w" fact="0.33"/>
+              <dgm:constr type="h" for="ch" forName="cycle_2" refType="w" refFor="ch" refForName="cycle_2"/>
+              <dgm:constr type="l" for="ch" forName="cycle_3"/>
+              <dgm:constr type="b" for="ch" forName="cycle_3" refType="h" fact="0.83"/>
+              <dgm:constr type="w" for="ch" forName="cycle_3" refType="w" fact="0.33"/>
+              <dgm:constr type="h" for="ch" forName="cycle_3" refType="w" refFor="ch" refForName="cycle_3"/>
+              <dgm:constr type="ctrX" for="ch" forName="cycle_4" refType="w" fact="0.5"/>
+              <dgm:constr type="b" for="ch" forName="cycle_4" refType="h"/>
+              <dgm:constr type="w" for="ch" forName="cycle_4" refType="w" fact="0.33"/>
+              <dgm:constr type="h" for="ch" forName="cycle_4" refType="w" refFor="ch" refForName="cycle_4"/>
+              <dgm:constr type="r" for="ch" forName="cycle_5" refType="w"/>
+              <dgm:constr type="b" for="ch" forName="cycle_5" refType="h" fact="0.83"/>
+              <dgm:constr type="w" for="ch" forName="cycle_5" refType="w" fact="0.33"/>
+              <dgm:constr type="h" for="ch" forName="cycle_5" refType="w" refFor="ch" refForName="cycle_5"/>
+              <dgm:constr type="r" for="ch" forName="cycle_6" refType="w"/>
+              <dgm:constr type="t" for="ch" forName="cycle_6" refType="h" fact="0.17"/>
+              <dgm:constr type="w" for="ch" forName="cycle_6" refType="w" fact="0.33"/>
+              <dgm:constr type="h" for="ch" forName="cycle_6" refType="w" refFor="ch" refForName="cycle_6"/>
+              <dgm:constr type="primFontSz" for="ch" forName="textCenter" val="65"/>
+              <dgm:constr type="primFontSz" for="des" forName="childCenter1" val="65"/>
+              <dgm:constr type="primFontSz" for="des" forName="text1" op="equ" val="65"/>
+              <dgm:constr type="primFontSz" for="des" forName="childCenter2" refType="primFontSz" refFor="des" refForName="childCenter1" op="equ"/>
+              <dgm:constr type="primFontSz" for="des" forName="text2" refType="primFontSz" refFor="des" refForName="text1" op="equ"/>
+              <dgm:constr type="primFontSz" for="des" forName="childCenter3" refType="primFontSz" refFor="des" refForName="childCenter1" op="equ"/>
+              <dgm:constr type="primFontSz" for="des" forName="text3" refType="primFontSz" refFor="des" refForName="text1" op="equ"/>
+              <dgm:constr type="primFontSz" for="des" forName="childCenter4" refType="primFontSz" refFor="des" refForName="childCenter1" op="equ"/>
+              <dgm:constr type="primFontSz" for="des" forName="text4" refType="primFontSz" refFor="des" refForName="text1" op="equ"/>
+              <dgm:constr type="primFontSz" for="des" forName="childCenter5" refType="primFontSz" refFor="des" refForName="childCenter1" op="equ"/>
+              <dgm:constr type="primFontSz" for="des" forName="text5" refType="primFontSz" refFor="des" refForName="text1" op="equ"/>
+              <dgm:constr type="primFontSz" for="des" forName="childCenter6" refType="primFontSz" refFor="des" refForName="childCenter1" op="equ"/>
+              <dgm:constr type="primFontSz" for="des" forName="text6" refType="primFontSz" refFor="des" refForName="text1" op="equ"/>
+              <dgm:constr type="userS" for="des" ptType="node" refType="w" refFor="ch" refForName="textCenter" fact="0.67"/>
+            </dgm:constrLst>
+          </dgm:if>
+          <dgm:else name="Name37">
+            <dgm:constrLst>
+              <dgm:constr type="ctrX" for="ch" forName="textCenter" refType="w" fact="0.5"/>
+              <dgm:constr type="t" for="ch" forName="textCenter" refType="h" fact="0.444"/>
+              <dgm:constr type="w" for="ch" forName="textCenter" refType="w" fact="0.167"/>
+              <dgm:constr type="h" for="ch" forName="textCenter" refType="w" refFor="ch" refForName="textCenter"/>
+              <dgm:constr type="ctrX" for="ch" forName="cycle_1" refType="w" fact="0.5"/>
+              <dgm:constr type="t" for="ch" forName="cycle_1"/>
+              <dgm:constr type="w" for="ch" forName="cycle_1" refType="w" fact="0.263"/>
+              <dgm:constr type="h" for="ch" forName="cycle_1" refType="w" refFor="ch" refForName="cycle_1"/>
+              <dgm:constr type="l" for="ch" forName="cycle_2" refType="w" fact="0.062"/>
+              <dgm:constr type="t" for="ch" forName="cycle_2" refType="h" fact="0.141"/>
+              <dgm:constr type="w" for="ch" forName="cycle_2" refType="w" fact="0.263"/>
+              <dgm:constr type="h" for="ch" forName="cycle_2" refType="w" refFor="ch" refForName="cycle_2"/>
+              <dgm:constr type="l" for="ch" forName="cycle_3"/>
+              <dgm:constr type="b" for="ch" forName="cycle_3" refType="h" fact="0.74"/>
+              <dgm:constr type="w" for="ch" forName="cycle_3" refType="w" fact="0.263"/>
+              <dgm:constr type="h" for="ch" forName="cycle_3" refType="w" refFor="ch" refForName="cycle_3"/>
+              <dgm:constr type="l" for="ch" forName="cycle_4" refType="w" fact="0.2"/>
+              <dgm:constr type="b" for="ch" forName="cycle_4" refType="h"/>
+              <dgm:constr type="w" for="ch" forName="cycle_4" refType="w" fact="0.263"/>
+              <dgm:constr type="h" for="ch" forName="cycle_4" refType="w" refFor="ch" refForName="cycle_4"/>
+              <dgm:constr type="r" for="ch" forName="cycle_5" refType="w" fact="0.8"/>
+              <dgm:constr type="b" for="ch" forName="cycle_5" refType="h"/>
+              <dgm:constr type="w" for="ch" forName="cycle_5" refType="w" fact="0.263"/>
+              <dgm:constr type="h" for="ch" forName="cycle_5" refType="w" refFor="ch" refForName="cycle_5"/>
+              <dgm:constr type="r" for="ch" forName="cycle_6" refType="w"/>
+              <dgm:constr type="b" for="ch" forName="cycle_6" refType="h" fact="0.74"/>
+              <dgm:constr type="w" for="ch" forName="cycle_6" refType="w" fact="0.263"/>
+              <dgm:constr type="h" for="ch" forName="cycle_6" refType="w" refFor="ch" refForName="cycle_6"/>
+              <dgm:constr type="r" for="ch" forName="cycle_7" refType="w" fact="0.938"/>
+              <dgm:constr type="t" for="ch" forName="cycle_7" refType="h" fact="0.141"/>
+              <dgm:constr type="w" for="ch" forName="cycle_7" refType="w" fact="0.263"/>
+              <dgm:constr type="h" for="ch" forName="cycle_7" refType="w" refFor="ch" refForName="cycle_7"/>
+              <dgm:constr type="primFontSz" for="ch" forName="textCenter" val="65"/>
+              <dgm:constr type="primFontSz" for="des" forName="childCenter1" val="65"/>
+              <dgm:constr type="primFontSz" for="des" forName="text1" op="equ" val="65"/>
+              <dgm:constr type="primFontSz" for="des" forName="childCenter2" refType="primFontSz" refFor="des" refForName="childCenter1" op="equ"/>
+              <dgm:constr type="primFontSz" for="des" forName="text2" refType="primFontSz" refFor="des" refForName="text1" op="equ"/>
+              <dgm:constr type="primFontSz" for="des" forName="childCenter3" refType="primFontSz" refFor="des" refForName="childCenter1" op="equ"/>
+              <dgm:constr type="primFontSz" for="des" forName="text3" refType="primFontSz" refFor="des" refForName="text1" op="equ"/>
+              <dgm:constr type="primFontSz" for="des" forName="childCenter4" refType="primFontSz" refFor="des" refForName="childCenter1" op="equ"/>
+              <dgm:constr type="primFontSz" for="des" forName="text4" refType="primFontSz" refFor="des" refForName="text1" op="equ"/>
+              <dgm:constr type="primFontSz" for="des" forName="childCenter5" refType="primFontSz" refFor="des" refForName="childCenter1" op="equ"/>
+              <dgm:constr type="primFontSz" for="des" forName="text5" refType="primFontSz" refFor="des" refForName="text1" op="equ"/>
+              <dgm:constr type="primFontSz" for="des" forName="childCenter6" refType="primFontSz" refFor="des" refForName="childCenter1" op="equ"/>
+              <dgm:constr type="primFontSz" for="des" forName="text6" refType="primFontSz" refFor="des" refForName="text1" op="equ"/>
+              <dgm:constr type="primFontSz" for="des" forName="childCenter7" refType="primFontSz" refFor="des" refForName="childCenter1" op="equ"/>
+              <dgm:constr type="primFontSz" for="des" forName="text7" refType="primFontSz" refFor="des" refForName="text1" op="equ"/>
+              <dgm:constr type="userS" for="des" ptType="node" refType="w" refFor="ch" refForName="textCenter" fact="0.67"/>
+            </dgm:constrLst>
+          </dgm:else>
+        </dgm:choose>
+      </dgm:else>
+    </dgm:choose>
+    <dgm:forEach name="Name38" axis="ch" ptType="node" cnt="1">
+      <dgm:choose name="Name39">
+        <dgm:if name="Name40" axis="des" func="maxDepth" op="lte" val="1">
+          <dgm:layoutNode name="singleCycle">
+            <dgm:choose name="Name41">
+              <dgm:if name="Name42" axis="ch" ptType="node" func="cnt" op="equ" val="1">
+                <dgm:choose name="Name43">
+                  <dgm:if name="Name44" func="var" arg="dir" op="equ" val="norm">
+                    <dgm:alg type="cycle">
+                      <dgm:param type="stAng" val="90"/>
+                      <dgm:param type="ctrShpMap" val="fNode"/>
+                    </dgm:alg>
+                  </dgm:if>
+                  <dgm:else name="Name45">
+                    <dgm:alg type="cycle">
+                      <dgm:param type="stAng" val="-90"/>
+                      <dgm:param type="spanAng" val="-360"/>
+                      <dgm:param type="ctrShpMap" val="fNode"/>
+                    </dgm:alg>
+                  </dgm:else>
+                </dgm:choose>
+              </dgm:if>
+              <dgm:else name="Name46">
+                <dgm:choose name="Name47">
+                  <dgm:if name="Name48" func="var" arg="dir" op="equ" val="norm">
+                    <dgm:alg type="cycle">
+                      <dgm:param type="ctrShpMap" val="fNode"/>
+                    </dgm:alg>
+                  </dgm:if>
+                  <dgm:else name="Name49">
+                    <dgm:alg type="cycle">
+                      <dgm:param type="spanAng" val="-360"/>
+                      <dgm:param type="ctrShpMap" val="fNode"/>
+                    </dgm:alg>
+                  </dgm:else>
+                </dgm:choose>
+              </dgm:else>
+            </dgm:choose>
+            <dgm:shape xmlns:r="http://schemas.openxmlformats.org/officeDocument/2006/relationships" r:blip="">
+              <dgm:adjLst/>
+            </dgm:shape>
+            <dgm:presOf/>
+            <dgm:choose name="Name50">
+              <dgm:if name="Name51" axis="ch" ptType="node" func="cnt" op="equ" val="0">
+                <dgm:constrLst>
+                  <dgm:constr type="w" for="ch" forName="singleCenter" refType="w"/>
+                  <dgm:constr type="h" for="ch" forName="singleCenter" refType="w" refFor="ch" refForName="singleCenter"/>
+                </dgm:constrLst>
+              </dgm:if>
+              <dgm:if name="Name52" axis="ch" ptType="node" func="cnt" op="equ" val="1">
+                <dgm:constrLst>
+                  <dgm:constr type="w" for="ch" forName="singleCenter" refType="w" fact="0.5"/>
+                  <dgm:constr type="h" for="ch" forName="singleCenter" refType="w" refFor="ch" refForName="singleCenter"/>
+                  <dgm:constr type="userS" for="ch" ptType="node" refType="w" refFor="ch" refForName="singleCenter" fact="0.67"/>
+                </dgm:constrLst>
+              </dgm:if>
+              <dgm:else name="Name53">
+                <dgm:constrLst>
+                  <dgm:constr type="w" for="ch" forName="singleCenter" refType="w" fact="0.3"/>
+                  <dgm:constr type="h" for="ch" forName="singleCenter" refType="w" refFor="ch" refForName="singleCenter"/>
+                  <dgm:constr type="userS" for="ch" ptType="node" refType="w" refFor="ch" refForName="singleCenter" fact="0.67"/>
+                </dgm:constrLst>
+              </dgm:else>
+            </dgm:choose>
+            <dgm:layoutNode name="singleCenter" styleLbl="node1">
+              <dgm:varLst>
+                <dgm:chMax val="7"/>
+                <dgm:chPref val="7"/>
+              </dgm:varLst>
+              <dgm:alg type="tx"/>
+              <dgm:shape xmlns:r="http://schemas.openxmlformats.org/officeDocument/2006/relationships" type="roundRect" r:blip="">
+                <dgm:adjLst/>
+              </dgm:shape>
+              <dgm:presOf axis="self" ptType="node"/>
+              <dgm:constrLst>
+                <dgm:constr type="tMarg" refType="primFontSz" fact="0.2"/>
+                <dgm:constr type="bMarg" refType="primFontSz" fact="0.2"/>
+                <dgm:constr type="lMarg" refType="primFontSz" fact="0.2"/>
+                <dgm:constr type="rMarg" refType="primFontSz" fact="0.2"/>
+              </dgm:constrLst>
+              <dgm:ruleLst>
+                <dgm:rule type="primFontSz" val="5" fact="NaN" max="NaN"/>
+              </dgm:ruleLst>
+            </dgm:layoutNode>
+            <dgm:forEach name="Name54" axis="ch" cnt="21">
+              <dgm:forEach name="Name55" axis="self" ptType="parTrans">
+                <dgm:layoutNode name="Name56">
+                  <dgm:alg type="conn">
+                    <dgm:param type="dim" val="1D"/>
+                    <dgm:param type="begPts" val="auto"/>
+                    <dgm:param type="endPts" val="auto"/>
+                    <dgm:param type="begSty" val="noArr"/>
+                    <dgm:param type="endSty" val="noArr"/>
+                  </dgm:alg>
+                  <dgm:shape xmlns:r="http://schemas.openxmlformats.org/officeDocument/2006/relationships" type="conn" r:blip="">
+                    <dgm:adjLst/>
+                  </dgm:shape>
+                  <dgm:presOf axis="self"/>
+                  <dgm:constrLst>
+                    <dgm:constr type="begPad"/>
+                    <dgm:constr type="endPad"/>
+                  </dgm:constrLst>
+                </dgm:layoutNode>
+              </dgm:forEach>
+              <dgm:forEach name="Name57" axis="self" ptType="node">
+                <dgm:layoutNode name="text0" styleLbl="node1">
+                  <dgm:varLst>
+                    <dgm:bulletEnabled val="1"/>
+                  </dgm:varLst>
+                  <dgm:alg type="tx"/>
+                  <dgm:shape xmlns:r="http://schemas.openxmlformats.org/officeDocument/2006/relationships" type="roundRect" r:blip="">
+                    <dgm:adjLst/>
+                  </dgm:shape>
+                  <dgm:presOf axis="desOrSelf" ptType="node"/>
+                  <dgm:constrLst>
+                    <dgm:constr type="userS"/>
+                    <dgm:constr type="w" refType="userS"/>
+                    <dgm:constr type="h" refType="w"/>
+                    <dgm:constr type="tMarg" refType="primFontSz" fact="0.2"/>
+                    <dgm:constr type="bMarg" refType="primFontSz" fact="0.2"/>
+                    <dgm:constr type="lMarg" refType="primFontSz" fact="0.2"/>
+                    <dgm:constr type="rMarg" refType="primFontSz" fact="0.2"/>
+                  </dgm:constrLst>
+                  <dgm:ruleLst>
+                    <dgm:rule type="primFontSz" val="5" fact="NaN" max="NaN"/>
+                  </dgm:ruleLst>
+                </dgm:layoutNode>
+              </dgm:forEach>
+            </dgm:forEach>
+          </dgm:layoutNode>
+        </dgm:if>
+        <dgm:else name="Name58">
+          <dgm:layoutNode name="textCenter" styleLbl="node1">
+            <dgm:alg type="tx"/>
+            <dgm:shape xmlns:r="http://schemas.openxmlformats.org/officeDocument/2006/relationships" type="roundRect" r:blip="">
+              <dgm:adjLst/>
+            </dgm:shape>
+            <dgm:presOf axis="self" ptType="node"/>
+            <dgm:constrLst>
+              <dgm:constr type="tMarg" refType="primFontSz" fact="0.2"/>
+              <dgm:constr type="bMarg" refType="primFontSz" fact="0.2"/>
+              <dgm:constr type="lMarg" refType="primFontSz" fact="0.2"/>
+              <dgm:constr type="rMarg" refType="primFontSz" fact="0.2"/>
+            </dgm:constrLst>
+            <dgm:ruleLst>
+              <dgm:rule type="primFontSz" val="5" fact="NaN" max="NaN"/>
+            </dgm:ruleLst>
+          </dgm:layoutNode>
+          <dgm:choose name="Name59">
+            <dgm:if name="Name60" axis="ch" ptType="node" func="cnt" op="gte" val="1">
+              <dgm:layoutNode name="cycle_1">
+                <dgm:choose name="Name61">
+                  <dgm:if name="Name62" func="var" arg="dir" op="equ" val="norm">
+                    <dgm:choose name="Name63">
+                      <dgm:if name="Name64" axis="ch" ptType="node" func="cnt" op="equ" val="1">
+                        <dgm:choose name="Name65">
+                          <dgm:if name="Name66" axis="ch ch" ptType="node node" st="1 1" cnt="1 0" func="cnt" op="equ" val="1">
+                            <dgm:alg type="cycle">
+                              <dgm:param type="ctrShpMap" val="fNode"/>
+                              <dgm:param type="stAng" val="90"/>
+                            </dgm:alg>
+                          </dgm:if>
+                          <dgm:if name="Name67" axis="ch ch" ptType="node node" st="1 1" cnt="1 0" func="cnt" op="equ" val="2">
+                            <dgm:alg type="cycle">
+                              <dgm:param type="ctrShpMap" val="fNode"/>
+                              <dgm:param type="stAng" val="45"/>
+                              <dgm:param type="spanAng" val="90"/>
+                            </dgm:alg>
+                          </dgm:if>
+                          <dgm:else name="Name68">
+                            <dgm:alg type="cycle">
+                              <dgm:param type="ctrShpMap" val="fNode"/>
+                              <dgm:param type="stAng" val="0"/>
+                              <dgm:param type="spanAng" val="180"/>
+                            </dgm:alg>
+                          </dgm:else>
+                        </dgm:choose>
+                      </dgm:if>
+                      <dgm:if name="Name69" axis="ch" ptType="node" func="cnt" op="equ" val="2">
+                        <dgm:choose name="Name70">
+                          <dgm:if name="Name71" axis="ch ch" ptType="node node" st="1 1" cnt="1 0" func="cnt" op="equ" val="1">
+                            <dgm:alg type="cycle">
+                              <dgm:param type="ctrShpMap" val="fNode"/>
+                              <dgm:param type="stAng" val="0"/>
+                            </dgm:alg>
+                          </dgm:if>
+                          <dgm:if name="Name72" axis="ch ch" ptType="node node" st="1 1" cnt="1 0" func="cnt" op="equ" val="2">
+                            <dgm:alg type="cycle">
+                              <dgm:param type="ctrShpMap" val="fNode"/>
+                              <dgm:param type="stAng" val="315"/>
+                              <dgm:param type="spanAng" val="90"/>
+                            </dgm:alg>
+                          </dgm:if>
+                          <dgm:else name="Name73">
+                            <dgm:alg type="cycle">
+                              <dgm:param type="ctrShpMap" val="fNode"/>
+                              <dgm:param type="stAng" val="270"/>
+                              <dgm:param type="spanAng" val="180"/>
+                            </dgm:alg>
+                          </dgm:else>
+                        </dgm:choose>
+                      </dgm:if>
+                      <dgm:if name="Name74" axis="ch" ptType="node" func="cnt" op="equ" val="3">
+                        <dgm:choose name="Name75">
+                          <dgm:if name="Name76" axis="ch ch" ptType="node node" st="1 1" cnt="1 0" func="cnt" op="equ" val="1">
+                            <dgm:alg type="cycle">
+                              <dgm:param type="ctrShpMap" val="fNode"/>
+                              <dgm:param type="stAng" val="0"/>
+                            </dgm:alg>
+                          </dgm:if>
+                          <dgm:if name="Name77" axis="ch ch" ptType="node node" st="1 1" cnt="1 0" func="cnt" op="equ" val="2">
+                            <dgm:alg type="cycle">
+                              <dgm:param type="ctrShpMap" val="fNode"/>
+                              <dgm:param type="stAng" val="315"/>
+                              <dgm:param type="spanAng" val="90"/>
+                            </dgm:alg>
+                          </dgm:if>
+                          <dgm:else name="Name78">
+                            <dgm:alg type="cycle">
+                              <dgm:param type="ctrShpMap" val="fNode"/>
+                              <dgm:param type="stAng" val="270"/>
+                              <dgm:param type="spanAng" val="180"/>
+                            </dgm:alg>
+                          </dgm:else>
+                        </dgm:choose>
+                      </dgm:if>
+                      <dgm:if name="Name79" axis="ch" ptType="node" func="cnt" op="equ" val="4">
+                        <dgm:choose name="Name80">
+                          <dgm:if name="Name81" axis="ch ch" ptType="node node" st="1 1" cnt="1 0" func="cnt" op="equ" val="1">
+                            <dgm:alg type="cycle">
+                              <dgm:param type="ctrShpMap" val="fNode"/>
+                              <dgm:param type="stAng" val="0"/>
+                            </dgm:alg>
+                          </dgm:if>
+                          <dgm:if name="Name82" axis="ch ch" ptType="node node" st="1 1" cnt="1 0" func="cnt" op="equ" val="2">
+                            <dgm:alg type="cycle">
+                              <dgm:param type="ctrShpMap" val="fNode"/>
+                              <dgm:param type="stAng" val="315"/>
+                              <dgm:param type="spanAng" val="90"/>
+                            </dgm:alg>
+                          </dgm:if>
+                          <dgm:else name="Name83">
+                            <dgm:alg type="cycle">
+                              <dgm:param type="ctrShpMap" val="fNode"/>
+                              <dgm:param type="stAng" val="292.5"/>
+                              <dgm:param type="spanAng" val="135"/>
+                            </dgm:alg>
+                          </dgm:else>
+                        </dgm:choose>
+                      </dgm:if>
+                      <dgm:if name="Name84" axis="ch" ptType="node" func="cnt" op="equ" val="5">
+                        <dgm:choose name="Name85">
+                          <dgm:if name="Name86" axis="ch ch" ptType="node node" st="1 1" cnt="1 0" func="cnt" op="equ" val="1">
+                            <dgm:alg type="cycle">
+                              <dgm:param type="ctrShpMap" val="fNode"/>
+                              <dgm:param type="stAng" val="0"/>
+                            </dgm:alg>
+                          </dgm:if>
+                          <dgm:if name="Name87" axis="ch ch" ptType="node node" st="1 1" cnt="1 0" func="cnt" op="equ" val="2">
+                            <dgm:alg type="cycle">
+                              <dgm:param type="ctrShpMap" val="fNode"/>
+                              <dgm:param type="stAng" val="315"/>
+                              <dgm:param type="spanAng" val="90"/>
+                            </dgm:alg>
+                          </dgm:if>
+                          <dgm:else name="Name88">
+                            <dgm:alg type="cycle">
+                              <dgm:param type="ctrShpMap" val="fNode"/>
+                              <dgm:param type="stAng" val="0"/>
+                              <dgm:param type="spanAng" val="360"/>
+                            </dgm:alg>
+                          </dgm:else>
+                        </dgm:choose>
+                      </dgm:if>
+                      <dgm:if name="Name89" axis="ch" ptType="node" func="cnt" op="equ" val="6">
+                        <dgm:choose name="Name90">
+                          <dgm:if name="Name91" axis="ch ch" ptType="node node" st="1 1" cnt="1 0" func="cnt" op="equ" val="1">
+                            <dgm:alg type="cycle">
+                              <dgm:param type="ctrShpMap" val="fNode"/>
+                              <dgm:param type="stAng" val="0"/>
+                            </dgm:alg>
+                          </dgm:if>
+                          <dgm:if name="Name92" axis="ch ch" ptType="node node" st="1 1" cnt="1 0" func="cnt" op="equ" val="2">
+                            <dgm:alg type="cycle">
+                              <dgm:param type="ctrShpMap" val="fNode"/>
+                              <dgm:param type="stAng" val="315"/>
+                              <dgm:param type="spanAng" val="90"/>
+                            </dgm:alg>
+                          </dgm:if>
+                          <dgm:else name="Name93">
+                            <dgm:alg type="cycle">
+                              <dgm:param type="ctrShpMap" val="fNode"/>
+                              <dgm:param type="stAng" val="0"/>
+                              <dgm:param type="spanAng" val="360"/>
+                            </dgm:alg>
+                          </dgm:else>
+                        </dgm:choose>
+                      </dgm:if>
+                      <dgm:if name="Name94" axis="ch" ptType="node" func="cnt" op="gte" val="7">
+                        <dgm:choose name="Name95">
+                          <dgm:if name="Name96" axis="ch ch" ptType="node node" st="1 1" cnt="1 0" func="cnt" op="equ" val="1">
+                            <dgm:alg type="cycle">
+                              <dgm:param type="ctrShpMap" val="fNode"/>
+                              <dgm:param type="stAng" val="0"/>
+                            </dgm:alg>
+                          </dgm:if>
+                          <dgm:if name="Name97" axis="ch ch" ptType="node node" st="1 1" cnt="1 0" func="cnt" op="equ" val="2">
+                            <dgm:alg type="cycle">
+                              <dgm:param type="ctrShpMap" val="fNode"/>
+                              <dgm:param type="stAng" val="315"/>
+                              <dgm:param type="spanAng" val="90"/>
+                            </dgm:alg>
+                          </dgm:if>
+                          <dgm:else name="Name98">
+                            <dgm:alg type="cycle">
+                              <dgm:param type="ctrShpMap" val="fNode"/>
+                              <dgm:param type="stAng" val="0"/>
+                              <dgm:param type="spanAng" val="360"/>
+                            </dgm:alg>
+                          </dgm:else>
+                        </dgm:choose>
+                      </dgm:if>
+                      <dgm:else name="Name99"/>
+                    </dgm:choose>
+                  </dgm:if>
+                  <dgm:else name="Name100">
+                    <dgm:choose name="Name101">
+                      <dgm:if name="Name102" axis="ch" ptType="node" func="cnt" op="equ" val="1">
+                        <dgm:choose name="Name103">
+                          <dgm:if name="Name104" axis="ch ch" ptType="node node" st="1 1" cnt="1 0" func="cnt" op="equ" val="1">
+                            <dgm:alg type="cycle">
+                              <dgm:param type="ctrShpMap" val="fNode"/>
+                              <dgm:param type="stAng" val="270"/>
+                            </dgm:alg>
+                          </dgm:if>
+                          <dgm:if name="Name105" axis="ch ch" ptType="node node" st="1 1" cnt="1 0" func="cnt" op="equ" val="2">
+                            <dgm:alg type="cycle">
+                              <dgm:param type="ctrShpMap" val="fNode"/>
+                              <dgm:param type="stAng" val="315"/>
+                              <dgm:param type="spanAng" val="-90"/>
+                            </dgm:alg>
+                          </dgm:if>
+                          <dgm:else name="Name106">
+                            <dgm:alg type="cycle">
+                              <dgm:param type="ctrShpMap" val="fNode"/>
+                              <dgm:param type="stAng" val="0"/>
+                              <dgm:param type="spanAng" val="-180"/>
+                            </dgm:alg>
+                          </dgm:else>
+                        </dgm:choose>
+                      </dgm:if>
+                      <dgm:if name="Name107" axis="ch" ptType="node" func="cnt" op="equ" val="2">
+                        <dgm:choose name="Name108">
+                          <dgm:if name="Name109" axis="ch ch" ptType="node node" st="1 1" cnt="1 0" func="cnt" op="equ" val="1">
+                            <dgm:alg type="cycle">
+                              <dgm:param type="ctrShpMap" val="fNode"/>
+                              <dgm:param type="stAng" val="0"/>
+                            </dgm:alg>
+                          </dgm:if>
+                          <dgm:if name="Name110" axis="ch ch" ptType="node node" st="1 1" cnt="1 0" func="cnt" op="equ" val="2">
+                            <dgm:alg type="cycle">
+                              <dgm:param type="ctrShpMap" val="fNode"/>
+                              <dgm:param type="stAng" val="45"/>
+                              <dgm:param type="spanAng" val="-90"/>
+                            </dgm:alg>
+                          </dgm:if>
+                          <dgm:else name="Name111">
+                            <dgm:alg type="cycle">
+                              <dgm:param type="ctrShpMap" val="fNode"/>
+                              <dgm:param type="stAng" val="90"/>
+                              <dgm:param type="spanAng" val="-180"/>
+                            </dgm:alg>
+                          </dgm:else>
+                        </dgm:choose>
+                      </dgm:if>
+                      <dgm:if name="Name112" axis="ch" ptType="node" func="cnt" op="equ" val="3">
+                        <dgm:choose name="Name113">
+                          <dgm:if name="Name114" axis="ch ch" ptType="node node" st="1 1" cnt="1 0" func="cnt" op="equ" val="1">
+                            <dgm:alg type="cycle">
+                              <dgm:param type="ctrShpMap" val="fNode"/>
+                              <dgm:param type="stAng" val="0"/>
+                            </dgm:alg>
+                          </dgm:if>
+                          <dgm:if name="Name115" axis="ch ch" ptType="node node" st="1 1" cnt="1 0" func="cnt" op="equ" val="2">
+                            <dgm:alg type="cycle">
+                              <dgm:param type="ctrShpMap" val="fNode"/>
+                              <dgm:param type="stAng" val="45"/>
+                              <dgm:param type="spanAng" val="-90"/>
+                            </dgm:alg>
+                          </dgm:if>
+                          <dgm:else name="Name116">
+                            <dgm:alg type="cycle">
+                              <dgm:param type="ctrShpMap" val="fNode"/>
+                              <dgm:param type="stAng" val="90"/>
+                              <dgm:param type="spanAng" val="-180"/>
+                            </dgm:alg>
+                          </dgm:else>
+                        </dgm:choose>
+                      </dgm:if>
+                      <dgm:if name="Name117" axis="ch" ptType="node" func="cnt" op="equ" val="4">
+                        <dgm:choose name="Name118">
+                          <dgm:if name="Name119" axis="ch ch" ptType="node node" st="1 1" cnt="1 0" func="cnt" op="equ" val="1">
+                            <dgm:alg type="cycle">
+                              <dgm:param type="ctrShpMap" val="fNode"/>
+                              <dgm:param type="stAng" val="0"/>
+                            </dgm:alg>
+                          </dgm:if>
+                          <dgm:if name="Name120" axis="ch ch" ptType="node node" st="1 1" cnt="1 0" func="cnt" op="equ" val="2">
+                            <dgm:alg type="cycle">
+                              <dgm:param type="ctrShpMap" val="fNode"/>
+                              <dgm:param type="stAng" val="45"/>
+                              <dgm:param type="spanAng" val="-90"/>
+                            </dgm:alg>
+                          </dgm:if>
+                          <dgm:else name="Name121">
+                            <dgm:alg type="cycle">
+                              <dgm:param type="ctrShpMap" val="fNode"/>
+                              <dgm:param type="stAng" val="67.5"/>
+                              <dgm:param type="spanAng" val="-135"/>
+                            </dgm:alg>
+                          </dgm:else>
+                        </dgm:choose>
+                      </dgm:if>
+                      <dgm:if name="Name122" axis="ch" ptType="node" func="cnt" op="equ" val="5">
+                        <dgm:choose name="Name123">
+                          <dgm:if name="Name124" axis="ch ch" ptType="node node" st="1 1" cnt="1 0" func="cnt" op="equ" val="1">
+                            <dgm:alg type="cycle">
+                              <dgm:param type="ctrShpMap" val="fNode"/>
+                              <dgm:param type="stAng" val="0"/>
+                            </dgm:alg>
+                          </dgm:if>
+                          <dgm:if name="Name125" axis="ch ch" ptType="node node" st="1 1" cnt="1 0" func="cnt" op="equ" val="2">
+                            <dgm:alg type="cycle">
+                              <dgm:param type="ctrShpMap" val="fNode"/>
+                              <dgm:param type="stAng" val="45"/>
+                              <dgm:param type="spanAng" val="-90"/>
+                            </dgm:alg>
+                          </dgm:if>
+                          <dgm:else name="Name126">
+                            <dgm:alg type="cycle">
+                              <dgm:param type="ctrShpMap" val="fNode"/>
+                              <dgm:param type="stAng" val="0"/>
+                              <dgm:param type="spanAng" val="-360"/>
+                            </dgm:alg>
+                          </dgm:else>
+                        </dgm:choose>
+                      </dgm:if>
+                      <dgm:if name="Name127" axis="ch" ptType="node" func="cnt" op="equ" val="6">
+                        <dgm:choose name="Name128">
+                          <dgm:if name="Name129" axis="ch ch" ptType="node node" st="1 1" cnt="1 0" func="cnt" op="equ" val="1">
+                            <dgm:alg type="cycle">
+                              <dgm:param type="ctrShpMap" val="fNode"/>
+                              <dgm:param type="stAng" val="0"/>
+                            </dgm:alg>
+                          </dgm:if>
+                          <dgm:if name="Name130" axis="ch ch" ptType="node node" st="1 1" cnt="1 0" func="cnt" op="equ" val="2">
+                            <dgm:alg type="cycle">
+                              <dgm:param type="ctrShpMap" val="fNode"/>
+                              <dgm:param type="stAng" val="45"/>
+                              <dgm:param type="spanAng" val="-90"/>
+                            </dgm:alg>
+                          </dgm:if>
+                          <dgm:else name="Name131">
+                            <dgm:alg type="cycle">
+                              <dgm:param type="ctrShpMap" val="fNode"/>
+                              <dgm:param type="stAng" val="0"/>
+                              <dgm:param type="spanAng" val="-360"/>
+                            </dgm:alg>
+                          </dgm:else>
+                        </dgm:choose>
+                      </dgm:if>
+                      <dgm:if name="Name132" axis="ch" ptType="node" func="cnt" op="gte" val="7">
+                        <dgm:choose name="Name133">
+                          <dgm:if name="Name134" axis="ch ch" ptType="node node" st="1 1" cnt="1 0" func="cnt" op="equ" val="1">
+                            <dgm:alg type="cycle">
+                              <dgm:param type="ctrShpMap" val="fNode"/>
+                              <dgm:param type="stAng" val="0"/>
+                            </dgm:alg>
+                          </dgm:if>
+                          <dgm:if name="Name135" axis="ch ch" ptType="node node" st="1 1" cnt="1 0" func="cnt" op="equ" val="2">
+                            <dgm:alg type="cycle">
+                              <dgm:param type="ctrShpMap" val="fNode"/>
+                              <dgm:param type="stAng" val="45"/>
+                              <dgm:param type="spanAng" val="-90"/>
+                            </dgm:alg>
+                          </dgm:if>
+                          <dgm:else name="Name136">
+                            <dgm:alg type="cycle">
+                              <dgm:param type="ctrShpMap" val="fNode"/>
+                              <dgm:param type="stAng" val="0"/>
+                              <dgm:param type="spanAng" val="-360"/>
+                            </dgm:alg>
+                          </dgm:else>
+                        </dgm:choose>
+                      </dgm:if>
+                      <dgm:else name="Name137"/>
+                    </dgm:choose>
+                  </dgm:else>
+                </dgm:choose>
+                <dgm:shape xmlns:r="http://schemas.openxmlformats.org/officeDocument/2006/relationships" r:blip="">
+                  <dgm:adjLst/>
+                </dgm:shape>
+                <dgm:presOf/>
+                <dgm:constrLst>
+                  <dgm:constr type="sp" refType="w" fact="0.1"/>
+                  <dgm:constr type="sibSp" refType="w" fact="0.1"/>
+                </dgm:constrLst>
+                <dgm:forEach name="Name138" axis="ch" ptType="node" cnt="1">
+                  <dgm:layoutNode name="childCenter1" styleLbl="node1">
+                    <dgm:alg type="tx"/>
+                    <dgm:shape xmlns:r="http://schemas.openxmlformats.org/officeDocument/2006/relationships" type="roundRect" r:blip="">
+                      <dgm:adjLst/>
+                    </dgm:shape>
+                    <dgm:presOf axis="self" ptType="node"/>
+                    <dgm:constrLst>
+                      <dgm:constr type="userS"/>
+                      <dgm:constr type="w" refType="userS"/>
+                      <dgm:constr type="h" refType="w"/>
+                      <dgm:constr type="tMarg" refType="primFontSz" fact="0.2"/>
+                      <dgm:constr type="bMarg" refType="primFontSz" fact="0.2"/>
+                      <dgm:constr type="lMarg" refType="primFontSz" fact="0.2"/>
+                      <dgm:constr type="rMarg" refType="primFontSz" fact="0.2"/>
+                    </dgm:constrLst>
+                    <dgm:ruleLst>
+                      <dgm:rule type="primFontSz" val="5" fact="NaN" max="NaN"/>
+                    </dgm:ruleLst>
+                  </dgm:layoutNode>
+                  <dgm:forEach name="Name139" axis="ch">
+                    <dgm:forEach name="Name140" axis="self" ptType="parTrans">
+                      <dgm:layoutNode name="Name141">
+                        <dgm:alg type="conn">
+                          <dgm:param type="dim" val="1D"/>
+                          <dgm:param type="begPts" val="auto"/>
+                          <dgm:param type="endPts" val="auto"/>
+                          <dgm:param type="begSty" val="noArr"/>
+                          <dgm:param type="endSty" val="noArr"/>
+                        </dgm:alg>
+                        <dgm:shape xmlns:r="http://schemas.openxmlformats.org/officeDocument/2006/relationships" type="conn" r:blip="">
+                          <dgm:adjLst/>
+                        </dgm:shape>
+                        <dgm:presOf axis="self"/>
+                        <dgm:constrLst>
+                          <dgm:constr type="begPad"/>
+                          <dgm:constr type="endPad"/>
+                        </dgm:constrLst>
+                      </dgm:layoutNode>
+                    </dgm:forEach>
+                    <dgm:forEach name="Name142" axis="self" ptType="node">
+                      <dgm:layoutNode name="text1" styleLbl="node1">
+                        <dgm:varLst>
+                          <dgm:bulletEnabled val="1"/>
+                        </dgm:varLst>
+                        <dgm:alg type="tx"/>
+                        <dgm:shape xmlns:r="http://schemas.openxmlformats.org/officeDocument/2006/relationships" type="roundRect" r:blip="">
+                          <dgm:adjLst/>
+                        </dgm:shape>
+                        <dgm:presOf axis="desOrSelf" ptType="node"/>
+                        <dgm:constrLst>
+                          <dgm:constr type="userS"/>
+                          <dgm:constr type="w" refType="userS"/>
+                          <dgm:constr type="h" refType="w"/>
+                          <dgm:constr type="tMarg" refType="primFontSz" fact="0.2"/>
+                          <dgm:constr type="bMarg" refType="primFontSz" fact="0.2"/>
+                          <dgm:constr type="lMarg" refType="primFontSz" fact="0.2"/>
+                          <dgm:constr type="rMarg" refType="primFontSz" fact="0.2"/>
+                        </dgm:constrLst>
+                        <dgm:ruleLst>
+                          <dgm:rule type="primFontSz" val="5" fact="NaN" max="NaN"/>
+                        </dgm:ruleLst>
+                      </dgm:layoutNode>
+                    </dgm:forEach>
+                  </dgm:forEach>
+                </dgm:forEach>
+              </dgm:layoutNode>
+              <dgm:forEach name="Name143" axis="ch" ptType="parTrans" cnt="1">
+                <dgm:layoutNode name="Name144">
+                  <dgm:alg type="conn">
+                    <dgm:param type="dim" val="1D"/>
+                    <dgm:param type="begPts" val="auto"/>
+                    <dgm:param type="endPts" val="auto"/>
+                    <dgm:param type="endSty" val="noArr"/>
+                    <dgm:param type="srcNode" val="textCenter"/>
+                    <dgm:param type="dstNode" val="childCenter1"/>
+                  </dgm:alg>
+                  <dgm:shape xmlns:r="http://schemas.openxmlformats.org/officeDocument/2006/relationships" type="conn" r:blip="" zOrderOff="-999">
+                    <dgm:adjLst/>
+                  </dgm:shape>
+                  <dgm:presOf axis="self"/>
+                  <dgm:constrLst>
+                    <dgm:constr type="h"/>
+                    <dgm:constr type="begPad"/>
+                    <dgm:constr type="endPad"/>
+                  </dgm:constrLst>
+                </dgm:layoutNode>
+              </dgm:forEach>
+            </dgm:if>
+            <dgm:else name="Name145"/>
+          </dgm:choose>
+          <dgm:choose name="Name146">
+            <dgm:if name="Name147" axis="ch" ptType="node" func="cnt" op="gte" val="2">
+              <dgm:layoutNode name="cycle_2">
+                <dgm:choose name="Name148">
+                  <dgm:if name="Name149" func="var" arg="dir" op="equ" val="norm">
+                    <dgm:choose name="Name150">
+                      <dgm:if name="Name151" axis="ch" ptType="node" func="cnt" op="equ" val="2">
+                        <dgm:choose name="Name152">
+                          <dgm:if name="Name153" axis="ch ch" ptType="node node" st="2 1" cnt="1 0" func="cnt" op="equ" val="1">
+                            <dgm:alg type="cycle">
+                              <dgm:param type="ctrShpMap" val="fNode"/>
+                              <dgm:param type="stAng" val="180"/>
+                            </dgm:alg>
+                          </dgm:if>
+                          <dgm:if name="Name154" axis="ch ch" ptType="node node" st="2 1" cnt="1 0" func="cnt" op="equ" val="2">
+                            <dgm:alg type="cycle">
+                              <dgm:param type="ctrShpMap" val="fNode"/>
+                              <dgm:param type="stAng" val="135"/>
+                              <dgm:param type="spanAng" val="90"/>
+                            </dgm:alg>
+                          </dgm:if>
+                          <dgm:else name="Name155">
+                            <dgm:alg type="cycle">
+                              <dgm:param type="ctrShpMap" val="fNode"/>
+                              <dgm:param type="stAng" val="90"/>
+                              <dgm:param type="spanAng" val="180"/>
+                            </dgm:alg>
+                          </dgm:else>
+                        </dgm:choose>
+                      </dgm:if>
+                      <dgm:if name="Name156" axis="ch" ptType="node" func="cnt" op="equ" val="3">
+                        <dgm:choose name="Name157">
+                          <dgm:if name="Name158" axis="ch ch" ptType="node node" st="2 1" cnt="1 0" func="cnt" op="equ" val="1">
+                            <dgm:alg type="cycle">
+                              <dgm:param type="ctrShpMap" val="fNode"/>
+                              <dgm:param type="stAng" val="120"/>
+                              <dgm:param type="horzAlign" val="r"/>
+                              <dgm:param type="vertAlign" val="b"/>
+                            </dgm:alg>
+                          </dgm:if>
+                          <dgm:if name="Name159" axis="ch ch" ptType="node node" st="2 1" cnt="1 0" func="cnt" op="equ" val="2">
+                            <dgm:alg type="cycle">
+                              <dgm:param type="ctrShpMap" val="fNode"/>
+                              <dgm:param type="stAng" val="75"/>
+                              <dgm:param type="spanAng" val="90"/>
+                              <dgm:param type="horzAlign" val="r"/>
+                              <dgm:param type="vertAlign" val="b"/>
+                            </dgm:alg>
+                          </dgm:if>
+                          <dgm:else name="Name160">
+                            <dgm:alg type="cycle">
+                              <dgm:param type="ctrShpMap" val="fNode"/>
+                              <dgm:param type="stAng" val="30"/>
+                              <dgm:param type="spanAng" val="180"/>
+                            </dgm:alg>
+                          </dgm:else>
+                        </dgm:choose>
+                      </dgm:if>
+                      <dgm:if name="Name161" axis="ch" ptType="node" func="cnt" op="equ" val="4">
+                        <dgm:choose name="Name162">
+                          <dgm:if name="Name163" axis="ch ch" ptType="node node" st="2 1" cnt="1 0" func="cnt" op="equ" val="1">
+                            <dgm:alg type="cycle">
+                              <dgm:param type="ctrShpMap" val="fNode"/>
+                              <dgm:param type="stAng" val="90"/>
+                            </dgm:alg>
+                          </dgm:if>
+                          <dgm:if name="Name164" axis="ch ch" ptType="node node" st="2 1" cnt="1 0" func="cnt" op="equ" val="2">
+                            <dgm:alg type="cycle">
+                              <dgm:param type="ctrShpMap" val="fNode"/>
+                              <dgm:param type="stAng" val="45"/>
+                              <dgm:param type="spanAng" val="90"/>
+                            </dgm:alg>
+                          </dgm:if>
+                          <dgm:else name="Name165">
+                            <dgm:alg type="cycle">
+                              <dgm:param type="ctrShpMap" val="fNode"/>
+                              <dgm:param type="stAng" val="22.5"/>
+                              <dgm:param type="spanAng" val="135"/>
+                            </dgm:alg>
+                          </dgm:else>
+                        </dgm:choose>
+                      </dgm:if>
+                      <dgm:if name="Name166" axis="ch" ptType="node" func="cnt" op="equ" val="5">
+                        <dgm:choose name="Name167">
+                          <dgm:if name="Name168" axis="ch ch" ptType="node node" st="2 1" cnt="1 0" func="cnt" op="equ" val="1">
+                            <dgm:alg type="cycle">
+                              <dgm:param type="ctrShpMap" val="fNode"/>
+                              <dgm:param type="stAng" val="72"/>
+                            </dgm:alg>
+                          </dgm:if>
+                          <dgm:if name="Name169" axis="ch ch" ptType="node node" st="2 1" cnt="1 0" func="cnt" op="equ" val="2">
+                            <dgm:alg type="cycle">
+                              <dgm:param type="ctrShpMap" val="fNode"/>
+                              <dgm:param type="stAng" val="27"/>
+                              <dgm:param type="spanAng" val="90"/>
+                            </dgm:alg>
+                          </dgm:if>
+                          <dgm:else name="Name170">
+                            <dgm:alg type="cycle">
+                              <dgm:param type="ctrShpMap" val="fNode"/>
+                              <dgm:param type="stAng" val="0"/>
+                              <dgm:param type="spanAng" val="360"/>
+                            </dgm:alg>
+                          </dgm:else>
+                        </dgm:choose>
+                      </dgm:if>
+                      <dgm:if name="Name171" axis="ch" ptType="node" func="cnt" op="equ" val="6">
+                        <dgm:choose name="Name172">
+                          <dgm:if name="Name173" axis="ch ch" ptType="node node" st="2 1" cnt="1 0" func="cnt" op="equ" val="1">
+                            <dgm:alg type="cycle">
+                              <dgm:param type="ctrShpMap" val="fNode"/>
+                              <dgm:param type="stAng" val="60"/>
+                            </dgm:alg>
+                          </dgm:if>
+                          <dgm:if name="Name174" axis="ch ch" ptType="node node" st="2 1" cnt="1 0" func="cnt" op="equ" val="2">
+                            <dgm:alg type="cycle">
+                              <dgm:param type="ctrShpMap" val="fNode"/>
+                              <dgm:param type="stAng" val="15"/>
+                              <dgm:param type="spanAng" val="90"/>
+                            </dgm:alg>
+                          </dgm:if>
+                          <dgm:else name="Name175">
+                            <dgm:alg type="cycle">
+                              <dgm:param type="ctrShpMap" val="fNode"/>
+                              <dgm:param type="stAng" val="0"/>
+                              <dgm:param type="spanAng" val="360"/>
+                            </dgm:alg>
+                          </dgm:else>
+                        </dgm:choose>
+                      </dgm:if>
+                      <dgm:if name="Name176" axis="ch" ptType="node" func="cnt" op="gte" val="7">
+                        <dgm:choose name="Name177">
+                          <dgm:if name="Name178" axis="ch ch" ptType="node node" st="2 1" cnt="1 0" func="cnt" op="equ" val="1">
+                            <dgm:alg type="cycle">
+                              <dgm:param type="ctrShpMap" val="fNode"/>
+                              <dgm:param type="stAng" val="51"/>
+                            </dgm:alg>
+                          </dgm:if>
+                          <dgm:if name="Name179" axis="ch ch" ptType="node node" st="2 1" cnt="1 0" func="cnt" op="equ" val="2">
+                            <dgm:alg type="cycle">
+                              <dgm:param type="ctrShpMap" val="fNode"/>
+                              <dgm:param type="stAng" val="6"/>
+                              <dgm:param type="spanAng" val="90"/>
+                            </dgm:alg>
+                          </dgm:if>
+                          <dgm:else name="Name180">
+                            <dgm:alg type="cycle">
+                              <dgm:param type="ctrShpMap" val="fNode"/>
+                              <dgm:param type="stAng" val="0"/>
+                              <dgm:param type="spanAng" val="360"/>
+                            </dgm:alg>
+                          </dgm:else>
+                        </dgm:choose>
+                      </dgm:if>
+                      <dgm:else name="Name181"/>
+                    </dgm:choose>
+                  </dgm:if>
+                  <dgm:else name="Name182">
+                    <dgm:choose name="Name183">
+                      <dgm:if name="Name184" axis="ch" ptType="node" func="cnt" op="equ" val="2">
+                        <dgm:choose name="Name185">
+                          <dgm:if name="Name186" axis="ch ch" ptType="node node" st="2 1" cnt="1 0" func="cnt" op="equ" val="1">
+                            <dgm:alg type="cycle">
+                              <dgm:param type="ctrShpMap" val="fNode"/>
+                              <dgm:param type="stAng" val="180"/>
+                            </dgm:alg>
+                          </dgm:if>
+                          <dgm:if name="Name187" axis="ch ch" ptType="node node" st="2 1" cnt="1 0" func="cnt" op="equ" val="2">
+                            <dgm:alg type="cycle">
+                              <dgm:param type="ctrShpMap" val="fNode"/>
+                              <dgm:param type="stAng" val="225"/>
+                              <dgm:param type="spanAng" val="-90"/>
+                            </dgm:alg>
+                          </dgm:if>
+                          <dgm:else name="Name188">
+                            <dgm:alg type="cycle">
+                              <dgm:param type="ctrShpMap" val="fNode"/>
+                              <dgm:param type="stAng" val="270"/>
+                              <dgm:param type="spanAng" val="-180"/>
+                            </dgm:alg>
+                          </dgm:else>
+                        </dgm:choose>
+                      </dgm:if>
+                      <dgm:if name="Name189" axis="ch" ptType="node" func="cnt" op="equ" val="3">
+                        <dgm:choose name="Name190">
+                          <dgm:if name="Name191" axis="ch ch" ptType="node node" st="2 1" cnt="1 0" func="cnt" op="equ" val="1">
+                            <dgm:alg type="cycle">
+                              <dgm:param type="ctrShpMap" val="fNode"/>
+                              <dgm:param type="stAng" val="240"/>
+                              <dgm:param type="horzAlign" val="l"/>
+                              <dgm:param type="vertAlign" val="b"/>
+                            </dgm:alg>
+                          </dgm:if>
+                          <dgm:if name="Name192" axis="ch ch" ptType="node node" st="2 1" cnt="1 0" func="cnt" op="equ" val="2">
+                            <dgm:alg type="cycle">
+                              <dgm:param type="ctrShpMap" val="fNode"/>
+                              <dgm:param type="stAng" val="285"/>
+                              <dgm:param type="spanAng" val="-90"/>
+                              <dgm:param type="horzAlign" val="l"/>
+                              <dgm:param type="vertAlign" val="b"/>
+                            </dgm:alg>
+                          </dgm:if>
+                          <dgm:else name="Name193">
+                            <dgm:alg type="cycle">
+                              <dgm:param type="ctrShpMap" val="fNode"/>
+                              <dgm:param type="stAng" val="330"/>
+                              <dgm:param type="spanAng" val="-180"/>
+                            </dgm:alg>
+                          </dgm:else>
+                        </dgm:choose>
+                      </dgm:if>
+                      <dgm:if name="Name194" axis="ch" ptType="node" func="cnt" op="equ" val="4">
+                        <dgm:choose name="Name195">
+                          <dgm:if name="Name196" axis="ch ch" ptType="node node" st="2 1" cnt="1 0" func="cnt" op="equ" val="1">
+                            <dgm:alg type="cycle">
+                              <dgm:param type="ctrShpMap" val="fNode"/>
+                              <dgm:param type="stAng" val="270"/>
+                            </dgm:alg>
+                          </dgm:if>
+                          <dgm:if name="Name197" axis="ch ch" ptType="node node" st="2 1" cnt="1 0" func="cnt" op="equ" val="2">
+                            <dgm:alg type="cycle">
+                              <dgm:param type="ctrShpMap" val="fNode"/>
+                              <dgm:param type="stAng" val="315"/>
+                              <dgm:param type="spanAng" val="-90"/>
+                            </dgm:alg>
+                          </dgm:if>
+                          <dgm:else name="Name198">
+                            <dgm:alg type="cycle">
+                              <dgm:param type="ctrShpMap" val="fNode"/>
+                              <dgm:param type="stAng" val="337.5"/>
+                              <dgm:param type="spanAng" val="-135"/>
+                            </dgm:alg>
+                          </dgm:else>
+                        </dgm:choose>
+                      </dgm:if>
+                      <dgm:if name="Name199" axis="ch" ptType="node" func="cnt" op="equ" val="5">
+                        <dgm:choose name="Name200">
+                          <dgm:if name="Name201" axis="ch ch" ptType="node node" st="2 1" cnt="1 0" func="cnt" op="equ" val="1">
+                            <dgm:alg type="cycle">
+                              <dgm:param type="ctrShpMap" val="fNode"/>
+                              <dgm:param type="stAng" val="288"/>
+                            </dgm:alg>
+                          </dgm:if>
+                          <dgm:if name="Name202" axis="ch ch" ptType="node node" st="2 1" cnt="1 0" func="cnt" op="equ" val="2">
+                            <dgm:alg type="cycle">
+                              <dgm:param type="ctrShpMap" val="fNode"/>
+                              <dgm:param type="stAng" val="333"/>
+                              <dgm:param type="spanAng" val="-90"/>
+                            </dgm:alg>
+                          </dgm:if>
+                          <dgm:else name="Name203">
+                            <dgm:alg type="cycle">
+                              <dgm:param type="ctrShpMap" val="fNode"/>
+                              <dgm:param type="stAng" val="0"/>
+                              <dgm:param type="spanAng" val="-360"/>
+                            </dgm:alg>
+                          </dgm:else>
+                        </dgm:choose>
+                      </dgm:if>
+                      <dgm:if name="Name204" axis="ch" ptType="node" func="cnt" op="equ" val="6">
+                        <dgm:choose name="Name205">
+                          <dgm:if name="Name206" axis="ch ch" ptType="node node" st="2 1" cnt="1 0" func="cnt" op="equ" val="1">
+                            <dgm:alg type="cycle">
+                              <dgm:param type="ctrShpMap" val="fNode"/>
+                              <dgm:param type="stAng" val="300"/>
+                            </dgm:alg>
+                          </dgm:if>
+                          <dgm:if name="Name207" axis="ch ch" ptType="node node" st="2 1" cnt="1 0" func="cnt" op="equ" val="2">
+                            <dgm:alg type="cycle">
+                              <dgm:param type="ctrShpMap" val="fNode"/>
+                              <dgm:param type="stAng" val="345"/>
+                              <dgm:param type="spanAng" val="-90"/>
+                            </dgm:alg>
+                          </dgm:if>
+                          <dgm:else name="Name208">
+                            <dgm:alg type="cycle">
+                              <dgm:param type="ctrShpMap" val="fNode"/>
+                              <dgm:param type="stAng" val="0"/>
+                              <dgm:param type="spanAng" val="-360"/>
+                            </dgm:alg>
+                          </dgm:else>
+                        </dgm:choose>
+                      </dgm:if>
+                      <dgm:if name="Name209" axis="ch" ptType="node" func="cnt" op="gte" val="7">
+                        <dgm:choose name="Name210">
+                          <dgm:if name="Name211" axis="ch ch" ptType="node node" st="2 1" cnt="1 0" func="cnt" op="equ" val="1">
+                            <dgm:alg type="cycle">
+                              <dgm:param type="ctrShpMap" val="fNode"/>
+                              <dgm:param type="stAng" val="308"/>
+                            </dgm:alg>
+                          </dgm:if>
+                          <dgm:if name="Name212" axis="ch ch" ptType="node node" st="2 1" cnt="1 0" func="cnt" op="equ" val="2">
+                            <dgm:alg type="cycle">
+                              <dgm:param type="ctrShpMap" val="fNode"/>
+                              <dgm:param type="stAng" val="353"/>
+                              <dgm:param type="spanAng" val="-90"/>
+                            </dgm:alg>
+                          </dgm:if>
+                          <dgm:else name="Name213">
+                            <dgm:alg type="cycle">
+                              <dgm:param type="ctrShpMap" val="fNode"/>
+                              <dgm:param type="stAng" val="0"/>
+                              <dgm:param type="spanAng" val="-360"/>
+                            </dgm:alg>
+                          </dgm:else>
+                        </dgm:choose>
+                      </dgm:if>
+                      <dgm:else name="Name214"/>
+                    </dgm:choose>
+                  </dgm:else>
+                </dgm:choose>
+                <dgm:shape xmlns:r="http://schemas.openxmlformats.org/officeDocument/2006/relationships" r:blip="">
+                  <dgm:adjLst/>
+                </dgm:shape>
+                <dgm:presOf/>
+                <dgm:constrLst>
+                  <dgm:constr type="sp" refType="w" fact="0.1"/>
+                  <dgm:constr type="sibSp" refType="w" fact="0.1"/>
+                </dgm:constrLst>
+                <dgm:forEach name="Name215" axis="ch" ptType="node" st="2" cnt="1">
+                  <dgm:layoutNode name="childCenter2" styleLbl="node1">
+                    <dgm:alg type="tx"/>
+                    <dgm:shape xmlns:r="http://schemas.openxmlformats.org/officeDocument/2006/relationships" type="roundRect" r:blip="">
+                      <dgm:adjLst/>
+                    </dgm:shape>
+                    <dgm:presOf axis="self" ptType="node"/>
+                    <dgm:constrLst>
+                      <dgm:constr type="userS"/>
+                      <dgm:constr type="w" refType="userS"/>
+                      <dgm:constr type="h" refType="w"/>
+                      <dgm:constr type="tMarg" refType="primFontSz" fact="0.2"/>
+                      <dgm:constr type="bMarg" refType="primFontSz" fact="0.2"/>
+                      <dgm:constr type="lMarg" refType="primFontSz" fact="0.2"/>
+                      <dgm:constr type="rMarg" refType="primFontSz" fact="0.2"/>
+                    </dgm:constrLst>
+                    <dgm:ruleLst>
+                      <dgm:rule type="primFontSz" val="5" fact="NaN" max="NaN"/>
+                    </dgm:ruleLst>
+                  </dgm:layoutNode>
+                  <dgm:forEach name="Name216" axis="ch">
+                    <dgm:forEach name="Name217" axis="self" ptType="parTrans">
+                      <dgm:layoutNode name="Name218">
+                        <dgm:alg type="conn">
+                          <dgm:param type="dim" val="1D"/>
+                          <dgm:param type="begPts" val="auto"/>
+                          <dgm:param type="endPts" val="auto"/>
+                          <dgm:param type="begSty" val="noArr"/>
+                          <dgm:param type="endSty" val="noArr"/>
+                        </dgm:alg>
+                        <dgm:shape xmlns:r="http://schemas.openxmlformats.org/officeDocument/2006/relationships" type="conn" r:blip="">
+                          <dgm:adjLst/>
+                        </dgm:shape>
+                        <dgm:presOf axis="self"/>
+                        <dgm:constrLst>
+                          <dgm:constr type="begPad"/>
+                          <dgm:constr type="endPad"/>
+                        </dgm:constrLst>
+                      </dgm:layoutNode>
+                    </dgm:forEach>
+                    <dgm:forEach name="Name219" axis="self" ptType="node">
+                      <dgm:layoutNode name="text2" styleLbl="node1">
+                        <dgm:varLst>
+                          <dgm:bulletEnabled val="1"/>
+                        </dgm:varLst>
+                        <dgm:alg type="tx"/>
+                        <dgm:shape xmlns:r="http://schemas.openxmlformats.org/officeDocument/2006/relationships" type="roundRect" r:blip="">
+                          <dgm:adjLst/>
+                        </dgm:shape>
+                        <dgm:presOf axis="desOrSelf" ptType="node"/>
+                        <dgm:constrLst>
+                          <dgm:constr type="userS"/>
+                          <dgm:constr type="w" refType="userS"/>
+                          <dgm:constr type="h" refType="w"/>
+                          <dgm:constr type="tMarg" refType="primFontSz" fact="0.2"/>
+                          <dgm:constr type="bMarg" refType="primFontSz" fact="0.2"/>
+                          <dgm:constr type="lMarg" refType="primFontSz" fact="0.2"/>
+                          <dgm:constr type="rMarg" refType="primFontSz" fact="0.2"/>
+                        </dgm:constrLst>
+                        <dgm:ruleLst>
+                          <dgm:rule type="primFontSz" val="5" fact="NaN" max="NaN"/>
+                        </dgm:ruleLst>
+                      </dgm:layoutNode>
+                    </dgm:forEach>
+                  </dgm:forEach>
+                </dgm:forEach>
+              </dgm:layoutNode>
+              <dgm:forEach name="Name220" axis="ch" ptType="parTrans" st="2" cnt="1">
+                <dgm:layoutNode name="Name221">
+                  <dgm:alg type="conn">
+                    <dgm:param type="dim" val="1D"/>
+                    <dgm:param type="begPts" val="auto"/>
+                    <dgm:param type="endPts" val="auto"/>
+                    <dgm:param type="endSty" val="noArr"/>
+                    <dgm:param type="srcNode" val="textCenter"/>
+                    <dgm:param type="dstNode" val="childCenter2"/>
+                  </dgm:alg>
+                  <dgm:shape xmlns:r="http://schemas.openxmlformats.org/officeDocument/2006/relationships" type="conn" r:blip="" zOrderOff="-999">
+                    <dgm:adjLst/>
+                  </dgm:shape>
+                  <dgm:presOf axis="self"/>
+                  <dgm:constrLst>
+                    <dgm:constr type="h"/>
+                    <dgm:constr type="begPad"/>
+                    <dgm:constr type="endPad"/>
+                  </dgm:constrLst>
+                </dgm:layoutNode>
+              </dgm:forEach>
+            </dgm:if>
+            <dgm:else name="Name222"/>
+          </dgm:choose>
+          <dgm:choose name="Name223">
+            <dgm:if name="Name224" axis="ch" ptType="node" func="cnt" op="gte" val="3">
+              <dgm:layoutNode name="cycle_3">
+                <dgm:choose name="Name225">
+                  <dgm:if name="Name226" func="var" arg="dir" op="equ" val="norm">
+                    <dgm:choose name="Name227">
+                      <dgm:if name="Name228" axis="ch" ptType="node" func="cnt" op="equ" val="3">
+                        <dgm:choose name="Name229">
+                          <dgm:if name="Name230" axis="ch ch" ptType="node node" st="3 1" cnt="1 0" func="cnt" op="equ" val="1">
+                            <dgm:alg type="cycle">
+                              <dgm:param type="ctrShpMap" val="fNode"/>
+                              <dgm:param type="stAng" val="240"/>
+                              <dgm:param type="horzAlign" val="l"/>
+                              <dgm:param type="vertAlign" val="b"/>
+                            </dgm:alg>
+                          </dgm:if>
+                          <dgm:if name="Name231" axis="ch ch" ptType="node node" st="3 1" cnt="1 0" func="cnt" op="equ" val="2">
+                            <dgm:alg type="cycle">
+                              <dgm:param type="ctrShpMap" val="fNode"/>
+                              <dgm:param type="stAng" val="195"/>
+                              <dgm:param type="spanAng" val="90"/>
+                              <dgm:param type="horzAlign" val="l"/>
+                              <dgm:param type="vertAlign" val="b"/>
+                            </dgm:alg>
+                          </dgm:if>
+                          <dgm:else name="Name232">
+                            <dgm:alg type="cycle">
+                              <dgm:param type="ctrShpMap" val="fNode"/>
+                              <dgm:param type="stAng" val="150"/>
+                              <dgm:param type="spanAng" val="180"/>
+                            </dgm:alg>
+                          </dgm:else>
+                        </dgm:choose>
+                      </dgm:if>
+                      <dgm:if name="Name233" axis="ch" ptType="node" func="cnt" op="equ" val="4">
+                        <dgm:choose name="Name234">
+                          <dgm:if name="Name235" axis="ch ch" ptType="node node" st="3 1" cnt="1 0" func="cnt" op="equ" val="1">
+                            <dgm:alg type="cycle">
+                              <dgm:param type="ctrShpMap" val="fNode"/>
+                              <dgm:param type="stAng" val="180"/>
+                            </dgm:alg>
+                          </dgm:if>
+                          <dgm:if name="Name236" axis="ch ch" ptType="node node" st="3 1" cnt="1 0" func="cnt" op="equ" val="2">
+                            <dgm:alg type="cycle">
+                              <dgm:param type="ctrShpMap" val="fNode"/>
+                              <dgm:param type="stAng" val="135"/>
+                              <dgm:param type="spanAng" val="90"/>
+                            </dgm:alg>
+                          </dgm:if>
+                          <dgm:else name="Name237">
+                            <dgm:alg type="cycle">
+                              <dgm:param type="ctrShpMap" val="fNode"/>
+                              <dgm:param type="stAng" val="112.5"/>
+                              <dgm:param type="spanAng" val="135"/>
+                            </dgm:alg>
+                          </dgm:else>
+                        </dgm:choose>
+                      </dgm:if>
+                      <dgm:if name="Name238" axis="ch" ptType="node" func="cnt" op="equ" val="5">
+                        <dgm:choose name="Name239">
+                          <dgm:if name="Name240" axis="ch ch" ptType="node node" st="3 1" cnt="1 0" func="cnt" op="equ" val="1">
+                            <dgm:alg type="cycle">
+                              <dgm:param type="ctrShpMap" val="fNode"/>
+                              <dgm:param type="stAng" val="144"/>
+                            </dgm:alg>
+                          </dgm:if>
+                          <dgm:if name="Name241" axis="ch ch" ptType="node node" st="3 1" cnt="1 0" func="cnt" op="equ" val="2">
+                            <dgm:alg type="cycle">
+                              <dgm:param type="ctrShpMap" val="fNode"/>
+                              <dgm:param type="stAng" val="99"/>
+                              <dgm:param type="spanAng" val="90"/>
+                            </dgm:alg>
+                          </dgm:if>
+                          <dgm:else name="Name242">
+                            <dgm:alg type="cycle">
+                              <dgm:param type="ctrShpMap" val="fNode"/>
+                              <dgm:param type="stAng" val="0"/>
+                              <dgm:param type="spanAng" val="360"/>
+                            </dgm:alg>
+                          </dgm:else>
+                        </dgm:choose>
+                      </dgm:if>
+                      <dgm:if name="Name243" axis="ch" ptType="node" func="cnt" op="equ" val="6">
+                        <dgm:choose name="Name244">
+                          <dgm:if name="Name245" axis="ch ch" ptType="node node" st="3 1" cnt="1 0" func="cnt" op="equ" val="1">
+                            <dgm:alg type="cycle">
+                              <dgm:param type="ctrShpMap" val="fNode"/>
+                              <dgm:param type="stAng" val="120"/>
+                            </dgm:alg>
+                          </dgm:if>
+                          <dgm:if name="Name246" axis="ch ch" ptType="node node" st="3 1" cnt="1 0" func="cnt" op="equ" val="2">
+                            <dgm:alg type="cycle">
+                              <dgm:param type="ctrShpMap" val="fNode"/>
+                              <dgm:param type="stAng" val="75"/>
+                              <dgm:param type="spanAng" val="90"/>
+                            </dgm:alg>
+                          </dgm:if>
+                          <dgm:else name="Name247">
+                            <dgm:alg type="cycle">
+                              <dgm:param type="ctrShpMap" val="fNode"/>
+                              <dgm:param type="stAng" val="0"/>
+                              <dgm:param type="spanAng" val="360"/>
+                            </dgm:alg>
+                          </dgm:else>
+                        </dgm:choose>
+                      </dgm:if>
+                      <dgm:if name="Name248" axis="ch" ptType="node" func="cnt" op="gte" val="7">
+                        <dgm:choose name="Name249">
+                          <dgm:if name="Name250" axis="ch ch" ptType="node node" st="3 1" cnt="1 0" func="cnt" op="equ" val="1">
+                            <dgm:alg type="cycle">
+                              <dgm:param type="ctrShpMap" val="fNode"/>
+                              <dgm:param type="stAng" val="102"/>
+                            </dgm:alg>
+                          </dgm:if>
+                          <dgm:if name="Name251" axis="ch ch" ptType="node node" st="3 1" cnt="1 0" func="cnt" op="equ" val="2">
+                            <dgm:alg type="cycle">
+                              <dgm:param type="ctrShpMap" val="fNode"/>
+                              <dgm:param type="stAng" val="57"/>
+                              <dgm:param type="spanAng" val="90"/>
+                            </dgm:alg>
+                          </dgm:if>
+                          <dgm:else name="Name252">
+                            <dgm:alg type="cycle">
+                              <dgm:param type="ctrShpMap" val="fNode"/>
+                              <dgm:param type="stAng" val="0"/>
+                              <dgm:param type="spanAng" val="360"/>
+                            </dgm:alg>
+                          </dgm:else>
+                        </dgm:choose>
+                      </dgm:if>
+                      <dgm:else name="Name253"/>
+                    </dgm:choose>
+                  </dgm:if>
+                  <dgm:else name="Name254">
+                    <dgm:choose name="Name255">
+                      <dgm:if name="Name256" axis="ch" ptType="node" func="cnt" op="equ" val="3">
+                        <dgm:choose name="Name257">
+                          <dgm:if name="Name258" axis="ch ch" ptType="node node" st="3 1" cnt="1 0" func="cnt" op="equ" val="1">
+                            <dgm:alg type="cycle">
+                              <dgm:param type="ctrShpMap" val="fNode"/>
+                              <dgm:param type="stAng" val="120"/>
+                              <dgm:param type="horzAlign" val="r"/>
+                              <dgm:param type="vertAlign" val="b"/>
+                            </dgm:alg>
+                          </dgm:if>
+                          <dgm:if name="Name259" axis="ch ch" ptType="node node" st="3 1" cnt="1 0" func="cnt" op="equ" val="2">
+                            <dgm:alg type="cycle">
+                              <dgm:param type="ctrShpMap" val="fNode"/>
+                              <dgm:param type="stAng" val="165"/>
+                              <dgm:param type="spanAng" val="-90"/>
+                              <dgm:param type="horzAlign" val="r"/>
+                              <dgm:param type="vertAlign" val="b"/>
+                            </dgm:alg>
+                          </dgm:if>
+                          <dgm:else name="Name260">
+                            <dgm:alg type="cycle">
+                              <dgm:param type="ctrShpMap" val="fNode"/>
+                              <dgm:param type="stAng" val="210"/>
+                              <dgm:param type="spanAng" val="-180"/>
+                            </dgm:alg>
+                          </dgm:else>
+                        </dgm:choose>
+                      </dgm:if>
+                      <dgm:if name="Name261" axis="ch" ptType="node" func="cnt" op="equ" val="4">
+                        <dgm:choose name="Name262">
+                          <dgm:if name="Name263" axis="ch ch" ptType="node node" st="3 1" cnt="1 0" func="cnt" op="equ" val="1">
+                            <dgm:alg type="cycle">
+                              <dgm:param type="ctrShpMap" val="fNode"/>
+                              <dgm:param type="stAng" val="180"/>
+                            </dgm:alg>
+                          </dgm:if>
+                          <dgm:if name="Name264" axis="ch ch" ptType="node node" st="3 1" cnt="1 0" func="cnt" op="equ" val="2">
+                            <dgm:alg type="cycle">
+                              <dgm:param type="ctrShpMap" val="fNode"/>
+                              <dgm:param type="stAng" val="225"/>
+                              <dgm:param type="spanAng" val="-90"/>
+                            </dgm:alg>
+                          </dgm:if>
+                          <dgm:else name="Name265">
+                            <dgm:alg type="cycle">
+                              <dgm:param type="ctrShpMap" val="fNode"/>
+                              <dgm:param type="stAng" val="247.5"/>
+                              <dgm:param type="spanAng" val="-135"/>
+                            </dgm:alg>
+                          </dgm:else>
+                        </dgm:choose>
+                      </dgm:if>
+                      <dgm:if name="Name266" axis="ch" ptType="node" func="cnt" op="equ" val="5">
+                        <dgm:choose name="Name267">
+                          <dgm:if name="Name268" axis="ch ch" ptType="node node" st="3 1" cnt="1 0" func="cnt" op="equ" val="1">
+                            <dgm:alg type="cycle">
+                              <dgm:param type="ctrShpMap" val="fNode"/>
+                              <dgm:param type="stAng" val="216"/>
+                            </dgm:alg>
+                          </dgm:if>
+                          <dgm:if name="Name269" axis="ch ch" ptType="node node" st="3 1" cnt="1 0" func="cnt" op="equ" val="2">
+                            <dgm:alg type="cycle">
+                              <dgm:param type="ctrShpMap" val="fNode"/>
+                              <dgm:param type="stAng" val="261"/>
+                              <dgm:param type="spanAng" val="-90"/>
+                            </dgm:alg>
+                          </dgm:if>
+                          <dgm:else name="Name270">
+                            <dgm:alg type="cycle">
+                              <dgm:param type="ctrShpMap" val="fNode"/>
+                              <dgm:param type="stAng" val="0"/>
+                              <dgm:param type="spanAng" val="-360"/>
+                            </dgm:alg>
+                          </dgm:else>
+                        </dgm:choose>
+                      </dgm:if>
+                      <dgm:if name="Name271" axis="ch" ptType="node" func="cnt" op="equ" val="6">
+                        <dgm:choose name="Name272">
+                          <dgm:if name="Name273" axis="ch ch" ptType="node node" st="3 1" cnt="1 0" func="cnt" op="equ" val="1">
+                            <dgm:alg type="cycle">
+                              <dgm:param type="ctrShpMap" val="fNode"/>
+                              <dgm:param type="stAng" val="240"/>
+                            </dgm:alg>
+                          </dgm:if>
+                          <dgm:if name="Name274" axis="ch ch" ptType="node node" st="3 1" cnt="1 0" func="cnt" op="equ" val="2">
+                            <dgm:alg type="cycle">
+                              <dgm:param type="ctrShpMap" val="fNode"/>
+                              <dgm:param type="stAng" val="285"/>
+                              <dgm:param type="spanAng" val="-90"/>
+                            </dgm:alg>
+                          </dgm:if>
+                          <dgm:else name="Name275">
+                            <dgm:alg type="cycle">
+                              <dgm:param type="ctrShpMap" val="fNode"/>
+                              <dgm:param type="stAng" val="0"/>
+                              <dgm:param type="spanAng" val="-360"/>
+                            </dgm:alg>
+                          </dgm:else>
+                        </dgm:choose>
+                      </dgm:if>
+                      <dgm:if name="Name276" axis="ch" ptType="node" func="cnt" op="gte" val="7">
+                        <dgm:choose name="Name277">
+                          <dgm:if name="Name278" axis="ch ch" ptType="node node" st="3 1" cnt="1 0" func="cnt" op="equ" val="1">
+                            <dgm:alg type="cycle">
+                              <dgm:param type="ctrShpMap" val="fNode"/>
+                              <dgm:param type="stAng" val="257"/>
+                            </dgm:alg>
+                          </dgm:if>
+                          <dgm:if name="Name279" axis="ch ch" ptType="node node" st="3 1" cnt="1 0" func="cnt" op="equ" val="2">
+                            <dgm:alg type="cycle">
+                              <dgm:param type="ctrShpMap" val="fNode"/>
+                              <dgm:param type="stAng" val="302"/>
+                              <dgm:param type="spanAng" val="-90"/>
+                            </dgm:alg>
+                          </dgm:if>
+                          <dgm:else name="Name280">
+                            <dgm:alg type="cycle">
+                              <dgm:param type="ctrShpMap" val="fNode"/>
+                              <dgm:param type="stAng" val="0"/>
+                              <dgm:param type="spanAng" val="-360"/>
+                            </dgm:alg>
+                          </dgm:else>
+                        </dgm:choose>
+                      </dgm:if>
+                      <dgm:else name="Name281"/>
+                    </dgm:choose>
+                  </dgm:else>
+                </dgm:choose>
+                <dgm:shape xmlns:r="http://schemas.openxmlformats.org/officeDocument/2006/relationships" r:blip="">
+                  <dgm:adjLst/>
+                </dgm:shape>
+                <dgm:presOf/>
+                <dgm:constrLst>
+                  <dgm:constr type="sp" refType="w" fact="0.1"/>
+                  <dgm:constr type="sibSp" refType="w" fact="0.1"/>
+                </dgm:constrLst>
+                <dgm:forEach name="Name282" axis="ch" ptType="node" st="3" cnt="1">
+                  <dgm:layoutNode name="childCenter3" styleLbl="node1">
+                    <dgm:alg type="tx"/>
+                    <dgm:shape xmlns:r="http://schemas.openxmlformats.org/officeDocument/2006/relationships" type="roundRect" r:blip="">
+                      <dgm:adjLst/>
+                    </dgm:shape>
+                    <dgm:presOf axis="self" ptType="node"/>
+                    <dgm:constrLst>
+                      <dgm:constr type="userS"/>
+                      <dgm:constr type="w" refType="userS"/>
+                      <dgm:constr type="h" refType="w"/>
+                      <dgm:constr type="tMarg" refType="primFontSz" fact="0.2"/>
+                      <dgm:constr type="bMarg" refType="primFontSz" fact="0.2"/>
+                      <dgm:constr type="lMarg" refType="primFontSz" fact="0.2"/>
+                      <dgm:constr type="rMarg" refType="primFontSz" fact="0.2"/>
+                    </dgm:constrLst>
+                    <dgm:ruleLst>
+                      <dgm:rule type="primFontSz" val="5" fact="NaN" max="NaN"/>
+                    </dgm:ruleLst>
+                  </dgm:layoutNode>
+                  <dgm:forEach name="Name283" axis="ch">
+                    <dgm:forEach name="Name284" axis="self" ptType="parTrans">
+                      <dgm:layoutNode name="Name285">
+                        <dgm:alg type="conn">
+                          <dgm:param type="dim" val="1D"/>
+                          <dgm:param type="begPts" val="auto"/>
+                          <dgm:param type="endPts" val="auto"/>
+                          <dgm:param type="begSty" val="noArr"/>
+                          <dgm:param type="endSty" val="noArr"/>
+                        </dgm:alg>
+                        <dgm:shape xmlns:r="http://schemas.openxmlformats.org/officeDocument/2006/relationships" type="conn" r:blip="">
+                          <dgm:adjLst/>
+                        </dgm:shape>
+                        <dgm:presOf axis="self"/>
+                        <dgm:constrLst>
+                          <dgm:constr type="begPad"/>
+                          <dgm:constr type="endPad"/>
+                        </dgm:constrLst>
+                      </dgm:layoutNode>
+                    </dgm:forEach>
+                    <dgm:forEach name="Name286" axis="self" ptType="node">
+                      <dgm:layoutNode name="text3" styleLbl="node1">
+                        <dgm:varLst>
+                          <dgm:bulletEnabled val="1"/>
+                        </dgm:varLst>
+                        <dgm:alg type="tx"/>
+                        <dgm:shape xmlns:r="http://schemas.openxmlformats.org/officeDocument/2006/relationships" type="roundRect" r:blip="">
+                          <dgm:adjLst/>
+                        </dgm:shape>
+                        <dgm:presOf axis="desOrSelf" ptType="node"/>
+                        <dgm:constrLst>
+                          <dgm:constr type="userS"/>
+                          <dgm:constr type="w" refType="userS"/>
+                          <dgm:constr type="h" refType="w"/>
+                          <dgm:constr type="tMarg" refType="primFontSz" fact="0.2"/>
+                          <dgm:constr type="bMarg" refType="primFontSz" fact="0.2"/>
+                          <dgm:constr type="lMarg" refType="primFontSz" fact="0.2"/>
+                          <dgm:constr type="rMarg" refType="primFontSz" fact="0.2"/>
+                        </dgm:constrLst>
+                        <dgm:ruleLst>
+                          <dgm:rule type="primFontSz" val="5" fact="NaN" max="NaN"/>
+                        </dgm:ruleLst>
+                      </dgm:layoutNode>
+                    </dgm:forEach>
+                  </dgm:forEach>
+                </dgm:forEach>
+              </dgm:layoutNode>
+              <dgm:forEach name="Name287" axis="ch" ptType="parTrans" st="3" cnt="1">
+                <dgm:layoutNode name="Name288">
+                  <dgm:alg type="conn">
+                    <dgm:param type="dim" val="1D"/>
+                    <dgm:param type="begPts" val="auto"/>
+                    <dgm:param type="endPts" val="auto"/>
+                    <dgm:param type="endSty" val="noArr"/>
+                    <dgm:param type="srcNode" val="textCenter"/>
+                    <dgm:param type="dstNode" val="childCenter3"/>
+                  </dgm:alg>
+                  <dgm:shape xmlns:r="http://schemas.openxmlformats.org/officeDocument/2006/relationships" type="conn" r:blip="" zOrderOff="-999">
+                    <dgm:adjLst/>
+                  </dgm:shape>
+                  <dgm:presOf axis="self"/>
+                  <dgm:constrLst>
+                    <dgm:constr type="h"/>
+                    <dgm:constr type="begPad"/>
+                    <dgm:constr type="endPad"/>
+                  </dgm:constrLst>
+                </dgm:layoutNode>
+              </dgm:forEach>
+            </dgm:if>
+            <dgm:else name="Name289"/>
+          </dgm:choose>
+          <dgm:choose name="Name290">
+            <dgm:if name="Name291" axis="ch" ptType="node" func="cnt" op="gte" val="4">
+              <dgm:layoutNode name="cycle_4">
+                <dgm:choose name="Name292">
+                  <dgm:if name="Name293" func="var" arg="dir" op="equ" val="norm">
+                    <dgm:choose name="Name294">
+                      <dgm:if name="Name295" axis="ch" ptType="node" func="cnt" op="equ" val="4">
+                        <dgm:choose name="Name296">
+                          <dgm:if name="Name297" axis="ch ch" ptType="node node" st="4 1" cnt="1 0" func="cnt" op="equ" val="1">
+                            <dgm:alg type="cycle">
+                              <dgm:param type="ctrShpMap" val="fNode"/>
+                              <dgm:param type="stAng" val="270"/>
+                            </dgm:alg>
+                          </dgm:if>
+                          <dgm:if name="Name298" axis="ch ch" ptType="node node" st="4 1" cnt="1 0" func="cnt" op="equ" val="2">
+                            <dgm:alg type="cycle">
+                              <dgm:param type="ctrShpMap" val="fNode"/>
+                              <dgm:param type="stAng" val="225"/>
+                              <dgm:param type="spanAng" val="90"/>
+                            </dgm:alg>
+                          </dgm:if>
+                          <dgm:else name="Name299">
+                            <dgm:alg type="cycle">
+                              <dgm:param type="ctrShpMap" val="fNode"/>
+                              <dgm:param type="stAng" val="202.5"/>
+                              <dgm:param type="spanAng" val="135"/>
+                            </dgm:alg>
+                          </dgm:else>
+                        </dgm:choose>
+                      </dgm:if>
+                      <dgm:if name="Name300" axis="ch" ptType="node" func="cnt" op="equ" val="5">
+                        <dgm:choose name="Name301">
+                          <dgm:if name="Name302" axis="ch ch" ptType="node node" st="4 1" cnt="1 0" func="cnt" op="equ" val="1">
+                            <dgm:alg type="cycle">
+                              <dgm:param type="ctrShpMap" val="fNode"/>
+                              <dgm:param type="stAng" val="216"/>
+                            </dgm:alg>
+                          </dgm:if>
+                          <dgm:if name="Name303" axis="ch ch" ptType="node node" st="4 1" cnt="1 0" func="cnt" op="equ" val="2">
+                            <dgm:alg type="cycle">
+                              <dgm:param type="ctrShpMap" val="fNode"/>
+                              <dgm:param type="stAng" val="171"/>
+                              <dgm:param type="spanAng" val="90"/>
+                            </dgm:alg>
+                          </dgm:if>
+                          <dgm:else name="Name304">
+                            <dgm:alg type="cycle">
+                              <dgm:param type="ctrShpMap" val="fNode"/>
+                              <dgm:param type="stAng" val="0"/>
+                              <dgm:param type="spanAng" val="360"/>
+                            </dgm:alg>
+                          </dgm:else>
+                        </dgm:choose>
+                      </dgm:if>
+                      <dgm:if name="Name305" axis="ch" ptType="node" func="cnt" op="equ" val="6">
+                        <dgm:choose name="Name306">
+                          <dgm:if name="Name307" axis="ch ch" ptType="node node" st="4 1" cnt="1 0" func="cnt" op="equ" val="1">
+                            <dgm:alg type="cycle">
+                              <dgm:param type="ctrShpMap" val="fNode"/>
+                              <dgm:param type="stAng" val="180"/>
+                            </dgm:alg>
+                          </dgm:if>
+                          <dgm:if name="Name308" axis="ch ch" ptType="node node" st="4 1" cnt="1 0" func="cnt" op="equ" val="2">
+                            <dgm:alg type="cycle">
+                              <dgm:param type="ctrShpMap" val="fNode"/>
+                              <dgm:param type="stAng" val="135"/>
+                              <dgm:param type="spanAng" val="90"/>
+                            </dgm:alg>
+                          </dgm:if>
+                          <dgm:else name="Name309">
+                            <dgm:alg type="cycle">
+                              <dgm:param type="ctrShpMap" val="fNode"/>
+                              <dgm:param type="stAng" val="0"/>
+                              <dgm:param type="spanAng" val="360"/>
+                            </dgm:alg>
+                          </dgm:else>
+                        </dgm:choose>
+                      </dgm:if>
+                      <dgm:if name="Name310" axis="ch" ptType="node" func="cnt" op="gte" val="7">
+                        <dgm:choose name="Name311">
+                          <dgm:if name="Name312" axis="ch ch" ptType="node node" st="4 1" cnt="1 0" func="cnt" op="equ" val="1">
+                            <dgm:alg type="cycle">
+                              <dgm:param type="ctrShpMap" val="fNode"/>
+                              <dgm:param type="stAng" val="154"/>
+                            </dgm:alg>
+                          </dgm:if>
+                          <dgm:if name="Name313" axis="ch ch" ptType="node node" st="4 1" cnt="1 0" func="cnt" op="equ" val="2">
+                            <dgm:alg type="cycle">
+                              <dgm:param type="ctrShpMap" val="fNode"/>
+                              <dgm:param type="stAng" val="109"/>
+                              <dgm:param type="spanAng" val="90"/>
+                            </dgm:alg>
+                          </dgm:if>
+                          <dgm:else name="Name314">
+                            <dgm:alg type="cycle">
+                              <dgm:param type="ctrShpMap" val="fNode"/>
+                              <dgm:param type="stAng" val="0"/>
+                              <dgm:param type="spanAng" val="360"/>
+                            </dgm:alg>
+                          </dgm:else>
+                        </dgm:choose>
+                      </dgm:if>
+                      <dgm:else name="Name315"/>
+                    </dgm:choose>
+                  </dgm:if>
+                  <dgm:else name="Name316">
+                    <dgm:choose name="Name317">
+                      <dgm:if name="Name318" axis="ch" ptType="node" func="cnt" op="equ" val="4">
+                        <dgm:choose name="Name319">
+                          <dgm:if name="Name320" axis="ch ch" ptType="node node" st="4 1" cnt="1 0" func="cnt" op="equ" val="1">
+                            <dgm:alg type="cycle">
+                              <dgm:param type="ctrShpMap" val="fNode"/>
+                              <dgm:param type="stAng" val="90"/>
+                            </dgm:alg>
+                          </dgm:if>
+                          <dgm:if name="Name321" axis="ch ch" ptType="node node" st="4 1" cnt="1 0" func="cnt" op="equ" val="2">
+                            <dgm:alg type="cycle">
+                              <dgm:param type="ctrShpMap" val="fNode"/>
+                              <dgm:param type="stAng" val="135"/>
+                              <dgm:param type="spanAng" val="-90"/>
+                            </dgm:alg>
+                          </dgm:if>
+                          <dgm:else name="Name322">
+                            <dgm:alg type="cycle">
+                              <dgm:param type="ctrShpMap" val="fNode"/>
+                              <dgm:param type="stAng" val="157.5"/>
+                              <dgm:param type="spanAng" val="-135"/>
+                            </dgm:alg>
+                          </dgm:else>
+                        </dgm:choose>
+                      </dgm:if>
+                      <dgm:if name="Name323" axis="ch" ptType="node" func="cnt" op="equ" val="5">
+                        <dgm:choose name="Name324">
+                          <dgm:if name="Name325" axis="ch ch" ptType="node node" st="4 1" cnt="1 0" func="cnt" op="equ" val="1">
+                            <dgm:alg type="cycle">
+                              <dgm:param type="ctrShpMap" val="fNode"/>
+                              <dgm:param type="stAng" val="144"/>
+                            </dgm:alg>
+                          </dgm:if>
+                          <dgm:if name="Name326" axis="ch ch" ptType="node node" st="4 1" cnt="1 0" func="cnt" op="equ" val="2">
+                            <dgm:alg type="cycle">
+                              <dgm:param type="ctrShpMap" val="fNode"/>
+                              <dgm:param type="stAng" val="189"/>
+                              <dgm:param type="spanAng" val="-90"/>
+                            </dgm:alg>
+                          </dgm:if>
+                          <dgm:else name="Name327">
+                            <dgm:alg type="cycle">
+                              <dgm:param type="ctrShpMap" val="fNode"/>
+                              <dgm:param type="stAng" val="0"/>
+                              <dgm:param type="spanAng" val="-360"/>
+                            </dgm:alg>
+                          </dgm:else>
+                        </dgm:choose>
+                      </dgm:if>
+                      <dgm:if name="Name328" axis="ch" ptType="node" func="cnt" op="equ" val="6">
+                        <dgm:choose name="Name329">
+                          <dgm:if name="Name330" axis="ch ch" ptType="node node" st="4 1" cnt="1 0" func="cnt" op="equ" val="1">
+                            <dgm:alg type="cycle">
+                              <dgm:param type="ctrShpMap" val="fNode"/>
+                              <dgm:param type="stAng" val="180"/>
+                            </dgm:alg>
+                          </dgm:if>
+                          <dgm:if name="Name331" axis="ch ch" ptType="node node" st="4 1" cnt="1 0" func="cnt" op="equ" val="2">
+                            <dgm:alg type="cycle">
+                              <dgm:param type="ctrShpMap" val="fNode"/>
+                              <dgm:param type="stAng" val="225"/>
+                              <dgm:param type="spanAng" val="-90"/>
+                            </dgm:alg>
+                          </dgm:if>
+                          <dgm:else name="Name332">
+                            <dgm:alg type="cycle">
+                              <dgm:param type="ctrShpMap" val="fNode"/>
+                              <dgm:param type="stAng" val="0"/>
+                              <dgm:param type="spanAng" val="-360"/>
+                            </dgm:alg>
+                          </dgm:else>
+                        </dgm:choose>
+                      </dgm:if>
+                      <dgm:if name="Name333" axis="ch" ptType="node" func="cnt" op="gte" val="7">
+                        <dgm:choose name="Name334">
+                          <dgm:if name="Name335" axis="ch ch" ptType="node node" st="4 1" cnt="1 0" func="cnt" op="equ" val="1">
+                            <dgm:alg type="cycle">
+                              <dgm:param type="ctrShpMap" val="fNode"/>
+                              <dgm:param type="stAng" val="205"/>
+                            </dgm:alg>
+                          </dgm:if>
+                          <dgm:if name="Name336" axis="ch ch" ptType="node node" st="4 1" cnt="1 0" func="cnt" op="equ" val="2">
+                            <dgm:alg type="cycle">
+                              <dgm:param type="ctrShpMap" val="fNode"/>
+                              <dgm:param type="stAng" val="250"/>
+                              <dgm:param type="spanAng" val="-90"/>
+                            </dgm:alg>
+                          </dgm:if>
+                          <dgm:else name="Name337">
+                            <dgm:alg type="cycle">
+                              <dgm:param type="ctrShpMap" val="fNode"/>
+                              <dgm:param type="stAng" val="0"/>
+                              <dgm:param type="spanAng" val="-360"/>
+                            </dgm:alg>
+                          </dgm:else>
+                        </dgm:choose>
+                      </dgm:if>
+                      <dgm:else name="Name338"/>
+                    </dgm:choose>
+                  </dgm:else>
+                </dgm:choose>
+                <dgm:shape xmlns:r="http://schemas.openxmlformats.org/officeDocument/2006/relationships" r:blip="">
+                  <dgm:adjLst/>
+                </dgm:shape>
+                <dgm:presOf/>
+                <dgm:constrLst>
+                  <dgm:constr type="sp" refType="w" fact="0.1"/>
+                  <dgm:constr type="sibSp" refType="w" fact="0.1"/>
+                </dgm:constrLst>
+                <dgm:forEach name="Name339" axis="ch" ptType="node" st="4" cnt="1">
+                  <dgm:layoutNode name="childCenter4" styleLbl="node1">
+                    <dgm:alg type="tx"/>
+                    <dgm:shape xmlns:r="http://schemas.openxmlformats.org/officeDocument/2006/relationships" type="roundRect" r:blip="">
+                      <dgm:adjLst/>
+                    </dgm:shape>
+                    <dgm:presOf axis="self" ptType="node"/>
+                    <dgm:constrLst>
+                      <dgm:constr type="userS"/>
+                      <dgm:constr type="w" refType="userS"/>
+                      <dgm:constr type="h" refType="w"/>
+                      <dgm:constr type="tMarg" refType="primFontSz" fact="0.2"/>
+                      <dgm:constr type="bMarg" refType="primFontSz" fact="0.2"/>
+                      <dgm:constr type="lMarg" refType="primFontSz" fact="0.2"/>
+                      <dgm:constr type="rMarg" refType="primFontSz" fact="0.2"/>
+                    </dgm:constrLst>
+                    <dgm:ruleLst>
+                      <dgm:rule type="primFontSz" val="5" fact="NaN" max="NaN"/>
+                    </dgm:ruleLst>
+                  </dgm:layoutNode>
+                  <dgm:forEach name="Name340" axis="ch">
+                    <dgm:forEach name="Name341" axis="self" ptType="parTrans">
+                      <dgm:layoutNode name="Name342">
+                        <dgm:alg type="conn">
+                          <dgm:param type="dim" val="1D"/>
+                          <dgm:param type="begPts" val="auto"/>
+                          <dgm:param type="endPts" val="auto"/>
+                          <dgm:param type="begSty" val="noArr"/>
+                          <dgm:param type="endSty" val="noArr"/>
+                        </dgm:alg>
+                        <dgm:shape xmlns:r="http://schemas.openxmlformats.org/officeDocument/2006/relationships" type="conn" r:blip="">
+                          <dgm:adjLst/>
+                        </dgm:shape>
+                        <dgm:presOf axis="self"/>
+                        <dgm:constrLst>
+                          <dgm:constr type="begPad"/>
+                          <dgm:constr type="endPad"/>
+                        </dgm:constrLst>
+                      </dgm:layoutNode>
+                    </dgm:forEach>
+                    <dgm:forEach name="Name343" axis="self" ptType="node">
+                      <dgm:layoutNode name="text4" styleLbl="node1">
+                        <dgm:varLst>
+                          <dgm:bulletEnabled val="1"/>
+                        </dgm:varLst>
+                        <dgm:alg type="tx"/>
+                        <dgm:shape xmlns:r="http://schemas.openxmlformats.org/officeDocument/2006/relationships" type="roundRect" r:blip="">
+                          <dgm:adjLst/>
+                        </dgm:shape>
+                        <dgm:presOf axis="desOrSelf" ptType="node"/>
+                        <dgm:constrLst>
+                          <dgm:constr type="userS"/>
+                          <dgm:constr type="w" refType="userS"/>
+                          <dgm:constr type="h" refType="w"/>
+                          <dgm:constr type="tMarg" refType="primFontSz" fact="0.2"/>
+                          <dgm:constr type="bMarg" refType="primFontSz" fact="0.2"/>
+                          <dgm:constr type="lMarg" refType="primFontSz" fact="0.2"/>
+                          <dgm:constr type="rMarg" refType="primFontSz" fact="0.2"/>
+                        </dgm:constrLst>
+                        <dgm:ruleLst>
+                          <dgm:rule type="primFontSz" val="5" fact="NaN" max="NaN"/>
+                        </dgm:ruleLst>
+                      </dgm:layoutNode>
+                    </dgm:forEach>
+                  </dgm:forEach>
+                </dgm:forEach>
+              </dgm:layoutNode>
+              <dgm:forEach name="Name344" axis="ch" ptType="parTrans" st="4" cnt="1">
+                <dgm:layoutNode name="Name345">
+                  <dgm:alg type="conn">
+                    <dgm:param type="dim" val="1D"/>
+                    <dgm:param type="begPts" val="auto"/>
+                    <dgm:param type="endPts" val="auto"/>
+                    <dgm:param type="endSty" val="noArr"/>
+                    <dgm:param type="srcNode" val="textCenter"/>
+                    <dgm:param type="dstNode" val="childCenter4"/>
+                  </dgm:alg>
+                  <dgm:shape xmlns:r="http://schemas.openxmlformats.org/officeDocument/2006/relationships" type="conn" r:blip="" zOrderOff="-999">
+                    <dgm:adjLst/>
+                  </dgm:shape>
+                  <dgm:presOf axis="self"/>
+                  <dgm:constrLst>
+                    <dgm:constr type="h"/>
+                    <dgm:constr type="begPad"/>
+                    <dgm:constr type="endPad"/>
+                  </dgm:constrLst>
+                </dgm:layoutNode>
+              </dgm:forEach>
+            </dgm:if>
+            <dgm:else name="Name346"/>
+          </dgm:choose>
+          <dgm:choose name="Name347">
+            <dgm:if name="Name348" axis="ch" ptType="node" func="cnt" op="gte" val="5">
+              <dgm:layoutNode name="cycle_5">
+                <dgm:choose name="Name349">
+                  <dgm:if name="Name350" func="var" arg="dir" op="equ" val="norm">
+                    <dgm:choose name="Name351">
+                      <dgm:if name="Name352" axis="ch" ptType="node" func="cnt" op="equ" val="5">
+                        <dgm:choose name="Name353">
+                          <dgm:if name="Name354" axis="ch ch" ptType="node node" st="5 1" cnt="1 0" func="cnt" op="equ" val="1">
+                            <dgm:alg type="cycle">
+                              <dgm:param type="ctrShpMap" val="fNode"/>
+                              <dgm:param type="stAng" val="288"/>
+                            </dgm:alg>
+                          </dgm:if>
+                          <dgm:if name="Name355" axis="ch ch" ptType="node node" st="5 1" cnt="1 0" func="cnt" op="equ" val="2">
+                            <dgm:alg type="cycle">
+                              <dgm:param type="ctrShpMap" val="fNode"/>
+                              <dgm:param type="stAng" val="243"/>
+                              <dgm:param type="spanAng" val="90"/>
+                            </dgm:alg>
+                          </dgm:if>
+                          <dgm:else name="Name356">
+                            <dgm:alg type="cycle">
+                              <dgm:param type="ctrShpMap" val="fNode"/>
+                              <dgm:param type="stAng" val="0"/>
+                              <dgm:param type="spanAng" val="360"/>
+                            </dgm:alg>
+                          </dgm:else>
+                        </dgm:choose>
+                      </dgm:if>
+                      <dgm:if name="Name357" axis="ch" ptType="node" func="cnt" op="equ" val="6">
+                        <dgm:choose name="Name358">
+                          <dgm:if name="Name359" axis="ch ch" ptType="node node" st="5 1" cnt="1 0" func="cnt" op="equ" val="1">
+                            <dgm:alg type="cycle">
+                              <dgm:param type="ctrShpMap" val="fNode"/>
+                              <dgm:param type="stAng" val="240"/>
+                            </dgm:alg>
+                          </dgm:if>
+                          <dgm:if name="Name360" axis="ch ch" ptType="node node" st="5 1" cnt="1 0" func="cnt" op="equ" val="2">
+                            <dgm:alg type="cycle">
+                              <dgm:param type="ctrShpMap" val="fNode"/>
+                              <dgm:param type="stAng" val="195"/>
+                              <dgm:param type="spanAng" val="90"/>
+                            </dgm:alg>
+                          </dgm:if>
+                          <dgm:else name="Name361">
+                            <dgm:alg type="cycle">
+                              <dgm:param type="ctrShpMap" val="fNode"/>
+                              <dgm:param type="stAng" val="0"/>
+                              <dgm:param type="spanAng" val="360"/>
+                            </dgm:alg>
+                          </dgm:else>
+                        </dgm:choose>
+                      </dgm:if>
+                      <dgm:if name="Name362" axis="ch" ptType="node" func="cnt" op="gte" val="7">
+                        <dgm:choose name="Name363">
+                          <dgm:if name="Name364" axis="ch ch" ptType="node node" st="5 1" cnt="1 0" func="cnt" op="equ" val="1">
+                            <dgm:alg type="cycle">
+                              <dgm:param type="ctrShpMap" val="fNode"/>
+                              <dgm:param type="stAng" val="205"/>
+                            </dgm:alg>
+                          </dgm:if>
+                          <dgm:if name="Name365" axis="ch ch" ptType="node node" st="5 1" cnt="1 0" func="cnt" op="equ" val="2">
+                            <dgm:alg type="cycle">
+                              <dgm:param type="ctrShpMap" val="fNode"/>
+                              <dgm:param type="stAng" val="160"/>
+                              <dgm:param type="spanAng" val="90"/>
+                            </dgm:alg>
+                          </dgm:if>
+                          <dgm:else name="Name366">
+                            <dgm:alg type="cycle">
+                              <dgm:param type="ctrShpMap" val="fNode"/>
+                              <dgm:param type="stAng" val="0"/>
+                              <dgm:param type="spanAng" val="360"/>
+                            </dgm:alg>
+                          </dgm:else>
+                        </dgm:choose>
+                      </dgm:if>
+                      <dgm:else name="Name367"/>
+                    </dgm:choose>
+                  </dgm:if>
+                  <dgm:else name="Name368">
+                    <dgm:choose name="Name369">
+                      <dgm:if name="Name370" axis="ch" ptType="node" func="cnt" op="equ" val="5">
+                        <dgm:choose name="Name371">
+                          <dgm:if name="Name372" axis="ch ch" ptType="node node" st="5 1" cnt="1 0" func="cnt" op="equ" val="1">
+                            <dgm:alg type="cycle">
+                              <dgm:param type="ctrShpMap" val="fNode"/>
+                              <dgm:param type="stAng" val="72"/>
+                            </dgm:alg>
+                          </dgm:if>
+                          <dgm:if name="Name373" axis="ch ch" ptType="node node" st="5 1" cnt="1 0" func="cnt" op="equ" val="2">
+                            <dgm:alg type="cycle">
+                              <dgm:param type="ctrShpMap" val="fNode"/>
+                              <dgm:param type="stAng" val="117"/>
+                              <dgm:param type="spanAng" val="-90"/>
+                            </dgm:alg>
+                          </dgm:if>
+                          <dgm:else name="Name374">
+                            <dgm:alg type="cycle">
+                              <dgm:param type="ctrShpMap" val="fNode"/>
+                              <dgm:param type="stAng" val="0"/>
+                              <dgm:param type="spanAng" val="-360"/>
+                            </dgm:alg>
+                          </dgm:else>
+                        </dgm:choose>
+                      </dgm:if>
+                      <dgm:if name="Name375" axis="ch" ptType="node" func="cnt" op="equ" val="6">
+                        <dgm:choose name="Name376">
+                          <dgm:if name="Name377" axis="ch ch" ptType="node node" st="5 1" cnt="1 0" func="cnt" op="equ" val="1">
+                            <dgm:alg type="cycle">
+                              <dgm:param type="ctrShpMap" val="fNode"/>
+                              <dgm:param type="stAng" val="120"/>
+                            </dgm:alg>
+                          </dgm:if>
+                          <dgm:if name="Name378" axis="ch ch" ptType="node node" st="5 1" cnt="1 0" func="cnt" op="equ" val="2">
+                            <dgm:alg type="cycle">
+                              <dgm:param type="ctrShpMap" val="fNode"/>
+                              <dgm:param type="stAng" val="165"/>
+                              <dgm:param type="spanAng" val="-90"/>
+                            </dgm:alg>
+                          </dgm:if>
+                          <dgm:else name="Name379">
+                            <dgm:alg type="cycle">
+                              <dgm:param type="ctrShpMap" val="fNode"/>
+                              <dgm:param type="stAng" val="0"/>
+                              <dgm:param type="spanAng" val="-360"/>
+                            </dgm:alg>
+                          </dgm:else>
+                        </dgm:choose>
+                      </dgm:if>
+                      <dgm:if name="Name380" axis="ch" ptType="node" func="cnt" op="gte" val="7">
+                        <dgm:choose name="Name381">
+                          <dgm:if name="Name382" axis="ch ch" ptType="node node" st="5 1" cnt="1 0" func="cnt" op="equ" val="1">
+                            <dgm:alg type="cycle">
+                              <dgm:param type="ctrShpMap" val="fNode"/>
+                              <dgm:param type="stAng" val="154"/>
+                            </dgm:alg>
+                          </dgm:if>
+                          <dgm:if name="Name383" axis="ch ch" ptType="node node" st="5 1" cnt="1 0" func="cnt" op="equ" val="2">
+                            <dgm:alg type="cycle">
+                              <dgm:param type="ctrShpMap" val="fNode"/>
+                              <dgm:param type="stAng" val="199"/>
+                              <dgm:param type="spanAng" val="-90"/>
+                            </dgm:alg>
+                          </dgm:if>
+                          <dgm:else name="Name384">
+                            <dgm:alg type="cycle">
+                              <dgm:param type="ctrShpMap" val="fNode"/>
+                              <dgm:param type="stAng" val="0"/>
+                              <dgm:param type="spanAng" val="-360"/>
+                            </dgm:alg>
+                          </dgm:else>
+                        </dgm:choose>
+                      </dgm:if>
+                      <dgm:else name="Name385"/>
+                    </dgm:choose>
+                  </dgm:else>
+                </dgm:choose>
+                <dgm:shape xmlns:r="http://schemas.openxmlformats.org/officeDocument/2006/relationships" r:blip="">
+                  <dgm:adjLst/>
+                </dgm:shape>
+                <dgm:presOf/>
+                <dgm:constrLst>
+                  <dgm:constr type="sp" refType="w" fact="0.1"/>
+                  <dgm:constr type="sibSp" refType="w" fact="0.1"/>
+                </dgm:constrLst>
+                <dgm:forEach name="Name386" axis="ch" ptType="node" st="5" cnt="1">
+                  <dgm:layoutNode name="childCenter5" styleLbl="node1">
+                    <dgm:alg type="tx"/>
+                    <dgm:shape xmlns:r="http://schemas.openxmlformats.org/officeDocument/2006/relationships" type="roundRect" r:blip="">
+                      <dgm:adjLst/>
+                    </dgm:shape>
+                    <dgm:presOf axis="self" ptType="node"/>
+                    <dgm:constrLst>
+                      <dgm:constr type="userS"/>
+                      <dgm:constr type="w" refType="userS"/>
+                      <dgm:constr type="h" refType="w"/>
+                      <dgm:constr type="tMarg" refType="primFontSz" fact="0.2"/>
+                      <dgm:constr type="bMarg" refType="primFontSz" fact="0.2"/>
+                      <dgm:constr type="lMarg" refType="primFontSz" fact="0.2"/>
+                      <dgm:constr type="rMarg" refType="primFontSz" fact="0.2"/>
+                    </dgm:constrLst>
+                    <dgm:ruleLst>
+                      <dgm:rule type="primFontSz" val="5" fact="NaN" max="NaN"/>
+                    </dgm:ruleLst>
+                  </dgm:layoutNode>
+                  <dgm:forEach name="Name387" axis="ch">
+                    <dgm:forEach name="Name388" axis="self" ptType="parTrans">
+                      <dgm:layoutNode name="Name389">
+                        <dgm:alg type="conn">
+                          <dgm:param type="dim" val="1D"/>
+                          <dgm:param type="begPts" val="auto"/>
+                          <dgm:param type="endPts" val="auto"/>
+                          <dgm:param type="begSty" val="noArr"/>
+                          <dgm:param type="endSty" val="noArr"/>
+                        </dgm:alg>
+                        <dgm:shape xmlns:r="http://schemas.openxmlformats.org/officeDocument/2006/relationships" type="conn" r:blip="">
+                          <dgm:adjLst/>
+                        </dgm:shape>
+                        <dgm:presOf axis="self"/>
+                        <dgm:constrLst>
+                          <dgm:constr type="begPad"/>
+                          <dgm:constr type="endPad"/>
+                        </dgm:constrLst>
+                      </dgm:layoutNode>
+                    </dgm:forEach>
+                    <dgm:forEach name="Name390" axis="self" ptType="node">
+                      <dgm:layoutNode name="text5" styleLbl="node1">
+                        <dgm:varLst>
+                          <dgm:bulletEnabled val="1"/>
+                        </dgm:varLst>
+                        <dgm:alg type="tx"/>
+                        <dgm:shape xmlns:r="http://schemas.openxmlformats.org/officeDocument/2006/relationships" type="roundRect" r:blip="">
+                          <dgm:adjLst/>
+                        </dgm:shape>
+                        <dgm:presOf axis="desOrSelf" ptType="node"/>
+                        <dgm:constrLst>
+                          <dgm:constr type="userS"/>
+                          <dgm:constr type="w" refType="userS"/>
+                          <dgm:constr type="h" refType="w"/>
+                          <dgm:constr type="tMarg" refType="primFontSz" fact="0.2"/>
+                          <dgm:constr type="bMarg" refType="primFontSz" fact="0.2"/>
+                          <dgm:constr type="lMarg" refType="primFontSz" fact="0.2"/>
+                          <dgm:constr type="rMarg" refType="primFontSz" fact="0.2"/>
+                        </dgm:constrLst>
+                        <dgm:ruleLst>
+                          <dgm:rule type="primFontSz" val="5" fact="NaN" max="NaN"/>
+                        </dgm:ruleLst>
+                      </dgm:layoutNode>
+                    </dgm:forEach>
+                  </dgm:forEach>
+                </dgm:forEach>
+              </dgm:layoutNode>
+              <dgm:forEach name="Name391" axis="ch" ptType="parTrans" st="5" cnt="1">
+                <dgm:layoutNode name="Name392">
+                  <dgm:alg type="conn">
+                    <dgm:param type="dim" val="1D"/>
+                    <dgm:param type="begPts" val="auto"/>
+                    <dgm:param type="endPts" val="auto"/>
+                    <dgm:param type="endSty" val="noArr"/>
+                    <dgm:param type="srcNode" val="textCenter"/>
+                    <dgm:param type="dstNode" val="childCenter5"/>
+                  </dgm:alg>
+                  <dgm:shape xmlns:r="http://schemas.openxmlformats.org/officeDocument/2006/relationships" type="conn" r:blip="" zOrderOff="-999">
+                    <dgm:adjLst/>
+                  </dgm:shape>
+                  <dgm:presOf axis="self"/>
+                  <dgm:constrLst>
+                    <dgm:constr type="h"/>
+                    <dgm:constr type="begPad"/>
+                    <dgm:constr type="endPad"/>
+                  </dgm:constrLst>
+                </dgm:layoutNode>
+              </dgm:forEach>
+            </dgm:if>
+            <dgm:else name="Name393"/>
+          </dgm:choose>
+          <dgm:choose name="Name394">
+            <dgm:if name="Name395" axis="ch" ptType="node" func="cnt" op="gte" val="6">
+              <dgm:layoutNode name="cycle_6">
+                <dgm:choose name="Name396">
+                  <dgm:if name="Name397" func="var" arg="dir" op="equ" val="norm">
+                    <dgm:choose name="Name398">
+                      <dgm:if name="Name399" axis="ch" ptType="node" func="cnt" op="equ" val="6">
+                        <dgm:choose name="Name400">
+                          <dgm:if name="Name401" axis="ch ch" ptType="node node" st="6 1" cnt="1 0" func="cnt" op="equ" val="1">
+                            <dgm:alg type="cycle">
+                              <dgm:param type="ctrShpMap" val="fNode"/>
+                              <dgm:param type="stAng" val="300"/>
+                            </dgm:alg>
+                          </dgm:if>
+                          <dgm:if name="Name402" axis="ch ch" ptType="node node" st="6 1" cnt="1 0" func="cnt" op="equ" val="2">
+                            <dgm:alg type="cycle">
+                              <dgm:param type="ctrShpMap" val="fNode"/>
+                              <dgm:param type="stAng" val="255"/>
+                              <dgm:param type="spanAng" val="90"/>
+                            </dgm:alg>
+                          </dgm:if>
+                          <dgm:else name="Name403">
+                            <dgm:alg type="cycle">
+                              <dgm:param type="ctrShpMap" val="fNode"/>
+                              <dgm:param type="stAng" val="0"/>
+                              <dgm:param type="spanAng" val="360"/>
+                            </dgm:alg>
+                          </dgm:else>
+                        </dgm:choose>
+                      </dgm:if>
+                      <dgm:if name="Name404" axis="ch" ptType="node" func="cnt" op="gte" val="7">
+                        <dgm:choose name="Name405">
+                          <dgm:if name="Name406" axis="ch ch" ptType="node node" st="6 1" cnt="1 0" func="cnt" op="equ" val="1">
+                            <dgm:alg type="cycle">
+                              <dgm:param type="ctrShpMap" val="fNode"/>
+                              <dgm:param type="stAng" val="257"/>
+                            </dgm:alg>
+                          </dgm:if>
+                          <dgm:if name="Name407" axis="ch ch" ptType="node node" st="6 1" cnt="1 0" func="cnt" op="equ" val="2">
+                            <dgm:alg type="cycle">
+                              <dgm:param type="ctrShpMap" val="fNode"/>
+                              <dgm:param type="stAng" val="212"/>
+                              <dgm:param type="spanAng" val="90"/>
+                            </dgm:alg>
+                          </dgm:if>
+                          <dgm:else name="Name408">
+                            <dgm:alg type="cycle">
+                              <dgm:param type="ctrShpMap" val="fNode"/>
+                              <dgm:param type="stAng" val="0"/>
+                              <dgm:param type="spanAng" val="360"/>
+                            </dgm:alg>
+                          </dgm:else>
+                        </dgm:choose>
+                      </dgm:if>
+                      <dgm:else name="Name409"/>
+                    </dgm:choose>
+                  </dgm:if>
+                  <dgm:else name="Name410">
+                    <dgm:choose name="Name411">
+                      <dgm:if name="Name412" axis="ch" ptType="node" func="cnt" op="equ" val="6">
+                        <dgm:choose name="Name413">
+                          <dgm:if name="Name414" axis="ch ch" ptType="node node" st="6 1" cnt="1 0" func="cnt" op="equ" val="1">
+                            <dgm:alg type="cycle">
+                              <dgm:param type="ctrShpMap" val="fNode"/>
+                              <dgm:param type="stAng" val="60"/>
+                            </dgm:alg>
+                          </dgm:if>
+                          <dgm:if name="Name415" axis="ch ch" ptType="node node" st="6 1" cnt="1 0" func="cnt" op="equ" val="2">
+                            <dgm:alg type="cycle">
+                              <dgm:param type="ctrShpMap" val="fNode"/>
+                              <dgm:param type="stAng" val="105"/>
+                              <dgm:param type="spanAng" val="-90"/>
+                            </dgm:alg>
+                          </dgm:if>
+                          <dgm:else name="Name416">
+                            <dgm:alg type="cycle">
+                              <dgm:param type="ctrShpMap" val="fNode"/>
+                              <dgm:param type="stAng" val="0"/>
+                              <dgm:param type="spanAng" val="-360"/>
+                            </dgm:alg>
+                          </dgm:else>
+                        </dgm:choose>
+                      </dgm:if>
+                      <dgm:if name="Name417" axis="ch" ptType="node" func="cnt" op="gte" val="7">
+                        <dgm:choose name="Name418">
+                          <dgm:if name="Name419" axis="ch ch" ptType="node node" st="6 1" cnt="1 0" func="cnt" op="equ" val="1">
+                            <dgm:alg type="cycle">
+                              <dgm:param type="ctrShpMap" val="fNode"/>
+                              <dgm:param type="stAng" val="102"/>
+                            </dgm:alg>
+                          </dgm:if>
+                          <dgm:if name="Name420" axis="ch ch" ptType="node node" st="6 1" cnt="1 0" func="cnt" op="equ" val="2">
+                            <dgm:alg type="cycle">
+                              <dgm:param type="ctrShpMap" val="fNode"/>
+                              <dgm:param type="stAng" val="147"/>
+                              <dgm:param type="spanAng" val="-90"/>
+                            </dgm:alg>
+                          </dgm:if>
+                          <dgm:else name="Name421">
+                            <dgm:alg type="cycle">
+                              <dgm:param type="ctrShpMap" val="fNode"/>
+                              <dgm:param type="stAng" val="0"/>
+                              <dgm:param type="spanAng" val="-360"/>
+                            </dgm:alg>
+                          </dgm:else>
+                        </dgm:choose>
+                      </dgm:if>
+                      <dgm:else name="Name422"/>
+                    </dgm:choose>
+                  </dgm:else>
+                </dgm:choose>
+                <dgm:shape xmlns:r="http://schemas.openxmlformats.org/officeDocument/2006/relationships" r:blip="">
+                  <dgm:adjLst/>
+                </dgm:shape>
+                <dgm:presOf/>
+                <dgm:constrLst>
+                  <dgm:constr type="sp" refType="w" fact="0.1"/>
+                  <dgm:constr type="sibSp" refType="w" fact="0.1"/>
+                </dgm:constrLst>
+                <dgm:forEach name="Name423" axis="ch" ptType="node" st="6" cnt="1">
+                  <dgm:layoutNode name="childCenter6" styleLbl="node1">
+                    <dgm:alg type="tx"/>
+                    <dgm:shape xmlns:r="http://schemas.openxmlformats.org/officeDocument/2006/relationships" type="roundRect" r:blip="">
+                      <dgm:adjLst/>
+                    </dgm:shape>
+                    <dgm:presOf axis="self" ptType="node"/>
+                    <dgm:constrLst>
+                      <dgm:constr type="userS"/>
+                      <dgm:constr type="w" refType="userS"/>
+                      <dgm:constr type="h" refType="w"/>
+                      <dgm:constr type="tMarg" refType="primFontSz" fact="0.2"/>
+                      <dgm:constr type="bMarg" refType="primFontSz" fact="0.2"/>
+                      <dgm:constr type="lMarg" refType="primFontSz" fact="0.2"/>
+                      <dgm:constr type="rMarg" refType="primFontSz" fact="0.2"/>
+                    </dgm:constrLst>
+                    <dgm:ruleLst>
+                      <dgm:rule type="primFontSz" val="5" fact="NaN" max="NaN"/>
+                    </dgm:ruleLst>
+                  </dgm:layoutNode>
+                  <dgm:forEach name="Name424" axis="ch">
+                    <dgm:forEach name="Name425" axis="self" ptType="parTrans">
+                      <dgm:layoutNode name="Name426">
+                        <dgm:alg type="conn">
+                          <dgm:param type="dim" val="1D"/>
+                          <dgm:param type="begPts" val="auto"/>
+                          <dgm:param type="endPts" val="auto"/>
+                          <dgm:param type="begSty" val="noArr"/>
+                          <dgm:param type="endSty" val="noArr"/>
+                        </dgm:alg>
+                        <dgm:shape xmlns:r="http://schemas.openxmlformats.org/officeDocument/2006/relationships" type="conn" r:blip="">
+                          <dgm:adjLst/>
+                        </dgm:shape>
+                        <dgm:presOf axis="self"/>
+                        <dgm:constrLst>
+                          <dgm:constr type="begPad"/>
+                          <dgm:constr type="endPad"/>
+                        </dgm:constrLst>
+                      </dgm:layoutNode>
+                    </dgm:forEach>
+                    <dgm:forEach name="Name427" axis="self" ptType="node">
+                      <dgm:layoutNode name="text6" styleLbl="node1">
+                        <dgm:varLst>
+                          <dgm:bulletEnabled val="1"/>
+                        </dgm:varLst>
+                        <dgm:alg type="tx"/>
+                        <dgm:shape xmlns:r="http://schemas.openxmlformats.org/officeDocument/2006/relationships" type="roundRect" r:blip="">
+                          <dgm:adjLst/>
+                        </dgm:shape>
+                        <dgm:presOf axis="desOrSelf" ptType="node"/>
+                        <dgm:constrLst>
+                          <dgm:constr type="userS"/>
+                          <dgm:constr type="w" refType="userS"/>
+                          <dgm:constr type="h" refType="w"/>
+                          <dgm:constr type="tMarg" refType="primFontSz" fact="0.2"/>
+                          <dgm:constr type="bMarg" refType="primFontSz" fact="0.2"/>
+                          <dgm:constr type="lMarg" refType="primFontSz" fact="0.2"/>
+                          <dgm:constr type="rMarg" refType="primFontSz" fact="0.2"/>
+                        </dgm:constrLst>
+                        <dgm:ruleLst>
+                          <dgm:rule type="primFontSz" val="5" fact="NaN" max="NaN"/>
+                        </dgm:ruleLst>
+                      </dgm:layoutNode>
+                    </dgm:forEach>
+                  </dgm:forEach>
+                </dgm:forEach>
+              </dgm:layoutNode>
+              <dgm:forEach name="Name428" axis="ch" ptType="parTrans" st="6" cnt="1">
+                <dgm:layoutNode name="Name429">
+                  <dgm:alg type="conn">
+                    <dgm:param type="dim" val="1D"/>
+                    <dgm:param type="begPts" val="auto"/>
+                    <dgm:param type="endPts" val="auto"/>
+                    <dgm:param type="endSty" val="noArr"/>
+                    <dgm:param type="srcNode" val="textCenter"/>
+                    <dgm:param type="dstNode" val="childCenter6"/>
+                  </dgm:alg>
+                  <dgm:shape xmlns:r="http://schemas.openxmlformats.org/officeDocument/2006/relationships" type="conn" r:blip="" zOrderOff="-999">
+                    <dgm:adjLst/>
+                  </dgm:shape>
+                  <dgm:presOf axis="self"/>
+                  <dgm:constrLst>
+                    <dgm:constr type="h"/>
+                    <dgm:constr type="begPad"/>
+                    <dgm:constr type="endPad"/>
+                  </dgm:constrLst>
+                </dgm:layoutNode>
+              </dgm:forEach>
+            </dgm:if>
+            <dgm:else name="Name430"/>
+          </dgm:choose>
+          <dgm:choose name="Name431">
+            <dgm:if name="Name432" axis="ch" ptType="node" func="cnt" op="gte" val="7">
+              <dgm:layoutNode name="cycle_7">
+                <dgm:choose name="Name433">
+                  <dgm:if name="Name434" func="var" arg="dir" op="equ" val="norm">
+                    <dgm:choose name="Name435">
+                      <dgm:if name="Name436" axis="ch" ptType="node" func="cnt" op="gte" val="7">
+                        <dgm:choose name="Name437">
+                          <dgm:if name="Name438" axis="ch ch" ptType="node node" st="7 1" cnt="1 0" func="cnt" op="equ" val="1">
+                            <dgm:alg type="cycle">
+                              <dgm:param type="ctrShpMap" val="fNode"/>
+                              <dgm:param type="stAng" val="308"/>
+                            </dgm:alg>
+                          </dgm:if>
+                          <dgm:if name="Name439" axis="ch ch" ptType="node node" st="7 1" cnt="1 0" func="cnt" op="equ" val="2">
+                            <dgm:alg type="cycle">
+                              <dgm:param type="ctrShpMap" val="fNode"/>
+                              <dgm:param type="stAng" val="263"/>
+                              <dgm:param type="spanAng" val="90"/>
+                            </dgm:alg>
+                          </dgm:if>
+                          <dgm:else name="Name440">
+                            <dgm:alg type="cycle">
+                              <dgm:param type="ctrShpMap" val="fNode"/>
+                              <dgm:param type="stAng" val="0"/>
+                              <dgm:param type="spanAng" val="360"/>
+                            </dgm:alg>
+                          </dgm:else>
+                        </dgm:choose>
+                      </dgm:if>
+                      <dgm:else name="Name441"/>
+                    </dgm:choose>
+                  </dgm:if>
+                  <dgm:else name="Name442">
+                    <dgm:choose name="Name443">
+                      <dgm:if name="Name444" axis="ch" ptType="node" func="cnt" op="gte" val="7">
+                        <dgm:choose name="Name445">
+                          <dgm:if name="Name446" axis="ch ch" ptType="node node" st="7 1" cnt="1 0" func="cnt" op="equ" val="1">
+                            <dgm:alg type="cycle">
+                              <dgm:param type="ctrShpMap" val="fNode"/>
+                              <dgm:param type="stAng" val="51"/>
+                            </dgm:alg>
+                          </dgm:if>
+                          <dgm:if name="Name447" axis="ch ch" ptType="node node" st="7 1" cnt="1 0" func="cnt" op="equ" val="2">
+                            <dgm:alg type="cycle">
+                              <dgm:param type="ctrShpMap" val="fNode"/>
+                              <dgm:param type="stAng" val="96"/>
+                              <dgm:param type="spanAng" val="-90"/>
+                            </dgm:alg>
+                          </dgm:if>
+                          <dgm:else name="Name448">
+                            <dgm:alg type="cycle">
+                              <dgm:param type="ctrShpMap" val="fNode"/>
+                              <dgm:param type="stAng" val="0"/>
+                              <dgm:param type="spanAng" val="-360"/>
+                            </dgm:alg>
+                          </dgm:else>
+                        </dgm:choose>
+                      </dgm:if>
+                      <dgm:else name="Name449"/>
+                    </dgm:choose>
+                  </dgm:else>
+                </dgm:choose>
+                <dgm:shape xmlns:r="http://schemas.openxmlformats.org/officeDocument/2006/relationships" r:blip="">
+                  <dgm:adjLst/>
+                </dgm:shape>
+                <dgm:presOf/>
+                <dgm:constrLst>
+                  <dgm:constr type="sp" refType="w" fact="0.1"/>
+                  <dgm:constr type="sibSp" refType="w" fact="0.1"/>
+                </dgm:constrLst>
+                <dgm:forEach name="Name450" axis="ch" ptType="node" st="7" cnt="1">
+                  <dgm:layoutNode name="childCenter7" styleLbl="node1">
+                    <dgm:alg type="tx"/>
+                    <dgm:shape xmlns:r="http://schemas.openxmlformats.org/officeDocument/2006/relationships" type="roundRect" r:blip="">
+                      <dgm:adjLst/>
+                    </dgm:shape>
+                    <dgm:presOf axis="self" ptType="node"/>
+                    <dgm:constrLst>
+                      <dgm:constr type="userS"/>
+                      <dgm:constr type="w" refType="userS"/>
+                      <dgm:constr type="h" refType="w"/>
+                      <dgm:constr type="tMarg" refType="primFontSz" fact="0.2"/>
+                      <dgm:constr type="bMarg" refType="primFontSz" fact="0.2"/>
+                      <dgm:constr type="lMarg" refType="primFontSz" fact="0.2"/>
+                      <dgm:constr type="rMarg" refType="primFontSz" fact="0.2"/>
+                    </dgm:constrLst>
+                    <dgm:ruleLst>
+                      <dgm:rule type="primFontSz" val="5" fact="NaN" max="NaN"/>
+                    </dgm:ruleLst>
+                  </dgm:layoutNode>
+                  <dgm:forEach name="Name451" axis="ch">
+                    <dgm:forEach name="Name452" axis="self" ptType="parTrans">
+                      <dgm:layoutNode name="Name453">
+                        <dgm:alg type="conn">
+                          <dgm:param type="dim" val="1D"/>
+                          <dgm:param type="begPts" val="auto"/>
+                          <dgm:param type="endPts" val="auto"/>
+                          <dgm:param type="begSty" val="noArr"/>
+                          <dgm:param type="endSty" val="noArr"/>
+                        </dgm:alg>
+                        <dgm:shape xmlns:r="http://schemas.openxmlformats.org/officeDocument/2006/relationships" type="conn" r:blip="">
+                          <dgm:adjLst/>
+                        </dgm:shape>
+                        <dgm:presOf axis="self"/>
+                        <dgm:constrLst>
+                          <dgm:constr type="begPad"/>
+                          <dgm:constr type="endPad"/>
+                        </dgm:constrLst>
+                      </dgm:layoutNode>
+                    </dgm:forEach>
+                    <dgm:forEach name="Name454" axis="self" ptType="node">
+                      <dgm:layoutNode name="text7" styleLbl="node1">
+                        <dgm:varLst>
+                          <dgm:bulletEnabled val="1"/>
+                        </dgm:varLst>
+                        <dgm:alg type="tx"/>
+                        <dgm:shape xmlns:r="http://schemas.openxmlformats.org/officeDocument/2006/relationships" type="roundRect" r:blip="">
+                          <dgm:adjLst/>
+                        </dgm:shape>
+                        <dgm:presOf axis="desOrSelf" ptType="node"/>
+                        <dgm:constrLst>
+                          <dgm:constr type="userS"/>
+                          <dgm:constr type="w" refType="userS"/>
+                          <dgm:constr type="h" refType="w"/>
+                          <dgm:constr type="tMarg" refType="primFontSz" fact="0.2"/>
+                          <dgm:constr type="bMarg" refType="primFontSz" fact="0.2"/>
+                          <dgm:constr type="lMarg" refType="primFontSz" fact="0.2"/>
+                          <dgm:constr type="rMarg" refType="primFontSz" fact="0.2"/>
+                        </dgm:constrLst>
+                        <dgm:ruleLst>
+                          <dgm:rule type="primFontSz" val="5" fact="NaN" max="NaN"/>
+                        </dgm:ruleLst>
+                      </dgm:layoutNode>
+                    </dgm:forEach>
+                  </dgm:forEach>
+                </dgm:forEach>
+              </dgm:layoutNode>
+              <dgm:forEach name="Name455" axis="ch" ptType="parTrans" st="7" cnt="1">
+                <dgm:layoutNode name="Name456">
+                  <dgm:alg type="conn">
+                    <dgm:param type="dim" val="1D"/>
+                    <dgm:param type="begPts" val="auto"/>
+                    <dgm:param type="endPts" val="auto"/>
+                    <dgm:param type="endSty" val="noArr"/>
+                    <dgm:param type="srcNode" val="textCenter"/>
+                    <dgm:param type="dstNode" val="childCenter7"/>
+                  </dgm:alg>
+                  <dgm:shape xmlns:r="http://schemas.openxmlformats.org/officeDocument/2006/relationships" type="conn" r:blip="" zOrderOff="-999">
+                    <dgm:adjLst/>
+                  </dgm:shape>
+                  <dgm:presOf axis="self"/>
+                  <dgm:constrLst>
+                    <dgm:constr type="h"/>
+                    <dgm:constr type="begPad"/>
+                    <dgm:constr type="endPad"/>
+                  </dgm:constrLst>
+                </dgm:layoutNode>
+              </dgm:forEach>
+            </dgm:if>
+            <dgm:else name="Name457"/>
+          </dgm:choose>
+        </dgm:else>
+      </dgm:choose>
+    </dgm:forEach>
+  </dgm:layoutNode>
+</dgm:layoutDef>
+</file>
+
+<file path=ppt/diagrams/quickStyle1.xml><?xml version="1.0" encoding="utf-8"?>
+<dgm:styleDef xmlns:dgm="http://schemas.openxmlformats.org/drawingml/2006/diagram" xmlns:a="http://schemas.openxmlformats.org/drawingml/2006/main" uniqueId="urn:microsoft.com/office/officeart/2005/8/quickstyle/simple1">
+  <dgm:title val=""/>
+  <dgm:desc val=""/>
+  <dgm:catLst>
+    <dgm:cat type="simple" pri="10100"/>
+  </dgm:catLst>
+  <dgm:scene3d>
+    <a:camera prst="orthographicFront"/>
+    <a:lightRig rig="threePt" dir="t"/>
+  </dgm:scene3d>
+  <dgm:styleLbl name="node0">
+    <dgm:scene3d>
+      <a:camera prst="orthographicFront"/>
+      <a:lightRig rig="threePt" dir="t"/>
+    </dgm:scene3d>
+    <dgm:sp3d/>
+    <dgm:txPr/>
+    <dgm:style>
+      <a:lnRef idx="2">
+        <a:scrgbClr r="0" g="0" b="0"/>
+      </a:lnRef>
+      <a:fillRef idx="1">
+        <a:scrgbClr r="0" g="0" b="0"/>
+      </a:fillRef>
+      <a:effectRef idx="0">
+        <a:scrgbClr r="0" g="0" b="0"/>
+      </a:effectRef>
+      <a:fontRef idx="minor">
+        <a:schemeClr val="lt1"/>
+      </a:fontRef>
+    </dgm:style>
+  </dgm:styleLbl>
+  <dgm:styleLbl name="lnNode1">
+    <dgm:scene3d>
+      <a:camera prst="orthographicFront"/>
+      <a:lightRig rig="threePt" dir="t"/>
+    </dgm:scene3d>
+    <dgm:sp3d/>
+    <dgm:txPr/>
+    <dgm:style>
+      <a:lnRef idx="2">
+        <a:scrgbClr r="0" g="0" b="0"/>
+      </a:lnRef>
+      <a:fillRef idx="1">
+        <a:scrgbClr r="0" g="0" b="0"/>
+      </a:fillRef>
+      <a:effectRef idx="0">
+        <a:scrgbClr r="0" g="0" b="0"/>
+      </a:effectRef>
+      <a:fontRef idx="minor">
+        <a:schemeClr val="lt1"/>
+      </a:fontRef>
+    </dgm:style>
+  </dgm:styleLbl>
+  <dgm:styleLbl name="vennNode1">
+    <dgm:scene3d>
+      <a:camera prst="orthographicFront"/>
+      <a:lightRig rig="threePt" dir="t"/>
+    </dgm:scene3d>
+    <dgm:sp3d/>
+    <dgm:txPr/>
+    <dgm:style>
+      <a:lnRef idx="2">
+        <a:scrgbClr r="0" g="0" b="0"/>
+      </a:lnRef>
+      <a:fillRef idx="1">
+        <a:scrgbClr r="0" g="0" b="0"/>
+      </a:fillRef>
+      <a:effectRef idx="0">
+        <a:scrgbClr r="0" g="0" b="0"/>
+      </a:effectRef>
+      <a:fontRef idx="minor">
+        <a:schemeClr val="tx1"/>
+      </a:fontRef>
+    </dgm:style>
+  </dgm:styleLbl>
+  <dgm:styleLbl name="alignNode1">
+    <dgm:scene3d>
+      <a:camera prst="orthographicFront"/>
+      <a:lightRig rig="threePt" dir="t"/>
+    </dgm:scene3d>
+    <dgm:sp3d/>
+    <dgm:txPr/>
+    <dgm:style>
+      <a:lnRef idx="2">
+        <a:scrgbClr r="0" g="0" b="0"/>
+      </a:lnRef>
+      <a:fillRef idx="1">
+        <a:scrgbClr r="0" g="0" b="0"/>
+      </a:fillRef>
+      <a:effectRef idx="0">
+        <a:scrgbClr r="0" g="0" b="0"/>
+      </a:effectRef>
+      <a:fontRef idx="minor">
+        <a:schemeClr val="lt1"/>
+      </a:fontRef>
+    </dgm:style>
+  </dgm:styleLbl>
+  <dgm:styleLbl name="node1">
+    <dgm:scene3d>
+      <a:camera prst="orthographicFront"/>
+      <a:lightRig rig="threePt" dir="t"/>
+    </dgm:scene3d>
+    <dgm:sp3d/>
+    <dgm:txPr/>
+    <dgm:style>
+      <a:lnRef idx="2">
+        <a:scrgbClr r="0" g="0" b="0"/>
+      </a:lnRef>
+      <a:fillRef idx="1">
+        <a:scrgbClr r="0" g="0" b="0"/>
+      </a:fillRef>
+      <a:effectRef idx="0">
+        <a:scrgbClr r="0" g="0" b="0"/>
+      </a:effectRef>
+      <a:fontRef idx="minor">
+        <a:schemeClr val="lt1"/>
+      </a:fontRef>
+    </dgm:style>
+  </dgm:styleLbl>
+  <dgm:styleLbl name="node2">
+    <dgm:scene3d>
+      <a:camera prst="orthographicFront"/>
+      <a:lightRig rig="threePt" dir="t"/>
+    </dgm:scene3d>
+    <dgm:sp3d/>
+    <dgm:txPr/>
+    <dgm:style>
+      <a:lnRef idx="2">
+        <a:scrgbClr r="0" g="0" b="0"/>
+      </a:lnRef>
+      <a:fillRef idx="1">
+        <a:scrgbClr r="0" g="0" b="0"/>
+      </a:fillRef>
+      <a:effectRef idx="0">
+        <a:scrgbClr r="0" g="0" b="0"/>
+      </a:effectRef>
+      <a:fontRef idx="minor">
+        <a:schemeClr val="lt1"/>
+      </a:fontRef>
+    </dgm:style>
+  </dgm:styleLbl>
+  <dgm:styleLbl name="node3">
+    <dgm:scene3d>
+      <a:camera prst="orthographicFront"/>
+      <a:lightRig rig="threePt" dir="t"/>
+    </dgm:scene3d>
+    <dgm:sp3d/>
+    <dgm:txPr/>
+    <dgm:style>
+      <a:lnRef idx="2">
+        <a:scrgbClr r="0" g="0" b="0"/>
+      </a:lnRef>
+      <a:fillRef idx="1">
+        <a:scrgbClr r="0" g="0" b="0"/>
+      </a:fillRef>
+      <a:effectRef idx="0">
+        <a:scrgbClr r="0" g="0" b="0"/>
+      </a:effectRef>
+      <a:fontRef idx="minor">
+        <a:schemeClr val="lt1"/>
+      </a:fontRef>
+    </dgm:style>
+  </dgm:styleLbl>
+  <dgm:styleLbl name="node4">
+    <dgm:scene3d>
+      <a:camera prst="orthographicFront"/>
+      <a:lightRig rig="threePt" dir="t"/>
+    </dgm:scene3d>
+    <dgm:sp3d/>
+    <dgm:txPr/>
+    <dgm:style>
+      <a:lnRef idx="2">
+        <a:scrgbClr r="0" g="0" b="0"/>
+      </a:lnRef>
+      <a:fillRef idx="1">
+        <a:scrgbClr r="0" g="0" b="0"/>
+      </a:fillRef>
+      <a:effectRef idx="0">
+        <a:scrgbClr r="0" g="0" b="0"/>
+      </a:effectRef>
+      <a:fontRef idx="minor">
+        <a:schemeClr val="lt1"/>
+      </a:fontRef>
+    </dgm:style>
+  </dgm:styleLbl>
+  <dgm:styleLbl name="fgImgPlace1">
+    <dgm:scene3d>
+      <a:camera prst="orthographicFront"/>
+      <a:lightRig rig="threePt" dir="t"/>
+    </dgm:scene3d>
+    <dgm:sp3d/>
+    <dgm:txPr/>
+    <dgm:style>
+      <a:lnRef idx="2">
+        <a:scrgbClr r="0" g="0" b="0"/>
+      </a:lnRef>
+      <a:fillRef idx="1">
+        <a:scrgbClr r="0" g="0" b="0"/>
+      </a:fillRef>
+      <a:effectRef idx="0">
+        <a:scrgbClr r="0" g="0" b="0"/>
+      </a:effectRef>
+      <a:fontRef idx="minor"/>
+    </dgm:style>
+  </dgm:styleLbl>
+  <dgm:styleLbl name="alignImgPlace1">
+    <dgm:scene3d>
+      <a:camera prst="orthographicFront"/>
+      <a:lightRig rig="threePt" dir="t"/>
+    </dgm:scene3d>
+    <dgm:sp3d/>
+    <dgm:txPr/>
+    <dgm:style>
+      <a:lnRef idx="2">
+        <a:scrgbClr r="0" g="0" b="0"/>
+      </a:lnRef>
+      <a:fillRef idx="1">
+        <a:scrgbClr r="0" g="0" b="0"/>
+      </a:fillRef>
+      <a:effectRef idx="0">
+        <a:scrgbClr r="0" g="0" b="0"/>
+      </a:effectRef>
+      <a:fontRef idx="minor"/>
+    </dgm:style>
+  </dgm:styleLbl>
+  <dgm:styleLbl name="bgImgPlace1">
+    <dgm:scene3d>
+      <a:camera prst="orthographicFront"/>
+      <a:lightRig rig="threePt" dir="t"/>
+    </dgm:scene3d>
+    <dgm:sp3d/>
+    <dgm:txPr/>
+    <dgm:style>
+      <a:lnRef idx="2">
+        <a:scrgbClr r="0" g="0" b="0"/>
+      </a:lnRef>
+      <a:fillRef idx="1">
+        <a:scrgbClr r="0" g="0" b="0"/>
+      </a:fillRef>
+      <a:effectRef idx="0">
+        <a:scrgbClr r="0" g="0" b="0"/>
+      </a:effectRef>
+      <a:fontRef idx="minor"/>
+    </dgm:style>
+  </dgm:styleLbl>
+  <dgm:styleLbl name="sibTrans2D1">
+    <dgm:scene3d>
+      <a:camera prst="orthographicFront"/>
+      <a:lightRig rig="threePt" dir="t"/>
+    </dgm:scene3d>
+    <dgm:sp3d/>
+    <dgm:txPr/>
+    <dgm:style>
+      <a:lnRef idx="0">
+        <a:scrgbClr r="0" g="0" b="0"/>
+      </a:lnRef>
+      <a:fillRef idx="1">
+        <a:scrgbClr r="0" g="0" b="0"/>
+      </a:fillRef>
+      <a:effectRef idx="0">
+        <a:scrgbClr r="0" g="0" b="0"/>
+      </a:effectRef>
+      <a:fontRef idx="minor">
+        <a:schemeClr val="lt1"/>
+      </a:fontRef>
+    </dgm:style>
+  </dgm:styleLbl>
+  <dgm:styleLbl name="fgSibTrans2D1">
+    <dgm:scene3d>
+      <a:camera prst="orthographicFront"/>
+      <a:lightRig rig="threePt" dir="t"/>
+    </dgm:scene3d>
+    <dgm:sp3d/>
+    <dgm:txPr/>
+    <dgm:style>
+      <a:lnRef idx="0">
+        <a:scrgbClr r="0" g="0" b="0"/>
+      </a:lnRef>
+      <a:fillRef idx="1">
+        <a:scrgbClr r="0" g="0" b="0"/>
+      </a:fillRef>
+      <a:effectRef idx="0">
+        <a:scrgbClr r="0" g="0" b="0"/>
+      </a:effectRef>
+      <a:fontRef idx="minor">
+        <a:schemeClr val="lt1"/>
+      </a:fontRef>
+    </dgm:style>
+  </dgm:styleLbl>
+  <dgm:styleLbl name="bgSibTrans2D1">
+    <dgm:scene3d>
+      <a:camera prst="orthographicFront"/>
+      <a:lightRig rig="threePt" dir="t"/>
+    </dgm:scene3d>
+    <dgm:sp3d/>
+    <dgm:txPr/>
+    <dgm:style>
+      <a:lnRef idx="0">
+        <a:scrgbClr r="0" g="0" b="0"/>
+      </a:lnRef>
+      <a:fillRef idx="1">
+        <a:scrgbClr r="0" g="0" b="0"/>
+      </a:fillRef>
+      <a:effectRef idx="0">
+        <a:scrgbClr r="0" g="0" b="0"/>
+      </a:effectRef>
+      <a:fontRef idx="minor">
+        <a:schemeClr val="lt1"/>
+      </a:fontRef>
+    </dgm:style>
+  </dgm:styleLbl>
+  <dgm:styleLbl name="sibTrans1D1">
+    <dgm:scene3d>
+      <a:camera prst="orthographicFront"/>
+      <a:lightRig rig="threePt" dir="t"/>
+    </dgm:scene3d>
+    <dgm:sp3d/>
+    <dgm:txPr/>
+    <dgm:style>
+      <a:lnRef idx="1">
+        <a:scrgbClr r="0" g="0" b="0"/>
+      </a:lnRef>
+      <a:fillRef idx="0">
+        <a:scrgbClr r="0" g="0" b="0"/>
+      </a:fillRef>
+      <a:effectRef idx="0">
+        <a:scrgbClr r="0" g="0" b="0"/>
+      </a:effectRef>
+      <a:fontRef idx="minor"/>
+    </dgm:style>
+  </dgm:styleLbl>
+  <dgm:styleLbl name="callout">
+    <dgm:scene3d>
+      <a:camera prst="orthographicFront"/>
+      <a:lightRig rig="threePt" dir="t"/>
+    </dgm:scene3d>
+    <dgm:sp3d/>
+    <dgm:txPr/>
+    <dgm:style>
+      <a:lnRef idx="2">
+        <a:scrgbClr r="0" g="0" b="0"/>
+      </a:lnRef>
+      <a:fillRef idx="1">
+        <a:scrgbClr r="0" g="0" b="0"/>
+      </a:fillRef>
+      <a:effectRef idx="0">
+        <a:scrgbClr r="0" g="0" b="0"/>
+      </a:effectRef>
+      <a:fontRef idx="minor"/>
+    </dgm:style>
+  </dgm:styleLbl>
+  <dgm:styleLbl name="asst0">
+    <dgm:scene3d>
+      <a:camera prst="orthographicFront"/>
+      <a:lightRig rig="threePt" dir="t"/>
+    </dgm:scene3d>
+    <dgm:sp3d/>
+    <dgm:txPr/>
+    <dgm:style>
+      <a:lnRef idx="2">
+        <a:scrgbClr r="0" g="0" b="0"/>
+      </a:lnRef>
+      <a:fillRef idx="1">
+        <a:scrgbClr r="0" g="0" b="0"/>
+      </a:fillRef>
+      <a:effectRef idx="0">
+        <a:scrgbClr r="0" g="0" b="0"/>
+      </a:effectRef>
+      <a:fontRef idx="minor">
+        <a:schemeClr val="lt1"/>
+      </a:fontRef>
+    </dgm:style>
+  </dgm:styleLbl>
+  <dgm:styleLbl name="asst1">
+    <dgm:scene3d>
+      <a:camera prst="orthographicFront"/>
+      <a:lightRig rig="threePt" dir="t"/>
+    </dgm:scene3d>
+    <dgm:sp3d/>
+    <dgm:txPr/>
+    <dgm:style>
+      <a:lnRef idx="2">
+        <a:scrgbClr r="0" g="0" b="0"/>
+      </a:lnRef>
+      <a:fillRef idx="1">
+        <a:scrgbClr r="0" g="0" b="0"/>
+      </a:fillRef>
+      <a:effectRef idx="0">
+        <a:scrgbClr r="0" g="0" b="0"/>
+      </a:effectRef>
+      <a:fontRef idx="minor">
+        <a:schemeClr val="lt1"/>
+      </a:fontRef>
+    </dgm:style>
+  </dgm:styleLbl>
+  <dgm:styleLbl name="asst2">
+    <dgm:scene3d>
+      <a:camera prst="orthographicFront"/>
+      <a:lightRig rig="threePt" dir="t"/>
+    </dgm:scene3d>
+    <dgm:sp3d/>
+    <dgm:txPr/>
+    <dgm:style>
+      <a:lnRef idx="2">
+        <a:scrgbClr r="0" g="0" b="0"/>
+      </a:lnRef>
+      <a:fillRef idx="1">
+        <a:scrgbClr r="0" g="0" b="0"/>
+      </a:fillRef>
+      <a:effectRef idx="0">
+        <a:scrgbClr r="0" g="0" b="0"/>
+      </a:effectRef>
+      <a:fontRef idx="minor">
+        <a:schemeClr val="lt1"/>
+      </a:fontRef>
+    </dgm:style>
+  </dgm:styleLbl>
+  <dgm:styleLbl name="asst3">
+    <dgm:scene3d>
+      <a:camera prst="orthographicFront"/>
+      <a:lightRig rig="threePt" dir="t"/>
+    </dgm:scene3d>
+    <dgm:sp3d/>
+    <dgm:txPr/>
+    <dgm:style>
+      <a:lnRef idx="2">
+        <a:scrgbClr r="0" g="0" b="0"/>
+      </a:lnRef>
+      <a:fillRef idx="1">
+        <a:scrgbClr r="0" g="0" b="0"/>
+      </a:fillRef>
+      <a:effectRef idx="0">
+        <a:scrgbClr r="0" g="0" b="0"/>
+      </a:effectRef>
+      <a:fontRef idx="minor">
+        <a:schemeClr val="lt1"/>
+      </a:fontRef>
+    </dgm:style>
+  </dgm:styleLbl>
+  <dgm:styleLbl name="asst4">
+    <dgm:scene3d>
+      <a:camera prst="orthographicFront"/>
+      <a:lightRig rig="threePt" dir="t"/>
+    </dgm:scene3d>
+    <dgm:sp3d/>
+    <dgm:txPr/>
+    <dgm:style>
+      <a:lnRef idx="2">
+        <a:scrgbClr r="0" g="0" b="0"/>
+      </a:lnRef>
+      <a:fillRef idx="1">
+        <a:scrgbClr r="0" g="0" b="0"/>
+      </a:fillRef>
+      <a:effectRef idx="0">
+        <a:scrgbClr r="0" g="0" b="0"/>
+      </a:effectRef>
+      <a:fontRef idx="minor">
+        <a:schemeClr val="lt1"/>
+      </a:fontRef>
+    </dgm:style>
+  </dgm:styleLbl>
+  <dgm:styleLbl name="parChTrans2D1">
+    <dgm:scene3d>
+      <a:camera prst="orthographicFront"/>
+      <a:lightRig rig="threePt" dir="t"/>
+    </dgm:scene3d>
+    <dgm:sp3d/>
+    <dgm:txPr/>
+    <dgm:style>
+      <a:lnRef idx="2">
+        <a:scrgbClr r="0" g="0" b="0"/>
+      </a:lnRef>
+      <a:fillRef idx="1">
+        <a:scrgbClr r="0" g="0" b="0"/>
+      </a:fillRef>
+      <a:effectRef idx="0">
+        <a:scrgbClr r="0" g="0" b="0"/>
+      </a:effectRef>
+      <a:fontRef idx="minor">
+        <a:schemeClr val="lt1"/>
+      </a:fontRef>
+    </dgm:style>
+  </dgm:styleLbl>
+  <dgm:styleLbl name="parChTrans2D2">
+    <dgm:scene3d>
+      <a:camera prst="orthographicFront"/>
+      <a:lightRig rig="threePt" dir="t"/>
+    </dgm:scene3d>
+    <dgm:sp3d/>
+    <dgm:txPr/>
+    <dgm:style>
+      <a:lnRef idx="2">
+        <a:scrgbClr r="0" g="0" b="0"/>
+      </a:lnRef>
+      <a:fillRef idx="1">
+        <a:scrgbClr r="0" g="0" b="0"/>
+      </a:fillRef>
+      <a:effectRef idx="0">
+        <a:scrgbClr r="0" g="0" b="0"/>
+      </a:effectRef>
+      <a:fontRef idx="minor">
+        <a:schemeClr val="lt1"/>
+      </a:fontRef>
+    </dgm:style>
+  </dgm:styleLbl>
+  <dgm:styleLbl name="parChTrans2D3">
+    <dgm:scene3d>
+      <a:camera prst="orthographicFront"/>
+      <a:lightRig rig="threePt" dir="t"/>
+    </dgm:scene3d>
+    <dgm:sp3d/>
+    <dgm:txPr/>
+    <dgm:style>
+      <a:lnRef idx="2">
+        <a:scrgbClr r="0" g="0" b="0"/>
+      </a:lnRef>
+      <a:fillRef idx="1">
+        <a:scrgbClr r="0" g="0" b="0"/>
+      </a:fillRef>
+      <a:effectRef idx="0">
+        <a:scrgbClr r="0" g="0" b="0"/>
+      </a:effectRef>
+      <a:fontRef idx="minor">
+        <a:schemeClr val="lt1"/>
+      </a:fontRef>
+    </dgm:style>
+  </dgm:styleLbl>
+  <dgm:styleLbl name="parChTrans2D4">
+    <dgm:scene3d>
+      <a:camera prst="orthographicFront"/>
+      <a:lightRig rig="threePt" dir="t"/>
+    </dgm:scene3d>
+    <dgm:sp3d/>
+    <dgm:txPr/>
+    <dgm:style>
+      <a:lnRef idx="2">
+        <a:scrgbClr r="0" g="0" b="0"/>
+      </a:lnRef>
+      <a:fillRef idx="1">
+        <a:scrgbClr r="0" g="0" b="0"/>
+      </a:fillRef>
+      <a:effectRef idx="0">
+        <a:scrgbClr r="0" g="0" b="0"/>
+      </a:effectRef>
+      <a:fontRef idx="minor">
+        <a:schemeClr val="lt1"/>
+      </a:fontRef>
+    </dgm:style>
+  </dgm:styleLbl>
+  <dgm:styleLbl name="parChTrans1D1">
+    <dgm:scene3d>
+      <a:camera prst="orthographicFront"/>
+      <a:lightRig rig="threePt" dir="t"/>
+    </dgm:scene3d>
+    <dgm:sp3d/>
+    <dgm:txPr/>
+    <dgm:style>
+      <a:lnRef idx="2">
+        <a:scrgbClr r="0" g="0" b="0"/>
+      </a:lnRef>
+      <a:fillRef idx="0">
+        <a:scrgbClr r="0" g="0" b="0"/>
+      </a:fillRef>
+      <a:effectRef idx="0">
+        <a:scrgbClr r="0" g="0" b="0"/>
+      </a:effectRef>
+      <a:fontRef idx="minor"/>
+    </dgm:style>
+  </dgm:styleLbl>
+  <dgm:styleLbl name="parChTrans1D2">
+    <dgm:scene3d>
+      <a:camera prst="orthographicFront"/>
+      <a:lightRig rig="threePt" dir="t"/>
+    </dgm:scene3d>
+    <dgm:sp3d/>
+    <dgm:txPr/>
+    <dgm:style>
+      <a:lnRef idx="2">
+        <a:scrgbClr r="0" g="0" b="0"/>
+      </a:lnRef>
+      <a:fillRef idx="0">
+        <a:scrgbClr r="0" g="0" b="0"/>
+      </a:fillRef>
+      <a:effectRef idx="0">
+        <a:scrgbClr r="0" g="0" b="0"/>
+      </a:effectRef>
+      <a:fontRef idx="minor"/>
+    </dgm:style>
+  </dgm:styleLbl>
+  <dgm:styleLbl name="parChTrans1D3">
+    <dgm:scene3d>
+      <a:camera prst="orthographicFront"/>
+      <a:lightRig rig="threePt" dir="t"/>
+    </dgm:scene3d>
+    <dgm:sp3d/>
+    <dgm:txPr/>
+    <dgm:style>
+      <a:lnRef idx="2">
+        <a:scrgbClr r="0" g="0" b="0"/>
+      </a:lnRef>
+      <a:fillRef idx="0">
+        <a:scrgbClr r="0" g="0" b="0"/>
+      </a:fillRef>
+      <a:effectRef idx="0">
+        <a:scrgbClr r="0" g="0" b="0"/>
+      </a:effectRef>
+      <a:fontRef idx="minor"/>
+    </dgm:style>
+  </dgm:styleLbl>
+  <dgm:styleLbl name="parChTrans1D4">
+    <dgm:scene3d>
+      <a:camera prst="orthographicFront"/>
+      <a:lightRig rig="threePt" dir="t"/>
+    </dgm:scene3d>
+    <dgm:sp3d/>
+    <dgm:txPr/>
+    <dgm:style>
+      <a:lnRef idx="2">
+        <a:scrgbClr r="0" g="0" b="0"/>
+      </a:lnRef>
+      <a:fillRef idx="0">
+        <a:scrgbClr r="0" g="0" b="0"/>
+      </a:fillRef>
+      <a:effectRef idx="0">
+        <a:scrgbClr r="0" g="0" b="0"/>
+      </a:effectRef>
+      <a:fontRef idx="minor"/>
+    </dgm:style>
+  </dgm:styleLbl>
+  <dgm:styleLbl name="fgAcc1">
+    <dgm:scene3d>
+      <a:camera prst="orthographicFront"/>
+      <a:lightRig rig="threePt" dir="t"/>
+    </dgm:scene3d>
+    <dgm:sp3d/>
+    <dgm:txPr/>
+    <dgm:style>
+      <a:lnRef idx="2">
+        <a:scrgbClr r="0" g="0" b="0"/>
+      </a:lnRef>
+      <a:fillRef idx="1">
+        <a:scrgbClr r="0" g="0" b="0"/>
+      </a:fillRef>
+      <a:effectRef idx="0">
+        <a:scrgbClr r="0" g="0" b="0"/>
+      </a:effectRef>
+      <a:fontRef idx="minor"/>
+    </dgm:style>
+  </dgm:styleLbl>
+  <dgm:styleLbl name="conFgAcc1">
+    <dgm:scene3d>
+      <a:camera prst="orthographicFront"/>
+      <a:lightRig rig="threePt" dir="t"/>
+    </dgm:scene3d>
+    <dgm:sp3d/>
+    <dgm:txPr/>
+    <dgm:style>
+      <a:lnRef idx="2">
+        <a:scrgbClr r="0" g="0" b="0"/>
+      </a:lnRef>
+      <a:fillRef idx="1">
+        <a:scrgbClr r="0" g="0" b="0"/>
+      </a:fillRef>
+      <a:effectRef idx="0">
+        <a:scrgbClr r="0" g="0" b="0"/>
+      </a:effectRef>
+      <a:fontRef idx="minor"/>
+    </dgm:style>
+  </dgm:styleLbl>
+  <dgm:styleLbl name="alignAcc1">
+    <dgm:scene3d>
+      <a:camera prst="orthographicFront"/>
+      <a:lightRig rig="threePt" dir="t"/>
+    </dgm:scene3d>
+    <dgm:sp3d/>
+    <dgm:txPr/>
+    <dgm:style>
+      <a:lnRef idx="2">
+        <a:scrgbClr r="0" g="0" b="0"/>
+      </a:lnRef>
+      <a:fillRef idx="1">
+        <a:scrgbClr r="0" g="0" b="0"/>
+      </a:fillRef>
+      <a:effectRef idx="0">
+        <a:scrgbClr r="0" g="0" b="0"/>
+      </a:effectRef>
+      <a:fontRef idx="minor"/>
+    </dgm:style>
+  </dgm:styleLbl>
+  <dgm:styleLbl name="trAlignAcc1">
+    <dgm:scene3d>
+      <a:camera prst="orthographicFront"/>
+      <a:lightRig rig="threePt" dir="t"/>
+    </dgm:scene3d>
+    <dgm:sp3d/>
+    <dgm:txPr/>
+    <dgm:style>
+      <a:lnRef idx="1">
+        <a:scrgbClr r="0" g="0" b="0"/>
+      </a:lnRef>
+      <a:fillRef idx="1">
+        <a:scrgbClr r="0" g="0" b="0"/>
+      </a:fillRef>
+      <a:effectRef idx="0">
+        <a:scrgbClr r="0" g="0" b="0"/>
+      </a:effectRef>
+      <a:fontRef idx="minor"/>
+    </dgm:style>
+  </dgm:styleLbl>
+  <dgm:styleLbl name="bgAcc1">
+    <dgm:scene3d>
+      <a:camera prst="orthographicFront"/>
+      <a:lightRig rig="threePt" dir="t"/>
+    </dgm:scene3d>
+    <dgm:sp3d/>
+    <dgm:txPr/>
+    <dgm:style>
+      <a:lnRef idx="2">
+        <a:scrgbClr r="0" g="0" b="0"/>
+      </a:lnRef>
+      <a:fillRef idx="1">
+        <a:scrgbClr r="0" g="0" b="0"/>
+      </a:fillRef>
+      <a:effectRef idx="0">
+        <a:scrgbClr r="0" g="0" b="0"/>
+      </a:effectRef>
+      <a:fontRef idx="minor"/>
+    </dgm:style>
+  </dgm:styleLbl>
+  <dgm:styleLbl name="solidFgAcc1">
+    <dgm:scene3d>
+      <a:camera prst="orthographicFront"/>
+      <a:lightRig rig="threePt" dir="t"/>
+    </dgm:scene3d>
+    <dgm:sp3d/>
+    <dgm:txPr/>
+    <dgm:style>
+      <a:lnRef idx="2">
+        <a:scrgbClr r="0" g="0" b="0"/>
+      </a:lnRef>
+      <a:fillRef idx="1">
+        <a:scrgbClr r="0" g="0" b="0"/>
+      </a:fillRef>
+      <a:effectRef idx="0">
+        <a:scrgbClr r="0" g="0" b="0"/>
+      </a:effectRef>
+      <a:fontRef idx="minor"/>
+    </dgm:style>
+  </dgm:styleLbl>
+  <dgm:styleLbl name="solidAlignAcc1">
+    <dgm:scene3d>
+      <a:camera prst="orthographicFront"/>
+      <a:lightRig rig="threePt" dir="t"/>
+    </dgm:scene3d>
+    <dgm:sp3d/>
+    <dgm:txPr/>
+    <dgm:style>
+      <a:lnRef idx="2">
+        <a:scrgbClr r="0" g="0" b="0"/>
+      </a:lnRef>
+      <a:fillRef idx="1">
+        <a:scrgbClr r="0" g="0" b="0"/>
+      </a:fillRef>
+      <a:effectRef idx="0">
+        <a:scrgbClr r="0" g="0" b="0"/>
+      </a:effectRef>
+      <a:fontRef idx="minor"/>
+    </dgm:style>
+  </dgm:styleLbl>
+  <dgm:styleLbl name="solidBgAcc1">
+    <dgm:scene3d>
+      <a:camera prst="orthographicFront"/>
+      <a:lightRig rig="threePt" dir="t"/>
+    </dgm:scene3d>
+    <dgm:sp3d/>
+    <dgm:txPr/>
+    <dgm:style>
+      <a:lnRef idx="2">
+        <a:scrgbClr r="0" g="0" b="0"/>
+      </a:lnRef>
+      <a:fillRef idx="1">
+        <a:scrgbClr r="0" g="0" b="0"/>
+      </a:fillRef>
+      <a:effectRef idx="0">
+        <a:scrgbClr r="0" g="0" b="0"/>
+      </a:effectRef>
+      <a:fontRef idx="minor"/>
+    </dgm:style>
+  </dgm:styleLbl>
+  <dgm:styleLbl name="fgAccFollowNode1">
+    <dgm:scene3d>
+      <a:camera prst="orthographicFront"/>
+      <a:lightRig rig="threePt" dir="t"/>
+    </dgm:scene3d>
+    <dgm:sp3d/>
+    <dgm:txPr/>
+    <dgm:style>
+      <a:lnRef idx="2">
+        <a:scrgbClr r="0" g="0" b="0"/>
+      </a:lnRef>
+      <a:fillRef idx="1">
+        <a:scrgbClr r="0" g="0" b="0"/>
+      </a:fillRef>
+      <a:effectRef idx="0">
+        <a:scrgbClr r="0" g="0" b="0"/>
+      </a:effectRef>
+      <a:fontRef idx="minor"/>
+    </dgm:style>
+  </dgm:styleLbl>
+  <dgm:styleLbl name="alignAccFollowNode1">
+    <dgm:scene3d>
+      <a:camera prst="orthographicFront"/>
+      <a:lightRig rig="threePt" dir="t"/>
+    </dgm:scene3d>
+    <dgm:sp3d/>
+    <dgm:txPr/>
+    <dgm:style>
+      <a:lnRef idx="2">
+        <a:scrgbClr r="0" g="0" b="0"/>
+      </a:lnRef>
+      <a:fillRef idx="1">
+        <a:scrgbClr r="0" g="0" b="0"/>
+      </a:fillRef>
+      <a:effectRef idx="0">
+        <a:scrgbClr r="0" g="0" b="0"/>
+      </a:effectRef>
+      <a:fontRef idx="minor"/>
+    </dgm:style>
+  </dgm:styleLbl>
+  <dgm:styleLbl name="bgAccFollowNode1">
+    <dgm:scene3d>
+      <a:camera prst="orthographicFront"/>
+      <a:lightRig rig="threePt" dir="t"/>
+    </dgm:scene3d>
+    <dgm:sp3d/>
+    <dgm:txPr/>
+    <dgm:style>
+      <a:lnRef idx="2">
+        <a:scrgbClr r="0" g="0" b="0"/>
+      </a:lnRef>
+      <a:fillRef idx="1">
+        <a:scrgbClr r="0" g="0" b="0"/>
+      </a:fillRef>
+      <a:effectRef idx="0">
+        <a:scrgbClr r="0" g="0" b="0"/>
+      </a:effectRef>
+      <a:fontRef idx="minor"/>
+    </dgm:style>
+  </dgm:styleLbl>
+  <dgm:styleLbl name="fgAcc0">
+    <dgm:scene3d>
+      <a:camera prst="orthographicFront"/>
+      <a:lightRig rig="threePt" dir="t"/>
+    </dgm:scene3d>
+    <dgm:sp3d/>
+    <dgm:txPr/>
+    <dgm:style>
+      <a:lnRef idx="2">
+        <a:scrgbClr r="0" g="0" b="0"/>
+      </a:lnRef>
+      <a:fillRef idx="1">
+        <a:scrgbClr r="0" g="0" b="0"/>
+      </a:fillRef>
+      <a:effectRef idx="0">
+        <a:scrgbClr r="0" g="0" b="0"/>
+      </a:effectRef>
+      <a:fontRef idx="minor"/>
+    </dgm:style>
+  </dgm:styleLbl>
+  <dgm:styleLbl name="fgAcc2">
+    <dgm:scene3d>
+      <a:camera prst="orthographicFront"/>
+      <a:lightRig rig="threePt" dir="t"/>
+    </dgm:scene3d>
+    <dgm:sp3d/>
+    <dgm:txPr/>
+    <dgm:style>
+      <a:lnRef idx="2">
+        <a:scrgbClr r="0" g="0" b="0"/>
+      </a:lnRef>
+      <a:fillRef idx="1">
+        <a:scrgbClr r="0" g="0" b="0"/>
+      </a:fillRef>
+      <a:effectRef idx="0">
+        <a:scrgbClr r="0" g="0" b="0"/>
+      </a:effectRef>
+      <a:fontRef idx="minor"/>
+    </dgm:style>
+  </dgm:styleLbl>
+  <dgm:styleLbl name="fgAcc3">
+    <dgm:scene3d>
+      <a:camera prst="orthographicFront"/>
+      <a:lightRig rig="threePt" dir="t"/>
+    </dgm:scene3d>
+    <dgm:sp3d/>
+    <dgm:txPr/>
+    <dgm:style>
+      <a:lnRef idx="2">
+        <a:scrgbClr r="0" g="0" b="0"/>
+      </a:lnRef>
+      <a:fillRef idx="1">
+        <a:scrgbClr r="0" g="0" b="0"/>
+      </a:fillRef>
+      <a:effectRef idx="0">
+        <a:scrgbClr r="0" g="0" b="0"/>
+      </a:effectRef>
+      <a:fontRef idx="minor"/>
+    </dgm:style>
+  </dgm:styleLbl>
+  <dgm:styleLbl name="fgAcc4">
+    <dgm:scene3d>
+      <a:camera prst="orthographicFront"/>
+      <a:lightRig rig="threePt" dir="t"/>
+    </dgm:scene3d>
+    <dgm:sp3d/>
+    <dgm:txPr/>
+    <dgm:style>
+      <a:lnRef idx="2">
+        <a:scrgbClr r="0" g="0" b="0"/>
+      </a:lnRef>
+      <a:fillRef idx="1">
+        <a:scrgbClr r="0" g="0" b="0"/>
+      </a:fillRef>
+      <a:effectRef idx="0">
+        <a:scrgbClr r="0" g="0" b="0"/>
+      </a:effectRef>
+      <a:fontRef idx="minor"/>
+    </dgm:style>
+  </dgm:styleLbl>
+  <dgm:styleLbl name="bgShp">
+    <dgm:scene3d>
+      <a:camera prst="orthographicFront"/>
+      <a:lightRig rig="threePt" dir="t"/>
+    </dgm:scene3d>
+    <dgm:sp3d/>
+    <dgm:txPr/>
+    <dgm:style>
+      <a:lnRef idx="0">
+        <a:scrgbClr r="0" g="0" b="0"/>
+      </a:lnRef>
+      <a:fillRef idx="1">
+        <a:scrgbClr r="0" g="0" b="0"/>
+      </a:fillRef>
+      <a:effectRef idx="0">
+        <a:scrgbClr r="0" g="0" b="0"/>
+      </a:effectRef>
+      <a:fontRef idx="minor"/>
+    </dgm:style>
+  </dgm:styleLbl>
+  <dgm:styleLbl name="dkBgShp">
+    <dgm:scene3d>
+      <a:camera prst="orthographicFront"/>
+      <a:lightRig rig="threePt" dir="t"/>
+    </dgm:scene3d>
+    <dgm:sp3d/>
+    <dgm:txPr/>
+    <dgm:style>
+      <a:lnRef idx="0">
+        <a:scrgbClr r="0" g="0" b="0"/>
+      </a:lnRef>
+      <a:fillRef idx="1">
+        <a:scrgbClr r="0" g="0" b="0"/>
+      </a:fillRef>
+      <a:effectRef idx="0">
+        <a:scrgbClr r="0" g="0" b="0"/>
+      </a:effectRef>
+      <a:fontRef idx="minor"/>
+    </dgm:style>
+  </dgm:styleLbl>
+  <dgm:styleLbl name="trBgShp">
+    <dgm:scene3d>
+      <a:camera prst="orthographicFront"/>
+      <a:lightRig rig="threePt" dir="t"/>
+    </dgm:scene3d>
+    <dgm:sp3d/>
+    <dgm:txPr/>
+    <dgm:style>
+      <a:lnRef idx="0">
+        <a:scrgbClr r="0" g="0" b="0"/>
+      </a:lnRef>
+      <a:fillRef idx="1">
+        <a:scrgbClr r="0" g="0" b="0"/>
+      </a:fillRef>
+      <a:effectRef idx="0">
+        <a:scrgbClr r="0" g="0" b="0"/>
+      </a:effectRef>
+      <a:fontRef idx="minor"/>
+    </dgm:style>
+  </dgm:styleLbl>
+  <dgm:styleLbl name="fgShp">
+    <dgm:scene3d>
+      <a:camera prst="orthographicFront"/>
+      <a:lightRig rig="threePt" dir="t"/>
+    </dgm:scene3d>
+    <dgm:sp3d/>
+    <dgm:txPr/>
+    <dgm:style>
+      <a:lnRef idx="2">
+        <a:scrgbClr r="0" g="0" b="0"/>
+      </a:lnRef>
+      <a:fillRef idx="1">
+        <a:scrgbClr r="0" g="0" b="0"/>
+      </a:fillRef>
+      <a:effectRef idx="0">
+        <a:scrgbClr r="0" g="0" b="0"/>
+      </a:effectRef>
+      <a:fontRef idx="minor"/>
+    </dgm:style>
+  </dgm:styleLbl>
+  <dgm:styleLbl name="revTx">
+    <dgm:scene3d>
+      <a:camera prst="orthographicFront"/>
+      <a:lightRig rig="threePt" dir="t"/>
+    </dgm:scene3d>
+    <dgm:sp3d/>
+    <dgm:txPr/>
+    <dgm:style>
+      <a:lnRef idx="0">
+        <a:scrgbClr r="0" g="0" b="0"/>
+      </a:lnRef>
+      <a:fillRef idx="0">
+        <a:scrgbClr r="0" g="0" b="0"/>
+      </a:fillRef>
+      <a:effectRef idx="0">
+        <a:scrgbClr r="0" g="0" b="0"/>
+      </a:effectRef>
+      <a:fontRef idx="minor"/>
+    </dgm:style>
+  </dgm:styleLbl>
+</dgm:styleDef>
 </file>
 
 <file path=ppt/slideLayouts/slideLayout1.xml><?xml version="1.0" encoding="utf-8"?>
@@ -5647,7 +13345,7 @@
         </p:nvSpPr>
         <p:spPr>
           <a:xfrm>
-            <a:off x="894692" y="339502"/>
+            <a:off x="894692" y="361457"/>
             <a:ext cx="7315200" cy="523220"/>
           </a:xfrm>
           <a:prstGeom prst="rect">
@@ -5731,36 +13429,6 @@
           </a:p>
         </p:txBody>
       </p:sp>
-      <p:pic>
-        <p:nvPicPr>
-          <p:cNvPr id="5" name="Рисунок 4"/>
-          <p:cNvPicPr>
-            <a:picLocks noChangeAspect="1"/>
-          </p:cNvPicPr>
-          <p:nvPr/>
-        </p:nvPicPr>
-        <p:blipFill>
-          <a:blip r:embed="rId2">
-            <a:extLst>
-              <a:ext uri="{28A0092B-C50C-407E-A947-70E740481C1C}">
-                <a14:useLocalDpi xmlns:a14="http://schemas.microsoft.com/office/drawing/2010/main" val="0"/>
-              </a:ext>
-            </a:extLst>
-          </a:blip>
-          <a:stretch>
-            <a:fillRect/>
-          </a:stretch>
-        </p:blipFill>
-        <p:spPr>
-          <a:xfrm>
-            <a:off x="539552" y="979376"/>
-            <a:ext cx="5904656" cy="3284464"/>
-          </a:xfrm>
-          <a:prstGeom prst="rect">
-            <a:avLst/>
-          </a:prstGeom>
-        </p:spPr>
-      </p:pic>
       <p:sp>
         <p:nvSpPr>
           <p:cNvPr id="6" name="TextBox 5"/>
@@ -5769,7 +13437,7 @@
         </p:nvSpPr>
         <p:spPr>
           <a:xfrm>
-            <a:off x="486709" y="4447412"/>
+            <a:off x="681700" y="4213012"/>
             <a:ext cx="6540445" cy="369332"/>
           </a:xfrm>
           <a:prstGeom prst="rect">
@@ -5807,10 +13475,1101 @@
           </a:p>
         </p:txBody>
       </p:sp>
+      <p:graphicFrame>
+        <p:nvGraphicFramePr>
+          <p:cNvPr id="8" name="Схема 7"/>
+          <p:cNvGraphicFramePr/>
+          <p:nvPr>
+            <p:extLst>
+              <p:ext uri="{D42A27DB-BD31-4B8C-83A1-F6EECF244321}">
+                <p14:modId xmlns:p14="http://schemas.microsoft.com/office/powerpoint/2010/main" val="3209759394"/>
+              </p:ext>
+            </p:extLst>
+          </p:nvPr>
+        </p:nvGraphicFramePr>
+        <p:xfrm>
+          <a:off x="683568" y="411510"/>
+          <a:ext cx="7200800" cy="4136008"/>
+        </p:xfrm>
+        <a:graphic>
+          <a:graphicData uri="http://schemas.openxmlformats.org/drawingml/2006/diagram">
+            <dgm:relIds xmlns:dgm="http://schemas.openxmlformats.org/drawingml/2006/diagram" xmlns:r="http://schemas.openxmlformats.org/officeDocument/2006/relationships" r:dm="rId2" r:lo="rId3" r:qs="rId4" r:cs="rId5"/>
+          </a:graphicData>
+        </a:graphic>
+      </p:graphicFrame>
+      <p:cxnSp>
+        <p:nvCxnSpPr>
+          <p:cNvPr id="10" name="Прямая соединительная линия 9"/>
+          <p:cNvCxnSpPr/>
+          <p:nvPr/>
+        </p:nvCxnSpPr>
+        <p:spPr>
+          <a:xfrm>
+            <a:off x="5724128" y="2715766"/>
+            <a:ext cx="0" cy="792088"/>
+          </a:xfrm>
+          <a:prstGeom prst="line">
+            <a:avLst/>
+          </a:prstGeom>
+          <a:ln w="28575">
+            <a:solidFill>
+              <a:schemeClr val="bg1"/>
+            </a:solidFill>
+          </a:ln>
+        </p:spPr>
+        <p:style>
+          <a:lnRef idx="1">
+            <a:schemeClr val="accent1"/>
+          </a:lnRef>
+          <a:fillRef idx="0">
+            <a:schemeClr val="accent1"/>
+          </a:fillRef>
+          <a:effectRef idx="0">
+            <a:schemeClr val="accent1"/>
+          </a:effectRef>
+          <a:fontRef idx="minor">
+            <a:schemeClr val="tx1"/>
+          </a:fontRef>
+        </p:style>
+      </p:cxnSp>
+      <p:cxnSp>
+        <p:nvCxnSpPr>
+          <p:cNvPr id="12" name="Прямая соединительная линия 11"/>
+          <p:cNvCxnSpPr/>
+          <p:nvPr/>
+        </p:nvCxnSpPr>
+        <p:spPr>
+          <a:xfrm>
+            <a:off x="6881243" y="2707423"/>
+            <a:ext cx="0" cy="792088"/>
+          </a:xfrm>
+          <a:prstGeom prst="line">
+            <a:avLst/>
+          </a:prstGeom>
+          <a:ln w="28575">
+            <a:solidFill>
+              <a:schemeClr val="bg1"/>
+            </a:solidFill>
+          </a:ln>
+        </p:spPr>
+        <p:style>
+          <a:lnRef idx="1">
+            <a:schemeClr val="accent1"/>
+          </a:lnRef>
+          <a:fillRef idx="0">
+            <a:schemeClr val="accent1"/>
+          </a:fillRef>
+          <a:effectRef idx="0">
+            <a:schemeClr val="accent1"/>
+          </a:effectRef>
+          <a:fontRef idx="minor">
+            <a:schemeClr val="tx1"/>
+          </a:fontRef>
+        </p:style>
+      </p:cxnSp>
+      <p:cxnSp>
+        <p:nvCxnSpPr>
+          <p:cNvPr id="13" name="Прямая соединительная линия 12"/>
+          <p:cNvCxnSpPr/>
+          <p:nvPr/>
+        </p:nvCxnSpPr>
+        <p:spPr>
+          <a:xfrm>
+            <a:off x="6876257" y="1590484"/>
+            <a:ext cx="3571" cy="879872"/>
+          </a:xfrm>
+          <a:prstGeom prst="line">
+            <a:avLst/>
+          </a:prstGeom>
+          <a:ln w="28575">
+            <a:solidFill>
+              <a:schemeClr val="bg1"/>
+            </a:solidFill>
+          </a:ln>
+        </p:spPr>
+        <p:style>
+          <a:lnRef idx="1">
+            <a:schemeClr val="accent1"/>
+          </a:lnRef>
+          <a:fillRef idx="0">
+            <a:schemeClr val="accent1"/>
+          </a:fillRef>
+          <a:effectRef idx="0">
+            <a:schemeClr val="accent1"/>
+          </a:effectRef>
+          <a:fontRef idx="minor">
+            <a:schemeClr val="tx1"/>
+          </a:fontRef>
+        </p:style>
+      </p:cxnSp>
+      <p:cxnSp>
+        <p:nvCxnSpPr>
+          <p:cNvPr id="15" name="Прямая соединительная линия 14"/>
+          <p:cNvCxnSpPr/>
+          <p:nvPr/>
+        </p:nvCxnSpPr>
+        <p:spPr>
+          <a:xfrm>
+            <a:off x="5724128" y="1590484"/>
+            <a:ext cx="0" cy="925034"/>
+          </a:xfrm>
+          <a:prstGeom prst="line">
+            <a:avLst/>
+          </a:prstGeom>
+          <a:ln w="28575">
+            <a:solidFill>
+              <a:schemeClr val="bg1"/>
+            </a:solidFill>
+          </a:ln>
+        </p:spPr>
+        <p:style>
+          <a:lnRef idx="1">
+            <a:schemeClr val="accent1"/>
+          </a:lnRef>
+          <a:fillRef idx="0">
+            <a:schemeClr val="accent1"/>
+          </a:fillRef>
+          <a:effectRef idx="0">
+            <a:schemeClr val="accent1"/>
+          </a:effectRef>
+          <a:fontRef idx="minor">
+            <a:schemeClr val="tx1"/>
+          </a:fontRef>
+        </p:style>
+      </p:cxnSp>
+      <p:cxnSp>
+        <p:nvCxnSpPr>
+          <p:cNvPr id="17" name="Прямая соединительная линия 16"/>
+          <p:cNvCxnSpPr/>
+          <p:nvPr/>
+        </p:nvCxnSpPr>
+        <p:spPr>
+          <a:xfrm>
+            <a:off x="1835696" y="1590484"/>
+            <a:ext cx="0" cy="879872"/>
+          </a:xfrm>
+          <a:prstGeom prst="line">
+            <a:avLst/>
+          </a:prstGeom>
+          <a:ln w="28575">
+            <a:solidFill>
+              <a:schemeClr val="bg1"/>
+            </a:solidFill>
+          </a:ln>
+        </p:spPr>
+        <p:style>
+          <a:lnRef idx="1">
+            <a:schemeClr val="accent1"/>
+          </a:lnRef>
+          <a:fillRef idx="0">
+            <a:schemeClr val="accent1"/>
+          </a:fillRef>
+          <a:effectRef idx="0">
+            <a:schemeClr val="accent1"/>
+          </a:effectRef>
+          <a:fontRef idx="minor">
+            <a:schemeClr val="tx1"/>
+          </a:fontRef>
+        </p:style>
+      </p:cxnSp>
+      <p:cxnSp>
+        <p:nvCxnSpPr>
+          <p:cNvPr id="20" name="Прямая соединительная линия 19"/>
+          <p:cNvCxnSpPr/>
+          <p:nvPr/>
+        </p:nvCxnSpPr>
+        <p:spPr>
+          <a:xfrm>
+            <a:off x="1835454" y="2707423"/>
+            <a:ext cx="0" cy="792088"/>
+          </a:xfrm>
+          <a:prstGeom prst="line">
+            <a:avLst/>
+          </a:prstGeom>
+          <a:ln w="28575">
+            <a:solidFill>
+              <a:schemeClr val="bg1"/>
+            </a:solidFill>
+          </a:ln>
+        </p:spPr>
+        <p:style>
+          <a:lnRef idx="1">
+            <a:schemeClr val="accent1"/>
+          </a:lnRef>
+          <a:fillRef idx="0">
+            <a:schemeClr val="accent1"/>
+          </a:fillRef>
+          <a:effectRef idx="0">
+            <a:schemeClr val="accent1"/>
+          </a:effectRef>
+          <a:fontRef idx="minor">
+            <a:schemeClr val="tx1"/>
+          </a:fontRef>
+        </p:style>
+      </p:cxnSp>
+      <p:cxnSp>
+        <p:nvCxnSpPr>
+          <p:cNvPr id="21" name="Прямая соединительная линия 20"/>
+          <p:cNvCxnSpPr/>
+          <p:nvPr/>
+        </p:nvCxnSpPr>
+        <p:spPr>
+          <a:xfrm flipH="1">
+            <a:off x="4463989" y="2670556"/>
+            <a:ext cx="1224136" cy="865823"/>
+          </a:xfrm>
+          <a:prstGeom prst="line">
+            <a:avLst/>
+          </a:prstGeom>
+          <a:ln w="28575">
+            <a:solidFill>
+              <a:schemeClr val="bg1"/>
+            </a:solidFill>
+          </a:ln>
+        </p:spPr>
+        <p:style>
+          <a:lnRef idx="1">
+            <a:schemeClr val="accent1"/>
+          </a:lnRef>
+          <a:fillRef idx="0">
+            <a:schemeClr val="accent1"/>
+          </a:fillRef>
+          <a:effectRef idx="0">
+            <a:schemeClr val="accent1"/>
+          </a:effectRef>
+          <a:fontRef idx="minor">
+            <a:schemeClr val="tx1"/>
+          </a:fontRef>
+        </p:style>
+      </p:cxnSp>
+      <p:cxnSp>
+        <p:nvCxnSpPr>
+          <p:cNvPr id="25" name="Прямая соединительная линия 24"/>
+          <p:cNvCxnSpPr/>
+          <p:nvPr/>
+        </p:nvCxnSpPr>
+        <p:spPr>
+          <a:xfrm flipH="1">
+            <a:off x="1920868" y="2670556"/>
+            <a:ext cx="1012708" cy="847389"/>
+          </a:xfrm>
+          <a:prstGeom prst="line">
+            <a:avLst/>
+          </a:prstGeom>
+          <a:ln w="28575">
+            <a:solidFill>
+              <a:schemeClr val="bg1"/>
+            </a:solidFill>
+          </a:ln>
+        </p:spPr>
+        <p:style>
+          <a:lnRef idx="1">
+            <a:schemeClr val="accent1"/>
+          </a:lnRef>
+          <a:fillRef idx="0">
+            <a:schemeClr val="accent1"/>
+          </a:fillRef>
+          <a:effectRef idx="0">
+            <a:schemeClr val="accent1"/>
+          </a:effectRef>
+          <a:fontRef idx="minor">
+            <a:schemeClr val="tx1"/>
+          </a:fontRef>
+        </p:style>
+      </p:cxnSp>
+      <p:cxnSp>
+        <p:nvCxnSpPr>
+          <p:cNvPr id="29" name="Прямая соединительная линия 28"/>
+          <p:cNvCxnSpPr/>
+          <p:nvPr/>
+        </p:nvCxnSpPr>
+        <p:spPr>
+          <a:xfrm flipH="1">
+            <a:off x="1959170" y="3601463"/>
+            <a:ext cx="974406" cy="13680"/>
+          </a:xfrm>
+          <a:prstGeom prst="line">
+            <a:avLst/>
+          </a:prstGeom>
+          <a:ln w="28575">
+            <a:solidFill>
+              <a:schemeClr val="bg1"/>
+            </a:solidFill>
+          </a:ln>
+        </p:spPr>
+        <p:style>
+          <a:lnRef idx="1">
+            <a:schemeClr val="accent1"/>
+          </a:lnRef>
+          <a:fillRef idx="0">
+            <a:schemeClr val="accent1"/>
+          </a:fillRef>
+          <a:effectRef idx="0">
+            <a:schemeClr val="accent1"/>
+          </a:effectRef>
+          <a:fontRef idx="minor">
+            <a:schemeClr val="tx1"/>
+          </a:fontRef>
+        </p:style>
+      </p:cxnSp>
+      <p:cxnSp>
+        <p:nvCxnSpPr>
+          <p:cNvPr id="33" name="Прямая соединительная линия 32"/>
+          <p:cNvCxnSpPr/>
+          <p:nvPr/>
+        </p:nvCxnSpPr>
+        <p:spPr>
+          <a:xfrm flipH="1">
+            <a:off x="1948419" y="1491630"/>
+            <a:ext cx="967398" cy="0"/>
+          </a:xfrm>
+          <a:prstGeom prst="line">
+            <a:avLst/>
+          </a:prstGeom>
+          <a:ln w="28575">
+            <a:solidFill>
+              <a:schemeClr val="bg1"/>
+            </a:solidFill>
+          </a:ln>
+        </p:spPr>
+        <p:style>
+          <a:lnRef idx="1">
+            <a:schemeClr val="accent1"/>
+          </a:lnRef>
+          <a:fillRef idx="0">
+            <a:schemeClr val="accent1"/>
+          </a:fillRef>
+          <a:effectRef idx="0">
+            <a:schemeClr val="accent1"/>
+          </a:effectRef>
+          <a:fontRef idx="minor">
+            <a:schemeClr val="tx1"/>
+          </a:fontRef>
+        </p:style>
+      </p:cxnSp>
+      <p:cxnSp>
+        <p:nvCxnSpPr>
+          <p:cNvPr id="37" name="Прямая соединительная линия 36"/>
+          <p:cNvCxnSpPr/>
+          <p:nvPr/>
+        </p:nvCxnSpPr>
+        <p:spPr>
+          <a:xfrm flipH="1">
+            <a:off x="3099622" y="1491630"/>
+            <a:ext cx="1184346" cy="0"/>
+          </a:xfrm>
+          <a:prstGeom prst="line">
+            <a:avLst/>
+          </a:prstGeom>
+          <a:ln w="28575">
+            <a:solidFill>
+              <a:schemeClr val="bg1"/>
+            </a:solidFill>
+          </a:ln>
+        </p:spPr>
+        <p:style>
+          <a:lnRef idx="1">
+            <a:schemeClr val="accent1"/>
+          </a:lnRef>
+          <a:fillRef idx="0">
+            <a:schemeClr val="accent1"/>
+          </a:fillRef>
+          <a:effectRef idx="0">
+            <a:schemeClr val="accent1"/>
+          </a:effectRef>
+          <a:fontRef idx="minor">
+            <a:schemeClr val="tx1"/>
+          </a:fontRef>
+        </p:style>
+      </p:cxnSp>
+      <p:sp>
+        <p:nvSpPr>
+          <p:cNvPr id="44" name="TextBox 43"/>
+          <p:cNvSpPr txBox="1"/>
+          <p:nvPr/>
+        </p:nvSpPr>
+        <p:spPr>
+          <a:xfrm>
+            <a:off x="4866705" y="1120657"/>
+            <a:ext cx="418704" cy="369332"/>
+          </a:xfrm>
+          <a:prstGeom prst="rect">
+            <a:avLst/>
+          </a:prstGeom>
+          <a:noFill/>
+        </p:spPr>
+        <p:txBody>
+          <a:bodyPr wrap="none" rtlCol="0">
+            <a:spAutoFit/>
+          </a:bodyPr>
+          <a:lstStyle/>
+          <a:p>
+            <a:r>
+              <a:rPr lang="en-US" b="1" dirty="0" smtClean="0">
+                <a:solidFill>
+                  <a:schemeClr val="bg1"/>
+                </a:solidFill>
+              </a:rPr>
+              <a:t>10</a:t>
+            </a:r>
+            <a:endParaRPr lang="ru-RU" b="1" dirty="0">
+              <a:solidFill>
+                <a:schemeClr val="bg1"/>
+              </a:solidFill>
+            </a:endParaRPr>
+          </a:p>
+        </p:txBody>
+      </p:sp>
+      <p:sp>
+        <p:nvSpPr>
+          <p:cNvPr id="45" name="TextBox 44"/>
+          <p:cNvSpPr txBox="1"/>
+          <p:nvPr/>
+        </p:nvSpPr>
+        <p:spPr>
+          <a:xfrm>
+            <a:off x="3444124" y="1120657"/>
+            <a:ext cx="418704" cy="369332"/>
+          </a:xfrm>
+          <a:prstGeom prst="rect">
+            <a:avLst/>
+          </a:prstGeom>
+          <a:noFill/>
+        </p:spPr>
+        <p:txBody>
+          <a:bodyPr wrap="none" rtlCol="0">
+            <a:spAutoFit/>
+          </a:bodyPr>
+          <a:lstStyle/>
+          <a:p>
+            <a:r>
+              <a:rPr lang="en-US" b="1" dirty="0" smtClean="0">
+                <a:solidFill>
+                  <a:schemeClr val="bg1"/>
+                </a:solidFill>
+              </a:rPr>
+              <a:t>25</a:t>
+            </a:r>
+            <a:endParaRPr lang="ru-RU" b="1" dirty="0">
+              <a:solidFill>
+                <a:schemeClr val="bg1"/>
+              </a:solidFill>
+            </a:endParaRPr>
+          </a:p>
+        </p:txBody>
+      </p:sp>
+      <p:sp>
+        <p:nvSpPr>
+          <p:cNvPr id="46" name="TextBox 45"/>
+          <p:cNvSpPr txBox="1"/>
+          <p:nvPr/>
+        </p:nvSpPr>
+        <p:spPr>
+          <a:xfrm>
+            <a:off x="2176466" y="1120657"/>
+            <a:ext cx="418704" cy="369332"/>
+          </a:xfrm>
+          <a:prstGeom prst="rect">
+            <a:avLst/>
+          </a:prstGeom>
+          <a:noFill/>
+        </p:spPr>
+        <p:txBody>
+          <a:bodyPr wrap="none" rtlCol="0">
+            <a:spAutoFit/>
+          </a:bodyPr>
+          <a:lstStyle/>
+          <a:p>
+            <a:r>
+              <a:rPr lang="en-US" b="1" dirty="0" smtClean="0">
+                <a:solidFill>
+                  <a:schemeClr val="bg1"/>
+                </a:solidFill>
+              </a:rPr>
+              <a:t>15</a:t>
+            </a:r>
+            <a:endParaRPr lang="ru-RU" b="1" dirty="0">
+              <a:solidFill>
+                <a:schemeClr val="bg1"/>
+              </a:solidFill>
+            </a:endParaRPr>
+          </a:p>
+        </p:txBody>
+      </p:sp>
+      <p:sp>
+        <p:nvSpPr>
+          <p:cNvPr id="47" name="TextBox 46"/>
+          <p:cNvSpPr txBox="1"/>
+          <p:nvPr/>
+        </p:nvSpPr>
+        <p:spPr>
+          <a:xfrm>
+            <a:off x="6504645" y="1873358"/>
+            <a:ext cx="418704" cy="369332"/>
+          </a:xfrm>
+          <a:prstGeom prst="rect">
+            <a:avLst/>
+          </a:prstGeom>
+          <a:noFill/>
+        </p:spPr>
+        <p:txBody>
+          <a:bodyPr wrap="none" rtlCol="0">
+            <a:spAutoFit/>
+          </a:bodyPr>
+          <a:lstStyle/>
+          <a:p>
+            <a:r>
+              <a:rPr lang="en-US" b="1" dirty="0" smtClean="0">
+                <a:solidFill>
+                  <a:schemeClr val="bg1"/>
+                </a:solidFill>
+              </a:rPr>
+              <a:t>10</a:t>
+            </a:r>
+            <a:endParaRPr lang="ru-RU" b="1" dirty="0">
+              <a:solidFill>
+                <a:schemeClr val="bg1"/>
+              </a:solidFill>
+            </a:endParaRPr>
+          </a:p>
+        </p:txBody>
+      </p:sp>
+      <p:sp>
+        <p:nvSpPr>
+          <p:cNvPr id="48" name="TextBox 47"/>
+          <p:cNvSpPr txBox="1"/>
+          <p:nvPr/>
+        </p:nvSpPr>
+        <p:spPr>
+          <a:xfrm>
+            <a:off x="6504645" y="2930683"/>
+            <a:ext cx="418704" cy="369332"/>
+          </a:xfrm>
+          <a:prstGeom prst="rect">
+            <a:avLst/>
+          </a:prstGeom>
+          <a:noFill/>
+        </p:spPr>
+        <p:txBody>
+          <a:bodyPr wrap="none" rtlCol="0">
+            <a:spAutoFit/>
+          </a:bodyPr>
+          <a:lstStyle/>
+          <a:p>
+            <a:r>
+              <a:rPr lang="en-US" b="1" dirty="0" smtClean="0">
+                <a:solidFill>
+                  <a:schemeClr val="bg1"/>
+                </a:solidFill>
+              </a:rPr>
+              <a:t>25</a:t>
+            </a:r>
+            <a:endParaRPr lang="ru-RU" b="1" dirty="0">
+              <a:solidFill>
+                <a:schemeClr val="bg1"/>
+              </a:solidFill>
+            </a:endParaRPr>
+          </a:p>
+        </p:txBody>
+      </p:sp>
+      <p:sp>
+        <p:nvSpPr>
+          <p:cNvPr id="49" name="TextBox 48"/>
+          <p:cNvSpPr txBox="1"/>
+          <p:nvPr/>
+        </p:nvSpPr>
+        <p:spPr>
+          <a:xfrm>
+            <a:off x="5334274" y="1811282"/>
+            <a:ext cx="418704" cy="369332"/>
+          </a:xfrm>
+          <a:prstGeom prst="rect">
+            <a:avLst/>
+          </a:prstGeom>
+          <a:noFill/>
+        </p:spPr>
+        <p:txBody>
+          <a:bodyPr wrap="none" rtlCol="0">
+            <a:spAutoFit/>
+          </a:bodyPr>
+          <a:lstStyle/>
+          <a:p>
+            <a:r>
+              <a:rPr lang="en-US" b="1" dirty="0" smtClean="0">
+                <a:solidFill>
+                  <a:schemeClr val="bg1"/>
+                </a:solidFill>
+              </a:rPr>
+              <a:t>50</a:t>
+            </a:r>
+            <a:endParaRPr lang="ru-RU" b="1" dirty="0">
+              <a:solidFill>
+                <a:schemeClr val="bg1"/>
+              </a:solidFill>
+            </a:endParaRPr>
+          </a:p>
+        </p:txBody>
+      </p:sp>
+      <p:sp>
+        <p:nvSpPr>
+          <p:cNvPr id="50" name="TextBox 49"/>
+          <p:cNvSpPr txBox="1"/>
+          <p:nvPr/>
+        </p:nvSpPr>
+        <p:spPr>
+          <a:xfrm>
+            <a:off x="5343606" y="2951503"/>
+            <a:ext cx="418704" cy="369332"/>
+          </a:xfrm>
+          <a:prstGeom prst="rect">
+            <a:avLst/>
+          </a:prstGeom>
+          <a:noFill/>
+        </p:spPr>
+        <p:txBody>
+          <a:bodyPr wrap="none" rtlCol="0">
+            <a:spAutoFit/>
+          </a:bodyPr>
+          <a:lstStyle/>
+          <a:p>
+            <a:r>
+              <a:rPr lang="en-US" b="1" dirty="0" smtClean="0">
+                <a:solidFill>
+                  <a:schemeClr val="bg1"/>
+                </a:solidFill>
+              </a:rPr>
+              <a:t>70</a:t>
+            </a:r>
+            <a:endParaRPr lang="ru-RU" b="1" dirty="0">
+              <a:solidFill>
+                <a:schemeClr val="bg1"/>
+              </a:solidFill>
+            </a:endParaRPr>
+          </a:p>
+        </p:txBody>
+      </p:sp>
+      <p:sp>
+        <p:nvSpPr>
+          <p:cNvPr id="51" name="TextBox 50"/>
+          <p:cNvSpPr txBox="1"/>
+          <p:nvPr/>
+        </p:nvSpPr>
+        <p:spPr>
+          <a:xfrm>
+            <a:off x="4918217" y="3261710"/>
+            <a:ext cx="418704" cy="369332"/>
+          </a:xfrm>
+          <a:prstGeom prst="rect">
+            <a:avLst/>
+          </a:prstGeom>
+          <a:noFill/>
+        </p:spPr>
+        <p:txBody>
+          <a:bodyPr wrap="none" rtlCol="0">
+            <a:spAutoFit/>
+          </a:bodyPr>
+          <a:lstStyle/>
+          <a:p>
+            <a:r>
+              <a:rPr lang="en-US" b="1" dirty="0" smtClean="0">
+                <a:solidFill>
+                  <a:schemeClr val="bg1"/>
+                </a:solidFill>
+              </a:rPr>
+              <a:t>70</a:t>
+            </a:r>
+            <a:endParaRPr lang="ru-RU" b="1" dirty="0">
+              <a:solidFill>
+                <a:schemeClr val="bg1"/>
+              </a:solidFill>
+            </a:endParaRPr>
+          </a:p>
+        </p:txBody>
+      </p:sp>
+      <p:sp>
+        <p:nvSpPr>
+          <p:cNvPr id="52" name="TextBox 51"/>
+          <p:cNvSpPr txBox="1"/>
+          <p:nvPr/>
+        </p:nvSpPr>
+        <p:spPr>
+          <a:xfrm>
+            <a:off x="4874373" y="2766837"/>
+            <a:ext cx="301686" cy="369332"/>
+          </a:xfrm>
+          <a:prstGeom prst="rect">
+            <a:avLst/>
+          </a:prstGeom>
+          <a:noFill/>
+        </p:spPr>
+        <p:txBody>
+          <a:bodyPr wrap="none" rtlCol="0">
+            <a:spAutoFit/>
+          </a:bodyPr>
+          <a:lstStyle/>
+          <a:p>
+            <a:r>
+              <a:rPr lang="en-US" b="1" dirty="0" smtClean="0">
+                <a:solidFill>
+                  <a:schemeClr val="bg1"/>
+                </a:solidFill>
+              </a:rPr>
+              <a:t>5</a:t>
+            </a:r>
+            <a:endParaRPr lang="ru-RU" b="1" dirty="0">
+              <a:solidFill>
+                <a:schemeClr val="bg1"/>
+              </a:solidFill>
+            </a:endParaRPr>
+          </a:p>
+        </p:txBody>
+      </p:sp>
+      <p:sp>
+        <p:nvSpPr>
+          <p:cNvPr id="53" name="TextBox 52"/>
+          <p:cNvSpPr txBox="1"/>
+          <p:nvPr/>
+        </p:nvSpPr>
+        <p:spPr>
+          <a:xfrm>
+            <a:off x="4866705" y="2234790"/>
+            <a:ext cx="418704" cy="369332"/>
+          </a:xfrm>
+          <a:prstGeom prst="rect">
+            <a:avLst/>
+          </a:prstGeom>
+          <a:noFill/>
+        </p:spPr>
+        <p:txBody>
+          <a:bodyPr wrap="none" rtlCol="0">
+            <a:spAutoFit/>
+          </a:bodyPr>
+          <a:lstStyle/>
+          <a:p>
+            <a:r>
+              <a:rPr lang="en-US" b="1" dirty="0" smtClean="0">
+                <a:solidFill>
+                  <a:schemeClr val="bg1"/>
+                </a:solidFill>
+              </a:rPr>
+              <a:t>30</a:t>
+            </a:r>
+            <a:endParaRPr lang="ru-RU" b="1" dirty="0">
+              <a:solidFill>
+                <a:schemeClr val="bg1"/>
+              </a:solidFill>
+            </a:endParaRPr>
+          </a:p>
+        </p:txBody>
+      </p:sp>
+      <p:sp>
+        <p:nvSpPr>
+          <p:cNvPr id="54" name="TextBox 53"/>
+          <p:cNvSpPr txBox="1"/>
+          <p:nvPr/>
+        </p:nvSpPr>
+        <p:spPr>
+          <a:xfrm>
+            <a:off x="3972794" y="1845754"/>
+            <a:ext cx="418704" cy="369332"/>
+          </a:xfrm>
+          <a:prstGeom prst="rect">
+            <a:avLst/>
+          </a:prstGeom>
+          <a:noFill/>
+        </p:spPr>
+        <p:txBody>
+          <a:bodyPr wrap="none" rtlCol="0">
+            <a:spAutoFit/>
+          </a:bodyPr>
+          <a:lstStyle/>
+          <a:p>
+            <a:r>
+              <a:rPr lang="en-US" b="1" dirty="0" smtClean="0">
+                <a:solidFill>
+                  <a:schemeClr val="bg1"/>
+                </a:solidFill>
+              </a:rPr>
+              <a:t>70</a:t>
+            </a:r>
+            <a:endParaRPr lang="ru-RU" b="1" dirty="0">
+              <a:solidFill>
+                <a:schemeClr val="bg1"/>
+              </a:solidFill>
+            </a:endParaRPr>
+          </a:p>
+        </p:txBody>
+      </p:sp>
+      <p:sp>
+        <p:nvSpPr>
+          <p:cNvPr id="55" name="TextBox 54"/>
+          <p:cNvSpPr txBox="1"/>
+          <p:nvPr/>
+        </p:nvSpPr>
+        <p:spPr>
+          <a:xfrm>
+            <a:off x="3951923" y="2927144"/>
+            <a:ext cx="418704" cy="369332"/>
+          </a:xfrm>
+          <a:prstGeom prst="rect">
+            <a:avLst/>
+          </a:prstGeom>
+          <a:noFill/>
+        </p:spPr>
+        <p:txBody>
+          <a:bodyPr wrap="none" rtlCol="0">
+            <a:spAutoFit/>
+          </a:bodyPr>
+          <a:lstStyle/>
+          <a:p>
+            <a:r>
+              <a:rPr lang="en-US" b="1" dirty="0" smtClean="0">
+                <a:solidFill>
+                  <a:schemeClr val="bg1"/>
+                </a:solidFill>
+              </a:rPr>
+              <a:t>60</a:t>
+            </a:r>
+            <a:endParaRPr lang="ru-RU" b="1" dirty="0">
+              <a:solidFill>
+                <a:schemeClr val="bg1"/>
+              </a:solidFill>
+            </a:endParaRPr>
+          </a:p>
+        </p:txBody>
+      </p:sp>
+      <p:sp>
+        <p:nvSpPr>
+          <p:cNvPr id="56" name="TextBox 55"/>
+          <p:cNvSpPr txBox="1"/>
+          <p:nvPr/>
+        </p:nvSpPr>
+        <p:spPr>
+          <a:xfrm>
+            <a:off x="3533219" y="2253224"/>
+            <a:ext cx="418704" cy="369332"/>
+          </a:xfrm>
+          <a:prstGeom prst="rect">
+            <a:avLst/>
+          </a:prstGeom>
+          <a:noFill/>
+        </p:spPr>
+        <p:txBody>
+          <a:bodyPr wrap="none" rtlCol="0">
+            <a:spAutoFit/>
+          </a:bodyPr>
+          <a:lstStyle/>
+          <a:p>
+            <a:r>
+              <a:rPr lang="en-US" b="1" dirty="0" smtClean="0">
+                <a:solidFill>
+                  <a:schemeClr val="bg1"/>
+                </a:solidFill>
+              </a:rPr>
+              <a:t>40</a:t>
+            </a:r>
+            <a:endParaRPr lang="ru-RU" b="1" dirty="0">
+              <a:solidFill>
+                <a:schemeClr val="bg1"/>
+              </a:solidFill>
+            </a:endParaRPr>
+          </a:p>
+        </p:txBody>
+      </p:sp>
+      <p:sp>
+        <p:nvSpPr>
+          <p:cNvPr id="57" name="TextBox 56"/>
+          <p:cNvSpPr txBox="1"/>
+          <p:nvPr/>
+        </p:nvSpPr>
+        <p:spPr>
+          <a:xfrm>
+            <a:off x="3502970" y="3236753"/>
+            <a:ext cx="418704" cy="369332"/>
+          </a:xfrm>
+          <a:prstGeom prst="rect">
+            <a:avLst/>
+          </a:prstGeom>
+          <a:noFill/>
+        </p:spPr>
+        <p:txBody>
+          <a:bodyPr wrap="none" rtlCol="0">
+            <a:spAutoFit/>
+          </a:bodyPr>
+          <a:lstStyle/>
+          <a:p>
+            <a:r>
+              <a:rPr lang="en-US" b="1" dirty="0" smtClean="0">
+                <a:solidFill>
+                  <a:schemeClr val="bg1"/>
+                </a:solidFill>
+              </a:rPr>
+              <a:t>35</a:t>
+            </a:r>
+            <a:endParaRPr lang="ru-RU" b="1" dirty="0">
+              <a:solidFill>
+                <a:schemeClr val="bg1"/>
+              </a:solidFill>
+            </a:endParaRPr>
+          </a:p>
+        </p:txBody>
+      </p:sp>
+      <p:sp>
+        <p:nvSpPr>
+          <p:cNvPr id="58" name="TextBox 57"/>
+          <p:cNvSpPr txBox="1"/>
+          <p:nvPr/>
+        </p:nvSpPr>
+        <p:spPr>
+          <a:xfrm>
+            <a:off x="2307367" y="3274218"/>
+            <a:ext cx="418704" cy="369332"/>
+          </a:xfrm>
+          <a:prstGeom prst="rect">
+            <a:avLst/>
+          </a:prstGeom>
+          <a:noFill/>
+        </p:spPr>
+        <p:txBody>
+          <a:bodyPr wrap="none" rtlCol="0">
+            <a:spAutoFit/>
+          </a:bodyPr>
+          <a:lstStyle/>
+          <a:p>
+            <a:r>
+              <a:rPr lang="en-US" b="1" dirty="0" smtClean="0">
+                <a:solidFill>
+                  <a:schemeClr val="bg1"/>
+                </a:solidFill>
+              </a:rPr>
+              <a:t>10</a:t>
+            </a:r>
+            <a:endParaRPr lang="ru-RU" b="1" dirty="0">
+              <a:solidFill>
+                <a:schemeClr val="bg1"/>
+              </a:solidFill>
+            </a:endParaRPr>
+          </a:p>
+        </p:txBody>
+      </p:sp>
+      <p:sp>
+        <p:nvSpPr>
+          <p:cNvPr id="59" name="TextBox 58"/>
+          <p:cNvSpPr txBox="1"/>
+          <p:nvPr/>
+        </p:nvSpPr>
+        <p:spPr>
+          <a:xfrm>
+            <a:off x="2728332" y="1845754"/>
+            <a:ext cx="301686" cy="369332"/>
+          </a:xfrm>
+          <a:prstGeom prst="rect">
+            <a:avLst/>
+          </a:prstGeom>
+          <a:noFill/>
+        </p:spPr>
+        <p:txBody>
+          <a:bodyPr wrap="none" rtlCol="0">
+            <a:spAutoFit/>
+          </a:bodyPr>
+          <a:lstStyle/>
+          <a:p>
+            <a:r>
+              <a:rPr lang="en-US" b="1" dirty="0" smtClean="0">
+                <a:solidFill>
+                  <a:schemeClr val="bg1"/>
+                </a:solidFill>
+              </a:rPr>
+              <a:t>0</a:t>
+            </a:r>
+            <a:endParaRPr lang="ru-RU" b="1" dirty="0">
+              <a:solidFill>
+                <a:schemeClr val="bg1"/>
+              </a:solidFill>
+            </a:endParaRPr>
+          </a:p>
+        </p:txBody>
+      </p:sp>
+      <p:sp>
+        <p:nvSpPr>
+          <p:cNvPr id="60" name="TextBox 59"/>
+          <p:cNvSpPr txBox="1"/>
+          <p:nvPr/>
+        </p:nvSpPr>
+        <p:spPr>
+          <a:xfrm>
+            <a:off x="1456884" y="1850947"/>
+            <a:ext cx="418704" cy="369332"/>
+          </a:xfrm>
+          <a:prstGeom prst="rect">
+            <a:avLst/>
+          </a:prstGeom>
+          <a:noFill/>
+        </p:spPr>
+        <p:txBody>
+          <a:bodyPr wrap="none" rtlCol="0">
+            <a:spAutoFit/>
+          </a:bodyPr>
+          <a:lstStyle/>
+          <a:p>
+            <a:r>
+              <a:rPr lang="en-US" b="1" dirty="0" smtClean="0">
+                <a:solidFill>
+                  <a:schemeClr val="bg1"/>
+                </a:solidFill>
+              </a:rPr>
+              <a:t>20</a:t>
+            </a:r>
+            <a:endParaRPr lang="ru-RU" b="1" dirty="0">
+              <a:solidFill>
+                <a:schemeClr val="bg1"/>
+              </a:solidFill>
+            </a:endParaRPr>
+          </a:p>
+        </p:txBody>
+      </p:sp>
+      <p:sp>
+        <p:nvSpPr>
+          <p:cNvPr id="61" name="TextBox 60"/>
+          <p:cNvSpPr txBox="1"/>
+          <p:nvPr/>
+        </p:nvSpPr>
+        <p:spPr>
+          <a:xfrm>
+            <a:off x="1454583" y="2951503"/>
+            <a:ext cx="418704" cy="369332"/>
+          </a:xfrm>
+          <a:prstGeom prst="rect">
+            <a:avLst/>
+          </a:prstGeom>
+          <a:noFill/>
+        </p:spPr>
+        <p:txBody>
+          <a:bodyPr wrap="none" rtlCol="0">
+            <a:spAutoFit/>
+          </a:bodyPr>
+          <a:lstStyle/>
+          <a:p>
+            <a:r>
+              <a:rPr lang="en-US" b="1" dirty="0" smtClean="0">
+                <a:solidFill>
+                  <a:schemeClr val="bg1"/>
+                </a:solidFill>
+              </a:rPr>
+              <a:t>30</a:t>
+            </a:r>
+            <a:endParaRPr lang="ru-RU" b="1" dirty="0">
+              <a:solidFill>
+                <a:schemeClr val="bg1"/>
+              </a:solidFill>
+            </a:endParaRPr>
+          </a:p>
+        </p:txBody>
+      </p:sp>
     </p:spTree>
     <p:extLst>
       <p:ext uri="{BB962C8B-B14F-4D97-AF65-F5344CB8AC3E}">
-        <p14:creationId xmlns:p14="http://schemas.microsoft.com/office/powerpoint/2010/main" val="1231329447"/>
+        <p14:creationId xmlns:p14="http://schemas.microsoft.com/office/powerpoint/2010/main" val="589321716"/>
       </p:ext>
     </p:extLst>
   </p:cSld>
@@ -6047,7 +14806,7 @@
         </p:nvSpPr>
         <p:spPr>
           <a:xfrm>
-            <a:off x="914400" y="1322679"/>
+            <a:off x="914400" y="1203598"/>
             <a:ext cx="7315200" cy="3785652"/>
           </a:xfrm>
           <a:prstGeom prst="rect">
@@ -6590,53 +15349,40 @@
               <a:t>    </a:t>
             </a:r>
             <a:r>
-              <a:rPr lang="en-US" sz="2000" b="1" dirty="0" smtClean="0">
-                <a:solidFill>
-                  <a:srgbClr val="FFFFFF">
-                    <a:alpha val="100000"/>
-                  </a:srgbClr>
-                </a:solidFill>
-                <a:hlinkClick r:id="rId4"/>
+              <a:rPr lang="en-US" sz="2000" b="1" u="sng" dirty="0" smtClean="0">
+                <a:solidFill>
+                  <a:schemeClr val="bg1"/>
+                </a:solidFill>
               </a:rPr>
               <a:t>https</a:t>
             </a:r>
             <a:r>
-              <a:rPr lang="en-US" sz="2000" b="1" dirty="0">
-                <a:solidFill>
-                  <a:srgbClr val="FFFFFF">
-                    <a:alpha val="100000"/>
-                  </a:srgbClr>
-                </a:solidFill>
-                <a:hlinkClick r:id="rId4"/>
+              <a:rPr lang="en-US" sz="2000" b="1" u="sng" dirty="0">
+                <a:solidFill>
+                  <a:schemeClr val="bg1"/>
+                </a:solidFill>
               </a:rPr>
               <a:t>://</a:t>
             </a:r>
             <a:r>
-              <a:rPr lang="en-US" sz="2000" b="1" dirty="0" smtClean="0">
-                <a:solidFill>
-                  <a:srgbClr val="FFFFFF">
-                    <a:alpha val="100000"/>
-                  </a:srgbClr>
-                </a:solidFill>
-                <a:hlinkClick r:id="rId4"/>
+              <a:rPr lang="en-US" sz="2000" b="1" u="sng" dirty="0" smtClean="0">
+                <a:solidFill>
+                  <a:schemeClr val="bg1"/>
+                </a:solidFill>
               </a:rPr>
               <a:t>youtu.be/fA_xvuqzuGs?si=woZAlEgGNgkNk0FV</a:t>
             </a:r>
             <a:r>
-              <a:rPr lang="ru-RU" sz="2000" b="1" dirty="0" smtClean="0">
-                <a:solidFill>
-                  <a:srgbClr val="FFFFFF">
-                    <a:alpha val="100000"/>
-                  </a:srgbClr>
+              <a:rPr lang="ru-RU" sz="2000" b="1" u="sng" dirty="0" smtClean="0">
+                <a:solidFill>
+                  <a:schemeClr val="bg1"/>
                 </a:solidFill>
               </a:rPr>
               <a:t> </a:t>
             </a:r>
-            <a:endParaRPr lang="en-US" sz="2000" b="1" u="none" strike="noStrike" cap="none" spc="0" dirty="0">
+            <a:endParaRPr lang="en-US" sz="2000" b="1" u="sng" strike="noStrike" cap="none" spc="0" dirty="0">
               <a:solidFill>
-                <a:srgbClr val="FFFFFF">
-                  <a:alpha val="100000"/>
-                </a:srgbClr>
+                <a:schemeClr val="bg1"/>
               </a:solidFill>
               <a:latin typeface="Calibri"/>
             </a:endParaRPr>

--- a/Презентация_лабораторная_Интерпретатор_Загрядсков_Максим_Болтенков_Станислав_3823Б1ПМ1_1.pptx
+++ b/Презентация_лабораторная_Интерпретатор_Загрядсков_Максим_Болтенков_Станислав_3823Б1ПМ1_1.pptx
@@ -1659,6 +1659,13 @@
         </dgm:presLayoutVars>
       </dgm:prSet>
       <dgm:spPr/>
+      <dgm:t>
+        <a:bodyPr/>
+        <a:lstStyle/>
+        <a:p>
+          <a:endParaRPr lang="ru-RU"/>
+        </a:p>
+      </dgm:t>
     </dgm:pt>
     <dgm:pt modelId="{2C61CDB8-1126-4D10-8A0C-A887CB36E88D}" type="pres">
       <dgm:prSet presAssocID="{F0375D81-EA31-407D-9450-A8FE664209E9}" presName="textCenter" presStyleLbl="node1" presStyleIdx="0" presStyleCnt="15" custScaleX="42874" custScaleY="42874" custLinFactNeighborX="6678" custLinFactNeighborY="4202"/>
@@ -1667,6 +1674,13 @@
           <a:avLst/>
         </a:prstGeom>
       </dgm:spPr>
+      <dgm:t>
+        <a:bodyPr/>
+        <a:lstStyle/>
+        <a:p>
+          <a:endParaRPr lang="ru-RU"/>
+        </a:p>
+      </dgm:t>
     </dgm:pt>
     <dgm:pt modelId="{99162502-7E36-4BA7-BFCB-D56C5DFB7F09}" type="pres">
       <dgm:prSet presAssocID="{F0375D81-EA31-407D-9450-A8FE664209E9}" presName="cycle_1" presStyleCnt="0"/>
@@ -1679,10 +1693,24 @@
           <a:avLst/>
         </a:prstGeom>
       </dgm:spPr>
+      <dgm:t>
+        <a:bodyPr/>
+        <a:lstStyle/>
+        <a:p>
+          <a:endParaRPr lang="ru-RU"/>
+        </a:p>
+      </dgm:t>
     </dgm:pt>
     <dgm:pt modelId="{14F8E73C-F36A-45CB-BFCE-4B2564C5D8DB}" type="pres">
       <dgm:prSet presAssocID="{9479EB3C-A16E-462A-828B-D51E498566EE}" presName="Name141" presStyleLbl="parChTrans1D3" presStyleIdx="0" presStyleCnt="10"/>
       <dgm:spPr/>
+      <dgm:t>
+        <a:bodyPr/>
+        <a:lstStyle/>
+        <a:p>
+          <a:endParaRPr lang="ru-RU"/>
+        </a:p>
+      </dgm:t>
     </dgm:pt>
     <dgm:pt modelId="{131FDBC9-C4E8-4D45-8ABB-A1AFD43B00EC}" type="pres">
       <dgm:prSet presAssocID="{71417C9C-41D5-467E-9678-7E5EF1DEAA64}" presName="text1" presStyleLbl="node1" presStyleIdx="2" presStyleCnt="15" custScaleX="63991" custScaleY="63991" custRadScaleRad="177803" custRadScaleInc="47732">
@@ -1695,10 +1723,24 @@
           <a:avLst/>
         </a:prstGeom>
       </dgm:spPr>
+      <dgm:t>
+        <a:bodyPr/>
+        <a:lstStyle/>
+        <a:p>
+          <a:endParaRPr lang="ru-RU"/>
+        </a:p>
+      </dgm:t>
     </dgm:pt>
     <dgm:pt modelId="{D798D8B1-4DD5-4F76-A915-4D9BC4A9F7BC}" type="pres">
       <dgm:prSet presAssocID="{511F46B2-9729-40F5-A774-4D9C08F18E83}" presName="Name144" presStyleLbl="parChTrans1D2" presStyleIdx="0" presStyleCnt="4"/>
       <dgm:spPr/>
+      <dgm:t>
+        <a:bodyPr/>
+        <a:lstStyle/>
+        <a:p>
+          <a:endParaRPr lang="ru-RU"/>
+        </a:p>
+      </dgm:t>
     </dgm:pt>
     <dgm:pt modelId="{78DF4324-BEBD-4C20-8662-1460A63AEC61}" type="pres">
       <dgm:prSet presAssocID="{F0375D81-EA31-407D-9450-A8FE664209E9}" presName="cycle_2" presStyleCnt="0"/>
@@ -1711,10 +1753,24 @@
           <a:avLst/>
         </a:prstGeom>
       </dgm:spPr>
+      <dgm:t>
+        <a:bodyPr/>
+        <a:lstStyle/>
+        <a:p>
+          <a:endParaRPr lang="ru-RU"/>
+        </a:p>
+      </dgm:t>
     </dgm:pt>
     <dgm:pt modelId="{13C6C64B-B032-4BA4-83DB-6A35EE2DAC82}" type="pres">
       <dgm:prSet presAssocID="{E7D2329F-9681-4125-A514-37240D313997}" presName="Name218" presStyleLbl="parChTrans1D3" presStyleIdx="1" presStyleCnt="10"/>
       <dgm:spPr/>
+      <dgm:t>
+        <a:bodyPr/>
+        <a:lstStyle/>
+        <a:p>
+          <a:endParaRPr lang="ru-RU"/>
+        </a:p>
+      </dgm:t>
     </dgm:pt>
     <dgm:pt modelId="{60645163-21D0-4CD5-9FB8-587A220A1664}" type="pres">
       <dgm:prSet presAssocID="{76CD3A94-BB58-4E79-AE04-950749E90406}" presName="text2" presStyleLbl="node1" presStyleIdx="4" presStyleCnt="15" custScaleX="63991" custScaleY="63991" custRadScaleRad="200428" custRadScaleInc="115496">
@@ -1727,10 +1783,24 @@
           <a:avLst/>
         </a:prstGeom>
       </dgm:spPr>
+      <dgm:t>
+        <a:bodyPr/>
+        <a:lstStyle/>
+        <a:p>
+          <a:endParaRPr lang="ru-RU"/>
+        </a:p>
+      </dgm:t>
     </dgm:pt>
     <dgm:pt modelId="{F1052044-0FDD-422D-B472-4653C35157C6}" type="pres">
       <dgm:prSet presAssocID="{032E0D3E-E48E-4E6A-BD8A-5430FC59272E}" presName="Name218" presStyleLbl="parChTrans1D3" presStyleIdx="2" presStyleCnt="10"/>
       <dgm:spPr/>
+      <dgm:t>
+        <a:bodyPr/>
+        <a:lstStyle/>
+        <a:p>
+          <a:endParaRPr lang="ru-RU"/>
+        </a:p>
+      </dgm:t>
     </dgm:pt>
     <dgm:pt modelId="{87EB7461-B202-41C3-B18F-A0F3E6601857}" type="pres">
       <dgm:prSet presAssocID="{F3387FD0-03C2-49E7-BC48-23BCF1C821D1}" presName="text2" presStyleLbl="node1" presStyleIdx="5" presStyleCnt="15" custScaleX="63991" custScaleY="63991" custRadScaleRad="237589" custRadScaleInc="-55823">
@@ -1743,10 +1813,24 @@
           <a:avLst/>
         </a:prstGeom>
       </dgm:spPr>
+      <dgm:t>
+        <a:bodyPr/>
+        <a:lstStyle/>
+        <a:p>
+          <a:endParaRPr lang="ru-RU"/>
+        </a:p>
+      </dgm:t>
     </dgm:pt>
     <dgm:pt modelId="{2CB8979D-EB12-4FD7-823E-E18C29F26A6C}" type="pres">
       <dgm:prSet presAssocID="{E57571B8-76B3-4DBD-AB12-62351466A144}" presName="Name218" presStyleLbl="parChTrans1D3" presStyleIdx="3" presStyleCnt="10"/>
       <dgm:spPr/>
+      <dgm:t>
+        <a:bodyPr/>
+        <a:lstStyle/>
+        <a:p>
+          <a:endParaRPr lang="ru-RU"/>
+        </a:p>
+      </dgm:t>
     </dgm:pt>
     <dgm:pt modelId="{E2CE3FDF-1297-4411-9D78-44A8932D4D01}" type="pres">
       <dgm:prSet presAssocID="{256FEE81-9056-4F41-86E9-A87A2826DE9D}" presName="text2" presStyleLbl="node1" presStyleIdx="6" presStyleCnt="15" custScaleX="63991" custScaleY="63991" custRadScaleRad="236509" custRadScaleInc="-58019">
@@ -1759,10 +1843,24 @@
           <a:avLst/>
         </a:prstGeom>
       </dgm:spPr>
+      <dgm:t>
+        <a:bodyPr/>
+        <a:lstStyle/>
+        <a:p>
+          <a:endParaRPr lang="ru-RU"/>
+        </a:p>
+      </dgm:t>
     </dgm:pt>
     <dgm:pt modelId="{45DBFF19-4A76-4533-998B-AE2989807EE3}" type="pres">
       <dgm:prSet presAssocID="{806EBB18-A966-4973-8080-268AF4E6D478}" presName="Name221" presStyleLbl="parChTrans1D2" presStyleIdx="1" presStyleCnt="4"/>
       <dgm:spPr/>
+      <dgm:t>
+        <a:bodyPr/>
+        <a:lstStyle/>
+        <a:p>
+          <a:endParaRPr lang="ru-RU"/>
+        </a:p>
+      </dgm:t>
     </dgm:pt>
     <dgm:pt modelId="{8E41373E-6E8B-4736-80B3-0F53DD1D4DC9}" type="pres">
       <dgm:prSet presAssocID="{F0375D81-EA31-407D-9450-A8FE664209E9}" presName="cycle_3" presStyleCnt="0"/>
@@ -1775,10 +1873,24 @@
           <a:avLst/>
         </a:prstGeom>
       </dgm:spPr>
+      <dgm:t>
+        <a:bodyPr/>
+        <a:lstStyle/>
+        <a:p>
+          <a:endParaRPr lang="ru-RU"/>
+        </a:p>
+      </dgm:t>
     </dgm:pt>
     <dgm:pt modelId="{C78F9FD8-1B2A-4A2C-98A7-59E90813D8F9}" type="pres">
       <dgm:prSet presAssocID="{762F0E84-B23A-4091-8901-A78F7AE85B75}" presName="Name285" presStyleLbl="parChTrans1D3" presStyleIdx="4" presStyleCnt="10"/>
       <dgm:spPr/>
+      <dgm:t>
+        <a:bodyPr/>
+        <a:lstStyle/>
+        <a:p>
+          <a:endParaRPr lang="ru-RU"/>
+        </a:p>
+      </dgm:t>
     </dgm:pt>
     <dgm:pt modelId="{3CB765B0-9F03-4E47-81C1-10013D386D00}" type="pres">
       <dgm:prSet presAssocID="{328C0A48-268C-4B41-ABB7-6DDF12D715AC}" presName="text3" presStyleLbl="node1" presStyleIdx="8" presStyleCnt="15" custScaleX="63991" custScaleY="63991" custRadScaleRad="119613" custRadScaleInc="148155">
@@ -1791,10 +1903,24 @@
           <a:avLst/>
         </a:prstGeom>
       </dgm:spPr>
+      <dgm:t>
+        <a:bodyPr/>
+        <a:lstStyle/>
+        <a:p>
+          <a:endParaRPr lang="ru-RU"/>
+        </a:p>
+      </dgm:t>
     </dgm:pt>
     <dgm:pt modelId="{7C261A88-DCC1-402A-8F6D-218D973FCEBC}" type="pres">
       <dgm:prSet presAssocID="{3E9E04D1-1302-4E1A-AE3A-AABDBDF394A8}" presName="Name285" presStyleLbl="parChTrans1D3" presStyleIdx="5" presStyleCnt="10"/>
       <dgm:spPr/>
+      <dgm:t>
+        <a:bodyPr/>
+        <a:lstStyle/>
+        <a:p>
+          <a:endParaRPr lang="ru-RU"/>
+        </a:p>
+      </dgm:t>
     </dgm:pt>
     <dgm:pt modelId="{785EF704-5E01-4C5D-9B6C-C1A4F4F2BC65}" type="pres">
       <dgm:prSet presAssocID="{35747D65-C0E3-45F4-B29B-77F49AB95CCE}" presName="text3" presStyleLbl="node1" presStyleIdx="9" presStyleCnt="15" custScaleX="63991" custScaleY="63991" custRadScaleRad="134030" custRadScaleInc="-148353">
@@ -1807,10 +1933,24 @@
           <a:avLst/>
         </a:prstGeom>
       </dgm:spPr>
+      <dgm:t>
+        <a:bodyPr/>
+        <a:lstStyle/>
+        <a:p>
+          <a:endParaRPr lang="ru-RU"/>
+        </a:p>
+      </dgm:t>
     </dgm:pt>
     <dgm:pt modelId="{F9EF837E-131A-4176-A68D-F9B069662957}" type="pres">
       <dgm:prSet presAssocID="{0E9B778E-2EA7-4990-AB0C-12820DF4FB7A}" presName="Name288" presStyleLbl="parChTrans1D2" presStyleIdx="2" presStyleCnt="4"/>
       <dgm:spPr/>
+      <dgm:t>
+        <a:bodyPr/>
+        <a:lstStyle/>
+        <a:p>
+          <a:endParaRPr lang="ru-RU"/>
+        </a:p>
+      </dgm:t>
     </dgm:pt>
     <dgm:pt modelId="{F4E22CC6-2A33-4EDD-BC5E-E663A602C63E}" type="pres">
       <dgm:prSet presAssocID="{F0375D81-EA31-407D-9450-A8FE664209E9}" presName="cycle_4" presStyleCnt="0"/>
@@ -1823,10 +1963,24 @@
           <a:avLst/>
         </a:prstGeom>
       </dgm:spPr>
+      <dgm:t>
+        <a:bodyPr/>
+        <a:lstStyle/>
+        <a:p>
+          <a:endParaRPr lang="ru-RU"/>
+        </a:p>
+      </dgm:t>
     </dgm:pt>
     <dgm:pt modelId="{FDFA6494-C20A-4DF1-9EB1-15EC7E3D468F}" type="pres">
       <dgm:prSet presAssocID="{1C2F9CC8-896B-41B3-AF0F-84093C1E8121}" presName="Name342" presStyleLbl="parChTrans1D3" presStyleIdx="6" presStyleCnt="10"/>
       <dgm:spPr/>
+      <dgm:t>
+        <a:bodyPr/>
+        <a:lstStyle/>
+        <a:p>
+          <a:endParaRPr lang="ru-RU"/>
+        </a:p>
+      </dgm:t>
     </dgm:pt>
     <dgm:pt modelId="{36B922F0-8DD1-4CE5-9219-E2A03E341421}" type="pres">
       <dgm:prSet presAssocID="{9C91AE0B-CDBD-4C19-8B02-531F0A655388}" presName="text4" presStyleLbl="node1" presStyleIdx="11" presStyleCnt="15" custScaleX="85994" custScaleY="85994" custRadScaleRad="125783" custRadScaleInc="314883">
@@ -1839,10 +1993,24 @@
           <a:avLst/>
         </a:prstGeom>
       </dgm:spPr>
+      <dgm:t>
+        <a:bodyPr/>
+        <a:lstStyle/>
+        <a:p>
+          <a:endParaRPr lang="ru-RU"/>
+        </a:p>
+      </dgm:t>
     </dgm:pt>
     <dgm:pt modelId="{5CE3542D-079C-435F-B81F-B7EB2B4F5618}" type="pres">
       <dgm:prSet presAssocID="{0249E7AD-330C-42C9-9CF1-85C044344138}" presName="Name342" presStyleLbl="parChTrans1D3" presStyleIdx="7" presStyleCnt="10"/>
       <dgm:spPr/>
+      <dgm:t>
+        <a:bodyPr/>
+        <a:lstStyle/>
+        <a:p>
+          <a:endParaRPr lang="ru-RU"/>
+        </a:p>
+      </dgm:t>
     </dgm:pt>
     <dgm:pt modelId="{ECFDD823-6703-43A5-8158-FD4B0022F6F7}" type="pres">
       <dgm:prSet presAssocID="{DD5A8A72-D66B-4F22-BC00-3BEC12B711C3}" presName="text4" presStyleLbl="node1" presStyleIdx="12" presStyleCnt="15" custScaleX="85994" custScaleY="85994" custRadScaleRad="204775" custRadScaleInc="130512">
@@ -1855,10 +2023,24 @@
           <a:avLst/>
         </a:prstGeom>
       </dgm:spPr>
+      <dgm:t>
+        <a:bodyPr/>
+        <a:lstStyle/>
+        <a:p>
+          <a:endParaRPr lang="ru-RU"/>
+        </a:p>
+      </dgm:t>
     </dgm:pt>
     <dgm:pt modelId="{7791B2A8-52F3-432F-A09A-9EDE85E8DB98}" type="pres">
       <dgm:prSet presAssocID="{14C2A219-D87C-4A41-8355-454819345B24}" presName="Name342" presStyleLbl="parChTrans1D3" presStyleIdx="8" presStyleCnt="10"/>
       <dgm:spPr/>
+      <dgm:t>
+        <a:bodyPr/>
+        <a:lstStyle/>
+        <a:p>
+          <a:endParaRPr lang="ru-RU"/>
+        </a:p>
+      </dgm:t>
     </dgm:pt>
     <dgm:pt modelId="{BD0E00A4-B95A-437C-BF76-EB23C61FE4BE}" type="pres">
       <dgm:prSet presAssocID="{1735A180-4B3C-4FB2-95EB-B5F12D12B418}" presName="text4" presStyleLbl="node1" presStyleIdx="13" presStyleCnt="15" custScaleX="85994" custScaleY="85994" custRadScaleRad="165231" custRadScaleInc="-53070">
@@ -1871,10 +2053,24 @@
           <a:avLst/>
         </a:prstGeom>
       </dgm:spPr>
+      <dgm:t>
+        <a:bodyPr/>
+        <a:lstStyle/>
+        <a:p>
+          <a:endParaRPr lang="ru-RU"/>
+        </a:p>
+      </dgm:t>
     </dgm:pt>
     <dgm:pt modelId="{7B2776D1-F237-415E-A8BD-98ECE5B561A2}" type="pres">
       <dgm:prSet presAssocID="{D9B202E9-AE8C-40D2-A015-6D1E4380B06B}" presName="Name342" presStyleLbl="parChTrans1D3" presStyleIdx="9" presStyleCnt="10"/>
       <dgm:spPr/>
+      <dgm:t>
+        <a:bodyPr/>
+        <a:lstStyle/>
+        <a:p>
+          <a:endParaRPr lang="ru-RU"/>
+        </a:p>
+      </dgm:t>
     </dgm:pt>
     <dgm:pt modelId="{F7BC56CE-CBA1-4658-99B9-7FF4E78AF3A8}" type="pres">
       <dgm:prSet presAssocID="{BA0CE55D-B380-4A3F-92DC-95FBD2463EE0}" presName="text4" presStyleLbl="node1" presStyleIdx="14" presStyleCnt="15" custScaleX="85994" custScaleY="85994" custRadScaleRad="201657" custRadScaleInc="-227782">
@@ -1898,54 +2094,61 @@
     <dgm:pt modelId="{D1A3650F-8811-4F02-9044-88FB21A4BFCD}" type="pres">
       <dgm:prSet presAssocID="{E67B6AC2-E4BC-425A-90E5-90C0896AC2CC}" presName="Name345" presStyleLbl="parChTrans1D2" presStyleIdx="3" presStyleCnt="4"/>
       <dgm:spPr/>
+      <dgm:t>
+        <a:bodyPr/>
+        <a:lstStyle/>
+        <a:p>
+          <a:endParaRPr lang="ru-RU"/>
+        </a:p>
+      </dgm:t>
     </dgm:pt>
   </dgm:ptLst>
   <dgm:cxnLst>
+    <dgm:cxn modelId="{19A40656-4809-4667-AB31-70F262832267}" srcId="{F859983B-39FB-47E7-8C57-9DD8F40D1D9A}" destId="{F0375D81-EA31-407D-9450-A8FE664209E9}" srcOrd="0" destOrd="0" parTransId="{1B8994B9-1FA2-4BCC-B59E-DD923832FA9D}" sibTransId="{F8D3018F-5870-4E34-88B8-AEF8BD26787A}"/>
+    <dgm:cxn modelId="{3C65D324-0474-4D66-B1CD-2DA867734247}" type="presOf" srcId="{F3387FD0-03C2-49E7-BC48-23BCF1C821D1}" destId="{87EB7461-B202-41C3-B18F-A0F3E6601857}" srcOrd="0" destOrd="0" presId="urn:microsoft.com/office/officeart/2008/layout/RadialCluster"/>
+    <dgm:cxn modelId="{3DF00570-0EC5-437F-A53F-9BBD60A94D24}" type="presOf" srcId="{0E9B778E-2EA7-4990-AB0C-12820DF4FB7A}" destId="{F9EF837E-131A-4176-A68D-F9B069662957}" srcOrd="0" destOrd="0" presId="urn:microsoft.com/office/officeart/2008/layout/RadialCluster"/>
+    <dgm:cxn modelId="{8B9A5703-6E58-4332-9110-0C050385FBB6}" srcId="{A0DD1813-EB36-4B44-90D1-8D815D596B10}" destId="{1735A180-4B3C-4FB2-95EB-B5F12D12B418}" srcOrd="2" destOrd="0" parTransId="{14C2A219-D87C-4A41-8355-454819345B24}" sibTransId="{FAD1D1C0-A72C-4FD6-9D14-4CB9F8F9E9AC}"/>
+    <dgm:cxn modelId="{37CA5FA0-D83A-4F45-9093-7C70C2D6D688}" srcId="{A0DD1813-EB36-4B44-90D1-8D815D596B10}" destId="{9C91AE0B-CDBD-4C19-8B02-531F0A655388}" srcOrd="0" destOrd="0" parTransId="{1C2F9CC8-896B-41B3-AF0F-84093C1E8121}" sibTransId="{0605D182-E01E-4763-ABDC-9D1D920D3E73}"/>
+    <dgm:cxn modelId="{1AC44F4B-F912-4002-81FF-5C4B7E96BE01}" type="presOf" srcId="{032E0D3E-E48E-4E6A-BD8A-5430FC59272E}" destId="{F1052044-0FDD-422D-B472-4653C35157C6}" srcOrd="0" destOrd="0" presId="urn:microsoft.com/office/officeart/2008/layout/RadialCluster"/>
+    <dgm:cxn modelId="{3C409CBE-62E3-4F8D-A262-ABEA0AB53359}" type="presOf" srcId="{DD5A8A72-D66B-4F22-BC00-3BEC12B711C3}" destId="{ECFDD823-6703-43A5-8158-FD4B0022F6F7}" srcOrd="0" destOrd="0" presId="urn:microsoft.com/office/officeart/2008/layout/RadialCluster"/>
+    <dgm:cxn modelId="{1BE17BED-1E68-4B40-859A-85090FBE9549}" srcId="{F0375D81-EA31-407D-9450-A8FE664209E9}" destId="{A0DD1813-EB36-4B44-90D1-8D815D596B10}" srcOrd="3" destOrd="0" parTransId="{E67B6AC2-E4BC-425A-90E5-90C0896AC2CC}" sibTransId="{4448D2A1-ABB7-4D3E-984F-DC9ED42CD75D}"/>
+    <dgm:cxn modelId="{631D0338-F35F-4ECB-805F-F1B15002CCE4}" type="presOf" srcId="{E57571B8-76B3-4DBD-AB12-62351466A144}" destId="{2CB8979D-EB12-4FD7-823E-E18C29F26A6C}" srcOrd="0" destOrd="0" presId="urn:microsoft.com/office/officeart/2008/layout/RadialCluster"/>
+    <dgm:cxn modelId="{5609F472-8643-42B0-967A-5B44CD237455}" type="presOf" srcId="{A899F7D4-A4FB-438D-8EE9-50E475B215B7}" destId="{26DAB9AD-417E-4638-A432-60D1AD968EEE}" srcOrd="0" destOrd="0" presId="urn:microsoft.com/office/officeart/2008/layout/RadialCluster"/>
+    <dgm:cxn modelId="{123B033F-E9A5-4B8F-8778-AEA0E5662BE5}" type="presOf" srcId="{D9B202E9-AE8C-40D2-A015-6D1E4380B06B}" destId="{7B2776D1-F237-415E-A8BD-98ECE5B561A2}" srcOrd="0" destOrd="0" presId="urn:microsoft.com/office/officeart/2008/layout/RadialCluster"/>
+    <dgm:cxn modelId="{6C82ACCC-4F75-4318-9654-105491425942}" srcId="{F0375D81-EA31-407D-9450-A8FE664209E9}" destId="{A899F7D4-A4FB-438D-8EE9-50E475B215B7}" srcOrd="0" destOrd="0" parTransId="{511F46B2-9729-40F5-A774-4D9C08F18E83}" sibTransId="{FB54FE33-EE5B-404B-9C7C-A4B629952FAC}"/>
+    <dgm:cxn modelId="{44E8498D-CDEC-4CE8-A64C-DCBB2A8ED9A8}" type="presOf" srcId="{1735A180-4B3C-4FB2-95EB-B5F12D12B418}" destId="{BD0E00A4-B95A-437C-BF76-EB23C61FE4BE}" srcOrd="0" destOrd="0" presId="urn:microsoft.com/office/officeart/2008/layout/RadialCluster"/>
+    <dgm:cxn modelId="{BBB42A01-97D0-426E-8FB9-47FC2C033C25}" type="presOf" srcId="{35747D65-C0E3-45F4-B29B-77F49AB95CCE}" destId="{785EF704-5E01-4C5D-9B6C-C1A4F4F2BC65}" srcOrd="0" destOrd="0" presId="urn:microsoft.com/office/officeart/2008/layout/RadialCluster"/>
+    <dgm:cxn modelId="{D3A9AB68-7564-493B-8836-765DDD3E7691}" type="presOf" srcId="{762F0E84-B23A-4091-8901-A78F7AE85B75}" destId="{C78F9FD8-1B2A-4A2C-98A7-59E90813D8F9}" srcOrd="0" destOrd="0" presId="urn:microsoft.com/office/officeart/2008/layout/RadialCluster"/>
+    <dgm:cxn modelId="{E65196B1-7248-4E81-9AE9-E06B4A11E01D}" srcId="{B4383D45-2EB5-431F-9E3B-61E0E61EA173}" destId="{76CD3A94-BB58-4E79-AE04-950749E90406}" srcOrd="0" destOrd="0" parTransId="{E7D2329F-9681-4125-A514-37240D313997}" sibTransId="{49F38F2D-846A-4AC9-A999-45F52BEB83E6}"/>
+    <dgm:cxn modelId="{282DDE30-BF8C-474A-9509-1C7DF5018B8C}" type="presOf" srcId="{0249E7AD-330C-42C9-9CF1-85C044344138}" destId="{5CE3542D-079C-435F-B81F-B7EB2B4F5618}" srcOrd="0" destOrd="0" presId="urn:microsoft.com/office/officeart/2008/layout/RadialCluster"/>
+    <dgm:cxn modelId="{6E0BF7DF-3B64-49DB-89DA-4F8E0A433A24}" type="presOf" srcId="{A0DD1813-EB36-4B44-90D1-8D815D596B10}" destId="{11A06565-916D-439F-9911-EA567A860001}" srcOrd="0" destOrd="0" presId="urn:microsoft.com/office/officeart/2008/layout/RadialCluster"/>
+    <dgm:cxn modelId="{4FBAF1D3-BBC6-4C17-B0B3-61B392007395}" srcId="{F0375D81-EA31-407D-9450-A8FE664209E9}" destId="{B4383D45-2EB5-431F-9E3B-61E0E61EA173}" srcOrd="1" destOrd="0" parTransId="{806EBB18-A966-4973-8080-268AF4E6D478}" sibTransId="{3868CC5F-FB5D-4E2B-9183-84D4EF55EAB2}"/>
     <dgm:cxn modelId="{D26FB8A9-A4E5-4A14-927D-6BE296AD34D8}" type="presOf" srcId="{71417C9C-41D5-467E-9678-7E5EF1DEAA64}" destId="{131FDBC9-C4E8-4D45-8ABB-A1AFD43B00EC}" srcOrd="0" destOrd="0" presId="urn:microsoft.com/office/officeart/2008/layout/RadialCluster"/>
-    <dgm:cxn modelId="{3DF00570-0EC5-437F-A53F-9BBD60A94D24}" type="presOf" srcId="{0E9B778E-2EA7-4990-AB0C-12820DF4FB7A}" destId="{F9EF837E-131A-4176-A68D-F9B069662957}" srcOrd="0" destOrd="0" presId="urn:microsoft.com/office/officeart/2008/layout/RadialCluster"/>
-    <dgm:cxn modelId="{3C409CBE-62E3-4F8D-A262-ABEA0AB53359}" type="presOf" srcId="{DD5A8A72-D66B-4F22-BC00-3BEC12B711C3}" destId="{ECFDD823-6703-43A5-8158-FD4B0022F6F7}" srcOrd="0" destOrd="0" presId="urn:microsoft.com/office/officeart/2008/layout/RadialCluster"/>
-    <dgm:cxn modelId="{37CA5FA0-D83A-4F45-9093-7C70C2D6D688}" srcId="{A0DD1813-EB36-4B44-90D1-8D815D596B10}" destId="{9C91AE0B-CDBD-4C19-8B02-531F0A655388}" srcOrd="0" destOrd="0" parTransId="{1C2F9CC8-896B-41B3-AF0F-84093C1E8121}" sibTransId="{0605D182-E01E-4763-ABDC-9D1D920D3E73}"/>
-    <dgm:cxn modelId="{5609F472-8643-42B0-967A-5B44CD237455}" type="presOf" srcId="{A899F7D4-A4FB-438D-8EE9-50E475B215B7}" destId="{26DAB9AD-417E-4638-A432-60D1AD968EEE}" srcOrd="0" destOrd="0" presId="urn:microsoft.com/office/officeart/2008/layout/RadialCluster"/>
+    <dgm:cxn modelId="{923EE879-5E5C-4AC5-AF48-B703EE09B99B}" srcId="{A899F7D4-A4FB-438D-8EE9-50E475B215B7}" destId="{71417C9C-41D5-467E-9678-7E5EF1DEAA64}" srcOrd="0" destOrd="0" parTransId="{9479EB3C-A16E-462A-828B-D51E498566EE}" sibTransId="{CC466F42-389B-45F4-9AE2-3F446F36D922}"/>
+    <dgm:cxn modelId="{F2CF1DE7-0B47-420F-9398-2992DC3DFB6B}" srcId="{BBCF9853-183B-4BF0-86E7-F45030B3E232}" destId="{328C0A48-268C-4B41-ABB7-6DDF12D715AC}" srcOrd="0" destOrd="0" parTransId="{762F0E84-B23A-4091-8901-A78F7AE85B75}" sibTransId="{5CE6F0E9-D2D4-4DBF-A420-B59D5889D7C4}"/>
     <dgm:cxn modelId="{F85F1A8F-3B09-45AC-9E9B-439C92015CFF}" type="presOf" srcId="{BBCF9853-183B-4BF0-86E7-F45030B3E232}" destId="{D67A4FBC-EAA1-4D29-BD12-2A72C4D31151}" srcOrd="0" destOrd="0" presId="urn:microsoft.com/office/officeart/2008/layout/RadialCluster"/>
-    <dgm:cxn modelId="{9D196EFC-914A-4B9C-8335-EA474951B02D}" type="presOf" srcId="{F0375D81-EA31-407D-9450-A8FE664209E9}" destId="{2C61CDB8-1126-4D10-8A0C-A887CB36E88D}" srcOrd="0" destOrd="0" presId="urn:microsoft.com/office/officeart/2008/layout/RadialCluster"/>
-    <dgm:cxn modelId="{9D7A167B-95AA-4E1E-B3D9-F736BBA066E2}" srcId="{B4383D45-2EB5-431F-9E3B-61E0E61EA173}" destId="{F3387FD0-03C2-49E7-BC48-23BCF1C821D1}" srcOrd="1" destOrd="0" parTransId="{032E0D3E-E48E-4E6A-BD8A-5430FC59272E}" sibTransId="{5CFBA39C-DAD5-47F7-A30E-1AB44EB4E519}"/>
-    <dgm:cxn modelId="{88C0B63A-1A7B-4639-A910-F3D271A6B105}" type="presOf" srcId="{1C2F9CC8-896B-41B3-AF0F-84093C1E8121}" destId="{FDFA6494-C20A-4DF1-9EB1-15EC7E3D468F}" srcOrd="0" destOrd="0" presId="urn:microsoft.com/office/officeart/2008/layout/RadialCluster"/>
-    <dgm:cxn modelId="{9F1C99D9-6977-4CBF-933F-2F3617748478}" type="presOf" srcId="{9479EB3C-A16E-462A-828B-D51E498566EE}" destId="{14F8E73C-F36A-45CB-BFCE-4B2564C5D8DB}" srcOrd="0" destOrd="0" presId="urn:microsoft.com/office/officeart/2008/layout/RadialCluster"/>
-    <dgm:cxn modelId="{E65196B1-7248-4E81-9AE9-E06B4A11E01D}" srcId="{B4383D45-2EB5-431F-9E3B-61E0E61EA173}" destId="{76CD3A94-BB58-4E79-AE04-950749E90406}" srcOrd="0" destOrd="0" parTransId="{E7D2329F-9681-4125-A514-37240D313997}" sibTransId="{49F38F2D-846A-4AC9-A999-45F52BEB83E6}"/>
-    <dgm:cxn modelId="{BDF3C253-909D-447A-AFF0-FB66AF70313E}" srcId="{A0DD1813-EB36-4B44-90D1-8D815D596B10}" destId="{DD5A8A72-D66B-4F22-BC00-3BEC12B711C3}" srcOrd="1" destOrd="0" parTransId="{0249E7AD-330C-42C9-9CF1-85C044344138}" sibTransId="{2ADC5E6A-35B0-4E8C-8EE9-7F0314B6476D}"/>
     <dgm:cxn modelId="{40EB6C09-672D-488A-8E51-3BEDF368D54F}" type="presOf" srcId="{14C2A219-D87C-4A41-8355-454819345B24}" destId="{7791B2A8-52F3-432F-A09A-9EDE85E8DB98}" srcOrd="0" destOrd="0" presId="urn:microsoft.com/office/officeart/2008/layout/RadialCluster"/>
-    <dgm:cxn modelId="{631D0338-F35F-4ECB-805F-F1B15002CCE4}" type="presOf" srcId="{E57571B8-76B3-4DBD-AB12-62351466A144}" destId="{2CB8979D-EB12-4FD7-823E-E18C29F26A6C}" srcOrd="0" destOrd="0" presId="urn:microsoft.com/office/officeart/2008/layout/RadialCluster"/>
-    <dgm:cxn modelId="{3C65D324-0474-4D66-B1CD-2DA867734247}" type="presOf" srcId="{F3387FD0-03C2-49E7-BC48-23BCF1C821D1}" destId="{87EB7461-B202-41C3-B18F-A0F3E6601857}" srcOrd="0" destOrd="0" presId="urn:microsoft.com/office/officeart/2008/layout/RadialCluster"/>
-    <dgm:cxn modelId="{1BE17BED-1E68-4B40-859A-85090FBE9549}" srcId="{F0375D81-EA31-407D-9450-A8FE664209E9}" destId="{A0DD1813-EB36-4B44-90D1-8D815D596B10}" srcOrd="3" destOrd="0" parTransId="{E67B6AC2-E4BC-425A-90E5-90C0896AC2CC}" sibTransId="{4448D2A1-ABB7-4D3E-984F-DC9ED42CD75D}"/>
-    <dgm:cxn modelId="{123B033F-E9A5-4B8F-8778-AEA0E5662BE5}" type="presOf" srcId="{D9B202E9-AE8C-40D2-A015-6D1E4380B06B}" destId="{7B2776D1-F237-415E-A8BD-98ECE5B561A2}" srcOrd="0" destOrd="0" presId="urn:microsoft.com/office/officeart/2008/layout/RadialCluster"/>
-    <dgm:cxn modelId="{A707AF79-CE53-4D5F-AE33-9A5AE80C7715}" srcId="{BBCF9853-183B-4BF0-86E7-F45030B3E232}" destId="{35747D65-C0E3-45F4-B29B-77F49AB95CCE}" srcOrd="1" destOrd="0" parTransId="{3E9E04D1-1302-4E1A-AE3A-AABDBDF394A8}" sibTransId="{19E76A38-155F-479C-8067-7B393F0FA758}"/>
-    <dgm:cxn modelId="{FCACEE32-0BED-4068-8D80-DE87A7CE447C}" type="presOf" srcId="{F859983B-39FB-47E7-8C57-9DD8F40D1D9A}" destId="{A87BA1DD-20A4-4DE3-A085-B1D0326AB74E}" srcOrd="0" destOrd="0" presId="urn:microsoft.com/office/officeart/2008/layout/RadialCluster"/>
-    <dgm:cxn modelId="{44E8498D-CDEC-4CE8-A64C-DCBB2A8ED9A8}" type="presOf" srcId="{1735A180-4B3C-4FB2-95EB-B5F12D12B418}" destId="{BD0E00A4-B95A-437C-BF76-EB23C61FE4BE}" srcOrd="0" destOrd="0" presId="urn:microsoft.com/office/officeart/2008/layout/RadialCluster"/>
     <dgm:cxn modelId="{525B8F5E-46DA-4031-B65A-A1EF231C5AD8}" srcId="{A0DD1813-EB36-4B44-90D1-8D815D596B10}" destId="{BA0CE55D-B380-4A3F-92DC-95FBD2463EE0}" srcOrd="3" destOrd="0" parTransId="{D9B202E9-AE8C-40D2-A015-6D1E4380B06B}" sibTransId="{8F29A3BF-A66B-48F2-B746-1E30CC1AC380}"/>
-    <dgm:cxn modelId="{7974CFA4-BCEA-4C33-8DDA-8CC8769B16FB}" type="presOf" srcId="{76CD3A94-BB58-4E79-AE04-950749E90406}" destId="{60645163-21D0-4CD5-9FB8-587A220A1664}" srcOrd="0" destOrd="0" presId="urn:microsoft.com/office/officeart/2008/layout/RadialCluster"/>
-    <dgm:cxn modelId="{19A40656-4809-4667-AB31-70F262832267}" srcId="{F859983B-39FB-47E7-8C57-9DD8F40D1D9A}" destId="{F0375D81-EA31-407D-9450-A8FE664209E9}" srcOrd="0" destOrd="0" parTransId="{1B8994B9-1FA2-4BCC-B59E-DD923832FA9D}" sibTransId="{F8D3018F-5870-4E34-88B8-AEF8BD26787A}"/>
-    <dgm:cxn modelId="{3685C7FA-D926-4024-A5A0-80EA69274F5B}" type="presOf" srcId="{256FEE81-9056-4F41-86E9-A87A2826DE9D}" destId="{E2CE3FDF-1297-4411-9D78-44A8932D4D01}" srcOrd="0" destOrd="0" presId="urn:microsoft.com/office/officeart/2008/layout/RadialCluster"/>
-    <dgm:cxn modelId="{1634DAE7-9E4C-49C7-8DBA-276DF62C49B4}" type="presOf" srcId="{806EBB18-A966-4973-8080-268AF4E6D478}" destId="{45DBFF19-4A76-4533-998B-AE2989807EE3}" srcOrd="0" destOrd="0" presId="urn:microsoft.com/office/officeart/2008/layout/RadialCluster"/>
-    <dgm:cxn modelId="{ACC8D427-E1A7-4D16-8591-7273ECD7DBFB}" type="presOf" srcId="{E7D2329F-9681-4125-A514-37240D313997}" destId="{13C6C64B-B032-4BA4-83DB-6A35EE2DAC82}" srcOrd="0" destOrd="0" presId="urn:microsoft.com/office/officeart/2008/layout/RadialCluster"/>
     <dgm:cxn modelId="{0A78E7F3-1F2D-4CA9-B7D8-0DEE3CD1AACA}" type="presOf" srcId="{BA0CE55D-B380-4A3F-92DC-95FBD2463EE0}" destId="{F7BC56CE-CBA1-4658-99B9-7FF4E78AF3A8}" srcOrd="0" destOrd="0" presId="urn:microsoft.com/office/officeart/2008/layout/RadialCluster"/>
     <dgm:cxn modelId="{03831E35-B48F-4325-A26E-32E38D819493}" type="presOf" srcId="{3E9E04D1-1302-4E1A-AE3A-AABDBDF394A8}" destId="{7C261A88-DCC1-402A-8F6D-218D973FCEBC}" srcOrd="0" destOrd="0" presId="urn:microsoft.com/office/officeart/2008/layout/RadialCluster"/>
+    <dgm:cxn modelId="{88C0B63A-1A7B-4639-A910-F3D271A6B105}" type="presOf" srcId="{1C2F9CC8-896B-41B3-AF0F-84093C1E8121}" destId="{FDFA6494-C20A-4DF1-9EB1-15EC7E3D468F}" srcOrd="0" destOrd="0" presId="urn:microsoft.com/office/officeart/2008/layout/RadialCluster"/>
+    <dgm:cxn modelId="{159B14ED-7B30-4C98-A8B5-91FDA393F52C}" type="presOf" srcId="{E67B6AC2-E4BC-425A-90E5-90C0896AC2CC}" destId="{D1A3650F-8811-4F02-9044-88FB21A4BFCD}" srcOrd="0" destOrd="0" presId="urn:microsoft.com/office/officeart/2008/layout/RadialCluster"/>
+    <dgm:cxn modelId="{9F1C99D9-6977-4CBF-933F-2F3617748478}" type="presOf" srcId="{9479EB3C-A16E-462A-828B-D51E498566EE}" destId="{14F8E73C-F36A-45CB-BFCE-4B2564C5D8DB}" srcOrd="0" destOrd="0" presId="urn:microsoft.com/office/officeart/2008/layout/RadialCluster"/>
+    <dgm:cxn modelId="{1634DAE7-9E4C-49C7-8DBA-276DF62C49B4}" type="presOf" srcId="{806EBB18-A966-4973-8080-268AF4E6D478}" destId="{45DBFF19-4A76-4533-998B-AE2989807EE3}" srcOrd="0" destOrd="0" presId="urn:microsoft.com/office/officeart/2008/layout/RadialCluster"/>
     <dgm:cxn modelId="{28D4AAB1-5EF4-4632-B865-B65528AC58B9}" type="presOf" srcId="{328C0A48-268C-4B41-ABB7-6DDF12D715AC}" destId="{3CB765B0-9F03-4E47-81C1-10013D386D00}" srcOrd="0" destOrd="0" presId="urn:microsoft.com/office/officeart/2008/layout/RadialCluster"/>
-    <dgm:cxn modelId="{6E0BF7DF-3B64-49DB-89DA-4F8E0A433A24}" type="presOf" srcId="{A0DD1813-EB36-4B44-90D1-8D815D596B10}" destId="{11A06565-916D-439F-9911-EA567A860001}" srcOrd="0" destOrd="0" presId="urn:microsoft.com/office/officeart/2008/layout/RadialCluster"/>
-    <dgm:cxn modelId="{F2CF1DE7-0B47-420F-9398-2992DC3DFB6B}" srcId="{BBCF9853-183B-4BF0-86E7-F45030B3E232}" destId="{328C0A48-268C-4B41-ABB7-6DDF12D715AC}" srcOrd="0" destOrd="0" parTransId="{762F0E84-B23A-4091-8901-A78F7AE85B75}" sibTransId="{5CE6F0E9-D2D4-4DBF-A420-B59D5889D7C4}"/>
-    <dgm:cxn modelId="{8B9A5703-6E58-4332-9110-0C050385FBB6}" srcId="{A0DD1813-EB36-4B44-90D1-8D815D596B10}" destId="{1735A180-4B3C-4FB2-95EB-B5F12D12B418}" srcOrd="2" destOrd="0" parTransId="{14C2A219-D87C-4A41-8355-454819345B24}" sibTransId="{FAD1D1C0-A72C-4FD6-9D14-4CB9F8F9E9AC}"/>
-    <dgm:cxn modelId="{BBB42A01-97D0-426E-8FB9-47FC2C033C25}" type="presOf" srcId="{35747D65-C0E3-45F4-B29B-77F49AB95CCE}" destId="{785EF704-5E01-4C5D-9B6C-C1A4F4F2BC65}" srcOrd="0" destOrd="0" presId="urn:microsoft.com/office/officeart/2008/layout/RadialCluster"/>
-    <dgm:cxn modelId="{159B14ED-7B30-4C98-A8B5-91FDA393F52C}" type="presOf" srcId="{E67B6AC2-E4BC-425A-90E5-90C0896AC2CC}" destId="{D1A3650F-8811-4F02-9044-88FB21A4BFCD}" srcOrd="0" destOrd="0" presId="urn:microsoft.com/office/officeart/2008/layout/RadialCluster"/>
+    <dgm:cxn modelId="{2D5D53CD-9B7B-4AE0-87BD-7156F79CDC5B}" type="presOf" srcId="{9C91AE0B-CDBD-4C19-8B02-531F0A655388}" destId="{36B922F0-8DD1-4CE5-9219-E2A03E341421}" srcOrd="0" destOrd="0" presId="urn:microsoft.com/office/officeart/2008/layout/RadialCluster"/>
+    <dgm:cxn modelId="{D7197B27-5FA6-4310-93F9-C9344A9094D0}" srcId="{B4383D45-2EB5-431F-9E3B-61E0E61EA173}" destId="{256FEE81-9056-4F41-86E9-A87A2826DE9D}" srcOrd="2" destOrd="0" parTransId="{E57571B8-76B3-4DBD-AB12-62351466A144}" sibTransId="{41CA1FCF-EA3E-4AB0-8629-2F7162A98042}"/>
+    <dgm:cxn modelId="{7974CFA4-BCEA-4C33-8DDA-8CC8769B16FB}" type="presOf" srcId="{76CD3A94-BB58-4E79-AE04-950749E90406}" destId="{60645163-21D0-4CD5-9FB8-587A220A1664}" srcOrd="0" destOrd="0" presId="urn:microsoft.com/office/officeart/2008/layout/RadialCluster"/>
     <dgm:cxn modelId="{26F35AD4-0A62-452B-B715-398133FB7A73}" type="presOf" srcId="{B4383D45-2EB5-431F-9E3B-61E0E61EA173}" destId="{162F5FFA-826E-4752-85DB-80F67E99A00F}" srcOrd="0" destOrd="0" presId="urn:microsoft.com/office/officeart/2008/layout/RadialCluster"/>
-    <dgm:cxn modelId="{4FBAF1D3-BBC6-4C17-B0B3-61B392007395}" srcId="{F0375D81-EA31-407D-9450-A8FE664209E9}" destId="{B4383D45-2EB5-431F-9E3B-61E0E61EA173}" srcOrd="1" destOrd="0" parTransId="{806EBB18-A966-4973-8080-268AF4E6D478}" sibTransId="{3868CC5F-FB5D-4E2B-9183-84D4EF55EAB2}"/>
+    <dgm:cxn modelId="{9D196EFC-914A-4B9C-8335-EA474951B02D}" type="presOf" srcId="{F0375D81-EA31-407D-9450-A8FE664209E9}" destId="{2C61CDB8-1126-4D10-8A0C-A887CB36E88D}" srcOrd="0" destOrd="0" presId="urn:microsoft.com/office/officeart/2008/layout/RadialCluster"/>
     <dgm:cxn modelId="{47577129-0AEF-42E7-B58E-D3BCAA107C9A}" type="presOf" srcId="{511F46B2-9729-40F5-A774-4D9C08F18E83}" destId="{D798D8B1-4DD5-4F76-A915-4D9BC4A9F7BC}" srcOrd="0" destOrd="0" presId="urn:microsoft.com/office/officeart/2008/layout/RadialCluster"/>
-    <dgm:cxn modelId="{282DDE30-BF8C-474A-9509-1C7DF5018B8C}" type="presOf" srcId="{0249E7AD-330C-42C9-9CF1-85C044344138}" destId="{5CE3542D-079C-435F-B81F-B7EB2B4F5618}" srcOrd="0" destOrd="0" presId="urn:microsoft.com/office/officeart/2008/layout/RadialCluster"/>
-    <dgm:cxn modelId="{D3A9AB68-7564-493B-8836-765DDD3E7691}" type="presOf" srcId="{762F0E84-B23A-4091-8901-A78F7AE85B75}" destId="{C78F9FD8-1B2A-4A2C-98A7-59E90813D8F9}" srcOrd="0" destOrd="0" presId="urn:microsoft.com/office/officeart/2008/layout/RadialCluster"/>
-    <dgm:cxn modelId="{D7197B27-5FA6-4310-93F9-C9344A9094D0}" srcId="{B4383D45-2EB5-431F-9E3B-61E0E61EA173}" destId="{256FEE81-9056-4F41-86E9-A87A2826DE9D}" srcOrd="2" destOrd="0" parTransId="{E57571B8-76B3-4DBD-AB12-62351466A144}" sibTransId="{41CA1FCF-EA3E-4AB0-8629-2F7162A98042}"/>
-    <dgm:cxn modelId="{6C82ACCC-4F75-4318-9654-105491425942}" srcId="{F0375D81-EA31-407D-9450-A8FE664209E9}" destId="{A899F7D4-A4FB-438D-8EE9-50E475B215B7}" srcOrd="0" destOrd="0" parTransId="{511F46B2-9729-40F5-A774-4D9C08F18E83}" sibTransId="{FB54FE33-EE5B-404B-9C7C-A4B629952FAC}"/>
-    <dgm:cxn modelId="{1AC44F4B-F912-4002-81FF-5C4B7E96BE01}" type="presOf" srcId="{032E0D3E-E48E-4E6A-BD8A-5430FC59272E}" destId="{F1052044-0FDD-422D-B472-4653C35157C6}" srcOrd="0" destOrd="0" presId="urn:microsoft.com/office/officeart/2008/layout/RadialCluster"/>
+    <dgm:cxn modelId="{9D7A167B-95AA-4E1E-B3D9-F736BBA066E2}" srcId="{B4383D45-2EB5-431F-9E3B-61E0E61EA173}" destId="{F3387FD0-03C2-49E7-BC48-23BCF1C821D1}" srcOrd="1" destOrd="0" parTransId="{032E0D3E-E48E-4E6A-BD8A-5430FC59272E}" sibTransId="{5CFBA39C-DAD5-47F7-A30E-1AB44EB4E519}"/>
+    <dgm:cxn modelId="{ACC8D427-E1A7-4D16-8591-7273ECD7DBFB}" type="presOf" srcId="{E7D2329F-9681-4125-A514-37240D313997}" destId="{13C6C64B-B032-4BA4-83DB-6A35EE2DAC82}" srcOrd="0" destOrd="0" presId="urn:microsoft.com/office/officeart/2008/layout/RadialCluster"/>
+    <dgm:cxn modelId="{BDF3C253-909D-447A-AFF0-FB66AF70313E}" srcId="{A0DD1813-EB36-4B44-90D1-8D815D596B10}" destId="{DD5A8A72-D66B-4F22-BC00-3BEC12B711C3}" srcOrd="1" destOrd="0" parTransId="{0249E7AD-330C-42C9-9CF1-85C044344138}" sibTransId="{2ADC5E6A-35B0-4E8C-8EE9-7F0314B6476D}"/>
+    <dgm:cxn modelId="{FCACEE32-0BED-4068-8D80-DE87A7CE447C}" type="presOf" srcId="{F859983B-39FB-47E7-8C57-9DD8F40D1D9A}" destId="{A87BA1DD-20A4-4DE3-A085-B1D0326AB74E}" srcOrd="0" destOrd="0" presId="urn:microsoft.com/office/officeart/2008/layout/RadialCluster"/>
+    <dgm:cxn modelId="{A707AF79-CE53-4D5F-AE33-9A5AE80C7715}" srcId="{BBCF9853-183B-4BF0-86E7-F45030B3E232}" destId="{35747D65-C0E3-45F4-B29B-77F49AB95CCE}" srcOrd="1" destOrd="0" parTransId="{3E9E04D1-1302-4E1A-AE3A-AABDBDF394A8}" sibTransId="{19E76A38-155F-479C-8067-7B393F0FA758}"/>
     <dgm:cxn modelId="{CE2C0CEA-871F-407F-83C7-8DDC9EC3B74B}" srcId="{F0375D81-EA31-407D-9450-A8FE664209E9}" destId="{BBCF9853-183B-4BF0-86E7-F45030B3E232}" srcOrd="2" destOrd="0" parTransId="{0E9B778E-2EA7-4990-AB0C-12820DF4FB7A}" sibTransId="{AB733780-A582-43D3-99EF-035D4FB6A336}"/>
-    <dgm:cxn modelId="{923EE879-5E5C-4AC5-AF48-B703EE09B99B}" srcId="{A899F7D4-A4FB-438D-8EE9-50E475B215B7}" destId="{71417C9C-41D5-467E-9678-7E5EF1DEAA64}" srcOrd="0" destOrd="0" parTransId="{9479EB3C-A16E-462A-828B-D51E498566EE}" sibTransId="{CC466F42-389B-45F4-9AE2-3F446F36D922}"/>
-    <dgm:cxn modelId="{2D5D53CD-9B7B-4AE0-87BD-7156F79CDC5B}" type="presOf" srcId="{9C91AE0B-CDBD-4C19-8B02-531F0A655388}" destId="{36B922F0-8DD1-4CE5-9219-E2A03E341421}" srcOrd="0" destOrd="0" presId="urn:microsoft.com/office/officeart/2008/layout/RadialCluster"/>
+    <dgm:cxn modelId="{3685C7FA-D926-4024-A5A0-80EA69274F5B}" type="presOf" srcId="{256FEE81-9056-4F41-86E9-A87A2826DE9D}" destId="{E2CE3FDF-1297-4411-9D78-44A8932D4D01}" srcOrd="0" destOrd="0" presId="urn:microsoft.com/office/officeart/2008/layout/RadialCluster"/>
     <dgm:cxn modelId="{D181D664-068E-4C97-A6A3-5D2E9E877A06}" type="presParOf" srcId="{A87BA1DD-20A4-4DE3-A085-B1D0326AB74E}" destId="{2C61CDB8-1126-4D10-8A0C-A887CB36E88D}" srcOrd="0" destOrd="0" presId="urn:microsoft.com/office/officeart/2008/layout/RadialCluster"/>
     <dgm:cxn modelId="{6ADA04E5-AB01-46DC-B45D-DCBA80C68392}" type="presParOf" srcId="{A87BA1DD-20A4-4DE3-A085-B1D0326AB74E}" destId="{99162502-7E36-4BA7-BFCB-D56C5DFB7F09}" srcOrd="1" destOrd="0" presId="urn:microsoft.com/office/officeart/2008/layout/RadialCluster"/>
     <dgm:cxn modelId="{C19AA12E-1535-418A-9CFE-18FCF22DE2F0}" type="presParOf" srcId="{99162502-7E36-4BA7-BFCB-D56C5DFB7F09}" destId="{26DAB9AD-417E-4638-A432-60D1AD968EEE}" srcOrd="0" destOrd="0" presId="urn:microsoft.com/office/officeart/2008/layout/RadialCluster"/>
@@ -8467,7 +8670,7 @@
               </a:spcAft>
             </a:pPr>
             <a:r>
-              <a:rPr lang="en-US" sz="4000" b="1" u="none" strike="noStrike" cap="none" spc="0">
+              <a:rPr lang="en-US" sz="4000" b="1" u="none" strike="noStrike" cap="none" spc="0" dirty="0" err="1">
                 <a:solidFill>
                   <a:srgbClr val="FFFFFF">
                     <a:alpha val="100000"/>
@@ -8475,8 +8678,82 @@
                 </a:solidFill>
                 <a:latin typeface="Calibri"/>
               </a:rPr>
-              <a:t>Интерпретатор C-подобного языка программирования</a:t>
-            </a:r>
+              <a:t>Интерпретатор</a:t>
+            </a:r>
+            <a:r>
+              <a:rPr lang="en-US" sz="4000" b="1" u="none" strike="noStrike" cap="none" spc="0" dirty="0">
+                <a:solidFill>
+                  <a:srgbClr val="FFFFFF">
+                    <a:alpha val="100000"/>
+                  </a:srgbClr>
+                </a:solidFill>
+                <a:latin typeface="Calibri"/>
+              </a:rPr>
+              <a:t> C-</a:t>
+            </a:r>
+            <a:r>
+              <a:rPr lang="en-US" sz="4000" b="1" u="none" strike="noStrike" cap="none" spc="0" dirty="0" err="1">
+                <a:solidFill>
+                  <a:srgbClr val="FFFFFF">
+                    <a:alpha val="100000"/>
+                  </a:srgbClr>
+                </a:solidFill>
+                <a:latin typeface="Calibri"/>
+              </a:rPr>
+              <a:t>подобного</a:t>
+            </a:r>
+            <a:r>
+              <a:rPr lang="en-US" sz="4000" b="1" u="none" strike="noStrike" cap="none" spc="0" dirty="0">
+                <a:solidFill>
+                  <a:srgbClr val="FFFFFF">
+                    <a:alpha val="100000"/>
+                  </a:srgbClr>
+                </a:solidFill>
+                <a:latin typeface="Calibri"/>
+              </a:rPr>
+              <a:t> </a:t>
+            </a:r>
+            <a:r>
+              <a:rPr lang="en-US" sz="4000" b="1" u="none" strike="noStrike" cap="none" spc="0" dirty="0" err="1">
+                <a:solidFill>
+                  <a:srgbClr val="FFFFFF">
+                    <a:alpha val="100000"/>
+                  </a:srgbClr>
+                </a:solidFill>
+                <a:latin typeface="Calibri"/>
+              </a:rPr>
+              <a:t>языка</a:t>
+            </a:r>
+            <a:r>
+              <a:rPr lang="en-US" sz="4000" b="1" u="none" strike="noStrike" cap="none" spc="0" dirty="0">
+                <a:solidFill>
+                  <a:srgbClr val="FFFFFF">
+                    <a:alpha val="100000"/>
+                  </a:srgbClr>
+                </a:solidFill>
+                <a:latin typeface="Calibri"/>
+              </a:rPr>
+              <a:t> </a:t>
+            </a:r>
+            <a:r>
+              <a:rPr lang="en-US" sz="4000" b="1" u="none" strike="noStrike" cap="none" spc="0" dirty="0" err="1">
+                <a:solidFill>
+                  <a:srgbClr val="FFFFFF">
+                    <a:alpha val="100000"/>
+                  </a:srgbClr>
+                </a:solidFill>
+                <a:latin typeface="Calibri"/>
+              </a:rPr>
+              <a:t>программирования</a:t>
+            </a:r>
+            <a:endParaRPr lang="en-US" sz="4000" b="1" u="none" strike="noStrike" cap="none" spc="0" dirty="0">
+              <a:solidFill>
+                <a:srgbClr val="FFFFFF">
+                  <a:alpha val="100000"/>
+                </a:srgbClr>
+              </a:solidFill>
+              <a:latin typeface="Calibri"/>
+            </a:endParaRPr>
           </a:p>
         </p:txBody>
       </p:sp>
@@ -8618,115 +8895,896 @@
           </a:p>
         </p:txBody>
       </p:sp>
-      <p:sp>
-        <p:nvSpPr>
-          <p:cNvPr id="3" name="TextBox 2"/>
-          <p:cNvSpPr txBox="1"/>
-          <p:nvPr/>
-        </p:nvSpPr>
-        <p:spPr>
-          <a:xfrm>
-            <a:off x="914400" y="1800225"/>
-            <a:ext cx="7315200" cy="1015663"/>
-          </a:xfrm>
-          <a:prstGeom prst="rect">
-            <a:avLst/>
-          </a:prstGeom>
-          <a:noFill/>
-        </p:spPr>
-        <p:txBody>
-          <a:bodyPr vert="horz" lIns="91440" tIns="45720" rIns="91440" bIns="45720" rtlCol="0" anchorCtr="0">
-            <a:spAutoFit/>
-          </a:bodyPr>
-          <a:lstStyle/>
-          <a:p>
-            <a:pPr marL="342900" marR="0" lvl="0" indent="-342900" algn="l" rtl="0" fontAlgn="base">
-              <a:lnSpc>
-                <a:spcPct val="100000"/>
-              </a:lnSpc>
-              <a:spcBef>
-                <a:spcPts val="0"/>
-              </a:spcBef>
-              <a:spcAft>
-                <a:spcPts val="0"/>
-              </a:spcAft>
-              <a:buFont typeface="Arial" panose="020B0604020202020204" pitchFamily="34" charset="0"/>
-              <a:buChar char="•"/>
-            </a:pPr>
-            <a:r>
-              <a:rPr lang="ru-RU" sz="2000" dirty="0" smtClean="0">
-                <a:solidFill>
-                  <a:srgbClr val="FFFFFF">
-                    <a:alpha val="100000"/>
-                  </a:srgbClr>
-                </a:solidFill>
-                <a:latin typeface="Calibri"/>
-              </a:rPr>
-              <a:t>Первая работа</a:t>
-            </a:r>
-          </a:p>
-          <a:p>
-            <a:pPr marL="342900" marR="0" lvl="0" indent="-342900" algn="l" rtl="0" fontAlgn="base">
-              <a:lnSpc>
-                <a:spcPct val="100000"/>
-              </a:lnSpc>
-              <a:spcBef>
-                <a:spcPts val="0"/>
-              </a:spcBef>
-              <a:spcAft>
-                <a:spcPts val="0"/>
-              </a:spcAft>
-              <a:buFont typeface="Arial" panose="020B0604020202020204" pitchFamily="34" charset="0"/>
-              <a:buChar char="•"/>
-            </a:pPr>
-            <a:r>
-              <a:rPr lang="ru-RU" sz="2000" u="none" strike="noStrike" cap="none" spc="0" dirty="0" smtClean="0">
-                <a:solidFill>
-                  <a:srgbClr val="FFFFFF">
-                    <a:alpha val="100000"/>
-                  </a:srgbClr>
-                </a:solidFill>
-                <a:latin typeface="Calibri"/>
-              </a:rPr>
-              <a:t>Вторая работа</a:t>
-            </a:r>
-          </a:p>
-          <a:p>
-            <a:pPr marL="342900" marR="0" lvl="0" indent="-342900" algn="l" rtl="0" fontAlgn="base">
-              <a:lnSpc>
-                <a:spcPct val="100000"/>
-              </a:lnSpc>
-              <a:spcBef>
-                <a:spcPts val="0"/>
-              </a:spcBef>
-              <a:spcAft>
-                <a:spcPts val="0"/>
-              </a:spcAft>
-              <a:buFont typeface="Arial" panose="020B0604020202020204" pitchFamily="34" charset="0"/>
-              <a:buChar char="•"/>
-            </a:pPr>
-            <a:r>
-              <a:rPr lang="ru-RU" sz="2000" dirty="0" smtClean="0">
-                <a:solidFill>
-                  <a:srgbClr val="FFFFFF">
-                    <a:alpha val="100000"/>
-                  </a:srgbClr>
-                </a:solidFill>
-                <a:latin typeface="Calibri"/>
-              </a:rPr>
-              <a:t>Третья работа</a:t>
-            </a:r>
-            <a:endParaRPr lang="en-US" sz="2000" u="none" strike="noStrike" cap="none" spc="0" dirty="0">
-              <a:solidFill>
-                <a:srgbClr val="FFFFFF">
-                  <a:alpha val="100000"/>
-                </a:srgbClr>
-              </a:solidFill>
-              <a:latin typeface="Calibri"/>
-            </a:endParaRPr>
-          </a:p>
-        </p:txBody>
-      </p:sp>
+      <mc:AlternateContent xmlns:mc="http://schemas.openxmlformats.org/markup-compatibility/2006">
+        <mc:Choice xmlns:a14="http://schemas.microsoft.com/office/drawing/2010/main" Requires="a14">
+          <p:sp>
+            <p:nvSpPr>
+              <p:cNvPr id="3" name="TextBox 2"/>
+              <p:cNvSpPr txBox="1"/>
+              <p:nvPr/>
+            </p:nvSpPr>
+            <p:spPr>
+              <a:xfrm>
+                <a:off x="914400" y="1800225"/>
+                <a:ext cx="7315200" cy="2862322"/>
+              </a:xfrm>
+              <a:prstGeom prst="rect">
+                <a:avLst/>
+              </a:prstGeom>
+              <a:noFill/>
+            </p:spPr>
+            <p:txBody>
+              <a:bodyPr vert="horz" lIns="91440" tIns="45720" rIns="91440" bIns="45720" rtlCol="0" anchorCtr="0">
+                <a:spAutoFit/>
+              </a:bodyPr>
+              <a:lstStyle/>
+              <a:p>
+                <a:pPr marL="342900" lvl="0" indent="-342900" fontAlgn="base">
+                  <a:buFont typeface="Arial" panose="020B0604020202020204" pitchFamily="34" charset="0"/>
+                  <a:buChar char="•"/>
+                </a:pPr>
+                <a:r>
+                  <a:rPr lang="ru-RU" sz="2000" dirty="0" smtClean="0">
+                    <a:solidFill>
+                      <a:schemeClr val="bg1"/>
+                    </a:solidFill>
+                    <a:latin typeface="Calibri"/>
+                  </a:rPr>
+                  <a:t>При объявлении массива </a:t>
+                </a:r>
+                <a14:m>
+                  <m:oMath xmlns:m="http://schemas.openxmlformats.org/officeDocument/2006/math">
+                    <m:r>
+                      <a:rPr lang="ru-RU" sz="2000" i="1">
+                        <a:solidFill>
+                          <a:schemeClr val="bg1"/>
+                        </a:solidFill>
+                        <a:latin typeface="Cambria Math" panose="02040503050406030204" pitchFamily="18" charset="0"/>
+                      </a:rPr>
+                      <m:t>𝑚𝑎𝑠</m:t>
+                    </m:r>
+                    <m:r>
+                      <a:rPr lang="ru-RU" sz="2000" i="1">
+                        <a:solidFill>
+                          <a:schemeClr val="bg1"/>
+                        </a:solidFill>
+                        <a:latin typeface="Cambria Math" panose="02040503050406030204" pitchFamily="18" charset="0"/>
+                      </a:rPr>
+                      <m:t>[</m:t>
+                    </m:r>
+                    <m:sSub>
+                      <m:sSubPr>
+                        <m:ctrlPr>
+                          <a:rPr lang="ru-RU" sz="2000" i="1">
+                            <a:solidFill>
+                              <a:schemeClr val="bg1"/>
+                            </a:solidFill>
+                            <a:latin typeface="Cambria Math" panose="02040503050406030204" pitchFamily="18" charset="0"/>
+                          </a:rPr>
+                        </m:ctrlPr>
+                      </m:sSubPr>
+                      <m:e>
+                        <m:r>
+                          <a:rPr lang="en-US" sz="2000" b="0" i="1" smtClean="0">
+                            <a:solidFill>
+                              <a:schemeClr val="bg1"/>
+                            </a:solidFill>
+                            <a:latin typeface="Cambria Math" panose="02040503050406030204" pitchFamily="18" charset="0"/>
+                          </a:rPr>
+                          <m:t>𝑘</m:t>
+                        </m:r>
+                      </m:e>
+                      <m:sub>
+                        <m:r>
+                          <a:rPr lang="ru-RU" sz="2000" i="1">
+                            <a:solidFill>
+                              <a:schemeClr val="bg1"/>
+                            </a:solidFill>
+                            <a:latin typeface="Cambria Math" panose="02040503050406030204" pitchFamily="18" charset="0"/>
+                          </a:rPr>
+                          <m:t>1</m:t>
+                        </m:r>
+                      </m:sub>
+                    </m:sSub>
+                    <m:r>
+                      <a:rPr lang="ru-RU" sz="2000" i="1">
+                        <a:solidFill>
+                          <a:schemeClr val="bg1"/>
+                        </a:solidFill>
+                        <a:latin typeface="Cambria Math" panose="02040503050406030204" pitchFamily="18" charset="0"/>
+                      </a:rPr>
+                      <m:t>][</m:t>
+                    </m:r>
+                    <m:sSub>
+                      <m:sSubPr>
+                        <m:ctrlPr>
+                          <a:rPr lang="ru-RU" sz="2000" i="1">
+                            <a:solidFill>
+                              <a:schemeClr val="bg1"/>
+                            </a:solidFill>
+                            <a:latin typeface="Cambria Math" panose="02040503050406030204" pitchFamily="18" charset="0"/>
+                          </a:rPr>
+                        </m:ctrlPr>
+                      </m:sSubPr>
+                      <m:e>
+                        <m:r>
+                          <a:rPr lang="en-US" sz="2000" b="0" i="1" smtClean="0">
+                            <a:solidFill>
+                              <a:schemeClr val="bg1"/>
+                            </a:solidFill>
+                            <a:latin typeface="Cambria Math" panose="02040503050406030204" pitchFamily="18" charset="0"/>
+                          </a:rPr>
+                          <m:t>𝑘</m:t>
+                        </m:r>
+                      </m:e>
+                      <m:sub>
+                        <m:r>
+                          <a:rPr lang="ru-RU" sz="2000" i="1">
+                            <a:solidFill>
+                              <a:schemeClr val="bg1"/>
+                            </a:solidFill>
+                            <a:latin typeface="Cambria Math" panose="02040503050406030204" pitchFamily="18" charset="0"/>
+                          </a:rPr>
+                          <m:t>2</m:t>
+                        </m:r>
+                      </m:sub>
+                    </m:sSub>
+                    <m:r>
+                      <a:rPr lang="ru-RU" sz="2000" i="1">
+                        <a:solidFill>
+                          <a:schemeClr val="bg1"/>
+                        </a:solidFill>
+                        <a:latin typeface="Cambria Math" panose="02040503050406030204" pitchFamily="18" charset="0"/>
+                      </a:rPr>
+                      <m:t>]...[</m:t>
+                    </m:r>
+                    <m:sSub>
+                      <m:sSubPr>
+                        <m:ctrlPr>
+                          <a:rPr lang="ru-RU" sz="2000" i="1">
+                            <a:solidFill>
+                              <a:schemeClr val="bg1"/>
+                            </a:solidFill>
+                            <a:latin typeface="Cambria Math" panose="02040503050406030204" pitchFamily="18" charset="0"/>
+                          </a:rPr>
+                        </m:ctrlPr>
+                      </m:sSubPr>
+                      <m:e>
+                        <m:r>
+                          <a:rPr lang="en-US" sz="2000" b="0" i="1" smtClean="0">
+                            <a:solidFill>
+                              <a:schemeClr val="bg1"/>
+                            </a:solidFill>
+                            <a:latin typeface="Cambria Math" panose="02040503050406030204" pitchFamily="18" charset="0"/>
+                          </a:rPr>
+                          <m:t>𝑘</m:t>
+                        </m:r>
+                      </m:e>
+                      <m:sub>
+                        <m:r>
+                          <a:rPr lang="ru-RU" sz="2000" i="1">
+                            <a:solidFill>
+                              <a:schemeClr val="bg1"/>
+                            </a:solidFill>
+                            <a:latin typeface="Cambria Math" panose="02040503050406030204" pitchFamily="18" charset="0"/>
+                          </a:rPr>
+                          <m:t>𝑛</m:t>
+                        </m:r>
+                      </m:sub>
+                    </m:sSub>
+                    <m:r>
+                      <a:rPr lang="ru-RU" sz="2000" i="1">
+                        <a:solidFill>
+                          <a:schemeClr val="bg1"/>
+                        </a:solidFill>
+                        <a:latin typeface="Cambria Math" panose="02040503050406030204" pitchFamily="18" charset="0"/>
+                      </a:rPr>
+                      <m:t>]</m:t>
+                    </m:r>
+                  </m:oMath>
+                </a14:m>
+                <a:r>
+                  <a:rPr lang="ru-RU" sz="2000" dirty="0">
+                    <a:solidFill>
+                      <a:schemeClr val="bg1"/>
+                    </a:solidFill>
+                  </a:rPr>
+                  <a:t> </a:t>
+                </a:r>
+                <a:r>
+                  <a:rPr lang="ru-RU" sz="2000" dirty="0" smtClean="0">
+                    <a:solidFill>
+                      <a:schemeClr val="bg1"/>
+                    </a:solidFill>
+                  </a:rPr>
+                  <a:t>выделяется </a:t>
+                </a:r>
+                <a14:m>
+                  <m:oMath xmlns:m="http://schemas.openxmlformats.org/officeDocument/2006/math">
+                    <m:sSub>
+                      <m:sSubPr>
+                        <m:ctrlPr>
+                          <a:rPr lang="ru-RU" sz="2000" i="1" smtClean="0">
+                            <a:solidFill>
+                              <a:schemeClr val="bg1"/>
+                            </a:solidFill>
+                          </a:rPr>
+                        </m:ctrlPr>
+                      </m:sSubPr>
+                      <m:e>
+                        <m:r>
+                          <a:rPr lang="ru-RU" sz="2000" i="1">
+                            <a:solidFill>
+                              <a:schemeClr val="bg1"/>
+                            </a:solidFill>
+                          </a:rPr>
+                          <m:t>𝑘</m:t>
+                        </m:r>
+                      </m:e>
+                      <m:sub>
+                        <m:r>
+                          <a:rPr lang="ru-RU" sz="2000" i="1">
+                            <a:solidFill>
+                              <a:schemeClr val="bg1"/>
+                            </a:solidFill>
+                          </a:rPr>
+                          <m:t>1</m:t>
+                        </m:r>
+                      </m:sub>
+                    </m:sSub>
+                    <m:r>
+                      <a:rPr lang="ru-RU" sz="2000" i="1">
+                        <a:solidFill>
+                          <a:schemeClr val="bg1"/>
+                        </a:solidFill>
+                      </a:rPr>
+                      <m:t>∗</m:t>
+                    </m:r>
+                    <m:sSub>
+                      <m:sSubPr>
+                        <m:ctrlPr>
+                          <a:rPr lang="ru-RU" sz="2000" i="1">
+                            <a:solidFill>
+                              <a:schemeClr val="bg1"/>
+                            </a:solidFill>
+                          </a:rPr>
+                        </m:ctrlPr>
+                      </m:sSubPr>
+                      <m:e>
+                        <m:r>
+                          <a:rPr lang="ru-RU" sz="2000" i="1">
+                            <a:solidFill>
+                              <a:schemeClr val="bg1"/>
+                            </a:solidFill>
+                          </a:rPr>
+                          <m:t>𝑘</m:t>
+                        </m:r>
+                      </m:e>
+                      <m:sub>
+                        <m:r>
+                          <a:rPr lang="ru-RU" sz="2000" i="1">
+                            <a:solidFill>
+                              <a:schemeClr val="bg1"/>
+                            </a:solidFill>
+                          </a:rPr>
+                          <m:t>2</m:t>
+                        </m:r>
+                      </m:sub>
+                    </m:sSub>
+                    <m:r>
+                      <a:rPr lang="ru-RU" sz="2000" i="1">
+                        <a:solidFill>
+                          <a:schemeClr val="bg1"/>
+                        </a:solidFill>
+                      </a:rPr>
+                      <m:t>∗ ... ∗</m:t>
+                    </m:r>
+                    <m:sSub>
+                      <m:sSubPr>
+                        <m:ctrlPr>
+                          <a:rPr lang="ru-RU" sz="2000" i="1">
+                            <a:solidFill>
+                              <a:schemeClr val="bg1"/>
+                            </a:solidFill>
+                          </a:rPr>
+                        </m:ctrlPr>
+                      </m:sSubPr>
+                      <m:e>
+                        <m:r>
+                          <a:rPr lang="ru-RU" sz="2000" i="1">
+                            <a:solidFill>
+                              <a:schemeClr val="bg1"/>
+                            </a:solidFill>
+                          </a:rPr>
+                          <m:t>𝑘</m:t>
+                        </m:r>
+                      </m:e>
+                      <m:sub>
+                        <m:r>
+                          <a:rPr lang="ru-RU" sz="2000" i="1">
+                            <a:solidFill>
+                              <a:schemeClr val="bg1"/>
+                            </a:solidFill>
+                          </a:rPr>
+                          <m:t>𝑛</m:t>
+                        </m:r>
+                      </m:sub>
+                    </m:sSub>
+                    <m:r>
+                      <a:rPr lang="ru-RU" sz="2000" b="0" i="1" smtClean="0">
+                        <a:solidFill>
+                          <a:schemeClr val="bg1"/>
+                        </a:solidFill>
+                        <a:latin typeface="Cambria Math" panose="02040503050406030204" pitchFamily="18" charset="0"/>
+                      </a:rPr>
+                      <m:t>∗</m:t>
+                    </m:r>
+                    <m:r>
+                      <a:rPr lang="en-US" sz="2000" b="0" i="1" smtClean="0">
+                        <a:solidFill>
+                          <a:schemeClr val="bg1"/>
+                        </a:solidFill>
+                        <a:latin typeface="Cambria Math" panose="02040503050406030204" pitchFamily="18" charset="0"/>
+                      </a:rPr>
+                      <m:t>𝑠𝑖𝑧𝑒𝑜𝑓</m:t>
+                    </m:r>
+                    <m:r>
+                      <a:rPr lang="en-US" sz="2000" b="0" i="1" smtClean="0">
+                        <a:solidFill>
+                          <a:schemeClr val="bg1"/>
+                        </a:solidFill>
+                        <a:latin typeface="Cambria Math" panose="02040503050406030204" pitchFamily="18" charset="0"/>
+                      </a:rPr>
+                      <m:t>(</m:t>
+                    </m:r>
+                    <m:r>
+                      <a:rPr lang="en-US" sz="2000" b="0" i="1" smtClean="0">
+                        <a:solidFill>
+                          <a:schemeClr val="bg1"/>
+                        </a:solidFill>
+                        <a:latin typeface="Cambria Math" panose="02040503050406030204" pitchFamily="18" charset="0"/>
+                      </a:rPr>
+                      <m:t>𝑡𝑦𝑝𝑒𝑛𝑎𝑚𝑒</m:t>
+                    </m:r>
+                    <m:r>
+                      <a:rPr lang="en-US" sz="2000" b="0" i="1" smtClean="0">
+                        <a:solidFill>
+                          <a:schemeClr val="bg1"/>
+                        </a:solidFill>
+                        <a:latin typeface="Cambria Math" panose="02040503050406030204" pitchFamily="18" charset="0"/>
+                      </a:rPr>
+                      <m:t>)</m:t>
+                    </m:r>
+                  </m:oMath>
+                </a14:m>
+                <a:r>
+                  <a:rPr lang="en-US" sz="2000" dirty="0" smtClean="0">
+                    <a:solidFill>
+                      <a:schemeClr val="bg1"/>
+                    </a:solidFill>
+                  </a:rPr>
+                  <a:t> </a:t>
+                </a:r>
+                <a:r>
+                  <a:rPr lang="ru-RU" sz="2000" dirty="0" smtClean="0">
+                    <a:solidFill>
+                      <a:schemeClr val="bg1"/>
+                    </a:solidFill>
+                  </a:rPr>
+                  <a:t>памяти</a:t>
+                </a:r>
+              </a:p>
+              <a:p>
+                <a:pPr marL="342900" lvl="0" indent="-342900" fontAlgn="base">
+                  <a:buFont typeface="Arial" panose="020B0604020202020204" pitchFamily="34" charset="0"/>
+                  <a:buChar char="•"/>
+                </a:pPr>
+                <a:endParaRPr lang="ru-RU" sz="2000" dirty="0" smtClean="0">
+                  <a:solidFill>
+                    <a:schemeClr val="bg1"/>
+                  </a:solidFill>
+                  <a:latin typeface="Calibri"/>
+                </a:endParaRPr>
+              </a:p>
+              <a:p>
+                <a:pPr marL="342900" lvl="0" indent="-342900" fontAlgn="base">
+                  <a:buFont typeface="Arial" panose="020B0604020202020204" pitchFamily="34" charset="0"/>
+                  <a:buChar char="•"/>
+                </a:pPr>
+                <a:r>
+                  <a:rPr lang="ru-RU" sz="2000" u="none" strike="noStrike" cap="none" spc="0" dirty="0" smtClean="0">
+                    <a:solidFill>
+                      <a:schemeClr val="bg1"/>
+                    </a:solidFill>
+                    <a:latin typeface="Calibri"/>
+                  </a:rPr>
+                  <a:t>При индексации к массиву </a:t>
+                </a:r>
+                <a14:m>
+                  <m:oMath xmlns:m="http://schemas.openxmlformats.org/officeDocument/2006/math">
+                    <m:r>
+                      <a:rPr lang="ru-RU" sz="2000" i="1" smtClean="0">
+                        <a:solidFill>
+                          <a:schemeClr val="bg1"/>
+                        </a:solidFill>
+                      </a:rPr>
+                      <m:t>𝑚𝑎𝑠</m:t>
+                    </m:r>
+                    <m:r>
+                      <a:rPr lang="ru-RU" sz="2000" i="1" smtClean="0">
+                        <a:solidFill>
+                          <a:schemeClr val="bg1"/>
+                        </a:solidFill>
+                      </a:rPr>
+                      <m:t>[</m:t>
+                    </m:r>
+                    <m:sSub>
+                      <m:sSubPr>
+                        <m:ctrlPr>
+                          <a:rPr lang="ru-RU" sz="2000" i="1">
+                            <a:solidFill>
+                              <a:schemeClr val="bg1"/>
+                            </a:solidFill>
+                          </a:rPr>
+                        </m:ctrlPr>
+                      </m:sSubPr>
+                      <m:e>
+                        <m:r>
+                          <a:rPr lang="ru-RU" sz="2000" i="1">
+                            <a:solidFill>
+                              <a:schemeClr val="bg1"/>
+                            </a:solidFill>
+                          </a:rPr>
+                          <m:t>𝑖</m:t>
+                        </m:r>
+                      </m:e>
+                      <m:sub>
+                        <m:r>
+                          <a:rPr lang="ru-RU" sz="2000" i="1">
+                            <a:solidFill>
+                              <a:schemeClr val="bg1"/>
+                            </a:solidFill>
+                          </a:rPr>
+                          <m:t>1</m:t>
+                        </m:r>
+                      </m:sub>
+                    </m:sSub>
+                    <m:r>
+                      <a:rPr lang="ru-RU" sz="2000" i="1">
+                        <a:solidFill>
+                          <a:schemeClr val="bg1"/>
+                        </a:solidFill>
+                      </a:rPr>
+                      <m:t>][</m:t>
+                    </m:r>
+                    <m:sSub>
+                      <m:sSubPr>
+                        <m:ctrlPr>
+                          <a:rPr lang="ru-RU" sz="2000" i="1">
+                            <a:solidFill>
+                              <a:schemeClr val="bg1"/>
+                            </a:solidFill>
+                          </a:rPr>
+                        </m:ctrlPr>
+                      </m:sSubPr>
+                      <m:e>
+                        <m:r>
+                          <a:rPr lang="ru-RU" sz="2000" i="1">
+                            <a:solidFill>
+                              <a:schemeClr val="bg1"/>
+                            </a:solidFill>
+                          </a:rPr>
+                          <m:t>𝑖</m:t>
+                        </m:r>
+                      </m:e>
+                      <m:sub>
+                        <m:r>
+                          <a:rPr lang="ru-RU" sz="2000" i="1">
+                            <a:solidFill>
+                              <a:schemeClr val="bg1"/>
+                            </a:solidFill>
+                          </a:rPr>
+                          <m:t>2</m:t>
+                        </m:r>
+                      </m:sub>
+                    </m:sSub>
+                    <m:r>
+                      <a:rPr lang="ru-RU" sz="2000" i="1">
+                        <a:solidFill>
+                          <a:schemeClr val="bg1"/>
+                        </a:solidFill>
+                      </a:rPr>
+                      <m:t>]...[</m:t>
+                    </m:r>
+                    <m:sSub>
+                      <m:sSubPr>
+                        <m:ctrlPr>
+                          <a:rPr lang="ru-RU" sz="2000" i="1">
+                            <a:solidFill>
+                              <a:schemeClr val="bg1"/>
+                            </a:solidFill>
+                          </a:rPr>
+                        </m:ctrlPr>
+                      </m:sSubPr>
+                      <m:e>
+                        <m:r>
+                          <a:rPr lang="ru-RU" sz="2000" i="1">
+                            <a:solidFill>
+                              <a:schemeClr val="bg1"/>
+                            </a:solidFill>
+                          </a:rPr>
+                          <m:t>𝑖</m:t>
+                        </m:r>
+                      </m:e>
+                      <m:sub>
+                        <m:r>
+                          <a:rPr lang="ru-RU" sz="2000" i="1">
+                            <a:solidFill>
+                              <a:schemeClr val="bg1"/>
+                            </a:solidFill>
+                          </a:rPr>
+                          <m:t>𝑛</m:t>
+                        </m:r>
+                      </m:sub>
+                    </m:sSub>
+                    <m:r>
+                      <a:rPr lang="ru-RU" sz="2000" i="1">
+                        <a:solidFill>
+                          <a:schemeClr val="bg1"/>
+                        </a:solidFill>
+                      </a:rPr>
+                      <m:t>]</m:t>
+                    </m:r>
+                  </m:oMath>
+                </a14:m>
+                <a:r>
+                  <a:rPr lang="ru-RU" sz="2000" dirty="0">
+                    <a:solidFill>
+                      <a:schemeClr val="bg1"/>
+                    </a:solidFill>
+                  </a:rPr>
+                  <a:t> </a:t>
+                </a:r>
+                <a:r>
+                  <a:rPr lang="ru-RU" sz="2000" dirty="0" smtClean="0">
+                    <a:solidFill>
+                      <a:schemeClr val="bg1"/>
+                    </a:solidFill>
+                  </a:rPr>
+                  <a:t>вместо массива подставляется переменная по адресу </a:t>
+                </a:r>
+                <a14:m>
+                  <m:oMath xmlns:m="http://schemas.openxmlformats.org/officeDocument/2006/math">
+                    <m:r>
+                      <a:rPr lang="ru-RU" sz="2000" i="1" smtClean="0">
+                        <a:solidFill>
+                          <a:schemeClr val="bg1"/>
+                        </a:solidFill>
+                      </a:rPr>
+                      <m:t>𝑚𝑎𝑠</m:t>
+                    </m:r>
+                    <m:r>
+                      <a:rPr lang="ru-RU" sz="2000" i="1" smtClean="0">
+                        <a:solidFill>
+                          <a:schemeClr val="bg1"/>
+                        </a:solidFill>
+                      </a:rPr>
+                      <m:t> + </m:t>
+                    </m:r>
+                    <m:r>
+                      <a:rPr lang="ru-RU" sz="2000" i="1" smtClean="0">
+                        <a:solidFill>
+                          <a:schemeClr val="bg1"/>
+                        </a:solidFill>
+                      </a:rPr>
+                      <m:t>𝑠h𝑖𝑓𝑡</m:t>
+                    </m:r>
+                  </m:oMath>
+                </a14:m>
+                <a:endParaRPr lang="ru-RU" sz="2000" u="none" strike="noStrike" cap="none" spc="0" dirty="0" smtClean="0">
+                  <a:solidFill>
+                    <a:schemeClr val="bg1"/>
+                  </a:solidFill>
+                  <a:latin typeface="Calibri"/>
+                </a:endParaRPr>
+              </a:p>
+              <a:p>
+                <a:pPr marL="342900" lvl="0" indent="-342900" fontAlgn="base">
+                  <a:buFont typeface="Arial" panose="020B0604020202020204" pitchFamily="34" charset="0"/>
+                  <a:buChar char="•"/>
+                </a:pPr>
+                <a:endParaRPr lang="en-US" sz="2000" u="none" strike="noStrike" cap="none" spc="0" dirty="0" smtClean="0">
+                  <a:solidFill>
+                    <a:schemeClr val="bg1"/>
+                  </a:solidFill>
+                  <a:latin typeface="Calibri"/>
+                </a:endParaRPr>
+              </a:p>
+              <a:p>
+                <a:pPr marL="342900" lvl="0" indent="-342900" fontAlgn="base">
+                  <a:buFont typeface="Arial" panose="020B0604020202020204" pitchFamily="34" charset="0"/>
+                  <a:buChar char="•"/>
+                </a:pPr>
+                <a:r>
+                  <a:rPr lang="ru-RU" sz="2000" u="none" strike="noStrike" cap="none" spc="0" dirty="0" smtClean="0">
+                    <a:solidFill>
+                      <a:schemeClr val="bg1"/>
+                    </a:solidFill>
+                    <a:latin typeface="Calibri"/>
+                  </a:rPr>
+                  <a:t>Сдвиг </a:t>
+                </a:r>
+                <a14:m>
+                  <m:oMath xmlns:m="http://schemas.openxmlformats.org/officeDocument/2006/math">
+                    <m:r>
+                      <a:rPr lang="ru-RU" sz="2000" i="1">
+                        <a:solidFill>
+                          <a:schemeClr val="bg1"/>
+                        </a:solidFill>
+                        <a:latin typeface="Cambria Math" panose="02040503050406030204" pitchFamily="18" charset="0"/>
+                      </a:rPr>
+                      <m:t>𝑠h𝑖𝑓𝑡</m:t>
+                    </m:r>
+                  </m:oMath>
+                </a14:m>
+                <a:r>
+                  <a:rPr lang="en-US" sz="2000" u="none" strike="noStrike" cap="none" spc="0" dirty="0" smtClean="0">
+                    <a:solidFill>
+                      <a:schemeClr val="bg1"/>
+                    </a:solidFill>
+                    <a:latin typeface="Calibri"/>
+                  </a:rPr>
+                  <a:t> </a:t>
+                </a:r>
+                <a:r>
+                  <a:rPr lang="ru-RU" sz="2000" u="none" strike="noStrike" cap="none" spc="0" dirty="0" smtClean="0">
+                    <a:solidFill>
+                      <a:schemeClr val="bg1"/>
+                    </a:solidFill>
+                    <a:latin typeface="Calibri"/>
+                  </a:rPr>
+                  <a:t>вычисляется рекурсивно по формуле:</a:t>
+                </a:r>
+                <a:br>
+                  <a:rPr lang="ru-RU" sz="2000" u="none" strike="noStrike" cap="none" spc="0" dirty="0" smtClean="0">
+                    <a:solidFill>
+                      <a:schemeClr val="bg1"/>
+                    </a:solidFill>
+                    <a:latin typeface="Calibri"/>
+                  </a:rPr>
+                </a:br>
+                <a14:m>
+                  <m:oMath xmlns:m="http://schemas.openxmlformats.org/officeDocument/2006/math">
+                    <m:sSub>
+                      <m:sSubPr>
+                        <m:ctrlPr>
+                          <a:rPr lang="ru-RU" sz="2000" i="1" smtClean="0">
+                            <a:solidFill>
+                              <a:schemeClr val="bg1"/>
+                            </a:solidFill>
+                          </a:rPr>
+                        </m:ctrlPr>
+                      </m:sSubPr>
+                      <m:e>
+                        <m:r>
+                          <a:rPr lang="ru-RU" sz="2000" i="1">
+                            <a:solidFill>
+                              <a:schemeClr val="bg1"/>
+                            </a:solidFill>
+                          </a:rPr>
+                          <m:t>𝑠h𝑖𝑓𝑡</m:t>
+                        </m:r>
+                      </m:e>
+                      <m:sub>
+                        <m:r>
+                          <a:rPr lang="ru-RU" sz="2000" i="1">
+                            <a:solidFill>
+                              <a:schemeClr val="bg1"/>
+                            </a:solidFill>
+                          </a:rPr>
+                          <m:t>𝑛</m:t>
+                        </m:r>
+                      </m:sub>
+                    </m:sSub>
+                    <m:r>
+                      <a:rPr lang="ru-RU" sz="2000" i="1">
+                        <a:solidFill>
+                          <a:schemeClr val="bg1"/>
+                        </a:solidFill>
+                      </a:rPr>
+                      <m:t>= </m:t>
+                    </m:r>
+                    <m:sSub>
+                      <m:sSubPr>
+                        <m:ctrlPr>
+                          <a:rPr lang="ru-RU" sz="2000" i="1">
+                            <a:solidFill>
+                              <a:schemeClr val="bg1"/>
+                            </a:solidFill>
+                          </a:rPr>
+                        </m:ctrlPr>
+                      </m:sSubPr>
+                      <m:e>
+                        <m:r>
+                          <a:rPr lang="ru-RU" sz="2000" i="1">
+                            <a:solidFill>
+                              <a:schemeClr val="bg1"/>
+                            </a:solidFill>
+                          </a:rPr>
+                          <m:t>𝑖</m:t>
+                        </m:r>
+                      </m:e>
+                      <m:sub>
+                        <m:r>
+                          <a:rPr lang="ru-RU" sz="2000" i="1">
+                            <a:solidFill>
+                              <a:schemeClr val="bg1"/>
+                            </a:solidFill>
+                          </a:rPr>
+                          <m:t>𝑛</m:t>
+                        </m:r>
+                      </m:sub>
+                    </m:sSub>
+                    <m:r>
+                      <a:rPr lang="ru-RU" sz="2000" i="1">
+                        <a:solidFill>
+                          <a:schemeClr val="bg1"/>
+                        </a:solidFill>
+                      </a:rPr>
+                      <m:t>+ </m:t>
+                    </m:r>
+                    <m:sSub>
+                      <m:sSubPr>
+                        <m:ctrlPr>
+                          <a:rPr lang="ru-RU" sz="2000" i="1">
+                            <a:solidFill>
+                              <a:schemeClr val="bg1"/>
+                            </a:solidFill>
+                          </a:rPr>
+                        </m:ctrlPr>
+                      </m:sSubPr>
+                      <m:e>
+                        <m:r>
+                          <a:rPr lang="en-US" sz="2000" i="1">
+                            <a:solidFill>
+                              <a:schemeClr val="bg1"/>
+                            </a:solidFill>
+                          </a:rPr>
+                          <m:t>𝑘</m:t>
+                        </m:r>
+                      </m:e>
+                      <m:sub>
+                        <m:r>
+                          <a:rPr lang="ru-RU" sz="2000" i="1">
+                            <a:solidFill>
+                              <a:schemeClr val="bg1"/>
+                            </a:solidFill>
+                          </a:rPr>
+                          <m:t>𝑛</m:t>
+                        </m:r>
+                      </m:sub>
+                    </m:sSub>
+                    <m:r>
+                      <a:rPr lang="ru-RU" sz="2000" i="1">
+                        <a:solidFill>
+                          <a:schemeClr val="bg1"/>
+                        </a:solidFill>
+                      </a:rPr>
+                      <m:t>∗</m:t>
+                    </m:r>
+                    <m:sSub>
+                      <m:sSubPr>
+                        <m:ctrlPr>
+                          <a:rPr lang="ru-RU" sz="2000" i="1">
+                            <a:solidFill>
+                              <a:schemeClr val="bg1"/>
+                            </a:solidFill>
+                          </a:rPr>
+                        </m:ctrlPr>
+                      </m:sSubPr>
+                      <m:e>
+                        <m:r>
+                          <a:rPr lang="ru-RU" sz="2000" i="1">
+                            <a:solidFill>
+                              <a:schemeClr val="bg1"/>
+                            </a:solidFill>
+                          </a:rPr>
+                          <m:t>𝑠h𝑖𝑓𝑡</m:t>
+                        </m:r>
+                      </m:e>
+                      <m:sub>
+                        <m:r>
+                          <a:rPr lang="ru-RU" sz="2000" i="1">
+                            <a:solidFill>
+                              <a:schemeClr val="bg1"/>
+                            </a:solidFill>
+                          </a:rPr>
+                          <m:t>𝑛</m:t>
+                        </m:r>
+                        <m:r>
+                          <a:rPr lang="ru-RU" sz="2000" i="1">
+                            <a:solidFill>
+                              <a:schemeClr val="bg1"/>
+                            </a:solidFill>
+                          </a:rPr>
+                          <m:t>−1</m:t>
+                        </m:r>
+                      </m:sub>
+                    </m:sSub>
+                  </m:oMath>
+                </a14:m>
+                <a:endParaRPr lang="ru-RU" sz="2000" u="none" strike="noStrike" cap="none" spc="0" dirty="0" smtClean="0">
+                  <a:solidFill>
+                    <a:schemeClr val="bg1"/>
+                  </a:solidFill>
+                  <a:latin typeface="Calibri"/>
+                </a:endParaRPr>
+              </a:p>
+              <a:p>
+                <a:pPr marL="342900" marR="0" lvl="0" indent="-342900" algn="l" rtl="0" fontAlgn="base">
+                  <a:lnSpc>
+                    <a:spcPct val="100000"/>
+                  </a:lnSpc>
+                  <a:spcBef>
+                    <a:spcPts val="0"/>
+                  </a:spcBef>
+                  <a:spcAft>
+                    <a:spcPts val="0"/>
+                  </a:spcAft>
+                  <a:buFont typeface="Arial" panose="020B0604020202020204" pitchFamily="34" charset="0"/>
+                  <a:buChar char="•"/>
+                </a:pPr>
+                <a:endParaRPr lang="en-US" sz="2000" u="none" strike="noStrike" cap="none" spc="0" dirty="0">
+                  <a:solidFill>
+                    <a:srgbClr val="FFFFFF">
+                      <a:alpha val="100000"/>
+                    </a:srgbClr>
+                  </a:solidFill>
+                  <a:latin typeface="Calibri"/>
+                </a:endParaRPr>
+              </a:p>
+            </p:txBody>
+          </p:sp>
+        </mc:Choice>
+        <mc:Fallback>
+          <p:sp>
+            <p:nvSpPr>
+              <p:cNvPr id="3" name="TextBox 2"/>
+              <p:cNvSpPr txBox="1">
+                <a:spLocks noRot="1" noChangeAspect="1" noMove="1" noResize="1" noEditPoints="1" noAdjustHandles="1" noChangeArrowheads="1" noChangeShapeType="1" noTextEdit="1"/>
+              </p:cNvSpPr>
+              <p:nvPr/>
+            </p:nvSpPr>
+            <p:spPr>
+              <a:xfrm>
+                <a:off x="914400" y="1800225"/>
+                <a:ext cx="7315200" cy="2862322"/>
+              </a:xfrm>
+              <a:prstGeom prst="rect">
+                <a:avLst/>
+              </a:prstGeom>
+              <a:blipFill>
+                <a:blip r:embed="rId2"/>
+                <a:stretch>
+                  <a:fillRect l="-750" t="-1064"/>
+                </a:stretch>
+              </a:blipFill>
+            </p:spPr>
+            <p:txBody>
+              <a:bodyPr/>
+              <a:lstStyle/>
+              <a:p>
+                <a:r>
+                  <a:rPr lang="ru-RU">
+                    <a:noFill/>
+                  </a:rPr>
+                  <a:t> </a:t>
+                </a:r>
+              </a:p>
+            </p:txBody>
+          </p:sp>
+        </mc:Fallback>
+      </mc:AlternateContent>
     </p:spTree>
   </p:cSld>
   <p:clrMapOvr>
